--- a/Neural Networks - Loan Default/Loan Default Prediction Presentation - Business Interpretation - John Buczkowski.pptx
+++ b/Neural Networks - Loan Default/Loan Default Prediction Presentation - Business Interpretation - John Buczkowski.pptx
@@ -7,7 +7,7 @@
     <p:sldMasterId id="2147483680" r:id="rId3"/>
   </p:sldMasterIdLst>
   <p:notesMasterIdLst>
-    <p:notesMasterId r:id="rId41"/>
+    <p:notesMasterId r:id="rId51"/>
   </p:notesMasterIdLst>
   <p:sldIdLst>
     <p:sldId id="256" r:id="rId4"/>
@@ -31,51 +31,61 @@
     <p:sldId id="299" r:id="rId22"/>
     <p:sldId id="300" r:id="rId23"/>
     <p:sldId id="301" r:id="rId24"/>
-    <p:sldId id="292" r:id="rId25"/>
-    <p:sldId id="263" r:id="rId26"/>
-    <p:sldId id="264" r:id="rId27"/>
-    <p:sldId id="265" r:id="rId28"/>
-    <p:sldId id="266" r:id="rId29"/>
-    <p:sldId id="267" r:id="rId30"/>
-    <p:sldId id="268" r:id="rId31"/>
-    <p:sldId id="269" r:id="rId32"/>
-    <p:sldId id="270" r:id="rId33"/>
-    <p:sldId id="271" r:id="rId34"/>
-    <p:sldId id="272" r:id="rId35"/>
-    <p:sldId id="273" r:id="rId36"/>
-    <p:sldId id="274" r:id="rId37"/>
-    <p:sldId id="275" r:id="rId38"/>
-    <p:sldId id="276" r:id="rId39"/>
-    <p:sldId id="277" r:id="rId40"/>
+    <p:sldId id="303" r:id="rId25"/>
+    <p:sldId id="304" r:id="rId26"/>
+    <p:sldId id="305" r:id="rId27"/>
+    <p:sldId id="306" r:id="rId28"/>
+    <p:sldId id="307" r:id="rId29"/>
+    <p:sldId id="308" r:id="rId30"/>
+    <p:sldId id="309" r:id="rId31"/>
+    <p:sldId id="310" r:id="rId32"/>
+    <p:sldId id="312" r:id="rId33"/>
+    <p:sldId id="313" r:id="rId34"/>
+    <p:sldId id="311" r:id="rId35"/>
+    <p:sldId id="263" r:id="rId36"/>
+    <p:sldId id="264" r:id="rId37"/>
+    <p:sldId id="265" r:id="rId38"/>
+    <p:sldId id="266" r:id="rId39"/>
+    <p:sldId id="267" r:id="rId40"/>
+    <p:sldId id="268" r:id="rId41"/>
+    <p:sldId id="269" r:id="rId42"/>
+    <p:sldId id="270" r:id="rId43"/>
+    <p:sldId id="271" r:id="rId44"/>
+    <p:sldId id="272" r:id="rId45"/>
+    <p:sldId id="273" r:id="rId46"/>
+    <p:sldId id="274" r:id="rId47"/>
+    <p:sldId id="275" r:id="rId48"/>
+    <p:sldId id="276" r:id="rId49"/>
+    <p:sldId id="277" r:id="rId50"/>
   </p:sldIdLst>
   <p:sldSz cx="9144000" cy="5143500" type="screen16x9"/>
   <p:notesSz cx="6858000" cy="9144000"/>
   <p:embeddedFontLst>
     <p:embeddedFont>
       <p:font typeface="Century Gothic" panose="020B0502020202020204" pitchFamily="34" charset="0"/>
-      <p:regular r:id="rId42"/>
-      <p:bold r:id="rId43"/>
-      <p:italic r:id="rId44"/>
-      <p:boldItalic r:id="rId45"/>
-    </p:embeddedFont>
-    <p:embeddedFont>
-      <p:font typeface="Nunito" pitchFamily="2" charset="0"/>
-      <p:regular r:id="rId46"/>
-      <p:bold r:id="rId47"/>
-      <p:italic r:id="rId48"/>
-      <p:boldItalic r:id="rId49"/>
-    </p:embeddedFont>
-    <p:embeddedFont>
-      <p:font typeface="Nunito ExtraBold" pitchFamily="2" charset="0"/>
-      <p:bold r:id="rId50"/>
-      <p:boldItalic r:id="rId51"/>
-    </p:embeddedFont>
-    <p:embeddedFont>
-      <p:font typeface="Nunito SemiBold" pitchFamily="2" charset="0"/>
       <p:regular r:id="rId52"/>
       <p:bold r:id="rId53"/>
       <p:italic r:id="rId54"/>
       <p:boldItalic r:id="rId55"/>
+    </p:embeddedFont>
+    <p:embeddedFont>
+      <p:font typeface="Nunito" pitchFamily="2" charset="0"/>
+      <p:regular r:id="rId56"/>
+      <p:bold r:id="rId57"/>
+      <p:italic r:id="rId58"/>
+      <p:boldItalic r:id="rId59"/>
+    </p:embeddedFont>
+    <p:embeddedFont>
+      <p:font typeface="Nunito ExtraBold" pitchFamily="2" charset="0"/>
+      <p:bold r:id="rId60"/>
+      <p:boldItalic r:id="rId61"/>
+    </p:embeddedFont>
+    <p:embeddedFont>
+      <p:font typeface="Nunito SemiBold" pitchFamily="2" charset="0"/>
+      <p:regular r:id="rId62"/>
+      <p:bold r:id="rId63"/>
+      <p:italic r:id="rId64"/>
+      <p:boldItalic r:id="rId65"/>
     </p:embeddedFont>
   </p:embeddedFontLst>
   <p:defaultTextStyle>
@@ -2340,7 +2350,7 @@
         <p:cNvPr id="1" name="Shape 184">
           <a:extLst>
             <a:ext uri="{FF2B5EF4-FFF2-40B4-BE49-F238E27FC236}">
-              <a16:creationId xmlns:a16="http://schemas.microsoft.com/office/drawing/2014/main" id="{43B609C7-2BAF-CA97-CE5B-05A52626CE76}"/>
+              <a16:creationId xmlns:a16="http://schemas.microsoft.com/office/drawing/2014/main" id="{B4F6DEAA-1F9F-0EDD-DDB9-B8E9EA6BA095}"/>
             </a:ext>
           </a:extLst>
         </p:cNvPr>
@@ -2360,7 +2370,7 @@
           <p:cNvPr id="185" name="Google Shape;185;p7:notes">
             <a:extLst>
               <a:ext uri="{FF2B5EF4-FFF2-40B4-BE49-F238E27FC236}">
-                <a16:creationId xmlns:a16="http://schemas.microsoft.com/office/drawing/2014/main" id="{960A3CBA-2824-7DD7-DDAA-3FFACB42DC50}"/>
+                <a16:creationId xmlns:a16="http://schemas.microsoft.com/office/drawing/2014/main" id="{282B398E-F771-6DAA-A77C-7A6039296D73}"/>
               </a:ext>
             </a:extLst>
           </p:cNvPr>
@@ -2417,7 +2427,7 @@
           <p:cNvPr id="186" name="Google Shape;186;p7:notes">
             <a:extLst>
               <a:ext uri="{FF2B5EF4-FFF2-40B4-BE49-F238E27FC236}">
-                <a16:creationId xmlns:a16="http://schemas.microsoft.com/office/drawing/2014/main" id="{50B400AB-D82F-335D-AF0D-7FD05DEC259F}"/>
+                <a16:creationId xmlns:a16="http://schemas.microsoft.com/office/drawing/2014/main" id="{2DA6A994-6F38-282E-C0A0-4A838F02F696}"/>
               </a:ext>
             </a:extLst>
           </p:cNvPr>
@@ -2467,7 +2477,7 @@
     </p:spTree>
     <p:extLst>
       <p:ext uri="{BB962C8B-B14F-4D97-AF65-F5344CB8AC3E}">
-        <p14:creationId xmlns:p14="http://schemas.microsoft.com/office/powerpoint/2010/main" val="2032010132"/>
+        <p14:creationId xmlns:p14="http://schemas.microsoft.com/office/powerpoint/2010/main" val="2320081299"/>
       </p:ext>
     </p:extLst>
   </p:cSld>
@@ -2604,7 +2614,13 @@
   <p:cSld>
     <p:spTree>
       <p:nvGrpSpPr>
-        <p:cNvPr id="1" name="Shape 191"/>
+        <p:cNvPr id="1" name="Shape 184">
+          <a:extLst>
+            <a:ext uri="{FF2B5EF4-FFF2-40B4-BE49-F238E27FC236}">
+              <a16:creationId xmlns:a16="http://schemas.microsoft.com/office/drawing/2014/main" id="{83E42EEF-2238-2A6A-32F6-ACD05D443907}"/>
+            </a:ext>
+          </a:extLst>
+        </p:cNvPr>
         <p:cNvGrpSpPr/>
         <p:nvPr/>
       </p:nvGrpSpPr>
@@ -2618,7 +2634,13 @@
       </p:grpSpPr>
       <p:sp>
         <p:nvSpPr>
-          <p:cNvPr id="192" name="Google Shape;192;p8:notes"/>
+          <p:cNvPr id="185" name="Google Shape;185;p7:notes">
+            <a:extLst>
+              <a:ext uri="{FF2B5EF4-FFF2-40B4-BE49-F238E27FC236}">
+                <a16:creationId xmlns:a16="http://schemas.microsoft.com/office/drawing/2014/main" id="{F44B5C24-85BB-DC3A-4C52-D86A06167485}"/>
+              </a:ext>
+            </a:extLst>
+          </p:cNvPr>
           <p:cNvSpPr>
             <a:spLocks noGrp="1" noRot="1" noChangeAspect="1"/>
           </p:cNvSpPr>
@@ -2669,7 +2691,13 @@
       </p:sp>
       <p:sp>
         <p:nvSpPr>
-          <p:cNvPr id="193" name="Google Shape;193;p8:notes"/>
+          <p:cNvPr id="186" name="Google Shape;186;p7:notes">
+            <a:extLst>
+              <a:ext uri="{FF2B5EF4-FFF2-40B4-BE49-F238E27FC236}">
+                <a16:creationId xmlns:a16="http://schemas.microsoft.com/office/drawing/2014/main" id="{5F8CB5A3-26D0-108A-4E96-17CE0AA5200C}"/>
+              </a:ext>
+            </a:extLst>
+          </p:cNvPr>
           <p:cNvSpPr txBox="1">
             <a:spLocks noGrp="1"/>
           </p:cNvSpPr>
@@ -2714,6 +2742,11 @@
         </p:txBody>
       </p:sp>
     </p:spTree>
+    <p:extLst>
+      <p:ext uri="{BB962C8B-B14F-4D97-AF65-F5344CB8AC3E}">
+        <p14:creationId xmlns:p14="http://schemas.microsoft.com/office/powerpoint/2010/main" val="1602306915"/>
+      </p:ext>
+    </p:extLst>
   </p:cSld>
   <p:clrMapOvr>
     <a:masterClrMapping/>
@@ -2726,7 +2759,13 @@
   <p:cSld>
     <p:spTree>
       <p:nvGrpSpPr>
-        <p:cNvPr id="1" name="Shape 196"/>
+        <p:cNvPr id="1" name="Shape 184">
+          <a:extLst>
+            <a:ext uri="{FF2B5EF4-FFF2-40B4-BE49-F238E27FC236}">
+              <a16:creationId xmlns:a16="http://schemas.microsoft.com/office/drawing/2014/main" id="{0C6A391D-E888-4EC9-9944-6E9B1A279B2A}"/>
+            </a:ext>
+          </a:extLst>
+        </p:cNvPr>
         <p:cNvGrpSpPr/>
         <p:nvPr/>
       </p:nvGrpSpPr>
@@ -2740,215 +2779,13 @@
       </p:grpSpPr>
       <p:sp>
         <p:nvSpPr>
-          <p:cNvPr id="197" name="Google Shape;197;p9:notes"/>
-          <p:cNvSpPr txBox="1">
-            <a:spLocks noGrp="1"/>
-          </p:cNvSpPr>
-          <p:nvPr>
-            <p:ph type="body" idx="1"/>
-          </p:nvPr>
-        </p:nvSpPr>
-        <p:spPr>
-          <a:xfrm>
-            <a:off x="685800" y="4343400"/>
-            <a:ext cx="5486400" cy="4114800"/>
-          </a:xfrm>
-          <a:prstGeom prst="rect">
-            <a:avLst/>
-          </a:prstGeom>
-        </p:spPr>
-        <p:txBody>
-          <a:bodyPr spcFirstLastPara="1" wrap="square" lIns="91425" tIns="91425" rIns="91425" bIns="91425" anchor="t" anchorCtr="0">
-            <a:noAutofit/>
-          </a:bodyPr>
-          <a:lstStyle/>
-          <a:p>
-            <a:pPr marL="0" lvl="0" indent="0" algn="l" rtl="0">
-              <a:spcBef>
-                <a:spcPts val="0"/>
-              </a:spcBef>
-              <a:spcAft>
-                <a:spcPts val="0"/>
-              </a:spcAft>
-              <a:buNone/>
-            </a:pPr>
-            <a:endParaRPr/>
-          </a:p>
-        </p:txBody>
-      </p:sp>
-      <p:sp>
-        <p:nvSpPr>
-          <p:cNvPr id="198" name="Google Shape;198;p9:notes"/>
-          <p:cNvSpPr>
-            <a:spLocks noGrp="1" noRot="1" noChangeAspect="1"/>
-          </p:cNvSpPr>
-          <p:nvPr>
-            <p:ph type="sldImg" idx="2"/>
-          </p:nvPr>
-        </p:nvSpPr>
-        <p:spPr>
-          <a:xfrm>
-            <a:off x="381000" y="685800"/>
-            <a:ext cx="6096000" cy="3429000"/>
-          </a:xfrm>
-          <a:custGeom>
-            <a:avLst/>
-            <a:gdLst/>
-            <a:ahLst/>
-            <a:cxnLst/>
-            <a:rect l="l" t="t" r="r" b="b"/>
-            <a:pathLst>
-              <a:path w="120000" h="120000" extrusionOk="0">
-                <a:moveTo>
-                  <a:pt x="0" y="0"/>
-                </a:moveTo>
-                <a:lnTo>
-                  <a:pt x="120000" y="0"/>
-                </a:lnTo>
-                <a:lnTo>
-                  <a:pt x="120000" y="120000"/>
-                </a:lnTo>
-                <a:lnTo>
-                  <a:pt x="0" y="120000"/>
-                </a:lnTo>
-                <a:close/>
-              </a:path>
-            </a:pathLst>
-          </a:custGeom>
-        </p:spPr>
-      </p:sp>
-    </p:spTree>
-  </p:cSld>
-  <p:clrMapOvr>
-    <a:masterClrMapping/>
-  </p:clrMapOvr>
-</p:notes>
-</file>
-
-<file path=ppt/notesSlides/notesSlide22.xml><?xml version="1.0" encoding="utf-8"?>
-<p:notes xmlns:a="http://schemas.openxmlformats.org/drawingml/2006/main" xmlns:r="http://schemas.openxmlformats.org/officeDocument/2006/relationships" xmlns:p="http://schemas.openxmlformats.org/presentationml/2006/main" showMasterSp="0" showMasterPhAnim="0">
-  <p:cSld>
-    <p:spTree>
-      <p:nvGrpSpPr>
-        <p:cNvPr id="1" name="Shape 201"/>
-        <p:cNvGrpSpPr/>
-        <p:nvPr/>
-      </p:nvGrpSpPr>
-      <p:grpSpPr>
-        <a:xfrm>
-          <a:off x="0" y="0"/>
-          <a:ext cx="0" cy="0"/>
-          <a:chOff x="0" y="0"/>
-          <a:chExt cx="0" cy="0"/>
-        </a:xfrm>
-      </p:grpSpPr>
-      <p:sp>
-        <p:nvSpPr>
-          <p:cNvPr id="202" name="Google Shape;202;p10:notes"/>
-          <p:cNvSpPr txBox="1">
-            <a:spLocks noGrp="1"/>
-          </p:cNvSpPr>
-          <p:nvPr>
-            <p:ph type="body" idx="1"/>
-          </p:nvPr>
-        </p:nvSpPr>
-        <p:spPr>
-          <a:xfrm>
-            <a:off x="685800" y="4343400"/>
-            <a:ext cx="5486400" cy="4114800"/>
-          </a:xfrm>
-          <a:prstGeom prst="rect">
-            <a:avLst/>
-          </a:prstGeom>
-        </p:spPr>
-        <p:txBody>
-          <a:bodyPr spcFirstLastPara="1" wrap="square" lIns="91425" tIns="91425" rIns="91425" bIns="91425" anchor="t" anchorCtr="0">
-            <a:noAutofit/>
-          </a:bodyPr>
-          <a:lstStyle/>
-          <a:p>
-            <a:pPr marL="0" lvl="0" indent="0" algn="l" rtl="0">
-              <a:spcBef>
-                <a:spcPts val="0"/>
-              </a:spcBef>
-              <a:spcAft>
-                <a:spcPts val="0"/>
-              </a:spcAft>
-              <a:buNone/>
-            </a:pPr>
-            <a:endParaRPr/>
-          </a:p>
-        </p:txBody>
-      </p:sp>
-      <p:sp>
-        <p:nvSpPr>
-          <p:cNvPr id="203" name="Google Shape;203;p10:notes"/>
-          <p:cNvSpPr>
-            <a:spLocks noGrp="1" noRot="1" noChangeAspect="1"/>
-          </p:cNvSpPr>
-          <p:nvPr>
-            <p:ph type="sldImg" idx="2"/>
-          </p:nvPr>
-        </p:nvSpPr>
-        <p:spPr>
-          <a:xfrm>
-            <a:off x="381000" y="685800"/>
-            <a:ext cx="6096000" cy="3429000"/>
-          </a:xfrm>
-          <a:custGeom>
-            <a:avLst/>
-            <a:gdLst/>
-            <a:ahLst/>
-            <a:cxnLst/>
-            <a:rect l="l" t="t" r="r" b="b"/>
-            <a:pathLst>
-              <a:path w="120000" h="120000" extrusionOk="0">
-                <a:moveTo>
-                  <a:pt x="0" y="0"/>
-                </a:moveTo>
-                <a:lnTo>
-                  <a:pt x="120000" y="0"/>
-                </a:lnTo>
-                <a:lnTo>
-                  <a:pt x="120000" y="120000"/>
-                </a:lnTo>
-                <a:lnTo>
-                  <a:pt x="0" y="120000"/>
-                </a:lnTo>
-                <a:close/>
-              </a:path>
-            </a:pathLst>
-          </a:custGeom>
-        </p:spPr>
-      </p:sp>
-    </p:spTree>
-  </p:cSld>
-  <p:clrMapOvr>
-    <a:masterClrMapping/>
-  </p:clrMapOvr>
-</p:notes>
-</file>
-
-<file path=ppt/notesSlides/notesSlide23.xml><?xml version="1.0" encoding="utf-8"?>
-<p:notes xmlns:a="http://schemas.openxmlformats.org/drawingml/2006/main" xmlns:r="http://schemas.openxmlformats.org/officeDocument/2006/relationships" xmlns:p="http://schemas.openxmlformats.org/presentationml/2006/main" showMasterSp="0" showMasterPhAnim="0">
-  <p:cSld>
-    <p:spTree>
-      <p:nvGrpSpPr>
-        <p:cNvPr id="1" name="Shape 206"/>
-        <p:cNvGrpSpPr/>
-        <p:nvPr/>
-      </p:nvGrpSpPr>
-      <p:grpSpPr>
-        <a:xfrm>
-          <a:off x="0" y="0"/>
-          <a:ext cx="0" cy="0"/>
-          <a:chOff x="0" y="0"/>
-          <a:chExt cx="0" cy="0"/>
-        </a:xfrm>
-      </p:grpSpPr>
-      <p:sp>
-        <p:nvSpPr>
-          <p:cNvPr id="207" name="Google Shape;207;p11:notes"/>
+          <p:cNvPr id="185" name="Google Shape;185;p7:notes">
+            <a:extLst>
+              <a:ext uri="{FF2B5EF4-FFF2-40B4-BE49-F238E27FC236}">
+                <a16:creationId xmlns:a16="http://schemas.microsoft.com/office/drawing/2014/main" id="{9C3337DA-447A-CE03-15BF-72EFE7C3254B}"/>
+              </a:ext>
+            </a:extLst>
+          </p:cNvPr>
           <p:cNvSpPr>
             <a:spLocks noGrp="1" noRot="1" noChangeAspect="1"/>
           </p:cNvSpPr>
@@ -2999,7 +2836,13 @@
       </p:sp>
       <p:sp>
         <p:nvSpPr>
-          <p:cNvPr id="208" name="Google Shape;208;p11:notes"/>
+          <p:cNvPr id="186" name="Google Shape;186;p7:notes">
+            <a:extLst>
+              <a:ext uri="{FF2B5EF4-FFF2-40B4-BE49-F238E27FC236}">
+                <a16:creationId xmlns:a16="http://schemas.microsoft.com/office/drawing/2014/main" id="{D560A0E4-29F0-E4EE-3346-3575DECB5612}"/>
+              </a:ext>
+            </a:extLst>
+          </p:cNvPr>
           <p:cNvSpPr txBox="1">
             <a:spLocks noGrp="1"/>
           </p:cNvSpPr>
@@ -3044,6 +2887,11 @@
         </p:txBody>
       </p:sp>
     </p:spTree>
+    <p:extLst>
+      <p:ext uri="{BB962C8B-B14F-4D97-AF65-F5344CB8AC3E}">
+        <p14:creationId xmlns:p14="http://schemas.microsoft.com/office/powerpoint/2010/main" val="3272287135"/>
+      </p:ext>
+    </p:extLst>
   </p:cSld>
   <p:clrMapOvr>
     <a:masterClrMapping/>
@@ -3051,12 +2899,18 @@
 </p:notes>
 </file>
 
-<file path=ppt/notesSlides/notesSlide24.xml><?xml version="1.0" encoding="utf-8"?>
+<file path=ppt/notesSlides/notesSlide22.xml><?xml version="1.0" encoding="utf-8"?>
 <p:notes xmlns:a="http://schemas.openxmlformats.org/drawingml/2006/main" xmlns:r="http://schemas.openxmlformats.org/officeDocument/2006/relationships" xmlns:p="http://schemas.openxmlformats.org/presentationml/2006/main" showMasterSp="0" showMasterPhAnim="0">
   <p:cSld>
     <p:spTree>
       <p:nvGrpSpPr>
-        <p:cNvPr id="1" name="Shape 213"/>
+        <p:cNvPr id="1" name="Shape 184">
+          <a:extLst>
+            <a:ext uri="{FF2B5EF4-FFF2-40B4-BE49-F238E27FC236}">
+              <a16:creationId xmlns:a16="http://schemas.microsoft.com/office/drawing/2014/main" id="{300546BD-351A-315A-41C6-A79C65316F9F}"/>
+            </a:ext>
+          </a:extLst>
+        </p:cNvPr>
         <p:cNvGrpSpPr/>
         <p:nvPr/>
       </p:nvGrpSpPr>
@@ -3070,319 +2924,13 @@
       </p:grpSpPr>
       <p:sp>
         <p:nvSpPr>
-          <p:cNvPr id="214" name="Google Shape;214;p12:notes"/>
-          <p:cNvSpPr txBox="1">
-            <a:spLocks noGrp="1"/>
-          </p:cNvSpPr>
-          <p:nvPr>
-            <p:ph type="body" idx="1"/>
-          </p:nvPr>
-        </p:nvSpPr>
-        <p:spPr>
-          <a:xfrm>
-            <a:off x="685800" y="4343400"/>
-            <a:ext cx="5486400" cy="4114800"/>
-          </a:xfrm>
-          <a:prstGeom prst="rect">
-            <a:avLst/>
-          </a:prstGeom>
-        </p:spPr>
-        <p:txBody>
-          <a:bodyPr spcFirstLastPara="1" wrap="square" lIns="91425" tIns="91425" rIns="91425" bIns="91425" anchor="t" anchorCtr="0">
-            <a:noAutofit/>
-          </a:bodyPr>
-          <a:lstStyle/>
-          <a:p>
-            <a:pPr marL="0" lvl="0" indent="0" algn="l" rtl="0">
-              <a:spcBef>
-                <a:spcPts val="0"/>
-              </a:spcBef>
-              <a:spcAft>
-                <a:spcPts val="0"/>
-              </a:spcAft>
-              <a:buNone/>
-            </a:pPr>
-            <a:endParaRPr/>
-          </a:p>
-        </p:txBody>
-      </p:sp>
-      <p:sp>
-        <p:nvSpPr>
-          <p:cNvPr id="215" name="Google Shape;215;p12:notes"/>
-          <p:cNvSpPr>
-            <a:spLocks noGrp="1" noRot="1" noChangeAspect="1"/>
-          </p:cNvSpPr>
-          <p:nvPr>
-            <p:ph type="sldImg" idx="2"/>
-          </p:nvPr>
-        </p:nvSpPr>
-        <p:spPr>
-          <a:xfrm>
-            <a:off x="381000" y="685800"/>
-            <a:ext cx="6096000" cy="3429000"/>
-          </a:xfrm>
-          <a:custGeom>
-            <a:avLst/>
-            <a:gdLst/>
-            <a:ahLst/>
-            <a:cxnLst/>
-            <a:rect l="l" t="t" r="r" b="b"/>
-            <a:pathLst>
-              <a:path w="120000" h="120000" extrusionOk="0">
-                <a:moveTo>
-                  <a:pt x="0" y="0"/>
-                </a:moveTo>
-                <a:lnTo>
-                  <a:pt x="120000" y="0"/>
-                </a:lnTo>
-                <a:lnTo>
-                  <a:pt x="120000" y="120000"/>
-                </a:lnTo>
-                <a:lnTo>
-                  <a:pt x="0" y="120000"/>
-                </a:lnTo>
-                <a:close/>
-              </a:path>
-            </a:pathLst>
-          </a:custGeom>
-        </p:spPr>
-      </p:sp>
-    </p:spTree>
-  </p:cSld>
-  <p:clrMapOvr>
-    <a:masterClrMapping/>
-  </p:clrMapOvr>
-</p:notes>
-</file>
-
-<file path=ppt/notesSlides/notesSlide25.xml><?xml version="1.0" encoding="utf-8"?>
-<p:notes xmlns:a="http://schemas.openxmlformats.org/drawingml/2006/main" xmlns:r="http://schemas.openxmlformats.org/officeDocument/2006/relationships" xmlns:p="http://schemas.openxmlformats.org/presentationml/2006/main" showMasterSp="0" showMasterPhAnim="0">
-  <p:cSld>
-    <p:spTree>
-      <p:nvGrpSpPr>
-        <p:cNvPr id="1" name="Shape 218"/>
-        <p:cNvGrpSpPr/>
-        <p:nvPr/>
-      </p:nvGrpSpPr>
-      <p:grpSpPr>
-        <a:xfrm>
-          <a:off x="0" y="0"/>
-          <a:ext cx="0" cy="0"/>
-          <a:chOff x="0" y="0"/>
-          <a:chExt cx="0" cy="0"/>
-        </a:xfrm>
-      </p:grpSpPr>
-      <p:sp>
-        <p:nvSpPr>
-          <p:cNvPr id="219" name="Google Shape;219;p14:notes"/>
-          <p:cNvSpPr txBox="1">
-            <a:spLocks noGrp="1"/>
-          </p:cNvSpPr>
-          <p:nvPr>
-            <p:ph type="body" idx="1"/>
-          </p:nvPr>
-        </p:nvSpPr>
-        <p:spPr>
-          <a:xfrm>
-            <a:off x="685800" y="4343400"/>
-            <a:ext cx="5486400" cy="4114800"/>
-          </a:xfrm>
-          <a:prstGeom prst="rect">
-            <a:avLst/>
-          </a:prstGeom>
-        </p:spPr>
-        <p:txBody>
-          <a:bodyPr spcFirstLastPara="1" wrap="square" lIns="91425" tIns="91425" rIns="91425" bIns="91425" anchor="t" anchorCtr="0">
-            <a:noAutofit/>
-          </a:bodyPr>
-          <a:lstStyle/>
-          <a:p>
-            <a:pPr marL="0" lvl="0" indent="0" algn="l" rtl="0">
-              <a:spcBef>
-                <a:spcPts val="0"/>
-              </a:spcBef>
-              <a:spcAft>
-                <a:spcPts val="0"/>
-              </a:spcAft>
-              <a:buNone/>
-            </a:pPr>
-            <a:endParaRPr/>
-          </a:p>
-        </p:txBody>
-      </p:sp>
-      <p:sp>
-        <p:nvSpPr>
-          <p:cNvPr id="220" name="Google Shape;220;p14:notes"/>
-          <p:cNvSpPr>
-            <a:spLocks noGrp="1" noRot="1" noChangeAspect="1"/>
-          </p:cNvSpPr>
-          <p:nvPr>
-            <p:ph type="sldImg" idx="2"/>
-          </p:nvPr>
-        </p:nvSpPr>
-        <p:spPr>
-          <a:xfrm>
-            <a:off x="381000" y="685800"/>
-            <a:ext cx="6096000" cy="3429000"/>
-          </a:xfrm>
-          <a:custGeom>
-            <a:avLst/>
-            <a:gdLst/>
-            <a:ahLst/>
-            <a:cxnLst/>
-            <a:rect l="l" t="t" r="r" b="b"/>
-            <a:pathLst>
-              <a:path w="120000" h="120000" extrusionOk="0">
-                <a:moveTo>
-                  <a:pt x="0" y="0"/>
-                </a:moveTo>
-                <a:lnTo>
-                  <a:pt x="120000" y="0"/>
-                </a:lnTo>
-                <a:lnTo>
-                  <a:pt x="120000" y="120000"/>
-                </a:lnTo>
-                <a:lnTo>
-                  <a:pt x="0" y="120000"/>
-                </a:lnTo>
-                <a:close/>
-              </a:path>
-            </a:pathLst>
-          </a:custGeom>
-        </p:spPr>
-      </p:sp>
-    </p:spTree>
-  </p:cSld>
-  <p:clrMapOvr>
-    <a:masterClrMapping/>
-  </p:clrMapOvr>
-</p:notes>
-</file>
-
-<file path=ppt/notesSlides/notesSlide26.xml><?xml version="1.0" encoding="utf-8"?>
-<p:notes xmlns:a="http://schemas.openxmlformats.org/drawingml/2006/main" xmlns:r="http://schemas.openxmlformats.org/officeDocument/2006/relationships" xmlns:p="http://schemas.openxmlformats.org/presentationml/2006/main" showMasterSp="0" showMasterPhAnim="0">
-  <p:cSld>
-    <p:spTree>
-      <p:nvGrpSpPr>
-        <p:cNvPr id="1" name="Shape 223"/>
-        <p:cNvGrpSpPr/>
-        <p:nvPr/>
-      </p:nvGrpSpPr>
-      <p:grpSpPr>
-        <a:xfrm>
-          <a:off x="0" y="0"/>
-          <a:ext cx="0" cy="0"/>
-          <a:chOff x="0" y="0"/>
-          <a:chExt cx="0" cy="0"/>
-        </a:xfrm>
-      </p:grpSpPr>
-      <p:sp>
-        <p:nvSpPr>
-          <p:cNvPr id="224" name="Google Shape;224;p13:notes"/>
-          <p:cNvSpPr txBox="1">
-            <a:spLocks noGrp="1"/>
-          </p:cNvSpPr>
-          <p:nvPr>
-            <p:ph type="body" idx="1"/>
-          </p:nvPr>
-        </p:nvSpPr>
-        <p:spPr>
-          <a:xfrm>
-            <a:off x="685800" y="4343400"/>
-            <a:ext cx="5486400" cy="4114800"/>
-          </a:xfrm>
-          <a:prstGeom prst="rect">
-            <a:avLst/>
-          </a:prstGeom>
-        </p:spPr>
-        <p:txBody>
-          <a:bodyPr spcFirstLastPara="1" wrap="square" lIns="91425" tIns="91425" rIns="91425" bIns="91425" anchor="t" anchorCtr="0">
-            <a:noAutofit/>
-          </a:bodyPr>
-          <a:lstStyle/>
-          <a:p>
-            <a:pPr marL="0" lvl="0" indent="0" algn="l" rtl="0">
-              <a:spcBef>
-                <a:spcPts val="0"/>
-              </a:spcBef>
-              <a:spcAft>
-                <a:spcPts val="0"/>
-              </a:spcAft>
-              <a:buNone/>
-            </a:pPr>
-            <a:endParaRPr/>
-          </a:p>
-        </p:txBody>
-      </p:sp>
-      <p:sp>
-        <p:nvSpPr>
-          <p:cNvPr id="225" name="Google Shape;225;p13:notes"/>
-          <p:cNvSpPr>
-            <a:spLocks noGrp="1" noRot="1" noChangeAspect="1"/>
-          </p:cNvSpPr>
-          <p:nvPr>
-            <p:ph type="sldImg" idx="2"/>
-          </p:nvPr>
-        </p:nvSpPr>
-        <p:spPr>
-          <a:xfrm>
-            <a:off x="381000" y="685800"/>
-            <a:ext cx="6096000" cy="3429000"/>
-          </a:xfrm>
-          <a:custGeom>
-            <a:avLst/>
-            <a:gdLst/>
-            <a:ahLst/>
-            <a:cxnLst/>
-            <a:rect l="l" t="t" r="r" b="b"/>
-            <a:pathLst>
-              <a:path w="120000" h="120000" extrusionOk="0">
-                <a:moveTo>
-                  <a:pt x="0" y="0"/>
-                </a:moveTo>
-                <a:lnTo>
-                  <a:pt x="120000" y="0"/>
-                </a:lnTo>
-                <a:lnTo>
-                  <a:pt x="120000" y="120000"/>
-                </a:lnTo>
-                <a:lnTo>
-                  <a:pt x="0" y="120000"/>
-                </a:lnTo>
-                <a:close/>
-              </a:path>
-            </a:pathLst>
-          </a:custGeom>
-        </p:spPr>
-      </p:sp>
-    </p:spTree>
-  </p:cSld>
-  <p:clrMapOvr>
-    <a:masterClrMapping/>
-  </p:clrMapOvr>
-</p:notes>
-</file>
-
-<file path=ppt/notesSlides/notesSlide27.xml><?xml version="1.0" encoding="utf-8"?>
-<p:notes xmlns:a="http://schemas.openxmlformats.org/drawingml/2006/main" xmlns:r="http://schemas.openxmlformats.org/officeDocument/2006/relationships" xmlns:p="http://schemas.openxmlformats.org/presentationml/2006/main" showMasterSp="0" showMasterPhAnim="0">
-  <p:cSld>
-    <p:spTree>
-      <p:nvGrpSpPr>
-        <p:cNvPr id="1" name="Shape 228"/>
-        <p:cNvGrpSpPr/>
-        <p:nvPr/>
-      </p:nvGrpSpPr>
-      <p:grpSpPr>
-        <a:xfrm>
-          <a:off x="0" y="0"/>
-          <a:ext cx="0" cy="0"/>
-          <a:chOff x="0" y="0"/>
-          <a:chExt cx="0" cy="0"/>
-        </a:xfrm>
-      </p:grpSpPr>
-      <p:sp>
-        <p:nvSpPr>
-          <p:cNvPr id="229" name="Google Shape;229;p19:notes"/>
+          <p:cNvPr id="185" name="Google Shape;185;p7:notes">
+            <a:extLst>
+              <a:ext uri="{FF2B5EF4-FFF2-40B4-BE49-F238E27FC236}">
+                <a16:creationId xmlns:a16="http://schemas.microsoft.com/office/drawing/2014/main" id="{A99C8879-C341-2A15-1C40-5E73727662DA}"/>
+              </a:ext>
+            </a:extLst>
+          </p:cNvPr>
           <p:cNvSpPr>
             <a:spLocks noGrp="1" noRot="1" noChangeAspect="1"/>
           </p:cNvSpPr>
@@ -3433,7 +2981,13 @@
       </p:sp>
       <p:sp>
         <p:nvSpPr>
-          <p:cNvPr id="230" name="Google Shape;230;p19:notes"/>
+          <p:cNvPr id="186" name="Google Shape;186;p7:notes">
+            <a:extLst>
+              <a:ext uri="{FF2B5EF4-FFF2-40B4-BE49-F238E27FC236}">
+                <a16:creationId xmlns:a16="http://schemas.microsoft.com/office/drawing/2014/main" id="{CC448E87-B441-2293-2F66-CF3ED1390F6D}"/>
+              </a:ext>
+            </a:extLst>
+          </p:cNvPr>
           <p:cNvSpPr txBox="1">
             <a:spLocks noGrp="1"/>
           </p:cNvSpPr>
@@ -3478,6 +3032,11 @@
         </p:txBody>
       </p:sp>
     </p:spTree>
+    <p:extLst>
+      <p:ext uri="{BB962C8B-B14F-4D97-AF65-F5344CB8AC3E}">
+        <p14:creationId xmlns:p14="http://schemas.microsoft.com/office/powerpoint/2010/main" val="2746425315"/>
+      </p:ext>
+    </p:extLst>
   </p:cSld>
   <p:clrMapOvr>
     <a:masterClrMapping/>
@@ -3485,12 +3044,18 @@
 </p:notes>
 </file>
 
-<file path=ppt/notesSlides/notesSlide28.xml><?xml version="1.0" encoding="utf-8"?>
+<file path=ppt/notesSlides/notesSlide23.xml><?xml version="1.0" encoding="utf-8"?>
 <p:notes xmlns:a="http://schemas.openxmlformats.org/drawingml/2006/main" xmlns:r="http://schemas.openxmlformats.org/officeDocument/2006/relationships" xmlns:p="http://schemas.openxmlformats.org/presentationml/2006/main" showMasterSp="0" showMasterPhAnim="0">
   <p:cSld>
     <p:spTree>
       <p:nvGrpSpPr>
-        <p:cNvPr id="1" name="Shape 235"/>
+        <p:cNvPr id="1" name="Shape 184">
+          <a:extLst>
+            <a:ext uri="{FF2B5EF4-FFF2-40B4-BE49-F238E27FC236}">
+              <a16:creationId xmlns:a16="http://schemas.microsoft.com/office/drawing/2014/main" id="{D612E64B-9B16-0FCE-D259-090D4C603185}"/>
+            </a:ext>
+          </a:extLst>
+        </p:cNvPr>
         <p:cNvGrpSpPr/>
         <p:nvPr/>
       </p:nvGrpSpPr>
@@ -3504,7 +3069,13 @@
       </p:grpSpPr>
       <p:sp>
         <p:nvSpPr>
-          <p:cNvPr id="236" name="Google Shape;236;p20:notes"/>
+          <p:cNvPr id="185" name="Google Shape;185;p7:notes">
+            <a:extLst>
+              <a:ext uri="{FF2B5EF4-FFF2-40B4-BE49-F238E27FC236}">
+                <a16:creationId xmlns:a16="http://schemas.microsoft.com/office/drawing/2014/main" id="{178C1A23-0DD6-697F-D97D-DFD9E7D5CF4B}"/>
+              </a:ext>
+            </a:extLst>
+          </p:cNvPr>
           <p:cNvSpPr>
             <a:spLocks noGrp="1" noRot="1" noChangeAspect="1"/>
           </p:cNvSpPr>
@@ -3555,7 +3126,13 @@
       </p:sp>
       <p:sp>
         <p:nvSpPr>
-          <p:cNvPr id="237" name="Google Shape;237;p20:notes"/>
+          <p:cNvPr id="186" name="Google Shape;186;p7:notes">
+            <a:extLst>
+              <a:ext uri="{FF2B5EF4-FFF2-40B4-BE49-F238E27FC236}">
+                <a16:creationId xmlns:a16="http://schemas.microsoft.com/office/drawing/2014/main" id="{F44832D2-C050-11A8-88CF-9B4DA70A0E68}"/>
+              </a:ext>
+            </a:extLst>
+          </p:cNvPr>
           <p:cNvSpPr txBox="1">
             <a:spLocks noGrp="1"/>
           </p:cNvSpPr>
@@ -3600,6 +3177,11 @@
         </p:txBody>
       </p:sp>
     </p:spTree>
+    <p:extLst>
+      <p:ext uri="{BB962C8B-B14F-4D97-AF65-F5344CB8AC3E}">
+        <p14:creationId xmlns:p14="http://schemas.microsoft.com/office/powerpoint/2010/main" val="747814890"/>
+      </p:ext>
+    </p:extLst>
   </p:cSld>
   <p:clrMapOvr>
     <a:masterClrMapping/>
@@ -3607,12 +3189,18 @@
 </p:notes>
 </file>
 
-<file path=ppt/notesSlides/notesSlide29.xml><?xml version="1.0" encoding="utf-8"?>
+<file path=ppt/notesSlides/notesSlide24.xml><?xml version="1.0" encoding="utf-8"?>
 <p:notes xmlns:a="http://schemas.openxmlformats.org/drawingml/2006/main" xmlns:r="http://schemas.openxmlformats.org/officeDocument/2006/relationships" xmlns:p="http://schemas.openxmlformats.org/presentationml/2006/main" showMasterSp="0" showMasterPhAnim="0">
   <p:cSld>
     <p:spTree>
       <p:nvGrpSpPr>
-        <p:cNvPr id="1" name="Shape 242"/>
+        <p:cNvPr id="1" name="Shape 184">
+          <a:extLst>
+            <a:ext uri="{FF2B5EF4-FFF2-40B4-BE49-F238E27FC236}">
+              <a16:creationId xmlns:a16="http://schemas.microsoft.com/office/drawing/2014/main" id="{8E778F29-A810-1218-2CD5-5665A550A6C0}"/>
+            </a:ext>
+          </a:extLst>
+        </p:cNvPr>
         <p:cNvGrpSpPr/>
         <p:nvPr/>
       </p:nvGrpSpPr>
@@ -3626,7 +3214,13 @@
       </p:grpSpPr>
       <p:sp>
         <p:nvSpPr>
-          <p:cNvPr id="243" name="Google Shape;243;g385ad5efec9_0_2:notes"/>
+          <p:cNvPr id="185" name="Google Shape;185;p7:notes">
+            <a:extLst>
+              <a:ext uri="{FF2B5EF4-FFF2-40B4-BE49-F238E27FC236}">
+                <a16:creationId xmlns:a16="http://schemas.microsoft.com/office/drawing/2014/main" id="{E5F8F381-2F76-CE90-ABCF-F6BBBE6D95D9}"/>
+              </a:ext>
+            </a:extLst>
+          </p:cNvPr>
           <p:cNvSpPr>
             <a:spLocks noGrp="1" noRot="1" noChangeAspect="1"/>
           </p:cNvSpPr>
@@ -3677,7 +3271,13 @@
       </p:sp>
       <p:sp>
         <p:nvSpPr>
-          <p:cNvPr id="244" name="Google Shape;244;g385ad5efec9_0_2:notes"/>
+          <p:cNvPr id="186" name="Google Shape;186;p7:notes">
+            <a:extLst>
+              <a:ext uri="{FF2B5EF4-FFF2-40B4-BE49-F238E27FC236}">
+                <a16:creationId xmlns:a16="http://schemas.microsoft.com/office/drawing/2014/main" id="{24B34A52-7D57-13C0-8EDA-BCF0E127E5FB}"/>
+              </a:ext>
+            </a:extLst>
+          </p:cNvPr>
           <p:cNvSpPr txBox="1">
             <a:spLocks noGrp="1"/>
           </p:cNvSpPr>
@@ -3722,6 +3322,736 @@
         </p:txBody>
       </p:sp>
     </p:spTree>
+    <p:extLst>
+      <p:ext uri="{BB962C8B-B14F-4D97-AF65-F5344CB8AC3E}">
+        <p14:creationId xmlns:p14="http://schemas.microsoft.com/office/powerpoint/2010/main" val="1268561902"/>
+      </p:ext>
+    </p:extLst>
+  </p:cSld>
+  <p:clrMapOvr>
+    <a:masterClrMapping/>
+  </p:clrMapOvr>
+</p:notes>
+</file>
+
+<file path=ppt/notesSlides/notesSlide25.xml><?xml version="1.0" encoding="utf-8"?>
+<p:notes xmlns:a="http://schemas.openxmlformats.org/drawingml/2006/main" xmlns:r="http://schemas.openxmlformats.org/officeDocument/2006/relationships" xmlns:p="http://schemas.openxmlformats.org/presentationml/2006/main" showMasterSp="0" showMasterPhAnim="0">
+  <p:cSld>
+    <p:spTree>
+      <p:nvGrpSpPr>
+        <p:cNvPr id="1" name="Shape 184">
+          <a:extLst>
+            <a:ext uri="{FF2B5EF4-FFF2-40B4-BE49-F238E27FC236}">
+              <a16:creationId xmlns:a16="http://schemas.microsoft.com/office/drawing/2014/main" id="{C5792405-6B33-3B19-577D-3E1DD4014F7A}"/>
+            </a:ext>
+          </a:extLst>
+        </p:cNvPr>
+        <p:cNvGrpSpPr/>
+        <p:nvPr/>
+      </p:nvGrpSpPr>
+      <p:grpSpPr>
+        <a:xfrm>
+          <a:off x="0" y="0"/>
+          <a:ext cx="0" cy="0"/>
+          <a:chOff x="0" y="0"/>
+          <a:chExt cx="0" cy="0"/>
+        </a:xfrm>
+      </p:grpSpPr>
+      <p:sp>
+        <p:nvSpPr>
+          <p:cNvPr id="185" name="Google Shape;185;p7:notes">
+            <a:extLst>
+              <a:ext uri="{FF2B5EF4-FFF2-40B4-BE49-F238E27FC236}">
+                <a16:creationId xmlns:a16="http://schemas.microsoft.com/office/drawing/2014/main" id="{18D43D4D-4799-8584-9EC1-0C6CB07E3B7E}"/>
+              </a:ext>
+            </a:extLst>
+          </p:cNvPr>
+          <p:cNvSpPr>
+            <a:spLocks noGrp="1" noRot="1" noChangeAspect="1"/>
+          </p:cNvSpPr>
+          <p:nvPr>
+            <p:ph type="sldImg" idx="2"/>
+          </p:nvPr>
+        </p:nvSpPr>
+        <p:spPr>
+          <a:xfrm>
+            <a:off x="381000" y="685800"/>
+            <a:ext cx="6096000" cy="3429000"/>
+          </a:xfrm>
+          <a:custGeom>
+            <a:avLst/>
+            <a:gdLst/>
+            <a:ahLst/>
+            <a:cxnLst/>
+            <a:rect l="l" t="t" r="r" b="b"/>
+            <a:pathLst>
+              <a:path w="120000" h="120000" extrusionOk="0">
+                <a:moveTo>
+                  <a:pt x="0" y="0"/>
+                </a:moveTo>
+                <a:lnTo>
+                  <a:pt x="120000" y="0"/>
+                </a:lnTo>
+                <a:lnTo>
+                  <a:pt x="120000" y="120000"/>
+                </a:lnTo>
+                <a:lnTo>
+                  <a:pt x="0" y="120000"/>
+                </a:lnTo>
+                <a:close/>
+              </a:path>
+            </a:pathLst>
+          </a:custGeom>
+          <a:noFill/>
+          <a:ln w="9525" cap="flat" cmpd="sng">
+            <a:solidFill>
+              <a:srgbClr val="000000"/>
+            </a:solidFill>
+            <a:prstDash val="solid"/>
+            <a:round/>
+            <a:headEnd type="none" w="sm" len="sm"/>
+            <a:tailEnd type="none" w="sm" len="sm"/>
+          </a:ln>
+        </p:spPr>
+      </p:sp>
+      <p:sp>
+        <p:nvSpPr>
+          <p:cNvPr id="186" name="Google Shape;186;p7:notes">
+            <a:extLst>
+              <a:ext uri="{FF2B5EF4-FFF2-40B4-BE49-F238E27FC236}">
+                <a16:creationId xmlns:a16="http://schemas.microsoft.com/office/drawing/2014/main" id="{54D73330-451B-429A-F671-186ACFD7C4E0}"/>
+              </a:ext>
+            </a:extLst>
+          </p:cNvPr>
+          <p:cNvSpPr txBox="1">
+            <a:spLocks noGrp="1"/>
+          </p:cNvSpPr>
+          <p:nvPr>
+            <p:ph type="body" idx="1"/>
+          </p:nvPr>
+        </p:nvSpPr>
+        <p:spPr>
+          <a:xfrm>
+            <a:off x="685800" y="4343400"/>
+            <a:ext cx="5486400" cy="4114800"/>
+          </a:xfrm>
+          <a:prstGeom prst="rect">
+            <a:avLst/>
+          </a:prstGeom>
+          <a:noFill/>
+          <a:ln>
+            <a:noFill/>
+          </a:ln>
+        </p:spPr>
+        <p:txBody>
+          <a:bodyPr spcFirstLastPara="1" wrap="square" lIns="91425" tIns="91425" rIns="91425" bIns="91425" anchor="t" anchorCtr="0">
+            <a:noAutofit/>
+          </a:bodyPr>
+          <a:lstStyle/>
+          <a:p>
+            <a:pPr marL="0" lvl="0" indent="0" algn="l" rtl="0">
+              <a:lnSpc>
+                <a:spcPct val="100000"/>
+              </a:lnSpc>
+              <a:spcBef>
+                <a:spcPts val="0"/>
+              </a:spcBef>
+              <a:spcAft>
+                <a:spcPts val="0"/>
+              </a:spcAft>
+              <a:buSzPts val="1100"/>
+              <a:buNone/>
+            </a:pPr>
+            <a:endParaRPr/>
+          </a:p>
+        </p:txBody>
+      </p:sp>
+    </p:spTree>
+    <p:extLst>
+      <p:ext uri="{BB962C8B-B14F-4D97-AF65-F5344CB8AC3E}">
+        <p14:creationId xmlns:p14="http://schemas.microsoft.com/office/powerpoint/2010/main" val="1533663484"/>
+      </p:ext>
+    </p:extLst>
+  </p:cSld>
+  <p:clrMapOvr>
+    <a:masterClrMapping/>
+  </p:clrMapOvr>
+</p:notes>
+</file>
+
+<file path=ppt/notesSlides/notesSlide26.xml><?xml version="1.0" encoding="utf-8"?>
+<p:notes xmlns:a="http://schemas.openxmlformats.org/drawingml/2006/main" xmlns:r="http://schemas.openxmlformats.org/officeDocument/2006/relationships" xmlns:p="http://schemas.openxmlformats.org/presentationml/2006/main" showMasterSp="0" showMasterPhAnim="0">
+  <p:cSld>
+    <p:spTree>
+      <p:nvGrpSpPr>
+        <p:cNvPr id="1" name="Shape 184">
+          <a:extLst>
+            <a:ext uri="{FF2B5EF4-FFF2-40B4-BE49-F238E27FC236}">
+              <a16:creationId xmlns:a16="http://schemas.microsoft.com/office/drawing/2014/main" id="{FE53B766-6AD7-ED88-A232-A626406D6111}"/>
+            </a:ext>
+          </a:extLst>
+        </p:cNvPr>
+        <p:cNvGrpSpPr/>
+        <p:nvPr/>
+      </p:nvGrpSpPr>
+      <p:grpSpPr>
+        <a:xfrm>
+          <a:off x="0" y="0"/>
+          <a:ext cx="0" cy="0"/>
+          <a:chOff x="0" y="0"/>
+          <a:chExt cx="0" cy="0"/>
+        </a:xfrm>
+      </p:grpSpPr>
+      <p:sp>
+        <p:nvSpPr>
+          <p:cNvPr id="185" name="Google Shape;185;p7:notes">
+            <a:extLst>
+              <a:ext uri="{FF2B5EF4-FFF2-40B4-BE49-F238E27FC236}">
+                <a16:creationId xmlns:a16="http://schemas.microsoft.com/office/drawing/2014/main" id="{1396AA9D-E07E-40A3-B358-381B946395FC}"/>
+              </a:ext>
+            </a:extLst>
+          </p:cNvPr>
+          <p:cNvSpPr>
+            <a:spLocks noGrp="1" noRot="1" noChangeAspect="1"/>
+          </p:cNvSpPr>
+          <p:nvPr>
+            <p:ph type="sldImg" idx="2"/>
+          </p:nvPr>
+        </p:nvSpPr>
+        <p:spPr>
+          <a:xfrm>
+            <a:off x="381000" y="685800"/>
+            <a:ext cx="6096000" cy="3429000"/>
+          </a:xfrm>
+          <a:custGeom>
+            <a:avLst/>
+            <a:gdLst/>
+            <a:ahLst/>
+            <a:cxnLst/>
+            <a:rect l="l" t="t" r="r" b="b"/>
+            <a:pathLst>
+              <a:path w="120000" h="120000" extrusionOk="0">
+                <a:moveTo>
+                  <a:pt x="0" y="0"/>
+                </a:moveTo>
+                <a:lnTo>
+                  <a:pt x="120000" y="0"/>
+                </a:lnTo>
+                <a:lnTo>
+                  <a:pt x="120000" y="120000"/>
+                </a:lnTo>
+                <a:lnTo>
+                  <a:pt x="0" y="120000"/>
+                </a:lnTo>
+                <a:close/>
+              </a:path>
+            </a:pathLst>
+          </a:custGeom>
+          <a:noFill/>
+          <a:ln w="9525" cap="flat" cmpd="sng">
+            <a:solidFill>
+              <a:srgbClr val="000000"/>
+            </a:solidFill>
+            <a:prstDash val="solid"/>
+            <a:round/>
+            <a:headEnd type="none" w="sm" len="sm"/>
+            <a:tailEnd type="none" w="sm" len="sm"/>
+          </a:ln>
+        </p:spPr>
+      </p:sp>
+      <p:sp>
+        <p:nvSpPr>
+          <p:cNvPr id="186" name="Google Shape;186;p7:notes">
+            <a:extLst>
+              <a:ext uri="{FF2B5EF4-FFF2-40B4-BE49-F238E27FC236}">
+                <a16:creationId xmlns:a16="http://schemas.microsoft.com/office/drawing/2014/main" id="{260B05D1-258B-E237-934E-58741938EE3B}"/>
+              </a:ext>
+            </a:extLst>
+          </p:cNvPr>
+          <p:cNvSpPr txBox="1">
+            <a:spLocks noGrp="1"/>
+          </p:cNvSpPr>
+          <p:nvPr>
+            <p:ph type="body" idx="1"/>
+          </p:nvPr>
+        </p:nvSpPr>
+        <p:spPr>
+          <a:xfrm>
+            <a:off x="685800" y="4343400"/>
+            <a:ext cx="5486400" cy="4114800"/>
+          </a:xfrm>
+          <a:prstGeom prst="rect">
+            <a:avLst/>
+          </a:prstGeom>
+          <a:noFill/>
+          <a:ln>
+            <a:noFill/>
+          </a:ln>
+        </p:spPr>
+        <p:txBody>
+          <a:bodyPr spcFirstLastPara="1" wrap="square" lIns="91425" tIns="91425" rIns="91425" bIns="91425" anchor="t" anchorCtr="0">
+            <a:noAutofit/>
+          </a:bodyPr>
+          <a:lstStyle/>
+          <a:p>
+            <a:pPr marL="0" lvl="0" indent="0" algn="l" rtl="0">
+              <a:lnSpc>
+                <a:spcPct val="100000"/>
+              </a:lnSpc>
+              <a:spcBef>
+                <a:spcPts val="0"/>
+              </a:spcBef>
+              <a:spcAft>
+                <a:spcPts val="0"/>
+              </a:spcAft>
+              <a:buSzPts val="1100"/>
+              <a:buNone/>
+            </a:pPr>
+            <a:endParaRPr/>
+          </a:p>
+        </p:txBody>
+      </p:sp>
+    </p:spTree>
+    <p:extLst>
+      <p:ext uri="{BB962C8B-B14F-4D97-AF65-F5344CB8AC3E}">
+        <p14:creationId xmlns:p14="http://schemas.microsoft.com/office/powerpoint/2010/main" val="1074949326"/>
+      </p:ext>
+    </p:extLst>
+  </p:cSld>
+  <p:clrMapOvr>
+    <a:masterClrMapping/>
+  </p:clrMapOvr>
+</p:notes>
+</file>
+
+<file path=ppt/notesSlides/notesSlide27.xml><?xml version="1.0" encoding="utf-8"?>
+<p:notes xmlns:a="http://schemas.openxmlformats.org/drawingml/2006/main" xmlns:r="http://schemas.openxmlformats.org/officeDocument/2006/relationships" xmlns:p="http://schemas.openxmlformats.org/presentationml/2006/main" showMasterSp="0" showMasterPhAnim="0">
+  <p:cSld>
+    <p:spTree>
+      <p:nvGrpSpPr>
+        <p:cNvPr id="1" name="Shape 184">
+          <a:extLst>
+            <a:ext uri="{FF2B5EF4-FFF2-40B4-BE49-F238E27FC236}">
+              <a16:creationId xmlns:a16="http://schemas.microsoft.com/office/drawing/2014/main" id="{69238B51-5C21-821C-A4E6-883F388C1303}"/>
+            </a:ext>
+          </a:extLst>
+        </p:cNvPr>
+        <p:cNvGrpSpPr/>
+        <p:nvPr/>
+      </p:nvGrpSpPr>
+      <p:grpSpPr>
+        <a:xfrm>
+          <a:off x="0" y="0"/>
+          <a:ext cx="0" cy="0"/>
+          <a:chOff x="0" y="0"/>
+          <a:chExt cx="0" cy="0"/>
+        </a:xfrm>
+      </p:grpSpPr>
+      <p:sp>
+        <p:nvSpPr>
+          <p:cNvPr id="185" name="Google Shape;185;p7:notes">
+            <a:extLst>
+              <a:ext uri="{FF2B5EF4-FFF2-40B4-BE49-F238E27FC236}">
+                <a16:creationId xmlns:a16="http://schemas.microsoft.com/office/drawing/2014/main" id="{CFF093A9-7B85-246B-3EA0-F6925BFB9727}"/>
+              </a:ext>
+            </a:extLst>
+          </p:cNvPr>
+          <p:cNvSpPr>
+            <a:spLocks noGrp="1" noRot="1" noChangeAspect="1"/>
+          </p:cNvSpPr>
+          <p:nvPr>
+            <p:ph type="sldImg" idx="2"/>
+          </p:nvPr>
+        </p:nvSpPr>
+        <p:spPr>
+          <a:xfrm>
+            <a:off x="381000" y="685800"/>
+            <a:ext cx="6096000" cy="3429000"/>
+          </a:xfrm>
+          <a:custGeom>
+            <a:avLst/>
+            <a:gdLst/>
+            <a:ahLst/>
+            <a:cxnLst/>
+            <a:rect l="l" t="t" r="r" b="b"/>
+            <a:pathLst>
+              <a:path w="120000" h="120000" extrusionOk="0">
+                <a:moveTo>
+                  <a:pt x="0" y="0"/>
+                </a:moveTo>
+                <a:lnTo>
+                  <a:pt x="120000" y="0"/>
+                </a:lnTo>
+                <a:lnTo>
+                  <a:pt x="120000" y="120000"/>
+                </a:lnTo>
+                <a:lnTo>
+                  <a:pt x="0" y="120000"/>
+                </a:lnTo>
+                <a:close/>
+              </a:path>
+            </a:pathLst>
+          </a:custGeom>
+          <a:noFill/>
+          <a:ln w="9525" cap="flat" cmpd="sng">
+            <a:solidFill>
+              <a:srgbClr val="000000"/>
+            </a:solidFill>
+            <a:prstDash val="solid"/>
+            <a:round/>
+            <a:headEnd type="none" w="sm" len="sm"/>
+            <a:tailEnd type="none" w="sm" len="sm"/>
+          </a:ln>
+        </p:spPr>
+      </p:sp>
+      <p:sp>
+        <p:nvSpPr>
+          <p:cNvPr id="186" name="Google Shape;186;p7:notes">
+            <a:extLst>
+              <a:ext uri="{FF2B5EF4-FFF2-40B4-BE49-F238E27FC236}">
+                <a16:creationId xmlns:a16="http://schemas.microsoft.com/office/drawing/2014/main" id="{7587EF50-AF5C-BF27-2133-25137F46A3D9}"/>
+              </a:ext>
+            </a:extLst>
+          </p:cNvPr>
+          <p:cNvSpPr txBox="1">
+            <a:spLocks noGrp="1"/>
+          </p:cNvSpPr>
+          <p:nvPr>
+            <p:ph type="body" idx="1"/>
+          </p:nvPr>
+        </p:nvSpPr>
+        <p:spPr>
+          <a:xfrm>
+            <a:off x="685800" y="4343400"/>
+            <a:ext cx="5486400" cy="4114800"/>
+          </a:xfrm>
+          <a:prstGeom prst="rect">
+            <a:avLst/>
+          </a:prstGeom>
+          <a:noFill/>
+          <a:ln>
+            <a:noFill/>
+          </a:ln>
+        </p:spPr>
+        <p:txBody>
+          <a:bodyPr spcFirstLastPara="1" wrap="square" lIns="91425" tIns="91425" rIns="91425" bIns="91425" anchor="t" anchorCtr="0">
+            <a:noAutofit/>
+          </a:bodyPr>
+          <a:lstStyle/>
+          <a:p>
+            <a:pPr marL="0" lvl="0" indent="0" algn="l" rtl="0">
+              <a:lnSpc>
+                <a:spcPct val="100000"/>
+              </a:lnSpc>
+              <a:spcBef>
+                <a:spcPts val="0"/>
+              </a:spcBef>
+              <a:spcAft>
+                <a:spcPts val="0"/>
+              </a:spcAft>
+              <a:buSzPts val="1100"/>
+              <a:buNone/>
+            </a:pPr>
+            <a:endParaRPr/>
+          </a:p>
+        </p:txBody>
+      </p:sp>
+    </p:spTree>
+    <p:extLst>
+      <p:ext uri="{BB962C8B-B14F-4D97-AF65-F5344CB8AC3E}">
+        <p14:creationId xmlns:p14="http://schemas.microsoft.com/office/powerpoint/2010/main" val="1612590504"/>
+      </p:ext>
+    </p:extLst>
+  </p:cSld>
+  <p:clrMapOvr>
+    <a:masterClrMapping/>
+  </p:clrMapOvr>
+</p:notes>
+</file>
+
+<file path=ppt/notesSlides/notesSlide28.xml><?xml version="1.0" encoding="utf-8"?>
+<p:notes xmlns:a="http://schemas.openxmlformats.org/drawingml/2006/main" xmlns:r="http://schemas.openxmlformats.org/officeDocument/2006/relationships" xmlns:p="http://schemas.openxmlformats.org/presentationml/2006/main" showMasterSp="0" showMasterPhAnim="0">
+  <p:cSld>
+    <p:spTree>
+      <p:nvGrpSpPr>
+        <p:cNvPr id="1" name="Shape 184">
+          <a:extLst>
+            <a:ext uri="{FF2B5EF4-FFF2-40B4-BE49-F238E27FC236}">
+              <a16:creationId xmlns:a16="http://schemas.microsoft.com/office/drawing/2014/main" id="{602F28B7-5585-7C32-5EA0-EEE90FD6BB77}"/>
+            </a:ext>
+          </a:extLst>
+        </p:cNvPr>
+        <p:cNvGrpSpPr/>
+        <p:nvPr/>
+      </p:nvGrpSpPr>
+      <p:grpSpPr>
+        <a:xfrm>
+          <a:off x="0" y="0"/>
+          <a:ext cx="0" cy="0"/>
+          <a:chOff x="0" y="0"/>
+          <a:chExt cx="0" cy="0"/>
+        </a:xfrm>
+      </p:grpSpPr>
+      <p:sp>
+        <p:nvSpPr>
+          <p:cNvPr id="185" name="Google Shape;185;p7:notes">
+            <a:extLst>
+              <a:ext uri="{FF2B5EF4-FFF2-40B4-BE49-F238E27FC236}">
+                <a16:creationId xmlns:a16="http://schemas.microsoft.com/office/drawing/2014/main" id="{B0D57C0E-BCBB-321D-84AD-21BF4D863A7E}"/>
+              </a:ext>
+            </a:extLst>
+          </p:cNvPr>
+          <p:cNvSpPr>
+            <a:spLocks noGrp="1" noRot="1" noChangeAspect="1"/>
+          </p:cNvSpPr>
+          <p:nvPr>
+            <p:ph type="sldImg" idx="2"/>
+          </p:nvPr>
+        </p:nvSpPr>
+        <p:spPr>
+          <a:xfrm>
+            <a:off x="381000" y="685800"/>
+            <a:ext cx="6096000" cy="3429000"/>
+          </a:xfrm>
+          <a:custGeom>
+            <a:avLst/>
+            <a:gdLst/>
+            <a:ahLst/>
+            <a:cxnLst/>
+            <a:rect l="l" t="t" r="r" b="b"/>
+            <a:pathLst>
+              <a:path w="120000" h="120000" extrusionOk="0">
+                <a:moveTo>
+                  <a:pt x="0" y="0"/>
+                </a:moveTo>
+                <a:lnTo>
+                  <a:pt x="120000" y="0"/>
+                </a:lnTo>
+                <a:lnTo>
+                  <a:pt x="120000" y="120000"/>
+                </a:lnTo>
+                <a:lnTo>
+                  <a:pt x="0" y="120000"/>
+                </a:lnTo>
+                <a:close/>
+              </a:path>
+            </a:pathLst>
+          </a:custGeom>
+          <a:noFill/>
+          <a:ln w="9525" cap="flat" cmpd="sng">
+            <a:solidFill>
+              <a:srgbClr val="000000"/>
+            </a:solidFill>
+            <a:prstDash val="solid"/>
+            <a:round/>
+            <a:headEnd type="none" w="sm" len="sm"/>
+            <a:tailEnd type="none" w="sm" len="sm"/>
+          </a:ln>
+        </p:spPr>
+      </p:sp>
+      <p:sp>
+        <p:nvSpPr>
+          <p:cNvPr id="186" name="Google Shape;186;p7:notes">
+            <a:extLst>
+              <a:ext uri="{FF2B5EF4-FFF2-40B4-BE49-F238E27FC236}">
+                <a16:creationId xmlns:a16="http://schemas.microsoft.com/office/drawing/2014/main" id="{0DF2B3DB-DB61-5586-F79F-6F1FF47DB21C}"/>
+              </a:ext>
+            </a:extLst>
+          </p:cNvPr>
+          <p:cNvSpPr txBox="1">
+            <a:spLocks noGrp="1"/>
+          </p:cNvSpPr>
+          <p:nvPr>
+            <p:ph type="body" idx="1"/>
+          </p:nvPr>
+        </p:nvSpPr>
+        <p:spPr>
+          <a:xfrm>
+            <a:off x="685800" y="4343400"/>
+            <a:ext cx="5486400" cy="4114800"/>
+          </a:xfrm>
+          <a:prstGeom prst="rect">
+            <a:avLst/>
+          </a:prstGeom>
+          <a:noFill/>
+          <a:ln>
+            <a:noFill/>
+          </a:ln>
+        </p:spPr>
+        <p:txBody>
+          <a:bodyPr spcFirstLastPara="1" wrap="square" lIns="91425" tIns="91425" rIns="91425" bIns="91425" anchor="t" anchorCtr="0">
+            <a:noAutofit/>
+          </a:bodyPr>
+          <a:lstStyle/>
+          <a:p>
+            <a:pPr marL="0" lvl="0" indent="0" algn="l" rtl="0">
+              <a:lnSpc>
+                <a:spcPct val="100000"/>
+              </a:lnSpc>
+              <a:spcBef>
+                <a:spcPts val="0"/>
+              </a:spcBef>
+              <a:spcAft>
+                <a:spcPts val="0"/>
+              </a:spcAft>
+              <a:buSzPts val="1100"/>
+              <a:buNone/>
+            </a:pPr>
+            <a:endParaRPr/>
+          </a:p>
+        </p:txBody>
+      </p:sp>
+    </p:spTree>
+    <p:extLst>
+      <p:ext uri="{BB962C8B-B14F-4D97-AF65-F5344CB8AC3E}">
+        <p14:creationId xmlns:p14="http://schemas.microsoft.com/office/powerpoint/2010/main" val="3022036892"/>
+      </p:ext>
+    </p:extLst>
+  </p:cSld>
+  <p:clrMapOvr>
+    <a:masterClrMapping/>
+  </p:clrMapOvr>
+</p:notes>
+</file>
+
+<file path=ppt/notesSlides/notesSlide29.xml><?xml version="1.0" encoding="utf-8"?>
+<p:notes xmlns:a="http://schemas.openxmlformats.org/drawingml/2006/main" xmlns:r="http://schemas.openxmlformats.org/officeDocument/2006/relationships" xmlns:p="http://schemas.openxmlformats.org/presentationml/2006/main" showMasterSp="0" showMasterPhAnim="0">
+  <p:cSld>
+    <p:spTree>
+      <p:nvGrpSpPr>
+        <p:cNvPr id="1" name="Shape 184">
+          <a:extLst>
+            <a:ext uri="{FF2B5EF4-FFF2-40B4-BE49-F238E27FC236}">
+              <a16:creationId xmlns:a16="http://schemas.microsoft.com/office/drawing/2014/main" id="{70A94EF6-68E0-296F-6302-68C505BA4333}"/>
+            </a:ext>
+          </a:extLst>
+        </p:cNvPr>
+        <p:cNvGrpSpPr/>
+        <p:nvPr/>
+      </p:nvGrpSpPr>
+      <p:grpSpPr>
+        <a:xfrm>
+          <a:off x="0" y="0"/>
+          <a:ext cx="0" cy="0"/>
+          <a:chOff x="0" y="0"/>
+          <a:chExt cx="0" cy="0"/>
+        </a:xfrm>
+      </p:grpSpPr>
+      <p:sp>
+        <p:nvSpPr>
+          <p:cNvPr id="185" name="Google Shape;185;p7:notes">
+            <a:extLst>
+              <a:ext uri="{FF2B5EF4-FFF2-40B4-BE49-F238E27FC236}">
+                <a16:creationId xmlns:a16="http://schemas.microsoft.com/office/drawing/2014/main" id="{6E212AD2-C6EE-ABED-8069-49FDC9031DBE}"/>
+              </a:ext>
+            </a:extLst>
+          </p:cNvPr>
+          <p:cNvSpPr>
+            <a:spLocks noGrp="1" noRot="1" noChangeAspect="1"/>
+          </p:cNvSpPr>
+          <p:nvPr>
+            <p:ph type="sldImg" idx="2"/>
+          </p:nvPr>
+        </p:nvSpPr>
+        <p:spPr>
+          <a:xfrm>
+            <a:off x="381000" y="685800"/>
+            <a:ext cx="6096000" cy="3429000"/>
+          </a:xfrm>
+          <a:custGeom>
+            <a:avLst/>
+            <a:gdLst/>
+            <a:ahLst/>
+            <a:cxnLst/>
+            <a:rect l="l" t="t" r="r" b="b"/>
+            <a:pathLst>
+              <a:path w="120000" h="120000" extrusionOk="0">
+                <a:moveTo>
+                  <a:pt x="0" y="0"/>
+                </a:moveTo>
+                <a:lnTo>
+                  <a:pt x="120000" y="0"/>
+                </a:lnTo>
+                <a:lnTo>
+                  <a:pt x="120000" y="120000"/>
+                </a:lnTo>
+                <a:lnTo>
+                  <a:pt x="0" y="120000"/>
+                </a:lnTo>
+                <a:close/>
+              </a:path>
+            </a:pathLst>
+          </a:custGeom>
+          <a:noFill/>
+          <a:ln w="9525" cap="flat" cmpd="sng">
+            <a:solidFill>
+              <a:srgbClr val="000000"/>
+            </a:solidFill>
+            <a:prstDash val="solid"/>
+            <a:round/>
+            <a:headEnd type="none" w="sm" len="sm"/>
+            <a:tailEnd type="none" w="sm" len="sm"/>
+          </a:ln>
+        </p:spPr>
+      </p:sp>
+      <p:sp>
+        <p:nvSpPr>
+          <p:cNvPr id="186" name="Google Shape;186;p7:notes">
+            <a:extLst>
+              <a:ext uri="{FF2B5EF4-FFF2-40B4-BE49-F238E27FC236}">
+                <a16:creationId xmlns:a16="http://schemas.microsoft.com/office/drawing/2014/main" id="{0E11D55A-162C-7F98-62D8-421C5CA6BA08}"/>
+              </a:ext>
+            </a:extLst>
+          </p:cNvPr>
+          <p:cNvSpPr txBox="1">
+            <a:spLocks noGrp="1"/>
+          </p:cNvSpPr>
+          <p:nvPr>
+            <p:ph type="body" idx="1"/>
+          </p:nvPr>
+        </p:nvSpPr>
+        <p:spPr>
+          <a:xfrm>
+            <a:off x="685800" y="4343400"/>
+            <a:ext cx="5486400" cy="4114800"/>
+          </a:xfrm>
+          <a:prstGeom prst="rect">
+            <a:avLst/>
+          </a:prstGeom>
+          <a:noFill/>
+          <a:ln>
+            <a:noFill/>
+          </a:ln>
+        </p:spPr>
+        <p:txBody>
+          <a:bodyPr spcFirstLastPara="1" wrap="square" lIns="91425" tIns="91425" rIns="91425" bIns="91425" anchor="t" anchorCtr="0">
+            <a:noAutofit/>
+          </a:bodyPr>
+          <a:lstStyle/>
+          <a:p>
+            <a:pPr marL="0" lvl="0" indent="0" algn="l" rtl="0">
+              <a:lnSpc>
+                <a:spcPct val="100000"/>
+              </a:lnSpc>
+              <a:spcBef>
+                <a:spcPts val="0"/>
+              </a:spcBef>
+              <a:spcAft>
+                <a:spcPts val="0"/>
+              </a:spcAft>
+              <a:buSzPts val="1100"/>
+              <a:buNone/>
+            </a:pPr>
+            <a:endParaRPr/>
+          </a:p>
+        </p:txBody>
+      </p:sp>
+    </p:spTree>
+    <p:extLst>
+      <p:ext uri="{BB962C8B-B14F-4D97-AF65-F5344CB8AC3E}">
+        <p14:creationId xmlns:p14="http://schemas.microsoft.com/office/powerpoint/2010/main" val="995995623"/>
+      </p:ext>
+    </p:extLst>
   </p:cSld>
   <p:clrMapOvr>
     <a:masterClrMapping/>
@@ -3856,7 +4186,7 @@
   <p:cSld>
     <p:spTree>
       <p:nvGrpSpPr>
-        <p:cNvPr id="1" name="Shape 249"/>
+        <p:cNvPr id="1" name="Shape 191"/>
         <p:cNvGrpSpPr/>
         <p:nvPr/>
       </p:nvGrpSpPr>
@@ -3870,7 +4200,7 @@
       </p:grpSpPr>
       <p:sp>
         <p:nvSpPr>
-          <p:cNvPr id="250" name="Google Shape;250;p23:notes"/>
+          <p:cNvPr id="192" name="Google Shape;192;p8:notes"/>
           <p:cNvSpPr>
             <a:spLocks noGrp="1" noRot="1" noChangeAspect="1"/>
           </p:cNvSpPr>
@@ -3921,7 +4251,7 @@
       </p:sp>
       <p:sp>
         <p:nvSpPr>
-          <p:cNvPr id="251" name="Google Shape;251;p23:notes"/>
+          <p:cNvPr id="193" name="Google Shape;193;p8:notes"/>
           <p:cNvSpPr txBox="1">
             <a:spLocks noGrp="1"/>
           </p:cNvSpPr>
@@ -3978,7 +4308,7 @@
   <p:cSld>
     <p:spTree>
       <p:nvGrpSpPr>
-        <p:cNvPr id="1" name="Shape 256"/>
+        <p:cNvPr id="1" name="Shape 196"/>
         <p:cNvGrpSpPr/>
         <p:nvPr/>
       </p:nvGrpSpPr>
@@ -3992,7 +4322,215 @@
       </p:grpSpPr>
       <p:sp>
         <p:nvSpPr>
-          <p:cNvPr id="257" name="Google Shape;257;p24:notes"/>
+          <p:cNvPr id="197" name="Google Shape;197;p9:notes"/>
+          <p:cNvSpPr txBox="1">
+            <a:spLocks noGrp="1"/>
+          </p:cNvSpPr>
+          <p:nvPr>
+            <p:ph type="body" idx="1"/>
+          </p:nvPr>
+        </p:nvSpPr>
+        <p:spPr>
+          <a:xfrm>
+            <a:off x="685800" y="4343400"/>
+            <a:ext cx="5486400" cy="4114800"/>
+          </a:xfrm>
+          <a:prstGeom prst="rect">
+            <a:avLst/>
+          </a:prstGeom>
+        </p:spPr>
+        <p:txBody>
+          <a:bodyPr spcFirstLastPara="1" wrap="square" lIns="91425" tIns="91425" rIns="91425" bIns="91425" anchor="t" anchorCtr="0">
+            <a:noAutofit/>
+          </a:bodyPr>
+          <a:lstStyle/>
+          <a:p>
+            <a:pPr marL="0" lvl="0" indent="0" algn="l" rtl="0">
+              <a:spcBef>
+                <a:spcPts val="0"/>
+              </a:spcBef>
+              <a:spcAft>
+                <a:spcPts val="0"/>
+              </a:spcAft>
+              <a:buNone/>
+            </a:pPr>
+            <a:endParaRPr/>
+          </a:p>
+        </p:txBody>
+      </p:sp>
+      <p:sp>
+        <p:nvSpPr>
+          <p:cNvPr id="198" name="Google Shape;198;p9:notes"/>
+          <p:cNvSpPr>
+            <a:spLocks noGrp="1" noRot="1" noChangeAspect="1"/>
+          </p:cNvSpPr>
+          <p:nvPr>
+            <p:ph type="sldImg" idx="2"/>
+          </p:nvPr>
+        </p:nvSpPr>
+        <p:spPr>
+          <a:xfrm>
+            <a:off x="381000" y="685800"/>
+            <a:ext cx="6096000" cy="3429000"/>
+          </a:xfrm>
+          <a:custGeom>
+            <a:avLst/>
+            <a:gdLst/>
+            <a:ahLst/>
+            <a:cxnLst/>
+            <a:rect l="l" t="t" r="r" b="b"/>
+            <a:pathLst>
+              <a:path w="120000" h="120000" extrusionOk="0">
+                <a:moveTo>
+                  <a:pt x="0" y="0"/>
+                </a:moveTo>
+                <a:lnTo>
+                  <a:pt x="120000" y="0"/>
+                </a:lnTo>
+                <a:lnTo>
+                  <a:pt x="120000" y="120000"/>
+                </a:lnTo>
+                <a:lnTo>
+                  <a:pt x="0" y="120000"/>
+                </a:lnTo>
+                <a:close/>
+              </a:path>
+            </a:pathLst>
+          </a:custGeom>
+        </p:spPr>
+      </p:sp>
+    </p:spTree>
+  </p:cSld>
+  <p:clrMapOvr>
+    <a:masterClrMapping/>
+  </p:clrMapOvr>
+</p:notes>
+</file>
+
+<file path=ppt/notesSlides/notesSlide32.xml><?xml version="1.0" encoding="utf-8"?>
+<p:notes xmlns:a="http://schemas.openxmlformats.org/drawingml/2006/main" xmlns:r="http://schemas.openxmlformats.org/officeDocument/2006/relationships" xmlns:p="http://schemas.openxmlformats.org/presentationml/2006/main" showMasterSp="0" showMasterPhAnim="0">
+  <p:cSld>
+    <p:spTree>
+      <p:nvGrpSpPr>
+        <p:cNvPr id="1" name="Shape 201"/>
+        <p:cNvGrpSpPr/>
+        <p:nvPr/>
+      </p:nvGrpSpPr>
+      <p:grpSpPr>
+        <a:xfrm>
+          <a:off x="0" y="0"/>
+          <a:ext cx="0" cy="0"/>
+          <a:chOff x="0" y="0"/>
+          <a:chExt cx="0" cy="0"/>
+        </a:xfrm>
+      </p:grpSpPr>
+      <p:sp>
+        <p:nvSpPr>
+          <p:cNvPr id="202" name="Google Shape;202;p10:notes"/>
+          <p:cNvSpPr txBox="1">
+            <a:spLocks noGrp="1"/>
+          </p:cNvSpPr>
+          <p:nvPr>
+            <p:ph type="body" idx="1"/>
+          </p:nvPr>
+        </p:nvSpPr>
+        <p:spPr>
+          <a:xfrm>
+            <a:off x="685800" y="4343400"/>
+            <a:ext cx="5486400" cy="4114800"/>
+          </a:xfrm>
+          <a:prstGeom prst="rect">
+            <a:avLst/>
+          </a:prstGeom>
+        </p:spPr>
+        <p:txBody>
+          <a:bodyPr spcFirstLastPara="1" wrap="square" lIns="91425" tIns="91425" rIns="91425" bIns="91425" anchor="t" anchorCtr="0">
+            <a:noAutofit/>
+          </a:bodyPr>
+          <a:lstStyle/>
+          <a:p>
+            <a:pPr marL="0" lvl="0" indent="0" algn="l" rtl="0">
+              <a:spcBef>
+                <a:spcPts val="0"/>
+              </a:spcBef>
+              <a:spcAft>
+                <a:spcPts val="0"/>
+              </a:spcAft>
+              <a:buNone/>
+            </a:pPr>
+            <a:endParaRPr/>
+          </a:p>
+        </p:txBody>
+      </p:sp>
+      <p:sp>
+        <p:nvSpPr>
+          <p:cNvPr id="203" name="Google Shape;203;p10:notes"/>
+          <p:cNvSpPr>
+            <a:spLocks noGrp="1" noRot="1" noChangeAspect="1"/>
+          </p:cNvSpPr>
+          <p:nvPr>
+            <p:ph type="sldImg" idx="2"/>
+          </p:nvPr>
+        </p:nvSpPr>
+        <p:spPr>
+          <a:xfrm>
+            <a:off x="381000" y="685800"/>
+            <a:ext cx="6096000" cy="3429000"/>
+          </a:xfrm>
+          <a:custGeom>
+            <a:avLst/>
+            <a:gdLst/>
+            <a:ahLst/>
+            <a:cxnLst/>
+            <a:rect l="l" t="t" r="r" b="b"/>
+            <a:pathLst>
+              <a:path w="120000" h="120000" extrusionOk="0">
+                <a:moveTo>
+                  <a:pt x="0" y="0"/>
+                </a:moveTo>
+                <a:lnTo>
+                  <a:pt x="120000" y="0"/>
+                </a:lnTo>
+                <a:lnTo>
+                  <a:pt x="120000" y="120000"/>
+                </a:lnTo>
+                <a:lnTo>
+                  <a:pt x="0" y="120000"/>
+                </a:lnTo>
+                <a:close/>
+              </a:path>
+            </a:pathLst>
+          </a:custGeom>
+        </p:spPr>
+      </p:sp>
+    </p:spTree>
+  </p:cSld>
+  <p:clrMapOvr>
+    <a:masterClrMapping/>
+  </p:clrMapOvr>
+</p:notes>
+</file>
+
+<file path=ppt/notesSlides/notesSlide33.xml><?xml version="1.0" encoding="utf-8"?>
+<p:notes xmlns:a="http://schemas.openxmlformats.org/drawingml/2006/main" xmlns:r="http://schemas.openxmlformats.org/officeDocument/2006/relationships" xmlns:p="http://schemas.openxmlformats.org/presentationml/2006/main" showMasterSp="0" showMasterPhAnim="0">
+  <p:cSld>
+    <p:spTree>
+      <p:nvGrpSpPr>
+        <p:cNvPr id="1" name="Shape 206"/>
+        <p:cNvGrpSpPr/>
+        <p:nvPr/>
+      </p:nvGrpSpPr>
+      <p:grpSpPr>
+        <a:xfrm>
+          <a:off x="0" y="0"/>
+          <a:ext cx="0" cy="0"/>
+          <a:chOff x="0" y="0"/>
+          <a:chExt cx="0" cy="0"/>
+        </a:xfrm>
+      </p:grpSpPr>
+      <p:sp>
+        <p:nvSpPr>
+          <p:cNvPr id="207" name="Google Shape;207;p11:notes"/>
           <p:cNvSpPr>
             <a:spLocks noGrp="1" noRot="1" noChangeAspect="1"/>
           </p:cNvSpPr>
@@ -4043,7 +4581,7 @@
       </p:sp>
       <p:sp>
         <p:nvSpPr>
-          <p:cNvPr id="258" name="Google Shape;258;p24:notes"/>
+          <p:cNvPr id="208" name="Google Shape;208;p11:notes"/>
           <p:cNvSpPr txBox="1">
             <a:spLocks noGrp="1"/>
           </p:cNvSpPr>
@@ -4095,12 +4633,12 @@
 </p:notes>
 </file>
 
-<file path=ppt/notesSlides/notesSlide32.xml><?xml version="1.0" encoding="utf-8"?>
+<file path=ppt/notesSlides/notesSlide34.xml><?xml version="1.0" encoding="utf-8"?>
 <p:notes xmlns:a="http://schemas.openxmlformats.org/drawingml/2006/main" xmlns:r="http://schemas.openxmlformats.org/officeDocument/2006/relationships" xmlns:p="http://schemas.openxmlformats.org/presentationml/2006/main" showMasterSp="0" showMasterPhAnim="0">
   <p:cSld>
     <p:spTree>
       <p:nvGrpSpPr>
-        <p:cNvPr id="1" name="Shape 262"/>
+        <p:cNvPr id="1" name="Shape 213"/>
         <p:cNvGrpSpPr/>
         <p:nvPr/>
       </p:nvGrpSpPr>
@@ -4114,7 +4652,319 @@
       </p:grpSpPr>
       <p:sp>
         <p:nvSpPr>
-          <p:cNvPr id="263" name="Google Shape;263;p25:notes"/>
+          <p:cNvPr id="214" name="Google Shape;214;p12:notes"/>
+          <p:cNvSpPr txBox="1">
+            <a:spLocks noGrp="1"/>
+          </p:cNvSpPr>
+          <p:nvPr>
+            <p:ph type="body" idx="1"/>
+          </p:nvPr>
+        </p:nvSpPr>
+        <p:spPr>
+          <a:xfrm>
+            <a:off x="685800" y="4343400"/>
+            <a:ext cx="5486400" cy="4114800"/>
+          </a:xfrm>
+          <a:prstGeom prst="rect">
+            <a:avLst/>
+          </a:prstGeom>
+        </p:spPr>
+        <p:txBody>
+          <a:bodyPr spcFirstLastPara="1" wrap="square" lIns="91425" tIns="91425" rIns="91425" bIns="91425" anchor="t" anchorCtr="0">
+            <a:noAutofit/>
+          </a:bodyPr>
+          <a:lstStyle/>
+          <a:p>
+            <a:pPr marL="0" lvl="0" indent="0" algn="l" rtl="0">
+              <a:spcBef>
+                <a:spcPts val="0"/>
+              </a:spcBef>
+              <a:spcAft>
+                <a:spcPts val="0"/>
+              </a:spcAft>
+              <a:buNone/>
+            </a:pPr>
+            <a:endParaRPr/>
+          </a:p>
+        </p:txBody>
+      </p:sp>
+      <p:sp>
+        <p:nvSpPr>
+          <p:cNvPr id="215" name="Google Shape;215;p12:notes"/>
+          <p:cNvSpPr>
+            <a:spLocks noGrp="1" noRot="1" noChangeAspect="1"/>
+          </p:cNvSpPr>
+          <p:nvPr>
+            <p:ph type="sldImg" idx="2"/>
+          </p:nvPr>
+        </p:nvSpPr>
+        <p:spPr>
+          <a:xfrm>
+            <a:off x="381000" y="685800"/>
+            <a:ext cx="6096000" cy="3429000"/>
+          </a:xfrm>
+          <a:custGeom>
+            <a:avLst/>
+            <a:gdLst/>
+            <a:ahLst/>
+            <a:cxnLst/>
+            <a:rect l="l" t="t" r="r" b="b"/>
+            <a:pathLst>
+              <a:path w="120000" h="120000" extrusionOk="0">
+                <a:moveTo>
+                  <a:pt x="0" y="0"/>
+                </a:moveTo>
+                <a:lnTo>
+                  <a:pt x="120000" y="0"/>
+                </a:lnTo>
+                <a:lnTo>
+                  <a:pt x="120000" y="120000"/>
+                </a:lnTo>
+                <a:lnTo>
+                  <a:pt x="0" y="120000"/>
+                </a:lnTo>
+                <a:close/>
+              </a:path>
+            </a:pathLst>
+          </a:custGeom>
+        </p:spPr>
+      </p:sp>
+    </p:spTree>
+  </p:cSld>
+  <p:clrMapOvr>
+    <a:masterClrMapping/>
+  </p:clrMapOvr>
+</p:notes>
+</file>
+
+<file path=ppt/notesSlides/notesSlide35.xml><?xml version="1.0" encoding="utf-8"?>
+<p:notes xmlns:a="http://schemas.openxmlformats.org/drawingml/2006/main" xmlns:r="http://schemas.openxmlformats.org/officeDocument/2006/relationships" xmlns:p="http://schemas.openxmlformats.org/presentationml/2006/main" showMasterSp="0" showMasterPhAnim="0">
+  <p:cSld>
+    <p:spTree>
+      <p:nvGrpSpPr>
+        <p:cNvPr id="1" name="Shape 218"/>
+        <p:cNvGrpSpPr/>
+        <p:nvPr/>
+      </p:nvGrpSpPr>
+      <p:grpSpPr>
+        <a:xfrm>
+          <a:off x="0" y="0"/>
+          <a:ext cx="0" cy="0"/>
+          <a:chOff x="0" y="0"/>
+          <a:chExt cx="0" cy="0"/>
+        </a:xfrm>
+      </p:grpSpPr>
+      <p:sp>
+        <p:nvSpPr>
+          <p:cNvPr id="219" name="Google Shape;219;p14:notes"/>
+          <p:cNvSpPr txBox="1">
+            <a:spLocks noGrp="1"/>
+          </p:cNvSpPr>
+          <p:nvPr>
+            <p:ph type="body" idx="1"/>
+          </p:nvPr>
+        </p:nvSpPr>
+        <p:spPr>
+          <a:xfrm>
+            <a:off x="685800" y="4343400"/>
+            <a:ext cx="5486400" cy="4114800"/>
+          </a:xfrm>
+          <a:prstGeom prst="rect">
+            <a:avLst/>
+          </a:prstGeom>
+        </p:spPr>
+        <p:txBody>
+          <a:bodyPr spcFirstLastPara="1" wrap="square" lIns="91425" tIns="91425" rIns="91425" bIns="91425" anchor="t" anchorCtr="0">
+            <a:noAutofit/>
+          </a:bodyPr>
+          <a:lstStyle/>
+          <a:p>
+            <a:pPr marL="0" lvl="0" indent="0" algn="l" rtl="0">
+              <a:spcBef>
+                <a:spcPts val="0"/>
+              </a:spcBef>
+              <a:spcAft>
+                <a:spcPts val="0"/>
+              </a:spcAft>
+              <a:buNone/>
+            </a:pPr>
+            <a:endParaRPr/>
+          </a:p>
+        </p:txBody>
+      </p:sp>
+      <p:sp>
+        <p:nvSpPr>
+          <p:cNvPr id="220" name="Google Shape;220;p14:notes"/>
+          <p:cNvSpPr>
+            <a:spLocks noGrp="1" noRot="1" noChangeAspect="1"/>
+          </p:cNvSpPr>
+          <p:nvPr>
+            <p:ph type="sldImg" idx="2"/>
+          </p:nvPr>
+        </p:nvSpPr>
+        <p:spPr>
+          <a:xfrm>
+            <a:off x="381000" y="685800"/>
+            <a:ext cx="6096000" cy="3429000"/>
+          </a:xfrm>
+          <a:custGeom>
+            <a:avLst/>
+            <a:gdLst/>
+            <a:ahLst/>
+            <a:cxnLst/>
+            <a:rect l="l" t="t" r="r" b="b"/>
+            <a:pathLst>
+              <a:path w="120000" h="120000" extrusionOk="0">
+                <a:moveTo>
+                  <a:pt x="0" y="0"/>
+                </a:moveTo>
+                <a:lnTo>
+                  <a:pt x="120000" y="0"/>
+                </a:lnTo>
+                <a:lnTo>
+                  <a:pt x="120000" y="120000"/>
+                </a:lnTo>
+                <a:lnTo>
+                  <a:pt x="0" y="120000"/>
+                </a:lnTo>
+                <a:close/>
+              </a:path>
+            </a:pathLst>
+          </a:custGeom>
+        </p:spPr>
+      </p:sp>
+    </p:spTree>
+  </p:cSld>
+  <p:clrMapOvr>
+    <a:masterClrMapping/>
+  </p:clrMapOvr>
+</p:notes>
+</file>
+
+<file path=ppt/notesSlides/notesSlide36.xml><?xml version="1.0" encoding="utf-8"?>
+<p:notes xmlns:a="http://schemas.openxmlformats.org/drawingml/2006/main" xmlns:r="http://schemas.openxmlformats.org/officeDocument/2006/relationships" xmlns:p="http://schemas.openxmlformats.org/presentationml/2006/main" showMasterSp="0" showMasterPhAnim="0">
+  <p:cSld>
+    <p:spTree>
+      <p:nvGrpSpPr>
+        <p:cNvPr id="1" name="Shape 223"/>
+        <p:cNvGrpSpPr/>
+        <p:nvPr/>
+      </p:nvGrpSpPr>
+      <p:grpSpPr>
+        <a:xfrm>
+          <a:off x="0" y="0"/>
+          <a:ext cx="0" cy="0"/>
+          <a:chOff x="0" y="0"/>
+          <a:chExt cx="0" cy="0"/>
+        </a:xfrm>
+      </p:grpSpPr>
+      <p:sp>
+        <p:nvSpPr>
+          <p:cNvPr id="224" name="Google Shape;224;p13:notes"/>
+          <p:cNvSpPr txBox="1">
+            <a:spLocks noGrp="1"/>
+          </p:cNvSpPr>
+          <p:nvPr>
+            <p:ph type="body" idx="1"/>
+          </p:nvPr>
+        </p:nvSpPr>
+        <p:spPr>
+          <a:xfrm>
+            <a:off x="685800" y="4343400"/>
+            <a:ext cx="5486400" cy="4114800"/>
+          </a:xfrm>
+          <a:prstGeom prst="rect">
+            <a:avLst/>
+          </a:prstGeom>
+        </p:spPr>
+        <p:txBody>
+          <a:bodyPr spcFirstLastPara="1" wrap="square" lIns="91425" tIns="91425" rIns="91425" bIns="91425" anchor="t" anchorCtr="0">
+            <a:noAutofit/>
+          </a:bodyPr>
+          <a:lstStyle/>
+          <a:p>
+            <a:pPr marL="0" lvl="0" indent="0" algn="l" rtl="0">
+              <a:spcBef>
+                <a:spcPts val="0"/>
+              </a:spcBef>
+              <a:spcAft>
+                <a:spcPts val="0"/>
+              </a:spcAft>
+              <a:buNone/>
+            </a:pPr>
+            <a:endParaRPr/>
+          </a:p>
+        </p:txBody>
+      </p:sp>
+      <p:sp>
+        <p:nvSpPr>
+          <p:cNvPr id="225" name="Google Shape;225;p13:notes"/>
+          <p:cNvSpPr>
+            <a:spLocks noGrp="1" noRot="1" noChangeAspect="1"/>
+          </p:cNvSpPr>
+          <p:nvPr>
+            <p:ph type="sldImg" idx="2"/>
+          </p:nvPr>
+        </p:nvSpPr>
+        <p:spPr>
+          <a:xfrm>
+            <a:off x="381000" y="685800"/>
+            <a:ext cx="6096000" cy="3429000"/>
+          </a:xfrm>
+          <a:custGeom>
+            <a:avLst/>
+            <a:gdLst/>
+            <a:ahLst/>
+            <a:cxnLst/>
+            <a:rect l="l" t="t" r="r" b="b"/>
+            <a:pathLst>
+              <a:path w="120000" h="120000" extrusionOk="0">
+                <a:moveTo>
+                  <a:pt x="0" y="0"/>
+                </a:moveTo>
+                <a:lnTo>
+                  <a:pt x="120000" y="0"/>
+                </a:lnTo>
+                <a:lnTo>
+                  <a:pt x="120000" y="120000"/>
+                </a:lnTo>
+                <a:lnTo>
+                  <a:pt x="0" y="120000"/>
+                </a:lnTo>
+                <a:close/>
+              </a:path>
+            </a:pathLst>
+          </a:custGeom>
+        </p:spPr>
+      </p:sp>
+    </p:spTree>
+  </p:cSld>
+  <p:clrMapOvr>
+    <a:masterClrMapping/>
+  </p:clrMapOvr>
+</p:notes>
+</file>
+
+<file path=ppt/notesSlides/notesSlide37.xml><?xml version="1.0" encoding="utf-8"?>
+<p:notes xmlns:a="http://schemas.openxmlformats.org/drawingml/2006/main" xmlns:r="http://schemas.openxmlformats.org/officeDocument/2006/relationships" xmlns:p="http://schemas.openxmlformats.org/presentationml/2006/main" showMasterSp="0" showMasterPhAnim="0">
+  <p:cSld>
+    <p:spTree>
+      <p:nvGrpSpPr>
+        <p:cNvPr id="1" name="Shape 228"/>
+        <p:cNvGrpSpPr/>
+        <p:nvPr/>
+      </p:nvGrpSpPr>
+      <p:grpSpPr>
+        <a:xfrm>
+          <a:off x="0" y="0"/>
+          <a:ext cx="0" cy="0"/>
+          <a:chOff x="0" y="0"/>
+          <a:chExt cx="0" cy="0"/>
+        </a:xfrm>
+      </p:grpSpPr>
+      <p:sp>
+        <p:nvSpPr>
+          <p:cNvPr id="229" name="Google Shape;229;p19:notes"/>
           <p:cNvSpPr>
             <a:spLocks noGrp="1" noRot="1" noChangeAspect="1"/>
           </p:cNvSpPr>
@@ -4165,7 +5015,7 @@
       </p:sp>
       <p:sp>
         <p:nvSpPr>
-          <p:cNvPr id="264" name="Google Shape;264;p25:notes"/>
+          <p:cNvPr id="230" name="Google Shape;230;p19:notes"/>
           <p:cNvSpPr txBox="1">
             <a:spLocks noGrp="1"/>
           </p:cNvSpPr>
@@ -4217,12 +5067,12 @@
 </p:notes>
 </file>
 
-<file path=ppt/notesSlides/notesSlide33.xml><?xml version="1.0" encoding="utf-8"?>
+<file path=ppt/notesSlides/notesSlide38.xml><?xml version="1.0" encoding="utf-8"?>
 <p:notes xmlns:a="http://schemas.openxmlformats.org/drawingml/2006/main" xmlns:r="http://schemas.openxmlformats.org/officeDocument/2006/relationships" xmlns:p="http://schemas.openxmlformats.org/presentationml/2006/main" showMasterSp="0" showMasterPhAnim="0">
   <p:cSld>
     <p:spTree>
       <p:nvGrpSpPr>
-        <p:cNvPr id="1" name="Shape 267"/>
+        <p:cNvPr id="1" name="Shape 235"/>
         <p:cNvGrpSpPr/>
         <p:nvPr/>
       </p:nvGrpSpPr>
@@ -4236,7 +5086,7 @@
       </p:grpSpPr>
       <p:sp>
         <p:nvSpPr>
-          <p:cNvPr id="268" name="Google Shape;268;p26:notes"/>
+          <p:cNvPr id="236" name="Google Shape;236;p20:notes"/>
           <p:cNvSpPr>
             <a:spLocks noGrp="1" noRot="1" noChangeAspect="1"/>
           </p:cNvSpPr>
@@ -4287,7 +5137,7 @@
       </p:sp>
       <p:sp>
         <p:nvSpPr>
-          <p:cNvPr id="269" name="Google Shape;269;p26:notes"/>
+          <p:cNvPr id="237" name="Google Shape;237;p20:notes"/>
           <p:cNvSpPr txBox="1">
             <a:spLocks noGrp="1"/>
           </p:cNvSpPr>
@@ -4339,12 +5189,12 @@
 </p:notes>
 </file>
 
-<file path=ppt/notesSlides/notesSlide34.xml><?xml version="1.0" encoding="utf-8"?>
+<file path=ppt/notesSlides/notesSlide39.xml><?xml version="1.0" encoding="utf-8"?>
 <p:notes xmlns:a="http://schemas.openxmlformats.org/drawingml/2006/main" xmlns:r="http://schemas.openxmlformats.org/officeDocument/2006/relationships" xmlns:p="http://schemas.openxmlformats.org/presentationml/2006/main" showMasterSp="0" showMasterPhAnim="0">
   <p:cSld>
     <p:spTree>
       <p:nvGrpSpPr>
-        <p:cNvPr id="1" name="Shape 273"/>
+        <p:cNvPr id="1" name="Shape 242"/>
         <p:cNvGrpSpPr/>
         <p:nvPr/>
       </p:nvGrpSpPr>
@@ -4358,53 +5208,7 @@
       </p:grpSpPr>
       <p:sp>
         <p:nvSpPr>
-          <p:cNvPr id="274" name="Google Shape;274;p27:notes"/>
-          <p:cNvSpPr txBox="1">
-            <a:spLocks noGrp="1"/>
-          </p:cNvSpPr>
-          <p:nvPr>
-            <p:ph type="body" idx="1"/>
-          </p:nvPr>
-        </p:nvSpPr>
-        <p:spPr>
-          <a:xfrm>
-            <a:off x="685800" y="4400550"/>
-            <a:ext cx="5486400" cy="3600600"/>
-          </a:xfrm>
-          <a:prstGeom prst="rect">
-            <a:avLst/>
-          </a:prstGeom>
-          <a:noFill/>
-          <a:ln>
-            <a:noFill/>
-          </a:ln>
-        </p:spPr>
-        <p:txBody>
-          <a:bodyPr spcFirstLastPara="1" wrap="square" lIns="91425" tIns="45700" rIns="91425" bIns="45700" anchor="t" anchorCtr="0">
-            <a:noAutofit/>
-          </a:bodyPr>
-          <a:lstStyle/>
-          <a:p>
-            <a:pPr marL="0" lvl="0" indent="0" algn="l" rtl="0">
-              <a:lnSpc>
-                <a:spcPct val="100000"/>
-              </a:lnSpc>
-              <a:spcBef>
-                <a:spcPts val="0"/>
-              </a:spcBef>
-              <a:spcAft>
-                <a:spcPts val="0"/>
-              </a:spcAft>
-              <a:buSzPts val="1400"/>
-              <a:buNone/>
-            </a:pPr>
-            <a:endParaRPr/>
-          </a:p>
-        </p:txBody>
-      </p:sp>
-      <p:sp>
-        <p:nvSpPr>
-          <p:cNvPr id="275" name="Google Shape;275;p27:notes"/>
+          <p:cNvPr id="243" name="Google Shape;243;g385ad5efec9_0_2:notes"/>
           <p:cNvSpPr>
             <a:spLocks noGrp="1" noRot="1" noChangeAspect="1"/>
           </p:cNvSpPr>
@@ -4414,8 +5218,8 @@
         </p:nvSpPr>
         <p:spPr>
           <a:xfrm>
-            <a:off x="685800" y="1143000"/>
-            <a:ext cx="5486400" cy="3086100"/>
+            <a:off x="381000" y="685800"/>
+            <a:ext cx="6096000" cy="3429000"/>
           </a:xfrm>
           <a:custGeom>
             <a:avLst/>
@@ -4442,7 +5246,7 @@
             </a:pathLst>
           </a:custGeom>
           <a:noFill/>
-          <a:ln w="12700" cap="flat" cmpd="sng">
+          <a:ln w="9525" cap="flat" cmpd="sng">
             <a:solidFill>
               <a:srgbClr val="000000"/>
             </a:solidFill>
@@ -4455,18 +5259,18 @@
       </p:sp>
       <p:sp>
         <p:nvSpPr>
-          <p:cNvPr id="276" name="Google Shape;276;p27:notes"/>
+          <p:cNvPr id="244" name="Google Shape;244;g385ad5efec9_0_2:notes"/>
           <p:cNvSpPr txBox="1">
             <a:spLocks noGrp="1"/>
           </p:cNvSpPr>
           <p:nvPr>
-            <p:ph type="sldNum" idx="12"/>
+            <p:ph type="body" idx="1"/>
           </p:nvPr>
         </p:nvSpPr>
         <p:spPr>
           <a:xfrm>
-            <a:off x="3884613" y="8685213"/>
-            <a:ext cx="2971800" cy="458700"/>
+            <a:off x="685800" y="4343400"/>
+            <a:ext cx="5486400" cy="4114800"/>
           </a:xfrm>
           <a:prstGeom prst="rect">
             <a:avLst/>
@@ -4477,119 +5281,25 @@
           </a:ln>
         </p:spPr>
         <p:txBody>
-          <a:bodyPr spcFirstLastPara="1" wrap="square" lIns="91425" tIns="45700" rIns="91425" bIns="45700" anchor="b" anchorCtr="0">
+          <a:bodyPr spcFirstLastPara="1" wrap="square" lIns="91425" tIns="91425" rIns="91425" bIns="91425" anchor="t" anchorCtr="0">
             <a:noAutofit/>
           </a:bodyPr>
           <a:lstStyle/>
           <a:p>
-            <a:pPr marL="0" marR="0" lvl="0" indent="0" algn="r" rtl="0">
-              <a:lnSpc>
-                <a:spcPct val="100000"/>
-              </a:lnSpc>
-              <a:spcBef>
-                <a:spcPts val="0"/>
-              </a:spcBef>
-              <a:spcAft>
-                <a:spcPts val="0"/>
-              </a:spcAft>
-              <a:buClr>
-                <a:srgbClr val="000000"/>
-              </a:buClr>
-              <a:buSzPts val="1200"/>
-              <a:buFont typeface="Arial"/>
+            <a:pPr marL="0" lvl="0" indent="0" algn="l" rtl="0">
+              <a:lnSpc>
+                <a:spcPct val="100000"/>
+              </a:lnSpc>
+              <a:spcBef>
+                <a:spcPts val="0"/>
+              </a:spcBef>
+              <a:spcAft>
+                <a:spcPts val="0"/>
+              </a:spcAft>
+              <a:buSzPts val="1100"/>
               <a:buNone/>
             </a:pPr>
-            <a:fld id="{00000000-1234-1234-1234-123412341234}" type="slidenum">
-              <a:rPr lang="en-US" sz="1200" b="0" i="0" u="none" strike="noStrike" cap="none">
-                <a:solidFill>
-                  <a:schemeClr val="dk1"/>
-                </a:solidFill>
-                <a:latin typeface="Calibri"/>
-                <a:ea typeface="Calibri"/>
-                <a:cs typeface="Calibri"/>
-                <a:sym typeface="Calibri"/>
-              </a:rPr>
-              <a:t>37</a:t>
-            </a:fld>
-            <a:endParaRPr sz="1200" b="0" i="0" u="none" strike="noStrike" cap="none">
-              <a:solidFill>
-                <a:schemeClr val="dk1"/>
-              </a:solidFill>
-              <a:latin typeface="Calibri"/>
-              <a:ea typeface="Calibri"/>
-              <a:cs typeface="Calibri"/>
-              <a:sym typeface="Calibri"/>
-            </a:endParaRPr>
-          </a:p>
-        </p:txBody>
-      </p:sp>
-      <p:sp>
-        <p:nvSpPr>
-          <p:cNvPr id="277" name="Google Shape;277;p27:notes"/>
-          <p:cNvSpPr txBox="1">
-            <a:spLocks noGrp="1"/>
-          </p:cNvSpPr>
-          <p:nvPr>
-            <p:ph type="ftr" idx="11"/>
-          </p:nvPr>
-        </p:nvSpPr>
-        <p:spPr>
-          <a:xfrm>
-            <a:off x="0" y="8685213"/>
-            <a:ext cx="2971800" cy="458700"/>
-          </a:xfrm>
-          <a:prstGeom prst="rect">
-            <a:avLst/>
-          </a:prstGeom>
-          <a:noFill/>
-          <a:ln>
-            <a:noFill/>
-          </a:ln>
-        </p:spPr>
-        <p:txBody>
-          <a:bodyPr spcFirstLastPara="1" wrap="square" lIns="91425" tIns="45700" rIns="91425" bIns="45700" anchor="b" anchorCtr="0">
-            <a:noAutofit/>
-          </a:bodyPr>
-          <a:lstStyle/>
-          <a:p>
-            <a:pPr marL="0" marR="0" lvl="0" indent="0" algn="l" rtl="0">
-              <a:lnSpc>
-                <a:spcPct val="100000"/>
-              </a:lnSpc>
-              <a:spcBef>
-                <a:spcPts val="0"/>
-              </a:spcBef>
-              <a:spcAft>
-                <a:spcPts val="0"/>
-              </a:spcAft>
-              <a:buClr>
-                <a:srgbClr val="000000"/>
-              </a:buClr>
-              <a:buSzPts val="1400"/>
-              <a:buFont typeface="Arial"/>
-              <a:buNone/>
-            </a:pPr>
-            <a:r>
-              <a:rPr lang="en-US" sz="1400" b="0" i="0" u="none" strike="noStrike" cap="none">
-                <a:solidFill>
-                  <a:srgbClr val="000000"/>
-                </a:solidFill>
-                <a:latin typeface="Arial"/>
-                <a:ea typeface="Arial"/>
-                <a:cs typeface="Arial"/>
-                <a:sym typeface="Arial"/>
-              </a:rPr>
-              <a:t>| Proprietary content. ©Great Learning. All Rights Reserved. Unauthorized use or distribution prohibited</a:t>
-            </a:r>
-            <a:endParaRPr sz="1400" b="0" i="0" u="none" strike="noStrike" cap="none">
-              <a:solidFill>
-                <a:srgbClr val="000000"/>
-              </a:solidFill>
-              <a:latin typeface="Arial"/>
-              <a:ea typeface="Arial"/>
-              <a:cs typeface="Arial"/>
-              <a:sym typeface="Arial"/>
-            </a:endParaRPr>
+            <a:endParaRPr/>
           </a:p>
         </p:txBody>
       </p:sp>
@@ -4712,6 +5422,756 @@
               <a:buNone/>
             </a:pPr>
             <a:endParaRPr/>
+          </a:p>
+        </p:txBody>
+      </p:sp>
+    </p:spTree>
+  </p:cSld>
+  <p:clrMapOvr>
+    <a:masterClrMapping/>
+  </p:clrMapOvr>
+</p:notes>
+</file>
+
+<file path=ppt/notesSlides/notesSlide40.xml><?xml version="1.0" encoding="utf-8"?>
+<p:notes xmlns:a="http://schemas.openxmlformats.org/drawingml/2006/main" xmlns:r="http://schemas.openxmlformats.org/officeDocument/2006/relationships" xmlns:p="http://schemas.openxmlformats.org/presentationml/2006/main" showMasterSp="0" showMasterPhAnim="0">
+  <p:cSld>
+    <p:spTree>
+      <p:nvGrpSpPr>
+        <p:cNvPr id="1" name="Shape 249"/>
+        <p:cNvGrpSpPr/>
+        <p:nvPr/>
+      </p:nvGrpSpPr>
+      <p:grpSpPr>
+        <a:xfrm>
+          <a:off x="0" y="0"/>
+          <a:ext cx="0" cy="0"/>
+          <a:chOff x="0" y="0"/>
+          <a:chExt cx="0" cy="0"/>
+        </a:xfrm>
+      </p:grpSpPr>
+      <p:sp>
+        <p:nvSpPr>
+          <p:cNvPr id="250" name="Google Shape;250;p23:notes"/>
+          <p:cNvSpPr>
+            <a:spLocks noGrp="1" noRot="1" noChangeAspect="1"/>
+          </p:cNvSpPr>
+          <p:nvPr>
+            <p:ph type="sldImg" idx="2"/>
+          </p:nvPr>
+        </p:nvSpPr>
+        <p:spPr>
+          <a:xfrm>
+            <a:off x="381000" y="685800"/>
+            <a:ext cx="6096000" cy="3429000"/>
+          </a:xfrm>
+          <a:custGeom>
+            <a:avLst/>
+            <a:gdLst/>
+            <a:ahLst/>
+            <a:cxnLst/>
+            <a:rect l="l" t="t" r="r" b="b"/>
+            <a:pathLst>
+              <a:path w="120000" h="120000" extrusionOk="0">
+                <a:moveTo>
+                  <a:pt x="0" y="0"/>
+                </a:moveTo>
+                <a:lnTo>
+                  <a:pt x="120000" y="0"/>
+                </a:lnTo>
+                <a:lnTo>
+                  <a:pt x="120000" y="120000"/>
+                </a:lnTo>
+                <a:lnTo>
+                  <a:pt x="0" y="120000"/>
+                </a:lnTo>
+                <a:close/>
+              </a:path>
+            </a:pathLst>
+          </a:custGeom>
+          <a:noFill/>
+          <a:ln w="9525" cap="flat" cmpd="sng">
+            <a:solidFill>
+              <a:srgbClr val="000000"/>
+            </a:solidFill>
+            <a:prstDash val="solid"/>
+            <a:round/>
+            <a:headEnd type="none" w="sm" len="sm"/>
+            <a:tailEnd type="none" w="sm" len="sm"/>
+          </a:ln>
+        </p:spPr>
+      </p:sp>
+      <p:sp>
+        <p:nvSpPr>
+          <p:cNvPr id="251" name="Google Shape;251;p23:notes"/>
+          <p:cNvSpPr txBox="1">
+            <a:spLocks noGrp="1"/>
+          </p:cNvSpPr>
+          <p:nvPr>
+            <p:ph type="body" idx="1"/>
+          </p:nvPr>
+        </p:nvSpPr>
+        <p:spPr>
+          <a:xfrm>
+            <a:off x="685800" y="4343400"/>
+            <a:ext cx="5486400" cy="4114800"/>
+          </a:xfrm>
+          <a:prstGeom prst="rect">
+            <a:avLst/>
+          </a:prstGeom>
+          <a:noFill/>
+          <a:ln>
+            <a:noFill/>
+          </a:ln>
+        </p:spPr>
+        <p:txBody>
+          <a:bodyPr spcFirstLastPara="1" wrap="square" lIns="91425" tIns="91425" rIns="91425" bIns="91425" anchor="t" anchorCtr="0">
+            <a:noAutofit/>
+          </a:bodyPr>
+          <a:lstStyle/>
+          <a:p>
+            <a:pPr marL="0" lvl="0" indent="0" algn="l" rtl="0">
+              <a:lnSpc>
+                <a:spcPct val="100000"/>
+              </a:lnSpc>
+              <a:spcBef>
+                <a:spcPts val="0"/>
+              </a:spcBef>
+              <a:spcAft>
+                <a:spcPts val="0"/>
+              </a:spcAft>
+              <a:buSzPts val="1100"/>
+              <a:buNone/>
+            </a:pPr>
+            <a:endParaRPr/>
+          </a:p>
+        </p:txBody>
+      </p:sp>
+    </p:spTree>
+  </p:cSld>
+  <p:clrMapOvr>
+    <a:masterClrMapping/>
+  </p:clrMapOvr>
+</p:notes>
+</file>
+
+<file path=ppt/notesSlides/notesSlide41.xml><?xml version="1.0" encoding="utf-8"?>
+<p:notes xmlns:a="http://schemas.openxmlformats.org/drawingml/2006/main" xmlns:r="http://schemas.openxmlformats.org/officeDocument/2006/relationships" xmlns:p="http://schemas.openxmlformats.org/presentationml/2006/main" showMasterSp="0" showMasterPhAnim="0">
+  <p:cSld>
+    <p:spTree>
+      <p:nvGrpSpPr>
+        <p:cNvPr id="1" name="Shape 256"/>
+        <p:cNvGrpSpPr/>
+        <p:nvPr/>
+      </p:nvGrpSpPr>
+      <p:grpSpPr>
+        <a:xfrm>
+          <a:off x="0" y="0"/>
+          <a:ext cx="0" cy="0"/>
+          <a:chOff x="0" y="0"/>
+          <a:chExt cx="0" cy="0"/>
+        </a:xfrm>
+      </p:grpSpPr>
+      <p:sp>
+        <p:nvSpPr>
+          <p:cNvPr id="257" name="Google Shape;257;p24:notes"/>
+          <p:cNvSpPr>
+            <a:spLocks noGrp="1" noRot="1" noChangeAspect="1"/>
+          </p:cNvSpPr>
+          <p:nvPr>
+            <p:ph type="sldImg" idx="2"/>
+          </p:nvPr>
+        </p:nvSpPr>
+        <p:spPr>
+          <a:xfrm>
+            <a:off x="381000" y="685800"/>
+            <a:ext cx="6096000" cy="3429000"/>
+          </a:xfrm>
+          <a:custGeom>
+            <a:avLst/>
+            <a:gdLst/>
+            <a:ahLst/>
+            <a:cxnLst/>
+            <a:rect l="l" t="t" r="r" b="b"/>
+            <a:pathLst>
+              <a:path w="120000" h="120000" extrusionOk="0">
+                <a:moveTo>
+                  <a:pt x="0" y="0"/>
+                </a:moveTo>
+                <a:lnTo>
+                  <a:pt x="120000" y="0"/>
+                </a:lnTo>
+                <a:lnTo>
+                  <a:pt x="120000" y="120000"/>
+                </a:lnTo>
+                <a:lnTo>
+                  <a:pt x="0" y="120000"/>
+                </a:lnTo>
+                <a:close/>
+              </a:path>
+            </a:pathLst>
+          </a:custGeom>
+          <a:noFill/>
+          <a:ln w="9525" cap="flat" cmpd="sng">
+            <a:solidFill>
+              <a:srgbClr val="000000"/>
+            </a:solidFill>
+            <a:prstDash val="solid"/>
+            <a:round/>
+            <a:headEnd type="none" w="sm" len="sm"/>
+            <a:tailEnd type="none" w="sm" len="sm"/>
+          </a:ln>
+        </p:spPr>
+      </p:sp>
+      <p:sp>
+        <p:nvSpPr>
+          <p:cNvPr id="258" name="Google Shape;258;p24:notes"/>
+          <p:cNvSpPr txBox="1">
+            <a:spLocks noGrp="1"/>
+          </p:cNvSpPr>
+          <p:nvPr>
+            <p:ph type="body" idx="1"/>
+          </p:nvPr>
+        </p:nvSpPr>
+        <p:spPr>
+          <a:xfrm>
+            <a:off x="685800" y="4343400"/>
+            <a:ext cx="5486400" cy="4114800"/>
+          </a:xfrm>
+          <a:prstGeom prst="rect">
+            <a:avLst/>
+          </a:prstGeom>
+          <a:noFill/>
+          <a:ln>
+            <a:noFill/>
+          </a:ln>
+        </p:spPr>
+        <p:txBody>
+          <a:bodyPr spcFirstLastPara="1" wrap="square" lIns="91425" tIns="91425" rIns="91425" bIns="91425" anchor="t" anchorCtr="0">
+            <a:noAutofit/>
+          </a:bodyPr>
+          <a:lstStyle/>
+          <a:p>
+            <a:pPr marL="0" lvl="0" indent="0" algn="l" rtl="0">
+              <a:lnSpc>
+                <a:spcPct val="100000"/>
+              </a:lnSpc>
+              <a:spcBef>
+                <a:spcPts val="0"/>
+              </a:spcBef>
+              <a:spcAft>
+                <a:spcPts val="0"/>
+              </a:spcAft>
+              <a:buSzPts val="1100"/>
+              <a:buNone/>
+            </a:pPr>
+            <a:endParaRPr/>
+          </a:p>
+        </p:txBody>
+      </p:sp>
+    </p:spTree>
+  </p:cSld>
+  <p:clrMapOvr>
+    <a:masterClrMapping/>
+  </p:clrMapOvr>
+</p:notes>
+</file>
+
+<file path=ppt/notesSlides/notesSlide42.xml><?xml version="1.0" encoding="utf-8"?>
+<p:notes xmlns:a="http://schemas.openxmlformats.org/drawingml/2006/main" xmlns:r="http://schemas.openxmlformats.org/officeDocument/2006/relationships" xmlns:p="http://schemas.openxmlformats.org/presentationml/2006/main" showMasterSp="0" showMasterPhAnim="0">
+  <p:cSld>
+    <p:spTree>
+      <p:nvGrpSpPr>
+        <p:cNvPr id="1" name="Shape 262"/>
+        <p:cNvGrpSpPr/>
+        <p:nvPr/>
+      </p:nvGrpSpPr>
+      <p:grpSpPr>
+        <a:xfrm>
+          <a:off x="0" y="0"/>
+          <a:ext cx="0" cy="0"/>
+          <a:chOff x="0" y="0"/>
+          <a:chExt cx="0" cy="0"/>
+        </a:xfrm>
+      </p:grpSpPr>
+      <p:sp>
+        <p:nvSpPr>
+          <p:cNvPr id="263" name="Google Shape;263;p25:notes"/>
+          <p:cNvSpPr>
+            <a:spLocks noGrp="1" noRot="1" noChangeAspect="1"/>
+          </p:cNvSpPr>
+          <p:nvPr>
+            <p:ph type="sldImg" idx="2"/>
+          </p:nvPr>
+        </p:nvSpPr>
+        <p:spPr>
+          <a:xfrm>
+            <a:off x="381000" y="685800"/>
+            <a:ext cx="6096000" cy="3429000"/>
+          </a:xfrm>
+          <a:custGeom>
+            <a:avLst/>
+            <a:gdLst/>
+            <a:ahLst/>
+            <a:cxnLst/>
+            <a:rect l="l" t="t" r="r" b="b"/>
+            <a:pathLst>
+              <a:path w="120000" h="120000" extrusionOk="0">
+                <a:moveTo>
+                  <a:pt x="0" y="0"/>
+                </a:moveTo>
+                <a:lnTo>
+                  <a:pt x="120000" y="0"/>
+                </a:lnTo>
+                <a:lnTo>
+                  <a:pt x="120000" y="120000"/>
+                </a:lnTo>
+                <a:lnTo>
+                  <a:pt x="0" y="120000"/>
+                </a:lnTo>
+                <a:close/>
+              </a:path>
+            </a:pathLst>
+          </a:custGeom>
+          <a:noFill/>
+          <a:ln w="9525" cap="flat" cmpd="sng">
+            <a:solidFill>
+              <a:srgbClr val="000000"/>
+            </a:solidFill>
+            <a:prstDash val="solid"/>
+            <a:round/>
+            <a:headEnd type="none" w="sm" len="sm"/>
+            <a:tailEnd type="none" w="sm" len="sm"/>
+          </a:ln>
+        </p:spPr>
+      </p:sp>
+      <p:sp>
+        <p:nvSpPr>
+          <p:cNvPr id="264" name="Google Shape;264;p25:notes"/>
+          <p:cNvSpPr txBox="1">
+            <a:spLocks noGrp="1"/>
+          </p:cNvSpPr>
+          <p:nvPr>
+            <p:ph type="body" idx="1"/>
+          </p:nvPr>
+        </p:nvSpPr>
+        <p:spPr>
+          <a:xfrm>
+            <a:off x="685800" y="4343400"/>
+            <a:ext cx="5486400" cy="4114800"/>
+          </a:xfrm>
+          <a:prstGeom prst="rect">
+            <a:avLst/>
+          </a:prstGeom>
+          <a:noFill/>
+          <a:ln>
+            <a:noFill/>
+          </a:ln>
+        </p:spPr>
+        <p:txBody>
+          <a:bodyPr spcFirstLastPara="1" wrap="square" lIns="91425" tIns="91425" rIns="91425" bIns="91425" anchor="t" anchorCtr="0">
+            <a:noAutofit/>
+          </a:bodyPr>
+          <a:lstStyle/>
+          <a:p>
+            <a:pPr marL="0" lvl="0" indent="0" algn="l" rtl="0">
+              <a:lnSpc>
+                <a:spcPct val="100000"/>
+              </a:lnSpc>
+              <a:spcBef>
+                <a:spcPts val="0"/>
+              </a:spcBef>
+              <a:spcAft>
+                <a:spcPts val="0"/>
+              </a:spcAft>
+              <a:buSzPts val="1100"/>
+              <a:buNone/>
+            </a:pPr>
+            <a:endParaRPr/>
+          </a:p>
+        </p:txBody>
+      </p:sp>
+    </p:spTree>
+  </p:cSld>
+  <p:clrMapOvr>
+    <a:masterClrMapping/>
+  </p:clrMapOvr>
+</p:notes>
+</file>
+
+<file path=ppt/notesSlides/notesSlide43.xml><?xml version="1.0" encoding="utf-8"?>
+<p:notes xmlns:a="http://schemas.openxmlformats.org/drawingml/2006/main" xmlns:r="http://schemas.openxmlformats.org/officeDocument/2006/relationships" xmlns:p="http://schemas.openxmlformats.org/presentationml/2006/main" showMasterSp="0" showMasterPhAnim="0">
+  <p:cSld>
+    <p:spTree>
+      <p:nvGrpSpPr>
+        <p:cNvPr id="1" name="Shape 267"/>
+        <p:cNvGrpSpPr/>
+        <p:nvPr/>
+      </p:nvGrpSpPr>
+      <p:grpSpPr>
+        <a:xfrm>
+          <a:off x="0" y="0"/>
+          <a:ext cx="0" cy="0"/>
+          <a:chOff x="0" y="0"/>
+          <a:chExt cx="0" cy="0"/>
+        </a:xfrm>
+      </p:grpSpPr>
+      <p:sp>
+        <p:nvSpPr>
+          <p:cNvPr id="268" name="Google Shape;268;p26:notes"/>
+          <p:cNvSpPr>
+            <a:spLocks noGrp="1" noRot="1" noChangeAspect="1"/>
+          </p:cNvSpPr>
+          <p:nvPr>
+            <p:ph type="sldImg" idx="2"/>
+          </p:nvPr>
+        </p:nvSpPr>
+        <p:spPr>
+          <a:xfrm>
+            <a:off x="381000" y="685800"/>
+            <a:ext cx="6096000" cy="3429000"/>
+          </a:xfrm>
+          <a:custGeom>
+            <a:avLst/>
+            <a:gdLst/>
+            <a:ahLst/>
+            <a:cxnLst/>
+            <a:rect l="l" t="t" r="r" b="b"/>
+            <a:pathLst>
+              <a:path w="120000" h="120000" extrusionOk="0">
+                <a:moveTo>
+                  <a:pt x="0" y="0"/>
+                </a:moveTo>
+                <a:lnTo>
+                  <a:pt x="120000" y="0"/>
+                </a:lnTo>
+                <a:lnTo>
+                  <a:pt x="120000" y="120000"/>
+                </a:lnTo>
+                <a:lnTo>
+                  <a:pt x="0" y="120000"/>
+                </a:lnTo>
+                <a:close/>
+              </a:path>
+            </a:pathLst>
+          </a:custGeom>
+          <a:noFill/>
+          <a:ln w="9525" cap="flat" cmpd="sng">
+            <a:solidFill>
+              <a:srgbClr val="000000"/>
+            </a:solidFill>
+            <a:prstDash val="solid"/>
+            <a:round/>
+            <a:headEnd type="none" w="sm" len="sm"/>
+            <a:tailEnd type="none" w="sm" len="sm"/>
+          </a:ln>
+        </p:spPr>
+      </p:sp>
+      <p:sp>
+        <p:nvSpPr>
+          <p:cNvPr id="269" name="Google Shape;269;p26:notes"/>
+          <p:cNvSpPr txBox="1">
+            <a:spLocks noGrp="1"/>
+          </p:cNvSpPr>
+          <p:nvPr>
+            <p:ph type="body" idx="1"/>
+          </p:nvPr>
+        </p:nvSpPr>
+        <p:spPr>
+          <a:xfrm>
+            <a:off x="685800" y="4343400"/>
+            <a:ext cx="5486400" cy="4114800"/>
+          </a:xfrm>
+          <a:prstGeom prst="rect">
+            <a:avLst/>
+          </a:prstGeom>
+          <a:noFill/>
+          <a:ln>
+            <a:noFill/>
+          </a:ln>
+        </p:spPr>
+        <p:txBody>
+          <a:bodyPr spcFirstLastPara="1" wrap="square" lIns="91425" tIns="91425" rIns="91425" bIns="91425" anchor="t" anchorCtr="0">
+            <a:noAutofit/>
+          </a:bodyPr>
+          <a:lstStyle/>
+          <a:p>
+            <a:pPr marL="0" lvl="0" indent="0" algn="l" rtl="0">
+              <a:lnSpc>
+                <a:spcPct val="100000"/>
+              </a:lnSpc>
+              <a:spcBef>
+                <a:spcPts val="0"/>
+              </a:spcBef>
+              <a:spcAft>
+                <a:spcPts val="0"/>
+              </a:spcAft>
+              <a:buSzPts val="1100"/>
+              <a:buNone/>
+            </a:pPr>
+            <a:endParaRPr/>
+          </a:p>
+        </p:txBody>
+      </p:sp>
+    </p:spTree>
+  </p:cSld>
+  <p:clrMapOvr>
+    <a:masterClrMapping/>
+  </p:clrMapOvr>
+</p:notes>
+</file>
+
+<file path=ppt/notesSlides/notesSlide44.xml><?xml version="1.0" encoding="utf-8"?>
+<p:notes xmlns:a="http://schemas.openxmlformats.org/drawingml/2006/main" xmlns:r="http://schemas.openxmlformats.org/officeDocument/2006/relationships" xmlns:p="http://schemas.openxmlformats.org/presentationml/2006/main" showMasterSp="0" showMasterPhAnim="0">
+  <p:cSld>
+    <p:spTree>
+      <p:nvGrpSpPr>
+        <p:cNvPr id="1" name="Shape 273"/>
+        <p:cNvGrpSpPr/>
+        <p:nvPr/>
+      </p:nvGrpSpPr>
+      <p:grpSpPr>
+        <a:xfrm>
+          <a:off x="0" y="0"/>
+          <a:ext cx="0" cy="0"/>
+          <a:chOff x="0" y="0"/>
+          <a:chExt cx="0" cy="0"/>
+        </a:xfrm>
+      </p:grpSpPr>
+      <p:sp>
+        <p:nvSpPr>
+          <p:cNvPr id="274" name="Google Shape;274;p27:notes"/>
+          <p:cNvSpPr txBox="1">
+            <a:spLocks noGrp="1"/>
+          </p:cNvSpPr>
+          <p:nvPr>
+            <p:ph type="body" idx="1"/>
+          </p:nvPr>
+        </p:nvSpPr>
+        <p:spPr>
+          <a:xfrm>
+            <a:off x="685800" y="4400550"/>
+            <a:ext cx="5486400" cy="3600600"/>
+          </a:xfrm>
+          <a:prstGeom prst="rect">
+            <a:avLst/>
+          </a:prstGeom>
+          <a:noFill/>
+          <a:ln>
+            <a:noFill/>
+          </a:ln>
+        </p:spPr>
+        <p:txBody>
+          <a:bodyPr spcFirstLastPara="1" wrap="square" lIns="91425" tIns="45700" rIns="91425" bIns="45700" anchor="t" anchorCtr="0">
+            <a:noAutofit/>
+          </a:bodyPr>
+          <a:lstStyle/>
+          <a:p>
+            <a:pPr marL="0" lvl="0" indent="0" algn="l" rtl="0">
+              <a:lnSpc>
+                <a:spcPct val="100000"/>
+              </a:lnSpc>
+              <a:spcBef>
+                <a:spcPts val="0"/>
+              </a:spcBef>
+              <a:spcAft>
+                <a:spcPts val="0"/>
+              </a:spcAft>
+              <a:buSzPts val="1400"/>
+              <a:buNone/>
+            </a:pPr>
+            <a:endParaRPr/>
+          </a:p>
+        </p:txBody>
+      </p:sp>
+      <p:sp>
+        <p:nvSpPr>
+          <p:cNvPr id="275" name="Google Shape;275;p27:notes"/>
+          <p:cNvSpPr>
+            <a:spLocks noGrp="1" noRot="1" noChangeAspect="1"/>
+          </p:cNvSpPr>
+          <p:nvPr>
+            <p:ph type="sldImg" idx="2"/>
+          </p:nvPr>
+        </p:nvSpPr>
+        <p:spPr>
+          <a:xfrm>
+            <a:off x="685800" y="1143000"/>
+            <a:ext cx="5486400" cy="3086100"/>
+          </a:xfrm>
+          <a:custGeom>
+            <a:avLst/>
+            <a:gdLst/>
+            <a:ahLst/>
+            <a:cxnLst/>
+            <a:rect l="l" t="t" r="r" b="b"/>
+            <a:pathLst>
+              <a:path w="120000" h="120000" extrusionOk="0">
+                <a:moveTo>
+                  <a:pt x="0" y="0"/>
+                </a:moveTo>
+                <a:lnTo>
+                  <a:pt x="120000" y="0"/>
+                </a:lnTo>
+                <a:lnTo>
+                  <a:pt x="120000" y="120000"/>
+                </a:lnTo>
+                <a:lnTo>
+                  <a:pt x="0" y="120000"/>
+                </a:lnTo>
+                <a:close/>
+              </a:path>
+            </a:pathLst>
+          </a:custGeom>
+          <a:noFill/>
+          <a:ln w="12700" cap="flat" cmpd="sng">
+            <a:solidFill>
+              <a:srgbClr val="000000"/>
+            </a:solidFill>
+            <a:prstDash val="solid"/>
+            <a:round/>
+            <a:headEnd type="none" w="sm" len="sm"/>
+            <a:tailEnd type="none" w="sm" len="sm"/>
+          </a:ln>
+        </p:spPr>
+      </p:sp>
+      <p:sp>
+        <p:nvSpPr>
+          <p:cNvPr id="276" name="Google Shape;276;p27:notes"/>
+          <p:cNvSpPr txBox="1">
+            <a:spLocks noGrp="1"/>
+          </p:cNvSpPr>
+          <p:nvPr>
+            <p:ph type="sldNum" idx="12"/>
+          </p:nvPr>
+        </p:nvSpPr>
+        <p:spPr>
+          <a:xfrm>
+            <a:off x="3884613" y="8685213"/>
+            <a:ext cx="2971800" cy="458700"/>
+          </a:xfrm>
+          <a:prstGeom prst="rect">
+            <a:avLst/>
+          </a:prstGeom>
+          <a:noFill/>
+          <a:ln>
+            <a:noFill/>
+          </a:ln>
+        </p:spPr>
+        <p:txBody>
+          <a:bodyPr spcFirstLastPara="1" wrap="square" lIns="91425" tIns="45700" rIns="91425" bIns="45700" anchor="b" anchorCtr="0">
+            <a:noAutofit/>
+          </a:bodyPr>
+          <a:lstStyle/>
+          <a:p>
+            <a:pPr marL="0" marR="0" lvl="0" indent="0" algn="r" rtl="0">
+              <a:lnSpc>
+                <a:spcPct val="100000"/>
+              </a:lnSpc>
+              <a:spcBef>
+                <a:spcPts val="0"/>
+              </a:spcBef>
+              <a:spcAft>
+                <a:spcPts val="0"/>
+              </a:spcAft>
+              <a:buClr>
+                <a:srgbClr val="000000"/>
+              </a:buClr>
+              <a:buSzPts val="1200"/>
+              <a:buFont typeface="Arial"/>
+              <a:buNone/>
+            </a:pPr>
+            <a:fld id="{00000000-1234-1234-1234-123412341234}" type="slidenum">
+              <a:rPr lang="en-US" sz="1200" b="0" i="0" u="none" strike="noStrike" cap="none">
+                <a:solidFill>
+                  <a:schemeClr val="dk1"/>
+                </a:solidFill>
+                <a:latin typeface="Calibri"/>
+                <a:ea typeface="Calibri"/>
+                <a:cs typeface="Calibri"/>
+                <a:sym typeface="Calibri"/>
+              </a:rPr>
+              <a:t>47</a:t>
+            </a:fld>
+            <a:endParaRPr sz="1200" b="0" i="0" u="none" strike="noStrike" cap="none">
+              <a:solidFill>
+                <a:schemeClr val="dk1"/>
+              </a:solidFill>
+              <a:latin typeface="Calibri"/>
+              <a:ea typeface="Calibri"/>
+              <a:cs typeface="Calibri"/>
+              <a:sym typeface="Calibri"/>
+            </a:endParaRPr>
+          </a:p>
+        </p:txBody>
+      </p:sp>
+      <p:sp>
+        <p:nvSpPr>
+          <p:cNvPr id="277" name="Google Shape;277;p27:notes"/>
+          <p:cNvSpPr txBox="1">
+            <a:spLocks noGrp="1"/>
+          </p:cNvSpPr>
+          <p:nvPr>
+            <p:ph type="ftr" idx="11"/>
+          </p:nvPr>
+        </p:nvSpPr>
+        <p:spPr>
+          <a:xfrm>
+            <a:off x="0" y="8685213"/>
+            <a:ext cx="2971800" cy="458700"/>
+          </a:xfrm>
+          <a:prstGeom prst="rect">
+            <a:avLst/>
+          </a:prstGeom>
+          <a:noFill/>
+          <a:ln>
+            <a:noFill/>
+          </a:ln>
+        </p:spPr>
+        <p:txBody>
+          <a:bodyPr spcFirstLastPara="1" wrap="square" lIns="91425" tIns="45700" rIns="91425" bIns="45700" anchor="b" anchorCtr="0">
+            <a:noAutofit/>
+          </a:bodyPr>
+          <a:lstStyle/>
+          <a:p>
+            <a:pPr marL="0" marR="0" lvl="0" indent="0" algn="l" rtl="0">
+              <a:lnSpc>
+                <a:spcPct val="100000"/>
+              </a:lnSpc>
+              <a:spcBef>
+                <a:spcPts val="0"/>
+              </a:spcBef>
+              <a:spcAft>
+                <a:spcPts val="0"/>
+              </a:spcAft>
+              <a:buClr>
+                <a:srgbClr val="000000"/>
+              </a:buClr>
+              <a:buSzPts val="1400"/>
+              <a:buFont typeface="Arial"/>
+              <a:buNone/>
+            </a:pPr>
+            <a:r>
+              <a:rPr lang="en-US" sz="1400" b="0" i="0" u="none" strike="noStrike" cap="none">
+                <a:solidFill>
+                  <a:srgbClr val="000000"/>
+                </a:solidFill>
+                <a:latin typeface="Arial"/>
+                <a:ea typeface="Arial"/>
+                <a:cs typeface="Arial"/>
+                <a:sym typeface="Arial"/>
+              </a:rPr>
+              <a:t>| Proprietary content. ©Great Learning. All Rights Reserved. Unauthorized use or distribution prohibited</a:t>
+            </a:r>
+            <a:endParaRPr sz="1400" b="0" i="0" u="none" strike="noStrike" cap="none">
+              <a:solidFill>
+                <a:srgbClr val="000000"/>
+              </a:solidFill>
+              <a:latin typeface="Arial"/>
+              <a:ea typeface="Arial"/>
+              <a:cs typeface="Arial"/>
+              <a:sym typeface="Arial"/>
+            </a:endParaRPr>
           </a:p>
         </p:txBody>
       </p:sp>
@@ -29311,7 +30771,7 @@
         <p:fade thruBlk="1"/>
       </p:transition>
     </mc:Choice>
-    <mc:Fallback xmlns="" xmlns:mv="urn:schemas-microsoft-com:mac:vml" xmlns:c="http://schemas.openxmlformats.org/drawingml/2006/chart" xmlns:dgm="http://schemas.openxmlformats.org/drawingml/2006/diagram" xmlns:o="urn:schemas-microsoft-com:office:office" xmlns:v="urn:schemas-microsoft-com:vml" xmlns:pvml="urn:schemas-microsoft-com:office:powerpoint" xmlns:com="http://schemas.openxmlformats.org/drawingml/2006/compatibility" xmlns:p15="http://schemas.microsoft.com/office/powerpoint/2012/main" xmlns:ahyp="http://schemas.microsoft.com/office/drawing/2018/hyperlinkcolor">
+    <mc:Fallback xmlns:ahyp="http://schemas.microsoft.com/office/drawing/2018/hyperlinkcolor" xmlns:p15="http://schemas.microsoft.com/office/powerpoint/2012/main" xmlns:com="http://schemas.openxmlformats.org/drawingml/2006/compatibility" xmlns:pvml="urn:schemas-microsoft-com:office:powerpoint" xmlns:v="urn:schemas-microsoft-com:vml" xmlns:o="urn:schemas-microsoft-com:office:office" xmlns:dgm="http://schemas.openxmlformats.org/drawingml/2006/diagram" xmlns:c="http://schemas.openxmlformats.org/drawingml/2006/chart" xmlns:mv="urn:schemas-microsoft-com:mac:vml" xmlns="">
       <p:transition>
         <p:fade/>
       </p:transition>
@@ -35632,7 +37092,7 @@
         <p:cNvPr id="1" name="Shape 187">
           <a:extLst>
             <a:ext uri="{FF2B5EF4-FFF2-40B4-BE49-F238E27FC236}">
-              <a16:creationId xmlns:a16="http://schemas.microsoft.com/office/drawing/2014/main" id="{F7C72CE6-50CD-3FDA-1EE1-77CD81376DFD}"/>
+              <a16:creationId xmlns:a16="http://schemas.microsoft.com/office/drawing/2014/main" id="{C5FEB714-95C1-6A8E-2AC6-DAB4D0AC2C68}"/>
             </a:ext>
           </a:extLst>
         </p:cNvPr>
@@ -35652,7 +37112,3737 @@
           <p:cNvPr id="188" name="Google Shape;188;p40">
             <a:extLst>
               <a:ext uri="{FF2B5EF4-FFF2-40B4-BE49-F238E27FC236}">
-                <a16:creationId xmlns:a16="http://schemas.microsoft.com/office/drawing/2014/main" id="{5A4B02B0-61EA-B184-BFF3-68EC0287C0AA}"/>
+                <a16:creationId xmlns:a16="http://schemas.microsoft.com/office/drawing/2014/main" id="{39EE859D-8FCA-10AF-BE57-B84A8B050C79}"/>
+              </a:ext>
+            </a:extLst>
+          </p:cNvPr>
+          <p:cNvSpPr txBox="1"/>
+          <p:nvPr/>
+        </p:nvSpPr>
+        <p:spPr>
+          <a:xfrm>
+            <a:off x="468977" y="92417"/>
+            <a:ext cx="8520600" cy="572700"/>
+          </a:xfrm>
+          <a:prstGeom prst="rect">
+            <a:avLst/>
+          </a:prstGeom>
+          <a:noFill/>
+          <a:ln>
+            <a:noFill/>
+          </a:ln>
+        </p:spPr>
+        <p:txBody>
+          <a:bodyPr spcFirstLastPara="1" wrap="square" lIns="91425" tIns="91425" rIns="91425" bIns="91425" anchor="t" anchorCtr="0">
+            <a:noAutofit/>
+          </a:bodyPr>
+          <a:lstStyle/>
+          <a:p>
+            <a:pPr marL="0" marR="0" lvl="0" indent="0" algn="l" rtl="0">
+              <a:lnSpc>
+                <a:spcPct val="100000"/>
+              </a:lnSpc>
+              <a:spcBef>
+                <a:spcPts val="0"/>
+              </a:spcBef>
+              <a:spcAft>
+                <a:spcPts val="0"/>
+              </a:spcAft>
+              <a:buClr>
+                <a:srgbClr val="000000"/>
+              </a:buClr>
+              <a:buSzPts val="2200"/>
+              <a:buFont typeface="Arial"/>
+              <a:buNone/>
+            </a:pPr>
+            <a:r>
+              <a:rPr lang="en-US" sz="2200" b="1" i="0" u="none" strike="noStrike" cap="none" dirty="0">
+                <a:solidFill>
+                  <a:schemeClr val="lt2"/>
+                </a:solidFill>
+                <a:latin typeface="Century Gothic"/>
+                <a:ea typeface="Century Gothic"/>
+                <a:cs typeface="Century Gothic"/>
+                <a:sym typeface="Century Gothic"/>
+              </a:rPr>
+              <a:t>Initial Exploratory Data Analysis (EDA)</a:t>
+            </a:r>
+            <a:endParaRPr sz="2200" b="1" i="0" u="none" strike="noStrike" cap="none" dirty="0">
+              <a:solidFill>
+                <a:schemeClr val="lt2"/>
+              </a:solidFill>
+              <a:latin typeface="Century Gothic"/>
+              <a:ea typeface="Century Gothic"/>
+              <a:cs typeface="Century Gothic"/>
+              <a:sym typeface="Century Gothic"/>
+            </a:endParaRPr>
+          </a:p>
+        </p:txBody>
+      </p:sp>
+      <p:sp>
+        <p:nvSpPr>
+          <p:cNvPr id="2" name="Slide Number Placeholder 1">
+            <a:extLst>
+              <a:ext uri="{FF2B5EF4-FFF2-40B4-BE49-F238E27FC236}">
+                <a16:creationId xmlns:a16="http://schemas.microsoft.com/office/drawing/2014/main" id="{A6D96CE4-99A5-3976-A8C7-FD80AA615D7B}"/>
+              </a:ext>
+            </a:extLst>
+          </p:cNvPr>
+          <p:cNvSpPr>
+            <a:spLocks noGrp="1"/>
+          </p:cNvSpPr>
+          <p:nvPr>
+            <p:ph type="sldNum" idx="12"/>
+          </p:nvPr>
+        </p:nvSpPr>
+        <p:spPr/>
+        <p:txBody>
+          <a:bodyPr/>
+          <a:lstStyle/>
+          <a:p>
+            <a:pPr marL="0" lvl="0" indent="0" algn="ctr" rtl="0">
+              <a:spcBef>
+                <a:spcPts val="0"/>
+              </a:spcBef>
+              <a:spcAft>
+                <a:spcPts val="0"/>
+              </a:spcAft>
+              <a:buNone/>
+            </a:pPr>
+            <a:fld id="{00000000-1234-1234-1234-123412341234}" type="slidenum">
+              <a:rPr lang="en-US" smtClean="0"/>
+              <a:t>22</a:t>
+            </a:fld>
+            <a:endParaRPr lang="en-US"/>
+          </a:p>
+        </p:txBody>
+      </p:sp>
+      <p:sp>
+        <p:nvSpPr>
+          <p:cNvPr id="14" name="Google Shape;190;p40">
+            <a:extLst>
+              <a:ext uri="{FF2B5EF4-FFF2-40B4-BE49-F238E27FC236}">
+                <a16:creationId xmlns:a16="http://schemas.microsoft.com/office/drawing/2014/main" id="{C51859A5-FA00-2A01-0875-1D0733209E6D}"/>
+              </a:ext>
+            </a:extLst>
+          </p:cNvPr>
+          <p:cNvSpPr txBox="1">
+            <a:spLocks noGrp="1"/>
+          </p:cNvSpPr>
+          <p:nvPr>
+            <p:ph type="body" idx="1"/>
+          </p:nvPr>
+        </p:nvSpPr>
+        <p:spPr>
+          <a:xfrm>
+            <a:off x="627495" y="4234948"/>
+            <a:ext cx="7889010" cy="711959"/>
+          </a:xfrm>
+          <a:prstGeom prst="rect">
+            <a:avLst/>
+          </a:prstGeom>
+          <a:noFill/>
+          <a:ln>
+            <a:noFill/>
+          </a:ln>
+        </p:spPr>
+        <p:txBody>
+          <a:bodyPr spcFirstLastPara="1" wrap="square" lIns="91425" tIns="91425" rIns="91425" bIns="91425" anchor="t" anchorCtr="0">
+            <a:spAutoFit/>
+          </a:bodyPr>
+          <a:lstStyle/>
+          <a:p>
+            <a:pPr marL="171450" indent="-171450" algn="just">
+              <a:spcBef>
+                <a:spcPts val="400"/>
+              </a:spcBef>
+              <a:buClr>
+                <a:schemeClr val="dk1"/>
+              </a:buClr>
+              <a:buSzPts val="1400"/>
+            </a:pPr>
+            <a:r>
+              <a:rPr lang="en-US" sz="1200" b="1" dirty="0">
+                <a:solidFill>
+                  <a:schemeClr val="dk1"/>
+                </a:solidFill>
+                <a:latin typeface="Nunito" pitchFamily="2" charset="0"/>
+                <a:ea typeface="Century Gothic"/>
+                <a:cs typeface="Century Gothic"/>
+                <a:sym typeface="Century Gothic"/>
+              </a:rPr>
+              <a:t>Yeo-Johnson/Box-Cox</a:t>
+            </a:r>
+            <a:r>
+              <a:rPr lang="en-US" sz="1200" dirty="0">
+                <a:solidFill>
+                  <a:schemeClr val="dk1"/>
+                </a:solidFill>
+                <a:latin typeface="Nunito" pitchFamily="2" charset="0"/>
+                <a:ea typeface="Century Gothic"/>
+                <a:cs typeface="Century Gothic"/>
+                <a:sym typeface="Century Gothic"/>
+              </a:rPr>
+              <a:t> – both score best, near normal distribution with </a:t>
+            </a:r>
+            <a:r>
+              <a:rPr lang="en-US" sz="1200" b="1" dirty="0">
+                <a:solidFill>
+                  <a:schemeClr val="dk1"/>
+                </a:solidFill>
+                <a:latin typeface="Nunito" pitchFamily="2" charset="0"/>
+                <a:ea typeface="Century Gothic"/>
+                <a:cs typeface="Century Gothic"/>
+                <a:sym typeface="Century Gothic"/>
+              </a:rPr>
+              <a:t>skew</a:t>
+            </a:r>
+            <a:r>
+              <a:rPr lang="en-US" sz="1200" dirty="0">
+                <a:solidFill>
+                  <a:schemeClr val="dk1"/>
+                </a:solidFill>
+                <a:latin typeface="Nunito" pitchFamily="2" charset="0"/>
+                <a:ea typeface="Century Gothic"/>
+                <a:cs typeface="Century Gothic"/>
+                <a:sym typeface="Century Gothic"/>
+              </a:rPr>
+              <a:t> of 0.01</a:t>
+            </a:r>
+          </a:p>
+          <a:p>
+            <a:pPr marL="171450" indent="-171450" algn="just">
+              <a:spcBef>
+                <a:spcPts val="400"/>
+              </a:spcBef>
+              <a:buClr>
+                <a:schemeClr val="dk1"/>
+              </a:buClr>
+              <a:buSzPts val="1400"/>
+            </a:pPr>
+            <a:r>
+              <a:rPr lang="en-US" sz="1200" b="1" dirty="0">
+                <a:solidFill>
+                  <a:schemeClr val="dk1"/>
+                </a:solidFill>
+                <a:latin typeface="Nunito" pitchFamily="2" charset="0"/>
+                <a:ea typeface="Century Gothic"/>
+                <a:cs typeface="Century Gothic"/>
+                <a:sym typeface="Century Gothic"/>
+              </a:rPr>
+              <a:t>Yeo-Johnson</a:t>
+            </a:r>
+            <a:r>
+              <a:rPr lang="en-US" sz="1200" dirty="0">
+                <a:solidFill>
+                  <a:schemeClr val="dk1"/>
+                </a:solidFill>
+                <a:latin typeface="Nunito" pitchFamily="2" charset="0"/>
+                <a:ea typeface="Century Gothic"/>
+                <a:cs typeface="Century Gothic"/>
+                <a:sym typeface="Century Gothic"/>
+              </a:rPr>
+              <a:t> – For consistency, use </a:t>
+            </a:r>
+            <a:r>
+              <a:rPr lang="en-US" sz="1200" b="1" dirty="0">
+                <a:solidFill>
+                  <a:schemeClr val="dk1"/>
+                </a:solidFill>
+                <a:latin typeface="Nunito" pitchFamily="2" charset="0"/>
+                <a:ea typeface="Century Gothic"/>
+                <a:cs typeface="Century Gothic"/>
+                <a:sym typeface="Century Gothic"/>
+              </a:rPr>
+              <a:t>Yeo-Johnson</a:t>
+            </a:r>
+          </a:p>
+        </p:txBody>
+      </p:sp>
+      <p:pic>
+        <p:nvPicPr>
+          <p:cNvPr id="8" name="Picture 7" descr="A table with text on it&#10;&#10;AI-generated content may be incorrect.">
+            <a:extLst>
+              <a:ext uri="{FF2B5EF4-FFF2-40B4-BE49-F238E27FC236}">
+                <a16:creationId xmlns:a16="http://schemas.microsoft.com/office/drawing/2014/main" id="{BAF90042-BE2C-CC70-47E5-16A0DE805E9A}"/>
+              </a:ext>
+            </a:extLst>
+          </p:cNvPr>
+          <p:cNvPicPr>
+            <a:picLocks noChangeAspect="1"/>
+          </p:cNvPicPr>
+          <p:nvPr/>
+        </p:nvPicPr>
+        <p:blipFill>
+          <a:blip r:embed="rId3"/>
+          <a:stretch>
+            <a:fillRect/>
+          </a:stretch>
+        </p:blipFill>
+        <p:spPr>
+          <a:xfrm>
+            <a:off x="3301631" y="2912890"/>
+            <a:ext cx="2078981" cy="1215179"/>
+          </a:xfrm>
+          <a:prstGeom prst="rect">
+            <a:avLst/>
+          </a:prstGeom>
+        </p:spPr>
+      </p:pic>
+      <p:pic>
+        <p:nvPicPr>
+          <p:cNvPr id="10" name="Picture 9" descr="A diagram of a normal distribution&#10;&#10;AI-generated content may be incorrect.">
+            <a:extLst>
+              <a:ext uri="{FF2B5EF4-FFF2-40B4-BE49-F238E27FC236}">
+                <a16:creationId xmlns:a16="http://schemas.microsoft.com/office/drawing/2014/main" id="{B456744B-12E6-2BB4-0075-4D8EBFEC8D96}"/>
+              </a:ext>
+            </a:extLst>
+          </p:cNvPr>
+          <p:cNvPicPr>
+            <a:picLocks noChangeAspect="1"/>
+          </p:cNvPicPr>
+          <p:nvPr/>
+        </p:nvPicPr>
+        <p:blipFill>
+          <a:blip r:embed="rId4"/>
+          <a:stretch>
+            <a:fillRect/>
+          </a:stretch>
+        </p:blipFill>
+        <p:spPr>
+          <a:xfrm>
+            <a:off x="468977" y="665117"/>
+            <a:ext cx="7695399" cy="2134452"/>
+          </a:xfrm>
+          <a:prstGeom prst="rect">
+            <a:avLst/>
+          </a:prstGeom>
+        </p:spPr>
+      </p:pic>
+    </p:spTree>
+    <p:extLst>
+      <p:ext uri="{BB962C8B-B14F-4D97-AF65-F5344CB8AC3E}">
+        <p14:creationId xmlns:p14="http://schemas.microsoft.com/office/powerpoint/2010/main" val="3015662958"/>
+      </p:ext>
+    </p:extLst>
+  </p:cSld>
+  <p:clrMapOvr>
+    <a:masterClrMapping/>
+  </p:clrMapOvr>
+</p:sld>
+</file>
+
+<file path=ppt/slides/slide23.xml><?xml version="1.0" encoding="utf-8"?>
+<p:sld xmlns:a="http://schemas.openxmlformats.org/drawingml/2006/main" xmlns:r="http://schemas.openxmlformats.org/officeDocument/2006/relationships" xmlns:p="http://schemas.openxmlformats.org/presentationml/2006/main">
+  <p:cSld>
+    <p:spTree>
+      <p:nvGrpSpPr>
+        <p:cNvPr id="1" name="Shape 187">
+          <a:extLst>
+            <a:ext uri="{FF2B5EF4-FFF2-40B4-BE49-F238E27FC236}">
+              <a16:creationId xmlns:a16="http://schemas.microsoft.com/office/drawing/2014/main" id="{F0A5A0CB-5C2E-13AA-36EB-E1C7BD4DAAE8}"/>
+            </a:ext>
+          </a:extLst>
+        </p:cNvPr>
+        <p:cNvGrpSpPr/>
+        <p:nvPr/>
+      </p:nvGrpSpPr>
+      <p:grpSpPr>
+        <a:xfrm>
+          <a:off x="0" y="0"/>
+          <a:ext cx="0" cy="0"/>
+          <a:chOff x="0" y="0"/>
+          <a:chExt cx="0" cy="0"/>
+        </a:xfrm>
+      </p:grpSpPr>
+      <p:sp>
+        <p:nvSpPr>
+          <p:cNvPr id="188" name="Google Shape;188;p40">
+            <a:extLst>
+              <a:ext uri="{FF2B5EF4-FFF2-40B4-BE49-F238E27FC236}">
+                <a16:creationId xmlns:a16="http://schemas.microsoft.com/office/drawing/2014/main" id="{3D752DBA-3B58-5591-9AD4-B06FC43B6646}"/>
+              </a:ext>
+            </a:extLst>
+          </p:cNvPr>
+          <p:cNvSpPr txBox="1"/>
+          <p:nvPr/>
+        </p:nvSpPr>
+        <p:spPr>
+          <a:xfrm>
+            <a:off x="468977" y="92417"/>
+            <a:ext cx="8520600" cy="572700"/>
+          </a:xfrm>
+          <a:prstGeom prst="rect">
+            <a:avLst/>
+          </a:prstGeom>
+          <a:noFill/>
+          <a:ln>
+            <a:noFill/>
+          </a:ln>
+        </p:spPr>
+        <p:txBody>
+          <a:bodyPr spcFirstLastPara="1" wrap="square" lIns="91425" tIns="91425" rIns="91425" bIns="91425" anchor="t" anchorCtr="0">
+            <a:noAutofit/>
+          </a:bodyPr>
+          <a:lstStyle/>
+          <a:p>
+            <a:pPr marL="0" marR="0" lvl="0" indent="0" algn="l" rtl="0">
+              <a:lnSpc>
+                <a:spcPct val="100000"/>
+              </a:lnSpc>
+              <a:spcBef>
+                <a:spcPts val="0"/>
+              </a:spcBef>
+              <a:spcAft>
+                <a:spcPts val="0"/>
+              </a:spcAft>
+              <a:buClr>
+                <a:srgbClr val="000000"/>
+              </a:buClr>
+              <a:buSzPts val="2200"/>
+              <a:buFont typeface="Arial"/>
+              <a:buNone/>
+            </a:pPr>
+            <a:r>
+              <a:rPr lang="en-US" sz="2200" b="1" i="0" u="none" strike="noStrike" cap="none" dirty="0">
+                <a:solidFill>
+                  <a:schemeClr val="lt2"/>
+                </a:solidFill>
+                <a:latin typeface="Century Gothic"/>
+                <a:ea typeface="Century Gothic"/>
+                <a:cs typeface="Century Gothic"/>
+                <a:sym typeface="Century Gothic"/>
+              </a:rPr>
+              <a:t>Initial Exploratory Data Analysis (EDA)</a:t>
+            </a:r>
+            <a:endParaRPr sz="2200" b="1" i="0" u="none" strike="noStrike" cap="none" dirty="0">
+              <a:solidFill>
+                <a:schemeClr val="lt2"/>
+              </a:solidFill>
+              <a:latin typeface="Century Gothic"/>
+              <a:ea typeface="Century Gothic"/>
+              <a:cs typeface="Century Gothic"/>
+              <a:sym typeface="Century Gothic"/>
+            </a:endParaRPr>
+          </a:p>
+        </p:txBody>
+      </p:sp>
+      <p:sp>
+        <p:nvSpPr>
+          <p:cNvPr id="2" name="Slide Number Placeholder 1">
+            <a:extLst>
+              <a:ext uri="{FF2B5EF4-FFF2-40B4-BE49-F238E27FC236}">
+                <a16:creationId xmlns:a16="http://schemas.microsoft.com/office/drawing/2014/main" id="{9D83326B-097D-10BD-1604-883EF2A3A364}"/>
+              </a:ext>
+            </a:extLst>
+          </p:cNvPr>
+          <p:cNvSpPr>
+            <a:spLocks noGrp="1"/>
+          </p:cNvSpPr>
+          <p:nvPr>
+            <p:ph type="sldNum" idx="12"/>
+          </p:nvPr>
+        </p:nvSpPr>
+        <p:spPr/>
+        <p:txBody>
+          <a:bodyPr/>
+          <a:lstStyle/>
+          <a:p>
+            <a:pPr marL="0" lvl="0" indent="0" algn="ctr" rtl="0">
+              <a:spcBef>
+                <a:spcPts val="0"/>
+              </a:spcBef>
+              <a:spcAft>
+                <a:spcPts val="0"/>
+              </a:spcAft>
+              <a:buNone/>
+            </a:pPr>
+            <a:fld id="{00000000-1234-1234-1234-123412341234}" type="slidenum">
+              <a:rPr lang="en-US" smtClean="0"/>
+              <a:t>23</a:t>
+            </a:fld>
+            <a:endParaRPr lang="en-US"/>
+          </a:p>
+        </p:txBody>
+      </p:sp>
+      <p:sp>
+        <p:nvSpPr>
+          <p:cNvPr id="14" name="Google Shape;190;p40">
+            <a:extLst>
+              <a:ext uri="{FF2B5EF4-FFF2-40B4-BE49-F238E27FC236}">
+                <a16:creationId xmlns:a16="http://schemas.microsoft.com/office/drawing/2014/main" id="{15BD3489-5CD2-6C8A-A4C9-A76D61259AA5}"/>
+              </a:ext>
+            </a:extLst>
+          </p:cNvPr>
+          <p:cNvSpPr txBox="1">
+            <a:spLocks noGrp="1"/>
+          </p:cNvSpPr>
+          <p:nvPr>
+            <p:ph type="body" idx="1"/>
+          </p:nvPr>
+        </p:nvSpPr>
+        <p:spPr>
+          <a:xfrm>
+            <a:off x="627495" y="4234948"/>
+            <a:ext cx="7889010" cy="711959"/>
+          </a:xfrm>
+          <a:prstGeom prst="rect">
+            <a:avLst/>
+          </a:prstGeom>
+          <a:noFill/>
+          <a:ln>
+            <a:noFill/>
+          </a:ln>
+        </p:spPr>
+        <p:txBody>
+          <a:bodyPr spcFirstLastPara="1" wrap="square" lIns="91425" tIns="91425" rIns="91425" bIns="91425" anchor="t" anchorCtr="0">
+            <a:spAutoFit/>
+          </a:bodyPr>
+          <a:lstStyle/>
+          <a:p>
+            <a:pPr marL="171450" indent="-171450" algn="just">
+              <a:spcBef>
+                <a:spcPts val="400"/>
+              </a:spcBef>
+              <a:buClr>
+                <a:schemeClr val="dk1"/>
+              </a:buClr>
+              <a:buSzPts val="1400"/>
+            </a:pPr>
+            <a:r>
+              <a:rPr lang="en-US" sz="1200" b="1" dirty="0">
+                <a:solidFill>
+                  <a:schemeClr val="dk1"/>
+                </a:solidFill>
+                <a:latin typeface="Nunito" pitchFamily="2" charset="0"/>
+                <a:ea typeface="Century Gothic"/>
+                <a:cs typeface="Century Gothic"/>
+                <a:sym typeface="Century Gothic"/>
+              </a:rPr>
+              <a:t>Yeo-Johnson/Box-Cox</a:t>
+            </a:r>
+            <a:r>
+              <a:rPr lang="en-US" sz="1200" dirty="0">
+                <a:solidFill>
+                  <a:schemeClr val="dk1"/>
+                </a:solidFill>
+                <a:latin typeface="Nunito" pitchFamily="2" charset="0"/>
+                <a:ea typeface="Century Gothic"/>
+                <a:cs typeface="Century Gothic"/>
+                <a:sym typeface="Century Gothic"/>
+              </a:rPr>
+              <a:t> – both score best, near normal distribution with </a:t>
+            </a:r>
+            <a:r>
+              <a:rPr lang="en-US" sz="1200" b="1" dirty="0">
+                <a:solidFill>
+                  <a:schemeClr val="dk1"/>
+                </a:solidFill>
+                <a:latin typeface="Nunito" pitchFamily="2" charset="0"/>
+                <a:ea typeface="Century Gothic"/>
+                <a:cs typeface="Century Gothic"/>
+                <a:sym typeface="Century Gothic"/>
+              </a:rPr>
+              <a:t>skew</a:t>
+            </a:r>
+            <a:r>
+              <a:rPr lang="en-US" sz="1200" dirty="0">
+                <a:solidFill>
+                  <a:schemeClr val="dk1"/>
+                </a:solidFill>
+                <a:latin typeface="Nunito" pitchFamily="2" charset="0"/>
+                <a:ea typeface="Century Gothic"/>
+                <a:cs typeface="Century Gothic"/>
+                <a:sym typeface="Century Gothic"/>
+              </a:rPr>
+              <a:t> of 0.01</a:t>
+            </a:r>
+          </a:p>
+          <a:p>
+            <a:pPr marL="171450" indent="-171450" algn="just">
+              <a:spcBef>
+                <a:spcPts val="400"/>
+              </a:spcBef>
+              <a:buClr>
+                <a:schemeClr val="dk1"/>
+              </a:buClr>
+              <a:buSzPts val="1400"/>
+            </a:pPr>
+            <a:r>
+              <a:rPr lang="en-US" sz="1200" b="1" dirty="0">
+                <a:solidFill>
+                  <a:schemeClr val="dk1"/>
+                </a:solidFill>
+                <a:latin typeface="Nunito" pitchFamily="2" charset="0"/>
+                <a:ea typeface="Century Gothic"/>
+                <a:cs typeface="Century Gothic"/>
+                <a:sym typeface="Century Gothic"/>
+              </a:rPr>
+              <a:t>Yeo-Johnson</a:t>
+            </a:r>
+            <a:r>
+              <a:rPr lang="en-US" sz="1200" dirty="0">
+                <a:solidFill>
+                  <a:schemeClr val="dk1"/>
+                </a:solidFill>
+                <a:latin typeface="Nunito" pitchFamily="2" charset="0"/>
+                <a:ea typeface="Century Gothic"/>
+                <a:cs typeface="Century Gothic"/>
+                <a:sym typeface="Century Gothic"/>
+              </a:rPr>
+              <a:t> – For consistency, use </a:t>
+            </a:r>
+            <a:r>
+              <a:rPr lang="en-US" sz="1200" b="1" dirty="0">
+                <a:solidFill>
+                  <a:schemeClr val="dk1"/>
+                </a:solidFill>
+                <a:latin typeface="Nunito" pitchFamily="2" charset="0"/>
+                <a:ea typeface="Century Gothic"/>
+                <a:cs typeface="Century Gothic"/>
+                <a:sym typeface="Century Gothic"/>
+              </a:rPr>
+              <a:t>Yeo-Johnson</a:t>
+            </a:r>
+          </a:p>
+        </p:txBody>
+      </p:sp>
+      <p:pic>
+        <p:nvPicPr>
+          <p:cNvPr id="7" name="Picture 6" descr="A table with text on it&#10;&#10;AI-generated content may be incorrect.">
+            <a:extLst>
+              <a:ext uri="{FF2B5EF4-FFF2-40B4-BE49-F238E27FC236}">
+                <a16:creationId xmlns:a16="http://schemas.microsoft.com/office/drawing/2014/main" id="{0CE7D02D-12C7-3380-F282-8CE7AA459D6B}"/>
+              </a:ext>
+            </a:extLst>
+          </p:cNvPr>
+          <p:cNvPicPr>
+            <a:picLocks noChangeAspect="1"/>
+          </p:cNvPicPr>
+          <p:nvPr/>
+        </p:nvPicPr>
+        <p:blipFill>
+          <a:blip r:embed="rId3"/>
+          <a:stretch>
+            <a:fillRect/>
+          </a:stretch>
+        </p:blipFill>
+        <p:spPr>
+          <a:xfrm>
+            <a:off x="3410504" y="2912890"/>
+            <a:ext cx="2322992" cy="1215179"/>
+          </a:xfrm>
+          <a:prstGeom prst="rect">
+            <a:avLst/>
+          </a:prstGeom>
+        </p:spPr>
+      </p:pic>
+      <p:pic>
+        <p:nvPicPr>
+          <p:cNvPr id="10" name="Picture 9" descr="A screenshot of a graph&#10;&#10;AI-generated content may be incorrect.">
+            <a:extLst>
+              <a:ext uri="{FF2B5EF4-FFF2-40B4-BE49-F238E27FC236}">
+                <a16:creationId xmlns:a16="http://schemas.microsoft.com/office/drawing/2014/main" id="{EF56C8C9-BA46-B44D-B3AE-ECA4774093B7}"/>
+              </a:ext>
+            </a:extLst>
+          </p:cNvPr>
+          <p:cNvPicPr>
+            <a:picLocks noChangeAspect="1"/>
+          </p:cNvPicPr>
+          <p:nvPr/>
+        </p:nvPicPr>
+        <p:blipFill>
+          <a:blip r:embed="rId4"/>
+          <a:stretch>
+            <a:fillRect/>
+          </a:stretch>
+        </p:blipFill>
+        <p:spPr>
+          <a:xfrm>
+            <a:off x="627495" y="661348"/>
+            <a:ext cx="7680285" cy="2144664"/>
+          </a:xfrm>
+          <a:prstGeom prst="rect">
+            <a:avLst/>
+          </a:prstGeom>
+        </p:spPr>
+      </p:pic>
+    </p:spTree>
+    <p:extLst>
+      <p:ext uri="{BB962C8B-B14F-4D97-AF65-F5344CB8AC3E}">
+        <p14:creationId xmlns:p14="http://schemas.microsoft.com/office/powerpoint/2010/main" val="1468846446"/>
+      </p:ext>
+    </p:extLst>
+  </p:cSld>
+  <p:clrMapOvr>
+    <a:masterClrMapping/>
+  </p:clrMapOvr>
+</p:sld>
+</file>
+
+<file path=ppt/slides/slide24.xml><?xml version="1.0" encoding="utf-8"?>
+<p:sld xmlns:a="http://schemas.openxmlformats.org/drawingml/2006/main" xmlns:r="http://schemas.openxmlformats.org/officeDocument/2006/relationships" xmlns:p="http://schemas.openxmlformats.org/presentationml/2006/main">
+  <p:cSld>
+    <p:spTree>
+      <p:nvGrpSpPr>
+        <p:cNvPr id="1" name="Shape 187">
+          <a:extLst>
+            <a:ext uri="{FF2B5EF4-FFF2-40B4-BE49-F238E27FC236}">
+              <a16:creationId xmlns:a16="http://schemas.microsoft.com/office/drawing/2014/main" id="{28FA1894-AD34-EFFE-BED9-DB4F626F2B52}"/>
+            </a:ext>
+          </a:extLst>
+        </p:cNvPr>
+        <p:cNvGrpSpPr/>
+        <p:nvPr/>
+      </p:nvGrpSpPr>
+      <p:grpSpPr>
+        <a:xfrm>
+          <a:off x="0" y="0"/>
+          <a:ext cx="0" cy="0"/>
+          <a:chOff x="0" y="0"/>
+          <a:chExt cx="0" cy="0"/>
+        </a:xfrm>
+      </p:grpSpPr>
+      <p:sp>
+        <p:nvSpPr>
+          <p:cNvPr id="188" name="Google Shape;188;p40">
+            <a:extLst>
+              <a:ext uri="{FF2B5EF4-FFF2-40B4-BE49-F238E27FC236}">
+                <a16:creationId xmlns:a16="http://schemas.microsoft.com/office/drawing/2014/main" id="{4E671323-ABE5-36AF-A1C9-98670E6D82EF}"/>
+              </a:ext>
+            </a:extLst>
+          </p:cNvPr>
+          <p:cNvSpPr txBox="1"/>
+          <p:nvPr/>
+        </p:nvSpPr>
+        <p:spPr>
+          <a:xfrm>
+            <a:off x="468977" y="92417"/>
+            <a:ext cx="8520600" cy="572700"/>
+          </a:xfrm>
+          <a:prstGeom prst="rect">
+            <a:avLst/>
+          </a:prstGeom>
+          <a:noFill/>
+          <a:ln>
+            <a:noFill/>
+          </a:ln>
+        </p:spPr>
+        <p:txBody>
+          <a:bodyPr spcFirstLastPara="1" wrap="square" lIns="91425" tIns="91425" rIns="91425" bIns="91425" anchor="t" anchorCtr="0">
+            <a:noAutofit/>
+          </a:bodyPr>
+          <a:lstStyle/>
+          <a:p>
+            <a:pPr marL="0" marR="0" lvl="0" indent="0" algn="l" rtl="0">
+              <a:lnSpc>
+                <a:spcPct val="100000"/>
+              </a:lnSpc>
+              <a:spcBef>
+                <a:spcPts val="0"/>
+              </a:spcBef>
+              <a:spcAft>
+                <a:spcPts val="0"/>
+              </a:spcAft>
+              <a:buClr>
+                <a:srgbClr val="000000"/>
+              </a:buClr>
+              <a:buSzPts val="2200"/>
+              <a:buFont typeface="Arial"/>
+              <a:buNone/>
+            </a:pPr>
+            <a:r>
+              <a:rPr lang="en-US" sz="2200" b="1" i="0" u="none" strike="noStrike" cap="none" dirty="0">
+                <a:solidFill>
+                  <a:schemeClr val="lt2"/>
+                </a:solidFill>
+                <a:latin typeface="Century Gothic"/>
+                <a:ea typeface="Century Gothic"/>
+                <a:cs typeface="Century Gothic"/>
+                <a:sym typeface="Century Gothic"/>
+              </a:rPr>
+              <a:t>Initial Exploratory Data Analysis (EDA)</a:t>
+            </a:r>
+            <a:endParaRPr sz="2200" b="1" i="0" u="none" strike="noStrike" cap="none" dirty="0">
+              <a:solidFill>
+                <a:schemeClr val="lt2"/>
+              </a:solidFill>
+              <a:latin typeface="Century Gothic"/>
+              <a:ea typeface="Century Gothic"/>
+              <a:cs typeface="Century Gothic"/>
+              <a:sym typeface="Century Gothic"/>
+            </a:endParaRPr>
+          </a:p>
+        </p:txBody>
+      </p:sp>
+      <p:sp>
+        <p:nvSpPr>
+          <p:cNvPr id="2" name="Slide Number Placeholder 1">
+            <a:extLst>
+              <a:ext uri="{FF2B5EF4-FFF2-40B4-BE49-F238E27FC236}">
+                <a16:creationId xmlns:a16="http://schemas.microsoft.com/office/drawing/2014/main" id="{26740705-7B03-8138-8E50-28F171C39852}"/>
+              </a:ext>
+            </a:extLst>
+          </p:cNvPr>
+          <p:cNvSpPr>
+            <a:spLocks noGrp="1"/>
+          </p:cNvSpPr>
+          <p:nvPr>
+            <p:ph type="sldNum" idx="12"/>
+          </p:nvPr>
+        </p:nvSpPr>
+        <p:spPr/>
+        <p:txBody>
+          <a:bodyPr/>
+          <a:lstStyle/>
+          <a:p>
+            <a:pPr marL="0" lvl="0" indent="0" algn="ctr" rtl="0">
+              <a:spcBef>
+                <a:spcPts val="0"/>
+              </a:spcBef>
+              <a:spcAft>
+                <a:spcPts val="0"/>
+              </a:spcAft>
+              <a:buNone/>
+            </a:pPr>
+            <a:fld id="{00000000-1234-1234-1234-123412341234}" type="slidenum">
+              <a:rPr lang="en-US" smtClean="0"/>
+              <a:t>24</a:t>
+            </a:fld>
+            <a:endParaRPr lang="en-US"/>
+          </a:p>
+        </p:txBody>
+      </p:sp>
+      <p:sp>
+        <p:nvSpPr>
+          <p:cNvPr id="14" name="Google Shape;190;p40">
+            <a:extLst>
+              <a:ext uri="{FF2B5EF4-FFF2-40B4-BE49-F238E27FC236}">
+                <a16:creationId xmlns:a16="http://schemas.microsoft.com/office/drawing/2014/main" id="{5552E378-D2CB-205F-4550-C712E0099F19}"/>
+              </a:ext>
+            </a:extLst>
+          </p:cNvPr>
+          <p:cNvSpPr txBox="1">
+            <a:spLocks noGrp="1"/>
+          </p:cNvSpPr>
+          <p:nvPr>
+            <p:ph type="body" idx="1"/>
+          </p:nvPr>
+        </p:nvSpPr>
+        <p:spPr>
+          <a:xfrm>
+            <a:off x="627495" y="4234948"/>
+            <a:ext cx="7889010" cy="711959"/>
+          </a:xfrm>
+          <a:prstGeom prst="rect">
+            <a:avLst/>
+          </a:prstGeom>
+          <a:noFill/>
+          <a:ln>
+            <a:noFill/>
+          </a:ln>
+        </p:spPr>
+        <p:txBody>
+          <a:bodyPr spcFirstLastPara="1" wrap="square" lIns="91425" tIns="91425" rIns="91425" bIns="91425" anchor="t" anchorCtr="0">
+            <a:spAutoFit/>
+          </a:bodyPr>
+          <a:lstStyle/>
+          <a:p>
+            <a:pPr marL="171450" indent="-171450" algn="just">
+              <a:spcBef>
+                <a:spcPts val="400"/>
+              </a:spcBef>
+              <a:buClr>
+                <a:schemeClr val="dk1"/>
+              </a:buClr>
+              <a:buSzPts val="1400"/>
+            </a:pPr>
+            <a:r>
+              <a:rPr lang="en-US" sz="1200" b="1" dirty="0">
+                <a:solidFill>
+                  <a:schemeClr val="dk1"/>
+                </a:solidFill>
+                <a:latin typeface="Nunito" pitchFamily="2" charset="0"/>
+                <a:ea typeface="Century Gothic"/>
+                <a:cs typeface="Century Gothic"/>
+                <a:sym typeface="Century Gothic"/>
+              </a:rPr>
+              <a:t>Yeo-Johnson/Box-Cox</a:t>
+            </a:r>
+            <a:r>
+              <a:rPr lang="en-US" sz="1200" dirty="0">
+                <a:solidFill>
+                  <a:schemeClr val="dk1"/>
+                </a:solidFill>
+                <a:latin typeface="Nunito" pitchFamily="2" charset="0"/>
+                <a:ea typeface="Century Gothic"/>
+                <a:cs typeface="Century Gothic"/>
+                <a:sym typeface="Century Gothic"/>
+              </a:rPr>
+              <a:t> – both score best, near normal distribution with </a:t>
+            </a:r>
+            <a:r>
+              <a:rPr lang="en-US" sz="1200" b="1" dirty="0">
+                <a:solidFill>
+                  <a:schemeClr val="dk1"/>
+                </a:solidFill>
+                <a:latin typeface="Nunito" pitchFamily="2" charset="0"/>
+                <a:ea typeface="Century Gothic"/>
+                <a:cs typeface="Century Gothic"/>
+                <a:sym typeface="Century Gothic"/>
+              </a:rPr>
+              <a:t>skew</a:t>
+            </a:r>
+            <a:r>
+              <a:rPr lang="en-US" sz="1200" dirty="0">
+                <a:solidFill>
+                  <a:schemeClr val="dk1"/>
+                </a:solidFill>
+                <a:latin typeface="Nunito" pitchFamily="2" charset="0"/>
+                <a:ea typeface="Century Gothic"/>
+                <a:cs typeface="Century Gothic"/>
+                <a:sym typeface="Century Gothic"/>
+              </a:rPr>
+              <a:t> of </a:t>
+            </a:r>
+            <a:r>
+              <a:rPr lang="en-US" sz="1200" b="1" dirty="0">
+                <a:solidFill>
+                  <a:schemeClr val="dk1"/>
+                </a:solidFill>
+                <a:latin typeface="Nunito" pitchFamily="2" charset="0"/>
+                <a:ea typeface="Century Gothic"/>
+                <a:cs typeface="Century Gothic"/>
+                <a:sym typeface="Century Gothic"/>
+              </a:rPr>
+              <a:t>0.01</a:t>
+            </a:r>
+          </a:p>
+          <a:p>
+            <a:pPr marL="171450" indent="-171450" algn="just">
+              <a:spcBef>
+                <a:spcPts val="400"/>
+              </a:spcBef>
+              <a:buClr>
+                <a:schemeClr val="dk1"/>
+              </a:buClr>
+              <a:buSzPts val="1400"/>
+            </a:pPr>
+            <a:r>
+              <a:rPr lang="en-US" sz="1200" b="1" dirty="0">
+                <a:solidFill>
+                  <a:schemeClr val="dk1"/>
+                </a:solidFill>
+                <a:latin typeface="Nunito" pitchFamily="2" charset="0"/>
+                <a:ea typeface="Century Gothic"/>
+                <a:cs typeface="Century Gothic"/>
+                <a:sym typeface="Century Gothic"/>
+              </a:rPr>
+              <a:t>Yeo-Johnson</a:t>
+            </a:r>
+            <a:r>
+              <a:rPr lang="en-US" sz="1200" dirty="0">
+                <a:solidFill>
+                  <a:schemeClr val="dk1"/>
+                </a:solidFill>
+                <a:latin typeface="Nunito" pitchFamily="2" charset="0"/>
+                <a:ea typeface="Century Gothic"/>
+                <a:cs typeface="Century Gothic"/>
+                <a:sym typeface="Century Gothic"/>
+              </a:rPr>
+              <a:t> – For consistency, use </a:t>
+            </a:r>
+            <a:r>
+              <a:rPr lang="en-US" sz="1200" b="1" dirty="0">
+                <a:solidFill>
+                  <a:schemeClr val="dk1"/>
+                </a:solidFill>
+                <a:latin typeface="Nunito" pitchFamily="2" charset="0"/>
+                <a:ea typeface="Century Gothic"/>
+                <a:cs typeface="Century Gothic"/>
+                <a:sym typeface="Century Gothic"/>
+              </a:rPr>
+              <a:t>Yeo-Johnson</a:t>
+            </a:r>
+          </a:p>
+        </p:txBody>
+      </p:sp>
+      <p:pic>
+        <p:nvPicPr>
+          <p:cNvPr id="4" name="Picture 3" descr="A diagram of a normalized curve&#10;&#10;AI-generated content may be incorrect.">
+            <a:extLst>
+              <a:ext uri="{FF2B5EF4-FFF2-40B4-BE49-F238E27FC236}">
+                <a16:creationId xmlns:a16="http://schemas.microsoft.com/office/drawing/2014/main" id="{7942BA3C-DCA0-5D4C-2AA6-67060AEC2AA0}"/>
+              </a:ext>
+            </a:extLst>
+          </p:cNvPr>
+          <p:cNvPicPr>
+            <a:picLocks noChangeAspect="1"/>
+          </p:cNvPicPr>
+          <p:nvPr/>
+        </p:nvPicPr>
+        <p:blipFill>
+          <a:blip r:embed="rId3"/>
+          <a:stretch>
+            <a:fillRect/>
+          </a:stretch>
+        </p:blipFill>
+        <p:spPr>
+          <a:xfrm>
+            <a:off x="652598" y="631783"/>
+            <a:ext cx="7838803" cy="2174228"/>
+          </a:xfrm>
+          <a:prstGeom prst="rect">
+            <a:avLst/>
+          </a:prstGeom>
+        </p:spPr>
+      </p:pic>
+      <p:pic>
+        <p:nvPicPr>
+          <p:cNvPr id="6" name="Picture 5" descr="A table with text on it&#10;&#10;AI-generated content may be incorrect.">
+            <a:extLst>
+              <a:ext uri="{FF2B5EF4-FFF2-40B4-BE49-F238E27FC236}">
+                <a16:creationId xmlns:a16="http://schemas.microsoft.com/office/drawing/2014/main" id="{9B244255-B832-C9AC-686D-E51E0A347ABF}"/>
+              </a:ext>
+            </a:extLst>
+          </p:cNvPr>
+          <p:cNvPicPr>
+            <a:picLocks noChangeAspect="1"/>
+          </p:cNvPicPr>
+          <p:nvPr/>
+        </p:nvPicPr>
+        <p:blipFill>
+          <a:blip r:embed="rId4"/>
+          <a:stretch>
+            <a:fillRect/>
+          </a:stretch>
+        </p:blipFill>
+        <p:spPr>
+          <a:xfrm>
+            <a:off x="3706221" y="2892728"/>
+            <a:ext cx="2198392" cy="1255503"/>
+          </a:xfrm>
+          <a:prstGeom prst="rect">
+            <a:avLst/>
+          </a:prstGeom>
+        </p:spPr>
+      </p:pic>
+    </p:spTree>
+    <p:extLst>
+      <p:ext uri="{BB962C8B-B14F-4D97-AF65-F5344CB8AC3E}">
+        <p14:creationId xmlns:p14="http://schemas.microsoft.com/office/powerpoint/2010/main" val="1199618976"/>
+      </p:ext>
+    </p:extLst>
+  </p:cSld>
+  <p:clrMapOvr>
+    <a:masterClrMapping/>
+  </p:clrMapOvr>
+</p:sld>
+</file>
+
+<file path=ppt/slides/slide25.xml><?xml version="1.0" encoding="utf-8"?>
+<p:sld xmlns:a="http://schemas.openxmlformats.org/drawingml/2006/main" xmlns:r="http://schemas.openxmlformats.org/officeDocument/2006/relationships" xmlns:p="http://schemas.openxmlformats.org/presentationml/2006/main">
+  <p:cSld>
+    <p:spTree>
+      <p:nvGrpSpPr>
+        <p:cNvPr id="1" name="Shape 187">
+          <a:extLst>
+            <a:ext uri="{FF2B5EF4-FFF2-40B4-BE49-F238E27FC236}">
+              <a16:creationId xmlns:a16="http://schemas.microsoft.com/office/drawing/2014/main" id="{A2F11F53-79EF-085C-FAE6-D666EA1E03A5}"/>
+            </a:ext>
+          </a:extLst>
+        </p:cNvPr>
+        <p:cNvGrpSpPr/>
+        <p:nvPr/>
+      </p:nvGrpSpPr>
+      <p:grpSpPr>
+        <a:xfrm>
+          <a:off x="0" y="0"/>
+          <a:ext cx="0" cy="0"/>
+          <a:chOff x="0" y="0"/>
+          <a:chExt cx="0" cy="0"/>
+        </a:xfrm>
+      </p:grpSpPr>
+      <p:sp>
+        <p:nvSpPr>
+          <p:cNvPr id="188" name="Google Shape;188;p40">
+            <a:extLst>
+              <a:ext uri="{FF2B5EF4-FFF2-40B4-BE49-F238E27FC236}">
+                <a16:creationId xmlns:a16="http://schemas.microsoft.com/office/drawing/2014/main" id="{EB9F5B17-FC30-C298-48EA-DA58DBEDE598}"/>
+              </a:ext>
+            </a:extLst>
+          </p:cNvPr>
+          <p:cNvSpPr txBox="1"/>
+          <p:nvPr/>
+        </p:nvSpPr>
+        <p:spPr>
+          <a:xfrm>
+            <a:off x="468977" y="92417"/>
+            <a:ext cx="8520600" cy="572700"/>
+          </a:xfrm>
+          <a:prstGeom prst="rect">
+            <a:avLst/>
+          </a:prstGeom>
+          <a:noFill/>
+          <a:ln>
+            <a:noFill/>
+          </a:ln>
+        </p:spPr>
+        <p:txBody>
+          <a:bodyPr spcFirstLastPara="1" wrap="square" lIns="91425" tIns="91425" rIns="91425" bIns="91425" anchor="t" anchorCtr="0">
+            <a:noAutofit/>
+          </a:bodyPr>
+          <a:lstStyle/>
+          <a:p>
+            <a:pPr marL="0" marR="0" lvl="0" indent="0" algn="l" rtl="0">
+              <a:lnSpc>
+                <a:spcPct val="100000"/>
+              </a:lnSpc>
+              <a:spcBef>
+                <a:spcPts val="0"/>
+              </a:spcBef>
+              <a:spcAft>
+                <a:spcPts val="0"/>
+              </a:spcAft>
+              <a:buClr>
+                <a:srgbClr val="000000"/>
+              </a:buClr>
+              <a:buSzPts val="2200"/>
+              <a:buFont typeface="Arial"/>
+              <a:buNone/>
+            </a:pPr>
+            <a:r>
+              <a:rPr lang="en-US" sz="2200" b="1" i="0" u="none" strike="noStrike" cap="none" dirty="0">
+                <a:solidFill>
+                  <a:schemeClr val="lt2"/>
+                </a:solidFill>
+                <a:latin typeface="Century Gothic"/>
+                <a:ea typeface="Century Gothic"/>
+                <a:cs typeface="Century Gothic"/>
+                <a:sym typeface="Century Gothic"/>
+              </a:rPr>
+              <a:t>Initial Exploratory Data Analysis (EDA)</a:t>
+            </a:r>
+            <a:endParaRPr sz="2200" b="1" i="0" u="none" strike="noStrike" cap="none" dirty="0">
+              <a:solidFill>
+                <a:schemeClr val="lt2"/>
+              </a:solidFill>
+              <a:latin typeface="Century Gothic"/>
+              <a:ea typeface="Century Gothic"/>
+              <a:cs typeface="Century Gothic"/>
+              <a:sym typeface="Century Gothic"/>
+            </a:endParaRPr>
+          </a:p>
+        </p:txBody>
+      </p:sp>
+      <p:sp>
+        <p:nvSpPr>
+          <p:cNvPr id="2" name="Slide Number Placeholder 1">
+            <a:extLst>
+              <a:ext uri="{FF2B5EF4-FFF2-40B4-BE49-F238E27FC236}">
+                <a16:creationId xmlns:a16="http://schemas.microsoft.com/office/drawing/2014/main" id="{24FDA363-49CA-1147-5D60-9443CD48CD1A}"/>
+              </a:ext>
+            </a:extLst>
+          </p:cNvPr>
+          <p:cNvSpPr>
+            <a:spLocks noGrp="1"/>
+          </p:cNvSpPr>
+          <p:nvPr>
+            <p:ph type="sldNum" idx="12"/>
+          </p:nvPr>
+        </p:nvSpPr>
+        <p:spPr/>
+        <p:txBody>
+          <a:bodyPr/>
+          <a:lstStyle/>
+          <a:p>
+            <a:pPr marL="0" lvl="0" indent="0" algn="ctr" rtl="0">
+              <a:spcBef>
+                <a:spcPts val="0"/>
+              </a:spcBef>
+              <a:spcAft>
+                <a:spcPts val="0"/>
+              </a:spcAft>
+              <a:buNone/>
+            </a:pPr>
+            <a:fld id="{00000000-1234-1234-1234-123412341234}" type="slidenum">
+              <a:rPr lang="en-US" smtClean="0"/>
+              <a:t>25</a:t>
+            </a:fld>
+            <a:endParaRPr lang="en-US"/>
+          </a:p>
+        </p:txBody>
+      </p:sp>
+      <p:sp>
+        <p:nvSpPr>
+          <p:cNvPr id="14" name="Google Shape;190;p40">
+            <a:extLst>
+              <a:ext uri="{FF2B5EF4-FFF2-40B4-BE49-F238E27FC236}">
+                <a16:creationId xmlns:a16="http://schemas.microsoft.com/office/drawing/2014/main" id="{B8961BA6-C299-7291-C55F-F70C2A953535}"/>
+              </a:ext>
+            </a:extLst>
+          </p:cNvPr>
+          <p:cNvSpPr txBox="1">
+            <a:spLocks noGrp="1"/>
+          </p:cNvSpPr>
+          <p:nvPr>
+            <p:ph type="body" idx="1"/>
+          </p:nvPr>
+        </p:nvSpPr>
+        <p:spPr>
+          <a:xfrm>
+            <a:off x="733821" y="4440511"/>
+            <a:ext cx="7889010" cy="448298"/>
+          </a:xfrm>
+          <a:prstGeom prst="rect">
+            <a:avLst/>
+          </a:prstGeom>
+          <a:noFill/>
+          <a:ln>
+            <a:noFill/>
+          </a:ln>
+        </p:spPr>
+        <p:txBody>
+          <a:bodyPr spcFirstLastPara="1" wrap="square" lIns="91425" tIns="91425" rIns="91425" bIns="91425" anchor="t" anchorCtr="0">
+            <a:spAutoFit/>
+          </a:bodyPr>
+          <a:lstStyle/>
+          <a:p>
+            <a:pPr marL="171450" indent="-171450" algn="just">
+              <a:spcBef>
+                <a:spcPts val="400"/>
+              </a:spcBef>
+              <a:buClr>
+                <a:schemeClr val="dk1"/>
+              </a:buClr>
+              <a:buSzPts val="1400"/>
+            </a:pPr>
+            <a:r>
+              <a:rPr lang="en-US" sz="1200" b="1" dirty="0">
+                <a:solidFill>
+                  <a:schemeClr val="dk1"/>
+                </a:solidFill>
+                <a:latin typeface="Nunito" pitchFamily="2" charset="0"/>
+                <a:ea typeface="Century Gothic"/>
+                <a:cs typeface="Century Gothic"/>
+                <a:sym typeface="Century Gothic"/>
+              </a:rPr>
+              <a:t>Yeo-Johnson </a:t>
+            </a:r>
+            <a:r>
+              <a:rPr lang="en-US" sz="1200" dirty="0">
+                <a:solidFill>
+                  <a:schemeClr val="dk1"/>
+                </a:solidFill>
+                <a:latin typeface="Nunito" pitchFamily="2" charset="0"/>
+                <a:ea typeface="Century Gothic"/>
+                <a:cs typeface="Century Gothic"/>
+                <a:sym typeface="Century Gothic"/>
+              </a:rPr>
+              <a:t>– best score best, near normal distribution with </a:t>
+            </a:r>
+            <a:r>
+              <a:rPr lang="en-US" sz="1200" b="1" dirty="0">
+                <a:solidFill>
+                  <a:schemeClr val="dk1"/>
+                </a:solidFill>
+                <a:latin typeface="Nunito" pitchFamily="2" charset="0"/>
+                <a:ea typeface="Century Gothic"/>
+                <a:cs typeface="Century Gothic"/>
+                <a:sym typeface="Century Gothic"/>
+              </a:rPr>
+              <a:t>skew</a:t>
+            </a:r>
+            <a:r>
+              <a:rPr lang="en-US" sz="1200" dirty="0">
+                <a:solidFill>
+                  <a:schemeClr val="dk1"/>
+                </a:solidFill>
+                <a:latin typeface="Nunito" pitchFamily="2" charset="0"/>
+                <a:ea typeface="Century Gothic"/>
+                <a:cs typeface="Century Gothic"/>
+                <a:sym typeface="Century Gothic"/>
+              </a:rPr>
+              <a:t> of </a:t>
+            </a:r>
+            <a:r>
+              <a:rPr lang="en-US" sz="1200" b="1" dirty="0">
+                <a:solidFill>
+                  <a:schemeClr val="dk1"/>
+                </a:solidFill>
+                <a:latin typeface="Nunito" pitchFamily="2" charset="0"/>
+                <a:ea typeface="Century Gothic"/>
+                <a:cs typeface="Century Gothic"/>
+                <a:sym typeface="Century Gothic"/>
+              </a:rPr>
+              <a:t>-0.07</a:t>
+            </a:r>
+          </a:p>
+        </p:txBody>
+      </p:sp>
+      <p:pic>
+        <p:nvPicPr>
+          <p:cNvPr id="5" name="Picture 4" descr="A comparison of a normalization diagram&#10;&#10;AI-generated content may be incorrect.">
+            <a:extLst>
+              <a:ext uri="{FF2B5EF4-FFF2-40B4-BE49-F238E27FC236}">
+                <a16:creationId xmlns:a16="http://schemas.microsoft.com/office/drawing/2014/main" id="{5709DA6E-BDA5-392B-390D-9DED8EDB0476}"/>
+              </a:ext>
+            </a:extLst>
+          </p:cNvPr>
+          <p:cNvPicPr>
+            <a:picLocks noChangeAspect="1"/>
+          </p:cNvPicPr>
+          <p:nvPr/>
+        </p:nvPicPr>
+        <p:blipFill>
+          <a:blip r:embed="rId3"/>
+          <a:stretch>
+            <a:fillRect/>
+          </a:stretch>
+        </p:blipFill>
+        <p:spPr>
+          <a:xfrm>
+            <a:off x="733821" y="611885"/>
+            <a:ext cx="7375277" cy="2551079"/>
+          </a:xfrm>
+          <a:prstGeom prst="rect">
+            <a:avLst/>
+          </a:prstGeom>
+        </p:spPr>
+      </p:pic>
+      <p:pic>
+        <p:nvPicPr>
+          <p:cNvPr id="8" name="Picture 7" descr="A table with text on it&#10;&#10;AI-generated content may be incorrect.">
+            <a:extLst>
+              <a:ext uri="{FF2B5EF4-FFF2-40B4-BE49-F238E27FC236}">
+                <a16:creationId xmlns:a16="http://schemas.microsoft.com/office/drawing/2014/main" id="{B291F508-3506-9342-7829-EE2D5818C5EF}"/>
+              </a:ext>
+            </a:extLst>
+          </p:cNvPr>
+          <p:cNvPicPr>
+            <a:picLocks noChangeAspect="1"/>
+          </p:cNvPicPr>
+          <p:nvPr/>
+        </p:nvPicPr>
+        <p:blipFill>
+          <a:blip r:embed="rId4"/>
+          <a:stretch>
+            <a:fillRect/>
+          </a:stretch>
+        </p:blipFill>
+        <p:spPr>
+          <a:xfrm>
+            <a:off x="3549688" y="3116819"/>
+            <a:ext cx="2359177" cy="1255502"/>
+          </a:xfrm>
+          <a:prstGeom prst="rect">
+            <a:avLst/>
+          </a:prstGeom>
+        </p:spPr>
+      </p:pic>
+    </p:spTree>
+    <p:extLst>
+      <p:ext uri="{BB962C8B-B14F-4D97-AF65-F5344CB8AC3E}">
+        <p14:creationId xmlns:p14="http://schemas.microsoft.com/office/powerpoint/2010/main" val="1551556485"/>
+      </p:ext>
+    </p:extLst>
+  </p:cSld>
+  <p:clrMapOvr>
+    <a:masterClrMapping/>
+  </p:clrMapOvr>
+</p:sld>
+</file>
+
+<file path=ppt/slides/slide26.xml><?xml version="1.0" encoding="utf-8"?>
+<p:sld xmlns:a="http://schemas.openxmlformats.org/drawingml/2006/main" xmlns:r="http://schemas.openxmlformats.org/officeDocument/2006/relationships" xmlns:p="http://schemas.openxmlformats.org/presentationml/2006/main">
+  <p:cSld>
+    <p:spTree>
+      <p:nvGrpSpPr>
+        <p:cNvPr id="1" name="Shape 187">
+          <a:extLst>
+            <a:ext uri="{FF2B5EF4-FFF2-40B4-BE49-F238E27FC236}">
+              <a16:creationId xmlns:a16="http://schemas.microsoft.com/office/drawing/2014/main" id="{C9522791-8091-E57B-A3A5-7BED2F629B8C}"/>
+            </a:ext>
+          </a:extLst>
+        </p:cNvPr>
+        <p:cNvGrpSpPr/>
+        <p:nvPr/>
+      </p:nvGrpSpPr>
+      <p:grpSpPr>
+        <a:xfrm>
+          <a:off x="0" y="0"/>
+          <a:ext cx="0" cy="0"/>
+          <a:chOff x="0" y="0"/>
+          <a:chExt cx="0" cy="0"/>
+        </a:xfrm>
+      </p:grpSpPr>
+      <p:sp>
+        <p:nvSpPr>
+          <p:cNvPr id="188" name="Google Shape;188;p40">
+            <a:extLst>
+              <a:ext uri="{FF2B5EF4-FFF2-40B4-BE49-F238E27FC236}">
+                <a16:creationId xmlns:a16="http://schemas.microsoft.com/office/drawing/2014/main" id="{ABA49F80-C41C-F88D-B856-06808071BA0A}"/>
+              </a:ext>
+            </a:extLst>
+          </p:cNvPr>
+          <p:cNvSpPr txBox="1"/>
+          <p:nvPr/>
+        </p:nvSpPr>
+        <p:spPr>
+          <a:xfrm>
+            <a:off x="468977" y="92417"/>
+            <a:ext cx="8520600" cy="572700"/>
+          </a:xfrm>
+          <a:prstGeom prst="rect">
+            <a:avLst/>
+          </a:prstGeom>
+          <a:noFill/>
+          <a:ln>
+            <a:noFill/>
+          </a:ln>
+        </p:spPr>
+        <p:txBody>
+          <a:bodyPr spcFirstLastPara="1" wrap="square" lIns="91425" tIns="91425" rIns="91425" bIns="91425" anchor="t" anchorCtr="0">
+            <a:noAutofit/>
+          </a:bodyPr>
+          <a:lstStyle/>
+          <a:p>
+            <a:pPr marL="0" marR="0" lvl="0" indent="0" algn="l" rtl="0">
+              <a:lnSpc>
+                <a:spcPct val="100000"/>
+              </a:lnSpc>
+              <a:spcBef>
+                <a:spcPts val="0"/>
+              </a:spcBef>
+              <a:spcAft>
+                <a:spcPts val="0"/>
+              </a:spcAft>
+              <a:buClr>
+                <a:srgbClr val="000000"/>
+              </a:buClr>
+              <a:buSzPts val="2200"/>
+              <a:buFont typeface="Arial"/>
+              <a:buNone/>
+            </a:pPr>
+            <a:r>
+              <a:rPr lang="en-US" sz="2200" b="1" i="0" u="none" strike="noStrike" cap="none" dirty="0">
+                <a:solidFill>
+                  <a:schemeClr val="lt2"/>
+                </a:solidFill>
+                <a:latin typeface="Century Gothic"/>
+                <a:ea typeface="Century Gothic"/>
+                <a:cs typeface="Century Gothic"/>
+                <a:sym typeface="Century Gothic"/>
+              </a:rPr>
+              <a:t>Initial Exploratory Data Analysis (EDA)</a:t>
+            </a:r>
+            <a:endParaRPr sz="2200" b="1" i="0" u="none" strike="noStrike" cap="none" dirty="0">
+              <a:solidFill>
+                <a:schemeClr val="lt2"/>
+              </a:solidFill>
+              <a:latin typeface="Century Gothic"/>
+              <a:ea typeface="Century Gothic"/>
+              <a:cs typeface="Century Gothic"/>
+              <a:sym typeface="Century Gothic"/>
+            </a:endParaRPr>
+          </a:p>
+        </p:txBody>
+      </p:sp>
+      <p:sp>
+        <p:nvSpPr>
+          <p:cNvPr id="2" name="Slide Number Placeholder 1">
+            <a:extLst>
+              <a:ext uri="{FF2B5EF4-FFF2-40B4-BE49-F238E27FC236}">
+                <a16:creationId xmlns:a16="http://schemas.microsoft.com/office/drawing/2014/main" id="{1B8591A4-96CA-E862-D622-6F95ACC9BFD1}"/>
+              </a:ext>
+            </a:extLst>
+          </p:cNvPr>
+          <p:cNvSpPr>
+            <a:spLocks noGrp="1"/>
+          </p:cNvSpPr>
+          <p:nvPr>
+            <p:ph type="sldNum" idx="12"/>
+          </p:nvPr>
+        </p:nvSpPr>
+        <p:spPr/>
+        <p:txBody>
+          <a:bodyPr/>
+          <a:lstStyle/>
+          <a:p>
+            <a:pPr marL="0" lvl="0" indent="0" algn="ctr" rtl="0">
+              <a:spcBef>
+                <a:spcPts val="0"/>
+              </a:spcBef>
+              <a:spcAft>
+                <a:spcPts val="0"/>
+              </a:spcAft>
+              <a:buNone/>
+            </a:pPr>
+            <a:fld id="{00000000-1234-1234-1234-123412341234}" type="slidenum">
+              <a:rPr lang="en-US" smtClean="0"/>
+              <a:t>26</a:t>
+            </a:fld>
+            <a:endParaRPr lang="en-US"/>
+          </a:p>
+        </p:txBody>
+      </p:sp>
+      <p:sp>
+        <p:nvSpPr>
+          <p:cNvPr id="14" name="Google Shape;190;p40">
+            <a:extLst>
+              <a:ext uri="{FF2B5EF4-FFF2-40B4-BE49-F238E27FC236}">
+                <a16:creationId xmlns:a16="http://schemas.microsoft.com/office/drawing/2014/main" id="{E4CEA280-F53F-D7D0-11F8-047055C98873}"/>
+              </a:ext>
+            </a:extLst>
+          </p:cNvPr>
+          <p:cNvSpPr txBox="1">
+            <a:spLocks noGrp="1"/>
+          </p:cNvSpPr>
+          <p:nvPr>
+            <p:ph type="body" idx="1"/>
+          </p:nvPr>
+        </p:nvSpPr>
+        <p:spPr>
+          <a:xfrm>
+            <a:off x="627495" y="4234948"/>
+            <a:ext cx="7889010" cy="448298"/>
+          </a:xfrm>
+          <a:prstGeom prst="rect">
+            <a:avLst/>
+          </a:prstGeom>
+          <a:noFill/>
+          <a:ln>
+            <a:noFill/>
+          </a:ln>
+        </p:spPr>
+        <p:txBody>
+          <a:bodyPr spcFirstLastPara="1" wrap="square" lIns="91425" tIns="91425" rIns="91425" bIns="91425" anchor="t" anchorCtr="0">
+            <a:spAutoFit/>
+          </a:bodyPr>
+          <a:lstStyle/>
+          <a:p>
+            <a:pPr marL="171450" indent="-171450" algn="just">
+              <a:spcBef>
+                <a:spcPts val="400"/>
+              </a:spcBef>
+              <a:buClr>
+                <a:schemeClr val="dk1"/>
+              </a:buClr>
+              <a:buSzPts val="1400"/>
+            </a:pPr>
+            <a:r>
+              <a:rPr lang="en-US" sz="1200" b="1" dirty="0">
+                <a:solidFill>
+                  <a:schemeClr val="dk1"/>
+                </a:solidFill>
+                <a:latin typeface="Nunito" pitchFamily="2" charset="0"/>
+                <a:ea typeface="Century Gothic"/>
+                <a:cs typeface="Century Gothic"/>
+                <a:sym typeface="Century Gothic"/>
+              </a:rPr>
+              <a:t>Yeo-Johnson</a:t>
+            </a:r>
+            <a:r>
+              <a:rPr lang="en-US" sz="1200" dirty="0">
+                <a:solidFill>
+                  <a:schemeClr val="dk1"/>
+                </a:solidFill>
+                <a:latin typeface="Nunito" pitchFamily="2" charset="0"/>
+                <a:ea typeface="Century Gothic"/>
+                <a:cs typeface="Century Gothic"/>
+                <a:sym typeface="Century Gothic"/>
+              </a:rPr>
+              <a:t> – both score best with </a:t>
+            </a:r>
+            <a:r>
+              <a:rPr lang="en-US" sz="1200" b="1" dirty="0">
+                <a:solidFill>
+                  <a:schemeClr val="dk1"/>
+                </a:solidFill>
+                <a:latin typeface="Nunito" pitchFamily="2" charset="0"/>
+                <a:ea typeface="Century Gothic"/>
+                <a:cs typeface="Century Gothic"/>
+                <a:sym typeface="Century Gothic"/>
+              </a:rPr>
+              <a:t>skew</a:t>
+            </a:r>
+            <a:r>
+              <a:rPr lang="en-US" sz="1200" dirty="0">
+                <a:solidFill>
+                  <a:schemeClr val="dk1"/>
+                </a:solidFill>
+                <a:latin typeface="Nunito" pitchFamily="2" charset="0"/>
+                <a:ea typeface="Century Gothic"/>
+                <a:cs typeface="Century Gothic"/>
+                <a:sym typeface="Century Gothic"/>
+              </a:rPr>
+              <a:t> of </a:t>
+            </a:r>
+            <a:r>
+              <a:rPr lang="en-US" sz="1200" b="1" dirty="0">
+                <a:solidFill>
+                  <a:schemeClr val="dk1"/>
+                </a:solidFill>
+                <a:latin typeface="Nunito" pitchFamily="2" charset="0"/>
+                <a:ea typeface="Century Gothic"/>
+                <a:cs typeface="Century Gothic"/>
+                <a:sym typeface="Century Gothic"/>
+              </a:rPr>
+              <a:t>2.10</a:t>
+            </a:r>
+          </a:p>
+        </p:txBody>
+      </p:sp>
+      <p:pic>
+        <p:nvPicPr>
+          <p:cNvPr id="7" name="Picture 6" descr="A comparison of normalization graphs&#10;&#10;AI-generated content may be incorrect.">
+            <a:extLst>
+              <a:ext uri="{FF2B5EF4-FFF2-40B4-BE49-F238E27FC236}">
+                <a16:creationId xmlns:a16="http://schemas.microsoft.com/office/drawing/2014/main" id="{CE26248C-223E-86E3-609C-1A4F8FF457D8}"/>
+              </a:ext>
+            </a:extLst>
+          </p:cNvPr>
+          <p:cNvPicPr>
+            <a:picLocks noChangeAspect="1"/>
+          </p:cNvPicPr>
+          <p:nvPr/>
+        </p:nvPicPr>
+        <p:blipFill>
+          <a:blip r:embed="rId3"/>
+          <a:stretch>
+            <a:fillRect/>
+          </a:stretch>
+        </p:blipFill>
+        <p:spPr>
+          <a:xfrm>
+            <a:off x="751939" y="595759"/>
+            <a:ext cx="7286275" cy="2524523"/>
+          </a:xfrm>
+          <a:prstGeom prst="rect">
+            <a:avLst/>
+          </a:prstGeom>
+        </p:spPr>
+      </p:pic>
+      <p:pic>
+        <p:nvPicPr>
+          <p:cNvPr id="10" name="Picture 9" descr="A table with text on it&#10;&#10;AI-generated content may be incorrect.">
+            <a:extLst>
+              <a:ext uri="{FF2B5EF4-FFF2-40B4-BE49-F238E27FC236}">
+                <a16:creationId xmlns:a16="http://schemas.microsoft.com/office/drawing/2014/main" id="{2F00AF2D-7F67-BDE5-CF28-CA5E5342A0DE}"/>
+              </a:ext>
+            </a:extLst>
+          </p:cNvPr>
+          <p:cNvPicPr>
+            <a:picLocks noChangeAspect="1"/>
+          </p:cNvPicPr>
+          <p:nvPr/>
+        </p:nvPicPr>
+        <p:blipFill>
+          <a:blip r:embed="rId4"/>
+          <a:stretch>
+            <a:fillRect/>
+          </a:stretch>
+        </p:blipFill>
+        <p:spPr>
+          <a:xfrm>
+            <a:off x="3732734" y="3091929"/>
+            <a:ext cx="2448325" cy="1185563"/>
+          </a:xfrm>
+          <a:prstGeom prst="rect">
+            <a:avLst/>
+          </a:prstGeom>
+        </p:spPr>
+      </p:pic>
+    </p:spTree>
+    <p:extLst>
+      <p:ext uri="{BB962C8B-B14F-4D97-AF65-F5344CB8AC3E}">
+        <p14:creationId xmlns:p14="http://schemas.microsoft.com/office/powerpoint/2010/main" val="589153938"/>
+      </p:ext>
+    </p:extLst>
+  </p:cSld>
+  <p:clrMapOvr>
+    <a:masterClrMapping/>
+  </p:clrMapOvr>
+</p:sld>
+</file>
+
+<file path=ppt/slides/slide27.xml><?xml version="1.0" encoding="utf-8"?>
+<p:sld xmlns:a="http://schemas.openxmlformats.org/drawingml/2006/main" xmlns:r="http://schemas.openxmlformats.org/officeDocument/2006/relationships" xmlns:p="http://schemas.openxmlformats.org/presentationml/2006/main">
+  <p:cSld>
+    <p:spTree>
+      <p:nvGrpSpPr>
+        <p:cNvPr id="1" name="Shape 187">
+          <a:extLst>
+            <a:ext uri="{FF2B5EF4-FFF2-40B4-BE49-F238E27FC236}">
+              <a16:creationId xmlns:a16="http://schemas.microsoft.com/office/drawing/2014/main" id="{E121CD02-5B6F-259B-4C67-28DFD39D11AE}"/>
+            </a:ext>
+          </a:extLst>
+        </p:cNvPr>
+        <p:cNvGrpSpPr/>
+        <p:nvPr/>
+      </p:nvGrpSpPr>
+      <p:grpSpPr>
+        <a:xfrm>
+          <a:off x="0" y="0"/>
+          <a:ext cx="0" cy="0"/>
+          <a:chOff x="0" y="0"/>
+          <a:chExt cx="0" cy="0"/>
+        </a:xfrm>
+      </p:grpSpPr>
+      <p:sp>
+        <p:nvSpPr>
+          <p:cNvPr id="188" name="Google Shape;188;p40">
+            <a:extLst>
+              <a:ext uri="{FF2B5EF4-FFF2-40B4-BE49-F238E27FC236}">
+                <a16:creationId xmlns:a16="http://schemas.microsoft.com/office/drawing/2014/main" id="{B3D7D1D2-93B1-6E05-0D26-DDCF40499B22}"/>
+              </a:ext>
+            </a:extLst>
+          </p:cNvPr>
+          <p:cNvSpPr txBox="1"/>
+          <p:nvPr/>
+        </p:nvSpPr>
+        <p:spPr>
+          <a:xfrm>
+            <a:off x="468977" y="92417"/>
+            <a:ext cx="8520600" cy="572700"/>
+          </a:xfrm>
+          <a:prstGeom prst="rect">
+            <a:avLst/>
+          </a:prstGeom>
+          <a:noFill/>
+          <a:ln>
+            <a:noFill/>
+          </a:ln>
+        </p:spPr>
+        <p:txBody>
+          <a:bodyPr spcFirstLastPara="1" wrap="square" lIns="91425" tIns="91425" rIns="91425" bIns="91425" anchor="t" anchorCtr="0">
+            <a:noAutofit/>
+          </a:bodyPr>
+          <a:lstStyle/>
+          <a:p>
+            <a:pPr marL="0" marR="0" lvl="0" indent="0" algn="l" rtl="0">
+              <a:lnSpc>
+                <a:spcPct val="100000"/>
+              </a:lnSpc>
+              <a:spcBef>
+                <a:spcPts val="0"/>
+              </a:spcBef>
+              <a:spcAft>
+                <a:spcPts val="0"/>
+              </a:spcAft>
+              <a:buClr>
+                <a:srgbClr val="000000"/>
+              </a:buClr>
+              <a:buSzPts val="2200"/>
+              <a:buFont typeface="Arial"/>
+              <a:buNone/>
+            </a:pPr>
+            <a:r>
+              <a:rPr lang="en-US" sz="2200" b="1" i="0" u="none" strike="noStrike" cap="none" dirty="0">
+                <a:solidFill>
+                  <a:schemeClr val="lt2"/>
+                </a:solidFill>
+                <a:latin typeface="Century Gothic"/>
+                <a:ea typeface="Century Gothic"/>
+                <a:cs typeface="Century Gothic"/>
+                <a:sym typeface="Century Gothic"/>
+              </a:rPr>
+              <a:t>Initial Exploratory Data Analysis (EDA)</a:t>
+            </a:r>
+            <a:endParaRPr sz="2200" b="1" i="0" u="none" strike="noStrike" cap="none" dirty="0">
+              <a:solidFill>
+                <a:schemeClr val="lt2"/>
+              </a:solidFill>
+              <a:latin typeface="Century Gothic"/>
+              <a:ea typeface="Century Gothic"/>
+              <a:cs typeface="Century Gothic"/>
+              <a:sym typeface="Century Gothic"/>
+            </a:endParaRPr>
+          </a:p>
+        </p:txBody>
+      </p:sp>
+      <p:sp>
+        <p:nvSpPr>
+          <p:cNvPr id="2" name="Slide Number Placeholder 1">
+            <a:extLst>
+              <a:ext uri="{FF2B5EF4-FFF2-40B4-BE49-F238E27FC236}">
+                <a16:creationId xmlns:a16="http://schemas.microsoft.com/office/drawing/2014/main" id="{0665D184-259E-C6EB-F11E-331FAA0CCB79}"/>
+              </a:ext>
+            </a:extLst>
+          </p:cNvPr>
+          <p:cNvSpPr>
+            <a:spLocks noGrp="1"/>
+          </p:cNvSpPr>
+          <p:nvPr>
+            <p:ph type="sldNum" idx="12"/>
+          </p:nvPr>
+        </p:nvSpPr>
+        <p:spPr/>
+        <p:txBody>
+          <a:bodyPr/>
+          <a:lstStyle/>
+          <a:p>
+            <a:pPr marL="0" lvl="0" indent="0" algn="ctr" rtl="0">
+              <a:spcBef>
+                <a:spcPts val="0"/>
+              </a:spcBef>
+              <a:spcAft>
+                <a:spcPts val="0"/>
+              </a:spcAft>
+              <a:buNone/>
+            </a:pPr>
+            <a:fld id="{00000000-1234-1234-1234-123412341234}" type="slidenum">
+              <a:rPr lang="en-US" smtClean="0"/>
+              <a:t>27</a:t>
+            </a:fld>
+            <a:endParaRPr lang="en-US"/>
+          </a:p>
+        </p:txBody>
+      </p:sp>
+      <p:sp>
+        <p:nvSpPr>
+          <p:cNvPr id="14" name="Google Shape;190;p40">
+            <a:extLst>
+              <a:ext uri="{FF2B5EF4-FFF2-40B4-BE49-F238E27FC236}">
+                <a16:creationId xmlns:a16="http://schemas.microsoft.com/office/drawing/2014/main" id="{9A7DE04B-DD66-C5A5-D6E3-2F28CA11FA51}"/>
+              </a:ext>
+            </a:extLst>
+          </p:cNvPr>
+          <p:cNvSpPr txBox="1">
+            <a:spLocks noGrp="1"/>
+          </p:cNvSpPr>
+          <p:nvPr>
+            <p:ph type="body" idx="1"/>
+          </p:nvPr>
+        </p:nvSpPr>
+        <p:spPr>
+          <a:xfrm>
+            <a:off x="627495" y="4234948"/>
+            <a:ext cx="7889010" cy="448298"/>
+          </a:xfrm>
+          <a:prstGeom prst="rect">
+            <a:avLst/>
+          </a:prstGeom>
+          <a:noFill/>
+          <a:ln>
+            <a:noFill/>
+          </a:ln>
+        </p:spPr>
+        <p:txBody>
+          <a:bodyPr spcFirstLastPara="1" wrap="square" lIns="91425" tIns="91425" rIns="91425" bIns="91425" anchor="t" anchorCtr="0">
+            <a:spAutoFit/>
+          </a:bodyPr>
+          <a:lstStyle/>
+          <a:p>
+            <a:pPr marL="171450" indent="-171450" algn="just">
+              <a:spcBef>
+                <a:spcPts val="400"/>
+              </a:spcBef>
+              <a:buClr>
+                <a:schemeClr val="dk1"/>
+              </a:buClr>
+              <a:buSzPts val="1400"/>
+            </a:pPr>
+            <a:r>
+              <a:rPr lang="en-US" sz="1200" b="1" dirty="0">
+                <a:solidFill>
+                  <a:schemeClr val="dk1"/>
+                </a:solidFill>
+                <a:latin typeface="Nunito" pitchFamily="2" charset="0"/>
+                <a:ea typeface="Century Gothic"/>
+                <a:cs typeface="Century Gothic"/>
+                <a:sym typeface="Century Gothic"/>
+              </a:rPr>
+              <a:t>Yeo-Johnson</a:t>
+            </a:r>
+            <a:r>
+              <a:rPr lang="en-US" sz="1200" dirty="0">
+                <a:solidFill>
+                  <a:schemeClr val="dk1"/>
+                </a:solidFill>
+                <a:latin typeface="Nunito" pitchFamily="2" charset="0"/>
+                <a:ea typeface="Century Gothic"/>
+                <a:cs typeface="Century Gothic"/>
+                <a:sym typeface="Century Gothic"/>
+              </a:rPr>
+              <a:t> – both score best with </a:t>
+            </a:r>
+            <a:r>
+              <a:rPr lang="en-US" sz="1200" b="1" dirty="0">
+                <a:solidFill>
+                  <a:schemeClr val="dk1"/>
+                </a:solidFill>
+                <a:latin typeface="Nunito" pitchFamily="2" charset="0"/>
+                <a:ea typeface="Century Gothic"/>
+                <a:cs typeface="Century Gothic"/>
+                <a:sym typeface="Century Gothic"/>
+              </a:rPr>
+              <a:t>skew</a:t>
+            </a:r>
+            <a:r>
+              <a:rPr lang="en-US" sz="1200" dirty="0">
+                <a:solidFill>
+                  <a:schemeClr val="dk1"/>
+                </a:solidFill>
+                <a:latin typeface="Nunito" pitchFamily="2" charset="0"/>
+                <a:ea typeface="Century Gothic"/>
+                <a:cs typeface="Century Gothic"/>
+                <a:sym typeface="Century Gothic"/>
+              </a:rPr>
+              <a:t> of </a:t>
+            </a:r>
+            <a:r>
+              <a:rPr lang="en-US" sz="1200" b="1" dirty="0">
+                <a:solidFill>
+                  <a:schemeClr val="dk1"/>
+                </a:solidFill>
+                <a:latin typeface="Nunito" pitchFamily="2" charset="0"/>
+                <a:ea typeface="Century Gothic"/>
+                <a:cs typeface="Century Gothic"/>
+                <a:sym typeface="Century Gothic"/>
+              </a:rPr>
+              <a:t>1.33</a:t>
+            </a:r>
+          </a:p>
+        </p:txBody>
+      </p:sp>
+      <p:pic>
+        <p:nvPicPr>
+          <p:cNvPr id="4" name="Picture 3" descr="A comparison of a normalization comparison&#10;&#10;AI-generated content may be incorrect.">
+            <a:extLst>
+              <a:ext uri="{FF2B5EF4-FFF2-40B4-BE49-F238E27FC236}">
+                <a16:creationId xmlns:a16="http://schemas.microsoft.com/office/drawing/2014/main" id="{CB3CD514-388A-1AF9-2EF8-697E5FB74F89}"/>
+              </a:ext>
+            </a:extLst>
+          </p:cNvPr>
+          <p:cNvPicPr>
+            <a:picLocks noChangeAspect="1"/>
+          </p:cNvPicPr>
+          <p:nvPr/>
+        </p:nvPicPr>
+        <p:blipFill>
+          <a:blip r:embed="rId3"/>
+          <a:stretch>
+            <a:fillRect/>
+          </a:stretch>
+        </p:blipFill>
+        <p:spPr>
+          <a:xfrm>
+            <a:off x="844088" y="607814"/>
+            <a:ext cx="7286275" cy="2526643"/>
+          </a:xfrm>
+          <a:prstGeom prst="rect">
+            <a:avLst/>
+          </a:prstGeom>
+        </p:spPr>
+      </p:pic>
+      <p:pic>
+        <p:nvPicPr>
+          <p:cNvPr id="6" name="Picture 5" descr="A table with text on it&#10;&#10;AI-generated content may be incorrect.">
+            <a:extLst>
+              <a:ext uri="{FF2B5EF4-FFF2-40B4-BE49-F238E27FC236}">
+                <a16:creationId xmlns:a16="http://schemas.microsoft.com/office/drawing/2014/main" id="{988E3352-1F85-DF8B-D3D3-F43257602263}"/>
+              </a:ext>
+            </a:extLst>
+          </p:cNvPr>
+          <p:cNvPicPr>
+            <a:picLocks noChangeAspect="1"/>
+          </p:cNvPicPr>
+          <p:nvPr/>
+        </p:nvPicPr>
+        <p:blipFill>
+          <a:blip r:embed="rId4"/>
+          <a:stretch>
+            <a:fillRect/>
+          </a:stretch>
+        </p:blipFill>
+        <p:spPr>
+          <a:xfrm>
+            <a:off x="3472253" y="3099017"/>
+            <a:ext cx="2514047" cy="1203831"/>
+          </a:xfrm>
+          <a:prstGeom prst="rect">
+            <a:avLst/>
+          </a:prstGeom>
+        </p:spPr>
+      </p:pic>
+    </p:spTree>
+    <p:extLst>
+      <p:ext uri="{BB962C8B-B14F-4D97-AF65-F5344CB8AC3E}">
+        <p14:creationId xmlns:p14="http://schemas.microsoft.com/office/powerpoint/2010/main" val="652779659"/>
+      </p:ext>
+    </p:extLst>
+  </p:cSld>
+  <p:clrMapOvr>
+    <a:masterClrMapping/>
+  </p:clrMapOvr>
+</p:sld>
+</file>
+
+<file path=ppt/slides/slide28.xml><?xml version="1.0" encoding="utf-8"?>
+<p:sld xmlns:a="http://schemas.openxmlformats.org/drawingml/2006/main" xmlns:r="http://schemas.openxmlformats.org/officeDocument/2006/relationships" xmlns:p="http://schemas.openxmlformats.org/presentationml/2006/main">
+  <p:cSld>
+    <p:spTree>
+      <p:nvGrpSpPr>
+        <p:cNvPr id="1" name="Shape 187">
+          <a:extLst>
+            <a:ext uri="{FF2B5EF4-FFF2-40B4-BE49-F238E27FC236}">
+              <a16:creationId xmlns:a16="http://schemas.microsoft.com/office/drawing/2014/main" id="{380CC259-A6E6-EBDB-070C-AD1E67E0D2EA}"/>
+            </a:ext>
+          </a:extLst>
+        </p:cNvPr>
+        <p:cNvGrpSpPr/>
+        <p:nvPr/>
+      </p:nvGrpSpPr>
+      <p:grpSpPr>
+        <a:xfrm>
+          <a:off x="0" y="0"/>
+          <a:ext cx="0" cy="0"/>
+          <a:chOff x="0" y="0"/>
+          <a:chExt cx="0" cy="0"/>
+        </a:xfrm>
+      </p:grpSpPr>
+      <p:sp>
+        <p:nvSpPr>
+          <p:cNvPr id="188" name="Google Shape;188;p40">
+            <a:extLst>
+              <a:ext uri="{FF2B5EF4-FFF2-40B4-BE49-F238E27FC236}">
+                <a16:creationId xmlns:a16="http://schemas.microsoft.com/office/drawing/2014/main" id="{3082F407-4F3E-8BD8-9E93-6D6F559EBB56}"/>
+              </a:ext>
+            </a:extLst>
+          </p:cNvPr>
+          <p:cNvSpPr txBox="1"/>
+          <p:nvPr/>
+        </p:nvSpPr>
+        <p:spPr>
+          <a:xfrm>
+            <a:off x="468977" y="92417"/>
+            <a:ext cx="8520600" cy="572700"/>
+          </a:xfrm>
+          <a:prstGeom prst="rect">
+            <a:avLst/>
+          </a:prstGeom>
+          <a:noFill/>
+          <a:ln>
+            <a:noFill/>
+          </a:ln>
+        </p:spPr>
+        <p:txBody>
+          <a:bodyPr spcFirstLastPara="1" wrap="square" lIns="91425" tIns="91425" rIns="91425" bIns="91425" anchor="t" anchorCtr="0">
+            <a:noAutofit/>
+          </a:bodyPr>
+          <a:lstStyle/>
+          <a:p>
+            <a:pPr marL="0" marR="0" lvl="0" indent="0" algn="l" rtl="0">
+              <a:lnSpc>
+                <a:spcPct val="100000"/>
+              </a:lnSpc>
+              <a:spcBef>
+                <a:spcPts val="0"/>
+              </a:spcBef>
+              <a:spcAft>
+                <a:spcPts val="0"/>
+              </a:spcAft>
+              <a:buClr>
+                <a:srgbClr val="000000"/>
+              </a:buClr>
+              <a:buSzPts val="2200"/>
+              <a:buFont typeface="Arial"/>
+              <a:buNone/>
+            </a:pPr>
+            <a:r>
+              <a:rPr lang="en-US" sz="2200" b="1" i="0" u="none" strike="noStrike" cap="none" dirty="0">
+                <a:solidFill>
+                  <a:schemeClr val="lt2"/>
+                </a:solidFill>
+                <a:latin typeface="Century Gothic"/>
+                <a:ea typeface="Century Gothic"/>
+                <a:cs typeface="Century Gothic"/>
+                <a:sym typeface="Century Gothic"/>
+              </a:rPr>
+              <a:t>Initial Exploratory Data Analysis (EDA)</a:t>
+            </a:r>
+            <a:endParaRPr sz="2200" b="1" i="0" u="none" strike="noStrike" cap="none" dirty="0">
+              <a:solidFill>
+                <a:schemeClr val="lt2"/>
+              </a:solidFill>
+              <a:latin typeface="Century Gothic"/>
+              <a:ea typeface="Century Gothic"/>
+              <a:cs typeface="Century Gothic"/>
+              <a:sym typeface="Century Gothic"/>
+            </a:endParaRPr>
+          </a:p>
+        </p:txBody>
+      </p:sp>
+      <p:sp>
+        <p:nvSpPr>
+          <p:cNvPr id="2" name="Slide Number Placeholder 1">
+            <a:extLst>
+              <a:ext uri="{FF2B5EF4-FFF2-40B4-BE49-F238E27FC236}">
+                <a16:creationId xmlns:a16="http://schemas.microsoft.com/office/drawing/2014/main" id="{6336357D-50C1-6205-6D62-74ADEBBB0051}"/>
+              </a:ext>
+            </a:extLst>
+          </p:cNvPr>
+          <p:cNvSpPr>
+            <a:spLocks noGrp="1"/>
+          </p:cNvSpPr>
+          <p:nvPr>
+            <p:ph type="sldNum" idx="12"/>
+          </p:nvPr>
+        </p:nvSpPr>
+        <p:spPr/>
+        <p:txBody>
+          <a:bodyPr/>
+          <a:lstStyle/>
+          <a:p>
+            <a:pPr marL="0" lvl="0" indent="0" algn="ctr" rtl="0">
+              <a:spcBef>
+                <a:spcPts val="0"/>
+              </a:spcBef>
+              <a:spcAft>
+                <a:spcPts val="0"/>
+              </a:spcAft>
+              <a:buNone/>
+            </a:pPr>
+            <a:fld id="{00000000-1234-1234-1234-123412341234}" type="slidenum">
+              <a:rPr lang="en-US" smtClean="0"/>
+              <a:t>28</a:t>
+            </a:fld>
+            <a:endParaRPr lang="en-US"/>
+          </a:p>
+        </p:txBody>
+      </p:sp>
+      <p:sp>
+        <p:nvSpPr>
+          <p:cNvPr id="14" name="Google Shape;190;p40">
+            <a:extLst>
+              <a:ext uri="{FF2B5EF4-FFF2-40B4-BE49-F238E27FC236}">
+                <a16:creationId xmlns:a16="http://schemas.microsoft.com/office/drawing/2014/main" id="{E87B8466-0214-E54E-B172-CB0D654EEC32}"/>
+              </a:ext>
+            </a:extLst>
+          </p:cNvPr>
+          <p:cNvSpPr txBox="1">
+            <a:spLocks noGrp="1"/>
+          </p:cNvSpPr>
+          <p:nvPr>
+            <p:ph type="body" idx="1"/>
+          </p:nvPr>
+        </p:nvSpPr>
+        <p:spPr>
+          <a:xfrm>
+            <a:off x="627495" y="4234948"/>
+            <a:ext cx="7889010" cy="448298"/>
+          </a:xfrm>
+          <a:prstGeom prst="rect">
+            <a:avLst/>
+          </a:prstGeom>
+          <a:noFill/>
+          <a:ln>
+            <a:noFill/>
+          </a:ln>
+        </p:spPr>
+        <p:txBody>
+          <a:bodyPr spcFirstLastPara="1" wrap="square" lIns="91425" tIns="91425" rIns="91425" bIns="91425" anchor="t" anchorCtr="0">
+            <a:spAutoFit/>
+          </a:bodyPr>
+          <a:lstStyle/>
+          <a:p>
+            <a:pPr marL="171450" indent="-171450" algn="just">
+              <a:spcBef>
+                <a:spcPts val="400"/>
+              </a:spcBef>
+              <a:buClr>
+                <a:schemeClr val="dk1"/>
+              </a:buClr>
+              <a:buSzPts val="1400"/>
+            </a:pPr>
+            <a:r>
+              <a:rPr lang="en-US" sz="1200" b="1" dirty="0">
+                <a:solidFill>
+                  <a:schemeClr val="dk1"/>
+                </a:solidFill>
+                <a:latin typeface="Nunito" pitchFamily="2" charset="0"/>
+                <a:ea typeface="Century Gothic"/>
+                <a:cs typeface="Century Gothic"/>
+                <a:sym typeface="Century Gothic"/>
+              </a:rPr>
+              <a:t>Yeo-Johnson</a:t>
+            </a:r>
+            <a:r>
+              <a:rPr lang="en-US" sz="1200" dirty="0">
+                <a:solidFill>
+                  <a:schemeClr val="dk1"/>
+                </a:solidFill>
+                <a:latin typeface="Nunito" pitchFamily="2" charset="0"/>
+                <a:ea typeface="Century Gothic"/>
+                <a:cs typeface="Century Gothic"/>
+                <a:sym typeface="Century Gothic"/>
+              </a:rPr>
+              <a:t> – best score, near normal distribution with </a:t>
+            </a:r>
+            <a:r>
+              <a:rPr lang="en-US" sz="1200" b="1" dirty="0">
+                <a:solidFill>
+                  <a:schemeClr val="dk1"/>
+                </a:solidFill>
+                <a:latin typeface="Nunito" pitchFamily="2" charset="0"/>
+                <a:ea typeface="Century Gothic"/>
+                <a:cs typeface="Century Gothic"/>
+                <a:sym typeface="Century Gothic"/>
+              </a:rPr>
+              <a:t>skew</a:t>
+            </a:r>
+            <a:r>
+              <a:rPr lang="en-US" sz="1200" dirty="0">
+                <a:solidFill>
+                  <a:schemeClr val="dk1"/>
+                </a:solidFill>
+                <a:latin typeface="Nunito" pitchFamily="2" charset="0"/>
+                <a:ea typeface="Century Gothic"/>
+                <a:cs typeface="Century Gothic"/>
+                <a:sym typeface="Century Gothic"/>
+              </a:rPr>
+              <a:t> of </a:t>
+            </a:r>
+            <a:r>
+              <a:rPr lang="en-US" sz="1200" b="1" dirty="0">
+                <a:solidFill>
+                  <a:schemeClr val="dk1"/>
+                </a:solidFill>
+                <a:latin typeface="Nunito" pitchFamily="2" charset="0"/>
+                <a:ea typeface="Century Gothic"/>
+                <a:cs typeface="Century Gothic"/>
+                <a:sym typeface="Century Gothic"/>
+              </a:rPr>
+              <a:t>0.06</a:t>
+            </a:r>
+          </a:p>
+        </p:txBody>
+      </p:sp>
+      <p:pic>
+        <p:nvPicPr>
+          <p:cNvPr id="5" name="Picture 4" descr="A comparison of normalization graphs&#10;&#10;AI-generated content may be incorrect.">
+            <a:extLst>
+              <a:ext uri="{FF2B5EF4-FFF2-40B4-BE49-F238E27FC236}">
+                <a16:creationId xmlns:a16="http://schemas.microsoft.com/office/drawing/2014/main" id="{B2B98606-B867-90B6-280E-593F5F838AB9}"/>
+              </a:ext>
+            </a:extLst>
+          </p:cNvPr>
+          <p:cNvPicPr>
+            <a:picLocks noChangeAspect="1"/>
+          </p:cNvPicPr>
+          <p:nvPr/>
+        </p:nvPicPr>
+        <p:blipFill>
+          <a:blip r:embed="rId3"/>
+          <a:stretch>
+            <a:fillRect/>
+          </a:stretch>
+        </p:blipFill>
+        <p:spPr>
+          <a:xfrm>
+            <a:off x="780867" y="570112"/>
+            <a:ext cx="7413292" cy="2566379"/>
+          </a:xfrm>
+          <a:prstGeom prst="rect">
+            <a:avLst/>
+          </a:prstGeom>
+        </p:spPr>
+      </p:pic>
+      <p:pic>
+        <p:nvPicPr>
+          <p:cNvPr id="8" name="Picture 7" descr="A table with text on it&#10;&#10;AI-generated content may be incorrect.">
+            <a:extLst>
+              <a:ext uri="{FF2B5EF4-FFF2-40B4-BE49-F238E27FC236}">
+                <a16:creationId xmlns:a16="http://schemas.microsoft.com/office/drawing/2014/main" id="{E06279D0-010C-DF7F-CB84-A1ABF91F75EB}"/>
+              </a:ext>
+            </a:extLst>
+          </p:cNvPr>
+          <p:cNvPicPr>
+            <a:picLocks noChangeAspect="1"/>
+          </p:cNvPicPr>
+          <p:nvPr/>
+        </p:nvPicPr>
+        <p:blipFill>
+          <a:blip r:embed="rId4"/>
+          <a:stretch>
+            <a:fillRect/>
+          </a:stretch>
+        </p:blipFill>
+        <p:spPr>
+          <a:xfrm>
+            <a:off x="3442483" y="3143579"/>
+            <a:ext cx="2433778" cy="1194663"/>
+          </a:xfrm>
+          <a:prstGeom prst="rect">
+            <a:avLst/>
+          </a:prstGeom>
+        </p:spPr>
+      </p:pic>
+    </p:spTree>
+    <p:extLst>
+      <p:ext uri="{BB962C8B-B14F-4D97-AF65-F5344CB8AC3E}">
+        <p14:creationId xmlns:p14="http://schemas.microsoft.com/office/powerpoint/2010/main" val="12098666"/>
+      </p:ext>
+    </p:extLst>
+  </p:cSld>
+  <p:clrMapOvr>
+    <a:masterClrMapping/>
+  </p:clrMapOvr>
+</p:sld>
+</file>
+
+<file path=ppt/slides/slide29.xml><?xml version="1.0" encoding="utf-8"?>
+<p:sld xmlns:a="http://schemas.openxmlformats.org/drawingml/2006/main" xmlns:r="http://schemas.openxmlformats.org/officeDocument/2006/relationships" xmlns:p="http://schemas.openxmlformats.org/presentationml/2006/main">
+  <p:cSld>
+    <p:spTree>
+      <p:nvGrpSpPr>
+        <p:cNvPr id="1" name="Shape 187">
+          <a:extLst>
+            <a:ext uri="{FF2B5EF4-FFF2-40B4-BE49-F238E27FC236}">
+              <a16:creationId xmlns:a16="http://schemas.microsoft.com/office/drawing/2014/main" id="{6D6BC32A-84D2-AB3A-2472-75C1621AF7F0}"/>
+            </a:ext>
+          </a:extLst>
+        </p:cNvPr>
+        <p:cNvGrpSpPr/>
+        <p:nvPr/>
+      </p:nvGrpSpPr>
+      <p:grpSpPr>
+        <a:xfrm>
+          <a:off x="0" y="0"/>
+          <a:ext cx="0" cy="0"/>
+          <a:chOff x="0" y="0"/>
+          <a:chExt cx="0" cy="0"/>
+        </a:xfrm>
+      </p:grpSpPr>
+      <p:sp>
+        <p:nvSpPr>
+          <p:cNvPr id="188" name="Google Shape;188;p40">
+            <a:extLst>
+              <a:ext uri="{FF2B5EF4-FFF2-40B4-BE49-F238E27FC236}">
+                <a16:creationId xmlns:a16="http://schemas.microsoft.com/office/drawing/2014/main" id="{6E8F4B85-3900-E1EB-8B97-DEC9774171CD}"/>
+              </a:ext>
+            </a:extLst>
+          </p:cNvPr>
+          <p:cNvSpPr txBox="1"/>
+          <p:nvPr/>
+        </p:nvSpPr>
+        <p:spPr>
+          <a:xfrm>
+            <a:off x="468977" y="92417"/>
+            <a:ext cx="8520600" cy="572700"/>
+          </a:xfrm>
+          <a:prstGeom prst="rect">
+            <a:avLst/>
+          </a:prstGeom>
+          <a:noFill/>
+          <a:ln>
+            <a:noFill/>
+          </a:ln>
+        </p:spPr>
+        <p:txBody>
+          <a:bodyPr spcFirstLastPara="1" wrap="square" lIns="91425" tIns="91425" rIns="91425" bIns="91425" anchor="t" anchorCtr="0">
+            <a:noAutofit/>
+          </a:bodyPr>
+          <a:lstStyle/>
+          <a:p>
+            <a:pPr marL="0" marR="0" lvl="0" indent="0" algn="l" rtl="0">
+              <a:lnSpc>
+                <a:spcPct val="100000"/>
+              </a:lnSpc>
+              <a:spcBef>
+                <a:spcPts val="0"/>
+              </a:spcBef>
+              <a:spcAft>
+                <a:spcPts val="0"/>
+              </a:spcAft>
+              <a:buClr>
+                <a:srgbClr val="000000"/>
+              </a:buClr>
+              <a:buSzPts val="2200"/>
+              <a:buFont typeface="Arial"/>
+              <a:buNone/>
+            </a:pPr>
+            <a:r>
+              <a:rPr lang="en-US" sz="2200" b="1" i="0" u="none" strike="noStrike" cap="none" dirty="0">
+                <a:solidFill>
+                  <a:schemeClr val="lt2"/>
+                </a:solidFill>
+                <a:latin typeface="Century Gothic"/>
+                <a:ea typeface="Century Gothic"/>
+                <a:cs typeface="Century Gothic"/>
+                <a:sym typeface="Century Gothic"/>
+              </a:rPr>
+              <a:t>Initial Exploratory Data Analysis (EDA)</a:t>
+            </a:r>
+            <a:endParaRPr sz="2200" b="1" i="0" u="none" strike="noStrike" cap="none" dirty="0">
+              <a:solidFill>
+                <a:schemeClr val="lt2"/>
+              </a:solidFill>
+              <a:latin typeface="Century Gothic"/>
+              <a:ea typeface="Century Gothic"/>
+              <a:cs typeface="Century Gothic"/>
+              <a:sym typeface="Century Gothic"/>
+            </a:endParaRPr>
+          </a:p>
+        </p:txBody>
+      </p:sp>
+      <p:sp>
+        <p:nvSpPr>
+          <p:cNvPr id="2" name="Slide Number Placeholder 1">
+            <a:extLst>
+              <a:ext uri="{FF2B5EF4-FFF2-40B4-BE49-F238E27FC236}">
+                <a16:creationId xmlns:a16="http://schemas.microsoft.com/office/drawing/2014/main" id="{5463E823-8CFD-F764-947F-DA3C7D427D7B}"/>
+              </a:ext>
+            </a:extLst>
+          </p:cNvPr>
+          <p:cNvSpPr>
+            <a:spLocks noGrp="1"/>
+          </p:cNvSpPr>
+          <p:nvPr>
+            <p:ph type="sldNum" idx="12"/>
+          </p:nvPr>
+        </p:nvSpPr>
+        <p:spPr/>
+        <p:txBody>
+          <a:bodyPr/>
+          <a:lstStyle/>
+          <a:p>
+            <a:pPr marL="0" lvl="0" indent="0" algn="ctr" rtl="0">
+              <a:spcBef>
+                <a:spcPts val="0"/>
+              </a:spcBef>
+              <a:spcAft>
+                <a:spcPts val="0"/>
+              </a:spcAft>
+              <a:buNone/>
+            </a:pPr>
+            <a:fld id="{00000000-1234-1234-1234-123412341234}" type="slidenum">
+              <a:rPr lang="en-US" smtClean="0"/>
+              <a:t>29</a:t>
+            </a:fld>
+            <a:endParaRPr lang="en-US"/>
+          </a:p>
+        </p:txBody>
+      </p:sp>
+      <p:sp>
+        <p:nvSpPr>
+          <p:cNvPr id="14" name="Google Shape;190;p40">
+            <a:extLst>
+              <a:ext uri="{FF2B5EF4-FFF2-40B4-BE49-F238E27FC236}">
+                <a16:creationId xmlns:a16="http://schemas.microsoft.com/office/drawing/2014/main" id="{24F4B1B8-C21C-1748-D7B3-9E430C5B2BD1}"/>
+              </a:ext>
+            </a:extLst>
+          </p:cNvPr>
+          <p:cNvSpPr txBox="1">
+            <a:spLocks noGrp="1"/>
+          </p:cNvSpPr>
+          <p:nvPr>
+            <p:ph type="body" idx="1"/>
+          </p:nvPr>
+        </p:nvSpPr>
+        <p:spPr>
+          <a:xfrm>
+            <a:off x="627495" y="4234948"/>
+            <a:ext cx="7889010" cy="448298"/>
+          </a:xfrm>
+          <a:prstGeom prst="rect">
+            <a:avLst/>
+          </a:prstGeom>
+          <a:noFill/>
+          <a:ln>
+            <a:noFill/>
+          </a:ln>
+        </p:spPr>
+        <p:txBody>
+          <a:bodyPr spcFirstLastPara="1" wrap="square" lIns="91425" tIns="91425" rIns="91425" bIns="91425" anchor="t" anchorCtr="0">
+            <a:spAutoFit/>
+          </a:bodyPr>
+          <a:lstStyle/>
+          <a:p>
+            <a:pPr marL="171450" indent="-171450" algn="just">
+              <a:spcBef>
+                <a:spcPts val="400"/>
+              </a:spcBef>
+              <a:buClr>
+                <a:schemeClr val="dk1"/>
+              </a:buClr>
+              <a:buSzPts val="1400"/>
+            </a:pPr>
+            <a:r>
+              <a:rPr lang="en-US" sz="1200" b="1" dirty="0">
+                <a:solidFill>
+                  <a:schemeClr val="dk1"/>
+                </a:solidFill>
+                <a:latin typeface="Nunito" pitchFamily="2" charset="0"/>
+                <a:ea typeface="Century Gothic"/>
+                <a:cs typeface="Century Gothic"/>
+                <a:sym typeface="Century Gothic"/>
+              </a:rPr>
+              <a:t>Yeo-Johnson</a:t>
+            </a:r>
+            <a:r>
+              <a:rPr lang="en-US" sz="1200" dirty="0">
+                <a:solidFill>
+                  <a:schemeClr val="dk1"/>
+                </a:solidFill>
+                <a:latin typeface="Nunito" pitchFamily="2" charset="0"/>
+                <a:ea typeface="Century Gothic"/>
+                <a:cs typeface="Century Gothic"/>
+                <a:sym typeface="Century Gothic"/>
+              </a:rPr>
+              <a:t>– best score with </a:t>
+            </a:r>
+            <a:r>
+              <a:rPr lang="en-US" sz="1200" b="1" dirty="0">
+                <a:solidFill>
+                  <a:schemeClr val="dk1"/>
+                </a:solidFill>
+                <a:latin typeface="Nunito" pitchFamily="2" charset="0"/>
+                <a:ea typeface="Century Gothic"/>
+                <a:cs typeface="Century Gothic"/>
+                <a:sym typeface="Century Gothic"/>
+              </a:rPr>
+              <a:t>skew</a:t>
+            </a:r>
+            <a:r>
+              <a:rPr lang="en-US" sz="1200" dirty="0">
+                <a:solidFill>
+                  <a:schemeClr val="dk1"/>
+                </a:solidFill>
+                <a:latin typeface="Nunito" pitchFamily="2" charset="0"/>
+                <a:ea typeface="Century Gothic"/>
+                <a:cs typeface="Century Gothic"/>
+                <a:sym typeface="Century Gothic"/>
+              </a:rPr>
+              <a:t> of </a:t>
+            </a:r>
+            <a:r>
+              <a:rPr lang="en-US" sz="1200" b="1" dirty="0">
+                <a:solidFill>
+                  <a:schemeClr val="dk1"/>
+                </a:solidFill>
+                <a:latin typeface="Nunito" pitchFamily="2" charset="0"/>
+                <a:ea typeface="Century Gothic"/>
+                <a:cs typeface="Century Gothic"/>
+                <a:sym typeface="Century Gothic"/>
+              </a:rPr>
+              <a:t>0.22</a:t>
+            </a:r>
+          </a:p>
+        </p:txBody>
+      </p:sp>
+      <p:pic>
+        <p:nvPicPr>
+          <p:cNvPr id="4" name="Picture 3" descr="A comparison of a normalization comparison&#10;&#10;AI-generated content may be incorrect.">
+            <a:extLst>
+              <a:ext uri="{FF2B5EF4-FFF2-40B4-BE49-F238E27FC236}">
+                <a16:creationId xmlns:a16="http://schemas.microsoft.com/office/drawing/2014/main" id="{974EFC47-2A21-1CD1-DF0C-BBAB21011E47}"/>
+              </a:ext>
+            </a:extLst>
+          </p:cNvPr>
+          <p:cNvPicPr>
+            <a:picLocks noChangeAspect="1"/>
+          </p:cNvPicPr>
+          <p:nvPr/>
+        </p:nvPicPr>
+        <p:blipFill>
+          <a:blip r:embed="rId3"/>
+          <a:stretch>
+            <a:fillRect/>
+          </a:stretch>
+        </p:blipFill>
+        <p:spPr>
+          <a:xfrm>
+            <a:off x="787964" y="566015"/>
+            <a:ext cx="7568071" cy="2619962"/>
+          </a:xfrm>
+          <a:prstGeom prst="rect">
+            <a:avLst/>
+          </a:prstGeom>
+        </p:spPr>
+      </p:pic>
+      <p:pic>
+        <p:nvPicPr>
+          <p:cNvPr id="7" name="Picture 6" descr="A table with text on it&#10;&#10;AI-generated content may be incorrect.">
+            <a:extLst>
+              <a:ext uri="{FF2B5EF4-FFF2-40B4-BE49-F238E27FC236}">
+                <a16:creationId xmlns:a16="http://schemas.microsoft.com/office/drawing/2014/main" id="{DD7E543F-D8C1-4F03-F51A-361EDFAD8D7F}"/>
+              </a:ext>
+            </a:extLst>
+          </p:cNvPr>
+          <p:cNvPicPr>
+            <a:picLocks noChangeAspect="1"/>
+          </p:cNvPicPr>
+          <p:nvPr/>
+        </p:nvPicPr>
+        <p:blipFill>
+          <a:blip r:embed="rId4"/>
+          <a:stretch>
+            <a:fillRect/>
+          </a:stretch>
+        </p:blipFill>
+        <p:spPr>
+          <a:xfrm>
+            <a:off x="3556924" y="3132906"/>
+            <a:ext cx="2287442" cy="1162648"/>
+          </a:xfrm>
+          <a:prstGeom prst="rect">
+            <a:avLst/>
+          </a:prstGeom>
+        </p:spPr>
+      </p:pic>
+    </p:spTree>
+    <p:extLst>
+      <p:ext uri="{BB962C8B-B14F-4D97-AF65-F5344CB8AC3E}">
+        <p14:creationId xmlns:p14="http://schemas.microsoft.com/office/powerpoint/2010/main" val="826772817"/>
+      </p:ext>
+    </p:extLst>
+  </p:cSld>
+  <p:clrMapOvr>
+    <a:masterClrMapping/>
+  </p:clrMapOvr>
+</p:sld>
+</file>
+
+<file path=ppt/slides/slide3.xml><?xml version="1.0" encoding="utf-8"?>
+<p:sld xmlns:a="http://schemas.openxmlformats.org/drawingml/2006/main" xmlns:r="http://schemas.openxmlformats.org/officeDocument/2006/relationships" xmlns:p="http://schemas.openxmlformats.org/presentationml/2006/main">
+  <p:cSld>
+    <p:spTree>
+      <p:nvGrpSpPr>
+        <p:cNvPr id="1" name="Shape 163"/>
+        <p:cNvGrpSpPr/>
+        <p:nvPr/>
+      </p:nvGrpSpPr>
+      <p:grpSpPr>
+        <a:xfrm>
+          <a:off x="0" y="0"/>
+          <a:ext cx="0" cy="0"/>
+          <a:chOff x="0" y="0"/>
+          <a:chExt cx="0" cy="0"/>
+        </a:xfrm>
+      </p:grpSpPr>
+      <p:sp>
+        <p:nvSpPr>
+          <p:cNvPr id="164" name="Google Shape;164;p36"/>
+          <p:cNvSpPr txBox="1">
+            <a:spLocks noGrp="1"/>
+          </p:cNvSpPr>
+          <p:nvPr>
+            <p:ph type="title"/>
+          </p:nvPr>
+        </p:nvSpPr>
+        <p:spPr>
+          <a:xfrm>
+            <a:off x="202550" y="289279"/>
+            <a:ext cx="8520600" cy="572700"/>
+          </a:xfrm>
+          <a:prstGeom prst="rect">
+            <a:avLst/>
+          </a:prstGeom>
+          <a:noFill/>
+          <a:ln>
+            <a:noFill/>
+          </a:ln>
+        </p:spPr>
+        <p:txBody>
+          <a:bodyPr spcFirstLastPara="1" wrap="square" lIns="91425" tIns="91425" rIns="91425" bIns="91425" anchor="t" anchorCtr="0">
+            <a:noAutofit/>
+          </a:bodyPr>
+          <a:lstStyle/>
+          <a:p>
+            <a:pPr marL="0" lvl="0" indent="0" algn="l" rtl="0">
+              <a:lnSpc>
+                <a:spcPct val="100000"/>
+              </a:lnSpc>
+              <a:spcBef>
+                <a:spcPts val="0"/>
+              </a:spcBef>
+              <a:spcAft>
+                <a:spcPts val="0"/>
+              </a:spcAft>
+              <a:buSzPts val="2200"/>
+              <a:buNone/>
+            </a:pPr>
+            <a:r>
+              <a:rPr lang="en-US">
+                <a:solidFill>
+                  <a:schemeClr val="lt2"/>
+                </a:solidFill>
+                <a:latin typeface="Century Gothic"/>
+                <a:ea typeface="Century Gothic"/>
+                <a:cs typeface="Century Gothic"/>
+                <a:sym typeface="Century Gothic"/>
+              </a:rPr>
+              <a:t>Data Dictionary</a:t>
+            </a:r>
+            <a:endParaRPr>
+              <a:solidFill>
+                <a:schemeClr val="lt2"/>
+              </a:solidFill>
+              <a:latin typeface="Century Gothic"/>
+              <a:ea typeface="Century Gothic"/>
+              <a:cs typeface="Century Gothic"/>
+              <a:sym typeface="Century Gothic"/>
+            </a:endParaRPr>
+          </a:p>
+        </p:txBody>
+      </p:sp>
+      <p:sp>
+        <p:nvSpPr>
+          <p:cNvPr id="165" name="Google Shape;165;p36"/>
+          <p:cNvSpPr txBox="1">
+            <a:spLocks noGrp="1"/>
+          </p:cNvSpPr>
+          <p:nvPr>
+            <p:ph type="body" idx="1"/>
+          </p:nvPr>
+        </p:nvSpPr>
+        <p:spPr>
+          <a:xfrm>
+            <a:off x="311750" y="861975"/>
+            <a:ext cx="8520600" cy="3706800"/>
+          </a:xfrm>
+          <a:prstGeom prst="rect">
+            <a:avLst/>
+          </a:prstGeom>
+          <a:noFill/>
+          <a:ln>
+            <a:noFill/>
+          </a:ln>
+        </p:spPr>
+        <p:txBody>
+          <a:bodyPr spcFirstLastPara="1" wrap="square" lIns="91425" tIns="91425" rIns="91425" bIns="91425" anchor="t" anchorCtr="0">
+            <a:noAutofit/>
+          </a:bodyPr>
+          <a:lstStyle/>
+          <a:p>
+            <a:pPr marL="0" lvl="0" indent="0" algn="l" rtl="0">
+              <a:lnSpc>
+                <a:spcPct val="150000"/>
+              </a:lnSpc>
+              <a:spcBef>
+                <a:spcPts val="1000"/>
+              </a:spcBef>
+              <a:spcAft>
+                <a:spcPts val="0"/>
+              </a:spcAft>
+              <a:buSzPts val="1500"/>
+              <a:buNone/>
+            </a:pPr>
+            <a:r>
+              <a:rPr lang="en-US" sz="1200">
+                <a:solidFill>
+                  <a:schemeClr val="dk1"/>
+                </a:solidFill>
+                <a:latin typeface="Century Gothic"/>
+                <a:ea typeface="Century Gothic"/>
+                <a:cs typeface="Century Gothic"/>
+                <a:sym typeface="Century Gothic"/>
+              </a:rPr>
+              <a:t>The data contains different attributes of customers’ loan and credit details. The detailed data dictionary is given below:</a:t>
+            </a:r>
+            <a:endParaRPr/>
+          </a:p>
+          <a:p>
+            <a:pPr marL="457200" lvl="0" indent="-304800" algn="l" rtl="0">
+              <a:lnSpc>
+                <a:spcPct val="150000"/>
+              </a:lnSpc>
+              <a:spcBef>
+                <a:spcPts val="1000"/>
+              </a:spcBef>
+              <a:spcAft>
+                <a:spcPts val="0"/>
+              </a:spcAft>
+              <a:buClr>
+                <a:schemeClr val="dk1"/>
+              </a:buClr>
+              <a:buSzPts val="1200"/>
+              <a:buFont typeface="Century Gothic"/>
+              <a:buChar char="●"/>
+            </a:pPr>
+            <a:r>
+              <a:rPr lang="en-US" sz="1200">
+                <a:solidFill>
+                  <a:schemeClr val="dk1"/>
+                </a:solidFill>
+                <a:latin typeface="Century Gothic"/>
+                <a:ea typeface="Century Gothic"/>
+                <a:cs typeface="Century Gothic"/>
+                <a:sym typeface="Century Gothic"/>
+              </a:rPr>
+              <a:t>BAD: Whether the client defaulted on the loan (0 = No, 1 = Yes)</a:t>
+            </a:r>
+            <a:endParaRPr/>
+          </a:p>
+          <a:p>
+            <a:pPr marL="457200" lvl="0" indent="-304800" algn="l" rtl="0">
+              <a:lnSpc>
+                <a:spcPct val="150000"/>
+              </a:lnSpc>
+              <a:spcBef>
+                <a:spcPts val="1000"/>
+              </a:spcBef>
+              <a:spcAft>
+                <a:spcPts val="0"/>
+              </a:spcAft>
+              <a:buClr>
+                <a:schemeClr val="dk1"/>
+              </a:buClr>
+              <a:buSzPts val="1200"/>
+              <a:buFont typeface="Century Gothic"/>
+              <a:buChar char="●"/>
+            </a:pPr>
+            <a:r>
+              <a:rPr lang="en-US" sz="1200">
+                <a:solidFill>
+                  <a:schemeClr val="dk1"/>
+                </a:solidFill>
+                <a:latin typeface="Century Gothic"/>
+                <a:ea typeface="Century Gothic"/>
+                <a:cs typeface="Century Gothic"/>
+                <a:sym typeface="Century Gothic"/>
+              </a:rPr>
+              <a:t>LOAN: Amount of loan approved</a:t>
+            </a:r>
+            <a:endParaRPr/>
+          </a:p>
+          <a:p>
+            <a:pPr marL="457200" lvl="0" indent="-304800" algn="l" rtl="0">
+              <a:lnSpc>
+                <a:spcPct val="150000"/>
+              </a:lnSpc>
+              <a:spcBef>
+                <a:spcPts val="1000"/>
+              </a:spcBef>
+              <a:spcAft>
+                <a:spcPts val="0"/>
+              </a:spcAft>
+              <a:buClr>
+                <a:schemeClr val="dk1"/>
+              </a:buClr>
+              <a:buSzPts val="1200"/>
+              <a:buFont typeface="Century Gothic"/>
+              <a:buChar char="●"/>
+            </a:pPr>
+            <a:r>
+              <a:rPr lang="en-US" sz="1200">
+                <a:solidFill>
+                  <a:schemeClr val="dk1"/>
+                </a:solidFill>
+                <a:latin typeface="Century Gothic"/>
+                <a:ea typeface="Century Gothic"/>
+                <a:cs typeface="Century Gothic"/>
+                <a:sym typeface="Century Gothic"/>
+              </a:rPr>
+              <a:t>MORTDUE: Amount due on the existing mortgage</a:t>
+            </a:r>
+            <a:endParaRPr/>
+          </a:p>
+          <a:p>
+            <a:pPr marL="457200" lvl="0" indent="-304800" algn="l" rtl="0">
+              <a:lnSpc>
+                <a:spcPct val="150000"/>
+              </a:lnSpc>
+              <a:spcBef>
+                <a:spcPts val="1000"/>
+              </a:spcBef>
+              <a:spcAft>
+                <a:spcPts val="0"/>
+              </a:spcAft>
+              <a:buClr>
+                <a:schemeClr val="dk1"/>
+              </a:buClr>
+              <a:buSzPts val="1200"/>
+              <a:buFont typeface="Century Gothic"/>
+              <a:buChar char="●"/>
+            </a:pPr>
+            <a:r>
+              <a:rPr lang="en-US" sz="1200">
+                <a:solidFill>
+                  <a:schemeClr val="dk1"/>
+                </a:solidFill>
+                <a:latin typeface="Century Gothic"/>
+                <a:ea typeface="Century Gothic"/>
+                <a:cs typeface="Century Gothic"/>
+                <a:sym typeface="Century Gothic"/>
+              </a:rPr>
+              <a:t>VALUE: Current value of the property</a:t>
+            </a:r>
+            <a:endParaRPr/>
+          </a:p>
+          <a:p>
+            <a:pPr marL="457200" lvl="0" indent="-304800" algn="l" rtl="0">
+              <a:lnSpc>
+                <a:spcPct val="150000"/>
+              </a:lnSpc>
+              <a:spcBef>
+                <a:spcPts val="1000"/>
+              </a:spcBef>
+              <a:spcAft>
+                <a:spcPts val="0"/>
+              </a:spcAft>
+              <a:buClr>
+                <a:schemeClr val="dk1"/>
+              </a:buClr>
+              <a:buSzPts val="1200"/>
+              <a:buFont typeface="Century Gothic"/>
+              <a:buChar char="●"/>
+            </a:pPr>
+            <a:r>
+              <a:rPr lang="en-US" sz="1200">
+                <a:solidFill>
+                  <a:schemeClr val="dk1"/>
+                </a:solidFill>
+                <a:latin typeface="Century Gothic"/>
+                <a:ea typeface="Century Gothic"/>
+                <a:cs typeface="Century Gothic"/>
+                <a:sym typeface="Century Gothic"/>
+              </a:rPr>
+              <a:t>REASON: Reason for the loan request (HomeImp = Home Improvement, DebtCon = Debt Consolidation)</a:t>
+            </a:r>
+            <a:endParaRPr/>
+          </a:p>
+          <a:p>
+            <a:pPr marL="457200" lvl="0" indent="-304800" algn="l" rtl="0">
+              <a:lnSpc>
+                <a:spcPct val="150000"/>
+              </a:lnSpc>
+              <a:spcBef>
+                <a:spcPts val="1000"/>
+              </a:spcBef>
+              <a:spcAft>
+                <a:spcPts val="0"/>
+              </a:spcAft>
+              <a:buClr>
+                <a:schemeClr val="dk1"/>
+              </a:buClr>
+              <a:buSzPts val="1200"/>
+              <a:buFont typeface="Century Gothic"/>
+              <a:buChar char="●"/>
+            </a:pPr>
+            <a:r>
+              <a:rPr lang="en-US" sz="1200">
+                <a:solidFill>
+                  <a:schemeClr val="dk1"/>
+                </a:solidFill>
+                <a:latin typeface="Century Gothic"/>
+                <a:ea typeface="Century Gothic"/>
+                <a:cs typeface="Century Gothic"/>
+                <a:sym typeface="Century Gothic"/>
+              </a:rPr>
+              <a:t>JOB: Type of job the applicant has (e.g., Manager, Self-employed)</a:t>
+            </a:r>
+            <a:endParaRPr/>
+          </a:p>
+          <a:p>
+            <a:pPr marL="457200" lvl="0" indent="-304800" algn="l" rtl="0">
+              <a:lnSpc>
+                <a:spcPct val="150000"/>
+              </a:lnSpc>
+              <a:spcBef>
+                <a:spcPts val="1000"/>
+              </a:spcBef>
+              <a:spcAft>
+                <a:spcPts val="0"/>
+              </a:spcAft>
+              <a:buClr>
+                <a:schemeClr val="dk1"/>
+              </a:buClr>
+              <a:buSzPts val="1200"/>
+              <a:buFont typeface="Century Gothic"/>
+              <a:buChar char="●"/>
+            </a:pPr>
+            <a:r>
+              <a:rPr lang="en-US" sz="1200">
+                <a:solidFill>
+                  <a:schemeClr val="dk1"/>
+                </a:solidFill>
+                <a:latin typeface="Century Gothic"/>
+                <a:ea typeface="Century Gothic"/>
+                <a:cs typeface="Century Gothic"/>
+                <a:sym typeface="Century Gothic"/>
+              </a:rPr>
+              <a:t>YOJ: Years at present job</a:t>
+            </a:r>
+            <a:endParaRPr/>
+          </a:p>
+          <a:p>
+            <a:pPr marL="457200" lvl="0" indent="0" algn="l" rtl="0">
+              <a:lnSpc>
+                <a:spcPct val="150000"/>
+              </a:lnSpc>
+              <a:spcBef>
+                <a:spcPts val="1000"/>
+              </a:spcBef>
+              <a:spcAft>
+                <a:spcPts val="0"/>
+              </a:spcAft>
+              <a:buSzPts val="1500"/>
+              <a:buNone/>
+            </a:pPr>
+            <a:endParaRPr sz="1400">
+              <a:solidFill>
+                <a:schemeClr val="dk1"/>
+              </a:solidFill>
+              <a:latin typeface="Century Gothic"/>
+              <a:ea typeface="Century Gothic"/>
+              <a:cs typeface="Century Gothic"/>
+              <a:sym typeface="Century Gothic"/>
+            </a:endParaRPr>
+          </a:p>
+          <a:p>
+            <a:pPr marL="0" lvl="0" indent="0" algn="l" rtl="0">
+              <a:lnSpc>
+                <a:spcPct val="150000"/>
+              </a:lnSpc>
+              <a:spcBef>
+                <a:spcPts val="1000"/>
+              </a:spcBef>
+              <a:spcAft>
+                <a:spcPts val="0"/>
+              </a:spcAft>
+              <a:buSzPts val="1500"/>
+              <a:buNone/>
+            </a:pPr>
+            <a:endParaRPr sz="1200">
+              <a:solidFill>
+                <a:schemeClr val="dk1"/>
+              </a:solidFill>
+              <a:latin typeface="Century Gothic"/>
+              <a:ea typeface="Century Gothic"/>
+              <a:cs typeface="Century Gothic"/>
+              <a:sym typeface="Century Gothic"/>
+            </a:endParaRPr>
+          </a:p>
+          <a:p>
+            <a:pPr marL="457200" lvl="0" indent="0" algn="l" rtl="0">
+              <a:lnSpc>
+                <a:spcPct val="150000"/>
+              </a:lnSpc>
+              <a:spcBef>
+                <a:spcPts val="1000"/>
+              </a:spcBef>
+              <a:spcAft>
+                <a:spcPts val="1000"/>
+              </a:spcAft>
+              <a:buSzPts val="1500"/>
+              <a:buNone/>
+            </a:pPr>
+            <a:endParaRPr sz="1200">
+              <a:solidFill>
+                <a:schemeClr val="dk1"/>
+              </a:solidFill>
+              <a:latin typeface="Century Gothic"/>
+              <a:ea typeface="Century Gothic"/>
+              <a:cs typeface="Century Gothic"/>
+              <a:sym typeface="Century Gothic"/>
+            </a:endParaRPr>
+          </a:p>
+        </p:txBody>
+      </p:sp>
+      <p:sp>
+        <p:nvSpPr>
+          <p:cNvPr id="2" name="Slide Number Placeholder 1">
+            <a:extLst>
+              <a:ext uri="{FF2B5EF4-FFF2-40B4-BE49-F238E27FC236}">
+                <a16:creationId xmlns:a16="http://schemas.microsoft.com/office/drawing/2014/main" id="{80F3270F-F59E-CE2A-6CB2-BFABCD8F2545}"/>
+              </a:ext>
+            </a:extLst>
+          </p:cNvPr>
+          <p:cNvSpPr>
+            <a:spLocks noGrp="1"/>
+          </p:cNvSpPr>
+          <p:nvPr>
+            <p:ph type="sldNum" idx="12"/>
+          </p:nvPr>
+        </p:nvSpPr>
+        <p:spPr/>
+        <p:txBody>
+          <a:bodyPr/>
+          <a:lstStyle/>
+          <a:p>
+            <a:pPr marL="0" lvl="0" indent="0" algn="ctr" rtl="0">
+              <a:spcBef>
+                <a:spcPts val="0"/>
+              </a:spcBef>
+              <a:spcAft>
+                <a:spcPts val="0"/>
+              </a:spcAft>
+              <a:buNone/>
+            </a:pPr>
+            <a:fld id="{00000000-1234-1234-1234-123412341234}" type="slidenum">
+              <a:rPr lang="en-US" smtClean="0"/>
+              <a:t>3</a:t>
+            </a:fld>
+            <a:endParaRPr lang="en-US"/>
+          </a:p>
+        </p:txBody>
+      </p:sp>
+    </p:spTree>
+  </p:cSld>
+  <p:clrMapOvr>
+    <a:masterClrMapping/>
+  </p:clrMapOvr>
+</p:sld>
+</file>
+
+<file path=ppt/slides/slide30.xml><?xml version="1.0" encoding="utf-8"?>
+<p:sld xmlns:a="http://schemas.openxmlformats.org/drawingml/2006/main" xmlns:r="http://schemas.openxmlformats.org/officeDocument/2006/relationships" xmlns:p="http://schemas.openxmlformats.org/presentationml/2006/main">
+  <p:cSld>
+    <p:spTree>
+      <p:nvGrpSpPr>
+        <p:cNvPr id="1" name="Shape 187">
+          <a:extLst>
+            <a:ext uri="{FF2B5EF4-FFF2-40B4-BE49-F238E27FC236}">
+              <a16:creationId xmlns:a16="http://schemas.microsoft.com/office/drawing/2014/main" id="{47FEDB58-25F6-B6A1-9C31-5AE36EDB6E79}"/>
+            </a:ext>
+          </a:extLst>
+        </p:cNvPr>
+        <p:cNvGrpSpPr/>
+        <p:nvPr/>
+      </p:nvGrpSpPr>
+      <p:grpSpPr>
+        <a:xfrm>
+          <a:off x="0" y="0"/>
+          <a:ext cx="0" cy="0"/>
+          <a:chOff x="0" y="0"/>
+          <a:chExt cx="0" cy="0"/>
+        </a:xfrm>
+      </p:grpSpPr>
+      <p:sp>
+        <p:nvSpPr>
+          <p:cNvPr id="188" name="Google Shape;188;p40">
+            <a:extLst>
+              <a:ext uri="{FF2B5EF4-FFF2-40B4-BE49-F238E27FC236}">
+                <a16:creationId xmlns:a16="http://schemas.microsoft.com/office/drawing/2014/main" id="{9574ED5D-B102-7495-FC9F-2C11F04F2DA6}"/>
+              </a:ext>
+            </a:extLst>
+          </p:cNvPr>
+          <p:cNvSpPr txBox="1"/>
+          <p:nvPr/>
+        </p:nvSpPr>
+        <p:spPr>
+          <a:xfrm>
+            <a:off x="468977" y="92417"/>
+            <a:ext cx="8520600" cy="572700"/>
+          </a:xfrm>
+          <a:prstGeom prst="rect">
+            <a:avLst/>
+          </a:prstGeom>
+          <a:noFill/>
+          <a:ln>
+            <a:noFill/>
+          </a:ln>
+        </p:spPr>
+        <p:txBody>
+          <a:bodyPr spcFirstLastPara="1" wrap="square" lIns="91425" tIns="91425" rIns="91425" bIns="91425" anchor="t" anchorCtr="0">
+            <a:noAutofit/>
+          </a:bodyPr>
+          <a:lstStyle/>
+          <a:p>
+            <a:pPr marL="0" marR="0" lvl="0" indent="0" algn="l" rtl="0">
+              <a:lnSpc>
+                <a:spcPct val="100000"/>
+              </a:lnSpc>
+              <a:spcBef>
+                <a:spcPts val="0"/>
+              </a:spcBef>
+              <a:spcAft>
+                <a:spcPts val="0"/>
+              </a:spcAft>
+              <a:buClr>
+                <a:srgbClr val="000000"/>
+              </a:buClr>
+              <a:buSzPts val="2200"/>
+              <a:buFont typeface="Arial"/>
+              <a:buNone/>
+            </a:pPr>
+            <a:r>
+              <a:rPr lang="en-US" sz="2200" b="1" i="0" u="none" strike="noStrike" cap="none" dirty="0">
+                <a:solidFill>
+                  <a:schemeClr val="lt2"/>
+                </a:solidFill>
+                <a:latin typeface="Century Gothic"/>
+                <a:ea typeface="Century Gothic"/>
+                <a:cs typeface="Century Gothic"/>
+                <a:sym typeface="Century Gothic"/>
+              </a:rPr>
+              <a:t>Initial Exploratory Data Analysis (EDA)</a:t>
+            </a:r>
+            <a:endParaRPr sz="2200" b="1" i="0" u="none" strike="noStrike" cap="none" dirty="0">
+              <a:solidFill>
+                <a:schemeClr val="lt2"/>
+              </a:solidFill>
+              <a:latin typeface="Century Gothic"/>
+              <a:ea typeface="Century Gothic"/>
+              <a:cs typeface="Century Gothic"/>
+              <a:sym typeface="Century Gothic"/>
+            </a:endParaRPr>
+          </a:p>
+        </p:txBody>
+      </p:sp>
+      <p:sp>
+        <p:nvSpPr>
+          <p:cNvPr id="2" name="Slide Number Placeholder 1">
+            <a:extLst>
+              <a:ext uri="{FF2B5EF4-FFF2-40B4-BE49-F238E27FC236}">
+                <a16:creationId xmlns:a16="http://schemas.microsoft.com/office/drawing/2014/main" id="{AD879DB2-472B-8199-3B16-52AC9CB82287}"/>
+              </a:ext>
+            </a:extLst>
+          </p:cNvPr>
+          <p:cNvSpPr>
+            <a:spLocks noGrp="1"/>
+          </p:cNvSpPr>
+          <p:nvPr>
+            <p:ph type="sldNum" idx="12"/>
+          </p:nvPr>
+        </p:nvSpPr>
+        <p:spPr/>
+        <p:txBody>
+          <a:bodyPr/>
+          <a:lstStyle/>
+          <a:p>
+            <a:pPr marL="0" lvl="0" indent="0" algn="ctr" rtl="0">
+              <a:spcBef>
+                <a:spcPts val="0"/>
+              </a:spcBef>
+              <a:spcAft>
+                <a:spcPts val="0"/>
+              </a:spcAft>
+              <a:buNone/>
+            </a:pPr>
+            <a:fld id="{00000000-1234-1234-1234-123412341234}" type="slidenum">
+              <a:rPr lang="en-US" smtClean="0"/>
+              <a:t>30</a:t>
+            </a:fld>
+            <a:endParaRPr lang="en-US"/>
+          </a:p>
+        </p:txBody>
+      </p:sp>
+      <p:sp>
+        <p:nvSpPr>
+          <p:cNvPr id="14" name="Google Shape;190;p40">
+            <a:extLst>
+              <a:ext uri="{FF2B5EF4-FFF2-40B4-BE49-F238E27FC236}">
+                <a16:creationId xmlns:a16="http://schemas.microsoft.com/office/drawing/2014/main" id="{142D6567-20BA-5AFB-1DBB-C54D45CDE78B}"/>
+              </a:ext>
+            </a:extLst>
+          </p:cNvPr>
+          <p:cNvSpPr txBox="1">
+            <a:spLocks noGrp="1"/>
+          </p:cNvSpPr>
+          <p:nvPr>
+            <p:ph type="body" idx="1"/>
+          </p:nvPr>
+        </p:nvSpPr>
+        <p:spPr>
+          <a:xfrm>
+            <a:off x="627494" y="4211568"/>
+            <a:ext cx="7889010" cy="448298"/>
+          </a:xfrm>
+          <a:prstGeom prst="rect">
+            <a:avLst/>
+          </a:prstGeom>
+          <a:noFill/>
+          <a:ln>
+            <a:noFill/>
+          </a:ln>
+        </p:spPr>
+        <p:txBody>
+          <a:bodyPr spcFirstLastPara="1" wrap="square" lIns="91425" tIns="91425" rIns="91425" bIns="91425" anchor="t" anchorCtr="0">
+            <a:spAutoFit/>
+          </a:bodyPr>
+          <a:lstStyle/>
+          <a:p>
+            <a:pPr marL="171450" indent="-171450" algn="just">
+              <a:spcBef>
+                <a:spcPts val="400"/>
+              </a:spcBef>
+              <a:buClr>
+                <a:schemeClr val="dk1"/>
+              </a:buClr>
+              <a:buSzPts val="1400"/>
+            </a:pPr>
+            <a:r>
+              <a:rPr lang="en-US" sz="1200" b="1" dirty="0">
+                <a:solidFill>
+                  <a:schemeClr val="dk1"/>
+                </a:solidFill>
+                <a:latin typeface="Nunito" pitchFamily="2" charset="0"/>
+                <a:ea typeface="Century Gothic"/>
+                <a:cs typeface="Century Gothic"/>
+                <a:sym typeface="Century Gothic"/>
+              </a:rPr>
+              <a:t>Yeo-Johnson </a:t>
+            </a:r>
+            <a:r>
+              <a:rPr lang="en-US" sz="1200" dirty="0">
+                <a:solidFill>
+                  <a:schemeClr val="dk1"/>
+                </a:solidFill>
+                <a:latin typeface="Nunito" pitchFamily="2" charset="0"/>
+                <a:ea typeface="Century Gothic"/>
+                <a:cs typeface="Century Gothic"/>
+                <a:sym typeface="Century Gothic"/>
+              </a:rPr>
+              <a:t>– best score, near normal distribution with </a:t>
+            </a:r>
+            <a:r>
+              <a:rPr lang="en-US" sz="1200" b="1" dirty="0">
+                <a:solidFill>
+                  <a:schemeClr val="dk1"/>
+                </a:solidFill>
+                <a:latin typeface="Nunito" pitchFamily="2" charset="0"/>
+                <a:ea typeface="Century Gothic"/>
+                <a:cs typeface="Century Gothic"/>
+                <a:sym typeface="Century Gothic"/>
+              </a:rPr>
+              <a:t>skew</a:t>
+            </a:r>
+            <a:r>
+              <a:rPr lang="en-US" sz="1200" dirty="0">
+                <a:solidFill>
+                  <a:schemeClr val="dk1"/>
+                </a:solidFill>
+                <a:latin typeface="Nunito" pitchFamily="2" charset="0"/>
+                <a:ea typeface="Century Gothic"/>
+                <a:cs typeface="Century Gothic"/>
+                <a:sym typeface="Century Gothic"/>
+              </a:rPr>
+              <a:t> of </a:t>
+            </a:r>
+            <a:r>
+              <a:rPr lang="en-US" sz="1200" b="1" dirty="0">
+                <a:solidFill>
+                  <a:schemeClr val="dk1"/>
+                </a:solidFill>
+                <a:latin typeface="Nunito" pitchFamily="2" charset="0"/>
+                <a:ea typeface="Century Gothic"/>
+                <a:cs typeface="Century Gothic"/>
+                <a:sym typeface="Century Gothic"/>
+              </a:rPr>
+              <a:t>0.06</a:t>
+            </a:r>
+          </a:p>
+        </p:txBody>
+      </p:sp>
+      <p:pic>
+        <p:nvPicPr>
+          <p:cNvPr id="5" name="Picture 4" descr="A graph of normalization comparison&#10;&#10;AI-generated content may be incorrect.">
+            <a:extLst>
+              <a:ext uri="{FF2B5EF4-FFF2-40B4-BE49-F238E27FC236}">
+                <a16:creationId xmlns:a16="http://schemas.microsoft.com/office/drawing/2014/main" id="{EC952D67-3B43-09F4-AD87-5787DA483E67}"/>
+              </a:ext>
+            </a:extLst>
+          </p:cNvPr>
+          <p:cNvPicPr>
+            <a:picLocks noChangeAspect="1"/>
+          </p:cNvPicPr>
+          <p:nvPr/>
+        </p:nvPicPr>
+        <p:blipFill>
+          <a:blip r:embed="rId3"/>
+          <a:stretch>
+            <a:fillRect/>
+          </a:stretch>
+        </p:blipFill>
+        <p:spPr>
+          <a:xfrm>
+            <a:off x="787964" y="575952"/>
+            <a:ext cx="7568071" cy="2617767"/>
+          </a:xfrm>
+          <a:prstGeom prst="rect">
+            <a:avLst/>
+          </a:prstGeom>
+        </p:spPr>
+      </p:pic>
+      <p:pic>
+        <p:nvPicPr>
+          <p:cNvPr id="8" name="Picture 7" descr="A table with text on it&#10;&#10;AI-generated content may be incorrect.">
+            <a:extLst>
+              <a:ext uri="{FF2B5EF4-FFF2-40B4-BE49-F238E27FC236}">
+                <a16:creationId xmlns:a16="http://schemas.microsoft.com/office/drawing/2014/main" id="{38A50665-62B7-7B2A-8BAB-3682BCA12D40}"/>
+              </a:ext>
+            </a:extLst>
+          </p:cNvPr>
+          <p:cNvPicPr>
+            <a:picLocks noChangeAspect="1"/>
+          </p:cNvPicPr>
+          <p:nvPr/>
+        </p:nvPicPr>
+        <p:blipFill>
+          <a:blip r:embed="rId4"/>
+          <a:stretch>
+            <a:fillRect/>
+          </a:stretch>
+        </p:blipFill>
+        <p:spPr>
+          <a:xfrm>
+            <a:off x="3616402" y="3131073"/>
+            <a:ext cx="2352007" cy="1184266"/>
+          </a:xfrm>
+          <a:prstGeom prst="rect">
+            <a:avLst/>
+          </a:prstGeom>
+        </p:spPr>
+      </p:pic>
+    </p:spTree>
+    <p:extLst>
+      <p:ext uri="{BB962C8B-B14F-4D97-AF65-F5344CB8AC3E}">
+        <p14:creationId xmlns:p14="http://schemas.microsoft.com/office/powerpoint/2010/main" val="2181767355"/>
+      </p:ext>
+    </p:extLst>
+  </p:cSld>
+  <p:clrMapOvr>
+    <a:masterClrMapping/>
+  </p:clrMapOvr>
+</p:sld>
+</file>
+
+<file path=ppt/slides/slide31.xml><?xml version="1.0" encoding="utf-8"?>
+<p:sld xmlns:a="http://schemas.openxmlformats.org/drawingml/2006/main" xmlns:r="http://schemas.openxmlformats.org/officeDocument/2006/relationships" xmlns:p="http://schemas.openxmlformats.org/presentationml/2006/main">
+  <p:cSld>
+    <p:spTree>
+      <p:nvGrpSpPr>
+        <p:cNvPr id="1" name="Shape 187">
+          <a:extLst>
+            <a:ext uri="{FF2B5EF4-FFF2-40B4-BE49-F238E27FC236}">
+              <a16:creationId xmlns:a16="http://schemas.microsoft.com/office/drawing/2014/main" id="{0DD1AA5C-EE1E-86BF-E300-FED3908A8CDE}"/>
+            </a:ext>
+          </a:extLst>
+        </p:cNvPr>
+        <p:cNvGrpSpPr/>
+        <p:nvPr/>
+      </p:nvGrpSpPr>
+      <p:grpSpPr>
+        <a:xfrm>
+          <a:off x="0" y="0"/>
+          <a:ext cx="0" cy="0"/>
+          <a:chOff x="0" y="0"/>
+          <a:chExt cx="0" cy="0"/>
+        </a:xfrm>
+      </p:grpSpPr>
+      <p:sp>
+        <p:nvSpPr>
+          <p:cNvPr id="188" name="Google Shape;188;p40">
+            <a:extLst>
+              <a:ext uri="{FF2B5EF4-FFF2-40B4-BE49-F238E27FC236}">
+                <a16:creationId xmlns:a16="http://schemas.microsoft.com/office/drawing/2014/main" id="{79B9757B-607B-7683-D2F0-3598596DCE59}"/>
+              </a:ext>
+            </a:extLst>
+          </p:cNvPr>
+          <p:cNvSpPr txBox="1"/>
+          <p:nvPr/>
+        </p:nvSpPr>
+        <p:spPr>
+          <a:xfrm>
+            <a:off x="468977" y="92417"/>
+            <a:ext cx="8520600" cy="572700"/>
+          </a:xfrm>
+          <a:prstGeom prst="rect">
+            <a:avLst/>
+          </a:prstGeom>
+          <a:noFill/>
+          <a:ln>
+            <a:noFill/>
+          </a:ln>
+        </p:spPr>
+        <p:txBody>
+          <a:bodyPr spcFirstLastPara="1" wrap="square" lIns="91425" tIns="91425" rIns="91425" bIns="91425" anchor="t" anchorCtr="0">
+            <a:noAutofit/>
+          </a:bodyPr>
+          <a:lstStyle/>
+          <a:p>
+            <a:pPr marL="0" marR="0" lvl="0" indent="0" algn="l" rtl="0">
+              <a:lnSpc>
+                <a:spcPct val="100000"/>
+              </a:lnSpc>
+              <a:spcBef>
+                <a:spcPts val="0"/>
+              </a:spcBef>
+              <a:spcAft>
+                <a:spcPts val="0"/>
+              </a:spcAft>
+              <a:buClr>
+                <a:srgbClr val="000000"/>
+              </a:buClr>
+              <a:buSzPts val="2200"/>
+              <a:buFont typeface="Arial"/>
+              <a:buNone/>
+            </a:pPr>
+            <a:r>
+              <a:rPr lang="en-US" sz="2200" b="1" i="0" u="none" strike="noStrike" cap="none" dirty="0">
+                <a:solidFill>
+                  <a:schemeClr val="lt2"/>
+                </a:solidFill>
+                <a:latin typeface="Century Gothic"/>
+                <a:ea typeface="Century Gothic"/>
+                <a:cs typeface="Century Gothic"/>
+                <a:sym typeface="Century Gothic"/>
+              </a:rPr>
+              <a:t>Initial Exploratory Data Analysis (EDA)</a:t>
+            </a:r>
+            <a:endParaRPr sz="2200" b="1" i="0" u="none" strike="noStrike" cap="none" dirty="0">
+              <a:solidFill>
+                <a:schemeClr val="lt2"/>
+              </a:solidFill>
+              <a:latin typeface="Century Gothic"/>
+              <a:ea typeface="Century Gothic"/>
+              <a:cs typeface="Century Gothic"/>
+              <a:sym typeface="Century Gothic"/>
+            </a:endParaRPr>
+          </a:p>
+        </p:txBody>
+      </p:sp>
+      <p:sp>
+        <p:nvSpPr>
+          <p:cNvPr id="2" name="Slide Number Placeholder 1">
+            <a:extLst>
+              <a:ext uri="{FF2B5EF4-FFF2-40B4-BE49-F238E27FC236}">
+                <a16:creationId xmlns:a16="http://schemas.microsoft.com/office/drawing/2014/main" id="{3F283655-AEBC-D04B-E80A-A58FD5915490}"/>
+              </a:ext>
+            </a:extLst>
+          </p:cNvPr>
+          <p:cNvSpPr>
+            <a:spLocks noGrp="1"/>
+          </p:cNvSpPr>
+          <p:nvPr>
+            <p:ph type="sldNum" idx="12"/>
+          </p:nvPr>
+        </p:nvSpPr>
+        <p:spPr/>
+        <p:txBody>
+          <a:bodyPr/>
+          <a:lstStyle/>
+          <a:p>
+            <a:pPr marL="0" lvl="0" indent="0" algn="ctr" rtl="0">
+              <a:spcBef>
+                <a:spcPts val="0"/>
+              </a:spcBef>
+              <a:spcAft>
+                <a:spcPts val="0"/>
+              </a:spcAft>
+              <a:buNone/>
+            </a:pPr>
+            <a:fld id="{00000000-1234-1234-1234-123412341234}" type="slidenum">
+              <a:rPr lang="en-US" smtClean="0"/>
+              <a:t>31</a:t>
+            </a:fld>
+            <a:endParaRPr lang="en-US"/>
+          </a:p>
+        </p:txBody>
+      </p:sp>
+      <p:sp>
+        <p:nvSpPr>
+          <p:cNvPr id="14" name="Google Shape;190;p40">
+            <a:extLst>
+              <a:ext uri="{FF2B5EF4-FFF2-40B4-BE49-F238E27FC236}">
+                <a16:creationId xmlns:a16="http://schemas.microsoft.com/office/drawing/2014/main" id="{0E2A9C69-1413-6A3F-C843-4A813846EEED}"/>
+              </a:ext>
+            </a:extLst>
+          </p:cNvPr>
+          <p:cNvSpPr txBox="1">
+            <a:spLocks noGrp="1"/>
+          </p:cNvSpPr>
+          <p:nvPr>
+            <p:ph type="body" idx="1"/>
+          </p:nvPr>
+        </p:nvSpPr>
+        <p:spPr>
+          <a:xfrm>
+            <a:off x="627495" y="4234948"/>
+            <a:ext cx="7889010" cy="448298"/>
+          </a:xfrm>
+          <a:prstGeom prst="rect">
+            <a:avLst/>
+          </a:prstGeom>
+          <a:noFill/>
+          <a:ln>
+            <a:noFill/>
+          </a:ln>
+        </p:spPr>
+        <p:txBody>
+          <a:bodyPr spcFirstLastPara="1" wrap="square" lIns="91425" tIns="91425" rIns="91425" bIns="91425" anchor="t" anchorCtr="0">
+            <a:spAutoFit/>
+          </a:bodyPr>
+          <a:lstStyle/>
+          <a:p>
+            <a:pPr marL="171450" indent="-171450" algn="just">
+              <a:spcBef>
+                <a:spcPts val="400"/>
+              </a:spcBef>
+              <a:buClr>
+                <a:schemeClr val="dk1"/>
+              </a:buClr>
+              <a:buSzPts val="1400"/>
+            </a:pPr>
+            <a:r>
+              <a:rPr lang="en-US" sz="1200" b="1" dirty="0">
+                <a:solidFill>
+                  <a:schemeClr val="dk1"/>
+                </a:solidFill>
+                <a:latin typeface="Nunito" pitchFamily="2" charset="0"/>
+                <a:ea typeface="Century Gothic"/>
+                <a:cs typeface="Century Gothic"/>
+                <a:sym typeface="Century Gothic"/>
+              </a:rPr>
+              <a:t>Yeo-Johnson</a:t>
+            </a:r>
+            <a:r>
+              <a:rPr lang="en-US" sz="1200" dirty="0">
+                <a:solidFill>
+                  <a:schemeClr val="dk1"/>
+                </a:solidFill>
+                <a:latin typeface="Nunito" pitchFamily="2" charset="0"/>
+                <a:ea typeface="Century Gothic"/>
+                <a:cs typeface="Century Gothic"/>
+                <a:sym typeface="Century Gothic"/>
+              </a:rPr>
+              <a:t> – best score with </a:t>
+            </a:r>
+            <a:r>
+              <a:rPr lang="en-US" sz="1200" b="1" dirty="0">
+                <a:solidFill>
+                  <a:schemeClr val="dk1"/>
+                </a:solidFill>
+                <a:latin typeface="Nunito" pitchFamily="2" charset="0"/>
+                <a:ea typeface="Century Gothic"/>
+                <a:cs typeface="Century Gothic"/>
+                <a:sym typeface="Century Gothic"/>
+              </a:rPr>
+              <a:t>skew</a:t>
+            </a:r>
+            <a:r>
+              <a:rPr lang="en-US" sz="1200" dirty="0">
+                <a:solidFill>
+                  <a:schemeClr val="dk1"/>
+                </a:solidFill>
+                <a:latin typeface="Nunito" pitchFamily="2" charset="0"/>
+                <a:ea typeface="Century Gothic"/>
+                <a:cs typeface="Century Gothic"/>
+                <a:sym typeface="Century Gothic"/>
+              </a:rPr>
+              <a:t> of </a:t>
+            </a:r>
+            <a:r>
+              <a:rPr lang="en-US" sz="1200" b="1" dirty="0">
+                <a:solidFill>
+                  <a:schemeClr val="dk1"/>
+                </a:solidFill>
+                <a:latin typeface="Nunito" pitchFamily="2" charset="0"/>
+                <a:ea typeface="Century Gothic"/>
+                <a:cs typeface="Century Gothic"/>
+                <a:sym typeface="Century Gothic"/>
+              </a:rPr>
+              <a:t>0.75</a:t>
+            </a:r>
+          </a:p>
+        </p:txBody>
+      </p:sp>
+      <p:pic>
+        <p:nvPicPr>
+          <p:cNvPr id="5" name="Picture 4" descr="A graph of a function&#10;&#10;AI-generated content may be incorrect.">
+            <a:extLst>
+              <a:ext uri="{FF2B5EF4-FFF2-40B4-BE49-F238E27FC236}">
+                <a16:creationId xmlns:a16="http://schemas.microsoft.com/office/drawing/2014/main" id="{87EAECEF-E13E-0FF5-8FD5-E5E903E68BF7}"/>
+              </a:ext>
+            </a:extLst>
+          </p:cNvPr>
+          <p:cNvPicPr>
+            <a:picLocks noChangeAspect="1"/>
+          </p:cNvPicPr>
+          <p:nvPr/>
+        </p:nvPicPr>
+        <p:blipFill>
+          <a:blip r:embed="rId3"/>
+          <a:stretch>
+            <a:fillRect/>
+          </a:stretch>
+        </p:blipFill>
+        <p:spPr>
+          <a:xfrm>
+            <a:off x="705513" y="618746"/>
+            <a:ext cx="8047528" cy="2230623"/>
+          </a:xfrm>
+          <a:prstGeom prst="rect">
+            <a:avLst/>
+          </a:prstGeom>
+        </p:spPr>
+      </p:pic>
+      <p:pic>
+        <p:nvPicPr>
+          <p:cNvPr id="8" name="Picture 7" descr="A table with text on it&#10;&#10;AI-generated content may be incorrect.">
+            <a:extLst>
+              <a:ext uri="{FF2B5EF4-FFF2-40B4-BE49-F238E27FC236}">
+                <a16:creationId xmlns:a16="http://schemas.microsoft.com/office/drawing/2014/main" id="{623CE5EC-2BE8-889A-D827-F7D5C1E3572E}"/>
+              </a:ext>
+            </a:extLst>
+          </p:cNvPr>
+          <p:cNvPicPr>
+            <a:picLocks noChangeAspect="1"/>
+          </p:cNvPicPr>
+          <p:nvPr/>
+        </p:nvPicPr>
+        <p:blipFill>
+          <a:blip r:embed="rId4"/>
+          <a:stretch>
+            <a:fillRect/>
+          </a:stretch>
+        </p:blipFill>
+        <p:spPr>
+          <a:xfrm>
+            <a:off x="3785189" y="2958948"/>
+            <a:ext cx="2367518" cy="1276000"/>
+          </a:xfrm>
+          <a:prstGeom prst="rect">
+            <a:avLst/>
+          </a:prstGeom>
+        </p:spPr>
+      </p:pic>
+    </p:spTree>
+    <p:extLst>
+      <p:ext uri="{BB962C8B-B14F-4D97-AF65-F5344CB8AC3E}">
+        <p14:creationId xmlns:p14="http://schemas.microsoft.com/office/powerpoint/2010/main" val="2934548967"/>
+      </p:ext>
+    </p:extLst>
+  </p:cSld>
+  <p:clrMapOvr>
+    <a:masterClrMapping/>
+  </p:clrMapOvr>
+</p:sld>
+</file>
+
+<file path=ppt/slides/slide32.xml><?xml version="1.0" encoding="utf-8"?>
+<p:sld xmlns:a="http://schemas.openxmlformats.org/drawingml/2006/main" xmlns:r="http://schemas.openxmlformats.org/officeDocument/2006/relationships" xmlns:p="http://schemas.openxmlformats.org/presentationml/2006/main">
+  <p:cSld>
+    <p:spTree>
+      <p:nvGrpSpPr>
+        <p:cNvPr id="1" name="Shape 187">
+          <a:extLst>
+            <a:ext uri="{FF2B5EF4-FFF2-40B4-BE49-F238E27FC236}">
+              <a16:creationId xmlns:a16="http://schemas.microsoft.com/office/drawing/2014/main" id="{9809A8D0-DF4F-253B-8839-5B81753736DD}"/>
+            </a:ext>
+          </a:extLst>
+        </p:cNvPr>
+        <p:cNvGrpSpPr/>
+        <p:nvPr/>
+      </p:nvGrpSpPr>
+      <p:grpSpPr>
+        <a:xfrm>
+          <a:off x="0" y="0"/>
+          <a:ext cx="0" cy="0"/>
+          <a:chOff x="0" y="0"/>
+          <a:chExt cx="0" cy="0"/>
+        </a:xfrm>
+      </p:grpSpPr>
+      <p:sp>
+        <p:nvSpPr>
+          <p:cNvPr id="188" name="Google Shape;188;p40">
+            <a:extLst>
+              <a:ext uri="{FF2B5EF4-FFF2-40B4-BE49-F238E27FC236}">
+                <a16:creationId xmlns:a16="http://schemas.microsoft.com/office/drawing/2014/main" id="{C9757D56-04BD-69E4-D66B-2B42396DBD3B}"/>
               </a:ext>
             </a:extLst>
           </p:cNvPr>
@@ -35724,7 +40914,7 @@
           <p:cNvPr id="189" name="Google Shape;189;p40">
             <a:extLst>
               <a:ext uri="{FF2B5EF4-FFF2-40B4-BE49-F238E27FC236}">
-                <a16:creationId xmlns:a16="http://schemas.microsoft.com/office/drawing/2014/main" id="{52CE79F3-FEBE-367F-552A-49A11C2E2144}"/>
+                <a16:creationId xmlns:a16="http://schemas.microsoft.com/office/drawing/2014/main" id="{087C0B74-563F-916A-D9A1-1FD3C9B7CB49}"/>
               </a:ext>
             </a:extLst>
           </p:cNvPr>
@@ -35757,7 +40947,7 @@
           <p:cNvPr id="190" name="Google Shape;190;p40">
             <a:extLst>
               <a:ext uri="{FF2B5EF4-FFF2-40B4-BE49-F238E27FC236}">
-                <a16:creationId xmlns:a16="http://schemas.microsoft.com/office/drawing/2014/main" id="{A4EDEFA3-D05C-C36A-0C5E-0D18A240A9F9}"/>
+                <a16:creationId xmlns:a16="http://schemas.microsoft.com/office/drawing/2014/main" id="{B67FA253-C77F-6653-7DD8-B70A12ED42A8}"/>
               </a:ext>
             </a:extLst>
           </p:cNvPr>
@@ -35833,7 +41023,7 @@
           <p:cNvPr id="2" name="Slide Number Placeholder 1">
             <a:extLst>
               <a:ext uri="{FF2B5EF4-FFF2-40B4-BE49-F238E27FC236}">
-                <a16:creationId xmlns:a16="http://schemas.microsoft.com/office/drawing/2014/main" id="{43BD3859-C10D-8431-CE3D-A2DADCE07485}"/>
+                <a16:creationId xmlns:a16="http://schemas.microsoft.com/office/drawing/2014/main" id="{C89F91EC-3D76-E4D8-442B-6AA8FBA67744}"/>
               </a:ext>
             </a:extLst>
           </p:cNvPr>
@@ -35860,7 +41050,7 @@
             </a:pPr>
             <a:fld id="{00000000-1234-1234-1234-123412341234}" type="slidenum">
               <a:rPr lang="en-US" smtClean="0"/>
-              <a:t>22</a:t>
+              <a:t>32</a:t>
             </a:fld>
             <a:endParaRPr lang="en-US"/>
           </a:p>
@@ -35869,7 +41059,7 @@
     </p:spTree>
     <p:extLst>
       <p:ext uri="{BB962C8B-B14F-4D97-AF65-F5344CB8AC3E}">
-        <p14:creationId xmlns:p14="http://schemas.microsoft.com/office/powerpoint/2010/main" val="2408286800"/>
+        <p14:creationId xmlns:p14="http://schemas.microsoft.com/office/powerpoint/2010/main" val="1777190522"/>
       </p:ext>
     </p:extLst>
   </p:cSld>
@@ -35879,7 +41069,7 @@
 </p:sld>
 </file>
 
-<file path=ppt/slides/slide23.xml><?xml version="1.0" encoding="utf-8"?>
+<file path=ppt/slides/slide33.xml><?xml version="1.0" encoding="utf-8"?>
 <p:sld xmlns:a="http://schemas.openxmlformats.org/drawingml/2006/main" xmlns:r="http://schemas.openxmlformats.org/officeDocument/2006/relationships" xmlns:p="http://schemas.openxmlformats.org/presentationml/2006/main">
   <p:cSld>
     <p:spTree>
@@ -35955,7 +41145,7 @@
             </a:pPr>
             <a:fld id="{00000000-1234-1234-1234-123412341234}" type="slidenum">
               <a:rPr lang="en-US" smtClean="0"/>
-              <a:t>23</a:t>
+              <a:t>33</a:t>
             </a:fld>
             <a:endParaRPr lang="en-US"/>
           </a:p>
@@ -35969,7 +41159,7 @@
 </p:sld>
 </file>
 
-<file path=ppt/slides/slide24.xml><?xml version="1.0" encoding="utf-8"?>
+<file path=ppt/slides/slide34.xml><?xml version="1.0" encoding="utf-8"?>
 <p:sld xmlns:a="http://schemas.openxmlformats.org/drawingml/2006/main" xmlns:r="http://schemas.openxmlformats.org/officeDocument/2006/relationships" xmlns:p="http://schemas.openxmlformats.org/presentationml/2006/main">
   <p:cSld>
     <p:spTree>
@@ -36045,7 +41235,7 @@
             </a:pPr>
             <a:fld id="{00000000-1234-1234-1234-123412341234}" type="slidenum">
               <a:rPr lang="en-US" smtClean="0"/>
-              <a:t>24</a:t>
+              <a:t>34</a:t>
             </a:fld>
             <a:endParaRPr lang="en-US"/>
           </a:p>
@@ -36059,7 +41249,7 @@
 </p:sld>
 </file>
 
-<file path=ppt/slides/slide25.xml><?xml version="1.0" encoding="utf-8"?>
+<file path=ppt/slides/slide35.xml><?xml version="1.0" encoding="utf-8"?>
 <p:sld xmlns:a="http://schemas.openxmlformats.org/drawingml/2006/main" xmlns:r="http://schemas.openxmlformats.org/officeDocument/2006/relationships" xmlns:p="http://schemas.openxmlformats.org/presentationml/2006/main">
   <p:cSld>
     <p:spTree>
@@ -36179,7 +41369,7 @@
             </a:pPr>
             <a:fld id="{00000000-1234-1234-1234-123412341234}" type="slidenum">
               <a:rPr lang="en-US" smtClean="0"/>
-              <a:t>25</a:t>
+              <a:t>35</a:t>
             </a:fld>
             <a:endParaRPr lang="en-US"/>
           </a:p>
@@ -36193,7 +41383,7 @@
 </p:sld>
 </file>
 
-<file path=ppt/slides/slide26.xml><?xml version="1.0" encoding="utf-8"?>
+<file path=ppt/slides/slide36.xml><?xml version="1.0" encoding="utf-8"?>
 <p:sld xmlns:a="http://schemas.openxmlformats.org/drawingml/2006/main" xmlns:r="http://schemas.openxmlformats.org/officeDocument/2006/relationships" xmlns:p="http://schemas.openxmlformats.org/presentationml/2006/main">
   <p:cSld>
     <p:spTree>
@@ -36397,7 +41587,7 @@
             </a:pPr>
             <a:fld id="{00000000-1234-1234-1234-123412341234}" type="slidenum">
               <a:rPr lang="en-US" smtClean="0"/>
-              <a:t>26</a:t>
+              <a:t>36</a:t>
             </a:fld>
             <a:endParaRPr lang="en-US"/>
           </a:p>
@@ -36411,7 +41601,7 @@
 </p:sld>
 </file>
 
-<file path=ppt/slides/slide27.xml><?xml version="1.0" encoding="utf-8"?>
+<file path=ppt/slides/slide37.xml><?xml version="1.0" encoding="utf-8"?>
 <p:sld xmlns:a="http://schemas.openxmlformats.org/drawingml/2006/main" xmlns:r="http://schemas.openxmlformats.org/officeDocument/2006/relationships" xmlns:p="http://schemas.openxmlformats.org/presentationml/2006/main">
   <p:cSld>
     <p:spTree>
@@ -36487,7 +41677,7 @@
             </a:pPr>
             <a:fld id="{00000000-1234-1234-1234-123412341234}" type="slidenum">
               <a:rPr lang="en-US" smtClean="0"/>
-              <a:t>27</a:t>
+              <a:t>37</a:t>
             </a:fld>
             <a:endParaRPr lang="en-US"/>
           </a:p>
@@ -36501,7 +41691,7 @@
 </p:sld>
 </file>
 
-<file path=ppt/slides/slide28.xml><?xml version="1.0" encoding="utf-8"?>
+<file path=ppt/slides/slide38.xml><?xml version="1.0" encoding="utf-8"?>
 <p:sld xmlns:a="http://schemas.openxmlformats.org/drawingml/2006/main" xmlns:r="http://schemas.openxmlformats.org/officeDocument/2006/relationships" xmlns:p="http://schemas.openxmlformats.org/presentationml/2006/main">
   <p:cSld>
     <p:spTree>
@@ -36621,7 +41811,7 @@
             </a:pPr>
             <a:fld id="{00000000-1234-1234-1234-123412341234}" type="slidenum">
               <a:rPr lang="en-US" smtClean="0"/>
-              <a:t>28</a:t>
+              <a:t>38</a:t>
             </a:fld>
             <a:endParaRPr lang="en-US"/>
           </a:p>
@@ -36635,7 +41825,7 @@
 </p:sld>
 </file>
 
-<file path=ppt/slides/slide29.xml><?xml version="1.0" encoding="utf-8"?>
+<file path=ppt/slides/slide39.xml><?xml version="1.0" encoding="utf-8"?>
 <p:sld xmlns:a="http://schemas.openxmlformats.org/drawingml/2006/main" xmlns:r="http://schemas.openxmlformats.org/officeDocument/2006/relationships" xmlns:p="http://schemas.openxmlformats.org/presentationml/2006/main">
   <p:cSld>
     <p:spTree>
@@ -36711,7 +41901,7 @@
             </a:pPr>
             <a:fld id="{00000000-1234-1234-1234-123412341234}" type="slidenum">
               <a:rPr lang="en-US" smtClean="0"/>
-              <a:t>29</a:t>
+              <a:t>39</a:t>
             </a:fld>
             <a:endParaRPr lang="en-US"/>
           </a:p>
@@ -36725,12 +41915,12 @@
 </p:sld>
 </file>
 
-<file path=ppt/slides/slide3.xml><?xml version="1.0" encoding="utf-8"?>
+<file path=ppt/slides/slide4.xml><?xml version="1.0" encoding="utf-8"?>
 <p:sld xmlns:a="http://schemas.openxmlformats.org/drawingml/2006/main" xmlns:r="http://schemas.openxmlformats.org/officeDocument/2006/relationships" xmlns:p="http://schemas.openxmlformats.org/presentationml/2006/main">
   <p:cSld>
     <p:spTree>
       <p:nvGrpSpPr>
-        <p:cNvPr id="1" name="Shape 163"/>
+        <p:cNvPr id="1" name="Shape 169"/>
         <p:cNvGrpSpPr/>
         <p:nvPr/>
       </p:nvGrpSpPr>
@@ -36744,7 +41934,7 @@
       </p:grpSpPr>
       <p:sp>
         <p:nvSpPr>
-          <p:cNvPr id="164" name="Google Shape;164;p36"/>
+          <p:cNvPr id="170" name="Google Shape;170;p37"/>
           <p:cNvSpPr txBox="1">
             <a:spLocks noGrp="1"/>
           </p:cNvSpPr>
@@ -36810,7 +42000,7 @@
       </p:sp>
       <p:sp>
         <p:nvSpPr>
-          <p:cNvPr id="165" name="Google Shape;165;p36"/>
+          <p:cNvPr id="171" name="Google Shape;171;p37"/>
           <p:cNvSpPr txBox="1">
             <a:spLocks noGrp="1"/>
           </p:cNvSpPr>
@@ -36837,35 +42027,7 @@
           </a:bodyPr>
           <a:lstStyle/>
           <a:p>
-            <a:pPr marL="0" lvl="0" indent="0" algn="l" rtl="0">
-              <a:lnSpc>
-                <a:spcPct val="150000"/>
-              </a:lnSpc>
-              <a:spcBef>
-                <a:spcPts val="1000"/>
-              </a:spcBef>
-              <a:spcAft>
-                <a:spcPts val="0"/>
-              </a:spcAft>
-              <a:buSzPts val="1500"/>
-              <a:buNone/>
-            </a:pPr>
-            <a:r>
-              <a:rPr lang="en-US" sz="1200">
-                <a:solidFill>
-                  <a:schemeClr val="dk1"/>
-                </a:solidFill>
-                <a:latin typeface="Century Gothic"/>
-                <a:ea typeface="Century Gothic"/>
-                <a:cs typeface="Century Gothic"/>
-                <a:sym typeface="Century Gothic"/>
-              </a:rPr>
-              <a:t>The data contains different attributes of customers’ loan and credit details. The detailed data dictionary is given below:</a:t>
-            </a:r>
-            <a:endParaRPr/>
-          </a:p>
-          <a:p>
-            <a:pPr marL="457200" lvl="0" indent="-304800" algn="l" rtl="0">
+            <a:pPr marL="457200" lvl="0" indent="-228600" algn="l" rtl="0">
               <a:lnSpc>
                 <a:spcPct val="150000"/>
               </a:lnSpc>
@@ -36880,250 +42042,6 @@
               </a:buClr>
               <a:buSzPts val="1200"/>
               <a:buFont typeface="Century Gothic"/>
-              <a:buChar char="●"/>
-            </a:pPr>
-            <a:r>
-              <a:rPr lang="en-US" sz="1200">
-                <a:solidFill>
-                  <a:schemeClr val="dk1"/>
-                </a:solidFill>
-                <a:latin typeface="Century Gothic"/>
-                <a:ea typeface="Century Gothic"/>
-                <a:cs typeface="Century Gothic"/>
-                <a:sym typeface="Century Gothic"/>
-              </a:rPr>
-              <a:t>BAD: Whether the client defaulted on the loan (0 = No, 1 = Yes)</a:t>
-            </a:r>
-            <a:endParaRPr/>
-          </a:p>
-          <a:p>
-            <a:pPr marL="457200" lvl="0" indent="-304800" algn="l" rtl="0">
-              <a:lnSpc>
-                <a:spcPct val="150000"/>
-              </a:lnSpc>
-              <a:spcBef>
-                <a:spcPts val="1000"/>
-              </a:spcBef>
-              <a:spcAft>
-                <a:spcPts val="0"/>
-              </a:spcAft>
-              <a:buClr>
-                <a:schemeClr val="dk1"/>
-              </a:buClr>
-              <a:buSzPts val="1200"/>
-              <a:buFont typeface="Century Gothic"/>
-              <a:buChar char="●"/>
-            </a:pPr>
-            <a:r>
-              <a:rPr lang="en-US" sz="1200">
-                <a:solidFill>
-                  <a:schemeClr val="dk1"/>
-                </a:solidFill>
-                <a:latin typeface="Century Gothic"/>
-                <a:ea typeface="Century Gothic"/>
-                <a:cs typeface="Century Gothic"/>
-                <a:sym typeface="Century Gothic"/>
-              </a:rPr>
-              <a:t>LOAN: Amount of loan approved</a:t>
-            </a:r>
-            <a:endParaRPr/>
-          </a:p>
-          <a:p>
-            <a:pPr marL="457200" lvl="0" indent="-304800" algn="l" rtl="0">
-              <a:lnSpc>
-                <a:spcPct val="150000"/>
-              </a:lnSpc>
-              <a:spcBef>
-                <a:spcPts val="1000"/>
-              </a:spcBef>
-              <a:spcAft>
-                <a:spcPts val="0"/>
-              </a:spcAft>
-              <a:buClr>
-                <a:schemeClr val="dk1"/>
-              </a:buClr>
-              <a:buSzPts val="1200"/>
-              <a:buFont typeface="Century Gothic"/>
-              <a:buChar char="●"/>
-            </a:pPr>
-            <a:r>
-              <a:rPr lang="en-US" sz="1200">
-                <a:solidFill>
-                  <a:schemeClr val="dk1"/>
-                </a:solidFill>
-                <a:latin typeface="Century Gothic"/>
-                <a:ea typeface="Century Gothic"/>
-                <a:cs typeface="Century Gothic"/>
-                <a:sym typeface="Century Gothic"/>
-              </a:rPr>
-              <a:t>MORTDUE: Amount due on the existing mortgage</a:t>
-            </a:r>
-            <a:endParaRPr/>
-          </a:p>
-          <a:p>
-            <a:pPr marL="457200" lvl="0" indent="-304800" algn="l" rtl="0">
-              <a:lnSpc>
-                <a:spcPct val="150000"/>
-              </a:lnSpc>
-              <a:spcBef>
-                <a:spcPts val="1000"/>
-              </a:spcBef>
-              <a:spcAft>
-                <a:spcPts val="0"/>
-              </a:spcAft>
-              <a:buClr>
-                <a:schemeClr val="dk1"/>
-              </a:buClr>
-              <a:buSzPts val="1200"/>
-              <a:buFont typeface="Century Gothic"/>
-              <a:buChar char="●"/>
-            </a:pPr>
-            <a:r>
-              <a:rPr lang="en-US" sz="1200">
-                <a:solidFill>
-                  <a:schemeClr val="dk1"/>
-                </a:solidFill>
-                <a:latin typeface="Century Gothic"/>
-                <a:ea typeface="Century Gothic"/>
-                <a:cs typeface="Century Gothic"/>
-                <a:sym typeface="Century Gothic"/>
-              </a:rPr>
-              <a:t>VALUE: Current value of the property</a:t>
-            </a:r>
-            <a:endParaRPr/>
-          </a:p>
-          <a:p>
-            <a:pPr marL="457200" lvl="0" indent="-304800" algn="l" rtl="0">
-              <a:lnSpc>
-                <a:spcPct val="150000"/>
-              </a:lnSpc>
-              <a:spcBef>
-                <a:spcPts val="1000"/>
-              </a:spcBef>
-              <a:spcAft>
-                <a:spcPts val="0"/>
-              </a:spcAft>
-              <a:buClr>
-                <a:schemeClr val="dk1"/>
-              </a:buClr>
-              <a:buSzPts val="1200"/>
-              <a:buFont typeface="Century Gothic"/>
-              <a:buChar char="●"/>
-            </a:pPr>
-            <a:r>
-              <a:rPr lang="en-US" sz="1200">
-                <a:solidFill>
-                  <a:schemeClr val="dk1"/>
-                </a:solidFill>
-                <a:latin typeface="Century Gothic"/>
-                <a:ea typeface="Century Gothic"/>
-                <a:cs typeface="Century Gothic"/>
-                <a:sym typeface="Century Gothic"/>
-              </a:rPr>
-              <a:t>REASON: Reason for the loan request (HomeImp = Home Improvement, DebtCon = Debt Consolidation)</a:t>
-            </a:r>
-            <a:endParaRPr/>
-          </a:p>
-          <a:p>
-            <a:pPr marL="457200" lvl="0" indent="-304800" algn="l" rtl="0">
-              <a:lnSpc>
-                <a:spcPct val="150000"/>
-              </a:lnSpc>
-              <a:spcBef>
-                <a:spcPts val="1000"/>
-              </a:spcBef>
-              <a:spcAft>
-                <a:spcPts val="0"/>
-              </a:spcAft>
-              <a:buClr>
-                <a:schemeClr val="dk1"/>
-              </a:buClr>
-              <a:buSzPts val="1200"/>
-              <a:buFont typeface="Century Gothic"/>
-              <a:buChar char="●"/>
-            </a:pPr>
-            <a:r>
-              <a:rPr lang="en-US" sz="1200">
-                <a:solidFill>
-                  <a:schemeClr val="dk1"/>
-                </a:solidFill>
-                <a:latin typeface="Century Gothic"/>
-                <a:ea typeface="Century Gothic"/>
-                <a:cs typeface="Century Gothic"/>
-                <a:sym typeface="Century Gothic"/>
-              </a:rPr>
-              <a:t>JOB: Type of job the applicant has (e.g., Manager, Self-employed)</a:t>
-            </a:r>
-            <a:endParaRPr/>
-          </a:p>
-          <a:p>
-            <a:pPr marL="457200" lvl="0" indent="-304800" algn="l" rtl="0">
-              <a:lnSpc>
-                <a:spcPct val="150000"/>
-              </a:lnSpc>
-              <a:spcBef>
-                <a:spcPts val="1000"/>
-              </a:spcBef>
-              <a:spcAft>
-                <a:spcPts val="0"/>
-              </a:spcAft>
-              <a:buClr>
-                <a:schemeClr val="dk1"/>
-              </a:buClr>
-              <a:buSzPts val="1200"/>
-              <a:buFont typeface="Century Gothic"/>
-              <a:buChar char="●"/>
-            </a:pPr>
-            <a:r>
-              <a:rPr lang="en-US" sz="1200">
-                <a:solidFill>
-                  <a:schemeClr val="dk1"/>
-                </a:solidFill>
-                <a:latin typeface="Century Gothic"/>
-                <a:ea typeface="Century Gothic"/>
-                <a:cs typeface="Century Gothic"/>
-                <a:sym typeface="Century Gothic"/>
-              </a:rPr>
-              <a:t>YOJ: Years at present job</a:t>
-            </a:r>
-            <a:endParaRPr/>
-          </a:p>
-          <a:p>
-            <a:pPr marL="457200" lvl="0" indent="0" algn="l" rtl="0">
-              <a:lnSpc>
-                <a:spcPct val="150000"/>
-              </a:lnSpc>
-              <a:spcBef>
-                <a:spcPts val="1000"/>
-              </a:spcBef>
-              <a:spcAft>
-                <a:spcPts val="0"/>
-              </a:spcAft>
-              <a:buSzPts val="1500"/>
-              <a:buNone/>
-            </a:pPr>
-            <a:endParaRPr sz="1400">
-              <a:solidFill>
-                <a:schemeClr val="dk1"/>
-              </a:solidFill>
-              <a:latin typeface="Century Gothic"/>
-              <a:ea typeface="Century Gothic"/>
-              <a:cs typeface="Century Gothic"/>
-              <a:sym typeface="Century Gothic"/>
-            </a:endParaRPr>
-          </a:p>
-          <a:p>
-            <a:pPr marL="0" lvl="0" indent="0" algn="l" rtl="0">
-              <a:lnSpc>
-                <a:spcPct val="150000"/>
-              </a:lnSpc>
-              <a:spcBef>
-                <a:spcPts val="1000"/>
-              </a:spcBef>
-              <a:spcAft>
-                <a:spcPts val="0"/>
-              </a:spcAft>
-              <a:buSzPts val="1500"/>
               <a:buNone/>
             </a:pPr>
             <a:endParaRPr sz="1200">
@@ -37137,7 +42055,7 @@
             </a:endParaRPr>
           </a:p>
           <a:p>
-            <a:pPr marL="457200" lvl="0" indent="0" algn="l" rtl="0">
+            <a:pPr marL="457200" lvl="0" indent="-304800" algn="l" rtl="0">
               <a:lnSpc>
                 <a:spcPct val="150000"/>
               </a:lnSpc>
@@ -37145,9 +42063,205 @@
                 <a:spcPts val="1000"/>
               </a:spcBef>
               <a:spcAft>
+                <a:spcPts val="0"/>
+              </a:spcAft>
+              <a:buClr>
+                <a:schemeClr val="dk1"/>
+              </a:buClr>
+              <a:buSzPts val="1200"/>
+              <a:buFont typeface="Century Gothic"/>
+              <a:buChar char="●"/>
+            </a:pPr>
+            <a:r>
+              <a:rPr lang="en-US" sz="1200">
+                <a:solidFill>
+                  <a:schemeClr val="dk1"/>
+                </a:solidFill>
+                <a:latin typeface="Century Gothic"/>
+                <a:ea typeface="Century Gothic"/>
+                <a:cs typeface="Century Gothic"/>
+                <a:sym typeface="Century Gothic"/>
+              </a:rPr>
+              <a:t>DEROG: Number of major derogatory reports (serious delinquency/late payments)</a:t>
+            </a:r>
+            <a:endParaRPr/>
+          </a:p>
+          <a:p>
+            <a:pPr marL="457200" lvl="0" indent="-304800" algn="l" rtl="0">
+              <a:lnSpc>
+                <a:spcPct val="150000"/>
+              </a:lnSpc>
+              <a:spcBef>
                 <a:spcPts val="1000"/>
-              </a:spcAft>
-              <a:buSzPts val="1500"/>
+              </a:spcBef>
+              <a:spcAft>
+                <a:spcPts val="0"/>
+              </a:spcAft>
+              <a:buClr>
+                <a:schemeClr val="dk1"/>
+              </a:buClr>
+              <a:buSzPts val="1200"/>
+              <a:buFont typeface="Century Gothic"/>
+              <a:buChar char="●"/>
+            </a:pPr>
+            <a:r>
+              <a:rPr lang="en-US" sz="1200">
+                <a:solidFill>
+                  <a:schemeClr val="dk1"/>
+                </a:solidFill>
+                <a:latin typeface="Century Gothic"/>
+                <a:ea typeface="Century Gothic"/>
+                <a:cs typeface="Century Gothic"/>
+                <a:sym typeface="Century Gothic"/>
+              </a:rPr>
+              <a:t>DELINQ: Number of delinquent credit lines (past due payments)</a:t>
+            </a:r>
+            <a:endParaRPr/>
+          </a:p>
+          <a:p>
+            <a:pPr marL="457200" lvl="0" indent="-304800" algn="l" rtl="0">
+              <a:lnSpc>
+                <a:spcPct val="150000"/>
+              </a:lnSpc>
+              <a:spcBef>
+                <a:spcPts val="1000"/>
+              </a:spcBef>
+              <a:spcAft>
+                <a:spcPts val="0"/>
+              </a:spcAft>
+              <a:buClr>
+                <a:schemeClr val="dk1"/>
+              </a:buClr>
+              <a:buSzPts val="1200"/>
+              <a:buFont typeface="Century Gothic"/>
+              <a:buChar char="●"/>
+            </a:pPr>
+            <a:r>
+              <a:rPr lang="en-US" sz="1200">
+                <a:solidFill>
+                  <a:schemeClr val="dk1"/>
+                </a:solidFill>
+                <a:latin typeface="Century Gothic"/>
+                <a:ea typeface="Century Gothic"/>
+                <a:cs typeface="Century Gothic"/>
+                <a:sym typeface="Century Gothic"/>
+              </a:rPr>
+              <a:t>CLAGE: Age of the oldest credit line in months</a:t>
+            </a:r>
+            <a:endParaRPr/>
+          </a:p>
+          <a:p>
+            <a:pPr marL="457200" lvl="0" indent="-304800" algn="l" rtl="0">
+              <a:lnSpc>
+                <a:spcPct val="150000"/>
+              </a:lnSpc>
+              <a:spcBef>
+                <a:spcPts val="1000"/>
+              </a:spcBef>
+              <a:spcAft>
+                <a:spcPts val="0"/>
+              </a:spcAft>
+              <a:buClr>
+                <a:schemeClr val="dk1"/>
+              </a:buClr>
+              <a:buSzPts val="1200"/>
+              <a:buFont typeface="Century Gothic"/>
+              <a:buChar char="●"/>
+            </a:pPr>
+            <a:r>
+              <a:rPr lang="en-US" sz="1200">
+                <a:solidFill>
+                  <a:schemeClr val="dk1"/>
+                </a:solidFill>
+                <a:latin typeface="Century Gothic"/>
+                <a:ea typeface="Century Gothic"/>
+                <a:cs typeface="Century Gothic"/>
+                <a:sym typeface="Century Gothic"/>
+              </a:rPr>
+              <a:t>NINQ: Number of recent credit inquiries</a:t>
+            </a:r>
+            <a:endParaRPr/>
+          </a:p>
+          <a:p>
+            <a:pPr marL="457200" lvl="0" indent="-304800" algn="l" rtl="0">
+              <a:lnSpc>
+                <a:spcPct val="150000"/>
+              </a:lnSpc>
+              <a:spcBef>
+                <a:spcPts val="1000"/>
+              </a:spcBef>
+              <a:spcAft>
+                <a:spcPts val="0"/>
+              </a:spcAft>
+              <a:buClr>
+                <a:schemeClr val="dk1"/>
+              </a:buClr>
+              <a:buSzPts val="1200"/>
+              <a:buFont typeface="Century Gothic"/>
+              <a:buChar char="●"/>
+            </a:pPr>
+            <a:r>
+              <a:rPr lang="en-US" sz="1200">
+                <a:solidFill>
+                  <a:schemeClr val="dk1"/>
+                </a:solidFill>
+                <a:latin typeface="Century Gothic"/>
+                <a:ea typeface="Century Gothic"/>
+                <a:cs typeface="Century Gothic"/>
+                <a:sym typeface="Century Gothic"/>
+              </a:rPr>
+              <a:t>CLNO: Number of existing credit lines</a:t>
+            </a:r>
+            <a:endParaRPr/>
+          </a:p>
+          <a:p>
+            <a:pPr marL="457200" lvl="0" indent="-304800" algn="l" rtl="0">
+              <a:lnSpc>
+                <a:spcPct val="150000"/>
+              </a:lnSpc>
+              <a:spcBef>
+                <a:spcPts val="1000"/>
+              </a:spcBef>
+              <a:spcAft>
+                <a:spcPts val="0"/>
+              </a:spcAft>
+              <a:buClr>
+                <a:schemeClr val="dk1"/>
+              </a:buClr>
+              <a:buSzPts val="1200"/>
+              <a:buFont typeface="Century Gothic"/>
+              <a:buChar char="●"/>
+            </a:pPr>
+            <a:r>
+              <a:rPr lang="en-US" sz="1200">
+                <a:solidFill>
+                  <a:schemeClr val="dk1"/>
+                </a:solidFill>
+                <a:latin typeface="Century Gothic"/>
+                <a:ea typeface="Century Gothic"/>
+                <a:cs typeface="Century Gothic"/>
+                <a:sym typeface="Century Gothic"/>
+              </a:rPr>
+              <a:t>DEBTINC: Debt-to-income ratio (all monthly debt payments divided by gross monthly income)</a:t>
+            </a:r>
+            <a:endParaRPr/>
+          </a:p>
+          <a:p>
+            <a:pPr marL="914400" lvl="0" indent="-228600" algn="l" rtl="0">
+              <a:lnSpc>
+                <a:spcPct val="115000"/>
+              </a:lnSpc>
+              <a:spcBef>
+                <a:spcPts val="1000"/>
+              </a:spcBef>
+              <a:spcAft>
+                <a:spcPts val="0"/>
+              </a:spcAft>
+              <a:buClr>
+                <a:srgbClr val="2D3B45"/>
+              </a:buClr>
+              <a:buSzPts val="1200"/>
+              <a:buFont typeface="Century Gothic"/>
               <a:buNone/>
             </a:pPr>
             <a:endParaRPr sz="1200">
@@ -37167,7 +42281,7 @@
           <p:cNvPr id="2" name="Slide Number Placeholder 1">
             <a:extLst>
               <a:ext uri="{FF2B5EF4-FFF2-40B4-BE49-F238E27FC236}">
-                <a16:creationId xmlns:a16="http://schemas.microsoft.com/office/drawing/2014/main" id="{80F3270F-F59E-CE2A-6CB2-BFABCD8F2545}"/>
+                <a16:creationId xmlns:a16="http://schemas.microsoft.com/office/drawing/2014/main" id="{CC5786F4-E255-FBF4-D23D-7D139A55AF1F}"/>
               </a:ext>
             </a:extLst>
           </p:cNvPr>
@@ -37194,7 +42308,7 @@
             </a:pPr>
             <a:fld id="{00000000-1234-1234-1234-123412341234}" type="slidenum">
               <a:rPr lang="en-US" smtClean="0"/>
-              <a:t>3</a:t>
+              <a:t>4</a:t>
             </a:fld>
             <a:endParaRPr lang="en-US"/>
           </a:p>
@@ -37208,7 +42322,7 @@
 </p:sld>
 </file>
 
-<file path=ppt/slides/slide30.xml><?xml version="1.0" encoding="utf-8"?>
+<file path=ppt/slides/slide40.xml><?xml version="1.0" encoding="utf-8"?>
 <p:sld xmlns:a="http://schemas.openxmlformats.org/drawingml/2006/main" xmlns:r="http://schemas.openxmlformats.org/officeDocument/2006/relationships" xmlns:p="http://schemas.openxmlformats.org/presentationml/2006/main">
   <p:cSld>
     <p:spTree>
@@ -37887,7 +43001,7 @@
             </a:pPr>
             <a:fld id="{00000000-1234-1234-1234-123412341234}" type="slidenum">
               <a:rPr lang="en-US" smtClean="0"/>
-              <a:t>30</a:t>
+              <a:t>40</a:t>
             </a:fld>
             <a:endParaRPr lang="en-US"/>
           </a:p>
@@ -37901,7 +43015,7 @@
 </p:sld>
 </file>
 
-<file path=ppt/slides/slide31.xml><?xml version="1.0" encoding="utf-8"?>
+<file path=ppt/slides/slide41.xml><?xml version="1.0" encoding="utf-8"?>
 <p:sld xmlns:a="http://schemas.openxmlformats.org/drawingml/2006/main" xmlns:r="http://schemas.openxmlformats.org/officeDocument/2006/relationships" xmlns:p="http://schemas.openxmlformats.org/presentationml/2006/main">
   <p:cSld>
     <p:spTree>
@@ -38580,7 +43694,7 @@
             </a:pPr>
             <a:fld id="{00000000-1234-1234-1234-123412341234}" type="slidenum">
               <a:rPr lang="en-US" smtClean="0"/>
-              <a:t>31</a:t>
+              <a:t>41</a:t>
             </a:fld>
             <a:endParaRPr lang="en-US"/>
           </a:p>
@@ -38594,7 +43708,7 @@
 </p:sld>
 </file>
 
-<file path=ppt/slides/slide32.xml><?xml version="1.0" encoding="utf-8"?>
+<file path=ppt/slides/slide42.xml><?xml version="1.0" encoding="utf-8"?>
 <p:sld xmlns:a="http://schemas.openxmlformats.org/drawingml/2006/main" xmlns:r="http://schemas.openxmlformats.org/officeDocument/2006/relationships" xmlns:p="http://schemas.openxmlformats.org/presentationml/2006/main">
   <p:cSld>
     <p:spTree>
@@ -39363,7 +44477,7 @@
             </a:pPr>
             <a:fld id="{00000000-1234-1234-1234-123412341234}" type="slidenum">
               <a:rPr lang="en-US" smtClean="0"/>
-              <a:t>32</a:t>
+              <a:t>42</a:t>
             </a:fld>
             <a:endParaRPr lang="en-US"/>
           </a:p>
@@ -39377,7 +44491,7 @@
 </p:sld>
 </file>
 
-<file path=ppt/slides/slide33.xml><?xml version="1.0" encoding="utf-8"?>
+<file path=ppt/slides/slide43.xml><?xml version="1.0" encoding="utf-8"?>
 <p:sld xmlns:a="http://schemas.openxmlformats.org/drawingml/2006/main" xmlns:r="http://schemas.openxmlformats.org/officeDocument/2006/relationships" xmlns:p="http://schemas.openxmlformats.org/presentationml/2006/main">
   <p:cSld>
     <p:spTree>
@@ -40850,7 +45964,7 @@
             </a:pPr>
             <a:fld id="{00000000-1234-1234-1234-123412341234}" type="slidenum">
               <a:rPr lang="en-US" smtClean="0"/>
-              <a:t>33</a:t>
+              <a:t>43</a:t>
             </a:fld>
             <a:endParaRPr lang="en-US"/>
           </a:p>
@@ -40864,7 +45978,7 @@
 </p:sld>
 </file>
 
-<file path=ppt/slides/slide34.xml><?xml version="1.0" encoding="utf-8"?>
+<file path=ppt/slides/slide44.xml><?xml version="1.0" encoding="utf-8"?>
 <p:sld xmlns:a="http://schemas.openxmlformats.org/drawingml/2006/main" xmlns:r="http://schemas.openxmlformats.org/officeDocument/2006/relationships" xmlns:p="http://schemas.openxmlformats.org/presentationml/2006/main">
   <p:cSld>
     <p:spTree>
@@ -41049,7 +46163,7 @@
             </a:pPr>
             <a:fld id="{00000000-1234-1234-1234-123412341234}" type="slidenum">
               <a:rPr lang="en-US" smtClean="0"/>
-              <a:t>34</a:t>
+              <a:t>44</a:t>
             </a:fld>
             <a:endParaRPr lang="en-US"/>
           </a:p>
@@ -41063,7 +46177,7 @@
 </p:sld>
 </file>
 
-<file path=ppt/slides/slide35.xml><?xml version="1.0" encoding="utf-8"?>
+<file path=ppt/slides/slide45.xml><?xml version="1.0" encoding="utf-8"?>
 <p:sld xmlns:a="http://schemas.openxmlformats.org/drawingml/2006/main" xmlns:r="http://schemas.openxmlformats.org/officeDocument/2006/relationships" xmlns:p="http://schemas.openxmlformats.org/presentationml/2006/main">
   <p:cSld>
     <p:spTree>
@@ -41156,7 +46270,7 @@
 </p:sld>
 </file>
 
-<file path=ppt/slides/slide36.xml><?xml version="1.0" encoding="utf-8"?>
+<file path=ppt/slides/slide46.xml><?xml version="1.0" encoding="utf-8"?>
 <p:sld xmlns:a="http://schemas.openxmlformats.org/drawingml/2006/main" xmlns:r="http://schemas.openxmlformats.org/officeDocument/2006/relationships" xmlns:p="http://schemas.openxmlformats.org/presentationml/2006/main">
   <p:cSld>
     <p:spTree>
@@ -41341,7 +46455,7 @@
             </a:pPr>
             <a:fld id="{00000000-1234-1234-1234-123412341234}" type="slidenum">
               <a:rPr lang="en-US" smtClean="0"/>
-              <a:t>36</a:t>
+              <a:t>46</a:t>
             </a:fld>
             <a:endParaRPr lang="en-US"/>
           </a:p>
@@ -41355,7 +46469,7 @@
 </p:sld>
 </file>
 
-<file path=ppt/slides/slide37.xml><?xml version="1.0" encoding="utf-8"?>
+<file path=ppt/slides/slide47.xml><?xml version="1.0" encoding="utf-8"?>
 <p:sld xmlns:a="http://schemas.openxmlformats.org/drawingml/2006/main" xmlns:r="http://schemas.openxmlformats.org/officeDocument/2006/relationships" xmlns:p="http://schemas.openxmlformats.org/presentationml/2006/main">
   <p:cSld>
     <p:spTree>
@@ -41462,416 +46576,9 @@
             </a:pPr>
             <a:fld id="{00000000-1234-1234-1234-123412341234}" type="slidenum">
               <a:rPr lang="en-US"/>
-              <a:t>37</a:t>
+              <a:t>47</a:t>
             </a:fld>
             <a:endParaRPr/>
-          </a:p>
-        </p:txBody>
-      </p:sp>
-    </p:spTree>
-  </p:cSld>
-  <p:clrMapOvr>
-    <a:masterClrMapping/>
-  </p:clrMapOvr>
-</p:sld>
-</file>
-
-<file path=ppt/slides/slide4.xml><?xml version="1.0" encoding="utf-8"?>
-<p:sld xmlns:a="http://schemas.openxmlformats.org/drawingml/2006/main" xmlns:r="http://schemas.openxmlformats.org/officeDocument/2006/relationships" xmlns:p="http://schemas.openxmlformats.org/presentationml/2006/main">
-  <p:cSld>
-    <p:spTree>
-      <p:nvGrpSpPr>
-        <p:cNvPr id="1" name="Shape 169"/>
-        <p:cNvGrpSpPr/>
-        <p:nvPr/>
-      </p:nvGrpSpPr>
-      <p:grpSpPr>
-        <a:xfrm>
-          <a:off x="0" y="0"/>
-          <a:ext cx="0" cy="0"/>
-          <a:chOff x="0" y="0"/>
-          <a:chExt cx="0" cy="0"/>
-        </a:xfrm>
-      </p:grpSpPr>
-      <p:sp>
-        <p:nvSpPr>
-          <p:cNvPr id="170" name="Google Shape;170;p37"/>
-          <p:cNvSpPr txBox="1">
-            <a:spLocks noGrp="1"/>
-          </p:cNvSpPr>
-          <p:nvPr>
-            <p:ph type="title"/>
-          </p:nvPr>
-        </p:nvSpPr>
-        <p:spPr>
-          <a:xfrm>
-            <a:off x="202550" y="289279"/>
-            <a:ext cx="8520600" cy="572700"/>
-          </a:xfrm>
-          <a:prstGeom prst="rect">
-            <a:avLst/>
-          </a:prstGeom>
-          <a:noFill/>
-          <a:ln>
-            <a:noFill/>
-          </a:ln>
-        </p:spPr>
-        <p:txBody>
-          <a:bodyPr spcFirstLastPara="1" wrap="square" lIns="91425" tIns="91425" rIns="91425" bIns="91425" anchor="t" anchorCtr="0">
-            <a:noAutofit/>
-          </a:bodyPr>
-          <a:lstStyle/>
-          <a:p>
-            <a:pPr marL="0" lvl="0" indent="0" algn="l" rtl="0">
-              <a:lnSpc>
-                <a:spcPct val="100000"/>
-              </a:lnSpc>
-              <a:spcBef>
-                <a:spcPts val="0"/>
-              </a:spcBef>
-              <a:spcAft>
-                <a:spcPts val="0"/>
-              </a:spcAft>
-              <a:buSzPts val="2200"/>
-              <a:buNone/>
-            </a:pPr>
-            <a:r>
-              <a:rPr lang="en-US">
-                <a:solidFill>
-                  <a:schemeClr val="lt2"/>
-                </a:solidFill>
-                <a:latin typeface="Century Gothic"/>
-                <a:ea typeface="Century Gothic"/>
-                <a:cs typeface="Century Gothic"/>
-                <a:sym typeface="Century Gothic"/>
-              </a:rPr>
-              <a:t>Data Dictionary</a:t>
-            </a:r>
-            <a:endParaRPr>
-              <a:solidFill>
-                <a:schemeClr val="lt2"/>
-              </a:solidFill>
-              <a:latin typeface="Century Gothic"/>
-              <a:ea typeface="Century Gothic"/>
-              <a:cs typeface="Century Gothic"/>
-              <a:sym typeface="Century Gothic"/>
-            </a:endParaRPr>
-          </a:p>
-        </p:txBody>
-      </p:sp>
-      <p:sp>
-        <p:nvSpPr>
-          <p:cNvPr id="171" name="Google Shape;171;p37"/>
-          <p:cNvSpPr txBox="1">
-            <a:spLocks noGrp="1"/>
-          </p:cNvSpPr>
-          <p:nvPr>
-            <p:ph type="body" idx="1"/>
-          </p:nvPr>
-        </p:nvSpPr>
-        <p:spPr>
-          <a:xfrm>
-            <a:off x="311750" y="861975"/>
-            <a:ext cx="8520600" cy="3706800"/>
-          </a:xfrm>
-          <a:prstGeom prst="rect">
-            <a:avLst/>
-          </a:prstGeom>
-          <a:noFill/>
-          <a:ln>
-            <a:noFill/>
-          </a:ln>
-        </p:spPr>
-        <p:txBody>
-          <a:bodyPr spcFirstLastPara="1" wrap="square" lIns="91425" tIns="91425" rIns="91425" bIns="91425" anchor="t" anchorCtr="0">
-            <a:noAutofit/>
-          </a:bodyPr>
-          <a:lstStyle/>
-          <a:p>
-            <a:pPr marL="457200" lvl="0" indent="-228600" algn="l" rtl="0">
-              <a:lnSpc>
-                <a:spcPct val="150000"/>
-              </a:lnSpc>
-              <a:spcBef>
-                <a:spcPts val="1000"/>
-              </a:spcBef>
-              <a:spcAft>
-                <a:spcPts val="0"/>
-              </a:spcAft>
-              <a:buClr>
-                <a:schemeClr val="dk1"/>
-              </a:buClr>
-              <a:buSzPts val="1200"/>
-              <a:buFont typeface="Century Gothic"/>
-              <a:buNone/>
-            </a:pPr>
-            <a:endParaRPr sz="1200">
-              <a:solidFill>
-                <a:schemeClr val="dk1"/>
-              </a:solidFill>
-              <a:latin typeface="Century Gothic"/>
-              <a:ea typeface="Century Gothic"/>
-              <a:cs typeface="Century Gothic"/>
-              <a:sym typeface="Century Gothic"/>
-            </a:endParaRPr>
-          </a:p>
-          <a:p>
-            <a:pPr marL="457200" lvl="0" indent="-304800" algn="l" rtl="0">
-              <a:lnSpc>
-                <a:spcPct val="150000"/>
-              </a:lnSpc>
-              <a:spcBef>
-                <a:spcPts val="1000"/>
-              </a:spcBef>
-              <a:spcAft>
-                <a:spcPts val="0"/>
-              </a:spcAft>
-              <a:buClr>
-                <a:schemeClr val="dk1"/>
-              </a:buClr>
-              <a:buSzPts val="1200"/>
-              <a:buFont typeface="Century Gothic"/>
-              <a:buChar char="●"/>
-            </a:pPr>
-            <a:r>
-              <a:rPr lang="en-US" sz="1200">
-                <a:solidFill>
-                  <a:schemeClr val="dk1"/>
-                </a:solidFill>
-                <a:latin typeface="Century Gothic"/>
-                <a:ea typeface="Century Gothic"/>
-                <a:cs typeface="Century Gothic"/>
-                <a:sym typeface="Century Gothic"/>
-              </a:rPr>
-              <a:t>DEROG: Number of major derogatory reports (serious delinquency/late payments)</a:t>
-            </a:r>
-            <a:endParaRPr/>
-          </a:p>
-          <a:p>
-            <a:pPr marL="457200" lvl="0" indent="-304800" algn="l" rtl="0">
-              <a:lnSpc>
-                <a:spcPct val="150000"/>
-              </a:lnSpc>
-              <a:spcBef>
-                <a:spcPts val="1000"/>
-              </a:spcBef>
-              <a:spcAft>
-                <a:spcPts val="0"/>
-              </a:spcAft>
-              <a:buClr>
-                <a:schemeClr val="dk1"/>
-              </a:buClr>
-              <a:buSzPts val="1200"/>
-              <a:buFont typeface="Century Gothic"/>
-              <a:buChar char="●"/>
-            </a:pPr>
-            <a:r>
-              <a:rPr lang="en-US" sz="1200">
-                <a:solidFill>
-                  <a:schemeClr val="dk1"/>
-                </a:solidFill>
-                <a:latin typeface="Century Gothic"/>
-                <a:ea typeface="Century Gothic"/>
-                <a:cs typeface="Century Gothic"/>
-                <a:sym typeface="Century Gothic"/>
-              </a:rPr>
-              <a:t>DELINQ: Number of delinquent credit lines (past due payments)</a:t>
-            </a:r>
-            <a:endParaRPr/>
-          </a:p>
-          <a:p>
-            <a:pPr marL="457200" lvl="0" indent="-304800" algn="l" rtl="0">
-              <a:lnSpc>
-                <a:spcPct val="150000"/>
-              </a:lnSpc>
-              <a:spcBef>
-                <a:spcPts val="1000"/>
-              </a:spcBef>
-              <a:spcAft>
-                <a:spcPts val="0"/>
-              </a:spcAft>
-              <a:buClr>
-                <a:schemeClr val="dk1"/>
-              </a:buClr>
-              <a:buSzPts val="1200"/>
-              <a:buFont typeface="Century Gothic"/>
-              <a:buChar char="●"/>
-            </a:pPr>
-            <a:r>
-              <a:rPr lang="en-US" sz="1200">
-                <a:solidFill>
-                  <a:schemeClr val="dk1"/>
-                </a:solidFill>
-                <a:latin typeface="Century Gothic"/>
-                <a:ea typeface="Century Gothic"/>
-                <a:cs typeface="Century Gothic"/>
-                <a:sym typeface="Century Gothic"/>
-              </a:rPr>
-              <a:t>CLAGE: Age of the oldest credit line in months</a:t>
-            </a:r>
-            <a:endParaRPr/>
-          </a:p>
-          <a:p>
-            <a:pPr marL="457200" lvl="0" indent="-304800" algn="l" rtl="0">
-              <a:lnSpc>
-                <a:spcPct val="150000"/>
-              </a:lnSpc>
-              <a:spcBef>
-                <a:spcPts val="1000"/>
-              </a:spcBef>
-              <a:spcAft>
-                <a:spcPts val="0"/>
-              </a:spcAft>
-              <a:buClr>
-                <a:schemeClr val="dk1"/>
-              </a:buClr>
-              <a:buSzPts val="1200"/>
-              <a:buFont typeface="Century Gothic"/>
-              <a:buChar char="●"/>
-            </a:pPr>
-            <a:r>
-              <a:rPr lang="en-US" sz="1200">
-                <a:solidFill>
-                  <a:schemeClr val="dk1"/>
-                </a:solidFill>
-                <a:latin typeface="Century Gothic"/>
-                <a:ea typeface="Century Gothic"/>
-                <a:cs typeface="Century Gothic"/>
-                <a:sym typeface="Century Gothic"/>
-              </a:rPr>
-              <a:t>NINQ: Number of recent credit inquiries</a:t>
-            </a:r>
-            <a:endParaRPr/>
-          </a:p>
-          <a:p>
-            <a:pPr marL="457200" lvl="0" indent="-304800" algn="l" rtl="0">
-              <a:lnSpc>
-                <a:spcPct val="150000"/>
-              </a:lnSpc>
-              <a:spcBef>
-                <a:spcPts val="1000"/>
-              </a:spcBef>
-              <a:spcAft>
-                <a:spcPts val="0"/>
-              </a:spcAft>
-              <a:buClr>
-                <a:schemeClr val="dk1"/>
-              </a:buClr>
-              <a:buSzPts val="1200"/>
-              <a:buFont typeface="Century Gothic"/>
-              <a:buChar char="●"/>
-            </a:pPr>
-            <a:r>
-              <a:rPr lang="en-US" sz="1200">
-                <a:solidFill>
-                  <a:schemeClr val="dk1"/>
-                </a:solidFill>
-                <a:latin typeface="Century Gothic"/>
-                <a:ea typeface="Century Gothic"/>
-                <a:cs typeface="Century Gothic"/>
-                <a:sym typeface="Century Gothic"/>
-              </a:rPr>
-              <a:t>CLNO: Number of existing credit lines</a:t>
-            </a:r>
-            <a:endParaRPr/>
-          </a:p>
-          <a:p>
-            <a:pPr marL="457200" lvl="0" indent="-304800" algn="l" rtl="0">
-              <a:lnSpc>
-                <a:spcPct val="150000"/>
-              </a:lnSpc>
-              <a:spcBef>
-                <a:spcPts val="1000"/>
-              </a:spcBef>
-              <a:spcAft>
-                <a:spcPts val="0"/>
-              </a:spcAft>
-              <a:buClr>
-                <a:schemeClr val="dk1"/>
-              </a:buClr>
-              <a:buSzPts val="1200"/>
-              <a:buFont typeface="Century Gothic"/>
-              <a:buChar char="●"/>
-            </a:pPr>
-            <a:r>
-              <a:rPr lang="en-US" sz="1200">
-                <a:solidFill>
-                  <a:schemeClr val="dk1"/>
-                </a:solidFill>
-                <a:latin typeface="Century Gothic"/>
-                <a:ea typeface="Century Gothic"/>
-                <a:cs typeface="Century Gothic"/>
-                <a:sym typeface="Century Gothic"/>
-              </a:rPr>
-              <a:t>DEBTINC: Debt-to-income ratio (all monthly debt payments divided by gross monthly income)</a:t>
-            </a:r>
-            <a:endParaRPr/>
-          </a:p>
-          <a:p>
-            <a:pPr marL="914400" lvl="0" indent="-228600" algn="l" rtl="0">
-              <a:lnSpc>
-                <a:spcPct val="115000"/>
-              </a:lnSpc>
-              <a:spcBef>
-                <a:spcPts val="1000"/>
-              </a:spcBef>
-              <a:spcAft>
-                <a:spcPts val="0"/>
-              </a:spcAft>
-              <a:buClr>
-                <a:srgbClr val="2D3B45"/>
-              </a:buClr>
-              <a:buSzPts val="1200"/>
-              <a:buFont typeface="Century Gothic"/>
-              <a:buNone/>
-            </a:pPr>
-            <a:endParaRPr sz="1200">
-              <a:solidFill>
-                <a:schemeClr val="dk1"/>
-              </a:solidFill>
-              <a:latin typeface="Century Gothic"/>
-              <a:ea typeface="Century Gothic"/>
-              <a:cs typeface="Century Gothic"/>
-              <a:sym typeface="Century Gothic"/>
-            </a:endParaRPr>
-          </a:p>
-        </p:txBody>
-      </p:sp>
-      <p:sp>
-        <p:nvSpPr>
-          <p:cNvPr id="2" name="Slide Number Placeholder 1">
-            <a:extLst>
-              <a:ext uri="{FF2B5EF4-FFF2-40B4-BE49-F238E27FC236}">
-                <a16:creationId xmlns:a16="http://schemas.microsoft.com/office/drawing/2014/main" id="{CC5786F4-E255-FBF4-D23D-7D139A55AF1F}"/>
-              </a:ext>
-            </a:extLst>
-          </p:cNvPr>
-          <p:cNvSpPr>
-            <a:spLocks noGrp="1"/>
-          </p:cNvSpPr>
-          <p:nvPr>
-            <p:ph type="sldNum" idx="12"/>
-          </p:nvPr>
-        </p:nvSpPr>
-        <p:spPr/>
-        <p:txBody>
-          <a:bodyPr/>
-          <a:lstStyle/>
-          <a:p>
-            <a:pPr marL="0" lvl="0" indent="0" algn="ctr" rtl="0">
-              <a:spcBef>
-                <a:spcPts val="0"/>
-              </a:spcBef>
-              <a:spcAft>
-                <a:spcPts val="0"/>
-              </a:spcAft>
-              <a:buNone/>
-            </a:pPr>
-            <a:fld id="{00000000-1234-1234-1234-123412341234}" type="slidenum">
-              <a:rPr lang="en-US" smtClean="0"/>
-              <a:t>4</a:t>
-            </a:fld>
-            <a:endParaRPr lang="en-US"/>
           </a:p>
         </p:txBody>
       </p:sp>

--- a/Neural Networks - Loan Default/Loan Default Prediction Presentation - Business Interpretation - John Buczkowski.pptx
+++ b/Neural Networks - Loan Default/Loan Default Prediction Presentation - Business Interpretation - John Buczkowski.pptx
@@ -7,7 +7,7 @@
     <p:sldMasterId id="2147483680" r:id="rId3"/>
   </p:sldMasterIdLst>
   <p:notesMasterIdLst>
-    <p:notesMasterId r:id="rId51"/>
+    <p:notesMasterId r:id="rId53"/>
   </p:notesMasterIdLst>
   <p:sldIdLst>
     <p:sldId id="256" r:id="rId4"/>
@@ -41,51 +41,53 @@
     <p:sldId id="310" r:id="rId32"/>
     <p:sldId id="312" r:id="rId33"/>
     <p:sldId id="313" r:id="rId34"/>
-    <p:sldId id="311" r:id="rId35"/>
-    <p:sldId id="263" r:id="rId36"/>
-    <p:sldId id="264" r:id="rId37"/>
-    <p:sldId id="265" r:id="rId38"/>
-    <p:sldId id="266" r:id="rId39"/>
-    <p:sldId id="267" r:id="rId40"/>
-    <p:sldId id="268" r:id="rId41"/>
-    <p:sldId id="269" r:id="rId42"/>
-    <p:sldId id="270" r:id="rId43"/>
-    <p:sldId id="271" r:id="rId44"/>
-    <p:sldId id="272" r:id="rId45"/>
-    <p:sldId id="273" r:id="rId46"/>
-    <p:sldId id="274" r:id="rId47"/>
-    <p:sldId id="275" r:id="rId48"/>
-    <p:sldId id="276" r:id="rId49"/>
-    <p:sldId id="277" r:id="rId50"/>
+    <p:sldId id="314" r:id="rId35"/>
+    <p:sldId id="315" r:id="rId36"/>
+    <p:sldId id="311" r:id="rId37"/>
+    <p:sldId id="263" r:id="rId38"/>
+    <p:sldId id="264" r:id="rId39"/>
+    <p:sldId id="265" r:id="rId40"/>
+    <p:sldId id="266" r:id="rId41"/>
+    <p:sldId id="267" r:id="rId42"/>
+    <p:sldId id="268" r:id="rId43"/>
+    <p:sldId id="269" r:id="rId44"/>
+    <p:sldId id="270" r:id="rId45"/>
+    <p:sldId id="271" r:id="rId46"/>
+    <p:sldId id="272" r:id="rId47"/>
+    <p:sldId id="273" r:id="rId48"/>
+    <p:sldId id="274" r:id="rId49"/>
+    <p:sldId id="275" r:id="rId50"/>
+    <p:sldId id="276" r:id="rId51"/>
+    <p:sldId id="277" r:id="rId52"/>
   </p:sldIdLst>
   <p:sldSz cx="9144000" cy="5143500" type="screen16x9"/>
   <p:notesSz cx="6858000" cy="9144000"/>
   <p:embeddedFontLst>
     <p:embeddedFont>
       <p:font typeface="Century Gothic" panose="020B0502020202020204" pitchFamily="34" charset="0"/>
-      <p:regular r:id="rId52"/>
-      <p:bold r:id="rId53"/>
-      <p:italic r:id="rId54"/>
-      <p:boldItalic r:id="rId55"/>
+      <p:regular r:id="rId54"/>
+      <p:bold r:id="rId55"/>
+      <p:italic r:id="rId56"/>
+      <p:boldItalic r:id="rId57"/>
     </p:embeddedFont>
     <p:embeddedFont>
       <p:font typeface="Nunito" pitchFamily="2" charset="0"/>
-      <p:regular r:id="rId56"/>
-      <p:bold r:id="rId57"/>
-      <p:italic r:id="rId58"/>
-      <p:boldItalic r:id="rId59"/>
+      <p:regular r:id="rId58"/>
+      <p:bold r:id="rId59"/>
+      <p:italic r:id="rId60"/>
+      <p:boldItalic r:id="rId61"/>
     </p:embeddedFont>
     <p:embeddedFont>
       <p:font typeface="Nunito ExtraBold" pitchFamily="2" charset="0"/>
-      <p:bold r:id="rId60"/>
-      <p:boldItalic r:id="rId61"/>
+      <p:bold r:id="rId62"/>
+      <p:boldItalic r:id="rId63"/>
     </p:embeddedFont>
     <p:embeddedFont>
       <p:font typeface="Nunito SemiBold" pitchFamily="2" charset="0"/>
-      <p:regular r:id="rId62"/>
-      <p:bold r:id="rId63"/>
-      <p:italic r:id="rId64"/>
-      <p:boldItalic r:id="rId65"/>
+      <p:regular r:id="rId64"/>
+      <p:bold r:id="rId65"/>
+      <p:italic r:id="rId66"/>
+      <p:boldItalic r:id="rId67"/>
     </p:embeddedFont>
   </p:embeddedFontLst>
   <p:defaultTextStyle>
@@ -3922,6 +3924,418 @@
         <p:cNvPr id="1" name="Shape 184">
           <a:extLst>
             <a:ext uri="{FF2B5EF4-FFF2-40B4-BE49-F238E27FC236}">
+              <a16:creationId xmlns:a16="http://schemas.microsoft.com/office/drawing/2014/main" id="{D9019F31-3A3F-CA5A-97DC-FE5C299A2DC9}"/>
+            </a:ext>
+          </a:extLst>
+        </p:cNvPr>
+        <p:cNvGrpSpPr/>
+        <p:nvPr/>
+      </p:nvGrpSpPr>
+      <p:grpSpPr>
+        <a:xfrm>
+          <a:off x="0" y="0"/>
+          <a:ext cx="0" cy="0"/>
+          <a:chOff x="0" y="0"/>
+          <a:chExt cx="0" cy="0"/>
+        </a:xfrm>
+      </p:grpSpPr>
+      <p:sp>
+        <p:nvSpPr>
+          <p:cNvPr id="185" name="Google Shape;185;p7:notes">
+            <a:extLst>
+              <a:ext uri="{FF2B5EF4-FFF2-40B4-BE49-F238E27FC236}">
+                <a16:creationId xmlns:a16="http://schemas.microsoft.com/office/drawing/2014/main" id="{24918353-388F-15E2-76A4-88013BB3F223}"/>
+              </a:ext>
+            </a:extLst>
+          </p:cNvPr>
+          <p:cNvSpPr>
+            <a:spLocks noGrp="1" noRot="1" noChangeAspect="1"/>
+          </p:cNvSpPr>
+          <p:nvPr>
+            <p:ph type="sldImg" idx="2"/>
+          </p:nvPr>
+        </p:nvSpPr>
+        <p:spPr>
+          <a:xfrm>
+            <a:off x="381000" y="685800"/>
+            <a:ext cx="6096000" cy="3429000"/>
+          </a:xfrm>
+          <a:custGeom>
+            <a:avLst/>
+            <a:gdLst/>
+            <a:ahLst/>
+            <a:cxnLst/>
+            <a:rect l="l" t="t" r="r" b="b"/>
+            <a:pathLst>
+              <a:path w="120000" h="120000" extrusionOk="0">
+                <a:moveTo>
+                  <a:pt x="0" y="0"/>
+                </a:moveTo>
+                <a:lnTo>
+                  <a:pt x="120000" y="0"/>
+                </a:lnTo>
+                <a:lnTo>
+                  <a:pt x="120000" y="120000"/>
+                </a:lnTo>
+                <a:lnTo>
+                  <a:pt x="0" y="120000"/>
+                </a:lnTo>
+                <a:close/>
+              </a:path>
+            </a:pathLst>
+          </a:custGeom>
+          <a:noFill/>
+          <a:ln w="9525" cap="flat" cmpd="sng">
+            <a:solidFill>
+              <a:srgbClr val="000000"/>
+            </a:solidFill>
+            <a:prstDash val="solid"/>
+            <a:round/>
+            <a:headEnd type="none" w="sm" len="sm"/>
+            <a:tailEnd type="none" w="sm" len="sm"/>
+          </a:ln>
+        </p:spPr>
+      </p:sp>
+      <p:sp>
+        <p:nvSpPr>
+          <p:cNvPr id="186" name="Google Shape;186;p7:notes">
+            <a:extLst>
+              <a:ext uri="{FF2B5EF4-FFF2-40B4-BE49-F238E27FC236}">
+                <a16:creationId xmlns:a16="http://schemas.microsoft.com/office/drawing/2014/main" id="{F62EDEA7-58BF-B85B-140D-53998B425F49}"/>
+              </a:ext>
+            </a:extLst>
+          </p:cNvPr>
+          <p:cNvSpPr txBox="1">
+            <a:spLocks noGrp="1"/>
+          </p:cNvSpPr>
+          <p:nvPr>
+            <p:ph type="body" idx="1"/>
+          </p:nvPr>
+        </p:nvSpPr>
+        <p:spPr>
+          <a:xfrm>
+            <a:off x="685800" y="4343400"/>
+            <a:ext cx="5486400" cy="4114800"/>
+          </a:xfrm>
+          <a:prstGeom prst="rect">
+            <a:avLst/>
+          </a:prstGeom>
+          <a:noFill/>
+          <a:ln>
+            <a:noFill/>
+          </a:ln>
+        </p:spPr>
+        <p:txBody>
+          <a:bodyPr spcFirstLastPara="1" wrap="square" lIns="91425" tIns="91425" rIns="91425" bIns="91425" anchor="t" anchorCtr="0">
+            <a:noAutofit/>
+          </a:bodyPr>
+          <a:lstStyle/>
+          <a:p>
+            <a:pPr marL="0" lvl="0" indent="0" algn="l" rtl="0">
+              <a:lnSpc>
+                <a:spcPct val="100000"/>
+              </a:lnSpc>
+              <a:spcBef>
+                <a:spcPts val="0"/>
+              </a:spcBef>
+              <a:spcAft>
+                <a:spcPts val="0"/>
+              </a:spcAft>
+              <a:buSzPts val="1100"/>
+              <a:buNone/>
+            </a:pPr>
+            <a:endParaRPr/>
+          </a:p>
+        </p:txBody>
+      </p:sp>
+    </p:spTree>
+    <p:extLst>
+      <p:ext uri="{BB962C8B-B14F-4D97-AF65-F5344CB8AC3E}">
+        <p14:creationId xmlns:p14="http://schemas.microsoft.com/office/powerpoint/2010/main" val="11575017"/>
+      </p:ext>
+    </p:extLst>
+  </p:cSld>
+  <p:clrMapOvr>
+    <a:masterClrMapping/>
+  </p:clrMapOvr>
+</p:notes>
+</file>
+
+<file path=ppt/notesSlides/notesSlide3.xml><?xml version="1.0" encoding="utf-8"?>
+<p:notes xmlns:a="http://schemas.openxmlformats.org/drawingml/2006/main" xmlns:r="http://schemas.openxmlformats.org/officeDocument/2006/relationships" xmlns:p="http://schemas.openxmlformats.org/presentationml/2006/main" showMasterSp="0" showMasterPhAnim="0">
+  <p:cSld>
+    <p:spTree>
+      <p:nvGrpSpPr>
+        <p:cNvPr id="1" name="Shape 160"/>
+        <p:cNvGrpSpPr/>
+        <p:nvPr/>
+      </p:nvGrpSpPr>
+      <p:grpSpPr>
+        <a:xfrm>
+          <a:off x="0" y="0"/>
+          <a:ext cx="0" cy="0"/>
+          <a:chOff x="0" y="0"/>
+          <a:chExt cx="0" cy="0"/>
+        </a:xfrm>
+      </p:grpSpPr>
+      <p:sp>
+        <p:nvSpPr>
+          <p:cNvPr id="161" name="Google Shape;161;p3:notes"/>
+          <p:cNvSpPr>
+            <a:spLocks noGrp="1" noRot="1" noChangeAspect="1"/>
+          </p:cNvSpPr>
+          <p:nvPr>
+            <p:ph type="sldImg" idx="2"/>
+          </p:nvPr>
+        </p:nvSpPr>
+        <p:spPr>
+          <a:xfrm>
+            <a:off x="381000" y="685800"/>
+            <a:ext cx="6096000" cy="3429000"/>
+          </a:xfrm>
+          <a:custGeom>
+            <a:avLst/>
+            <a:gdLst/>
+            <a:ahLst/>
+            <a:cxnLst/>
+            <a:rect l="l" t="t" r="r" b="b"/>
+            <a:pathLst>
+              <a:path w="120000" h="120000" extrusionOk="0">
+                <a:moveTo>
+                  <a:pt x="0" y="0"/>
+                </a:moveTo>
+                <a:lnTo>
+                  <a:pt x="120000" y="0"/>
+                </a:lnTo>
+                <a:lnTo>
+                  <a:pt x="120000" y="120000"/>
+                </a:lnTo>
+                <a:lnTo>
+                  <a:pt x="0" y="120000"/>
+                </a:lnTo>
+                <a:close/>
+              </a:path>
+            </a:pathLst>
+          </a:custGeom>
+          <a:noFill/>
+          <a:ln w="9525" cap="flat" cmpd="sng">
+            <a:solidFill>
+              <a:srgbClr val="000000"/>
+            </a:solidFill>
+            <a:prstDash val="solid"/>
+            <a:round/>
+            <a:headEnd type="none" w="sm" len="sm"/>
+            <a:tailEnd type="none" w="sm" len="sm"/>
+          </a:ln>
+        </p:spPr>
+      </p:sp>
+      <p:sp>
+        <p:nvSpPr>
+          <p:cNvPr id="162" name="Google Shape;162;p3:notes"/>
+          <p:cNvSpPr txBox="1">
+            <a:spLocks noGrp="1"/>
+          </p:cNvSpPr>
+          <p:nvPr>
+            <p:ph type="body" idx="1"/>
+          </p:nvPr>
+        </p:nvSpPr>
+        <p:spPr>
+          <a:xfrm>
+            <a:off x="685800" y="4343400"/>
+            <a:ext cx="5486400" cy="4114800"/>
+          </a:xfrm>
+          <a:prstGeom prst="rect">
+            <a:avLst/>
+          </a:prstGeom>
+          <a:noFill/>
+          <a:ln>
+            <a:noFill/>
+          </a:ln>
+        </p:spPr>
+        <p:txBody>
+          <a:bodyPr spcFirstLastPara="1" wrap="square" lIns="91425" tIns="91425" rIns="91425" bIns="91425" anchor="t" anchorCtr="0">
+            <a:noAutofit/>
+          </a:bodyPr>
+          <a:lstStyle/>
+          <a:p>
+            <a:pPr marL="0" lvl="0" indent="0" algn="l" rtl="0">
+              <a:lnSpc>
+                <a:spcPct val="100000"/>
+              </a:lnSpc>
+              <a:spcBef>
+                <a:spcPts val="0"/>
+              </a:spcBef>
+              <a:spcAft>
+                <a:spcPts val="0"/>
+              </a:spcAft>
+              <a:buSzPts val="1100"/>
+              <a:buNone/>
+            </a:pPr>
+            <a:endParaRPr/>
+          </a:p>
+        </p:txBody>
+      </p:sp>
+    </p:spTree>
+  </p:cSld>
+  <p:clrMapOvr>
+    <a:masterClrMapping/>
+  </p:clrMapOvr>
+</p:notes>
+</file>
+
+<file path=ppt/notesSlides/notesSlide30.xml><?xml version="1.0" encoding="utf-8"?>
+<p:notes xmlns:a="http://schemas.openxmlformats.org/drawingml/2006/main" xmlns:r="http://schemas.openxmlformats.org/officeDocument/2006/relationships" xmlns:p="http://schemas.openxmlformats.org/presentationml/2006/main" showMasterSp="0" showMasterPhAnim="0">
+  <p:cSld>
+    <p:spTree>
+      <p:nvGrpSpPr>
+        <p:cNvPr id="1" name="Shape 184">
+          <a:extLst>
+            <a:ext uri="{FF2B5EF4-FFF2-40B4-BE49-F238E27FC236}">
+              <a16:creationId xmlns:a16="http://schemas.microsoft.com/office/drawing/2014/main" id="{BAB4762A-8ACD-10AA-0119-01EDA279E7E0}"/>
+            </a:ext>
+          </a:extLst>
+        </p:cNvPr>
+        <p:cNvGrpSpPr/>
+        <p:nvPr/>
+      </p:nvGrpSpPr>
+      <p:grpSpPr>
+        <a:xfrm>
+          <a:off x="0" y="0"/>
+          <a:ext cx="0" cy="0"/>
+          <a:chOff x="0" y="0"/>
+          <a:chExt cx="0" cy="0"/>
+        </a:xfrm>
+      </p:grpSpPr>
+      <p:sp>
+        <p:nvSpPr>
+          <p:cNvPr id="185" name="Google Shape;185;p7:notes">
+            <a:extLst>
+              <a:ext uri="{FF2B5EF4-FFF2-40B4-BE49-F238E27FC236}">
+                <a16:creationId xmlns:a16="http://schemas.microsoft.com/office/drawing/2014/main" id="{2B616732-9D22-BC13-BEC1-5C441760C0B7}"/>
+              </a:ext>
+            </a:extLst>
+          </p:cNvPr>
+          <p:cNvSpPr>
+            <a:spLocks noGrp="1" noRot="1" noChangeAspect="1"/>
+          </p:cNvSpPr>
+          <p:nvPr>
+            <p:ph type="sldImg" idx="2"/>
+          </p:nvPr>
+        </p:nvSpPr>
+        <p:spPr>
+          <a:xfrm>
+            <a:off x="381000" y="685800"/>
+            <a:ext cx="6096000" cy="3429000"/>
+          </a:xfrm>
+          <a:custGeom>
+            <a:avLst/>
+            <a:gdLst/>
+            <a:ahLst/>
+            <a:cxnLst/>
+            <a:rect l="l" t="t" r="r" b="b"/>
+            <a:pathLst>
+              <a:path w="120000" h="120000" extrusionOk="0">
+                <a:moveTo>
+                  <a:pt x="0" y="0"/>
+                </a:moveTo>
+                <a:lnTo>
+                  <a:pt x="120000" y="0"/>
+                </a:lnTo>
+                <a:lnTo>
+                  <a:pt x="120000" y="120000"/>
+                </a:lnTo>
+                <a:lnTo>
+                  <a:pt x="0" y="120000"/>
+                </a:lnTo>
+                <a:close/>
+              </a:path>
+            </a:pathLst>
+          </a:custGeom>
+          <a:noFill/>
+          <a:ln w="9525" cap="flat" cmpd="sng">
+            <a:solidFill>
+              <a:srgbClr val="000000"/>
+            </a:solidFill>
+            <a:prstDash val="solid"/>
+            <a:round/>
+            <a:headEnd type="none" w="sm" len="sm"/>
+            <a:tailEnd type="none" w="sm" len="sm"/>
+          </a:ln>
+        </p:spPr>
+      </p:sp>
+      <p:sp>
+        <p:nvSpPr>
+          <p:cNvPr id="186" name="Google Shape;186;p7:notes">
+            <a:extLst>
+              <a:ext uri="{FF2B5EF4-FFF2-40B4-BE49-F238E27FC236}">
+                <a16:creationId xmlns:a16="http://schemas.microsoft.com/office/drawing/2014/main" id="{C6486467-9044-DCAA-2E63-2093ADF3C32B}"/>
+              </a:ext>
+            </a:extLst>
+          </p:cNvPr>
+          <p:cNvSpPr txBox="1">
+            <a:spLocks noGrp="1"/>
+          </p:cNvSpPr>
+          <p:nvPr>
+            <p:ph type="body" idx="1"/>
+          </p:nvPr>
+        </p:nvSpPr>
+        <p:spPr>
+          <a:xfrm>
+            <a:off x="685800" y="4343400"/>
+            <a:ext cx="5486400" cy="4114800"/>
+          </a:xfrm>
+          <a:prstGeom prst="rect">
+            <a:avLst/>
+          </a:prstGeom>
+          <a:noFill/>
+          <a:ln>
+            <a:noFill/>
+          </a:ln>
+        </p:spPr>
+        <p:txBody>
+          <a:bodyPr spcFirstLastPara="1" wrap="square" lIns="91425" tIns="91425" rIns="91425" bIns="91425" anchor="t" anchorCtr="0">
+            <a:noAutofit/>
+          </a:bodyPr>
+          <a:lstStyle/>
+          <a:p>
+            <a:pPr marL="0" lvl="0" indent="0" algn="l" rtl="0">
+              <a:lnSpc>
+                <a:spcPct val="100000"/>
+              </a:lnSpc>
+              <a:spcBef>
+                <a:spcPts val="0"/>
+              </a:spcBef>
+              <a:spcAft>
+                <a:spcPts val="0"/>
+              </a:spcAft>
+              <a:buSzPts val="1100"/>
+              <a:buNone/>
+            </a:pPr>
+            <a:endParaRPr/>
+          </a:p>
+        </p:txBody>
+      </p:sp>
+    </p:spTree>
+    <p:extLst>
+      <p:ext uri="{BB962C8B-B14F-4D97-AF65-F5344CB8AC3E}">
+        <p14:creationId xmlns:p14="http://schemas.microsoft.com/office/powerpoint/2010/main" val="2505064110"/>
+      </p:ext>
+    </p:extLst>
+  </p:cSld>
+  <p:clrMapOvr>
+    <a:masterClrMapping/>
+  </p:clrMapOvr>
+</p:notes>
+</file>
+
+<file path=ppt/notesSlides/notesSlide31.xml><?xml version="1.0" encoding="utf-8"?>
+<p:notes xmlns:a="http://schemas.openxmlformats.org/drawingml/2006/main" xmlns:r="http://schemas.openxmlformats.org/officeDocument/2006/relationships" xmlns:p="http://schemas.openxmlformats.org/presentationml/2006/main" showMasterSp="0" showMasterPhAnim="0">
+  <p:cSld>
+    <p:spTree>
+      <p:nvGrpSpPr>
+        <p:cNvPr id="1" name="Shape 184">
+          <a:extLst>
+            <a:ext uri="{FF2B5EF4-FFF2-40B4-BE49-F238E27FC236}">
               <a16:creationId xmlns:a16="http://schemas.microsoft.com/office/drawing/2014/main" id="{70A94EF6-68E0-296F-6302-68C505BA4333}"/>
             </a:ext>
           </a:extLst>
@@ -4059,129 +4473,7 @@
 </p:notes>
 </file>
 
-<file path=ppt/notesSlides/notesSlide3.xml><?xml version="1.0" encoding="utf-8"?>
-<p:notes xmlns:a="http://schemas.openxmlformats.org/drawingml/2006/main" xmlns:r="http://schemas.openxmlformats.org/officeDocument/2006/relationships" xmlns:p="http://schemas.openxmlformats.org/presentationml/2006/main" showMasterSp="0" showMasterPhAnim="0">
-  <p:cSld>
-    <p:spTree>
-      <p:nvGrpSpPr>
-        <p:cNvPr id="1" name="Shape 160"/>
-        <p:cNvGrpSpPr/>
-        <p:nvPr/>
-      </p:nvGrpSpPr>
-      <p:grpSpPr>
-        <a:xfrm>
-          <a:off x="0" y="0"/>
-          <a:ext cx="0" cy="0"/>
-          <a:chOff x="0" y="0"/>
-          <a:chExt cx="0" cy="0"/>
-        </a:xfrm>
-      </p:grpSpPr>
-      <p:sp>
-        <p:nvSpPr>
-          <p:cNvPr id="161" name="Google Shape;161;p3:notes"/>
-          <p:cNvSpPr>
-            <a:spLocks noGrp="1" noRot="1" noChangeAspect="1"/>
-          </p:cNvSpPr>
-          <p:nvPr>
-            <p:ph type="sldImg" idx="2"/>
-          </p:nvPr>
-        </p:nvSpPr>
-        <p:spPr>
-          <a:xfrm>
-            <a:off x="381000" y="685800"/>
-            <a:ext cx="6096000" cy="3429000"/>
-          </a:xfrm>
-          <a:custGeom>
-            <a:avLst/>
-            <a:gdLst/>
-            <a:ahLst/>
-            <a:cxnLst/>
-            <a:rect l="l" t="t" r="r" b="b"/>
-            <a:pathLst>
-              <a:path w="120000" h="120000" extrusionOk="0">
-                <a:moveTo>
-                  <a:pt x="0" y="0"/>
-                </a:moveTo>
-                <a:lnTo>
-                  <a:pt x="120000" y="0"/>
-                </a:lnTo>
-                <a:lnTo>
-                  <a:pt x="120000" y="120000"/>
-                </a:lnTo>
-                <a:lnTo>
-                  <a:pt x="0" y="120000"/>
-                </a:lnTo>
-                <a:close/>
-              </a:path>
-            </a:pathLst>
-          </a:custGeom>
-          <a:noFill/>
-          <a:ln w="9525" cap="flat" cmpd="sng">
-            <a:solidFill>
-              <a:srgbClr val="000000"/>
-            </a:solidFill>
-            <a:prstDash val="solid"/>
-            <a:round/>
-            <a:headEnd type="none" w="sm" len="sm"/>
-            <a:tailEnd type="none" w="sm" len="sm"/>
-          </a:ln>
-        </p:spPr>
-      </p:sp>
-      <p:sp>
-        <p:nvSpPr>
-          <p:cNvPr id="162" name="Google Shape;162;p3:notes"/>
-          <p:cNvSpPr txBox="1">
-            <a:spLocks noGrp="1"/>
-          </p:cNvSpPr>
-          <p:nvPr>
-            <p:ph type="body" idx="1"/>
-          </p:nvPr>
-        </p:nvSpPr>
-        <p:spPr>
-          <a:xfrm>
-            <a:off x="685800" y="4343400"/>
-            <a:ext cx="5486400" cy="4114800"/>
-          </a:xfrm>
-          <a:prstGeom prst="rect">
-            <a:avLst/>
-          </a:prstGeom>
-          <a:noFill/>
-          <a:ln>
-            <a:noFill/>
-          </a:ln>
-        </p:spPr>
-        <p:txBody>
-          <a:bodyPr spcFirstLastPara="1" wrap="square" lIns="91425" tIns="91425" rIns="91425" bIns="91425" anchor="t" anchorCtr="0">
-            <a:noAutofit/>
-          </a:bodyPr>
-          <a:lstStyle/>
-          <a:p>
-            <a:pPr marL="0" lvl="0" indent="0" algn="l" rtl="0">
-              <a:lnSpc>
-                <a:spcPct val="100000"/>
-              </a:lnSpc>
-              <a:spcBef>
-                <a:spcPts val="0"/>
-              </a:spcBef>
-              <a:spcAft>
-                <a:spcPts val="0"/>
-              </a:spcAft>
-              <a:buSzPts val="1100"/>
-              <a:buNone/>
-            </a:pPr>
-            <a:endParaRPr/>
-          </a:p>
-        </p:txBody>
-      </p:sp>
-    </p:spTree>
-  </p:cSld>
-  <p:clrMapOvr>
-    <a:masterClrMapping/>
-  </p:clrMapOvr>
-</p:notes>
-</file>
-
-<file path=ppt/notesSlides/notesSlide30.xml><?xml version="1.0" encoding="utf-8"?>
+<file path=ppt/notesSlides/notesSlide32.xml><?xml version="1.0" encoding="utf-8"?>
 <p:notes xmlns:a="http://schemas.openxmlformats.org/drawingml/2006/main" xmlns:r="http://schemas.openxmlformats.org/officeDocument/2006/relationships" xmlns:p="http://schemas.openxmlformats.org/presentationml/2006/main" showMasterSp="0" showMasterPhAnim="0">
   <p:cSld>
     <p:spTree>
@@ -4303,7 +4595,7 @@
 </p:notes>
 </file>
 
-<file path=ppt/notesSlides/notesSlide31.xml><?xml version="1.0" encoding="utf-8"?>
+<file path=ppt/notesSlides/notesSlide33.xml><?xml version="1.0" encoding="utf-8"?>
 <p:notes xmlns:a="http://schemas.openxmlformats.org/drawingml/2006/main" xmlns:r="http://schemas.openxmlformats.org/officeDocument/2006/relationships" xmlns:p="http://schemas.openxmlformats.org/presentationml/2006/main" showMasterSp="0" showMasterPhAnim="0">
   <p:cSld>
     <p:spTree>
@@ -4407,7 +4699,7 @@
 </p:notes>
 </file>
 
-<file path=ppt/notesSlides/notesSlide32.xml><?xml version="1.0" encoding="utf-8"?>
+<file path=ppt/notesSlides/notesSlide34.xml><?xml version="1.0" encoding="utf-8"?>
 <p:notes xmlns:a="http://schemas.openxmlformats.org/drawingml/2006/main" xmlns:r="http://schemas.openxmlformats.org/officeDocument/2006/relationships" xmlns:p="http://schemas.openxmlformats.org/presentationml/2006/main" showMasterSp="0" showMasterPhAnim="0">
   <p:cSld>
     <p:spTree>
@@ -4511,7 +4803,7 @@
 </p:notes>
 </file>
 
-<file path=ppt/notesSlides/notesSlide33.xml><?xml version="1.0" encoding="utf-8"?>
+<file path=ppt/notesSlides/notesSlide35.xml><?xml version="1.0" encoding="utf-8"?>
 <p:notes xmlns:a="http://schemas.openxmlformats.org/drawingml/2006/main" xmlns:r="http://schemas.openxmlformats.org/officeDocument/2006/relationships" xmlns:p="http://schemas.openxmlformats.org/presentationml/2006/main" showMasterSp="0" showMasterPhAnim="0">
   <p:cSld>
     <p:spTree>
@@ -4633,7 +4925,7 @@
 </p:notes>
 </file>
 
-<file path=ppt/notesSlides/notesSlide34.xml><?xml version="1.0" encoding="utf-8"?>
+<file path=ppt/notesSlides/notesSlide36.xml><?xml version="1.0" encoding="utf-8"?>
 <p:notes xmlns:a="http://schemas.openxmlformats.org/drawingml/2006/main" xmlns:r="http://schemas.openxmlformats.org/officeDocument/2006/relationships" xmlns:p="http://schemas.openxmlformats.org/presentationml/2006/main" showMasterSp="0" showMasterPhAnim="0">
   <p:cSld>
     <p:spTree>
@@ -4737,7 +5029,7 @@
 </p:notes>
 </file>
 
-<file path=ppt/notesSlides/notesSlide35.xml><?xml version="1.0" encoding="utf-8"?>
+<file path=ppt/notesSlides/notesSlide37.xml><?xml version="1.0" encoding="utf-8"?>
 <p:notes xmlns:a="http://schemas.openxmlformats.org/drawingml/2006/main" xmlns:r="http://schemas.openxmlformats.org/officeDocument/2006/relationships" xmlns:p="http://schemas.openxmlformats.org/presentationml/2006/main" showMasterSp="0" showMasterPhAnim="0">
   <p:cSld>
     <p:spTree>
@@ -4841,7 +5133,7 @@
 </p:notes>
 </file>
 
-<file path=ppt/notesSlides/notesSlide36.xml><?xml version="1.0" encoding="utf-8"?>
+<file path=ppt/notesSlides/notesSlide38.xml><?xml version="1.0" encoding="utf-8"?>
 <p:notes xmlns:a="http://schemas.openxmlformats.org/drawingml/2006/main" xmlns:r="http://schemas.openxmlformats.org/officeDocument/2006/relationships" xmlns:p="http://schemas.openxmlformats.org/presentationml/2006/main" showMasterSp="0" showMasterPhAnim="0">
   <p:cSld>
     <p:spTree>
@@ -4945,7 +5237,7 @@
 </p:notes>
 </file>
 
-<file path=ppt/notesSlides/notesSlide37.xml><?xml version="1.0" encoding="utf-8"?>
+<file path=ppt/notesSlides/notesSlide39.xml><?xml version="1.0" encoding="utf-8"?>
 <p:notes xmlns:a="http://schemas.openxmlformats.org/drawingml/2006/main" xmlns:r="http://schemas.openxmlformats.org/officeDocument/2006/relationships" xmlns:p="http://schemas.openxmlformats.org/presentationml/2006/main" showMasterSp="0" showMasterPhAnim="0">
   <p:cSld>
     <p:spTree>
@@ -5016,250 +5308,6 @@
       <p:sp>
         <p:nvSpPr>
           <p:cNvPr id="230" name="Google Shape;230;p19:notes"/>
-          <p:cNvSpPr txBox="1">
-            <a:spLocks noGrp="1"/>
-          </p:cNvSpPr>
-          <p:nvPr>
-            <p:ph type="body" idx="1"/>
-          </p:nvPr>
-        </p:nvSpPr>
-        <p:spPr>
-          <a:xfrm>
-            <a:off x="685800" y="4343400"/>
-            <a:ext cx="5486400" cy="4114800"/>
-          </a:xfrm>
-          <a:prstGeom prst="rect">
-            <a:avLst/>
-          </a:prstGeom>
-          <a:noFill/>
-          <a:ln>
-            <a:noFill/>
-          </a:ln>
-        </p:spPr>
-        <p:txBody>
-          <a:bodyPr spcFirstLastPara="1" wrap="square" lIns="91425" tIns="91425" rIns="91425" bIns="91425" anchor="t" anchorCtr="0">
-            <a:noAutofit/>
-          </a:bodyPr>
-          <a:lstStyle/>
-          <a:p>
-            <a:pPr marL="0" lvl="0" indent="0" algn="l" rtl="0">
-              <a:lnSpc>
-                <a:spcPct val="100000"/>
-              </a:lnSpc>
-              <a:spcBef>
-                <a:spcPts val="0"/>
-              </a:spcBef>
-              <a:spcAft>
-                <a:spcPts val="0"/>
-              </a:spcAft>
-              <a:buSzPts val="1100"/>
-              <a:buNone/>
-            </a:pPr>
-            <a:endParaRPr/>
-          </a:p>
-        </p:txBody>
-      </p:sp>
-    </p:spTree>
-  </p:cSld>
-  <p:clrMapOvr>
-    <a:masterClrMapping/>
-  </p:clrMapOvr>
-</p:notes>
-</file>
-
-<file path=ppt/notesSlides/notesSlide38.xml><?xml version="1.0" encoding="utf-8"?>
-<p:notes xmlns:a="http://schemas.openxmlformats.org/drawingml/2006/main" xmlns:r="http://schemas.openxmlformats.org/officeDocument/2006/relationships" xmlns:p="http://schemas.openxmlformats.org/presentationml/2006/main" showMasterSp="0" showMasterPhAnim="0">
-  <p:cSld>
-    <p:spTree>
-      <p:nvGrpSpPr>
-        <p:cNvPr id="1" name="Shape 235"/>
-        <p:cNvGrpSpPr/>
-        <p:nvPr/>
-      </p:nvGrpSpPr>
-      <p:grpSpPr>
-        <a:xfrm>
-          <a:off x="0" y="0"/>
-          <a:ext cx="0" cy="0"/>
-          <a:chOff x="0" y="0"/>
-          <a:chExt cx="0" cy="0"/>
-        </a:xfrm>
-      </p:grpSpPr>
-      <p:sp>
-        <p:nvSpPr>
-          <p:cNvPr id="236" name="Google Shape;236;p20:notes"/>
-          <p:cNvSpPr>
-            <a:spLocks noGrp="1" noRot="1" noChangeAspect="1"/>
-          </p:cNvSpPr>
-          <p:nvPr>
-            <p:ph type="sldImg" idx="2"/>
-          </p:nvPr>
-        </p:nvSpPr>
-        <p:spPr>
-          <a:xfrm>
-            <a:off x="381000" y="685800"/>
-            <a:ext cx="6096000" cy="3429000"/>
-          </a:xfrm>
-          <a:custGeom>
-            <a:avLst/>
-            <a:gdLst/>
-            <a:ahLst/>
-            <a:cxnLst/>
-            <a:rect l="l" t="t" r="r" b="b"/>
-            <a:pathLst>
-              <a:path w="120000" h="120000" extrusionOk="0">
-                <a:moveTo>
-                  <a:pt x="0" y="0"/>
-                </a:moveTo>
-                <a:lnTo>
-                  <a:pt x="120000" y="0"/>
-                </a:lnTo>
-                <a:lnTo>
-                  <a:pt x="120000" y="120000"/>
-                </a:lnTo>
-                <a:lnTo>
-                  <a:pt x="0" y="120000"/>
-                </a:lnTo>
-                <a:close/>
-              </a:path>
-            </a:pathLst>
-          </a:custGeom>
-          <a:noFill/>
-          <a:ln w="9525" cap="flat" cmpd="sng">
-            <a:solidFill>
-              <a:srgbClr val="000000"/>
-            </a:solidFill>
-            <a:prstDash val="solid"/>
-            <a:round/>
-            <a:headEnd type="none" w="sm" len="sm"/>
-            <a:tailEnd type="none" w="sm" len="sm"/>
-          </a:ln>
-        </p:spPr>
-      </p:sp>
-      <p:sp>
-        <p:nvSpPr>
-          <p:cNvPr id="237" name="Google Shape;237;p20:notes"/>
-          <p:cNvSpPr txBox="1">
-            <a:spLocks noGrp="1"/>
-          </p:cNvSpPr>
-          <p:nvPr>
-            <p:ph type="body" idx="1"/>
-          </p:nvPr>
-        </p:nvSpPr>
-        <p:spPr>
-          <a:xfrm>
-            <a:off x="685800" y="4343400"/>
-            <a:ext cx="5486400" cy="4114800"/>
-          </a:xfrm>
-          <a:prstGeom prst="rect">
-            <a:avLst/>
-          </a:prstGeom>
-          <a:noFill/>
-          <a:ln>
-            <a:noFill/>
-          </a:ln>
-        </p:spPr>
-        <p:txBody>
-          <a:bodyPr spcFirstLastPara="1" wrap="square" lIns="91425" tIns="91425" rIns="91425" bIns="91425" anchor="t" anchorCtr="0">
-            <a:noAutofit/>
-          </a:bodyPr>
-          <a:lstStyle/>
-          <a:p>
-            <a:pPr marL="0" lvl="0" indent="0" algn="l" rtl="0">
-              <a:lnSpc>
-                <a:spcPct val="100000"/>
-              </a:lnSpc>
-              <a:spcBef>
-                <a:spcPts val="0"/>
-              </a:spcBef>
-              <a:spcAft>
-                <a:spcPts val="0"/>
-              </a:spcAft>
-              <a:buSzPts val="1100"/>
-              <a:buNone/>
-            </a:pPr>
-            <a:endParaRPr/>
-          </a:p>
-        </p:txBody>
-      </p:sp>
-    </p:spTree>
-  </p:cSld>
-  <p:clrMapOvr>
-    <a:masterClrMapping/>
-  </p:clrMapOvr>
-</p:notes>
-</file>
-
-<file path=ppt/notesSlides/notesSlide39.xml><?xml version="1.0" encoding="utf-8"?>
-<p:notes xmlns:a="http://schemas.openxmlformats.org/drawingml/2006/main" xmlns:r="http://schemas.openxmlformats.org/officeDocument/2006/relationships" xmlns:p="http://schemas.openxmlformats.org/presentationml/2006/main" showMasterSp="0" showMasterPhAnim="0">
-  <p:cSld>
-    <p:spTree>
-      <p:nvGrpSpPr>
-        <p:cNvPr id="1" name="Shape 242"/>
-        <p:cNvGrpSpPr/>
-        <p:nvPr/>
-      </p:nvGrpSpPr>
-      <p:grpSpPr>
-        <a:xfrm>
-          <a:off x="0" y="0"/>
-          <a:ext cx="0" cy="0"/>
-          <a:chOff x="0" y="0"/>
-          <a:chExt cx="0" cy="0"/>
-        </a:xfrm>
-      </p:grpSpPr>
-      <p:sp>
-        <p:nvSpPr>
-          <p:cNvPr id="243" name="Google Shape;243;g385ad5efec9_0_2:notes"/>
-          <p:cNvSpPr>
-            <a:spLocks noGrp="1" noRot="1" noChangeAspect="1"/>
-          </p:cNvSpPr>
-          <p:nvPr>
-            <p:ph type="sldImg" idx="2"/>
-          </p:nvPr>
-        </p:nvSpPr>
-        <p:spPr>
-          <a:xfrm>
-            <a:off x="381000" y="685800"/>
-            <a:ext cx="6096000" cy="3429000"/>
-          </a:xfrm>
-          <a:custGeom>
-            <a:avLst/>
-            <a:gdLst/>
-            <a:ahLst/>
-            <a:cxnLst/>
-            <a:rect l="l" t="t" r="r" b="b"/>
-            <a:pathLst>
-              <a:path w="120000" h="120000" extrusionOk="0">
-                <a:moveTo>
-                  <a:pt x="0" y="0"/>
-                </a:moveTo>
-                <a:lnTo>
-                  <a:pt x="120000" y="0"/>
-                </a:lnTo>
-                <a:lnTo>
-                  <a:pt x="120000" y="120000"/>
-                </a:lnTo>
-                <a:lnTo>
-                  <a:pt x="0" y="120000"/>
-                </a:lnTo>
-                <a:close/>
-              </a:path>
-            </a:pathLst>
-          </a:custGeom>
-          <a:noFill/>
-          <a:ln w="9525" cap="flat" cmpd="sng">
-            <a:solidFill>
-              <a:srgbClr val="000000"/>
-            </a:solidFill>
-            <a:prstDash val="solid"/>
-            <a:round/>
-            <a:headEnd type="none" w="sm" len="sm"/>
-            <a:tailEnd type="none" w="sm" len="sm"/>
-          </a:ln>
-        </p:spPr>
-      </p:sp>
-      <p:sp>
-        <p:nvSpPr>
-          <p:cNvPr id="244" name="Google Shape;244;g385ad5efec9_0_2:notes"/>
           <p:cNvSpPr txBox="1">
             <a:spLocks noGrp="1"/>
           </p:cNvSpPr>
@@ -5438,6 +5486,250 @@
   <p:cSld>
     <p:spTree>
       <p:nvGrpSpPr>
+        <p:cNvPr id="1" name="Shape 235"/>
+        <p:cNvGrpSpPr/>
+        <p:nvPr/>
+      </p:nvGrpSpPr>
+      <p:grpSpPr>
+        <a:xfrm>
+          <a:off x="0" y="0"/>
+          <a:ext cx="0" cy="0"/>
+          <a:chOff x="0" y="0"/>
+          <a:chExt cx="0" cy="0"/>
+        </a:xfrm>
+      </p:grpSpPr>
+      <p:sp>
+        <p:nvSpPr>
+          <p:cNvPr id="236" name="Google Shape;236;p20:notes"/>
+          <p:cNvSpPr>
+            <a:spLocks noGrp="1" noRot="1" noChangeAspect="1"/>
+          </p:cNvSpPr>
+          <p:nvPr>
+            <p:ph type="sldImg" idx="2"/>
+          </p:nvPr>
+        </p:nvSpPr>
+        <p:spPr>
+          <a:xfrm>
+            <a:off x="381000" y="685800"/>
+            <a:ext cx="6096000" cy="3429000"/>
+          </a:xfrm>
+          <a:custGeom>
+            <a:avLst/>
+            <a:gdLst/>
+            <a:ahLst/>
+            <a:cxnLst/>
+            <a:rect l="l" t="t" r="r" b="b"/>
+            <a:pathLst>
+              <a:path w="120000" h="120000" extrusionOk="0">
+                <a:moveTo>
+                  <a:pt x="0" y="0"/>
+                </a:moveTo>
+                <a:lnTo>
+                  <a:pt x="120000" y="0"/>
+                </a:lnTo>
+                <a:lnTo>
+                  <a:pt x="120000" y="120000"/>
+                </a:lnTo>
+                <a:lnTo>
+                  <a:pt x="0" y="120000"/>
+                </a:lnTo>
+                <a:close/>
+              </a:path>
+            </a:pathLst>
+          </a:custGeom>
+          <a:noFill/>
+          <a:ln w="9525" cap="flat" cmpd="sng">
+            <a:solidFill>
+              <a:srgbClr val="000000"/>
+            </a:solidFill>
+            <a:prstDash val="solid"/>
+            <a:round/>
+            <a:headEnd type="none" w="sm" len="sm"/>
+            <a:tailEnd type="none" w="sm" len="sm"/>
+          </a:ln>
+        </p:spPr>
+      </p:sp>
+      <p:sp>
+        <p:nvSpPr>
+          <p:cNvPr id="237" name="Google Shape;237;p20:notes"/>
+          <p:cNvSpPr txBox="1">
+            <a:spLocks noGrp="1"/>
+          </p:cNvSpPr>
+          <p:nvPr>
+            <p:ph type="body" idx="1"/>
+          </p:nvPr>
+        </p:nvSpPr>
+        <p:spPr>
+          <a:xfrm>
+            <a:off x="685800" y="4343400"/>
+            <a:ext cx="5486400" cy="4114800"/>
+          </a:xfrm>
+          <a:prstGeom prst="rect">
+            <a:avLst/>
+          </a:prstGeom>
+          <a:noFill/>
+          <a:ln>
+            <a:noFill/>
+          </a:ln>
+        </p:spPr>
+        <p:txBody>
+          <a:bodyPr spcFirstLastPara="1" wrap="square" lIns="91425" tIns="91425" rIns="91425" bIns="91425" anchor="t" anchorCtr="0">
+            <a:noAutofit/>
+          </a:bodyPr>
+          <a:lstStyle/>
+          <a:p>
+            <a:pPr marL="0" lvl="0" indent="0" algn="l" rtl="0">
+              <a:lnSpc>
+                <a:spcPct val="100000"/>
+              </a:lnSpc>
+              <a:spcBef>
+                <a:spcPts val="0"/>
+              </a:spcBef>
+              <a:spcAft>
+                <a:spcPts val="0"/>
+              </a:spcAft>
+              <a:buSzPts val="1100"/>
+              <a:buNone/>
+            </a:pPr>
+            <a:endParaRPr/>
+          </a:p>
+        </p:txBody>
+      </p:sp>
+    </p:spTree>
+  </p:cSld>
+  <p:clrMapOvr>
+    <a:masterClrMapping/>
+  </p:clrMapOvr>
+</p:notes>
+</file>
+
+<file path=ppt/notesSlides/notesSlide41.xml><?xml version="1.0" encoding="utf-8"?>
+<p:notes xmlns:a="http://schemas.openxmlformats.org/drawingml/2006/main" xmlns:r="http://schemas.openxmlformats.org/officeDocument/2006/relationships" xmlns:p="http://schemas.openxmlformats.org/presentationml/2006/main" showMasterSp="0" showMasterPhAnim="0">
+  <p:cSld>
+    <p:spTree>
+      <p:nvGrpSpPr>
+        <p:cNvPr id="1" name="Shape 242"/>
+        <p:cNvGrpSpPr/>
+        <p:nvPr/>
+      </p:nvGrpSpPr>
+      <p:grpSpPr>
+        <a:xfrm>
+          <a:off x="0" y="0"/>
+          <a:ext cx="0" cy="0"/>
+          <a:chOff x="0" y="0"/>
+          <a:chExt cx="0" cy="0"/>
+        </a:xfrm>
+      </p:grpSpPr>
+      <p:sp>
+        <p:nvSpPr>
+          <p:cNvPr id="243" name="Google Shape;243;g385ad5efec9_0_2:notes"/>
+          <p:cNvSpPr>
+            <a:spLocks noGrp="1" noRot="1" noChangeAspect="1"/>
+          </p:cNvSpPr>
+          <p:nvPr>
+            <p:ph type="sldImg" idx="2"/>
+          </p:nvPr>
+        </p:nvSpPr>
+        <p:spPr>
+          <a:xfrm>
+            <a:off x="381000" y="685800"/>
+            <a:ext cx="6096000" cy="3429000"/>
+          </a:xfrm>
+          <a:custGeom>
+            <a:avLst/>
+            <a:gdLst/>
+            <a:ahLst/>
+            <a:cxnLst/>
+            <a:rect l="l" t="t" r="r" b="b"/>
+            <a:pathLst>
+              <a:path w="120000" h="120000" extrusionOk="0">
+                <a:moveTo>
+                  <a:pt x="0" y="0"/>
+                </a:moveTo>
+                <a:lnTo>
+                  <a:pt x="120000" y="0"/>
+                </a:lnTo>
+                <a:lnTo>
+                  <a:pt x="120000" y="120000"/>
+                </a:lnTo>
+                <a:lnTo>
+                  <a:pt x="0" y="120000"/>
+                </a:lnTo>
+                <a:close/>
+              </a:path>
+            </a:pathLst>
+          </a:custGeom>
+          <a:noFill/>
+          <a:ln w="9525" cap="flat" cmpd="sng">
+            <a:solidFill>
+              <a:srgbClr val="000000"/>
+            </a:solidFill>
+            <a:prstDash val="solid"/>
+            <a:round/>
+            <a:headEnd type="none" w="sm" len="sm"/>
+            <a:tailEnd type="none" w="sm" len="sm"/>
+          </a:ln>
+        </p:spPr>
+      </p:sp>
+      <p:sp>
+        <p:nvSpPr>
+          <p:cNvPr id="244" name="Google Shape;244;g385ad5efec9_0_2:notes"/>
+          <p:cNvSpPr txBox="1">
+            <a:spLocks noGrp="1"/>
+          </p:cNvSpPr>
+          <p:nvPr>
+            <p:ph type="body" idx="1"/>
+          </p:nvPr>
+        </p:nvSpPr>
+        <p:spPr>
+          <a:xfrm>
+            <a:off x="685800" y="4343400"/>
+            <a:ext cx="5486400" cy="4114800"/>
+          </a:xfrm>
+          <a:prstGeom prst="rect">
+            <a:avLst/>
+          </a:prstGeom>
+          <a:noFill/>
+          <a:ln>
+            <a:noFill/>
+          </a:ln>
+        </p:spPr>
+        <p:txBody>
+          <a:bodyPr spcFirstLastPara="1" wrap="square" lIns="91425" tIns="91425" rIns="91425" bIns="91425" anchor="t" anchorCtr="0">
+            <a:noAutofit/>
+          </a:bodyPr>
+          <a:lstStyle/>
+          <a:p>
+            <a:pPr marL="0" lvl="0" indent="0" algn="l" rtl="0">
+              <a:lnSpc>
+                <a:spcPct val="100000"/>
+              </a:lnSpc>
+              <a:spcBef>
+                <a:spcPts val="0"/>
+              </a:spcBef>
+              <a:spcAft>
+                <a:spcPts val="0"/>
+              </a:spcAft>
+              <a:buSzPts val="1100"/>
+              <a:buNone/>
+            </a:pPr>
+            <a:endParaRPr/>
+          </a:p>
+        </p:txBody>
+      </p:sp>
+    </p:spTree>
+  </p:cSld>
+  <p:clrMapOvr>
+    <a:masterClrMapping/>
+  </p:clrMapOvr>
+</p:notes>
+</file>
+
+<file path=ppt/notesSlides/notesSlide42.xml><?xml version="1.0" encoding="utf-8"?>
+<p:notes xmlns:a="http://schemas.openxmlformats.org/drawingml/2006/main" xmlns:r="http://schemas.openxmlformats.org/officeDocument/2006/relationships" xmlns:p="http://schemas.openxmlformats.org/presentationml/2006/main" showMasterSp="0" showMasterPhAnim="0">
+  <p:cSld>
+    <p:spTree>
+      <p:nvGrpSpPr>
         <p:cNvPr id="1" name="Shape 249"/>
         <p:cNvGrpSpPr/>
         <p:nvPr/>
@@ -5555,7 +5847,7 @@
 </p:notes>
 </file>
 
-<file path=ppt/notesSlides/notesSlide41.xml><?xml version="1.0" encoding="utf-8"?>
+<file path=ppt/notesSlides/notesSlide43.xml><?xml version="1.0" encoding="utf-8"?>
 <p:notes xmlns:a="http://schemas.openxmlformats.org/drawingml/2006/main" xmlns:r="http://schemas.openxmlformats.org/officeDocument/2006/relationships" xmlns:p="http://schemas.openxmlformats.org/presentationml/2006/main" showMasterSp="0" showMasterPhAnim="0">
   <p:cSld>
     <p:spTree>
@@ -5677,7 +5969,7 @@
 </p:notes>
 </file>
 
-<file path=ppt/notesSlides/notesSlide42.xml><?xml version="1.0" encoding="utf-8"?>
+<file path=ppt/notesSlides/notesSlide44.xml><?xml version="1.0" encoding="utf-8"?>
 <p:notes xmlns:a="http://schemas.openxmlformats.org/drawingml/2006/main" xmlns:r="http://schemas.openxmlformats.org/officeDocument/2006/relationships" xmlns:p="http://schemas.openxmlformats.org/presentationml/2006/main" showMasterSp="0" showMasterPhAnim="0">
   <p:cSld>
     <p:spTree>
@@ -5799,7 +6091,7 @@
 </p:notes>
 </file>
 
-<file path=ppt/notesSlides/notesSlide43.xml><?xml version="1.0" encoding="utf-8"?>
+<file path=ppt/notesSlides/notesSlide45.xml><?xml version="1.0" encoding="utf-8"?>
 <p:notes xmlns:a="http://schemas.openxmlformats.org/drawingml/2006/main" xmlns:r="http://schemas.openxmlformats.org/officeDocument/2006/relationships" xmlns:p="http://schemas.openxmlformats.org/presentationml/2006/main" showMasterSp="0" showMasterPhAnim="0">
   <p:cSld>
     <p:spTree>
@@ -5921,7 +6213,7 @@
 </p:notes>
 </file>
 
-<file path=ppt/notesSlides/notesSlide44.xml><?xml version="1.0" encoding="utf-8"?>
+<file path=ppt/notesSlides/notesSlide46.xml><?xml version="1.0" encoding="utf-8"?>
 <p:notes xmlns:a="http://schemas.openxmlformats.org/drawingml/2006/main" xmlns:r="http://schemas.openxmlformats.org/officeDocument/2006/relationships" xmlns:p="http://schemas.openxmlformats.org/presentationml/2006/main" showMasterSp="0" showMasterPhAnim="0">
   <p:cSld>
     <p:spTree>
@@ -6091,7 +6383,7 @@
                 <a:cs typeface="Calibri"/>
                 <a:sym typeface="Calibri"/>
               </a:rPr>
-              <a:t>47</a:t>
+              <a:t>49</a:t>
             </a:fld>
             <a:endParaRPr sz="1200" b="0" i="0" u="none" strike="noStrike" cap="none">
               <a:solidFill>
@@ -40822,6 +41114,1138 @@
         <p:cNvPr id="1" name="Shape 187">
           <a:extLst>
             <a:ext uri="{FF2B5EF4-FFF2-40B4-BE49-F238E27FC236}">
+              <a16:creationId xmlns:a16="http://schemas.microsoft.com/office/drawing/2014/main" id="{CA278AA5-0C44-AF03-0959-E61B63332E20}"/>
+            </a:ext>
+          </a:extLst>
+        </p:cNvPr>
+        <p:cNvGrpSpPr/>
+        <p:nvPr/>
+      </p:nvGrpSpPr>
+      <p:grpSpPr>
+        <a:xfrm>
+          <a:off x="0" y="0"/>
+          <a:ext cx="0" cy="0"/>
+          <a:chOff x="0" y="0"/>
+          <a:chExt cx="0" cy="0"/>
+        </a:xfrm>
+      </p:grpSpPr>
+      <p:sp>
+        <p:nvSpPr>
+          <p:cNvPr id="188" name="Google Shape;188;p40">
+            <a:extLst>
+              <a:ext uri="{FF2B5EF4-FFF2-40B4-BE49-F238E27FC236}">
+                <a16:creationId xmlns:a16="http://schemas.microsoft.com/office/drawing/2014/main" id="{F738667D-EC9F-A0F0-802F-6B059E8514A0}"/>
+              </a:ext>
+            </a:extLst>
+          </p:cNvPr>
+          <p:cNvSpPr txBox="1"/>
+          <p:nvPr/>
+        </p:nvSpPr>
+        <p:spPr>
+          <a:xfrm>
+            <a:off x="468977" y="92417"/>
+            <a:ext cx="8520600" cy="572700"/>
+          </a:xfrm>
+          <a:prstGeom prst="rect">
+            <a:avLst/>
+          </a:prstGeom>
+          <a:noFill/>
+          <a:ln>
+            <a:noFill/>
+          </a:ln>
+        </p:spPr>
+        <p:txBody>
+          <a:bodyPr spcFirstLastPara="1" wrap="square" lIns="91425" tIns="91425" rIns="91425" bIns="91425" anchor="t" anchorCtr="0">
+            <a:noAutofit/>
+          </a:bodyPr>
+          <a:lstStyle/>
+          <a:p>
+            <a:pPr marL="0" marR="0" lvl="0" indent="0" algn="l" rtl="0">
+              <a:lnSpc>
+                <a:spcPct val="100000"/>
+              </a:lnSpc>
+              <a:spcBef>
+                <a:spcPts val="0"/>
+              </a:spcBef>
+              <a:spcAft>
+                <a:spcPts val="0"/>
+              </a:spcAft>
+              <a:buClr>
+                <a:srgbClr val="000000"/>
+              </a:buClr>
+              <a:buSzPts val="2200"/>
+              <a:buFont typeface="Arial"/>
+              <a:buNone/>
+            </a:pPr>
+            <a:r>
+              <a:rPr lang="en-US" sz="2200" b="1" i="0" u="none" strike="noStrike" cap="none" dirty="0">
+                <a:solidFill>
+                  <a:schemeClr val="lt2"/>
+                </a:solidFill>
+                <a:latin typeface="Century Gothic"/>
+                <a:ea typeface="Century Gothic"/>
+                <a:cs typeface="Century Gothic"/>
+                <a:sym typeface="Century Gothic"/>
+              </a:rPr>
+              <a:t>Initial Exploratory Data Analysis (EDA)</a:t>
+            </a:r>
+            <a:endParaRPr sz="2200" b="1" i="0" u="none" strike="noStrike" cap="none" dirty="0">
+              <a:solidFill>
+                <a:schemeClr val="lt2"/>
+              </a:solidFill>
+              <a:latin typeface="Century Gothic"/>
+              <a:ea typeface="Century Gothic"/>
+              <a:cs typeface="Century Gothic"/>
+              <a:sym typeface="Century Gothic"/>
+            </a:endParaRPr>
+          </a:p>
+        </p:txBody>
+      </p:sp>
+      <p:sp>
+        <p:nvSpPr>
+          <p:cNvPr id="2" name="Slide Number Placeholder 1">
+            <a:extLst>
+              <a:ext uri="{FF2B5EF4-FFF2-40B4-BE49-F238E27FC236}">
+                <a16:creationId xmlns:a16="http://schemas.microsoft.com/office/drawing/2014/main" id="{DA4969C8-9EA9-9040-FC7E-F8A13F3155AD}"/>
+              </a:ext>
+            </a:extLst>
+          </p:cNvPr>
+          <p:cNvSpPr>
+            <a:spLocks noGrp="1"/>
+          </p:cNvSpPr>
+          <p:nvPr>
+            <p:ph type="sldNum" idx="12"/>
+          </p:nvPr>
+        </p:nvSpPr>
+        <p:spPr/>
+        <p:txBody>
+          <a:bodyPr/>
+          <a:lstStyle/>
+          <a:p>
+            <a:pPr marL="0" lvl="0" indent="0" algn="ctr" rtl="0">
+              <a:spcBef>
+                <a:spcPts val="0"/>
+              </a:spcBef>
+              <a:spcAft>
+                <a:spcPts val="0"/>
+              </a:spcAft>
+              <a:buNone/>
+            </a:pPr>
+            <a:fld id="{00000000-1234-1234-1234-123412341234}" type="slidenum">
+              <a:rPr lang="en-US" smtClean="0"/>
+              <a:t>32</a:t>
+            </a:fld>
+            <a:endParaRPr lang="en-US"/>
+          </a:p>
+        </p:txBody>
+      </p:sp>
+      <p:pic>
+        <p:nvPicPr>
+          <p:cNvPr id="4" name="Picture 3" descr="A group of graphs showing different sizes and colors&#10;&#10;AI-generated content may be incorrect.">
+            <a:extLst>
+              <a:ext uri="{FF2B5EF4-FFF2-40B4-BE49-F238E27FC236}">
+                <a16:creationId xmlns:a16="http://schemas.microsoft.com/office/drawing/2014/main" id="{D8AB1660-E972-0EF5-C744-0BF2D50E919B}"/>
+              </a:ext>
+            </a:extLst>
+          </p:cNvPr>
+          <p:cNvPicPr>
+            <a:picLocks noChangeAspect="1"/>
+          </p:cNvPicPr>
+          <p:nvPr/>
+        </p:nvPicPr>
+        <p:blipFill>
+          <a:blip r:embed="rId3"/>
+          <a:stretch>
+            <a:fillRect/>
+          </a:stretch>
+        </p:blipFill>
+        <p:spPr>
+          <a:xfrm>
+            <a:off x="1033113" y="610571"/>
+            <a:ext cx="6937575" cy="4286717"/>
+          </a:xfrm>
+          <a:prstGeom prst="rect">
+            <a:avLst/>
+          </a:prstGeom>
+        </p:spPr>
+      </p:pic>
+    </p:spTree>
+    <p:extLst>
+      <p:ext uri="{BB962C8B-B14F-4D97-AF65-F5344CB8AC3E}">
+        <p14:creationId xmlns:p14="http://schemas.microsoft.com/office/powerpoint/2010/main" val="1858809601"/>
+      </p:ext>
+    </p:extLst>
+  </p:cSld>
+  <p:clrMapOvr>
+    <a:masterClrMapping/>
+  </p:clrMapOvr>
+</p:sld>
+</file>
+
+<file path=ppt/slides/slide33.xml><?xml version="1.0" encoding="utf-8"?>
+<p:sld xmlns:a="http://schemas.openxmlformats.org/drawingml/2006/main" xmlns:r="http://schemas.openxmlformats.org/officeDocument/2006/relationships" xmlns:p="http://schemas.openxmlformats.org/presentationml/2006/main">
+  <p:cSld>
+    <p:spTree>
+      <p:nvGrpSpPr>
+        <p:cNvPr id="1" name="Shape 187">
+          <a:extLst>
+            <a:ext uri="{FF2B5EF4-FFF2-40B4-BE49-F238E27FC236}">
+              <a16:creationId xmlns:a16="http://schemas.microsoft.com/office/drawing/2014/main" id="{6BFCC694-81EA-FF02-4F4F-F0E598CB748B}"/>
+            </a:ext>
+          </a:extLst>
+        </p:cNvPr>
+        <p:cNvGrpSpPr/>
+        <p:nvPr/>
+      </p:nvGrpSpPr>
+      <p:grpSpPr>
+        <a:xfrm>
+          <a:off x="0" y="0"/>
+          <a:ext cx="0" cy="0"/>
+          <a:chOff x="0" y="0"/>
+          <a:chExt cx="0" cy="0"/>
+        </a:xfrm>
+      </p:grpSpPr>
+      <p:sp>
+        <p:nvSpPr>
+          <p:cNvPr id="188" name="Google Shape;188;p40">
+            <a:extLst>
+              <a:ext uri="{FF2B5EF4-FFF2-40B4-BE49-F238E27FC236}">
+                <a16:creationId xmlns:a16="http://schemas.microsoft.com/office/drawing/2014/main" id="{7F080ECC-6526-7E69-A7EF-C1EA3FED2097}"/>
+              </a:ext>
+            </a:extLst>
+          </p:cNvPr>
+          <p:cNvSpPr txBox="1"/>
+          <p:nvPr/>
+        </p:nvSpPr>
+        <p:spPr>
+          <a:xfrm>
+            <a:off x="468977" y="92417"/>
+            <a:ext cx="8520600" cy="572700"/>
+          </a:xfrm>
+          <a:prstGeom prst="rect">
+            <a:avLst/>
+          </a:prstGeom>
+          <a:noFill/>
+          <a:ln>
+            <a:noFill/>
+          </a:ln>
+        </p:spPr>
+        <p:txBody>
+          <a:bodyPr spcFirstLastPara="1" wrap="square" lIns="91425" tIns="91425" rIns="91425" bIns="91425" anchor="t" anchorCtr="0">
+            <a:noAutofit/>
+          </a:bodyPr>
+          <a:lstStyle/>
+          <a:p>
+            <a:pPr marL="0" marR="0" lvl="0" indent="0" algn="l" rtl="0">
+              <a:lnSpc>
+                <a:spcPct val="100000"/>
+              </a:lnSpc>
+              <a:spcBef>
+                <a:spcPts val="0"/>
+              </a:spcBef>
+              <a:spcAft>
+                <a:spcPts val="0"/>
+              </a:spcAft>
+              <a:buClr>
+                <a:srgbClr val="000000"/>
+              </a:buClr>
+              <a:buSzPts val="2200"/>
+              <a:buFont typeface="Arial"/>
+              <a:buNone/>
+            </a:pPr>
+            <a:r>
+              <a:rPr lang="en-US" sz="2200" b="1" i="0" u="none" strike="noStrike" cap="none" dirty="0">
+                <a:solidFill>
+                  <a:schemeClr val="lt2"/>
+                </a:solidFill>
+                <a:latin typeface="Century Gothic"/>
+                <a:ea typeface="Century Gothic"/>
+                <a:cs typeface="Century Gothic"/>
+                <a:sym typeface="Century Gothic"/>
+              </a:rPr>
+              <a:t>Initial Exploratory Data Analysis (EDA)</a:t>
+            </a:r>
+            <a:endParaRPr sz="2200" b="1" i="0" u="none" strike="noStrike" cap="none" dirty="0">
+              <a:solidFill>
+                <a:schemeClr val="lt2"/>
+              </a:solidFill>
+              <a:latin typeface="Century Gothic"/>
+              <a:ea typeface="Century Gothic"/>
+              <a:cs typeface="Century Gothic"/>
+              <a:sym typeface="Century Gothic"/>
+            </a:endParaRPr>
+          </a:p>
+        </p:txBody>
+      </p:sp>
+      <p:sp>
+        <p:nvSpPr>
+          <p:cNvPr id="190" name="Google Shape;190;p40">
+            <a:extLst>
+              <a:ext uri="{FF2B5EF4-FFF2-40B4-BE49-F238E27FC236}">
+                <a16:creationId xmlns:a16="http://schemas.microsoft.com/office/drawing/2014/main" id="{C69C2CA2-88E4-C461-ED30-1857B546F4F4}"/>
+              </a:ext>
+            </a:extLst>
+          </p:cNvPr>
+          <p:cNvSpPr txBox="1">
+            <a:spLocks noGrp="1"/>
+          </p:cNvSpPr>
+          <p:nvPr>
+            <p:ph type="body" idx="1"/>
+          </p:nvPr>
+        </p:nvSpPr>
+        <p:spPr>
+          <a:xfrm>
+            <a:off x="0" y="3235808"/>
+            <a:ext cx="4556303" cy="1766607"/>
+          </a:xfrm>
+          <a:prstGeom prst="rect">
+            <a:avLst/>
+          </a:prstGeom>
+          <a:noFill/>
+          <a:ln>
+            <a:noFill/>
+          </a:ln>
+        </p:spPr>
+        <p:txBody>
+          <a:bodyPr spcFirstLastPara="1" wrap="square" lIns="91425" tIns="91425" rIns="91425" bIns="91425" anchor="t" anchorCtr="0">
+            <a:spAutoFit/>
+          </a:bodyPr>
+          <a:lstStyle/>
+          <a:p>
+            <a:pPr marL="171450" indent="-171450" algn="just">
+              <a:spcBef>
+                <a:spcPts val="400"/>
+              </a:spcBef>
+              <a:buClr>
+                <a:schemeClr val="dk1"/>
+              </a:buClr>
+              <a:buSzPts val="1400"/>
+            </a:pPr>
+            <a:r>
+              <a:rPr lang="en-US" sz="1200" b="1" dirty="0">
+                <a:solidFill>
+                  <a:schemeClr val="dk1"/>
+                </a:solidFill>
+                <a:latin typeface="Nunito" pitchFamily="2" charset="0"/>
+                <a:ea typeface="Century Gothic"/>
+                <a:cs typeface="Century Gothic"/>
+                <a:sym typeface="Century Gothic"/>
+              </a:rPr>
+              <a:t>LOAN</a:t>
+            </a:r>
+            <a:r>
+              <a:rPr lang="en-US" sz="1200" dirty="0">
+                <a:solidFill>
+                  <a:schemeClr val="dk1"/>
+                </a:solidFill>
+                <a:latin typeface="Nunito" pitchFamily="2" charset="0"/>
+                <a:ea typeface="Century Gothic"/>
+                <a:cs typeface="Century Gothic"/>
+                <a:sym typeface="Century Gothic"/>
+              </a:rPr>
+              <a:t> – Perfect normal distribution, minimal skew</a:t>
+            </a:r>
+          </a:p>
+          <a:p>
+            <a:pPr marL="171450" indent="-171450" algn="just">
+              <a:spcBef>
+                <a:spcPts val="400"/>
+              </a:spcBef>
+              <a:buClr>
+                <a:schemeClr val="dk1"/>
+              </a:buClr>
+              <a:buSzPts val="1400"/>
+            </a:pPr>
+            <a:r>
+              <a:rPr lang="en-US" sz="1200" b="1" dirty="0">
+                <a:solidFill>
+                  <a:schemeClr val="dk1"/>
+                </a:solidFill>
+                <a:latin typeface="Nunito" pitchFamily="2" charset="0"/>
+                <a:ea typeface="Century Gothic"/>
+                <a:cs typeface="Century Gothic"/>
+                <a:sym typeface="Century Gothic"/>
+              </a:rPr>
+              <a:t>MORTDUE</a:t>
+            </a:r>
+            <a:r>
+              <a:rPr lang="en-US" sz="1200" dirty="0">
+                <a:solidFill>
+                  <a:schemeClr val="dk1"/>
+                </a:solidFill>
+                <a:latin typeface="Nunito" pitchFamily="2" charset="0"/>
+                <a:ea typeface="Century Gothic"/>
+                <a:cs typeface="Century Gothic"/>
+                <a:sym typeface="Century Gothic"/>
+              </a:rPr>
+              <a:t> – Perfect normal distribution, minimal skew</a:t>
+            </a:r>
+          </a:p>
+          <a:p>
+            <a:pPr marL="171450" indent="-171450" algn="just">
+              <a:spcBef>
+                <a:spcPts val="400"/>
+              </a:spcBef>
+              <a:buClr>
+                <a:schemeClr val="dk1"/>
+              </a:buClr>
+              <a:buSzPts val="1400"/>
+            </a:pPr>
+            <a:r>
+              <a:rPr lang="en-US" sz="1200" b="1" dirty="0">
+                <a:solidFill>
+                  <a:schemeClr val="dk1"/>
+                </a:solidFill>
+                <a:latin typeface="Nunito" pitchFamily="2" charset="0"/>
+                <a:ea typeface="Century Gothic"/>
+                <a:cs typeface="Century Gothic"/>
+                <a:sym typeface="Century Gothic"/>
+              </a:rPr>
+              <a:t>VALUE</a:t>
+            </a:r>
+            <a:r>
+              <a:rPr lang="en-US" sz="1200" dirty="0">
+                <a:solidFill>
+                  <a:schemeClr val="dk1"/>
+                </a:solidFill>
+                <a:latin typeface="Nunito" pitchFamily="2" charset="0"/>
+                <a:ea typeface="Century Gothic"/>
+                <a:cs typeface="Century Gothic"/>
+                <a:sym typeface="Century Gothic"/>
+              </a:rPr>
+              <a:t> – Close to normal distribution, reduced skew/kurtosis</a:t>
+            </a:r>
+          </a:p>
+          <a:p>
+            <a:pPr marL="171450" indent="-171450" algn="just">
+              <a:spcBef>
+                <a:spcPts val="400"/>
+              </a:spcBef>
+              <a:buClr>
+                <a:schemeClr val="dk1"/>
+              </a:buClr>
+              <a:buSzPts val="1400"/>
+            </a:pPr>
+            <a:r>
+              <a:rPr lang="en-US" sz="1200" b="1" dirty="0">
+                <a:solidFill>
+                  <a:schemeClr val="dk1"/>
+                </a:solidFill>
+                <a:latin typeface="Nunito" pitchFamily="2" charset="0"/>
+                <a:ea typeface="Century Gothic"/>
+                <a:cs typeface="Century Gothic"/>
+                <a:sym typeface="Century Gothic"/>
+              </a:rPr>
+              <a:t>YOJ</a:t>
+            </a:r>
+            <a:r>
+              <a:rPr lang="en-US" sz="1200" dirty="0">
+                <a:solidFill>
+                  <a:schemeClr val="dk1"/>
+                </a:solidFill>
+                <a:latin typeface="Nunito" pitchFamily="2" charset="0"/>
+                <a:ea typeface="Century Gothic"/>
+                <a:cs typeface="Century Gothic"/>
+                <a:sym typeface="Century Gothic"/>
+              </a:rPr>
+              <a:t> – </a:t>
+            </a:r>
+            <a:r>
+              <a:rPr lang="en-US" sz="1200" dirty="0"/>
+              <a:t>Already normal but now reduced skew/kurtosis</a:t>
+            </a:r>
+            <a:endParaRPr lang="en-US" sz="1200" dirty="0">
+              <a:solidFill>
+                <a:schemeClr val="dk1"/>
+              </a:solidFill>
+              <a:latin typeface="Nunito" pitchFamily="2" charset="0"/>
+              <a:ea typeface="Century Gothic"/>
+              <a:cs typeface="Century Gothic"/>
+              <a:sym typeface="Century Gothic"/>
+            </a:endParaRPr>
+          </a:p>
+          <a:p>
+            <a:pPr marL="171450" indent="-171450" algn="just">
+              <a:spcBef>
+                <a:spcPts val="400"/>
+              </a:spcBef>
+              <a:buClr>
+                <a:schemeClr val="dk1"/>
+              </a:buClr>
+              <a:buSzPts val="1400"/>
+            </a:pPr>
+            <a:r>
+              <a:rPr lang="en-US" sz="1200" b="1" dirty="0">
+                <a:solidFill>
+                  <a:schemeClr val="dk1"/>
+                </a:solidFill>
+                <a:latin typeface="Nunito" pitchFamily="2" charset="0"/>
+                <a:ea typeface="Century Gothic"/>
+                <a:cs typeface="Century Gothic"/>
+                <a:sym typeface="Century Gothic"/>
+              </a:rPr>
+              <a:t>DROG</a:t>
+            </a:r>
+            <a:r>
+              <a:rPr lang="en-US" sz="1200" dirty="0">
+                <a:solidFill>
+                  <a:schemeClr val="dk1"/>
+                </a:solidFill>
+                <a:latin typeface="Nunito" pitchFamily="2" charset="0"/>
+                <a:ea typeface="Century Gothic"/>
+                <a:cs typeface="Century Gothic"/>
+                <a:sym typeface="Century Gothic"/>
+              </a:rPr>
+              <a:t> – Zero inflated, binarize?</a:t>
+            </a:r>
+          </a:p>
+          <a:p>
+            <a:pPr marL="0" indent="0" algn="just">
+              <a:spcBef>
+                <a:spcPts val="400"/>
+              </a:spcBef>
+              <a:buClr>
+                <a:schemeClr val="dk1"/>
+              </a:buClr>
+              <a:buSzPts val="1400"/>
+              <a:buNone/>
+            </a:pPr>
+            <a:endParaRPr lang="en-US" sz="1200" dirty="0">
+              <a:solidFill>
+                <a:schemeClr val="dk1"/>
+              </a:solidFill>
+              <a:latin typeface="Nunito" pitchFamily="2" charset="0"/>
+              <a:ea typeface="Century Gothic"/>
+              <a:cs typeface="Century Gothic"/>
+              <a:sym typeface="Century Gothic"/>
+            </a:endParaRPr>
+          </a:p>
+        </p:txBody>
+      </p:sp>
+      <p:sp>
+        <p:nvSpPr>
+          <p:cNvPr id="2" name="Slide Number Placeholder 1">
+            <a:extLst>
+              <a:ext uri="{FF2B5EF4-FFF2-40B4-BE49-F238E27FC236}">
+                <a16:creationId xmlns:a16="http://schemas.microsoft.com/office/drawing/2014/main" id="{AD9AB37F-8DEF-7D1F-7469-57E038BC2018}"/>
+              </a:ext>
+            </a:extLst>
+          </p:cNvPr>
+          <p:cNvSpPr>
+            <a:spLocks noGrp="1"/>
+          </p:cNvSpPr>
+          <p:nvPr>
+            <p:ph type="sldNum" idx="12"/>
+          </p:nvPr>
+        </p:nvSpPr>
+        <p:spPr/>
+        <p:txBody>
+          <a:bodyPr/>
+          <a:lstStyle/>
+          <a:p>
+            <a:pPr marL="0" lvl="0" indent="0" algn="ctr" rtl="0">
+              <a:spcBef>
+                <a:spcPts val="0"/>
+              </a:spcBef>
+              <a:spcAft>
+                <a:spcPts val="0"/>
+              </a:spcAft>
+              <a:buNone/>
+            </a:pPr>
+            <a:fld id="{00000000-1234-1234-1234-123412341234}" type="slidenum">
+              <a:rPr lang="en-US" smtClean="0"/>
+              <a:t>33</a:t>
+            </a:fld>
+            <a:endParaRPr lang="en-US"/>
+          </a:p>
+        </p:txBody>
+      </p:sp>
+      <p:sp>
+        <p:nvSpPr>
+          <p:cNvPr id="7" name="Google Shape;190;p40">
+            <a:extLst>
+              <a:ext uri="{FF2B5EF4-FFF2-40B4-BE49-F238E27FC236}">
+                <a16:creationId xmlns:a16="http://schemas.microsoft.com/office/drawing/2014/main" id="{CCDDB7F7-AD2A-772E-27CE-6E6E5E8F9341}"/>
+              </a:ext>
+            </a:extLst>
+          </p:cNvPr>
+          <p:cNvSpPr txBox="1">
+            <a:spLocks/>
+          </p:cNvSpPr>
+          <p:nvPr/>
+        </p:nvSpPr>
+        <p:spPr>
+          <a:xfrm>
+            <a:off x="4587698" y="3284476"/>
+            <a:ext cx="4513291" cy="1766607"/>
+          </a:xfrm>
+          <a:prstGeom prst="rect">
+            <a:avLst/>
+          </a:prstGeom>
+          <a:noFill/>
+          <a:ln>
+            <a:noFill/>
+          </a:ln>
+        </p:spPr>
+        <p:txBody>
+          <a:bodyPr spcFirstLastPara="1" wrap="square" lIns="91425" tIns="91425" rIns="91425" bIns="91425" anchor="t" anchorCtr="0">
+            <a:spAutoFit/>
+          </a:bodyPr>
+          <a:lstStyle>
+            <a:defPPr marR="0" lvl="0" algn="l" rtl="0">
+              <a:lnSpc>
+                <a:spcPct val="100000"/>
+              </a:lnSpc>
+              <a:spcBef>
+                <a:spcPts val="0"/>
+              </a:spcBef>
+              <a:spcAft>
+                <a:spcPts val="0"/>
+              </a:spcAft>
+            </a:defPPr>
+            <a:lvl1pPr marL="457200" marR="0" lvl="0" indent="-323850" algn="l" rtl="0">
+              <a:lnSpc>
+                <a:spcPct val="115000"/>
+              </a:lnSpc>
+              <a:spcBef>
+                <a:spcPts val="0"/>
+              </a:spcBef>
+              <a:spcAft>
+                <a:spcPts val="0"/>
+              </a:spcAft>
+              <a:buClr>
+                <a:schemeClr val="dk2"/>
+              </a:buClr>
+              <a:buSzPts val="1500"/>
+              <a:buFont typeface="Nunito"/>
+              <a:buChar char="●"/>
+              <a:defRPr sz="1500" b="0" i="0" u="none" strike="noStrike" cap="none">
+                <a:solidFill>
+                  <a:schemeClr val="dk2"/>
+                </a:solidFill>
+                <a:latin typeface="Nunito"/>
+                <a:ea typeface="Nunito"/>
+                <a:cs typeface="Nunito"/>
+                <a:sym typeface="Nunito"/>
+              </a:defRPr>
+            </a:lvl1pPr>
+            <a:lvl2pPr marL="914400" marR="0" lvl="1" indent="-311150" algn="l" rtl="0">
+              <a:lnSpc>
+                <a:spcPct val="115000"/>
+              </a:lnSpc>
+              <a:spcBef>
+                <a:spcPts val="1600"/>
+              </a:spcBef>
+              <a:spcAft>
+                <a:spcPts val="0"/>
+              </a:spcAft>
+              <a:buClr>
+                <a:schemeClr val="dk2"/>
+              </a:buClr>
+              <a:buSzPts val="1300"/>
+              <a:buFont typeface="Nunito"/>
+              <a:buChar char="○"/>
+              <a:defRPr sz="1300" b="0" i="0" u="none" strike="noStrike" cap="none">
+                <a:solidFill>
+                  <a:schemeClr val="dk2"/>
+                </a:solidFill>
+                <a:latin typeface="Nunito"/>
+                <a:ea typeface="Nunito"/>
+                <a:cs typeface="Nunito"/>
+                <a:sym typeface="Nunito"/>
+              </a:defRPr>
+            </a:lvl2pPr>
+            <a:lvl3pPr marL="1371600" marR="0" lvl="2" indent="-304800" algn="l" rtl="0">
+              <a:lnSpc>
+                <a:spcPct val="115000"/>
+              </a:lnSpc>
+              <a:spcBef>
+                <a:spcPts val="1600"/>
+              </a:spcBef>
+              <a:spcAft>
+                <a:spcPts val="0"/>
+              </a:spcAft>
+              <a:buClr>
+                <a:schemeClr val="dk2"/>
+              </a:buClr>
+              <a:buSzPts val="1200"/>
+              <a:buFont typeface="Nunito"/>
+              <a:buChar char="■"/>
+              <a:defRPr sz="1200" b="0" i="0" u="none" strike="noStrike" cap="none">
+                <a:solidFill>
+                  <a:schemeClr val="dk2"/>
+                </a:solidFill>
+                <a:latin typeface="Nunito"/>
+                <a:ea typeface="Nunito"/>
+                <a:cs typeface="Nunito"/>
+                <a:sym typeface="Nunito"/>
+              </a:defRPr>
+            </a:lvl3pPr>
+            <a:lvl4pPr marL="1828800" marR="0" lvl="3" indent="-298450" algn="l" rtl="0">
+              <a:lnSpc>
+                <a:spcPct val="115000"/>
+              </a:lnSpc>
+              <a:spcBef>
+                <a:spcPts val="1600"/>
+              </a:spcBef>
+              <a:spcAft>
+                <a:spcPts val="0"/>
+              </a:spcAft>
+              <a:buClr>
+                <a:schemeClr val="dk2"/>
+              </a:buClr>
+              <a:buSzPts val="1100"/>
+              <a:buFont typeface="Nunito"/>
+              <a:buChar char="●"/>
+              <a:defRPr sz="1100" b="0" i="0" u="none" strike="noStrike" cap="none">
+                <a:solidFill>
+                  <a:schemeClr val="dk2"/>
+                </a:solidFill>
+                <a:latin typeface="Nunito"/>
+                <a:ea typeface="Nunito"/>
+                <a:cs typeface="Nunito"/>
+                <a:sym typeface="Nunito"/>
+              </a:defRPr>
+            </a:lvl4pPr>
+            <a:lvl5pPr marL="2286000" marR="0" lvl="4" indent="-292100" algn="l" rtl="0">
+              <a:lnSpc>
+                <a:spcPct val="115000"/>
+              </a:lnSpc>
+              <a:spcBef>
+                <a:spcPts val="1600"/>
+              </a:spcBef>
+              <a:spcAft>
+                <a:spcPts val="0"/>
+              </a:spcAft>
+              <a:buClr>
+                <a:schemeClr val="dk2"/>
+              </a:buClr>
+              <a:buSzPts val="1000"/>
+              <a:buFont typeface="Nunito"/>
+              <a:buChar char="○"/>
+              <a:defRPr sz="1000" b="0" i="0" u="none" strike="noStrike" cap="none">
+                <a:solidFill>
+                  <a:schemeClr val="dk2"/>
+                </a:solidFill>
+                <a:latin typeface="Nunito"/>
+                <a:ea typeface="Nunito"/>
+                <a:cs typeface="Nunito"/>
+                <a:sym typeface="Nunito"/>
+              </a:defRPr>
+            </a:lvl5pPr>
+            <a:lvl6pPr marL="2743200" marR="0" lvl="5" indent="-285750" algn="l" rtl="0">
+              <a:lnSpc>
+                <a:spcPct val="115000"/>
+              </a:lnSpc>
+              <a:spcBef>
+                <a:spcPts val="1600"/>
+              </a:spcBef>
+              <a:spcAft>
+                <a:spcPts val="0"/>
+              </a:spcAft>
+              <a:buClr>
+                <a:schemeClr val="dk2"/>
+              </a:buClr>
+              <a:buSzPts val="900"/>
+              <a:buFont typeface="Nunito"/>
+              <a:buChar char="■"/>
+              <a:defRPr sz="900" b="0" i="0" u="none" strike="noStrike" cap="none">
+                <a:solidFill>
+                  <a:schemeClr val="dk2"/>
+                </a:solidFill>
+                <a:latin typeface="Nunito"/>
+                <a:ea typeface="Nunito"/>
+                <a:cs typeface="Nunito"/>
+                <a:sym typeface="Nunito"/>
+              </a:defRPr>
+            </a:lvl6pPr>
+            <a:lvl7pPr marL="3200400" marR="0" lvl="6" indent="-279400" algn="l" rtl="0">
+              <a:lnSpc>
+                <a:spcPct val="115000"/>
+              </a:lnSpc>
+              <a:spcBef>
+                <a:spcPts val="1600"/>
+              </a:spcBef>
+              <a:spcAft>
+                <a:spcPts val="0"/>
+              </a:spcAft>
+              <a:buClr>
+                <a:schemeClr val="dk2"/>
+              </a:buClr>
+              <a:buSzPts val="800"/>
+              <a:buFont typeface="Nunito"/>
+              <a:buChar char="●"/>
+              <a:defRPr sz="800" b="0" i="0" u="none" strike="noStrike" cap="none">
+                <a:solidFill>
+                  <a:schemeClr val="dk2"/>
+                </a:solidFill>
+                <a:latin typeface="Nunito"/>
+                <a:ea typeface="Nunito"/>
+                <a:cs typeface="Nunito"/>
+                <a:sym typeface="Nunito"/>
+              </a:defRPr>
+            </a:lvl7pPr>
+            <a:lvl8pPr marL="3657600" marR="0" lvl="7" indent="-273050" algn="l" rtl="0">
+              <a:lnSpc>
+                <a:spcPct val="115000"/>
+              </a:lnSpc>
+              <a:spcBef>
+                <a:spcPts val="1600"/>
+              </a:spcBef>
+              <a:spcAft>
+                <a:spcPts val="0"/>
+              </a:spcAft>
+              <a:buClr>
+                <a:schemeClr val="dk2"/>
+              </a:buClr>
+              <a:buSzPts val="700"/>
+              <a:buFont typeface="Nunito"/>
+              <a:buChar char="○"/>
+              <a:defRPr sz="700" b="0" i="0" u="none" strike="noStrike" cap="none">
+                <a:solidFill>
+                  <a:schemeClr val="dk2"/>
+                </a:solidFill>
+                <a:latin typeface="Nunito"/>
+                <a:ea typeface="Nunito"/>
+                <a:cs typeface="Nunito"/>
+                <a:sym typeface="Nunito"/>
+              </a:defRPr>
+            </a:lvl8pPr>
+            <a:lvl9pPr marL="4114800" marR="0" lvl="8" indent="-266700" algn="l" rtl="0">
+              <a:lnSpc>
+                <a:spcPct val="115000"/>
+              </a:lnSpc>
+              <a:spcBef>
+                <a:spcPts val="1600"/>
+              </a:spcBef>
+              <a:spcAft>
+                <a:spcPts val="1600"/>
+              </a:spcAft>
+              <a:buClr>
+                <a:schemeClr val="dk2"/>
+              </a:buClr>
+              <a:buSzPts val="600"/>
+              <a:buFont typeface="Nunito"/>
+              <a:buChar char="■"/>
+              <a:defRPr sz="600" b="0" i="0" u="none" strike="noStrike" cap="none">
+                <a:solidFill>
+                  <a:schemeClr val="dk2"/>
+                </a:solidFill>
+                <a:latin typeface="Nunito"/>
+                <a:ea typeface="Nunito"/>
+                <a:cs typeface="Nunito"/>
+                <a:sym typeface="Nunito"/>
+              </a:defRPr>
+            </a:lvl9pPr>
+          </a:lstStyle>
+          <a:p>
+            <a:pPr marL="171450" indent="-171450" algn="just">
+              <a:spcBef>
+                <a:spcPts val="400"/>
+              </a:spcBef>
+              <a:buClr>
+                <a:schemeClr val="dk1"/>
+              </a:buClr>
+              <a:buSzPts val="1400"/>
+            </a:pPr>
+            <a:r>
+              <a:rPr lang="en-US" sz="1200" b="1" dirty="0">
+                <a:solidFill>
+                  <a:schemeClr val="dk1"/>
+                </a:solidFill>
+                <a:latin typeface="Nunito" pitchFamily="2" charset="0"/>
+                <a:ea typeface="Century Gothic"/>
+                <a:cs typeface="Century Gothic"/>
+                <a:sym typeface="Century Gothic"/>
+              </a:rPr>
+              <a:t>DELINQ</a:t>
+            </a:r>
+            <a:r>
+              <a:rPr lang="en-US" sz="1200" dirty="0">
+                <a:solidFill>
+                  <a:schemeClr val="dk1"/>
+                </a:solidFill>
+                <a:latin typeface="Nunito" pitchFamily="2" charset="0"/>
+                <a:ea typeface="Century Gothic"/>
+                <a:cs typeface="Century Gothic"/>
+                <a:sym typeface="Century Gothic"/>
+              </a:rPr>
+              <a:t> – Zero inflated, binarize?</a:t>
+            </a:r>
+          </a:p>
+          <a:p>
+            <a:pPr marL="171450" indent="-171450" algn="just">
+              <a:spcBef>
+                <a:spcPts val="400"/>
+              </a:spcBef>
+              <a:buClr>
+                <a:schemeClr val="dk1"/>
+              </a:buClr>
+              <a:buSzPts val="1400"/>
+            </a:pPr>
+            <a:r>
+              <a:rPr lang="en-US" sz="1200" b="1" dirty="0">
+                <a:solidFill>
+                  <a:schemeClr val="dk1"/>
+                </a:solidFill>
+                <a:latin typeface="Nunito" pitchFamily="2" charset="0"/>
+                <a:ea typeface="Century Gothic"/>
+                <a:cs typeface="Century Gothic"/>
+                <a:sym typeface="Century Gothic"/>
+              </a:rPr>
+              <a:t>CLAGE</a:t>
+            </a:r>
+            <a:r>
+              <a:rPr lang="en-US" sz="1200" dirty="0">
+                <a:solidFill>
+                  <a:schemeClr val="dk1"/>
+                </a:solidFill>
+                <a:latin typeface="Nunito" pitchFamily="2" charset="0"/>
+                <a:ea typeface="Century Gothic"/>
+                <a:cs typeface="Century Gothic"/>
+                <a:sym typeface="Century Gothic"/>
+              </a:rPr>
+              <a:t> – Normal, but bimodal? Reduced skew/kurtosis</a:t>
+            </a:r>
+          </a:p>
+          <a:p>
+            <a:pPr marL="171450" indent="-171450" algn="just">
+              <a:spcBef>
+                <a:spcPts val="400"/>
+              </a:spcBef>
+              <a:buClr>
+                <a:schemeClr val="dk1"/>
+              </a:buClr>
+              <a:buSzPts val="1400"/>
+            </a:pPr>
+            <a:r>
+              <a:rPr lang="en-US" sz="1200" b="1" dirty="0">
+                <a:solidFill>
+                  <a:schemeClr val="dk1"/>
+                </a:solidFill>
+                <a:latin typeface="Nunito" pitchFamily="2" charset="0"/>
+                <a:ea typeface="Century Gothic"/>
+                <a:cs typeface="Century Gothic"/>
+                <a:sym typeface="Century Gothic"/>
+              </a:rPr>
+              <a:t>NINQ</a:t>
+            </a:r>
+            <a:r>
+              <a:rPr lang="en-US" sz="1200" dirty="0">
+                <a:solidFill>
+                  <a:schemeClr val="dk1"/>
+                </a:solidFill>
+                <a:latin typeface="Nunito" pitchFamily="2" charset="0"/>
+                <a:ea typeface="Century Gothic"/>
+                <a:cs typeface="Century Gothic"/>
+                <a:sym typeface="Century Gothic"/>
+              </a:rPr>
+              <a:t> – Better. Reduced skew</a:t>
+            </a:r>
+            <a:r>
+              <a:rPr lang="en-US" sz="1200">
+                <a:solidFill>
+                  <a:schemeClr val="dk1"/>
+                </a:solidFill>
+                <a:latin typeface="Nunito" pitchFamily="2" charset="0"/>
+                <a:ea typeface="Century Gothic"/>
+                <a:cs typeface="Century Gothic"/>
+                <a:sym typeface="Century Gothic"/>
+              </a:rPr>
+              <a:t>/kurtosis.</a:t>
+            </a:r>
+            <a:endParaRPr lang="en-US" sz="1200" dirty="0">
+              <a:solidFill>
+                <a:schemeClr val="dk1"/>
+              </a:solidFill>
+              <a:latin typeface="Nunito" pitchFamily="2" charset="0"/>
+              <a:ea typeface="Century Gothic"/>
+              <a:cs typeface="Century Gothic"/>
+              <a:sym typeface="Century Gothic"/>
+            </a:endParaRPr>
+          </a:p>
+          <a:p>
+            <a:pPr marL="171450" indent="-171450" algn="just">
+              <a:spcBef>
+                <a:spcPts val="400"/>
+              </a:spcBef>
+              <a:buClr>
+                <a:schemeClr val="dk1"/>
+              </a:buClr>
+              <a:buSzPts val="1400"/>
+            </a:pPr>
+            <a:r>
+              <a:rPr lang="en-US" sz="1200" b="1" dirty="0">
+                <a:solidFill>
+                  <a:schemeClr val="dk1"/>
+                </a:solidFill>
+                <a:latin typeface="Nunito" pitchFamily="2" charset="0"/>
+                <a:ea typeface="Century Gothic"/>
+                <a:cs typeface="Century Gothic"/>
+                <a:sym typeface="Century Gothic"/>
+              </a:rPr>
+              <a:t>CLNO</a:t>
+            </a:r>
+            <a:r>
+              <a:rPr lang="en-US" sz="1200" dirty="0">
+                <a:solidFill>
+                  <a:schemeClr val="dk1"/>
+                </a:solidFill>
+                <a:latin typeface="Nunito" pitchFamily="2" charset="0"/>
+                <a:ea typeface="Century Gothic"/>
+                <a:cs typeface="Century Gothic"/>
+                <a:sym typeface="Century Gothic"/>
+              </a:rPr>
+              <a:t> – </a:t>
+            </a:r>
+            <a:r>
+              <a:rPr lang="en-US" sz="1200" dirty="0"/>
+              <a:t>Already normal but now reduced skew/kurtosis</a:t>
+            </a:r>
+            <a:endParaRPr lang="en-US" sz="1200" dirty="0">
+              <a:solidFill>
+                <a:schemeClr val="dk1"/>
+              </a:solidFill>
+              <a:latin typeface="Nunito" pitchFamily="2" charset="0"/>
+              <a:ea typeface="Century Gothic"/>
+              <a:cs typeface="Century Gothic"/>
+              <a:sym typeface="Century Gothic"/>
+            </a:endParaRPr>
+          </a:p>
+          <a:p>
+            <a:pPr marL="171450" indent="-171450" algn="just">
+              <a:spcBef>
+                <a:spcPts val="400"/>
+              </a:spcBef>
+              <a:buClr>
+                <a:schemeClr val="dk1"/>
+              </a:buClr>
+              <a:buSzPts val="1400"/>
+            </a:pPr>
+            <a:r>
+              <a:rPr lang="en-US" sz="1200" b="1" dirty="0">
+                <a:solidFill>
+                  <a:schemeClr val="dk1"/>
+                </a:solidFill>
+                <a:latin typeface="Nunito" pitchFamily="2" charset="0"/>
+                <a:ea typeface="Century Gothic"/>
+                <a:cs typeface="Century Gothic"/>
+                <a:sym typeface="Century Gothic"/>
+              </a:rPr>
+              <a:t>DEBTINC</a:t>
+            </a:r>
+            <a:r>
+              <a:rPr lang="en-US" sz="1200" dirty="0">
+                <a:solidFill>
+                  <a:schemeClr val="dk1"/>
+                </a:solidFill>
+                <a:latin typeface="Nunito" pitchFamily="2" charset="0"/>
+                <a:ea typeface="Century Gothic"/>
+                <a:cs typeface="Century Gothic"/>
+                <a:sym typeface="Century Gothic"/>
+              </a:rPr>
+              <a:t> – Normal-</a:t>
+            </a:r>
+            <a:r>
+              <a:rPr lang="en-US" sz="1200" dirty="0" err="1">
+                <a:solidFill>
+                  <a:schemeClr val="dk1"/>
+                </a:solidFill>
+                <a:latin typeface="Nunito" pitchFamily="2" charset="0"/>
+                <a:ea typeface="Century Gothic"/>
+                <a:cs typeface="Century Gothic"/>
+                <a:sym typeface="Century Gothic"/>
+              </a:rPr>
+              <a:t>ish</a:t>
+            </a:r>
+            <a:r>
+              <a:rPr lang="en-US" sz="1200" dirty="0">
+                <a:solidFill>
+                  <a:schemeClr val="dk1"/>
+                </a:solidFill>
+                <a:latin typeface="Nunito" pitchFamily="2" charset="0"/>
+                <a:ea typeface="Century Gothic"/>
+                <a:cs typeface="Century Gothic"/>
+                <a:sym typeface="Century Gothic"/>
+              </a:rPr>
+              <a:t>. Kurtosis reduced, but still high</a:t>
+            </a:r>
+          </a:p>
+          <a:p>
+            <a:pPr marL="0" indent="0" algn="just">
+              <a:spcBef>
+                <a:spcPts val="400"/>
+              </a:spcBef>
+              <a:buClr>
+                <a:schemeClr val="dk1"/>
+              </a:buClr>
+              <a:buSzPts val="1400"/>
+              <a:buFont typeface="Nunito"/>
+              <a:buNone/>
+            </a:pPr>
+            <a:endParaRPr lang="en-US" sz="1200" dirty="0">
+              <a:solidFill>
+                <a:schemeClr val="dk1"/>
+              </a:solidFill>
+              <a:latin typeface="Nunito" pitchFamily="2" charset="0"/>
+              <a:ea typeface="Century Gothic"/>
+              <a:cs typeface="Century Gothic"/>
+              <a:sym typeface="Century Gothic"/>
+            </a:endParaRPr>
+          </a:p>
+        </p:txBody>
+      </p:sp>
+      <p:pic>
+        <p:nvPicPr>
+          <p:cNvPr id="4" name="Picture 3" descr="A screenshot of a computer&#10;&#10;AI-generated content may be incorrect.">
+            <a:extLst>
+              <a:ext uri="{FF2B5EF4-FFF2-40B4-BE49-F238E27FC236}">
+                <a16:creationId xmlns:a16="http://schemas.microsoft.com/office/drawing/2014/main" id="{08D5D30F-677F-8479-79E5-878CE5246001}"/>
+              </a:ext>
+            </a:extLst>
+          </p:cNvPr>
+          <p:cNvPicPr>
+            <a:picLocks noChangeAspect="1"/>
+          </p:cNvPicPr>
+          <p:nvPr/>
+        </p:nvPicPr>
+        <p:blipFill>
+          <a:blip r:embed="rId3"/>
+          <a:stretch>
+            <a:fillRect/>
+          </a:stretch>
+        </p:blipFill>
+        <p:spPr>
+          <a:xfrm>
+            <a:off x="234489" y="665117"/>
+            <a:ext cx="8675022" cy="2226942"/>
+          </a:xfrm>
+          <a:prstGeom prst="rect">
+            <a:avLst/>
+          </a:prstGeom>
+        </p:spPr>
+      </p:pic>
+    </p:spTree>
+    <p:extLst>
+      <p:ext uri="{BB962C8B-B14F-4D97-AF65-F5344CB8AC3E}">
+        <p14:creationId xmlns:p14="http://schemas.microsoft.com/office/powerpoint/2010/main" val="3177801300"/>
+      </p:ext>
+    </p:extLst>
+  </p:cSld>
+  <p:clrMapOvr>
+    <a:masterClrMapping/>
+  </p:clrMapOvr>
+</p:sld>
+</file>
+
+<file path=ppt/slides/slide34.xml><?xml version="1.0" encoding="utf-8"?>
+<p:sld xmlns:a="http://schemas.openxmlformats.org/drawingml/2006/main" xmlns:r="http://schemas.openxmlformats.org/officeDocument/2006/relationships" xmlns:p="http://schemas.openxmlformats.org/presentationml/2006/main">
+  <p:cSld>
+    <p:spTree>
+      <p:nvGrpSpPr>
+        <p:cNvPr id="1" name="Shape 187">
+          <a:extLst>
+            <a:ext uri="{FF2B5EF4-FFF2-40B4-BE49-F238E27FC236}">
               <a16:creationId xmlns:a16="http://schemas.microsoft.com/office/drawing/2014/main" id="{9809A8D0-DF4F-253B-8839-5B81753736DD}"/>
             </a:ext>
           </a:extLst>
@@ -41050,7 +42474,7 @@
             </a:pPr>
             <a:fld id="{00000000-1234-1234-1234-123412341234}" type="slidenum">
               <a:rPr lang="en-US" smtClean="0"/>
-              <a:t>32</a:t>
+              <a:t>34</a:t>
             </a:fld>
             <a:endParaRPr lang="en-US"/>
           </a:p>
@@ -41069,7 +42493,7 @@
 </p:sld>
 </file>
 
-<file path=ppt/slides/slide33.xml><?xml version="1.0" encoding="utf-8"?>
+<file path=ppt/slides/slide35.xml><?xml version="1.0" encoding="utf-8"?>
 <p:sld xmlns:a="http://schemas.openxmlformats.org/drawingml/2006/main" xmlns:r="http://schemas.openxmlformats.org/officeDocument/2006/relationships" xmlns:p="http://schemas.openxmlformats.org/presentationml/2006/main">
   <p:cSld>
     <p:spTree>
@@ -41145,7 +42569,7 @@
             </a:pPr>
             <a:fld id="{00000000-1234-1234-1234-123412341234}" type="slidenum">
               <a:rPr lang="en-US" smtClean="0"/>
-              <a:t>33</a:t>
+              <a:t>35</a:t>
             </a:fld>
             <a:endParaRPr lang="en-US"/>
           </a:p>
@@ -41159,7 +42583,7 @@
 </p:sld>
 </file>
 
-<file path=ppt/slides/slide34.xml><?xml version="1.0" encoding="utf-8"?>
+<file path=ppt/slides/slide36.xml><?xml version="1.0" encoding="utf-8"?>
 <p:sld xmlns:a="http://schemas.openxmlformats.org/drawingml/2006/main" xmlns:r="http://schemas.openxmlformats.org/officeDocument/2006/relationships" xmlns:p="http://schemas.openxmlformats.org/presentationml/2006/main">
   <p:cSld>
     <p:spTree>
@@ -41235,7 +42659,7 @@
             </a:pPr>
             <a:fld id="{00000000-1234-1234-1234-123412341234}" type="slidenum">
               <a:rPr lang="en-US" smtClean="0"/>
-              <a:t>34</a:t>
+              <a:t>36</a:t>
             </a:fld>
             <a:endParaRPr lang="en-US"/>
           </a:p>
@@ -41249,7 +42673,7 @@
 </p:sld>
 </file>
 
-<file path=ppt/slides/slide35.xml><?xml version="1.0" encoding="utf-8"?>
+<file path=ppt/slides/slide37.xml><?xml version="1.0" encoding="utf-8"?>
 <p:sld xmlns:a="http://schemas.openxmlformats.org/drawingml/2006/main" xmlns:r="http://schemas.openxmlformats.org/officeDocument/2006/relationships" xmlns:p="http://schemas.openxmlformats.org/presentationml/2006/main">
   <p:cSld>
     <p:spTree>
@@ -41369,7 +42793,7 @@
             </a:pPr>
             <a:fld id="{00000000-1234-1234-1234-123412341234}" type="slidenum">
               <a:rPr lang="en-US" smtClean="0"/>
-              <a:t>35</a:t>
+              <a:t>37</a:t>
             </a:fld>
             <a:endParaRPr lang="en-US"/>
           </a:p>
@@ -41383,7 +42807,7 @@
 </p:sld>
 </file>
 
-<file path=ppt/slides/slide36.xml><?xml version="1.0" encoding="utf-8"?>
+<file path=ppt/slides/slide38.xml><?xml version="1.0" encoding="utf-8"?>
 <p:sld xmlns:a="http://schemas.openxmlformats.org/drawingml/2006/main" xmlns:r="http://schemas.openxmlformats.org/officeDocument/2006/relationships" xmlns:p="http://schemas.openxmlformats.org/presentationml/2006/main">
   <p:cSld>
     <p:spTree>
@@ -41587,7 +43011,7 @@
             </a:pPr>
             <a:fld id="{00000000-1234-1234-1234-123412341234}" type="slidenum">
               <a:rPr lang="en-US" smtClean="0"/>
-              <a:t>36</a:t>
+              <a:t>38</a:t>
             </a:fld>
             <a:endParaRPr lang="en-US"/>
           </a:p>
@@ -41601,7 +43025,7 @@
 </p:sld>
 </file>
 
-<file path=ppt/slides/slide37.xml><?xml version="1.0" encoding="utf-8"?>
+<file path=ppt/slides/slide39.xml><?xml version="1.0" encoding="utf-8"?>
 <p:sld xmlns:a="http://schemas.openxmlformats.org/drawingml/2006/main" xmlns:r="http://schemas.openxmlformats.org/officeDocument/2006/relationships" xmlns:p="http://schemas.openxmlformats.org/presentationml/2006/main">
   <p:cSld>
     <p:spTree>
@@ -41677,7 +43101,7 @@
             </a:pPr>
             <a:fld id="{00000000-1234-1234-1234-123412341234}" type="slidenum">
               <a:rPr lang="en-US" smtClean="0"/>
-              <a:t>37</a:t>
+              <a:t>39</a:t>
             </a:fld>
             <a:endParaRPr lang="en-US"/>
           </a:p>
@@ -41691,7 +43115,414 @@
 </p:sld>
 </file>
 
-<file path=ppt/slides/slide38.xml><?xml version="1.0" encoding="utf-8"?>
+<file path=ppt/slides/slide4.xml><?xml version="1.0" encoding="utf-8"?>
+<p:sld xmlns:a="http://schemas.openxmlformats.org/drawingml/2006/main" xmlns:r="http://schemas.openxmlformats.org/officeDocument/2006/relationships" xmlns:p="http://schemas.openxmlformats.org/presentationml/2006/main">
+  <p:cSld>
+    <p:spTree>
+      <p:nvGrpSpPr>
+        <p:cNvPr id="1" name="Shape 169"/>
+        <p:cNvGrpSpPr/>
+        <p:nvPr/>
+      </p:nvGrpSpPr>
+      <p:grpSpPr>
+        <a:xfrm>
+          <a:off x="0" y="0"/>
+          <a:ext cx="0" cy="0"/>
+          <a:chOff x="0" y="0"/>
+          <a:chExt cx="0" cy="0"/>
+        </a:xfrm>
+      </p:grpSpPr>
+      <p:sp>
+        <p:nvSpPr>
+          <p:cNvPr id="170" name="Google Shape;170;p37"/>
+          <p:cNvSpPr txBox="1">
+            <a:spLocks noGrp="1"/>
+          </p:cNvSpPr>
+          <p:nvPr>
+            <p:ph type="title"/>
+          </p:nvPr>
+        </p:nvSpPr>
+        <p:spPr>
+          <a:xfrm>
+            <a:off x="202550" y="289279"/>
+            <a:ext cx="8520600" cy="572700"/>
+          </a:xfrm>
+          <a:prstGeom prst="rect">
+            <a:avLst/>
+          </a:prstGeom>
+          <a:noFill/>
+          <a:ln>
+            <a:noFill/>
+          </a:ln>
+        </p:spPr>
+        <p:txBody>
+          <a:bodyPr spcFirstLastPara="1" wrap="square" lIns="91425" tIns="91425" rIns="91425" bIns="91425" anchor="t" anchorCtr="0">
+            <a:noAutofit/>
+          </a:bodyPr>
+          <a:lstStyle/>
+          <a:p>
+            <a:pPr marL="0" lvl="0" indent="0" algn="l" rtl="0">
+              <a:lnSpc>
+                <a:spcPct val="100000"/>
+              </a:lnSpc>
+              <a:spcBef>
+                <a:spcPts val="0"/>
+              </a:spcBef>
+              <a:spcAft>
+                <a:spcPts val="0"/>
+              </a:spcAft>
+              <a:buSzPts val="2200"/>
+              <a:buNone/>
+            </a:pPr>
+            <a:r>
+              <a:rPr lang="en-US">
+                <a:solidFill>
+                  <a:schemeClr val="lt2"/>
+                </a:solidFill>
+                <a:latin typeface="Century Gothic"/>
+                <a:ea typeface="Century Gothic"/>
+                <a:cs typeface="Century Gothic"/>
+                <a:sym typeface="Century Gothic"/>
+              </a:rPr>
+              <a:t>Data Dictionary</a:t>
+            </a:r>
+            <a:endParaRPr>
+              <a:solidFill>
+                <a:schemeClr val="lt2"/>
+              </a:solidFill>
+              <a:latin typeface="Century Gothic"/>
+              <a:ea typeface="Century Gothic"/>
+              <a:cs typeface="Century Gothic"/>
+              <a:sym typeface="Century Gothic"/>
+            </a:endParaRPr>
+          </a:p>
+        </p:txBody>
+      </p:sp>
+      <p:sp>
+        <p:nvSpPr>
+          <p:cNvPr id="171" name="Google Shape;171;p37"/>
+          <p:cNvSpPr txBox="1">
+            <a:spLocks noGrp="1"/>
+          </p:cNvSpPr>
+          <p:nvPr>
+            <p:ph type="body" idx="1"/>
+          </p:nvPr>
+        </p:nvSpPr>
+        <p:spPr>
+          <a:xfrm>
+            <a:off x="311750" y="861975"/>
+            <a:ext cx="8520600" cy="3706800"/>
+          </a:xfrm>
+          <a:prstGeom prst="rect">
+            <a:avLst/>
+          </a:prstGeom>
+          <a:noFill/>
+          <a:ln>
+            <a:noFill/>
+          </a:ln>
+        </p:spPr>
+        <p:txBody>
+          <a:bodyPr spcFirstLastPara="1" wrap="square" lIns="91425" tIns="91425" rIns="91425" bIns="91425" anchor="t" anchorCtr="0">
+            <a:noAutofit/>
+          </a:bodyPr>
+          <a:lstStyle/>
+          <a:p>
+            <a:pPr marL="457200" lvl="0" indent="-228600" algn="l" rtl="0">
+              <a:lnSpc>
+                <a:spcPct val="150000"/>
+              </a:lnSpc>
+              <a:spcBef>
+                <a:spcPts val="1000"/>
+              </a:spcBef>
+              <a:spcAft>
+                <a:spcPts val="0"/>
+              </a:spcAft>
+              <a:buClr>
+                <a:schemeClr val="dk1"/>
+              </a:buClr>
+              <a:buSzPts val="1200"/>
+              <a:buFont typeface="Century Gothic"/>
+              <a:buNone/>
+            </a:pPr>
+            <a:endParaRPr sz="1200">
+              <a:solidFill>
+                <a:schemeClr val="dk1"/>
+              </a:solidFill>
+              <a:latin typeface="Century Gothic"/>
+              <a:ea typeface="Century Gothic"/>
+              <a:cs typeface="Century Gothic"/>
+              <a:sym typeface="Century Gothic"/>
+            </a:endParaRPr>
+          </a:p>
+          <a:p>
+            <a:pPr marL="457200" lvl="0" indent="-304800" algn="l" rtl="0">
+              <a:lnSpc>
+                <a:spcPct val="150000"/>
+              </a:lnSpc>
+              <a:spcBef>
+                <a:spcPts val="1000"/>
+              </a:spcBef>
+              <a:spcAft>
+                <a:spcPts val="0"/>
+              </a:spcAft>
+              <a:buClr>
+                <a:schemeClr val="dk1"/>
+              </a:buClr>
+              <a:buSzPts val="1200"/>
+              <a:buFont typeface="Century Gothic"/>
+              <a:buChar char="●"/>
+            </a:pPr>
+            <a:r>
+              <a:rPr lang="en-US" sz="1200">
+                <a:solidFill>
+                  <a:schemeClr val="dk1"/>
+                </a:solidFill>
+                <a:latin typeface="Century Gothic"/>
+                <a:ea typeface="Century Gothic"/>
+                <a:cs typeface="Century Gothic"/>
+                <a:sym typeface="Century Gothic"/>
+              </a:rPr>
+              <a:t>DEROG: Number of major derogatory reports (serious delinquency/late payments)</a:t>
+            </a:r>
+            <a:endParaRPr/>
+          </a:p>
+          <a:p>
+            <a:pPr marL="457200" lvl="0" indent="-304800" algn="l" rtl="0">
+              <a:lnSpc>
+                <a:spcPct val="150000"/>
+              </a:lnSpc>
+              <a:spcBef>
+                <a:spcPts val="1000"/>
+              </a:spcBef>
+              <a:spcAft>
+                <a:spcPts val="0"/>
+              </a:spcAft>
+              <a:buClr>
+                <a:schemeClr val="dk1"/>
+              </a:buClr>
+              <a:buSzPts val="1200"/>
+              <a:buFont typeface="Century Gothic"/>
+              <a:buChar char="●"/>
+            </a:pPr>
+            <a:r>
+              <a:rPr lang="en-US" sz="1200">
+                <a:solidFill>
+                  <a:schemeClr val="dk1"/>
+                </a:solidFill>
+                <a:latin typeface="Century Gothic"/>
+                <a:ea typeface="Century Gothic"/>
+                <a:cs typeface="Century Gothic"/>
+                <a:sym typeface="Century Gothic"/>
+              </a:rPr>
+              <a:t>DELINQ: Number of delinquent credit lines (past due payments)</a:t>
+            </a:r>
+            <a:endParaRPr/>
+          </a:p>
+          <a:p>
+            <a:pPr marL="457200" lvl="0" indent="-304800" algn="l" rtl="0">
+              <a:lnSpc>
+                <a:spcPct val="150000"/>
+              </a:lnSpc>
+              <a:spcBef>
+                <a:spcPts val="1000"/>
+              </a:spcBef>
+              <a:spcAft>
+                <a:spcPts val="0"/>
+              </a:spcAft>
+              <a:buClr>
+                <a:schemeClr val="dk1"/>
+              </a:buClr>
+              <a:buSzPts val="1200"/>
+              <a:buFont typeface="Century Gothic"/>
+              <a:buChar char="●"/>
+            </a:pPr>
+            <a:r>
+              <a:rPr lang="en-US" sz="1200">
+                <a:solidFill>
+                  <a:schemeClr val="dk1"/>
+                </a:solidFill>
+                <a:latin typeface="Century Gothic"/>
+                <a:ea typeface="Century Gothic"/>
+                <a:cs typeface="Century Gothic"/>
+                <a:sym typeface="Century Gothic"/>
+              </a:rPr>
+              <a:t>CLAGE: Age of the oldest credit line in months</a:t>
+            </a:r>
+            <a:endParaRPr/>
+          </a:p>
+          <a:p>
+            <a:pPr marL="457200" lvl="0" indent="-304800" algn="l" rtl="0">
+              <a:lnSpc>
+                <a:spcPct val="150000"/>
+              </a:lnSpc>
+              <a:spcBef>
+                <a:spcPts val="1000"/>
+              </a:spcBef>
+              <a:spcAft>
+                <a:spcPts val="0"/>
+              </a:spcAft>
+              <a:buClr>
+                <a:schemeClr val="dk1"/>
+              </a:buClr>
+              <a:buSzPts val="1200"/>
+              <a:buFont typeface="Century Gothic"/>
+              <a:buChar char="●"/>
+            </a:pPr>
+            <a:r>
+              <a:rPr lang="en-US" sz="1200">
+                <a:solidFill>
+                  <a:schemeClr val="dk1"/>
+                </a:solidFill>
+                <a:latin typeface="Century Gothic"/>
+                <a:ea typeface="Century Gothic"/>
+                <a:cs typeface="Century Gothic"/>
+                <a:sym typeface="Century Gothic"/>
+              </a:rPr>
+              <a:t>NINQ: Number of recent credit inquiries</a:t>
+            </a:r>
+            <a:endParaRPr/>
+          </a:p>
+          <a:p>
+            <a:pPr marL="457200" lvl="0" indent="-304800" algn="l" rtl="0">
+              <a:lnSpc>
+                <a:spcPct val="150000"/>
+              </a:lnSpc>
+              <a:spcBef>
+                <a:spcPts val="1000"/>
+              </a:spcBef>
+              <a:spcAft>
+                <a:spcPts val="0"/>
+              </a:spcAft>
+              <a:buClr>
+                <a:schemeClr val="dk1"/>
+              </a:buClr>
+              <a:buSzPts val="1200"/>
+              <a:buFont typeface="Century Gothic"/>
+              <a:buChar char="●"/>
+            </a:pPr>
+            <a:r>
+              <a:rPr lang="en-US" sz="1200">
+                <a:solidFill>
+                  <a:schemeClr val="dk1"/>
+                </a:solidFill>
+                <a:latin typeface="Century Gothic"/>
+                <a:ea typeface="Century Gothic"/>
+                <a:cs typeface="Century Gothic"/>
+                <a:sym typeface="Century Gothic"/>
+              </a:rPr>
+              <a:t>CLNO: Number of existing credit lines</a:t>
+            </a:r>
+            <a:endParaRPr/>
+          </a:p>
+          <a:p>
+            <a:pPr marL="457200" lvl="0" indent="-304800" algn="l" rtl="0">
+              <a:lnSpc>
+                <a:spcPct val="150000"/>
+              </a:lnSpc>
+              <a:spcBef>
+                <a:spcPts val="1000"/>
+              </a:spcBef>
+              <a:spcAft>
+                <a:spcPts val="0"/>
+              </a:spcAft>
+              <a:buClr>
+                <a:schemeClr val="dk1"/>
+              </a:buClr>
+              <a:buSzPts val="1200"/>
+              <a:buFont typeface="Century Gothic"/>
+              <a:buChar char="●"/>
+            </a:pPr>
+            <a:r>
+              <a:rPr lang="en-US" sz="1200">
+                <a:solidFill>
+                  <a:schemeClr val="dk1"/>
+                </a:solidFill>
+                <a:latin typeface="Century Gothic"/>
+                <a:ea typeface="Century Gothic"/>
+                <a:cs typeface="Century Gothic"/>
+                <a:sym typeface="Century Gothic"/>
+              </a:rPr>
+              <a:t>DEBTINC: Debt-to-income ratio (all monthly debt payments divided by gross monthly income)</a:t>
+            </a:r>
+            <a:endParaRPr/>
+          </a:p>
+          <a:p>
+            <a:pPr marL="914400" lvl="0" indent="-228600" algn="l" rtl="0">
+              <a:lnSpc>
+                <a:spcPct val="115000"/>
+              </a:lnSpc>
+              <a:spcBef>
+                <a:spcPts val="1000"/>
+              </a:spcBef>
+              <a:spcAft>
+                <a:spcPts val="0"/>
+              </a:spcAft>
+              <a:buClr>
+                <a:srgbClr val="2D3B45"/>
+              </a:buClr>
+              <a:buSzPts val="1200"/>
+              <a:buFont typeface="Century Gothic"/>
+              <a:buNone/>
+            </a:pPr>
+            <a:endParaRPr sz="1200">
+              <a:solidFill>
+                <a:schemeClr val="dk1"/>
+              </a:solidFill>
+              <a:latin typeface="Century Gothic"/>
+              <a:ea typeface="Century Gothic"/>
+              <a:cs typeface="Century Gothic"/>
+              <a:sym typeface="Century Gothic"/>
+            </a:endParaRPr>
+          </a:p>
+        </p:txBody>
+      </p:sp>
+      <p:sp>
+        <p:nvSpPr>
+          <p:cNvPr id="2" name="Slide Number Placeholder 1">
+            <a:extLst>
+              <a:ext uri="{FF2B5EF4-FFF2-40B4-BE49-F238E27FC236}">
+                <a16:creationId xmlns:a16="http://schemas.microsoft.com/office/drawing/2014/main" id="{CC5786F4-E255-FBF4-D23D-7D139A55AF1F}"/>
+              </a:ext>
+            </a:extLst>
+          </p:cNvPr>
+          <p:cNvSpPr>
+            <a:spLocks noGrp="1"/>
+          </p:cNvSpPr>
+          <p:nvPr>
+            <p:ph type="sldNum" idx="12"/>
+          </p:nvPr>
+        </p:nvSpPr>
+        <p:spPr/>
+        <p:txBody>
+          <a:bodyPr/>
+          <a:lstStyle/>
+          <a:p>
+            <a:pPr marL="0" lvl="0" indent="0" algn="ctr" rtl="0">
+              <a:spcBef>
+                <a:spcPts val="0"/>
+              </a:spcBef>
+              <a:spcAft>
+                <a:spcPts val="0"/>
+              </a:spcAft>
+              <a:buNone/>
+            </a:pPr>
+            <a:fld id="{00000000-1234-1234-1234-123412341234}" type="slidenum">
+              <a:rPr lang="en-US" smtClean="0"/>
+              <a:t>4</a:t>
+            </a:fld>
+            <a:endParaRPr lang="en-US"/>
+          </a:p>
+        </p:txBody>
+      </p:sp>
+    </p:spTree>
+  </p:cSld>
+  <p:clrMapOvr>
+    <a:masterClrMapping/>
+  </p:clrMapOvr>
+</p:sld>
+</file>
+
+<file path=ppt/slides/slide40.xml><?xml version="1.0" encoding="utf-8"?>
 <p:sld xmlns:a="http://schemas.openxmlformats.org/drawingml/2006/main" xmlns:r="http://schemas.openxmlformats.org/officeDocument/2006/relationships" xmlns:p="http://schemas.openxmlformats.org/presentationml/2006/main">
   <p:cSld>
     <p:spTree>
@@ -41811,7 +43642,7 @@
             </a:pPr>
             <a:fld id="{00000000-1234-1234-1234-123412341234}" type="slidenum">
               <a:rPr lang="en-US" smtClean="0"/>
-              <a:t>38</a:t>
+              <a:t>40</a:t>
             </a:fld>
             <a:endParaRPr lang="en-US"/>
           </a:p>
@@ -41825,7 +43656,7 @@
 </p:sld>
 </file>
 
-<file path=ppt/slides/slide39.xml><?xml version="1.0" encoding="utf-8"?>
+<file path=ppt/slides/slide41.xml><?xml version="1.0" encoding="utf-8"?>
 <p:sld xmlns:a="http://schemas.openxmlformats.org/drawingml/2006/main" xmlns:r="http://schemas.openxmlformats.org/officeDocument/2006/relationships" xmlns:p="http://schemas.openxmlformats.org/presentationml/2006/main">
   <p:cSld>
     <p:spTree>
@@ -41901,7 +43732,7 @@
             </a:pPr>
             <a:fld id="{00000000-1234-1234-1234-123412341234}" type="slidenum">
               <a:rPr lang="en-US" smtClean="0"/>
-              <a:t>39</a:t>
+              <a:t>41</a:t>
             </a:fld>
             <a:endParaRPr lang="en-US"/>
           </a:p>
@@ -41915,414 +43746,7 @@
 </p:sld>
 </file>
 
-<file path=ppt/slides/slide4.xml><?xml version="1.0" encoding="utf-8"?>
-<p:sld xmlns:a="http://schemas.openxmlformats.org/drawingml/2006/main" xmlns:r="http://schemas.openxmlformats.org/officeDocument/2006/relationships" xmlns:p="http://schemas.openxmlformats.org/presentationml/2006/main">
-  <p:cSld>
-    <p:spTree>
-      <p:nvGrpSpPr>
-        <p:cNvPr id="1" name="Shape 169"/>
-        <p:cNvGrpSpPr/>
-        <p:nvPr/>
-      </p:nvGrpSpPr>
-      <p:grpSpPr>
-        <a:xfrm>
-          <a:off x="0" y="0"/>
-          <a:ext cx="0" cy="0"/>
-          <a:chOff x="0" y="0"/>
-          <a:chExt cx="0" cy="0"/>
-        </a:xfrm>
-      </p:grpSpPr>
-      <p:sp>
-        <p:nvSpPr>
-          <p:cNvPr id="170" name="Google Shape;170;p37"/>
-          <p:cNvSpPr txBox="1">
-            <a:spLocks noGrp="1"/>
-          </p:cNvSpPr>
-          <p:nvPr>
-            <p:ph type="title"/>
-          </p:nvPr>
-        </p:nvSpPr>
-        <p:spPr>
-          <a:xfrm>
-            <a:off x="202550" y="289279"/>
-            <a:ext cx="8520600" cy="572700"/>
-          </a:xfrm>
-          <a:prstGeom prst="rect">
-            <a:avLst/>
-          </a:prstGeom>
-          <a:noFill/>
-          <a:ln>
-            <a:noFill/>
-          </a:ln>
-        </p:spPr>
-        <p:txBody>
-          <a:bodyPr spcFirstLastPara="1" wrap="square" lIns="91425" tIns="91425" rIns="91425" bIns="91425" anchor="t" anchorCtr="0">
-            <a:noAutofit/>
-          </a:bodyPr>
-          <a:lstStyle/>
-          <a:p>
-            <a:pPr marL="0" lvl="0" indent="0" algn="l" rtl="0">
-              <a:lnSpc>
-                <a:spcPct val="100000"/>
-              </a:lnSpc>
-              <a:spcBef>
-                <a:spcPts val="0"/>
-              </a:spcBef>
-              <a:spcAft>
-                <a:spcPts val="0"/>
-              </a:spcAft>
-              <a:buSzPts val="2200"/>
-              <a:buNone/>
-            </a:pPr>
-            <a:r>
-              <a:rPr lang="en-US">
-                <a:solidFill>
-                  <a:schemeClr val="lt2"/>
-                </a:solidFill>
-                <a:latin typeface="Century Gothic"/>
-                <a:ea typeface="Century Gothic"/>
-                <a:cs typeface="Century Gothic"/>
-                <a:sym typeface="Century Gothic"/>
-              </a:rPr>
-              <a:t>Data Dictionary</a:t>
-            </a:r>
-            <a:endParaRPr>
-              <a:solidFill>
-                <a:schemeClr val="lt2"/>
-              </a:solidFill>
-              <a:latin typeface="Century Gothic"/>
-              <a:ea typeface="Century Gothic"/>
-              <a:cs typeface="Century Gothic"/>
-              <a:sym typeface="Century Gothic"/>
-            </a:endParaRPr>
-          </a:p>
-        </p:txBody>
-      </p:sp>
-      <p:sp>
-        <p:nvSpPr>
-          <p:cNvPr id="171" name="Google Shape;171;p37"/>
-          <p:cNvSpPr txBox="1">
-            <a:spLocks noGrp="1"/>
-          </p:cNvSpPr>
-          <p:nvPr>
-            <p:ph type="body" idx="1"/>
-          </p:nvPr>
-        </p:nvSpPr>
-        <p:spPr>
-          <a:xfrm>
-            <a:off x="311750" y="861975"/>
-            <a:ext cx="8520600" cy="3706800"/>
-          </a:xfrm>
-          <a:prstGeom prst="rect">
-            <a:avLst/>
-          </a:prstGeom>
-          <a:noFill/>
-          <a:ln>
-            <a:noFill/>
-          </a:ln>
-        </p:spPr>
-        <p:txBody>
-          <a:bodyPr spcFirstLastPara="1" wrap="square" lIns="91425" tIns="91425" rIns="91425" bIns="91425" anchor="t" anchorCtr="0">
-            <a:noAutofit/>
-          </a:bodyPr>
-          <a:lstStyle/>
-          <a:p>
-            <a:pPr marL="457200" lvl="0" indent="-228600" algn="l" rtl="0">
-              <a:lnSpc>
-                <a:spcPct val="150000"/>
-              </a:lnSpc>
-              <a:spcBef>
-                <a:spcPts val="1000"/>
-              </a:spcBef>
-              <a:spcAft>
-                <a:spcPts val="0"/>
-              </a:spcAft>
-              <a:buClr>
-                <a:schemeClr val="dk1"/>
-              </a:buClr>
-              <a:buSzPts val="1200"/>
-              <a:buFont typeface="Century Gothic"/>
-              <a:buNone/>
-            </a:pPr>
-            <a:endParaRPr sz="1200">
-              <a:solidFill>
-                <a:schemeClr val="dk1"/>
-              </a:solidFill>
-              <a:latin typeface="Century Gothic"/>
-              <a:ea typeface="Century Gothic"/>
-              <a:cs typeface="Century Gothic"/>
-              <a:sym typeface="Century Gothic"/>
-            </a:endParaRPr>
-          </a:p>
-          <a:p>
-            <a:pPr marL="457200" lvl="0" indent="-304800" algn="l" rtl="0">
-              <a:lnSpc>
-                <a:spcPct val="150000"/>
-              </a:lnSpc>
-              <a:spcBef>
-                <a:spcPts val="1000"/>
-              </a:spcBef>
-              <a:spcAft>
-                <a:spcPts val="0"/>
-              </a:spcAft>
-              <a:buClr>
-                <a:schemeClr val="dk1"/>
-              </a:buClr>
-              <a:buSzPts val="1200"/>
-              <a:buFont typeface="Century Gothic"/>
-              <a:buChar char="●"/>
-            </a:pPr>
-            <a:r>
-              <a:rPr lang="en-US" sz="1200">
-                <a:solidFill>
-                  <a:schemeClr val="dk1"/>
-                </a:solidFill>
-                <a:latin typeface="Century Gothic"/>
-                <a:ea typeface="Century Gothic"/>
-                <a:cs typeface="Century Gothic"/>
-                <a:sym typeface="Century Gothic"/>
-              </a:rPr>
-              <a:t>DEROG: Number of major derogatory reports (serious delinquency/late payments)</a:t>
-            </a:r>
-            <a:endParaRPr/>
-          </a:p>
-          <a:p>
-            <a:pPr marL="457200" lvl="0" indent="-304800" algn="l" rtl="0">
-              <a:lnSpc>
-                <a:spcPct val="150000"/>
-              </a:lnSpc>
-              <a:spcBef>
-                <a:spcPts val="1000"/>
-              </a:spcBef>
-              <a:spcAft>
-                <a:spcPts val="0"/>
-              </a:spcAft>
-              <a:buClr>
-                <a:schemeClr val="dk1"/>
-              </a:buClr>
-              <a:buSzPts val="1200"/>
-              <a:buFont typeface="Century Gothic"/>
-              <a:buChar char="●"/>
-            </a:pPr>
-            <a:r>
-              <a:rPr lang="en-US" sz="1200">
-                <a:solidFill>
-                  <a:schemeClr val="dk1"/>
-                </a:solidFill>
-                <a:latin typeface="Century Gothic"/>
-                <a:ea typeface="Century Gothic"/>
-                <a:cs typeface="Century Gothic"/>
-                <a:sym typeface="Century Gothic"/>
-              </a:rPr>
-              <a:t>DELINQ: Number of delinquent credit lines (past due payments)</a:t>
-            </a:r>
-            <a:endParaRPr/>
-          </a:p>
-          <a:p>
-            <a:pPr marL="457200" lvl="0" indent="-304800" algn="l" rtl="0">
-              <a:lnSpc>
-                <a:spcPct val="150000"/>
-              </a:lnSpc>
-              <a:spcBef>
-                <a:spcPts val="1000"/>
-              </a:spcBef>
-              <a:spcAft>
-                <a:spcPts val="0"/>
-              </a:spcAft>
-              <a:buClr>
-                <a:schemeClr val="dk1"/>
-              </a:buClr>
-              <a:buSzPts val="1200"/>
-              <a:buFont typeface="Century Gothic"/>
-              <a:buChar char="●"/>
-            </a:pPr>
-            <a:r>
-              <a:rPr lang="en-US" sz="1200">
-                <a:solidFill>
-                  <a:schemeClr val="dk1"/>
-                </a:solidFill>
-                <a:latin typeface="Century Gothic"/>
-                <a:ea typeface="Century Gothic"/>
-                <a:cs typeface="Century Gothic"/>
-                <a:sym typeface="Century Gothic"/>
-              </a:rPr>
-              <a:t>CLAGE: Age of the oldest credit line in months</a:t>
-            </a:r>
-            <a:endParaRPr/>
-          </a:p>
-          <a:p>
-            <a:pPr marL="457200" lvl="0" indent="-304800" algn="l" rtl="0">
-              <a:lnSpc>
-                <a:spcPct val="150000"/>
-              </a:lnSpc>
-              <a:spcBef>
-                <a:spcPts val="1000"/>
-              </a:spcBef>
-              <a:spcAft>
-                <a:spcPts val="0"/>
-              </a:spcAft>
-              <a:buClr>
-                <a:schemeClr val="dk1"/>
-              </a:buClr>
-              <a:buSzPts val="1200"/>
-              <a:buFont typeface="Century Gothic"/>
-              <a:buChar char="●"/>
-            </a:pPr>
-            <a:r>
-              <a:rPr lang="en-US" sz="1200">
-                <a:solidFill>
-                  <a:schemeClr val="dk1"/>
-                </a:solidFill>
-                <a:latin typeface="Century Gothic"/>
-                <a:ea typeface="Century Gothic"/>
-                <a:cs typeface="Century Gothic"/>
-                <a:sym typeface="Century Gothic"/>
-              </a:rPr>
-              <a:t>NINQ: Number of recent credit inquiries</a:t>
-            </a:r>
-            <a:endParaRPr/>
-          </a:p>
-          <a:p>
-            <a:pPr marL="457200" lvl="0" indent="-304800" algn="l" rtl="0">
-              <a:lnSpc>
-                <a:spcPct val="150000"/>
-              </a:lnSpc>
-              <a:spcBef>
-                <a:spcPts val="1000"/>
-              </a:spcBef>
-              <a:spcAft>
-                <a:spcPts val="0"/>
-              </a:spcAft>
-              <a:buClr>
-                <a:schemeClr val="dk1"/>
-              </a:buClr>
-              <a:buSzPts val="1200"/>
-              <a:buFont typeface="Century Gothic"/>
-              <a:buChar char="●"/>
-            </a:pPr>
-            <a:r>
-              <a:rPr lang="en-US" sz="1200">
-                <a:solidFill>
-                  <a:schemeClr val="dk1"/>
-                </a:solidFill>
-                <a:latin typeface="Century Gothic"/>
-                <a:ea typeface="Century Gothic"/>
-                <a:cs typeface="Century Gothic"/>
-                <a:sym typeface="Century Gothic"/>
-              </a:rPr>
-              <a:t>CLNO: Number of existing credit lines</a:t>
-            </a:r>
-            <a:endParaRPr/>
-          </a:p>
-          <a:p>
-            <a:pPr marL="457200" lvl="0" indent="-304800" algn="l" rtl="0">
-              <a:lnSpc>
-                <a:spcPct val="150000"/>
-              </a:lnSpc>
-              <a:spcBef>
-                <a:spcPts val="1000"/>
-              </a:spcBef>
-              <a:spcAft>
-                <a:spcPts val="0"/>
-              </a:spcAft>
-              <a:buClr>
-                <a:schemeClr val="dk1"/>
-              </a:buClr>
-              <a:buSzPts val="1200"/>
-              <a:buFont typeface="Century Gothic"/>
-              <a:buChar char="●"/>
-            </a:pPr>
-            <a:r>
-              <a:rPr lang="en-US" sz="1200">
-                <a:solidFill>
-                  <a:schemeClr val="dk1"/>
-                </a:solidFill>
-                <a:latin typeface="Century Gothic"/>
-                <a:ea typeface="Century Gothic"/>
-                <a:cs typeface="Century Gothic"/>
-                <a:sym typeface="Century Gothic"/>
-              </a:rPr>
-              <a:t>DEBTINC: Debt-to-income ratio (all monthly debt payments divided by gross monthly income)</a:t>
-            </a:r>
-            <a:endParaRPr/>
-          </a:p>
-          <a:p>
-            <a:pPr marL="914400" lvl="0" indent="-228600" algn="l" rtl="0">
-              <a:lnSpc>
-                <a:spcPct val="115000"/>
-              </a:lnSpc>
-              <a:spcBef>
-                <a:spcPts val="1000"/>
-              </a:spcBef>
-              <a:spcAft>
-                <a:spcPts val="0"/>
-              </a:spcAft>
-              <a:buClr>
-                <a:srgbClr val="2D3B45"/>
-              </a:buClr>
-              <a:buSzPts val="1200"/>
-              <a:buFont typeface="Century Gothic"/>
-              <a:buNone/>
-            </a:pPr>
-            <a:endParaRPr sz="1200">
-              <a:solidFill>
-                <a:schemeClr val="dk1"/>
-              </a:solidFill>
-              <a:latin typeface="Century Gothic"/>
-              <a:ea typeface="Century Gothic"/>
-              <a:cs typeface="Century Gothic"/>
-              <a:sym typeface="Century Gothic"/>
-            </a:endParaRPr>
-          </a:p>
-        </p:txBody>
-      </p:sp>
-      <p:sp>
-        <p:nvSpPr>
-          <p:cNvPr id="2" name="Slide Number Placeholder 1">
-            <a:extLst>
-              <a:ext uri="{FF2B5EF4-FFF2-40B4-BE49-F238E27FC236}">
-                <a16:creationId xmlns:a16="http://schemas.microsoft.com/office/drawing/2014/main" id="{CC5786F4-E255-FBF4-D23D-7D139A55AF1F}"/>
-              </a:ext>
-            </a:extLst>
-          </p:cNvPr>
-          <p:cNvSpPr>
-            <a:spLocks noGrp="1"/>
-          </p:cNvSpPr>
-          <p:nvPr>
-            <p:ph type="sldNum" idx="12"/>
-          </p:nvPr>
-        </p:nvSpPr>
-        <p:spPr/>
-        <p:txBody>
-          <a:bodyPr/>
-          <a:lstStyle/>
-          <a:p>
-            <a:pPr marL="0" lvl="0" indent="0" algn="ctr" rtl="0">
-              <a:spcBef>
-                <a:spcPts val="0"/>
-              </a:spcBef>
-              <a:spcAft>
-                <a:spcPts val="0"/>
-              </a:spcAft>
-              <a:buNone/>
-            </a:pPr>
-            <a:fld id="{00000000-1234-1234-1234-123412341234}" type="slidenum">
-              <a:rPr lang="en-US" smtClean="0"/>
-              <a:t>4</a:t>
-            </a:fld>
-            <a:endParaRPr lang="en-US"/>
-          </a:p>
-        </p:txBody>
-      </p:sp>
-    </p:spTree>
-  </p:cSld>
-  <p:clrMapOvr>
-    <a:masterClrMapping/>
-  </p:clrMapOvr>
-</p:sld>
-</file>
-
-<file path=ppt/slides/slide40.xml><?xml version="1.0" encoding="utf-8"?>
+<file path=ppt/slides/slide42.xml><?xml version="1.0" encoding="utf-8"?>
 <p:sld xmlns:a="http://schemas.openxmlformats.org/drawingml/2006/main" xmlns:r="http://schemas.openxmlformats.org/officeDocument/2006/relationships" xmlns:p="http://schemas.openxmlformats.org/presentationml/2006/main">
   <p:cSld>
     <p:spTree>
@@ -43001,7 +44425,7 @@
             </a:pPr>
             <a:fld id="{00000000-1234-1234-1234-123412341234}" type="slidenum">
               <a:rPr lang="en-US" smtClean="0"/>
-              <a:t>40</a:t>
+              <a:t>42</a:t>
             </a:fld>
             <a:endParaRPr lang="en-US"/>
           </a:p>
@@ -43015,7 +44439,7 @@
 </p:sld>
 </file>
 
-<file path=ppt/slides/slide41.xml><?xml version="1.0" encoding="utf-8"?>
+<file path=ppt/slides/slide43.xml><?xml version="1.0" encoding="utf-8"?>
 <p:sld xmlns:a="http://schemas.openxmlformats.org/drawingml/2006/main" xmlns:r="http://schemas.openxmlformats.org/officeDocument/2006/relationships" xmlns:p="http://schemas.openxmlformats.org/presentationml/2006/main">
   <p:cSld>
     <p:spTree>
@@ -43694,7 +45118,7 @@
             </a:pPr>
             <a:fld id="{00000000-1234-1234-1234-123412341234}" type="slidenum">
               <a:rPr lang="en-US" smtClean="0"/>
-              <a:t>41</a:t>
+              <a:t>43</a:t>
             </a:fld>
             <a:endParaRPr lang="en-US"/>
           </a:p>
@@ -43708,7 +45132,7 @@
 </p:sld>
 </file>
 
-<file path=ppt/slides/slide42.xml><?xml version="1.0" encoding="utf-8"?>
+<file path=ppt/slides/slide44.xml><?xml version="1.0" encoding="utf-8"?>
 <p:sld xmlns:a="http://schemas.openxmlformats.org/drawingml/2006/main" xmlns:r="http://schemas.openxmlformats.org/officeDocument/2006/relationships" xmlns:p="http://schemas.openxmlformats.org/presentationml/2006/main">
   <p:cSld>
     <p:spTree>
@@ -44477,7 +45901,7 @@
             </a:pPr>
             <a:fld id="{00000000-1234-1234-1234-123412341234}" type="slidenum">
               <a:rPr lang="en-US" smtClean="0"/>
-              <a:t>42</a:t>
+              <a:t>44</a:t>
             </a:fld>
             <a:endParaRPr lang="en-US"/>
           </a:p>
@@ -44491,7 +45915,7 @@
 </p:sld>
 </file>
 
-<file path=ppt/slides/slide43.xml><?xml version="1.0" encoding="utf-8"?>
+<file path=ppt/slides/slide45.xml><?xml version="1.0" encoding="utf-8"?>
 <p:sld xmlns:a="http://schemas.openxmlformats.org/drawingml/2006/main" xmlns:r="http://schemas.openxmlformats.org/officeDocument/2006/relationships" xmlns:p="http://schemas.openxmlformats.org/presentationml/2006/main">
   <p:cSld>
     <p:spTree>
@@ -45964,7 +47388,7 @@
             </a:pPr>
             <a:fld id="{00000000-1234-1234-1234-123412341234}" type="slidenum">
               <a:rPr lang="en-US" smtClean="0"/>
-              <a:t>43</a:t>
+              <a:t>45</a:t>
             </a:fld>
             <a:endParaRPr lang="en-US"/>
           </a:p>
@@ -45978,7 +47402,7 @@
 </p:sld>
 </file>
 
-<file path=ppt/slides/slide44.xml><?xml version="1.0" encoding="utf-8"?>
+<file path=ppt/slides/slide46.xml><?xml version="1.0" encoding="utf-8"?>
 <p:sld xmlns:a="http://schemas.openxmlformats.org/drawingml/2006/main" xmlns:r="http://schemas.openxmlformats.org/officeDocument/2006/relationships" xmlns:p="http://schemas.openxmlformats.org/presentationml/2006/main">
   <p:cSld>
     <p:spTree>
@@ -46163,7 +47587,7 @@
             </a:pPr>
             <a:fld id="{00000000-1234-1234-1234-123412341234}" type="slidenum">
               <a:rPr lang="en-US" smtClean="0"/>
-              <a:t>44</a:t>
+              <a:t>46</a:t>
             </a:fld>
             <a:endParaRPr lang="en-US"/>
           </a:p>
@@ -46177,7 +47601,7 @@
 </p:sld>
 </file>
 
-<file path=ppt/slides/slide45.xml><?xml version="1.0" encoding="utf-8"?>
+<file path=ppt/slides/slide47.xml><?xml version="1.0" encoding="utf-8"?>
 <p:sld xmlns:a="http://schemas.openxmlformats.org/drawingml/2006/main" xmlns:r="http://schemas.openxmlformats.org/officeDocument/2006/relationships" xmlns:p="http://schemas.openxmlformats.org/presentationml/2006/main">
   <p:cSld>
     <p:spTree>
@@ -46270,7 +47694,7 @@
 </p:sld>
 </file>
 
-<file path=ppt/slides/slide46.xml><?xml version="1.0" encoding="utf-8"?>
+<file path=ppt/slides/slide48.xml><?xml version="1.0" encoding="utf-8"?>
 <p:sld xmlns:a="http://schemas.openxmlformats.org/drawingml/2006/main" xmlns:r="http://schemas.openxmlformats.org/officeDocument/2006/relationships" xmlns:p="http://schemas.openxmlformats.org/presentationml/2006/main">
   <p:cSld>
     <p:spTree>
@@ -46455,7 +47879,7 @@
             </a:pPr>
             <a:fld id="{00000000-1234-1234-1234-123412341234}" type="slidenum">
               <a:rPr lang="en-US" smtClean="0"/>
-              <a:t>46</a:t>
+              <a:t>48</a:t>
             </a:fld>
             <a:endParaRPr lang="en-US"/>
           </a:p>
@@ -46469,7 +47893,7 @@
 </p:sld>
 </file>
 
-<file path=ppt/slides/slide47.xml><?xml version="1.0" encoding="utf-8"?>
+<file path=ppt/slides/slide49.xml><?xml version="1.0" encoding="utf-8"?>
 <p:sld xmlns:a="http://schemas.openxmlformats.org/drawingml/2006/main" xmlns:r="http://schemas.openxmlformats.org/officeDocument/2006/relationships" xmlns:p="http://schemas.openxmlformats.org/presentationml/2006/main">
   <p:cSld>
     <p:spTree>
@@ -46576,7 +48000,7 @@
             </a:pPr>
             <a:fld id="{00000000-1234-1234-1234-123412341234}" type="slidenum">
               <a:rPr lang="en-US"/>
-              <a:t>47</a:t>
+              <a:t>49</a:t>
             </a:fld>
             <a:endParaRPr/>
           </a:p>

--- a/Neural Networks - Loan Default/Loan Default Prediction Presentation - Business Interpretation - John Buczkowski.pptx
+++ b/Neural Networks - Loan Default/Loan Default Prediction Presentation - Business Interpretation - John Buczkowski.pptx
@@ -32193,8 +32193,8 @@
         </p:nvSpPr>
         <p:spPr>
           <a:xfrm>
-            <a:off x="148364" y="1322561"/>
-            <a:ext cx="8629800" cy="1989598"/>
+            <a:off x="202964" y="482009"/>
+            <a:ext cx="8629800" cy="4401101"/>
           </a:xfrm>
         </p:spPr>
         <p:txBody>
@@ -32204,11 +32204,60 @@
             <a:pPr lvl="0"/>
             <a:r>
               <a:rPr lang="en-US" b="1" dirty="0"/>
-              <a:t>Improved revenue</a:t>
+              <a:t>Model Development</a:t>
             </a:r>
             <a:r>
               <a:rPr lang="en-US" dirty="0"/>
-              <a:t>: Better inventory management and optimized cancellation policies</a:t>
+              <a:t>: </a:t>
+            </a:r>
+          </a:p>
+          <a:p>
+            <a:pPr lvl="1">
+              <a:spcBef>
+                <a:spcPts val="400"/>
+              </a:spcBef>
+            </a:pPr>
+            <a:r>
+              <a:rPr lang="en-US" dirty="0"/>
+              <a:t>Build a highly performant classification model using ANN to predict loan </a:t>
+            </a:r>
+            <a:r>
+              <a:rPr lang="en-US" dirty="0" err="1"/>
+              <a:t>efaults</a:t>
+            </a:r>
+            <a:r>
+              <a:rPr lang="en-US" dirty="0"/>
+              <a:t>.</a:t>
+            </a:r>
+          </a:p>
+          <a:p>
+            <a:pPr lvl="1">
+              <a:spcBef>
+                <a:spcPts val="400"/>
+              </a:spcBef>
+            </a:pPr>
+            <a:r>
+              <a:rPr lang="en-US" dirty="0"/>
+              <a:t>Make the model interpretable so approvals/rejections can be easily justifiable</a:t>
+            </a:r>
+          </a:p>
+          <a:p>
+            <a:pPr lvl="1">
+              <a:spcBef>
+                <a:spcPts val="400"/>
+              </a:spcBef>
+            </a:pPr>
+            <a:r>
+              <a:rPr lang="en-US" dirty="0"/>
+              <a:t>Select optimal model parameters through hyperparameter tuning (</a:t>
+            </a:r>
+            <a:r>
+              <a:rPr lang="en-US" b="1" dirty="0" err="1"/>
+              <a:t>GridSearchCV</a:t>
+            </a:r>
+            <a:r>
+              <a:rPr lang="en-US" dirty="0"/>
+              <a:t>)</a:t>
             </a:r>
           </a:p>
           <a:p>
@@ -32221,11 +32270,33 @@
             <a:pPr lvl="0"/>
             <a:r>
               <a:rPr lang="en-US" b="1" dirty="0"/>
-              <a:t>Reduced operational costs</a:t>
+              <a:t>Risk Identification</a:t>
             </a:r>
             <a:r>
               <a:rPr lang="en-US" dirty="0"/>
-              <a:t>: More efficient resource allocation</a:t>
+              <a:t>: </a:t>
+            </a:r>
+          </a:p>
+          <a:p>
+            <a:pPr lvl="1">
+              <a:spcBef>
+                <a:spcPts val="400"/>
+              </a:spcBef>
+            </a:pPr>
+            <a:r>
+              <a:rPr lang="en-US" dirty="0"/>
+              <a:t>Identify the key features that are the strongest predictors of loan default</a:t>
+            </a:r>
+          </a:p>
+          <a:p>
+            <a:pPr lvl="1">
+              <a:spcBef>
+                <a:spcPts val="400"/>
+              </a:spcBef>
+            </a:pPr>
+            <a:r>
+              <a:rPr lang="en-US" dirty="0"/>
+              <a:t>Establish acceptable risk thresholds</a:t>
             </a:r>
           </a:p>
           <a:p>
@@ -32238,11 +32309,44 @@
             <a:pPr lvl="0"/>
             <a:r>
               <a:rPr lang="en-US" b="1" dirty="0"/>
-              <a:t>Enhanced customer experience</a:t>
+              <a:t>Process Improvement</a:t>
             </a:r>
             <a:r>
               <a:rPr lang="en-US" dirty="0"/>
-              <a:t>: Customized policies for different risk segments</a:t>
+              <a:t>: </a:t>
+            </a:r>
+          </a:p>
+          <a:p>
+            <a:pPr lvl="1">
+              <a:spcBef>
+                <a:spcPts val="400"/>
+              </a:spcBef>
+            </a:pPr>
+            <a:r>
+              <a:rPr lang="en-US" dirty="0"/>
+              <a:t>Minimize human subjectivity and bias in loan decisions</a:t>
+            </a:r>
+          </a:p>
+          <a:p>
+            <a:pPr lvl="1">
+              <a:spcBef>
+                <a:spcPts val="400"/>
+              </a:spcBef>
+            </a:pPr>
+            <a:r>
+              <a:rPr lang="en-US" dirty="0"/>
+              <a:t>Streamline decision making time by adding automation to the process</a:t>
+            </a:r>
+          </a:p>
+          <a:p>
+            <a:pPr lvl="1">
+              <a:spcBef>
+                <a:spcPts val="400"/>
+              </a:spcBef>
+            </a:pPr>
+            <a:r>
+              <a:rPr lang="en-US" dirty="0"/>
+              <a:t>Establish standardized assessments for all applicants</a:t>
             </a:r>
           </a:p>
           <a:p>
@@ -32255,11 +32359,52 @@
             <a:pPr lvl="0"/>
             <a:r>
               <a:rPr lang="en-US" b="1" dirty="0"/>
-              <a:t>Data-driven decision making</a:t>
+              <a:t>Increase Business Value</a:t>
             </a:r>
             <a:r>
               <a:rPr lang="en-US" dirty="0"/>
-              <a:t>: Actionable insights for strategic planning</a:t>
+              <a:t>: </a:t>
+            </a:r>
+          </a:p>
+          <a:p>
+            <a:pPr lvl="1">
+              <a:spcBef>
+                <a:spcPts val="400"/>
+              </a:spcBef>
+            </a:pPr>
+            <a:r>
+              <a:rPr lang="en-US" dirty="0"/>
+              <a:t>Identify high-risk applicants to minimize loan defaults</a:t>
+            </a:r>
+          </a:p>
+          <a:p>
+            <a:pPr lvl="1">
+              <a:spcBef>
+                <a:spcPts val="400"/>
+              </a:spcBef>
+            </a:pPr>
+            <a:r>
+              <a:rPr lang="en-US" dirty="0"/>
+              <a:t>Reduce </a:t>
+            </a:r>
+            <a:r>
+              <a:rPr lang="en-US" dirty="0" err="1"/>
+              <a:t>labour</a:t>
+            </a:r>
+            <a:r>
+              <a:rPr lang="en-US" dirty="0"/>
+              <a:t>/manpower required in the current approval process</a:t>
+            </a:r>
+          </a:p>
+          <a:p>
+            <a:pPr lvl="1">
+              <a:spcBef>
+                <a:spcPts val="400"/>
+              </a:spcBef>
+            </a:pPr>
+            <a:r>
+              <a:rPr lang="en-US" dirty="0"/>
+              <a:t>Increase scalability (process more loans) while keep costs low</a:t>
             </a:r>
           </a:p>
           <a:p>
@@ -32267,16 +32412,6 @@
               <a:buNone/>
             </a:pPr>
             <a:endParaRPr lang="en-US" sz="400" dirty="0"/>
-          </a:p>
-          <a:p>
-            <a:r>
-              <a:rPr lang="en-US" b="1" dirty="0"/>
-              <a:t>Additional revenue streams: </a:t>
-            </a:r>
-            <a:r>
-              <a:rPr lang="en-US" dirty="0"/>
-              <a:t>Suggest new programs and strategies to capture untapped revenue streams</a:t>
-            </a:r>
           </a:p>
         </p:txBody>
       </p:sp>
@@ -35590,7 +35725,7 @@
               <a:buChar char="●"/>
             </a:pPr>
             <a:r>
-              <a:rPr lang="en-US" sz="1400">
+              <a:rPr lang="en-US" sz="1400" dirty="0">
                 <a:solidFill>
                   <a:schemeClr val="dk1"/>
                 </a:solidFill>
@@ -35601,7 +35736,7 @@
               </a:rPr>
               <a:t>Business Problem Overview &amp; Solution Approach</a:t>
             </a:r>
-            <a:endParaRPr/>
+            <a:endParaRPr dirty="0"/>
           </a:p>
           <a:p>
             <a:pPr marL="457200" lvl="0" indent="-317500" algn="l" rtl="0">
@@ -35622,7 +35757,7 @@
               <a:buChar char="●"/>
             </a:pPr>
             <a:r>
-              <a:rPr lang="en-US" sz="1400">
+              <a:rPr lang="en-US" sz="1400" dirty="0">
                 <a:solidFill>
                   <a:schemeClr val="dk1"/>
                 </a:solidFill>
@@ -35633,7 +35768,7 @@
               </a:rPr>
               <a:t>Data Dictionary</a:t>
             </a:r>
-            <a:endParaRPr/>
+            <a:endParaRPr dirty="0"/>
           </a:p>
           <a:p>
             <a:pPr marL="457200" lvl="0" indent="-317500" algn="l" rtl="0">
@@ -35654,7 +35789,7 @@
               <a:buChar char="●"/>
             </a:pPr>
             <a:r>
-              <a:rPr lang="en-US" sz="1400">
+              <a:rPr lang="en-US" sz="1400" dirty="0">
                 <a:solidFill>
                   <a:schemeClr val="dk1"/>
                 </a:solidFill>
@@ -35665,7 +35800,7 @@
               </a:rPr>
               <a:t>Exploratory Data Analysis (EDA) Results</a:t>
             </a:r>
-            <a:endParaRPr/>
+            <a:endParaRPr dirty="0"/>
           </a:p>
           <a:p>
             <a:pPr marL="457200" lvl="0" indent="-317500" algn="l" rtl="0">
@@ -35686,7 +35821,7 @@
               <a:buChar char="●"/>
             </a:pPr>
             <a:r>
-              <a:rPr lang="en-US" sz="1400">
+              <a:rPr lang="en-US" sz="1400" dirty="0">
                 <a:solidFill>
                   <a:schemeClr val="dk1"/>
                 </a:solidFill>
@@ -35697,7 +35832,7 @@
               </a:rPr>
               <a:t>Data Preprocessing</a:t>
             </a:r>
-            <a:endParaRPr/>
+            <a:endParaRPr dirty="0"/>
           </a:p>
           <a:p>
             <a:pPr marL="457200" lvl="0" indent="-317500" algn="l" rtl="0">
@@ -35718,7 +35853,7 @@
               <a:buChar char="●"/>
             </a:pPr>
             <a:r>
-              <a:rPr lang="en-US" sz="1400">
+              <a:rPr lang="en-US" sz="1400" dirty="0">
                 <a:solidFill>
                   <a:schemeClr val="dk1"/>
                 </a:solidFill>
@@ -35729,7 +35864,7 @@
               </a:rPr>
               <a:t>Model Performance Summary</a:t>
             </a:r>
-            <a:endParaRPr/>
+            <a:endParaRPr dirty="0"/>
           </a:p>
           <a:p>
             <a:pPr marL="457200" lvl="0" indent="-317500" algn="l" rtl="0">
@@ -35750,7 +35885,7 @@
               <a:buChar char="●"/>
             </a:pPr>
             <a:r>
-              <a:rPr lang="en-US" sz="1400">
+              <a:rPr lang="en-US" sz="1400" dirty="0">
                 <a:solidFill>
                   <a:schemeClr val="dk1"/>
                 </a:solidFill>
@@ -35761,7 +35896,7 @@
               </a:rPr>
               <a:t>Best Model Selection</a:t>
             </a:r>
-            <a:endParaRPr/>
+            <a:endParaRPr dirty="0"/>
           </a:p>
           <a:p>
             <a:pPr marL="457200" lvl="0" indent="-317500" algn="l" rtl="0">
@@ -35782,7 +35917,7 @@
               <a:buChar char="●"/>
             </a:pPr>
             <a:r>
-              <a:rPr lang="en-US" sz="1400">
+              <a:rPr lang="en-US" sz="1400" dirty="0">
                 <a:solidFill>
                   <a:schemeClr val="dk1"/>
                 </a:solidFill>
@@ -35793,7 +35928,7 @@
               </a:rPr>
               <a:t>Conclusions &amp; Recommendations</a:t>
             </a:r>
-            <a:endParaRPr/>
+            <a:endParaRPr dirty="0"/>
           </a:p>
           <a:p>
             <a:pPr marL="457200" lvl="0" indent="-317500" algn="l" rtl="0">
@@ -35814,7 +35949,7 @@
               <a:buChar char="●"/>
             </a:pPr>
             <a:r>
-              <a:rPr lang="en-US" sz="1400">
+              <a:rPr lang="en-US" sz="1400" dirty="0">
                 <a:solidFill>
                   <a:schemeClr val="dk1"/>
                 </a:solidFill>
@@ -35825,7 +35960,7 @@
               </a:rPr>
               <a:t>Appendix / Screenshots</a:t>
             </a:r>
-            <a:endParaRPr/>
+            <a:endParaRPr dirty="0"/>
           </a:p>
         </p:txBody>
       </p:sp>
@@ -42040,29 +42175,8 @@
                 <a:cs typeface="Century Gothic"/>
                 <a:sym typeface="Century Gothic"/>
               </a:rPr>
-              <a:t> – Better. Reduced skew</a:t>
+              <a:t> – Better. Reduced skew/kurtosis.</a:t>
             </a:r>
-            <a:r>
-              <a:rPr lang="en-US" sz="1200">
-                <a:solidFill>
-                  <a:schemeClr val="dk1"/>
-                </a:solidFill>
-                <a:latin typeface="Nunito" pitchFamily="2" charset="0"/>
-                <a:ea typeface="Century Gothic"/>
-                <a:cs typeface="Century Gothic"/>
-                <a:sym typeface="Century Gothic"/>
-              </a:rPr>
-              <a:t>/kurtosis.</a:t>
-            </a:r>
-            <a:endParaRPr lang="en-US" sz="1200" dirty="0">
-              <a:solidFill>
-                <a:schemeClr val="dk1"/>
-              </a:solidFill>
-              <a:latin typeface="Nunito" pitchFamily="2" charset="0"/>
-              <a:ea typeface="Century Gothic"/>
-              <a:cs typeface="Century Gothic"/>
-              <a:sym typeface="Century Gothic"/>
-            </a:endParaRPr>
           </a:p>
           <a:p>
             <a:pPr marL="171450" indent="-171450" algn="just">
@@ -48846,13 +48960,8 @@
             <a:pPr marL="1828800"/>
             <a:r>
               <a:rPr lang="en-US" dirty="0"/>
-              <a:t>Bottlenecks, long turn around times – reduces potential for </a:t>
+              <a:t>Bottlenecks, long turn around times – reduces potential for scalability</a:t>
             </a:r>
-            <a:r>
-              <a:rPr lang="en-US" dirty="0" err="1"/>
-              <a:t>scalibility</a:t>
-            </a:r>
-            <a:endParaRPr lang="en-US" dirty="0"/>
           </a:p>
         </p:txBody>
       </p:sp>
@@ -49124,15 +49233,7 @@
             </a:pPr>
             <a:r>
               <a:rPr lang="en-US" dirty="0"/>
-              <a:t>Build a classification model using an Artificial Neural Network (ANN) to predict clients who are likely to default on  loans. The </a:t>
-            </a:r>
-            <a:r>
-              <a:rPr lang="en-US"/>
-              <a:t>model should provide </a:t>
-            </a:r>
-            <a:r>
-              <a:rPr lang="en-US" dirty="0"/>
-              <a:t>recommendations on the key features to consider during loan approval.</a:t>
+              <a:t>Build a classification model using an Artificial Neural Network (ANN) to predict clients who are likely to default on  loans. The model should provide recommendations on the key features to consider during loan approval.</a:t>
             </a:r>
           </a:p>
         </p:txBody>

--- a/Neural Networks - Loan Default/Loan Default Prediction Presentation - Business Interpretation - John Buczkowski.pptx
+++ b/Neural Networks - Loan Default/Loan Default Prediction Presentation - Business Interpretation - John Buczkowski.pptx
@@ -7,7 +7,7 @@
     <p:sldMasterId id="2147483680" r:id="rId3"/>
   </p:sldMasterIdLst>
   <p:notesMasterIdLst>
-    <p:notesMasterId r:id="rId53"/>
+    <p:notesMasterId r:id="rId52"/>
   </p:notesMasterIdLst>
   <p:sldIdLst>
     <p:sldId id="256" r:id="rId4"/>
@@ -27,67 +27,66 @@
     <p:sldId id="295" r:id="rId18"/>
     <p:sldId id="296" r:id="rId19"/>
     <p:sldId id="297" r:id="rId20"/>
-    <p:sldId id="298" r:id="rId21"/>
-    <p:sldId id="299" r:id="rId22"/>
-    <p:sldId id="300" r:id="rId23"/>
-    <p:sldId id="301" r:id="rId24"/>
-    <p:sldId id="303" r:id="rId25"/>
-    <p:sldId id="304" r:id="rId26"/>
-    <p:sldId id="305" r:id="rId27"/>
-    <p:sldId id="306" r:id="rId28"/>
-    <p:sldId id="307" r:id="rId29"/>
-    <p:sldId id="308" r:id="rId30"/>
-    <p:sldId id="309" r:id="rId31"/>
-    <p:sldId id="310" r:id="rId32"/>
-    <p:sldId id="312" r:id="rId33"/>
-    <p:sldId id="313" r:id="rId34"/>
-    <p:sldId id="314" r:id="rId35"/>
-    <p:sldId id="315" r:id="rId36"/>
-    <p:sldId id="311" r:id="rId37"/>
-    <p:sldId id="263" r:id="rId38"/>
-    <p:sldId id="264" r:id="rId39"/>
-    <p:sldId id="265" r:id="rId40"/>
+    <p:sldId id="316" r:id="rId21"/>
+    <p:sldId id="311" r:id="rId22"/>
+    <p:sldId id="263" r:id="rId23"/>
+    <p:sldId id="298" r:id="rId24"/>
+    <p:sldId id="299" r:id="rId25"/>
+    <p:sldId id="300" r:id="rId26"/>
+    <p:sldId id="301" r:id="rId27"/>
+    <p:sldId id="303" r:id="rId28"/>
+    <p:sldId id="304" r:id="rId29"/>
+    <p:sldId id="305" r:id="rId30"/>
+    <p:sldId id="306" r:id="rId31"/>
+    <p:sldId id="307" r:id="rId32"/>
+    <p:sldId id="308" r:id="rId33"/>
+    <p:sldId id="309" r:id="rId34"/>
+    <p:sldId id="310" r:id="rId35"/>
+    <p:sldId id="312" r:id="rId36"/>
+    <p:sldId id="313" r:id="rId37"/>
+    <p:sldId id="264" r:id="rId38"/>
+    <p:sldId id="314" r:id="rId39"/>
+    <p:sldId id="315" r:id="rId40"/>
     <p:sldId id="266" r:id="rId41"/>
     <p:sldId id="267" r:id="rId42"/>
-    <p:sldId id="268" r:id="rId43"/>
-    <p:sldId id="269" r:id="rId44"/>
-    <p:sldId id="270" r:id="rId45"/>
-    <p:sldId id="271" r:id="rId46"/>
-    <p:sldId id="272" r:id="rId47"/>
-    <p:sldId id="273" r:id="rId48"/>
-    <p:sldId id="274" r:id="rId49"/>
-    <p:sldId id="275" r:id="rId50"/>
-    <p:sldId id="276" r:id="rId51"/>
-    <p:sldId id="277" r:id="rId52"/>
+    <p:sldId id="269" r:id="rId43"/>
+    <p:sldId id="270" r:id="rId44"/>
+    <p:sldId id="271" r:id="rId45"/>
+    <p:sldId id="272" r:id="rId46"/>
+    <p:sldId id="273" r:id="rId47"/>
+    <p:sldId id="274" r:id="rId48"/>
+    <p:sldId id="275" r:id="rId49"/>
+    <p:sldId id="276" r:id="rId50"/>
+    <p:sldId id="277" r:id="rId51"/>
   </p:sldIdLst>
   <p:sldSz cx="9144000" cy="5143500" type="screen16x9"/>
   <p:notesSz cx="6858000" cy="9144000"/>
   <p:embeddedFontLst>
     <p:embeddedFont>
       <p:font typeface="Century Gothic" panose="020B0502020202020204" pitchFamily="34" charset="0"/>
-      <p:regular r:id="rId54"/>
-      <p:bold r:id="rId55"/>
-      <p:italic r:id="rId56"/>
-      <p:boldItalic r:id="rId57"/>
+      <p:regular r:id="rId53"/>
+      <p:bold r:id="rId54"/>
+      <p:italic r:id="rId55"/>
+      <p:boldItalic r:id="rId56"/>
     </p:embeddedFont>
     <p:embeddedFont>
       <p:font typeface="Nunito" pitchFamily="2" charset="0"/>
-      <p:regular r:id="rId58"/>
-      <p:bold r:id="rId59"/>
-      <p:italic r:id="rId60"/>
-      <p:boldItalic r:id="rId61"/>
+      <p:regular r:id="rId57"/>
+      <p:bold r:id="rId58"/>
+      <p:italic r:id="rId59"/>
+      <p:boldItalic r:id="rId60"/>
     </p:embeddedFont>
     <p:embeddedFont>
       <p:font typeface="Nunito ExtraBold" pitchFamily="2" charset="0"/>
-      <p:bold r:id="rId62"/>
-      <p:boldItalic r:id="rId63"/>
+      <p:bold r:id="rId61"/>
+      <p:boldItalic r:id="rId62"/>
     </p:embeddedFont>
     <p:embeddedFont>
       <p:font typeface="Nunito SemiBold" pitchFamily="2" charset="0"/>
-      <p:regular r:id="rId64"/>
-      <p:bold r:id="rId65"/>
-      <p:italic r:id="rId66"/>
-      <p:boldItalic r:id="rId67"/>
+      <p:regular r:id="rId63"/>
+      <p:bold r:id="rId64"/>
+      <p:italic r:id="rId65"/>
+      <p:boldItalic r:id="rId66"/>
     </p:embeddedFont>
   </p:embeddedFontLst>
   <p:defaultTextStyle>
@@ -1772,6 +1771,418 @@
         <p:cNvPr id="1" name="Shape 184">
           <a:extLst>
             <a:ext uri="{FF2B5EF4-FFF2-40B4-BE49-F238E27FC236}">
+              <a16:creationId xmlns:a16="http://schemas.microsoft.com/office/drawing/2014/main" id="{F3E50D1A-2B01-3903-E6B3-6CFF7313684D}"/>
+            </a:ext>
+          </a:extLst>
+        </p:cNvPr>
+        <p:cNvGrpSpPr/>
+        <p:nvPr/>
+      </p:nvGrpSpPr>
+      <p:grpSpPr>
+        <a:xfrm>
+          <a:off x="0" y="0"/>
+          <a:ext cx="0" cy="0"/>
+          <a:chOff x="0" y="0"/>
+          <a:chExt cx="0" cy="0"/>
+        </a:xfrm>
+      </p:grpSpPr>
+      <p:sp>
+        <p:nvSpPr>
+          <p:cNvPr id="185" name="Google Shape;185;p7:notes">
+            <a:extLst>
+              <a:ext uri="{FF2B5EF4-FFF2-40B4-BE49-F238E27FC236}">
+                <a16:creationId xmlns:a16="http://schemas.microsoft.com/office/drawing/2014/main" id="{2746ACEE-0C37-AE3D-6DC4-B2A7D07607CC}"/>
+              </a:ext>
+            </a:extLst>
+          </p:cNvPr>
+          <p:cNvSpPr>
+            <a:spLocks noGrp="1" noRot="1" noChangeAspect="1"/>
+          </p:cNvSpPr>
+          <p:nvPr>
+            <p:ph type="sldImg" idx="2"/>
+          </p:nvPr>
+        </p:nvSpPr>
+        <p:spPr>
+          <a:xfrm>
+            <a:off x="381000" y="685800"/>
+            <a:ext cx="6096000" cy="3429000"/>
+          </a:xfrm>
+          <a:custGeom>
+            <a:avLst/>
+            <a:gdLst/>
+            <a:ahLst/>
+            <a:cxnLst/>
+            <a:rect l="l" t="t" r="r" b="b"/>
+            <a:pathLst>
+              <a:path w="120000" h="120000" extrusionOk="0">
+                <a:moveTo>
+                  <a:pt x="0" y="0"/>
+                </a:moveTo>
+                <a:lnTo>
+                  <a:pt x="120000" y="0"/>
+                </a:lnTo>
+                <a:lnTo>
+                  <a:pt x="120000" y="120000"/>
+                </a:lnTo>
+                <a:lnTo>
+                  <a:pt x="0" y="120000"/>
+                </a:lnTo>
+                <a:close/>
+              </a:path>
+            </a:pathLst>
+          </a:custGeom>
+          <a:noFill/>
+          <a:ln w="9525" cap="flat" cmpd="sng">
+            <a:solidFill>
+              <a:srgbClr val="000000"/>
+            </a:solidFill>
+            <a:prstDash val="solid"/>
+            <a:round/>
+            <a:headEnd type="none" w="sm" len="sm"/>
+            <a:tailEnd type="none" w="sm" len="sm"/>
+          </a:ln>
+        </p:spPr>
+      </p:sp>
+      <p:sp>
+        <p:nvSpPr>
+          <p:cNvPr id="186" name="Google Shape;186;p7:notes">
+            <a:extLst>
+              <a:ext uri="{FF2B5EF4-FFF2-40B4-BE49-F238E27FC236}">
+                <a16:creationId xmlns:a16="http://schemas.microsoft.com/office/drawing/2014/main" id="{A1CC811C-BCB1-1BB0-7862-35D39C813277}"/>
+              </a:ext>
+            </a:extLst>
+          </p:cNvPr>
+          <p:cNvSpPr txBox="1">
+            <a:spLocks noGrp="1"/>
+          </p:cNvSpPr>
+          <p:nvPr>
+            <p:ph type="body" idx="1"/>
+          </p:nvPr>
+        </p:nvSpPr>
+        <p:spPr>
+          <a:xfrm>
+            <a:off x="685800" y="4343400"/>
+            <a:ext cx="5486400" cy="4114800"/>
+          </a:xfrm>
+          <a:prstGeom prst="rect">
+            <a:avLst/>
+          </a:prstGeom>
+          <a:noFill/>
+          <a:ln>
+            <a:noFill/>
+          </a:ln>
+        </p:spPr>
+        <p:txBody>
+          <a:bodyPr spcFirstLastPara="1" wrap="square" lIns="91425" tIns="91425" rIns="91425" bIns="91425" anchor="t" anchorCtr="0">
+            <a:noAutofit/>
+          </a:bodyPr>
+          <a:lstStyle/>
+          <a:p>
+            <a:pPr marL="0" lvl="0" indent="0" algn="l" rtl="0">
+              <a:lnSpc>
+                <a:spcPct val="100000"/>
+              </a:lnSpc>
+              <a:spcBef>
+                <a:spcPts val="0"/>
+              </a:spcBef>
+              <a:spcAft>
+                <a:spcPts val="0"/>
+              </a:spcAft>
+              <a:buSzPts val="1100"/>
+              <a:buNone/>
+            </a:pPr>
+            <a:endParaRPr/>
+          </a:p>
+        </p:txBody>
+      </p:sp>
+    </p:spTree>
+    <p:extLst>
+      <p:ext uri="{BB962C8B-B14F-4D97-AF65-F5344CB8AC3E}">
+        <p14:creationId xmlns:p14="http://schemas.microsoft.com/office/powerpoint/2010/main" val="1077212158"/>
+      </p:ext>
+    </p:extLst>
+  </p:cSld>
+  <p:clrMapOvr>
+    <a:masterClrMapping/>
+  </p:clrMapOvr>
+</p:notes>
+</file>
+
+<file path=ppt/notesSlides/notesSlide16.xml><?xml version="1.0" encoding="utf-8"?>
+<p:notes xmlns:a="http://schemas.openxmlformats.org/drawingml/2006/main" xmlns:r="http://schemas.openxmlformats.org/officeDocument/2006/relationships" xmlns:p="http://schemas.openxmlformats.org/presentationml/2006/main" showMasterSp="0" showMasterPhAnim="0">
+  <p:cSld>
+    <p:spTree>
+      <p:nvGrpSpPr>
+        <p:cNvPr id="1" name="Shape 184">
+          <a:extLst>
+            <a:ext uri="{FF2B5EF4-FFF2-40B4-BE49-F238E27FC236}">
+              <a16:creationId xmlns:a16="http://schemas.microsoft.com/office/drawing/2014/main" id="{70A94EF6-68E0-296F-6302-68C505BA4333}"/>
+            </a:ext>
+          </a:extLst>
+        </p:cNvPr>
+        <p:cNvGrpSpPr/>
+        <p:nvPr/>
+      </p:nvGrpSpPr>
+      <p:grpSpPr>
+        <a:xfrm>
+          <a:off x="0" y="0"/>
+          <a:ext cx="0" cy="0"/>
+          <a:chOff x="0" y="0"/>
+          <a:chExt cx="0" cy="0"/>
+        </a:xfrm>
+      </p:grpSpPr>
+      <p:sp>
+        <p:nvSpPr>
+          <p:cNvPr id="185" name="Google Shape;185;p7:notes">
+            <a:extLst>
+              <a:ext uri="{FF2B5EF4-FFF2-40B4-BE49-F238E27FC236}">
+                <a16:creationId xmlns:a16="http://schemas.microsoft.com/office/drawing/2014/main" id="{6E212AD2-C6EE-ABED-8069-49FDC9031DBE}"/>
+              </a:ext>
+            </a:extLst>
+          </p:cNvPr>
+          <p:cNvSpPr>
+            <a:spLocks noGrp="1" noRot="1" noChangeAspect="1"/>
+          </p:cNvSpPr>
+          <p:nvPr>
+            <p:ph type="sldImg" idx="2"/>
+          </p:nvPr>
+        </p:nvSpPr>
+        <p:spPr>
+          <a:xfrm>
+            <a:off x="381000" y="685800"/>
+            <a:ext cx="6096000" cy="3429000"/>
+          </a:xfrm>
+          <a:custGeom>
+            <a:avLst/>
+            <a:gdLst/>
+            <a:ahLst/>
+            <a:cxnLst/>
+            <a:rect l="l" t="t" r="r" b="b"/>
+            <a:pathLst>
+              <a:path w="120000" h="120000" extrusionOk="0">
+                <a:moveTo>
+                  <a:pt x="0" y="0"/>
+                </a:moveTo>
+                <a:lnTo>
+                  <a:pt x="120000" y="0"/>
+                </a:lnTo>
+                <a:lnTo>
+                  <a:pt x="120000" y="120000"/>
+                </a:lnTo>
+                <a:lnTo>
+                  <a:pt x="0" y="120000"/>
+                </a:lnTo>
+                <a:close/>
+              </a:path>
+            </a:pathLst>
+          </a:custGeom>
+          <a:noFill/>
+          <a:ln w="9525" cap="flat" cmpd="sng">
+            <a:solidFill>
+              <a:srgbClr val="000000"/>
+            </a:solidFill>
+            <a:prstDash val="solid"/>
+            <a:round/>
+            <a:headEnd type="none" w="sm" len="sm"/>
+            <a:tailEnd type="none" w="sm" len="sm"/>
+          </a:ln>
+        </p:spPr>
+      </p:sp>
+      <p:sp>
+        <p:nvSpPr>
+          <p:cNvPr id="186" name="Google Shape;186;p7:notes">
+            <a:extLst>
+              <a:ext uri="{FF2B5EF4-FFF2-40B4-BE49-F238E27FC236}">
+                <a16:creationId xmlns:a16="http://schemas.microsoft.com/office/drawing/2014/main" id="{0E11D55A-162C-7F98-62D8-421C5CA6BA08}"/>
+              </a:ext>
+            </a:extLst>
+          </p:cNvPr>
+          <p:cNvSpPr txBox="1">
+            <a:spLocks noGrp="1"/>
+          </p:cNvSpPr>
+          <p:nvPr>
+            <p:ph type="body" idx="1"/>
+          </p:nvPr>
+        </p:nvSpPr>
+        <p:spPr>
+          <a:xfrm>
+            <a:off x="685800" y="4343400"/>
+            <a:ext cx="5486400" cy="4114800"/>
+          </a:xfrm>
+          <a:prstGeom prst="rect">
+            <a:avLst/>
+          </a:prstGeom>
+          <a:noFill/>
+          <a:ln>
+            <a:noFill/>
+          </a:ln>
+        </p:spPr>
+        <p:txBody>
+          <a:bodyPr spcFirstLastPara="1" wrap="square" lIns="91425" tIns="91425" rIns="91425" bIns="91425" anchor="t" anchorCtr="0">
+            <a:noAutofit/>
+          </a:bodyPr>
+          <a:lstStyle/>
+          <a:p>
+            <a:pPr marL="0" lvl="0" indent="0" algn="l" rtl="0">
+              <a:lnSpc>
+                <a:spcPct val="100000"/>
+              </a:lnSpc>
+              <a:spcBef>
+                <a:spcPts val="0"/>
+              </a:spcBef>
+              <a:spcAft>
+                <a:spcPts val="0"/>
+              </a:spcAft>
+              <a:buSzPts val="1100"/>
+              <a:buNone/>
+            </a:pPr>
+            <a:endParaRPr/>
+          </a:p>
+        </p:txBody>
+      </p:sp>
+    </p:spTree>
+    <p:extLst>
+      <p:ext uri="{BB962C8B-B14F-4D97-AF65-F5344CB8AC3E}">
+        <p14:creationId xmlns:p14="http://schemas.microsoft.com/office/powerpoint/2010/main" val="995995623"/>
+      </p:ext>
+    </p:extLst>
+  </p:cSld>
+  <p:clrMapOvr>
+    <a:masterClrMapping/>
+  </p:clrMapOvr>
+</p:notes>
+</file>
+
+<file path=ppt/notesSlides/notesSlide17.xml><?xml version="1.0" encoding="utf-8"?>
+<p:notes xmlns:a="http://schemas.openxmlformats.org/drawingml/2006/main" xmlns:r="http://schemas.openxmlformats.org/officeDocument/2006/relationships" xmlns:p="http://schemas.openxmlformats.org/presentationml/2006/main" showMasterSp="0" showMasterPhAnim="0">
+  <p:cSld>
+    <p:spTree>
+      <p:nvGrpSpPr>
+        <p:cNvPr id="1" name="Shape 191"/>
+        <p:cNvGrpSpPr/>
+        <p:nvPr/>
+      </p:nvGrpSpPr>
+      <p:grpSpPr>
+        <a:xfrm>
+          <a:off x="0" y="0"/>
+          <a:ext cx="0" cy="0"/>
+          <a:chOff x="0" y="0"/>
+          <a:chExt cx="0" cy="0"/>
+        </a:xfrm>
+      </p:grpSpPr>
+      <p:sp>
+        <p:nvSpPr>
+          <p:cNvPr id="192" name="Google Shape;192;p8:notes"/>
+          <p:cNvSpPr>
+            <a:spLocks noGrp="1" noRot="1" noChangeAspect="1"/>
+          </p:cNvSpPr>
+          <p:nvPr>
+            <p:ph type="sldImg" idx="2"/>
+          </p:nvPr>
+        </p:nvSpPr>
+        <p:spPr>
+          <a:xfrm>
+            <a:off x="381000" y="685800"/>
+            <a:ext cx="6096000" cy="3429000"/>
+          </a:xfrm>
+          <a:custGeom>
+            <a:avLst/>
+            <a:gdLst/>
+            <a:ahLst/>
+            <a:cxnLst/>
+            <a:rect l="l" t="t" r="r" b="b"/>
+            <a:pathLst>
+              <a:path w="120000" h="120000" extrusionOk="0">
+                <a:moveTo>
+                  <a:pt x="0" y="0"/>
+                </a:moveTo>
+                <a:lnTo>
+                  <a:pt x="120000" y="0"/>
+                </a:lnTo>
+                <a:lnTo>
+                  <a:pt x="120000" y="120000"/>
+                </a:lnTo>
+                <a:lnTo>
+                  <a:pt x="0" y="120000"/>
+                </a:lnTo>
+                <a:close/>
+              </a:path>
+            </a:pathLst>
+          </a:custGeom>
+          <a:noFill/>
+          <a:ln w="9525" cap="flat" cmpd="sng">
+            <a:solidFill>
+              <a:srgbClr val="000000"/>
+            </a:solidFill>
+            <a:prstDash val="solid"/>
+            <a:round/>
+            <a:headEnd type="none" w="sm" len="sm"/>
+            <a:tailEnd type="none" w="sm" len="sm"/>
+          </a:ln>
+        </p:spPr>
+      </p:sp>
+      <p:sp>
+        <p:nvSpPr>
+          <p:cNvPr id="193" name="Google Shape;193;p8:notes"/>
+          <p:cNvSpPr txBox="1">
+            <a:spLocks noGrp="1"/>
+          </p:cNvSpPr>
+          <p:nvPr>
+            <p:ph type="body" idx="1"/>
+          </p:nvPr>
+        </p:nvSpPr>
+        <p:spPr>
+          <a:xfrm>
+            <a:off x="685800" y="4343400"/>
+            <a:ext cx="5486400" cy="4114800"/>
+          </a:xfrm>
+          <a:prstGeom prst="rect">
+            <a:avLst/>
+          </a:prstGeom>
+          <a:noFill/>
+          <a:ln>
+            <a:noFill/>
+          </a:ln>
+        </p:spPr>
+        <p:txBody>
+          <a:bodyPr spcFirstLastPara="1" wrap="square" lIns="91425" tIns="91425" rIns="91425" bIns="91425" anchor="t" anchorCtr="0">
+            <a:noAutofit/>
+          </a:bodyPr>
+          <a:lstStyle/>
+          <a:p>
+            <a:pPr marL="0" lvl="0" indent="0" algn="l" rtl="0">
+              <a:lnSpc>
+                <a:spcPct val="100000"/>
+              </a:lnSpc>
+              <a:spcBef>
+                <a:spcPts val="0"/>
+              </a:spcBef>
+              <a:spcAft>
+                <a:spcPts val="0"/>
+              </a:spcAft>
+              <a:buSzPts val="1100"/>
+              <a:buNone/>
+            </a:pPr>
+            <a:endParaRPr/>
+          </a:p>
+        </p:txBody>
+      </p:sp>
+    </p:spTree>
+  </p:cSld>
+  <p:clrMapOvr>
+    <a:masterClrMapping/>
+  </p:clrMapOvr>
+</p:notes>
+</file>
+
+<file path=ppt/notesSlides/notesSlide18.xml><?xml version="1.0" encoding="utf-8"?>
+<p:notes xmlns:a="http://schemas.openxmlformats.org/drawingml/2006/main" xmlns:r="http://schemas.openxmlformats.org/officeDocument/2006/relationships" xmlns:p="http://schemas.openxmlformats.org/presentationml/2006/main" showMasterSp="0" showMasterPhAnim="0">
+  <p:cSld>
+    <p:spTree>
+      <p:nvGrpSpPr>
+        <p:cNvPr id="1" name="Shape 184">
+          <a:extLst>
+            <a:ext uri="{FF2B5EF4-FFF2-40B4-BE49-F238E27FC236}">
               <a16:creationId xmlns:a16="http://schemas.microsoft.com/office/drawing/2014/main" id="{1BBD698A-125A-0F38-CAC2-57859E6AEB67}"/>
             </a:ext>
           </a:extLst>
@@ -1909,7 +2320,7 @@
 </p:notes>
 </file>
 
-<file path=ppt/notesSlides/notesSlide16.xml><?xml version="1.0" encoding="utf-8"?>
+<file path=ppt/notesSlides/notesSlide19.xml><?xml version="1.0" encoding="utf-8"?>
 <p:notes xmlns:a="http://schemas.openxmlformats.org/drawingml/2006/main" xmlns:r="http://schemas.openxmlformats.org/officeDocument/2006/relationships" xmlns:p="http://schemas.openxmlformats.org/presentationml/2006/main" showMasterSp="0" showMasterPhAnim="0">
   <p:cSld>
     <p:spTree>
@@ -2054,7 +2465,129 @@
 </p:notes>
 </file>
 
-<file path=ppt/notesSlides/notesSlide17.xml><?xml version="1.0" encoding="utf-8"?>
+<file path=ppt/notesSlides/notesSlide2.xml><?xml version="1.0" encoding="utf-8"?>
+<p:notes xmlns:a="http://schemas.openxmlformats.org/drawingml/2006/main" xmlns:r="http://schemas.openxmlformats.org/officeDocument/2006/relationships" xmlns:p="http://schemas.openxmlformats.org/presentationml/2006/main" showMasterSp="0" showMasterPhAnim="0">
+  <p:cSld>
+    <p:spTree>
+      <p:nvGrpSpPr>
+        <p:cNvPr id="1" name="Shape 154"/>
+        <p:cNvGrpSpPr/>
+        <p:nvPr/>
+      </p:nvGrpSpPr>
+      <p:grpSpPr>
+        <a:xfrm>
+          <a:off x="0" y="0"/>
+          <a:ext cx="0" cy="0"/>
+          <a:chOff x="0" y="0"/>
+          <a:chExt cx="0" cy="0"/>
+        </a:xfrm>
+      </p:grpSpPr>
+      <p:sp>
+        <p:nvSpPr>
+          <p:cNvPr id="155" name="Google Shape;155;p2:notes"/>
+          <p:cNvSpPr>
+            <a:spLocks noGrp="1" noRot="1" noChangeAspect="1"/>
+          </p:cNvSpPr>
+          <p:nvPr>
+            <p:ph type="sldImg" idx="2"/>
+          </p:nvPr>
+        </p:nvSpPr>
+        <p:spPr>
+          <a:xfrm>
+            <a:off x="381000" y="685800"/>
+            <a:ext cx="6096000" cy="3429000"/>
+          </a:xfrm>
+          <a:custGeom>
+            <a:avLst/>
+            <a:gdLst/>
+            <a:ahLst/>
+            <a:cxnLst/>
+            <a:rect l="l" t="t" r="r" b="b"/>
+            <a:pathLst>
+              <a:path w="120000" h="120000" extrusionOk="0">
+                <a:moveTo>
+                  <a:pt x="0" y="0"/>
+                </a:moveTo>
+                <a:lnTo>
+                  <a:pt x="120000" y="0"/>
+                </a:lnTo>
+                <a:lnTo>
+                  <a:pt x="120000" y="120000"/>
+                </a:lnTo>
+                <a:lnTo>
+                  <a:pt x="0" y="120000"/>
+                </a:lnTo>
+                <a:close/>
+              </a:path>
+            </a:pathLst>
+          </a:custGeom>
+          <a:noFill/>
+          <a:ln w="9525" cap="flat" cmpd="sng">
+            <a:solidFill>
+              <a:srgbClr val="000000"/>
+            </a:solidFill>
+            <a:prstDash val="solid"/>
+            <a:round/>
+            <a:headEnd type="none" w="sm" len="sm"/>
+            <a:tailEnd type="none" w="sm" len="sm"/>
+          </a:ln>
+        </p:spPr>
+      </p:sp>
+      <p:sp>
+        <p:nvSpPr>
+          <p:cNvPr id="156" name="Google Shape;156;p2:notes"/>
+          <p:cNvSpPr txBox="1">
+            <a:spLocks noGrp="1"/>
+          </p:cNvSpPr>
+          <p:nvPr>
+            <p:ph type="body" idx="1"/>
+          </p:nvPr>
+        </p:nvSpPr>
+        <p:spPr>
+          <a:xfrm>
+            <a:off x="685800" y="4343400"/>
+            <a:ext cx="5486400" cy="4114800"/>
+          </a:xfrm>
+          <a:prstGeom prst="rect">
+            <a:avLst/>
+          </a:prstGeom>
+          <a:noFill/>
+          <a:ln>
+            <a:noFill/>
+          </a:ln>
+        </p:spPr>
+        <p:txBody>
+          <a:bodyPr spcFirstLastPara="1" wrap="square" lIns="91425" tIns="91425" rIns="91425" bIns="91425" anchor="t" anchorCtr="0">
+            <a:noAutofit/>
+          </a:bodyPr>
+          <a:lstStyle/>
+          <a:p>
+            <a:pPr marL="0" lvl="0" indent="0" algn="l" rtl="0">
+              <a:lnSpc>
+                <a:spcPct val="100000"/>
+              </a:lnSpc>
+              <a:spcBef>
+                <a:spcPts val="0"/>
+              </a:spcBef>
+              <a:spcAft>
+                <a:spcPts val="0"/>
+              </a:spcAft>
+              <a:buSzPts val="1100"/>
+              <a:buNone/>
+            </a:pPr>
+            <a:endParaRPr/>
+          </a:p>
+        </p:txBody>
+      </p:sp>
+    </p:spTree>
+  </p:cSld>
+  <p:clrMapOvr>
+    <a:masterClrMapping/>
+  </p:clrMapOvr>
+</p:notes>
+</file>
+
+<file path=ppt/notesSlides/notesSlide20.xml><?xml version="1.0" encoding="utf-8"?>
 <p:notes xmlns:a="http://schemas.openxmlformats.org/drawingml/2006/main" xmlns:r="http://schemas.openxmlformats.org/officeDocument/2006/relationships" xmlns:p="http://schemas.openxmlformats.org/presentationml/2006/main" showMasterSp="0" showMasterPhAnim="0">
   <p:cSld>
     <p:spTree>
@@ -2199,7 +2732,7 @@
 </p:notes>
 </file>
 
-<file path=ppt/notesSlides/notesSlide18.xml><?xml version="1.0" encoding="utf-8"?>
+<file path=ppt/notesSlides/notesSlide21.xml><?xml version="1.0" encoding="utf-8"?>
 <p:notes xmlns:a="http://schemas.openxmlformats.org/drawingml/2006/main" xmlns:r="http://schemas.openxmlformats.org/officeDocument/2006/relationships" xmlns:p="http://schemas.openxmlformats.org/presentationml/2006/main" showMasterSp="0" showMasterPhAnim="0">
   <p:cSld>
     <p:spTree>
@@ -2344,7 +2877,7 @@
 </p:notes>
 </file>
 
-<file path=ppt/notesSlides/notesSlide19.xml><?xml version="1.0" encoding="utf-8"?>
+<file path=ppt/notesSlides/notesSlide22.xml><?xml version="1.0" encoding="utf-8"?>
 <p:notes xmlns:a="http://schemas.openxmlformats.org/drawingml/2006/main" xmlns:r="http://schemas.openxmlformats.org/officeDocument/2006/relationships" xmlns:p="http://schemas.openxmlformats.org/presentationml/2006/main" showMasterSp="0" showMasterPhAnim="0">
   <p:cSld>
     <p:spTree>
@@ -2489,129 +3022,7 @@
 </p:notes>
 </file>
 
-<file path=ppt/notesSlides/notesSlide2.xml><?xml version="1.0" encoding="utf-8"?>
-<p:notes xmlns:a="http://schemas.openxmlformats.org/drawingml/2006/main" xmlns:r="http://schemas.openxmlformats.org/officeDocument/2006/relationships" xmlns:p="http://schemas.openxmlformats.org/presentationml/2006/main" showMasterSp="0" showMasterPhAnim="0">
-  <p:cSld>
-    <p:spTree>
-      <p:nvGrpSpPr>
-        <p:cNvPr id="1" name="Shape 154"/>
-        <p:cNvGrpSpPr/>
-        <p:nvPr/>
-      </p:nvGrpSpPr>
-      <p:grpSpPr>
-        <a:xfrm>
-          <a:off x="0" y="0"/>
-          <a:ext cx="0" cy="0"/>
-          <a:chOff x="0" y="0"/>
-          <a:chExt cx="0" cy="0"/>
-        </a:xfrm>
-      </p:grpSpPr>
-      <p:sp>
-        <p:nvSpPr>
-          <p:cNvPr id="155" name="Google Shape;155;p2:notes"/>
-          <p:cNvSpPr>
-            <a:spLocks noGrp="1" noRot="1" noChangeAspect="1"/>
-          </p:cNvSpPr>
-          <p:nvPr>
-            <p:ph type="sldImg" idx="2"/>
-          </p:nvPr>
-        </p:nvSpPr>
-        <p:spPr>
-          <a:xfrm>
-            <a:off x="381000" y="685800"/>
-            <a:ext cx="6096000" cy="3429000"/>
-          </a:xfrm>
-          <a:custGeom>
-            <a:avLst/>
-            <a:gdLst/>
-            <a:ahLst/>
-            <a:cxnLst/>
-            <a:rect l="l" t="t" r="r" b="b"/>
-            <a:pathLst>
-              <a:path w="120000" h="120000" extrusionOk="0">
-                <a:moveTo>
-                  <a:pt x="0" y="0"/>
-                </a:moveTo>
-                <a:lnTo>
-                  <a:pt x="120000" y="0"/>
-                </a:lnTo>
-                <a:lnTo>
-                  <a:pt x="120000" y="120000"/>
-                </a:lnTo>
-                <a:lnTo>
-                  <a:pt x="0" y="120000"/>
-                </a:lnTo>
-                <a:close/>
-              </a:path>
-            </a:pathLst>
-          </a:custGeom>
-          <a:noFill/>
-          <a:ln w="9525" cap="flat" cmpd="sng">
-            <a:solidFill>
-              <a:srgbClr val="000000"/>
-            </a:solidFill>
-            <a:prstDash val="solid"/>
-            <a:round/>
-            <a:headEnd type="none" w="sm" len="sm"/>
-            <a:tailEnd type="none" w="sm" len="sm"/>
-          </a:ln>
-        </p:spPr>
-      </p:sp>
-      <p:sp>
-        <p:nvSpPr>
-          <p:cNvPr id="156" name="Google Shape;156;p2:notes"/>
-          <p:cNvSpPr txBox="1">
-            <a:spLocks noGrp="1"/>
-          </p:cNvSpPr>
-          <p:nvPr>
-            <p:ph type="body" idx="1"/>
-          </p:nvPr>
-        </p:nvSpPr>
-        <p:spPr>
-          <a:xfrm>
-            <a:off x="685800" y="4343400"/>
-            <a:ext cx="5486400" cy="4114800"/>
-          </a:xfrm>
-          <a:prstGeom prst="rect">
-            <a:avLst/>
-          </a:prstGeom>
-          <a:noFill/>
-          <a:ln>
-            <a:noFill/>
-          </a:ln>
-        </p:spPr>
-        <p:txBody>
-          <a:bodyPr spcFirstLastPara="1" wrap="square" lIns="91425" tIns="91425" rIns="91425" bIns="91425" anchor="t" anchorCtr="0">
-            <a:noAutofit/>
-          </a:bodyPr>
-          <a:lstStyle/>
-          <a:p>
-            <a:pPr marL="0" lvl="0" indent="0" algn="l" rtl="0">
-              <a:lnSpc>
-                <a:spcPct val="100000"/>
-              </a:lnSpc>
-              <a:spcBef>
-                <a:spcPts val="0"/>
-              </a:spcBef>
-              <a:spcAft>
-                <a:spcPts val="0"/>
-              </a:spcAft>
-              <a:buSzPts val="1100"/>
-              <a:buNone/>
-            </a:pPr>
-            <a:endParaRPr/>
-          </a:p>
-        </p:txBody>
-      </p:sp>
-    </p:spTree>
-  </p:cSld>
-  <p:clrMapOvr>
-    <a:masterClrMapping/>
-  </p:clrMapOvr>
-</p:notes>
-</file>
-
-<file path=ppt/notesSlides/notesSlide20.xml><?xml version="1.0" encoding="utf-8"?>
+<file path=ppt/notesSlides/notesSlide23.xml><?xml version="1.0" encoding="utf-8"?>
 <p:notes xmlns:a="http://schemas.openxmlformats.org/drawingml/2006/main" xmlns:r="http://schemas.openxmlformats.org/officeDocument/2006/relationships" xmlns:p="http://schemas.openxmlformats.org/presentationml/2006/main" showMasterSp="0" showMasterPhAnim="0">
   <p:cSld>
     <p:spTree>
@@ -2756,7 +3167,7 @@
 </p:notes>
 </file>
 
-<file path=ppt/notesSlides/notesSlide21.xml><?xml version="1.0" encoding="utf-8"?>
+<file path=ppt/notesSlides/notesSlide24.xml><?xml version="1.0" encoding="utf-8"?>
 <p:notes xmlns:a="http://schemas.openxmlformats.org/drawingml/2006/main" xmlns:r="http://schemas.openxmlformats.org/officeDocument/2006/relationships" xmlns:p="http://schemas.openxmlformats.org/presentationml/2006/main" showMasterSp="0" showMasterPhAnim="0">
   <p:cSld>
     <p:spTree>
@@ -2901,7 +3312,7 @@
 </p:notes>
 </file>
 
-<file path=ppt/notesSlides/notesSlide22.xml><?xml version="1.0" encoding="utf-8"?>
+<file path=ppt/notesSlides/notesSlide25.xml><?xml version="1.0" encoding="utf-8"?>
 <p:notes xmlns:a="http://schemas.openxmlformats.org/drawingml/2006/main" xmlns:r="http://schemas.openxmlformats.org/officeDocument/2006/relationships" xmlns:p="http://schemas.openxmlformats.org/presentationml/2006/main" showMasterSp="0" showMasterPhAnim="0">
   <p:cSld>
     <p:spTree>
@@ -3046,7 +3457,7 @@
 </p:notes>
 </file>
 
-<file path=ppt/notesSlides/notesSlide23.xml><?xml version="1.0" encoding="utf-8"?>
+<file path=ppt/notesSlides/notesSlide26.xml><?xml version="1.0" encoding="utf-8"?>
 <p:notes xmlns:a="http://schemas.openxmlformats.org/drawingml/2006/main" xmlns:r="http://schemas.openxmlformats.org/officeDocument/2006/relationships" xmlns:p="http://schemas.openxmlformats.org/presentationml/2006/main" showMasterSp="0" showMasterPhAnim="0">
   <p:cSld>
     <p:spTree>
@@ -3191,7 +3602,7 @@
 </p:notes>
 </file>
 
-<file path=ppt/notesSlides/notesSlide24.xml><?xml version="1.0" encoding="utf-8"?>
+<file path=ppt/notesSlides/notesSlide27.xml><?xml version="1.0" encoding="utf-8"?>
 <p:notes xmlns:a="http://schemas.openxmlformats.org/drawingml/2006/main" xmlns:r="http://schemas.openxmlformats.org/officeDocument/2006/relationships" xmlns:p="http://schemas.openxmlformats.org/presentationml/2006/main" showMasterSp="0" showMasterPhAnim="0">
   <p:cSld>
     <p:spTree>
@@ -3336,7 +3747,7 @@
 </p:notes>
 </file>
 
-<file path=ppt/notesSlides/notesSlide25.xml><?xml version="1.0" encoding="utf-8"?>
+<file path=ppt/notesSlides/notesSlide28.xml><?xml version="1.0" encoding="utf-8"?>
 <p:notes xmlns:a="http://schemas.openxmlformats.org/drawingml/2006/main" xmlns:r="http://schemas.openxmlformats.org/officeDocument/2006/relationships" xmlns:p="http://schemas.openxmlformats.org/presentationml/2006/main" showMasterSp="0" showMasterPhAnim="0">
   <p:cSld>
     <p:spTree>
@@ -3481,7 +3892,7 @@
 </p:notes>
 </file>
 
-<file path=ppt/notesSlides/notesSlide26.xml><?xml version="1.0" encoding="utf-8"?>
+<file path=ppt/notesSlides/notesSlide29.xml><?xml version="1.0" encoding="utf-8"?>
 <p:notes xmlns:a="http://schemas.openxmlformats.org/drawingml/2006/main" xmlns:r="http://schemas.openxmlformats.org/officeDocument/2006/relationships" xmlns:p="http://schemas.openxmlformats.org/presentationml/2006/main" showMasterSp="0" showMasterPhAnim="0">
   <p:cSld>
     <p:spTree>
@@ -3626,7 +4037,129 @@
 </p:notes>
 </file>
 
-<file path=ppt/notesSlides/notesSlide27.xml><?xml version="1.0" encoding="utf-8"?>
+<file path=ppt/notesSlides/notesSlide3.xml><?xml version="1.0" encoding="utf-8"?>
+<p:notes xmlns:a="http://schemas.openxmlformats.org/drawingml/2006/main" xmlns:r="http://schemas.openxmlformats.org/officeDocument/2006/relationships" xmlns:p="http://schemas.openxmlformats.org/presentationml/2006/main" showMasterSp="0" showMasterPhAnim="0">
+  <p:cSld>
+    <p:spTree>
+      <p:nvGrpSpPr>
+        <p:cNvPr id="1" name="Shape 160"/>
+        <p:cNvGrpSpPr/>
+        <p:nvPr/>
+      </p:nvGrpSpPr>
+      <p:grpSpPr>
+        <a:xfrm>
+          <a:off x="0" y="0"/>
+          <a:ext cx="0" cy="0"/>
+          <a:chOff x="0" y="0"/>
+          <a:chExt cx="0" cy="0"/>
+        </a:xfrm>
+      </p:grpSpPr>
+      <p:sp>
+        <p:nvSpPr>
+          <p:cNvPr id="161" name="Google Shape;161;p3:notes"/>
+          <p:cNvSpPr>
+            <a:spLocks noGrp="1" noRot="1" noChangeAspect="1"/>
+          </p:cNvSpPr>
+          <p:nvPr>
+            <p:ph type="sldImg" idx="2"/>
+          </p:nvPr>
+        </p:nvSpPr>
+        <p:spPr>
+          <a:xfrm>
+            <a:off x="381000" y="685800"/>
+            <a:ext cx="6096000" cy="3429000"/>
+          </a:xfrm>
+          <a:custGeom>
+            <a:avLst/>
+            <a:gdLst/>
+            <a:ahLst/>
+            <a:cxnLst/>
+            <a:rect l="l" t="t" r="r" b="b"/>
+            <a:pathLst>
+              <a:path w="120000" h="120000" extrusionOk="0">
+                <a:moveTo>
+                  <a:pt x="0" y="0"/>
+                </a:moveTo>
+                <a:lnTo>
+                  <a:pt x="120000" y="0"/>
+                </a:lnTo>
+                <a:lnTo>
+                  <a:pt x="120000" y="120000"/>
+                </a:lnTo>
+                <a:lnTo>
+                  <a:pt x="0" y="120000"/>
+                </a:lnTo>
+                <a:close/>
+              </a:path>
+            </a:pathLst>
+          </a:custGeom>
+          <a:noFill/>
+          <a:ln w="9525" cap="flat" cmpd="sng">
+            <a:solidFill>
+              <a:srgbClr val="000000"/>
+            </a:solidFill>
+            <a:prstDash val="solid"/>
+            <a:round/>
+            <a:headEnd type="none" w="sm" len="sm"/>
+            <a:tailEnd type="none" w="sm" len="sm"/>
+          </a:ln>
+        </p:spPr>
+      </p:sp>
+      <p:sp>
+        <p:nvSpPr>
+          <p:cNvPr id="162" name="Google Shape;162;p3:notes"/>
+          <p:cNvSpPr txBox="1">
+            <a:spLocks noGrp="1"/>
+          </p:cNvSpPr>
+          <p:nvPr>
+            <p:ph type="body" idx="1"/>
+          </p:nvPr>
+        </p:nvSpPr>
+        <p:spPr>
+          <a:xfrm>
+            <a:off x="685800" y="4343400"/>
+            <a:ext cx="5486400" cy="4114800"/>
+          </a:xfrm>
+          <a:prstGeom prst="rect">
+            <a:avLst/>
+          </a:prstGeom>
+          <a:noFill/>
+          <a:ln>
+            <a:noFill/>
+          </a:ln>
+        </p:spPr>
+        <p:txBody>
+          <a:bodyPr spcFirstLastPara="1" wrap="square" lIns="91425" tIns="91425" rIns="91425" bIns="91425" anchor="t" anchorCtr="0">
+            <a:noAutofit/>
+          </a:bodyPr>
+          <a:lstStyle/>
+          <a:p>
+            <a:pPr marL="0" lvl="0" indent="0" algn="l" rtl="0">
+              <a:lnSpc>
+                <a:spcPct val="100000"/>
+              </a:lnSpc>
+              <a:spcBef>
+                <a:spcPts val="0"/>
+              </a:spcBef>
+              <a:spcAft>
+                <a:spcPts val="0"/>
+              </a:spcAft>
+              <a:buSzPts val="1100"/>
+              <a:buNone/>
+            </a:pPr>
+            <a:endParaRPr/>
+          </a:p>
+        </p:txBody>
+      </p:sp>
+    </p:spTree>
+  </p:cSld>
+  <p:clrMapOvr>
+    <a:masterClrMapping/>
+  </p:clrMapOvr>
+</p:notes>
+</file>
+
+<file path=ppt/notesSlides/notesSlide30.xml><?xml version="1.0" encoding="utf-8"?>
 <p:notes xmlns:a="http://schemas.openxmlformats.org/drawingml/2006/main" xmlns:r="http://schemas.openxmlformats.org/officeDocument/2006/relationships" xmlns:p="http://schemas.openxmlformats.org/presentationml/2006/main" showMasterSp="0" showMasterPhAnim="0">
   <p:cSld>
     <p:spTree>
@@ -3771,7 +4304,7 @@
 </p:notes>
 </file>
 
-<file path=ppt/notesSlides/notesSlide28.xml><?xml version="1.0" encoding="utf-8"?>
+<file path=ppt/notesSlides/notesSlide31.xml><?xml version="1.0" encoding="utf-8"?>
 <p:notes xmlns:a="http://schemas.openxmlformats.org/drawingml/2006/main" xmlns:r="http://schemas.openxmlformats.org/officeDocument/2006/relationships" xmlns:p="http://schemas.openxmlformats.org/presentationml/2006/main" showMasterSp="0" showMasterPhAnim="0">
   <p:cSld>
     <p:spTree>
@@ -3916,7 +4449,111 @@
 </p:notes>
 </file>
 
-<file path=ppt/notesSlides/notesSlide29.xml><?xml version="1.0" encoding="utf-8"?>
+<file path=ppt/notesSlides/notesSlide32.xml><?xml version="1.0" encoding="utf-8"?>
+<p:notes xmlns:a="http://schemas.openxmlformats.org/drawingml/2006/main" xmlns:r="http://schemas.openxmlformats.org/officeDocument/2006/relationships" xmlns:p="http://schemas.openxmlformats.org/presentationml/2006/main" showMasterSp="0" showMasterPhAnim="0">
+  <p:cSld>
+    <p:spTree>
+      <p:nvGrpSpPr>
+        <p:cNvPr id="1" name="Shape 196"/>
+        <p:cNvGrpSpPr/>
+        <p:nvPr/>
+      </p:nvGrpSpPr>
+      <p:grpSpPr>
+        <a:xfrm>
+          <a:off x="0" y="0"/>
+          <a:ext cx="0" cy="0"/>
+          <a:chOff x="0" y="0"/>
+          <a:chExt cx="0" cy="0"/>
+        </a:xfrm>
+      </p:grpSpPr>
+      <p:sp>
+        <p:nvSpPr>
+          <p:cNvPr id="197" name="Google Shape;197;p9:notes"/>
+          <p:cNvSpPr txBox="1">
+            <a:spLocks noGrp="1"/>
+          </p:cNvSpPr>
+          <p:nvPr>
+            <p:ph type="body" idx="1"/>
+          </p:nvPr>
+        </p:nvSpPr>
+        <p:spPr>
+          <a:xfrm>
+            <a:off x="685800" y="4343400"/>
+            <a:ext cx="5486400" cy="4114800"/>
+          </a:xfrm>
+          <a:prstGeom prst="rect">
+            <a:avLst/>
+          </a:prstGeom>
+        </p:spPr>
+        <p:txBody>
+          <a:bodyPr spcFirstLastPara="1" wrap="square" lIns="91425" tIns="91425" rIns="91425" bIns="91425" anchor="t" anchorCtr="0">
+            <a:noAutofit/>
+          </a:bodyPr>
+          <a:lstStyle/>
+          <a:p>
+            <a:pPr marL="0" lvl="0" indent="0" algn="l" rtl="0">
+              <a:spcBef>
+                <a:spcPts val="0"/>
+              </a:spcBef>
+              <a:spcAft>
+                <a:spcPts val="0"/>
+              </a:spcAft>
+              <a:buNone/>
+            </a:pPr>
+            <a:endParaRPr/>
+          </a:p>
+        </p:txBody>
+      </p:sp>
+      <p:sp>
+        <p:nvSpPr>
+          <p:cNvPr id="198" name="Google Shape;198;p9:notes"/>
+          <p:cNvSpPr>
+            <a:spLocks noGrp="1" noRot="1" noChangeAspect="1"/>
+          </p:cNvSpPr>
+          <p:nvPr>
+            <p:ph type="sldImg" idx="2"/>
+          </p:nvPr>
+        </p:nvSpPr>
+        <p:spPr>
+          <a:xfrm>
+            <a:off x="381000" y="685800"/>
+            <a:ext cx="6096000" cy="3429000"/>
+          </a:xfrm>
+          <a:custGeom>
+            <a:avLst/>
+            <a:gdLst/>
+            <a:ahLst/>
+            <a:cxnLst/>
+            <a:rect l="l" t="t" r="r" b="b"/>
+            <a:pathLst>
+              <a:path w="120000" h="120000" extrusionOk="0">
+                <a:moveTo>
+                  <a:pt x="0" y="0"/>
+                </a:moveTo>
+                <a:lnTo>
+                  <a:pt x="120000" y="0"/>
+                </a:lnTo>
+                <a:lnTo>
+                  <a:pt x="120000" y="120000"/>
+                </a:lnTo>
+                <a:lnTo>
+                  <a:pt x="0" y="120000"/>
+                </a:lnTo>
+                <a:close/>
+              </a:path>
+            </a:pathLst>
+          </a:custGeom>
+        </p:spPr>
+      </p:sp>
+    </p:spTree>
+  </p:cSld>
+  <p:clrMapOvr>
+    <a:masterClrMapping/>
+  </p:clrMapOvr>
+</p:notes>
+</file>
+
+<file path=ppt/notesSlides/notesSlide33.xml><?xml version="1.0" encoding="utf-8"?>
 <p:notes xmlns:a="http://schemas.openxmlformats.org/drawingml/2006/main" xmlns:r="http://schemas.openxmlformats.org/officeDocument/2006/relationships" xmlns:p="http://schemas.openxmlformats.org/presentationml/2006/main" showMasterSp="0" showMasterPhAnim="0">
   <p:cSld>
     <p:spTree>
@@ -4061,129 +4698,7 @@
 </p:notes>
 </file>
 
-<file path=ppt/notesSlides/notesSlide3.xml><?xml version="1.0" encoding="utf-8"?>
-<p:notes xmlns:a="http://schemas.openxmlformats.org/drawingml/2006/main" xmlns:r="http://schemas.openxmlformats.org/officeDocument/2006/relationships" xmlns:p="http://schemas.openxmlformats.org/presentationml/2006/main" showMasterSp="0" showMasterPhAnim="0">
-  <p:cSld>
-    <p:spTree>
-      <p:nvGrpSpPr>
-        <p:cNvPr id="1" name="Shape 160"/>
-        <p:cNvGrpSpPr/>
-        <p:nvPr/>
-      </p:nvGrpSpPr>
-      <p:grpSpPr>
-        <a:xfrm>
-          <a:off x="0" y="0"/>
-          <a:ext cx="0" cy="0"/>
-          <a:chOff x="0" y="0"/>
-          <a:chExt cx="0" cy="0"/>
-        </a:xfrm>
-      </p:grpSpPr>
-      <p:sp>
-        <p:nvSpPr>
-          <p:cNvPr id="161" name="Google Shape;161;p3:notes"/>
-          <p:cNvSpPr>
-            <a:spLocks noGrp="1" noRot="1" noChangeAspect="1"/>
-          </p:cNvSpPr>
-          <p:nvPr>
-            <p:ph type="sldImg" idx="2"/>
-          </p:nvPr>
-        </p:nvSpPr>
-        <p:spPr>
-          <a:xfrm>
-            <a:off x="381000" y="685800"/>
-            <a:ext cx="6096000" cy="3429000"/>
-          </a:xfrm>
-          <a:custGeom>
-            <a:avLst/>
-            <a:gdLst/>
-            <a:ahLst/>
-            <a:cxnLst/>
-            <a:rect l="l" t="t" r="r" b="b"/>
-            <a:pathLst>
-              <a:path w="120000" h="120000" extrusionOk="0">
-                <a:moveTo>
-                  <a:pt x="0" y="0"/>
-                </a:moveTo>
-                <a:lnTo>
-                  <a:pt x="120000" y="0"/>
-                </a:lnTo>
-                <a:lnTo>
-                  <a:pt x="120000" y="120000"/>
-                </a:lnTo>
-                <a:lnTo>
-                  <a:pt x="0" y="120000"/>
-                </a:lnTo>
-                <a:close/>
-              </a:path>
-            </a:pathLst>
-          </a:custGeom>
-          <a:noFill/>
-          <a:ln w="9525" cap="flat" cmpd="sng">
-            <a:solidFill>
-              <a:srgbClr val="000000"/>
-            </a:solidFill>
-            <a:prstDash val="solid"/>
-            <a:round/>
-            <a:headEnd type="none" w="sm" len="sm"/>
-            <a:tailEnd type="none" w="sm" len="sm"/>
-          </a:ln>
-        </p:spPr>
-      </p:sp>
-      <p:sp>
-        <p:nvSpPr>
-          <p:cNvPr id="162" name="Google Shape;162;p3:notes"/>
-          <p:cNvSpPr txBox="1">
-            <a:spLocks noGrp="1"/>
-          </p:cNvSpPr>
-          <p:nvPr>
-            <p:ph type="body" idx="1"/>
-          </p:nvPr>
-        </p:nvSpPr>
-        <p:spPr>
-          <a:xfrm>
-            <a:off x="685800" y="4343400"/>
-            <a:ext cx="5486400" cy="4114800"/>
-          </a:xfrm>
-          <a:prstGeom prst="rect">
-            <a:avLst/>
-          </a:prstGeom>
-          <a:noFill/>
-          <a:ln>
-            <a:noFill/>
-          </a:ln>
-        </p:spPr>
-        <p:txBody>
-          <a:bodyPr spcFirstLastPara="1" wrap="square" lIns="91425" tIns="91425" rIns="91425" bIns="91425" anchor="t" anchorCtr="0">
-            <a:noAutofit/>
-          </a:bodyPr>
-          <a:lstStyle/>
-          <a:p>
-            <a:pPr marL="0" lvl="0" indent="0" algn="l" rtl="0">
-              <a:lnSpc>
-                <a:spcPct val="100000"/>
-              </a:lnSpc>
-              <a:spcBef>
-                <a:spcPts val="0"/>
-              </a:spcBef>
-              <a:spcAft>
-                <a:spcPts val="0"/>
-              </a:spcAft>
-              <a:buSzPts val="1100"/>
-              <a:buNone/>
-            </a:pPr>
-            <a:endParaRPr/>
-          </a:p>
-        </p:txBody>
-      </p:sp>
-    </p:spTree>
-  </p:cSld>
-  <p:clrMapOvr>
-    <a:masterClrMapping/>
-  </p:clrMapOvr>
-</p:notes>
-</file>
-
-<file path=ppt/notesSlides/notesSlide30.xml><?xml version="1.0" encoding="utf-8"?>
+<file path=ppt/notesSlides/notesSlide34.xml><?xml version="1.0" encoding="utf-8"?>
 <p:notes xmlns:a="http://schemas.openxmlformats.org/drawingml/2006/main" xmlns:r="http://schemas.openxmlformats.org/officeDocument/2006/relationships" xmlns:p="http://schemas.openxmlformats.org/presentationml/2006/main" showMasterSp="0" showMasterPhAnim="0">
   <p:cSld>
     <p:spTree>
@@ -4328,481 +4843,6 @@
 </p:notes>
 </file>
 
-<file path=ppt/notesSlides/notesSlide31.xml><?xml version="1.0" encoding="utf-8"?>
-<p:notes xmlns:a="http://schemas.openxmlformats.org/drawingml/2006/main" xmlns:r="http://schemas.openxmlformats.org/officeDocument/2006/relationships" xmlns:p="http://schemas.openxmlformats.org/presentationml/2006/main" showMasterSp="0" showMasterPhAnim="0">
-  <p:cSld>
-    <p:spTree>
-      <p:nvGrpSpPr>
-        <p:cNvPr id="1" name="Shape 184">
-          <a:extLst>
-            <a:ext uri="{FF2B5EF4-FFF2-40B4-BE49-F238E27FC236}">
-              <a16:creationId xmlns:a16="http://schemas.microsoft.com/office/drawing/2014/main" id="{70A94EF6-68E0-296F-6302-68C505BA4333}"/>
-            </a:ext>
-          </a:extLst>
-        </p:cNvPr>
-        <p:cNvGrpSpPr/>
-        <p:nvPr/>
-      </p:nvGrpSpPr>
-      <p:grpSpPr>
-        <a:xfrm>
-          <a:off x="0" y="0"/>
-          <a:ext cx="0" cy="0"/>
-          <a:chOff x="0" y="0"/>
-          <a:chExt cx="0" cy="0"/>
-        </a:xfrm>
-      </p:grpSpPr>
-      <p:sp>
-        <p:nvSpPr>
-          <p:cNvPr id="185" name="Google Shape;185;p7:notes">
-            <a:extLst>
-              <a:ext uri="{FF2B5EF4-FFF2-40B4-BE49-F238E27FC236}">
-                <a16:creationId xmlns:a16="http://schemas.microsoft.com/office/drawing/2014/main" id="{6E212AD2-C6EE-ABED-8069-49FDC9031DBE}"/>
-              </a:ext>
-            </a:extLst>
-          </p:cNvPr>
-          <p:cNvSpPr>
-            <a:spLocks noGrp="1" noRot="1" noChangeAspect="1"/>
-          </p:cNvSpPr>
-          <p:nvPr>
-            <p:ph type="sldImg" idx="2"/>
-          </p:nvPr>
-        </p:nvSpPr>
-        <p:spPr>
-          <a:xfrm>
-            <a:off x="381000" y="685800"/>
-            <a:ext cx="6096000" cy="3429000"/>
-          </a:xfrm>
-          <a:custGeom>
-            <a:avLst/>
-            <a:gdLst/>
-            <a:ahLst/>
-            <a:cxnLst/>
-            <a:rect l="l" t="t" r="r" b="b"/>
-            <a:pathLst>
-              <a:path w="120000" h="120000" extrusionOk="0">
-                <a:moveTo>
-                  <a:pt x="0" y="0"/>
-                </a:moveTo>
-                <a:lnTo>
-                  <a:pt x="120000" y="0"/>
-                </a:lnTo>
-                <a:lnTo>
-                  <a:pt x="120000" y="120000"/>
-                </a:lnTo>
-                <a:lnTo>
-                  <a:pt x="0" y="120000"/>
-                </a:lnTo>
-                <a:close/>
-              </a:path>
-            </a:pathLst>
-          </a:custGeom>
-          <a:noFill/>
-          <a:ln w="9525" cap="flat" cmpd="sng">
-            <a:solidFill>
-              <a:srgbClr val="000000"/>
-            </a:solidFill>
-            <a:prstDash val="solid"/>
-            <a:round/>
-            <a:headEnd type="none" w="sm" len="sm"/>
-            <a:tailEnd type="none" w="sm" len="sm"/>
-          </a:ln>
-        </p:spPr>
-      </p:sp>
-      <p:sp>
-        <p:nvSpPr>
-          <p:cNvPr id="186" name="Google Shape;186;p7:notes">
-            <a:extLst>
-              <a:ext uri="{FF2B5EF4-FFF2-40B4-BE49-F238E27FC236}">
-                <a16:creationId xmlns:a16="http://schemas.microsoft.com/office/drawing/2014/main" id="{0E11D55A-162C-7F98-62D8-421C5CA6BA08}"/>
-              </a:ext>
-            </a:extLst>
-          </p:cNvPr>
-          <p:cNvSpPr txBox="1">
-            <a:spLocks noGrp="1"/>
-          </p:cNvSpPr>
-          <p:nvPr>
-            <p:ph type="body" idx="1"/>
-          </p:nvPr>
-        </p:nvSpPr>
-        <p:spPr>
-          <a:xfrm>
-            <a:off x="685800" y="4343400"/>
-            <a:ext cx="5486400" cy="4114800"/>
-          </a:xfrm>
-          <a:prstGeom prst="rect">
-            <a:avLst/>
-          </a:prstGeom>
-          <a:noFill/>
-          <a:ln>
-            <a:noFill/>
-          </a:ln>
-        </p:spPr>
-        <p:txBody>
-          <a:bodyPr spcFirstLastPara="1" wrap="square" lIns="91425" tIns="91425" rIns="91425" bIns="91425" anchor="t" anchorCtr="0">
-            <a:noAutofit/>
-          </a:bodyPr>
-          <a:lstStyle/>
-          <a:p>
-            <a:pPr marL="0" lvl="0" indent="0" algn="l" rtl="0">
-              <a:lnSpc>
-                <a:spcPct val="100000"/>
-              </a:lnSpc>
-              <a:spcBef>
-                <a:spcPts val="0"/>
-              </a:spcBef>
-              <a:spcAft>
-                <a:spcPts val="0"/>
-              </a:spcAft>
-              <a:buSzPts val="1100"/>
-              <a:buNone/>
-            </a:pPr>
-            <a:endParaRPr/>
-          </a:p>
-        </p:txBody>
-      </p:sp>
-    </p:spTree>
-    <p:extLst>
-      <p:ext uri="{BB962C8B-B14F-4D97-AF65-F5344CB8AC3E}">
-        <p14:creationId xmlns:p14="http://schemas.microsoft.com/office/powerpoint/2010/main" val="995995623"/>
-      </p:ext>
-    </p:extLst>
-  </p:cSld>
-  <p:clrMapOvr>
-    <a:masterClrMapping/>
-  </p:clrMapOvr>
-</p:notes>
-</file>
-
-<file path=ppt/notesSlides/notesSlide32.xml><?xml version="1.0" encoding="utf-8"?>
-<p:notes xmlns:a="http://schemas.openxmlformats.org/drawingml/2006/main" xmlns:r="http://schemas.openxmlformats.org/officeDocument/2006/relationships" xmlns:p="http://schemas.openxmlformats.org/presentationml/2006/main" showMasterSp="0" showMasterPhAnim="0">
-  <p:cSld>
-    <p:spTree>
-      <p:nvGrpSpPr>
-        <p:cNvPr id="1" name="Shape 191"/>
-        <p:cNvGrpSpPr/>
-        <p:nvPr/>
-      </p:nvGrpSpPr>
-      <p:grpSpPr>
-        <a:xfrm>
-          <a:off x="0" y="0"/>
-          <a:ext cx="0" cy="0"/>
-          <a:chOff x="0" y="0"/>
-          <a:chExt cx="0" cy="0"/>
-        </a:xfrm>
-      </p:grpSpPr>
-      <p:sp>
-        <p:nvSpPr>
-          <p:cNvPr id="192" name="Google Shape;192;p8:notes"/>
-          <p:cNvSpPr>
-            <a:spLocks noGrp="1" noRot="1" noChangeAspect="1"/>
-          </p:cNvSpPr>
-          <p:nvPr>
-            <p:ph type="sldImg" idx="2"/>
-          </p:nvPr>
-        </p:nvSpPr>
-        <p:spPr>
-          <a:xfrm>
-            <a:off x="381000" y="685800"/>
-            <a:ext cx="6096000" cy="3429000"/>
-          </a:xfrm>
-          <a:custGeom>
-            <a:avLst/>
-            <a:gdLst/>
-            <a:ahLst/>
-            <a:cxnLst/>
-            <a:rect l="l" t="t" r="r" b="b"/>
-            <a:pathLst>
-              <a:path w="120000" h="120000" extrusionOk="0">
-                <a:moveTo>
-                  <a:pt x="0" y="0"/>
-                </a:moveTo>
-                <a:lnTo>
-                  <a:pt x="120000" y="0"/>
-                </a:lnTo>
-                <a:lnTo>
-                  <a:pt x="120000" y="120000"/>
-                </a:lnTo>
-                <a:lnTo>
-                  <a:pt x="0" y="120000"/>
-                </a:lnTo>
-                <a:close/>
-              </a:path>
-            </a:pathLst>
-          </a:custGeom>
-          <a:noFill/>
-          <a:ln w="9525" cap="flat" cmpd="sng">
-            <a:solidFill>
-              <a:srgbClr val="000000"/>
-            </a:solidFill>
-            <a:prstDash val="solid"/>
-            <a:round/>
-            <a:headEnd type="none" w="sm" len="sm"/>
-            <a:tailEnd type="none" w="sm" len="sm"/>
-          </a:ln>
-        </p:spPr>
-      </p:sp>
-      <p:sp>
-        <p:nvSpPr>
-          <p:cNvPr id="193" name="Google Shape;193;p8:notes"/>
-          <p:cNvSpPr txBox="1">
-            <a:spLocks noGrp="1"/>
-          </p:cNvSpPr>
-          <p:nvPr>
-            <p:ph type="body" idx="1"/>
-          </p:nvPr>
-        </p:nvSpPr>
-        <p:spPr>
-          <a:xfrm>
-            <a:off x="685800" y="4343400"/>
-            <a:ext cx="5486400" cy="4114800"/>
-          </a:xfrm>
-          <a:prstGeom prst="rect">
-            <a:avLst/>
-          </a:prstGeom>
-          <a:noFill/>
-          <a:ln>
-            <a:noFill/>
-          </a:ln>
-        </p:spPr>
-        <p:txBody>
-          <a:bodyPr spcFirstLastPara="1" wrap="square" lIns="91425" tIns="91425" rIns="91425" bIns="91425" anchor="t" anchorCtr="0">
-            <a:noAutofit/>
-          </a:bodyPr>
-          <a:lstStyle/>
-          <a:p>
-            <a:pPr marL="0" lvl="0" indent="0" algn="l" rtl="0">
-              <a:lnSpc>
-                <a:spcPct val="100000"/>
-              </a:lnSpc>
-              <a:spcBef>
-                <a:spcPts val="0"/>
-              </a:spcBef>
-              <a:spcAft>
-                <a:spcPts val="0"/>
-              </a:spcAft>
-              <a:buSzPts val="1100"/>
-              <a:buNone/>
-            </a:pPr>
-            <a:endParaRPr/>
-          </a:p>
-        </p:txBody>
-      </p:sp>
-    </p:spTree>
-  </p:cSld>
-  <p:clrMapOvr>
-    <a:masterClrMapping/>
-  </p:clrMapOvr>
-</p:notes>
-</file>
-
-<file path=ppt/notesSlides/notesSlide33.xml><?xml version="1.0" encoding="utf-8"?>
-<p:notes xmlns:a="http://schemas.openxmlformats.org/drawingml/2006/main" xmlns:r="http://schemas.openxmlformats.org/officeDocument/2006/relationships" xmlns:p="http://schemas.openxmlformats.org/presentationml/2006/main" showMasterSp="0" showMasterPhAnim="0">
-  <p:cSld>
-    <p:spTree>
-      <p:nvGrpSpPr>
-        <p:cNvPr id="1" name="Shape 196"/>
-        <p:cNvGrpSpPr/>
-        <p:nvPr/>
-      </p:nvGrpSpPr>
-      <p:grpSpPr>
-        <a:xfrm>
-          <a:off x="0" y="0"/>
-          <a:ext cx="0" cy="0"/>
-          <a:chOff x="0" y="0"/>
-          <a:chExt cx="0" cy="0"/>
-        </a:xfrm>
-      </p:grpSpPr>
-      <p:sp>
-        <p:nvSpPr>
-          <p:cNvPr id="197" name="Google Shape;197;p9:notes"/>
-          <p:cNvSpPr txBox="1">
-            <a:spLocks noGrp="1"/>
-          </p:cNvSpPr>
-          <p:nvPr>
-            <p:ph type="body" idx="1"/>
-          </p:nvPr>
-        </p:nvSpPr>
-        <p:spPr>
-          <a:xfrm>
-            <a:off x="685800" y="4343400"/>
-            <a:ext cx="5486400" cy="4114800"/>
-          </a:xfrm>
-          <a:prstGeom prst="rect">
-            <a:avLst/>
-          </a:prstGeom>
-        </p:spPr>
-        <p:txBody>
-          <a:bodyPr spcFirstLastPara="1" wrap="square" lIns="91425" tIns="91425" rIns="91425" bIns="91425" anchor="t" anchorCtr="0">
-            <a:noAutofit/>
-          </a:bodyPr>
-          <a:lstStyle/>
-          <a:p>
-            <a:pPr marL="0" lvl="0" indent="0" algn="l" rtl="0">
-              <a:spcBef>
-                <a:spcPts val="0"/>
-              </a:spcBef>
-              <a:spcAft>
-                <a:spcPts val="0"/>
-              </a:spcAft>
-              <a:buNone/>
-            </a:pPr>
-            <a:endParaRPr/>
-          </a:p>
-        </p:txBody>
-      </p:sp>
-      <p:sp>
-        <p:nvSpPr>
-          <p:cNvPr id="198" name="Google Shape;198;p9:notes"/>
-          <p:cNvSpPr>
-            <a:spLocks noGrp="1" noRot="1" noChangeAspect="1"/>
-          </p:cNvSpPr>
-          <p:nvPr>
-            <p:ph type="sldImg" idx="2"/>
-          </p:nvPr>
-        </p:nvSpPr>
-        <p:spPr>
-          <a:xfrm>
-            <a:off x="381000" y="685800"/>
-            <a:ext cx="6096000" cy="3429000"/>
-          </a:xfrm>
-          <a:custGeom>
-            <a:avLst/>
-            <a:gdLst/>
-            <a:ahLst/>
-            <a:cxnLst/>
-            <a:rect l="l" t="t" r="r" b="b"/>
-            <a:pathLst>
-              <a:path w="120000" h="120000" extrusionOk="0">
-                <a:moveTo>
-                  <a:pt x="0" y="0"/>
-                </a:moveTo>
-                <a:lnTo>
-                  <a:pt x="120000" y="0"/>
-                </a:lnTo>
-                <a:lnTo>
-                  <a:pt x="120000" y="120000"/>
-                </a:lnTo>
-                <a:lnTo>
-                  <a:pt x="0" y="120000"/>
-                </a:lnTo>
-                <a:close/>
-              </a:path>
-            </a:pathLst>
-          </a:custGeom>
-        </p:spPr>
-      </p:sp>
-    </p:spTree>
-  </p:cSld>
-  <p:clrMapOvr>
-    <a:masterClrMapping/>
-  </p:clrMapOvr>
-</p:notes>
-</file>
-
-<file path=ppt/notesSlides/notesSlide34.xml><?xml version="1.0" encoding="utf-8"?>
-<p:notes xmlns:a="http://schemas.openxmlformats.org/drawingml/2006/main" xmlns:r="http://schemas.openxmlformats.org/officeDocument/2006/relationships" xmlns:p="http://schemas.openxmlformats.org/presentationml/2006/main" showMasterSp="0" showMasterPhAnim="0">
-  <p:cSld>
-    <p:spTree>
-      <p:nvGrpSpPr>
-        <p:cNvPr id="1" name="Shape 201"/>
-        <p:cNvGrpSpPr/>
-        <p:nvPr/>
-      </p:nvGrpSpPr>
-      <p:grpSpPr>
-        <a:xfrm>
-          <a:off x="0" y="0"/>
-          <a:ext cx="0" cy="0"/>
-          <a:chOff x="0" y="0"/>
-          <a:chExt cx="0" cy="0"/>
-        </a:xfrm>
-      </p:grpSpPr>
-      <p:sp>
-        <p:nvSpPr>
-          <p:cNvPr id="202" name="Google Shape;202;p10:notes"/>
-          <p:cNvSpPr txBox="1">
-            <a:spLocks noGrp="1"/>
-          </p:cNvSpPr>
-          <p:nvPr>
-            <p:ph type="body" idx="1"/>
-          </p:nvPr>
-        </p:nvSpPr>
-        <p:spPr>
-          <a:xfrm>
-            <a:off x="685800" y="4343400"/>
-            <a:ext cx="5486400" cy="4114800"/>
-          </a:xfrm>
-          <a:prstGeom prst="rect">
-            <a:avLst/>
-          </a:prstGeom>
-        </p:spPr>
-        <p:txBody>
-          <a:bodyPr spcFirstLastPara="1" wrap="square" lIns="91425" tIns="91425" rIns="91425" bIns="91425" anchor="t" anchorCtr="0">
-            <a:noAutofit/>
-          </a:bodyPr>
-          <a:lstStyle/>
-          <a:p>
-            <a:pPr marL="0" lvl="0" indent="0" algn="l" rtl="0">
-              <a:spcBef>
-                <a:spcPts val="0"/>
-              </a:spcBef>
-              <a:spcAft>
-                <a:spcPts val="0"/>
-              </a:spcAft>
-              <a:buNone/>
-            </a:pPr>
-            <a:endParaRPr/>
-          </a:p>
-        </p:txBody>
-      </p:sp>
-      <p:sp>
-        <p:nvSpPr>
-          <p:cNvPr id="203" name="Google Shape;203;p10:notes"/>
-          <p:cNvSpPr>
-            <a:spLocks noGrp="1" noRot="1" noChangeAspect="1"/>
-          </p:cNvSpPr>
-          <p:nvPr>
-            <p:ph type="sldImg" idx="2"/>
-          </p:nvPr>
-        </p:nvSpPr>
-        <p:spPr>
-          <a:xfrm>
-            <a:off x="381000" y="685800"/>
-            <a:ext cx="6096000" cy="3429000"/>
-          </a:xfrm>
-          <a:custGeom>
-            <a:avLst/>
-            <a:gdLst/>
-            <a:ahLst/>
-            <a:cxnLst/>
-            <a:rect l="l" t="t" r="r" b="b"/>
-            <a:pathLst>
-              <a:path w="120000" h="120000" extrusionOk="0">
-                <a:moveTo>
-                  <a:pt x="0" y="0"/>
-                </a:moveTo>
-                <a:lnTo>
-                  <a:pt x="120000" y="0"/>
-                </a:lnTo>
-                <a:lnTo>
-                  <a:pt x="120000" y="120000"/>
-                </a:lnTo>
-                <a:lnTo>
-                  <a:pt x="0" y="120000"/>
-                </a:lnTo>
-                <a:close/>
-              </a:path>
-            </a:pathLst>
-          </a:custGeom>
-        </p:spPr>
-      </p:sp>
-    </p:spTree>
-  </p:cSld>
-  <p:clrMapOvr>
-    <a:masterClrMapping/>
-  </p:clrMapOvr>
-</p:notes>
-</file>
-
 <file path=ppt/notesSlides/notesSlide35.xml><?xml version="1.0" encoding="utf-8"?>
 <p:notes xmlns:a="http://schemas.openxmlformats.org/drawingml/2006/main" xmlns:r="http://schemas.openxmlformats.org/officeDocument/2006/relationships" xmlns:p="http://schemas.openxmlformats.org/presentationml/2006/main" showMasterSp="0" showMasterPhAnim="0">
   <p:cSld>
@@ -5034,110 +5074,6 @@
   <p:cSld>
     <p:spTree>
       <p:nvGrpSpPr>
-        <p:cNvPr id="1" name="Shape 218"/>
-        <p:cNvGrpSpPr/>
-        <p:nvPr/>
-      </p:nvGrpSpPr>
-      <p:grpSpPr>
-        <a:xfrm>
-          <a:off x="0" y="0"/>
-          <a:ext cx="0" cy="0"/>
-          <a:chOff x="0" y="0"/>
-          <a:chExt cx="0" cy="0"/>
-        </a:xfrm>
-      </p:grpSpPr>
-      <p:sp>
-        <p:nvSpPr>
-          <p:cNvPr id="219" name="Google Shape;219;p14:notes"/>
-          <p:cNvSpPr txBox="1">
-            <a:spLocks noGrp="1"/>
-          </p:cNvSpPr>
-          <p:nvPr>
-            <p:ph type="body" idx="1"/>
-          </p:nvPr>
-        </p:nvSpPr>
-        <p:spPr>
-          <a:xfrm>
-            <a:off x="685800" y="4343400"/>
-            <a:ext cx="5486400" cy="4114800"/>
-          </a:xfrm>
-          <a:prstGeom prst="rect">
-            <a:avLst/>
-          </a:prstGeom>
-        </p:spPr>
-        <p:txBody>
-          <a:bodyPr spcFirstLastPara="1" wrap="square" lIns="91425" tIns="91425" rIns="91425" bIns="91425" anchor="t" anchorCtr="0">
-            <a:noAutofit/>
-          </a:bodyPr>
-          <a:lstStyle/>
-          <a:p>
-            <a:pPr marL="0" lvl="0" indent="0" algn="l" rtl="0">
-              <a:spcBef>
-                <a:spcPts val="0"/>
-              </a:spcBef>
-              <a:spcAft>
-                <a:spcPts val="0"/>
-              </a:spcAft>
-              <a:buNone/>
-            </a:pPr>
-            <a:endParaRPr/>
-          </a:p>
-        </p:txBody>
-      </p:sp>
-      <p:sp>
-        <p:nvSpPr>
-          <p:cNvPr id="220" name="Google Shape;220;p14:notes"/>
-          <p:cNvSpPr>
-            <a:spLocks noGrp="1" noRot="1" noChangeAspect="1"/>
-          </p:cNvSpPr>
-          <p:nvPr>
-            <p:ph type="sldImg" idx="2"/>
-          </p:nvPr>
-        </p:nvSpPr>
-        <p:spPr>
-          <a:xfrm>
-            <a:off x="381000" y="685800"/>
-            <a:ext cx="6096000" cy="3429000"/>
-          </a:xfrm>
-          <a:custGeom>
-            <a:avLst/>
-            <a:gdLst/>
-            <a:ahLst/>
-            <a:cxnLst/>
-            <a:rect l="l" t="t" r="r" b="b"/>
-            <a:pathLst>
-              <a:path w="120000" h="120000" extrusionOk="0">
-                <a:moveTo>
-                  <a:pt x="0" y="0"/>
-                </a:moveTo>
-                <a:lnTo>
-                  <a:pt x="120000" y="0"/>
-                </a:lnTo>
-                <a:lnTo>
-                  <a:pt x="120000" y="120000"/>
-                </a:lnTo>
-                <a:lnTo>
-                  <a:pt x="0" y="120000"/>
-                </a:lnTo>
-                <a:close/>
-              </a:path>
-            </a:pathLst>
-          </a:custGeom>
-        </p:spPr>
-      </p:sp>
-    </p:spTree>
-  </p:cSld>
-  <p:clrMapOvr>
-    <a:masterClrMapping/>
-  </p:clrMapOvr>
-</p:notes>
-</file>
-
-<file path=ppt/notesSlides/notesSlide38.xml><?xml version="1.0" encoding="utf-8"?>
-<p:notes xmlns:a="http://schemas.openxmlformats.org/drawingml/2006/main" xmlns:r="http://schemas.openxmlformats.org/officeDocument/2006/relationships" xmlns:p="http://schemas.openxmlformats.org/presentationml/2006/main" showMasterSp="0" showMasterPhAnim="0">
-  <p:cSld>
-    <p:spTree>
-      <p:nvGrpSpPr>
         <p:cNvPr id="1" name="Shape 223"/>
         <p:cNvGrpSpPr/>
         <p:nvPr/>
@@ -5237,7 +5173,7 @@
 </p:notes>
 </file>
 
-<file path=ppt/notesSlides/notesSlide39.xml><?xml version="1.0" encoding="utf-8"?>
+<file path=ppt/notesSlides/notesSlide38.xml><?xml version="1.0" encoding="utf-8"?>
 <p:notes xmlns:a="http://schemas.openxmlformats.org/drawingml/2006/main" xmlns:r="http://schemas.openxmlformats.org/officeDocument/2006/relationships" xmlns:p="http://schemas.openxmlformats.org/presentationml/2006/main" showMasterSp="0" showMasterPhAnim="0">
   <p:cSld>
     <p:spTree>
@@ -5308,6 +5244,128 @@
       <p:sp>
         <p:nvSpPr>
           <p:cNvPr id="230" name="Google Shape;230;p19:notes"/>
+          <p:cNvSpPr txBox="1">
+            <a:spLocks noGrp="1"/>
+          </p:cNvSpPr>
+          <p:nvPr>
+            <p:ph type="body" idx="1"/>
+          </p:nvPr>
+        </p:nvSpPr>
+        <p:spPr>
+          <a:xfrm>
+            <a:off x="685800" y="4343400"/>
+            <a:ext cx="5486400" cy="4114800"/>
+          </a:xfrm>
+          <a:prstGeom prst="rect">
+            <a:avLst/>
+          </a:prstGeom>
+          <a:noFill/>
+          <a:ln>
+            <a:noFill/>
+          </a:ln>
+        </p:spPr>
+        <p:txBody>
+          <a:bodyPr spcFirstLastPara="1" wrap="square" lIns="91425" tIns="91425" rIns="91425" bIns="91425" anchor="t" anchorCtr="0">
+            <a:noAutofit/>
+          </a:bodyPr>
+          <a:lstStyle/>
+          <a:p>
+            <a:pPr marL="0" lvl="0" indent="0" algn="l" rtl="0">
+              <a:lnSpc>
+                <a:spcPct val="100000"/>
+              </a:lnSpc>
+              <a:spcBef>
+                <a:spcPts val="0"/>
+              </a:spcBef>
+              <a:spcAft>
+                <a:spcPts val="0"/>
+              </a:spcAft>
+              <a:buSzPts val="1100"/>
+              <a:buNone/>
+            </a:pPr>
+            <a:endParaRPr/>
+          </a:p>
+        </p:txBody>
+      </p:sp>
+    </p:spTree>
+  </p:cSld>
+  <p:clrMapOvr>
+    <a:masterClrMapping/>
+  </p:clrMapOvr>
+</p:notes>
+</file>
+
+<file path=ppt/notesSlides/notesSlide39.xml><?xml version="1.0" encoding="utf-8"?>
+<p:notes xmlns:a="http://schemas.openxmlformats.org/drawingml/2006/main" xmlns:r="http://schemas.openxmlformats.org/officeDocument/2006/relationships" xmlns:p="http://schemas.openxmlformats.org/presentationml/2006/main" showMasterSp="0" showMasterPhAnim="0">
+  <p:cSld>
+    <p:spTree>
+      <p:nvGrpSpPr>
+        <p:cNvPr id="1" name="Shape 235"/>
+        <p:cNvGrpSpPr/>
+        <p:nvPr/>
+      </p:nvGrpSpPr>
+      <p:grpSpPr>
+        <a:xfrm>
+          <a:off x="0" y="0"/>
+          <a:ext cx="0" cy="0"/>
+          <a:chOff x="0" y="0"/>
+          <a:chExt cx="0" cy="0"/>
+        </a:xfrm>
+      </p:grpSpPr>
+      <p:sp>
+        <p:nvSpPr>
+          <p:cNvPr id="236" name="Google Shape;236;p20:notes"/>
+          <p:cNvSpPr>
+            <a:spLocks noGrp="1" noRot="1" noChangeAspect="1"/>
+          </p:cNvSpPr>
+          <p:nvPr>
+            <p:ph type="sldImg" idx="2"/>
+          </p:nvPr>
+        </p:nvSpPr>
+        <p:spPr>
+          <a:xfrm>
+            <a:off x="381000" y="685800"/>
+            <a:ext cx="6096000" cy="3429000"/>
+          </a:xfrm>
+          <a:custGeom>
+            <a:avLst/>
+            <a:gdLst/>
+            <a:ahLst/>
+            <a:cxnLst/>
+            <a:rect l="l" t="t" r="r" b="b"/>
+            <a:pathLst>
+              <a:path w="120000" h="120000" extrusionOk="0">
+                <a:moveTo>
+                  <a:pt x="0" y="0"/>
+                </a:moveTo>
+                <a:lnTo>
+                  <a:pt x="120000" y="0"/>
+                </a:lnTo>
+                <a:lnTo>
+                  <a:pt x="120000" y="120000"/>
+                </a:lnTo>
+                <a:lnTo>
+                  <a:pt x="0" y="120000"/>
+                </a:lnTo>
+                <a:close/>
+              </a:path>
+            </a:pathLst>
+          </a:custGeom>
+          <a:noFill/>
+          <a:ln w="9525" cap="flat" cmpd="sng">
+            <a:solidFill>
+              <a:srgbClr val="000000"/>
+            </a:solidFill>
+            <a:prstDash val="solid"/>
+            <a:round/>
+            <a:headEnd type="none" w="sm" len="sm"/>
+            <a:tailEnd type="none" w="sm" len="sm"/>
+          </a:ln>
+        </p:spPr>
+      </p:sp>
+      <p:sp>
+        <p:nvSpPr>
+          <p:cNvPr id="237" name="Google Shape;237;p20:notes"/>
           <p:cNvSpPr txBox="1">
             <a:spLocks noGrp="1"/>
           </p:cNvSpPr>
@@ -5486,128 +5544,6 @@
   <p:cSld>
     <p:spTree>
       <p:nvGrpSpPr>
-        <p:cNvPr id="1" name="Shape 235"/>
-        <p:cNvGrpSpPr/>
-        <p:nvPr/>
-      </p:nvGrpSpPr>
-      <p:grpSpPr>
-        <a:xfrm>
-          <a:off x="0" y="0"/>
-          <a:ext cx="0" cy="0"/>
-          <a:chOff x="0" y="0"/>
-          <a:chExt cx="0" cy="0"/>
-        </a:xfrm>
-      </p:grpSpPr>
-      <p:sp>
-        <p:nvSpPr>
-          <p:cNvPr id="236" name="Google Shape;236;p20:notes"/>
-          <p:cNvSpPr>
-            <a:spLocks noGrp="1" noRot="1" noChangeAspect="1"/>
-          </p:cNvSpPr>
-          <p:nvPr>
-            <p:ph type="sldImg" idx="2"/>
-          </p:nvPr>
-        </p:nvSpPr>
-        <p:spPr>
-          <a:xfrm>
-            <a:off x="381000" y="685800"/>
-            <a:ext cx="6096000" cy="3429000"/>
-          </a:xfrm>
-          <a:custGeom>
-            <a:avLst/>
-            <a:gdLst/>
-            <a:ahLst/>
-            <a:cxnLst/>
-            <a:rect l="l" t="t" r="r" b="b"/>
-            <a:pathLst>
-              <a:path w="120000" h="120000" extrusionOk="0">
-                <a:moveTo>
-                  <a:pt x="0" y="0"/>
-                </a:moveTo>
-                <a:lnTo>
-                  <a:pt x="120000" y="0"/>
-                </a:lnTo>
-                <a:lnTo>
-                  <a:pt x="120000" y="120000"/>
-                </a:lnTo>
-                <a:lnTo>
-                  <a:pt x="0" y="120000"/>
-                </a:lnTo>
-                <a:close/>
-              </a:path>
-            </a:pathLst>
-          </a:custGeom>
-          <a:noFill/>
-          <a:ln w="9525" cap="flat" cmpd="sng">
-            <a:solidFill>
-              <a:srgbClr val="000000"/>
-            </a:solidFill>
-            <a:prstDash val="solid"/>
-            <a:round/>
-            <a:headEnd type="none" w="sm" len="sm"/>
-            <a:tailEnd type="none" w="sm" len="sm"/>
-          </a:ln>
-        </p:spPr>
-      </p:sp>
-      <p:sp>
-        <p:nvSpPr>
-          <p:cNvPr id="237" name="Google Shape;237;p20:notes"/>
-          <p:cNvSpPr txBox="1">
-            <a:spLocks noGrp="1"/>
-          </p:cNvSpPr>
-          <p:nvPr>
-            <p:ph type="body" idx="1"/>
-          </p:nvPr>
-        </p:nvSpPr>
-        <p:spPr>
-          <a:xfrm>
-            <a:off x="685800" y="4343400"/>
-            <a:ext cx="5486400" cy="4114800"/>
-          </a:xfrm>
-          <a:prstGeom prst="rect">
-            <a:avLst/>
-          </a:prstGeom>
-          <a:noFill/>
-          <a:ln>
-            <a:noFill/>
-          </a:ln>
-        </p:spPr>
-        <p:txBody>
-          <a:bodyPr spcFirstLastPara="1" wrap="square" lIns="91425" tIns="91425" rIns="91425" bIns="91425" anchor="t" anchorCtr="0">
-            <a:noAutofit/>
-          </a:bodyPr>
-          <a:lstStyle/>
-          <a:p>
-            <a:pPr marL="0" lvl="0" indent="0" algn="l" rtl="0">
-              <a:lnSpc>
-                <a:spcPct val="100000"/>
-              </a:lnSpc>
-              <a:spcBef>
-                <a:spcPts val="0"/>
-              </a:spcBef>
-              <a:spcAft>
-                <a:spcPts val="0"/>
-              </a:spcAft>
-              <a:buSzPts val="1100"/>
-              <a:buNone/>
-            </a:pPr>
-            <a:endParaRPr/>
-          </a:p>
-        </p:txBody>
-      </p:sp>
-    </p:spTree>
-  </p:cSld>
-  <p:clrMapOvr>
-    <a:masterClrMapping/>
-  </p:clrMapOvr>
-</p:notes>
-</file>
-
-<file path=ppt/notesSlides/notesSlide41.xml><?xml version="1.0" encoding="utf-8"?>
-<p:notes xmlns:a="http://schemas.openxmlformats.org/drawingml/2006/main" xmlns:r="http://schemas.openxmlformats.org/officeDocument/2006/relationships" xmlns:p="http://schemas.openxmlformats.org/presentationml/2006/main" showMasterSp="0" showMasterPhAnim="0">
-  <p:cSld>
-    <p:spTree>
-      <p:nvGrpSpPr>
         <p:cNvPr id="1" name="Shape 242"/>
         <p:cNvGrpSpPr/>
         <p:nvPr/>
@@ -5725,7 +5661,7 @@
 </p:notes>
 </file>
 
-<file path=ppt/notesSlides/notesSlide42.xml><?xml version="1.0" encoding="utf-8"?>
+<file path=ppt/notesSlides/notesSlide41.xml><?xml version="1.0" encoding="utf-8"?>
 <p:notes xmlns:a="http://schemas.openxmlformats.org/drawingml/2006/main" xmlns:r="http://schemas.openxmlformats.org/officeDocument/2006/relationships" xmlns:p="http://schemas.openxmlformats.org/presentationml/2006/main" showMasterSp="0" showMasterPhAnim="0">
   <p:cSld>
     <p:spTree>
@@ -5847,7 +5783,7 @@
 </p:notes>
 </file>
 
-<file path=ppt/notesSlides/notesSlide43.xml><?xml version="1.0" encoding="utf-8"?>
+<file path=ppt/notesSlides/notesSlide42.xml><?xml version="1.0" encoding="utf-8"?>
 <p:notes xmlns:a="http://schemas.openxmlformats.org/drawingml/2006/main" xmlns:r="http://schemas.openxmlformats.org/officeDocument/2006/relationships" xmlns:p="http://schemas.openxmlformats.org/presentationml/2006/main" showMasterSp="0" showMasterPhAnim="0">
   <p:cSld>
     <p:spTree>
@@ -5969,7 +5905,7 @@
 </p:notes>
 </file>
 
-<file path=ppt/notesSlides/notesSlide44.xml><?xml version="1.0" encoding="utf-8"?>
+<file path=ppt/notesSlides/notesSlide43.xml><?xml version="1.0" encoding="utf-8"?>
 <p:notes xmlns:a="http://schemas.openxmlformats.org/drawingml/2006/main" xmlns:r="http://schemas.openxmlformats.org/officeDocument/2006/relationships" xmlns:p="http://schemas.openxmlformats.org/presentationml/2006/main" showMasterSp="0" showMasterPhAnim="0">
   <p:cSld>
     <p:spTree>
@@ -6091,7 +6027,7 @@
 </p:notes>
 </file>
 
-<file path=ppt/notesSlides/notesSlide45.xml><?xml version="1.0" encoding="utf-8"?>
+<file path=ppt/notesSlides/notesSlide44.xml><?xml version="1.0" encoding="utf-8"?>
 <p:notes xmlns:a="http://schemas.openxmlformats.org/drawingml/2006/main" xmlns:r="http://schemas.openxmlformats.org/officeDocument/2006/relationships" xmlns:p="http://schemas.openxmlformats.org/presentationml/2006/main" showMasterSp="0" showMasterPhAnim="0">
   <p:cSld>
     <p:spTree>
@@ -6213,7 +6149,7 @@
 </p:notes>
 </file>
 
-<file path=ppt/notesSlides/notesSlide46.xml><?xml version="1.0" encoding="utf-8"?>
+<file path=ppt/notesSlides/notesSlide45.xml><?xml version="1.0" encoding="utf-8"?>
 <p:notes xmlns:a="http://schemas.openxmlformats.org/drawingml/2006/main" xmlns:r="http://schemas.openxmlformats.org/officeDocument/2006/relationships" xmlns:p="http://schemas.openxmlformats.org/presentationml/2006/main" showMasterSp="0" showMasterPhAnim="0">
   <p:cSld>
     <p:spTree>
@@ -6383,7 +6319,7 @@
                 <a:cs typeface="Calibri"/>
                 <a:sym typeface="Calibri"/>
               </a:rPr>
-              <a:t>49</a:t>
+              <a:t>48</a:t>
             </a:fld>
             <a:endParaRPr sz="1200" b="0" i="0" u="none" strike="noStrike" cap="none">
               <a:solidFill>
@@ -34516,6 +34452,2104 @@
         <p:cNvPr id="1" name="Shape 187">
           <a:extLst>
             <a:ext uri="{FF2B5EF4-FFF2-40B4-BE49-F238E27FC236}">
+              <a16:creationId xmlns:a16="http://schemas.microsoft.com/office/drawing/2014/main" id="{C70C3350-B058-7AE1-35EB-90E5EC5384F8}"/>
+            </a:ext>
+          </a:extLst>
+        </p:cNvPr>
+        <p:cNvGrpSpPr/>
+        <p:nvPr/>
+      </p:nvGrpSpPr>
+      <p:grpSpPr>
+        <a:xfrm>
+          <a:off x="0" y="0"/>
+          <a:ext cx="0" cy="0"/>
+          <a:chOff x="0" y="0"/>
+          <a:chExt cx="0" cy="0"/>
+        </a:xfrm>
+      </p:grpSpPr>
+      <p:sp>
+        <p:nvSpPr>
+          <p:cNvPr id="188" name="Google Shape;188;p40">
+            <a:extLst>
+              <a:ext uri="{FF2B5EF4-FFF2-40B4-BE49-F238E27FC236}">
+                <a16:creationId xmlns:a16="http://schemas.microsoft.com/office/drawing/2014/main" id="{904E3B15-C669-65D1-08C3-E802DB41349B}"/>
+              </a:ext>
+            </a:extLst>
+          </p:cNvPr>
+          <p:cNvSpPr txBox="1"/>
+          <p:nvPr/>
+        </p:nvSpPr>
+        <p:spPr>
+          <a:xfrm>
+            <a:off x="311700" y="85060"/>
+            <a:ext cx="8520600" cy="572700"/>
+          </a:xfrm>
+          <a:prstGeom prst="rect">
+            <a:avLst/>
+          </a:prstGeom>
+          <a:noFill/>
+          <a:ln>
+            <a:noFill/>
+          </a:ln>
+        </p:spPr>
+        <p:txBody>
+          <a:bodyPr spcFirstLastPara="1" wrap="square" lIns="91425" tIns="91425" rIns="91425" bIns="91425" anchor="t" anchorCtr="0">
+            <a:noAutofit/>
+          </a:bodyPr>
+          <a:lstStyle/>
+          <a:p>
+            <a:pPr marL="0" marR="0" lvl="0" indent="0" algn="l" rtl="0">
+              <a:lnSpc>
+                <a:spcPct val="100000"/>
+              </a:lnSpc>
+              <a:spcBef>
+                <a:spcPts val="0"/>
+              </a:spcBef>
+              <a:spcAft>
+                <a:spcPts val="0"/>
+              </a:spcAft>
+              <a:buClr>
+                <a:srgbClr val="000000"/>
+              </a:buClr>
+              <a:buSzPts val="2200"/>
+              <a:buFont typeface="Arial"/>
+              <a:buNone/>
+            </a:pPr>
+            <a:r>
+              <a:rPr lang="en-US" sz="2200" b="1" i="0" u="none" strike="noStrike" cap="none" dirty="0">
+                <a:solidFill>
+                  <a:schemeClr val="lt2"/>
+                </a:solidFill>
+                <a:latin typeface="Century Gothic"/>
+                <a:ea typeface="Century Gothic"/>
+                <a:cs typeface="Century Gothic"/>
+                <a:sym typeface="Century Gothic"/>
+              </a:rPr>
+              <a:t>(EDA) – Complete Statistical Analysis</a:t>
+            </a:r>
+            <a:endParaRPr sz="2200" b="1" i="0" u="none" strike="noStrike" cap="none" dirty="0">
+              <a:solidFill>
+                <a:schemeClr val="lt2"/>
+              </a:solidFill>
+              <a:latin typeface="Century Gothic"/>
+              <a:ea typeface="Century Gothic"/>
+              <a:cs typeface="Century Gothic"/>
+              <a:sym typeface="Century Gothic"/>
+            </a:endParaRPr>
+          </a:p>
+        </p:txBody>
+      </p:sp>
+      <p:sp>
+        <p:nvSpPr>
+          <p:cNvPr id="190" name="Google Shape;190;p40">
+            <a:extLst>
+              <a:ext uri="{FF2B5EF4-FFF2-40B4-BE49-F238E27FC236}">
+                <a16:creationId xmlns:a16="http://schemas.microsoft.com/office/drawing/2014/main" id="{EABA419F-C91F-7719-2D1F-9FD77FD31297}"/>
+              </a:ext>
+            </a:extLst>
+          </p:cNvPr>
+          <p:cNvSpPr txBox="1">
+            <a:spLocks noGrp="1"/>
+          </p:cNvSpPr>
+          <p:nvPr>
+            <p:ph type="body" idx="1"/>
+          </p:nvPr>
+        </p:nvSpPr>
+        <p:spPr>
+          <a:xfrm>
+            <a:off x="231678" y="542334"/>
+            <a:ext cx="8783321" cy="4396558"/>
+          </a:xfrm>
+          <a:prstGeom prst="rect">
+            <a:avLst/>
+          </a:prstGeom>
+          <a:noFill/>
+          <a:ln>
+            <a:noFill/>
+          </a:ln>
+        </p:spPr>
+        <p:txBody>
+          <a:bodyPr spcFirstLastPara="1" wrap="square" lIns="91425" tIns="91425" rIns="91425" bIns="91425" anchor="t" anchorCtr="0">
+            <a:spAutoFit/>
+          </a:bodyPr>
+          <a:lstStyle/>
+          <a:p>
+            <a:pPr marL="0" indent="0" algn="just">
+              <a:spcBef>
+                <a:spcPts val="400"/>
+              </a:spcBef>
+              <a:buClr>
+                <a:schemeClr val="dk1"/>
+              </a:buClr>
+              <a:buSzPts val="1400"/>
+              <a:buNone/>
+            </a:pPr>
+            <a:r>
+              <a:rPr lang="en-US" sz="1400" dirty="0"/>
+              <a:t>The original project specification slide deck contains statistical analysis for a few </a:t>
+            </a:r>
+          </a:p>
+          <a:p>
+            <a:pPr marL="0" indent="0" algn="just">
+              <a:spcBef>
+                <a:spcPts val="400"/>
+              </a:spcBef>
+              <a:buClr>
+                <a:schemeClr val="dk1"/>
+              </a:buClr>
+              <a:buSzPts val="1400"/>
+              <a:buNone/>
+            </a:pPr>
+            <a:r>
+              <a:rPr lang="en-US" sz="1400" dirty="0"/>
+              <a:t>select features (</a:t>
+            </a:r>
+            <a:r>
+              <a:rPr lang="en-US" sz="1400" b="1" dirty="0"/>
+              <a:t>BAD</a:t>
+            </a:r>
+            <a:r>
+              <a:rPr lang="en-US" sz="1400" dirty="0"/>
+              <a:t>, </a:t>
+            </a:r>
+            <a:r>
+              <a:rPr lang="en-US" sz="1400" b="1" dirty="0"/>
+              <a:t>CLAGE</a:t>
+            </a:r>
+            <a:r>
+              <a:rPr lang="en-US" sz="1400" dirty="0"/>
+              <a:t>, </a:t>
+            </a:r>
+            <a:r>
+              <a:rPr lang="en-US" sz="1400" b="1" dirty="0"/>
+              <a:t>CLNO</a:t>
+            </a:r>
+            <a:r>
+              <a:rPr lang="en-US" sz="1400" dirty="0"/>
+              <a:t>). They provide a overview of some basic statistics:</a:t>
+            </a:r>
+          </a:p>
+          <a:p>
+            <a:pPr lvl="0" indent="-304800">
+              <a:lnSpc>
+                <a:spcPct val="150000"/>
+              </a:lnSpc>
+              <a:spcBef>
+                <a:spcPts val="800"/>
+              </a:spcBef>
+              <a:buClr>
+                <a:schemeClr val="dk1"/>
+              </a:buClr>
+              <a:buSzPts val="1200"/>
+              <a:buFont typeface="Century Gothic"/>
+              <a:buChar char="●"/>
+            </a:pPr>
+            <a:r>
+              <a:rPr lang="en-US" sz="1400" b="1" dirty="0">
+                <a:solidFill>
+                  <a:schemeClr val="dk1"/>
+                </a:solidFill>
+                <a:latin typeface="Century Gothic"/>
+                <a:ea typeface="Century Gothic"/>
+                <a:cs typeface="Century Gothic"/>
+                <a:sym typeface="Century Gothic"/>
+              </a:rPr>
+              <a:t>BAD</a:t>
+            </a:r>
+            <a:r>
+              <a:rPr lang="en-US" sz="1400" dirty="0">
+                <a:solidFill>
+                  <a:schemeClr val="dk1"/>
+                </a:solidFill>
+                <a:latin typeface="Century Gothic"/>
+                <a:ea typeface="Century Gothic"/>
+                <a:cs typeface="Century Gothic"/>
+                <a:sym typeface="Century Gothic"/>
+              </a:rPr>
+              <a:t>: Whether the client defaulted on the loan (0 = No, 1 = Yes)</a:t>
+            </a:r>
+          </a:p>
+          <a:p>
+            <a:pPr lvl="0" indent="-304800">
+              <a:lnSpc>
+                <a:spcPct val="150000"/>
+              </a:lnSpc>
+              <a:buClr>
+                <a:schemeClr val="dk1"/>
+              </a:buClr>
+              <a:buSzPts val="1200"/>
+              <a:buFont typeface="Century Gothic"/>
+              <a:buChar char="●"/>
+            </a:pPr>
+            <a:r>
+              <a:rPr lang="en-US" sz="1400" b="1" dirty="0">
+                <a:solidFill>
+                  <a:schemeClr val="dk1"/>
+                </a:solidFill>
+                <a:latin typeface="Century Gothic"/>
+                <a:ea typeface="Century Gothic"/>
+                <a:cs typeface="Century Gothic"/>
+                <a:sym typeface="Century Gothic"/>
+              </a:rPr>
+              <a:t>CLAGE</a:t>
+            </a:r>
+            <a:r>
+              <a:rPr lang="en-US" sz="1400" dirty="0">
+                <a:solidFill>
+                  <a:schemeClr val="dk1"/>
+                </a:solidFill>
+                <a:latin typeface="Century Gothic"/>
+                <a:ea typeface="Century Gothic"/>
+                <a:cs typeface="Century Gothic"/>
+                <a:sym typeface="Century Gothic"/>
+              </a:rPr>
+              <a:t>: Age of the oldest credit line in months</a:t>
+            </a:r>
+            <a:endParaRPr lang="en-US" sz="1400" dirty="0"/>
+          </a:p>
+          <a:p>
+            <a:pPr lvl="0" indent="-304800">
+              <a:lnSpc>
+                <a:spcPct val="150000"/>
+              </a:lnSpc>
+              <a:buClr>
+                <a:schemeClr val="dk1"/>
+              </a:buClr>
+              <a:buSzPts val="1200"/>
+              <a:buFont typeface="Century Gothic"/>
+              <a:buChar char="●"/>
+            </a:pPr>
+            <a:r>
+              <a:rPr lang="en-US" sz="1400" b="1" dirty="0">
+                <a:solidFill>
+                  <a:schemeClr val="dk1"/>
+                </a:solidFill>
+                <a:latin typeface="Century Gothic"/>
+                <a:ea typeface="Century Gothic"/>
+                <a:cs typeface="Century Gothic"/>
+                <a:sym typeface="Century Gothic"/>
+              </a:rPr>
+              <a:t>CLNO</a:t>
+            </a:r>
+            <a:r>
+              <a:rPr lang="en-US" sz="1400" dirty="0">
+                <a:solidFill>
+                  <a:schemeClr val="dk1"/>
+                </a:solidFill>
+                <a:latin typeface="Century Gothic"/>
+                <a:ea typeface="Century Gothic"/>
+                <a:cs typeface="Century Gothic"/>
+                <a:sym typeface="Century Gothic"/>
+              </a:rPr>
+              <a:t>: Number of existing credit lines</a:t>
+            </a:r>
+          </a:p>
+          <a:p>
+            <a:pPr marL="152400" lvl="0" indent="0">
+              <a:lnSpc>
+                <a:spcPct val="150000"/>
+              </a:lnSpc>
+              <a:buClr>
+                <a:schemeClr val="dk1"/>
+              </a:buClr>
+              <a:buSzPts val="1200"/>
+              <a:buNone/>
+            </a:pPr>
+            <a:endParaRPr lang="en-US" sz="800" dirty="0"/>
+          </a:p>
+          <a:p>
+            <a:pPr marL="0" indent="0" algn="just">
+              <a:spcBef>
+                <a:spcPts val="400"/>
+              </a:spcBef>
+              <a:buClr>
+                <a:schemeClr val="dk1"/>
+              </a:buClr>
+              <a:buSzPts val="1400"/>
+              <a:buNone/>
+            </a:pPr>
+            <a:r>
+              <a:rPr lang="en-US" sz="1400" dirty="0"/>
+              <a:t>While a high-level overview is a good place to start, it’s important (as data scientists) to </a:t>
+            </a:r>
+          </a:p>
+          <a:p>
+            <a:pPr marL="0" indent="0" algn="just">
+              <a:spcBef>
+                <a:spcPts val="400"/>
+              </a:spcBef>
+              <a:buClr>
+                <a:schemeClr val="dk1"/>
+              </a:buClr>
+              <a:buSzPts val="1400"/>
+              <a:buNone/>
+            </a:pPr>
+            <a:r>
+              <a:rPr lang="en-US" sz="1400" dirty="0"/>
+              <a:t>gain a thorough understanding of the complete dataset and its tendencies.</a:t>
+            </a:r>
+          </a:p>
+          <a:p>
+            <a:pPr marL="0" indent="0" algn="just">
+              <a:spcBef>
+                <a:spcPts val="400"/>
+              </a:spcBef>
+              <a:buClr>
+                <a:schemeClr val="dk1"/>
+              </a:buClr>
+              <a:buSzPts val="1400"/>
+              <a:buNone/>
+            </a:pPr>
+            <a:r>
+              <a:rPr lang="en-US" sz="1400" dirty="0"/>
+              <a:t>It is not in the best interest of model success to do anything else but.</a:t>
+            </a:r>
+          </a:p>
+          <a:p>
+            <a:pPr marL="0" indent="0" algn="just">
+              <a:spcBef>
+                <a:spcPts val="400"/>
+              </a:spcBef>
+              <a:buClr>
+                <a:schemeClr val="dk1"/>
+              </a:buClr>
+              <a:buSzPts val="1400"/>
+              <a:buNone/>
+            </a:pPr>
+            <a:endParaRPr lang="en-US" sz="1200" dirty="0"/>
+          </a:p>
+          <a:p>
+            <a:pPr marL="0" indent="0" algn="just">
+              <a:spcBef>
+                <a:spcPts val="400"/>
+              </a:spcBef>
+              <a:buClr>
+                <a:schemeClr val="dk1"/>
+              </a:buClr>
+              <a:buSzPts val="1400"/>
+              <a:buNone/>
+            </a:pPr>
+            <a:r>
+              <a:rPr lang="en-US" sz="1400" dirty="0"/>
+              <a:t>Refer to the slides titled “Complete Statistical Analysis” for a more detailed examination of the data.</a:t>
+            </a:r>
+          </a:p>
+          <a:p>
+            <a:pPr marL="0" indent="0" algn="just">
+              <a:spcBef>
+                <a:spcPts val="400"/>
+              </a:spcBef>
+              <a:buClr>
+                <a:schemeClr val="dk1"/>
+              </a:buClr>
+              <a:buSzPts val="1400"/>
+              <a:buNone/>
+            </a:pPr>
+            <a:r>
+              <a:rPr lang="en-US" sz="1400" dirty="0"/>
+              <a:t>Those sections provide a thorough exploratory data analysis of all features, distributions</a:t>
+            </a:r>
+          </a:p>
+          <a:p>
+            <a:pPr marL="0" indent="0" algn="just">
+              <a:spcBef>
+                <a:spcPts val="400"/>
+              </a:spcBef>
+              <a:buClr>
+                <a:schemeClr val="dk1"/>
+              </a:buClr>
+              <a:buSzPts val="1400"/>
+              <a:buNone/>
+            </a:pPr>
+            <a:r>
+              <a:rPr lang="en-US" sz="1400" dirty="0"/>
+              <a:t>relationships, and key characteristics to ensure a comprehensive understanding of the data </a:t>
+            </a:r>
+          </a:p>
+          <a:p>
+            <a:pPr marL="0" indent="0" algn="just">
+              <a:spcBef>
+                <a:spcPts val="400"/>
+              </a:spcBef>
+              <a:buClr>
+                <a:schemeClr val="dk1"/>
+              </a:buClr>
+              <a:buSzPts val="1400"/>
+              <a:buNone/>
+            </a:pPr>
+            <a:r>
+              <a:rPr lang="en-US" sz="1400"/>
+              <a:t>before the commencement </a:t>
+            </a:r>
+            <a:r>
+              <a:rPr lang="en-US" sz="1400" dirty="0"/>
+              <a:t>of model development.</a:t>
+            </a:r>
+            <a:endParaRPr lang="en-US" sz="1400" dirty="0">
+              <a:solidFill>
+                <a:schemeClr val="dk1"/>
+              </a:solidFill>
+              <a:latin typeface="Nunito" pitchFamily="2" charset="0"/>
+              <a:ea typeface="Century Gothic"/>
+              <a:cs typeface="Century Gothic"/>
+              <a:sym typeface="Century Gothic"/>
+            </a:endParaRPr>
+          </a:p>
+        </p:txBody>
+      </p:sp>
+      <p:sp>
+        <p:nvSpPr>
+          <p:cNvPr id="2" name="Slide Number Placeholder 1">
+            <a:extLst>
+              <a:ext uri="{FF2B5EF4-FFF2-40B4-BE49-F238E27FC236}">
+                <a16:creationId xmlns:a16="http://schemas.microsoft.com/office/drawing/2014/main" id="{16EBD1E0-6FB5-2A2F-7C5B-4E9517AD940F}"/>
+              </a:ext>
+            </a:extLst>
+          </p:cNvPr>
+          <p:cNvSpPr>
+            <a:spLocks noGrp="1"/>
+          </p:cNvSpPr>
+          <p:nvPr>
+            <p:ph type="sldNum" idx="12"/>
+          </p:nvPr>
+        </p:nvSpPr>
+        <p:spPr/>
+        <p:txBody>
+          <a:bodyPr/>
+          <a:lstStyle/>
+          <a:p>
+            <a:pPr marL="0" lvl="0" indent="0" algn="ctr" rtl="0">
+              <a:spcBef>
+                <a:spcPts val="0"/>
+              </a:spcBef>
+              <a:spcAft>
+                <a:spcPts val="0"/>
+              </a:spcAft>
+              <a:buNone/>
+            </a:pPr>
+            <a:fld id="{00000000-1234-1234-1234-123412341234}" type="slidenum">
+              <a:rPr lang="en-US" smtClean="0"/>
+              <a:t>18</a:t>
+            </a:fld>
+            <a:endParaRPr lang="en-US"/>
+          </a:p>
+        </p:txBody>
+      </p:sp>
+    </p:spTree>
+    <p:extLst>
+      <p:ext uri="{BB962C8B-B14F-4D97-AF65-F5344CB8AC3E}">
+        <p14:creationId xmlns:p14="http://schemas.microsoft.com/office/powerpoint/2010/main" val="1078205759"/>
+      </p:ext>
+    </p:extLst>
+  </p:cSld>
+  <p:clrMapOvr>
+    <a:masterClrMapping/>
+  </p:clrMapOvr>
+</p:sld>
+</file>
+
+<file path=ppt/slides/slide19.xml><?xml version="1.0" encoding="utf-8"?>
+<p:sld xmlns:a="http://schemas.openxmlformats.org/drawingml/2006/main" xmlns:r="http://schemas.openxmlformats.org/officeDocument/2006/relationships" xmlns:p="http://schemas.openxmlformats.org/presentationml/2006/main">
+  <p:cSld>
+    <p:spTree>
+      <p:nvGrpSpPr>
+        <p:cNvPr id="1" name="Shape 187">
+          <a:extLst>
+            <a:ext uri="{FF2B5EF4-FFF2-40B4-BE49-F238E27FC236}">
+              <a16:creationId xmlns:a16="http://schemas.microsoft.com/office/drawing/2014/main" id="{9809A8D0-DF4F-253B-8839-5B81753736DD}"/>
+            </a:ext>
+          </a:extLst>
+        </p:cNvPr>
+        <p:cNvGrpSpPr/>
+        <p:nvPr/>
+      </p:nvGrpSpPr>
+      <p:grpSpPr>
+        <a:xfrm>
+          <a:off x="0" y="0"/>
+          <a:ext cx="0" cy="0"/>
+          <a:chOff x="0" y="0"/>
+          <a:chExt cx="0" cy="0"/>
+        </a:xfrm>
+      </p:grpSpPr>
+      <p:sp>
+        <p:nvSpPr>
+          <p:cNvPr id="188" name="Google Shape;188;p40">
+            <a:extLst>
+              <a:ext uri="{FF2B5EF4-FFF2-40B4-BE49-F238E27FC236}">
+                <a16:creationId xmlns:a16="http://schemas.microsoft.com/office/drawing/2014/main" id="{C9757D56-04BD-69E4-D66B-2B42396DBD3B}"/>
+              </a:ext>
+            </a:extLst>
+          </p:cNvPr>
+          <p:cNvSpPr txBox="1"/>
+          <p:nvPr/>
+        </p:nvSpPr>
+        <p:spPr>
+          <a:xfrm>
+            <a:off x="202550" y="289279"/>
+            <a:ext cx="8520600" cy="572700"/>
+          </a:xfrm>
+          <a:prstGeom prst="rect">
+            <a:avLst/>
+          </a:prstGeom>
+          <a:noFill/>
+          <a:ln>
+            <a:noFill/>
+          </a:ln>
+        </p:spPr>
+        <p:txBody>
+          <a:bodyPr spcFirstLastPara="1" wrap="square" lIns="91425" tIns="91425" rIns="91425" bIns="91425" anchor="t" anchorCtr="0">
+            <a:noAutofit/>
+          </a:bodyPr>
+          <a:lstStyle/>
+          <a:p>
+            <a:pPr marL="0" marR="0" lvl="0" indent="0" algn="l" rtl="0">
+              <a:lnSpc>
+                <a:spcPct val="100000"/>
+              </a:lnSpc>
+              <a:spcBef>
+                <a:spcPts val="0"/>
+              </a:spcBef>
+              <a:spcAft>
+                <a:spcPts val="0"/>
+              </a:spcAft>
+              <a:buClr>
+                <a:srgbClr val="000000"/>
+              </a:buClr>
+              <a:buSzPts val="2200"/>
+              <a:buFont typeface="Arial"/>
+              <a:buNone/>
+            </a:pPr>
+            <a:r>
+              <a:rPr lang="en-US" sz="2200" b="1" i="0" u="none" strike="noStrike" cap="none" dirty="0">
+                <a:solidFill>
+                  <a:schemeClr val="lt2"/>
+                </a:solidFill>
+                <a:latin typeface="Century Gothic"/>
+                <a:ea typeface="Century Gothic"/>
+                <a:cs typeface="Century Gothic"/>
+                <a:sym typeface="Century Gothic"/>
+              </a:rPr>
+              <a:t>Statistics after Retrieve (Initial EDA):</a:t>
+            </a:r>
+            <a:endParaRPr sz="2200" b="1" i="0" u="none" strike="noStrike" cap="none" dirty="0">
+              <a:solidFill>
+                <a:schemeClr val="lt2"/>
+              </a:solidFill>
+              <a:latin typeface="Century Gothic"/>
+              <a:ea typeface="Century Gothic"/>
+              <a:cs typeface="Century Gothic"/>
+              <a:sym typeface="Century Gothic"/>
+            </a:endParaRPr>
+          </a:p>
+        </p:txBody>
+      </p:sp>
+      <p:pic>
+        <p:nvPicPr>
+          <p:cNvPr id="189" name="Google Shape;189;p40">
+            <a:extLst>
+              <a:ext uri="{FF2B5EF4-FFF2-40B4-BE49-F238E27FC236}">
+                <a16:creationId xmlns:a16="http://schemas.microsoft.com/office/drawing/2014/main" id="{087C0B74-563F-916A-D9A1-1FD3C9B7CB49}"/>
+              </a:ext>
+            </a:extLst>
+          </p:cNvPr>
+          <p:cNvPicPr preferRelativeResize="0"/>
+          <p:nvPr/>
+        </p:nvPicPr>
+        <p:blipFill rotWithShape="1">
+          <a:blip r:embed="rId3">
+            <a:alphaModFix/>
+          </a:blip>
+          <a:srcRect/>
+          <a:stretch/>
+        </p:blipFill>
+        <p:spPr>
+          <a:xfrm>
+            <a:off x="1438940" y="1779182"/>
+            <a:ext cx="6438822" cy="2502196"/>
+          </a:xfrm>
+          <a:prstGeom prst="rect">
+            <a:avLst/>
+          </a:prstGeom>
+          <a:noFill/>
+          <a:ln>
+            <a:noFill/>
+          </a:ln>
+        </p:spPr>
+      </p:pic>
+      <p:sp>
+        <p:nvSpPr>
+          <p:cNvPr id="190" name="Google Shape;190;p40">
+            <a:extLst>
+              <a:ext uri="{FF2B5EF4-FFF2-40B4-BE49-F238E27FC236}">
+                <a16:creationId xmlns:a16="http://schemas.microsoft.com/office/drawing/2014/main" id="{B67FA253-C77F-6653-7DD8-B70A12ED42A8}"/>
+              </a:ext>
+            </a:extLst>
+          </p:cNvPr>
+          <p:cNvSpPr txBox="1">
+            <a:spLocks noGrp="1"/>
+          </p:cNvSpPr>
+          <p:nvPr>
+            <p:ph type="body" idx="1"/>
+          </p:nvPr>
+        </p:nvSpPr>
+        <p:spPr>
+          <a:xfrm>
+            <a:off x="202550" y="752645"/>
+            <a:ext cx="8629800" cy="895800"/>
+          </a:xfrm>
+          <a:prstGeom prst="rect">
+            <a:avLst/>
+          </a:prstGeom>
+          <a:noFill/>
+          <a:ln>
+            <a:noFill/>
+          </a:ln>
+        </p:spPr>
+        <p:txBody>
+          <a:bodyPr spcFirstLastPara="1" wrap="square" lIns="91425" tIns="91425" rIns="91425" bIns="91425" anchor="t" anchorCtr="0">
+            <a:spAutoFit/>
+          </a:bodyPr>
+          <a:lstStyle/>
+          <a:p>
+            <a:pPr marL="457200" lvl="0" indent="-317500" algn="just" rtl="0">
+              <a:lnSpc>
+                <a:spcPct val="115000"/>
+              </a:lnSpc>
+              <a:spcBef>
+                <a:spcPts val="1000"/>
+              </a:spcBef>
+              <a:spcAft>
+                <a:spcPts val="0"/>
+              </a:spcAft>
+              <a:buClr>
+                <a:schemeClr val="dk1"/>
+              </a:buClr>
+              <a:buSzPts val="1400"/>
+              <a:buFont typeface="Century Gothic"/>
+              <a:buChar char="●"/>
+            </a:pPr>
+            <a:r>
+              <a:rPr lang="en-US" sz="1400" dirty="0">
+                <a:solidFill>
+                  <a:schemeClr val="dk1"/>
+                </a:solidFill>
+                <a:latin typeface="Century Gothic"/>
+                <a:ea typeface="Century Gothic"/>
+                <a:cs typeface="Century Gothic"/>
+                <a:sym typeface="Century Gothic"/>
+              </a:rPr>
+              <a:t>At this stage, the statistics were used to understand the raw data before any modifications. This helped in identifying missing values, data types, and the overall distribution of features. It represents the initial univariate exploratory data analysis (EDA).</a:t>
+            </a:r>
+            <a:endParaRPr sz="1400" dirty="0">
+              <a:solidFill>
+                <a:schemeClr val="dk1"/>
+              </a:solidFill>
+              <a:latin typeface="Century Gothic"/>
+              <a:ea typeface="Century Gothic"/>
+              <a:cs typeface="Century Gothic"/>
+              <a:sym typeface="Century Gothic"/>
+            </a:endParaRPr>
+          </a:p>
+        </p:txBody>
+      </p:sp>
+      <p:sp>
+        <p:nvSpPr>
+          <p:cNvPr id="2" name="Slide Number Placeholder 1">
+            <a:extLst>
+              <a:ext uri="{FF2B5EF4-FFF2-40B4-BE49-F238E27FC236}">
+                <a16:creationId xmlns:a16="http://schemas.microsoft.com/office/drawing/2014/main" id="{C89F91EC-3D76-E4D8-442B-6AA8FBA67744}"/>
+              </a:ext>
+            </a:extLst>
+          </p:cNvPr>
+          <p:cNvSpPr>
+            <a:spLocks noGrp="1"/>
+          </p:cNvSpPr>
+          <p:nvPr>
+            <p:ph type="sldNum" idx="12"/>
+          </p:nvPr>
+        </p:nvSpPr>
+        <p:spPr/>
+        <p:txBody>
+          <a:bodyPr/>
+          <a:lstStyle/>
+          <a:p>
+            <a:pPr marL="0" lvl="0" indent="0" algn="ctr" rtl="0">
+              <a:spcBef>
+                <a:spcPts val="0"/>
+              </a:spcBef>
+              <a:spcAft>
+                <a:spcPts val="0"/>
+              </a:spcAft>
+              <a:buNone/>
+            </a:pPr>
+            <a:fld id="{00000000-1234-1234-1234-123412341234}" type="slidenum">
+              <a:rPr lang="en-US" smtClean="0"/>
+              <a:t>19</a:t>
+            </a:fld>
+            <a:endParaRPr lang="en-US"/>
+          </a:p>
+        </p:txBody>
+      </p:sp>
+      <p:sp>
+        <p:nvSpPr>
+          <p:cNvPr id="4" name="Google Shape;190;p40">
+            <a:extLst>
+              <a:ext uri="{FF2B5EF4-FFF2-40B4-BE49-F238E27FC236}">
+                <a16:creationId xmlns:a16="http://schemas.microsoft.com/office/drawing/2014/main" id="{BBC79FF2-4572-AC96-BF39-A56EB12E6C6A}"/>
+              </a:ext>
+            </a:extLst>
+          </p:cNvPr>
+          <p:cNvSpPr txBox="1">
+            <a:spLocks/>
+          </p:cNvSpPr>
+          <p:nvPr/>
+        </p:nvSpPr>
+        <p:spPr>
+          <a:xfrm>
+            <a:off x="385199" y="4286244"/>
+            <a:ext cx="8629800" cy="660663"/>
+          </a:xfrm>
+          <a:prstGeom prst="rect">
+            <a:avLst/>
+          </a:prstGeom>
+          <a:noFill/>
+          <a:ln>
+            <a:noFill/>
+          </a:ln>
+        </p:spPr>
+        <p:txBody>
+          <a:bodyPr spcFirstLastPara="1" wrap="square" lIns="91425" tIns="91425" rIns="91425" bIns="91425" anchor="t" anchorCtr="0">
+            <a:spAutoFit/>
+          </a:bodyPr>
+          <a:lstStyle>
+            <a:defPPr marR="0" lvl="0" algn="l" rtl="0">
+              <a:lnSpc>
+                <a:spcPct val="100000"/>
+              </a:lnSpc>
+              <a:spcBef>
+                <a:spcPts val="0"/>
+              </a:spcBef>
+              <a:spcAft>
+                <a:spcPts val="0"/>
+              </a:spcAft>
+            </a:defPPr>
+            <a:lvl1pPr marL="457200" marR="0" lvl="0" indent="-323850" algn="l" rtl="0">
+              <a:lnSpc>
+                <a:spcPct val="115000"/>
+              </a:lnSpc>
+              <a:spcBef>
+                <a:spcPts val="0"/>
+              </a:spcBef>
+              <a:spcAft>
+                <a:spcPts val="0"/>
+              </a:spcAft>
+              <a:buClr>
+                <a:schemeClr val="dk2"/>
+              </a:buClr>
+              <a:buSzPts val="1500"/>
+              <a:buFont typeface="Nunito"/>
+              <a:buChar char="●"/>
+              <a:defRPr sz="1500" b="0" i="0" u="none" strike="noStrike" cap="none">
+                <a:solidFill>
+                  <a:schemeClr val="dk2"/>
+                </a:solidFill>
+                <a:latin typeface="Nunito"/>
+                <a:ea typeface="Nunito"/>
+                <a:cs typeface="Nunito"/>
+                <a:sym typeface="Nunito"/>
+              </a:defRPr>
+            </a:lvl1pPr>
+            <a:lvl2pPr marL="914400" marR="0" lvl="1" indent="-311150" algn="l" rtl="0">
+              <a:lnSpc>
+                <a:spcPct val="115000"/>
+              </a:lnSpc>
+              <a:spcBef>
+                <a:spcPts val="1600"/>
+              </a:spcBef>
+              <a:spcAft>
+                <a:spcPts val="0"/>
+              </a:spcAft>
+              <a:buClr>
+                <a:schemeClr val="dk2"/>
+              </a:buClr>
+              <a:buSzPts val="1300"/>
+              <a:buFont typeface="Nunito"/>
+              <a:buChar char="○"/>
+              <a:defRPr sz="1300" b="0" i="0" u="none" strike="noStrike" cap="none">
+                <a:solidFill>
+                  <a:schemeClr val="dk2"/>
+                </a:solidFill>
+                <a:latin typeface="Nunito"/>
+                <a:ea typeface="Nunito"/>
+                <a:cs typeface="Nunito"/>
+                <a:sym typeface="Nunito"/>
+              </a:defRPr>
+            </a:lvl2pPr>
+            <a:lvl3pPr marL="1371600" marR="0" lvl="2" indent="-304800" algn="l" rtl="0">
+              <a:lnSpc>
+                <a:spcPct val="115000"/>
+              </a:lnSpc>
+              <a:spcBef>
+                <a:spcPts val="1600"/>
+              </a:spcBef>
+              <a:spcAft>
+                <a:spcPts val="0"/>
+              </a:spcAft>
+              <a:buClr>
+                <a:schemeClr val="dk2"/>
+              </a:buClr>
+              <a:buSzPts val="1200"/>
+              <a:buFont typeface="Nunito"/>
+              <a:buChar char="■"/>
+              <a:defRPr sz="1200" b="0" i="0" u="none" strike="noStrike" cap="none">
+                <a:solidFill>
+                  <a:schemeClr val="dk2"/>
+                </a:solidFill>
+                <a:latin typeface="Nunito"/>
+                <a:ea typeface="Nunito"/>
+                <a:cs typeface="Nunito"/>
+                <a:sym typeface="Nunito"/>
+              </a:defRPr>
+            </a:lvl3pPr>
+            <a:lvl4pPr marL="1828800" marR="0" lvl="3" indent="-298450" algn="l" rtl="0">
+              <a:lnSpc>
+                <a:spcPct val="115000"/>
+              </a:lnSpc>
+              <a:spcBef>
+                <a:spcPts val="1600"/>
+              </a:spcBef>
+              <a:spcAft>
+                <a:spcPts val="0"/>
+              </a:spcAft>
+              <a:buClr>
+                <a:schemeClr val="dk2"/>
+              </a:buClr>
+              <a:buSzPts val="1100"/>
+              <a:buFont typeface="Nunito"/>
+              <a:buChar char="●"/>
+              <a:defRPr sz="1100" b="0" i="0" u="none" strike="noStrike" cap="none">
+                <a:solidFill>
+                  <a:schemeClr val="dk2"/>
+                </a:solidFill>
+                <a:latin typeface="Nunito"/>
+                <a:ea typeface="Nunito"/>
+                <a:cs typeface="Nunito"/>
+                <a:sym typeface="Nunito"/>
+              </a:defRPr>
+            </a:lvl4pPr>
+            <a:lvl5pPr marL="2286000" marR="0" lvl="4" indent="-292100" algn="l" rtl="0">
+              <a:lnSpc>
+                <a:spcPct val="115000"/>
+              </a:lnSpc>
+              <a:spcBef>
+                <a:spcPts val="1600"/>
+              </a:spcBef>
+              <a:spcAft>
+                <a:spcPts val="0"/>
+              </a:spcAft>
+              <a:buClr>
+                <a:schemeClr val="dk2"/>
+              </a:buClr>
+              <a:buSzPts val="1000"/>
+              <a:buFont typeface="Nunito"/>
+              <a:buChar char="○"/>
+              <a:defRPr sz="1000" b="0" i="0" u="none" strike="noStrike" cap="none">
+                <a:solidFill>
+                  <a:schemeClr val="dk2"/>
+                </a:solidFill>
+                <a:latin typeface="Nunito"/>
+                <a:ea typeface="Nunito"/>
+                <a:cs typeface="Nunito"/>
+                <a:sym typeface="Nunito"/>
+              </a:defRPr>
+            </a:lvl5pPr>
+            <a:lvl6pPr marL="2743200" marR="0" lvl="5" indent="-285750" algn="l" rtl="0">
+              <a:lnSpc>
+                <a:spcPct val="115000"/>
+              </a:lnSpc>
+              <a:spcBef>
+                <a:spcPts val="1600"/>
+              </a:spcBef>
+              <a:spcAft>
+                <a:spcPts val="0"/>
+              </a:spcAft>
+              <a:buClr>
+                <a:schemeClr val="dk2"/>
+              </a:buClr>
+              <a:buSzPts val="900"/>
+              <a:buFont typeface="Nunito"/>
+              <a:buChar char="■"/>
+              <a:defRPr sz="900" b="0" i="0" u="none" strike="noStrike" cap="none">
+                <a:solidFill>
+                  <a:schemeClr val="dk2"/>
+                </a:solidFill>
+                <a:latin typeface="Nunito"/>
+                <a:ea typeface="Nunito"/>
+                <a:cs typeface="Nunito"/>
+                <a:sym typeface="Nunito"/>
+              </a:defRPr>
+            </a:lvl6pPr>
+            <a:lvl7pPr marL="3200400" marR="0" lvl="6" indent="-279400" algn="l" rtl="0">
+              <a:lnSpc>
+                <a:spcPct val="115000"/>
+              </a:lnSpc>
+              <a:spcBef>
+                <a:spcPts val="1600"/>
+              </a:spcBef>
+              <a:spcAft>
+                <a:spcPts val="0"/>
+              </a:spcAft>
+              <a:buClr>
+                <a:schemeClr val="dk2"/>
+              </a:buClr>
+              <a:buSzPts val="800"/>
+              <a:buFont typeface="Nunito"/>
+              <a:buChar char="●"/>
+              <a:defRPr sz="800" b="0" i="0" u="none" strike="noStrike" cap="none">
+                <a:solidFill>
+                  <a:schemeClr val="dk2"/>
+                </a:solidFill>
+                <a:latin typeface="Nunito"/>
+                <a:ea typeface="Nunito"/>
+                <a:cs typeface="Nunito"/>
+                <a:sym typeface="Nunito"/>
+              </a:defRPr>
+            </a:lvl7pPr>
+            <a:lvl8pPr marL="3657600" marR="0" lvl="7" indent="-273050" algn="l" rtl="0">
+              <a:lnSpc>
+                <a:spcPct val="115000"/>
+              </a:lnSpc>
+              <a:spcBef>
+                <a:spcPts val="1600"/>
+              </a:spcBef>
+              <a:spcAft>
+                <a:spcPts val="0"/>
+              </a:spcAft>
+              <a:buClr>
+                <a:schemeClr val="dk2"/>
+              </a:buClr>
+              <a:buSzPts val="700"/>
+              <a:buFont typeface="Nunito"/>
+              <a:buChar char="○"/>
+              <a:defRPr sz="700" b="0" i="0" u="none" strike="noStrike" cap="none">
+                <a:solidFill>
+                  <a:schemeClr val="dk2"/>
+                </a:solidFill>
+                <a:latin typeface="Nunito"/>
+                <a:ea typeface="Nunito"/>
+                <a:cs typeface="Nunito"/>
+                <a:sym typeface="Nunito"/>
+              </a:defRPr>
+            </a:lvl8pPr>
+            <a:lvl9pPr marL="4114800" marR="0" lvl="8" indent="-266700" algn="l" rtl="0">
+              <a:lnSpc>
+                <a:spcPct val="115000"/>
+              </a:lnSpc>
+              <a:spcBef>
+                <a:spcPts val="1600"/>
+              </a:spcBef>
+              <a:spcAft>
+                <a:spcPts val="1600"/>
+              </a:spcAft>
+              <a:buClr>
+                <a:schemeClr val="dk2"/>
+              </a:buClr>
+              <a:buSzPts val="600"/>
+              <a:buFont typeface="Nunito"/>
+              <a:buChar char="■"/>
+              <a:defRPr sz="600" b="0" i="0" u="none" strike="noStrike" cap="none">
+                <a:solidFill>
+                  <a:schemeClr val="dk2"/>
+                </a:solidFill>
+                <a:latin typeface="Nunito"/>
+                <a:ea typeface="Nunito"/>
+                <a:cs typeface="Nunito"/>
+                <a:sym typeface="Nunito"/>
+              </a:defRPr>
+            </a:lvl9pPr>
+          </a:lstStyle>
+          <a:p>
+            <a:pPr marL="139700" indent="0" algn="just">
+              <a:spcBef>
+                <a:spcPts val="200"/>
+              </a:spcBef>
+              <a:buClr>
+                <a:schemeClr val="dk1"/>
+              </a:buClr>
+              <a:buSzPts val="1400"/>
+              <a:buNone/>
+            </a:pPr>
+            <a:r>
+              <a:rPr lang="en-US" sz="1200" b="1" dirty="0">
+                <a:solidFill>
+                  <a:schemeClr val="dk1"/>
+                </a:solidFill>
+                <a:latin typeface="Century Gothic"/>
+                <a:ea typeface="Century Gothic"/>
+                <a:cs typeface="Century Gothic"/>
+                <a:sym typeface="Century Gothic"/>
+              </a:rPr>
+              <a:t>BAD</a:t>
+            </a:r>
+            <a:r>
+              <a:rPr lang="en-US" sz="1200" dirty="0">
+                <a:solidFill>
+                  <a:schemeClr val="dk1"/>
+                </a:solidFill>
+                <a:latin typeface="Century Gothic"/>
+                <a:ea typeface="Century Gothic"/>
+                <a:cs typeface="Century Gothic"/>
+                <a:sym typeface="Century Gothic"/>
+              </a:rPr>
+              <a:t> – represents whether a loan was defaulted or not. It is the feature label which we are training the</a:t>
+            </a:r>
+          </a:p>
+          <a:p>
+            <a:pPr marL="139700" indent="0" algn="just">
+              <a:spcBef>
+                <a:spcPts val="200"/>
+              </a:spcBef>
+              <a:buClr>
+                <a:schemeClr val="dk1"/>
+              </a:buClr>
+              <a:buSzPts val="1400"/>
+              <a:buNone/>
+            </a:pPr>
+            <a:r>
+              <a:rPr lang="en-US" sz="1200" dirty="0">
+                <a:solidFill>
+                  <a:schemeClr val="dk1"/>
+                </a:solidFill>
+                <a:latin typeface="Century Gothic"/>
+                <a:ea typeface="Century Gothic"/>
+                <a:cs typeface="Century Gothic"/>
+                <a:sym typeface="Century Gothic"/>
+              </a:rPr>
+              <a:t>model to predict. No normalization or modifications should be done here. </a:t>
+            </a:r>
+            <a:r>
+              <a:rPr lang="en-US" sz="1200" b="1" dirty="0">
+                <a:solidFill>
+                  <a:schemeClr val="dk1"/>
+                </a:solidFill>
+                <a:latin typeface="Century Gothic"/>
+                <a:ea typeface="Century Gothic"/>
+                <a:cs typeface="Century Gothic"/>
+                <a:sym typeface="Century Gothic"/>
+              </a:rPr>
+              <a:t>20% </a:t>
+            </a:r>
+            <a:r>
+              <a:rPr lang="en-US" sz="1200" dirty="0">
+                <a:solidFill>
+                  <a:schemeClr val="dk1"/>
+                </a:solidFill>
+                <a:latin typeface="Century Gothic"/>
+                <a:ea typeface="Century Gothic"/>
+                <a:cs typeface="Century Gothic"/>
+                <a:sym typeface="Century Gothic"/>
+              </a:rPr>
+              <a:t>of loans were defaulted on.</a:t>
+            </a:r>
+          </a:p>
+        </p:txBody>
+      </p:sp>
+    </p:spTree>
+    <p:extLst>
+      <p:ext uri="{BB962C8B-B14F-4D97-AF65-F5344CB8AC3E}">
+        <p14:creationId xmlns:p14="http://schemas.microsoft.com/office/powerpoint/2010/main" val="1777190522"/>
+      </p:ext>
+    </p:extLst>
+  </p:cSld>
+  <p:clrMapOvr>
+    <a:masterClrMapping/>
+  </p:clrMapOvr>
+</p:sld>
+</file>
+
+<file path=ppt/slides/slide2.xml><?xml version="1.0" encoding="utf-8"?>
+<p:sld xmlns:a="http://schemas.openxmlformats.org/drawingml/2006/main" xmlns:r="http://schemas.openxmlformats.org/officeDocument/2006/relationships" xmlns:p="http://schemas.openxmlformats.org/presentationml/2006/main">
+  <p:cSld>
+    <p:spTree>
+      <p:nvGrpSpPr>
+        <p:cNvPr id="1" name="Shape 157"/>
+        <p:cNvGrpSpPr/>
+        <p:nvPr/>
+      </p:nvGrpSpPr>
+      <p:grpSpPr>
+        <a:xfrm>
+          <a:off x="0" y="0"/>
+          <a:ext cx="0" cy="0"/>
+          <a:chOff x="0" y="0"/>
+          <a:chExt cx="0" cy="0"/>
+        </a:xfrm>
+      </p:grpSpPr>
+      <p:sp>
+        <p:nvSpPr>
+          <p:cNvPr id="158" name="Google Shape;158;p35"/>
+          <p:cNvSpPr txBox="1">
+            <a:spLocks noGrp="1"/>
+          </p:cNvSpPr>
+          <p:nvPr>
+            <p:ph type="title"/>
+          </p:nvPr>
+        </p:nvSpPr>
+        <p:spPr>
+          <a:xfrm>
+            <a:off x="202550" y="289279"/>
+            <a:ext cx="8520600" cy="572700"/>
+          </a:xfrm>
+          <a:prstGeom prst="rect">
+            <a:avLst/>
+          </a:prstGeom>
+          <a:noFill/>
+          <a:ln>
+            <a:noFill/>
+          </a:ln>
+        </p:spPr>
+        <p:txBody>
+          <a:bodyPr spcFirstLastPara="1" wrap="square" lIns="91425" tIns="91425" rIns="91425" bIns="91425" anchor="t" anchorCtr="0">
+            <a:noAutofit/>
+          </a:bodyPr>
+          <a:lstStyle/>
+          <a:p>
+            <a:pPr marL="0" lvl="0" indent="0" algn="l" rtl="0">
+              <a:lnSpc>
+                <a:spcPct val="100000"/>
+              </a:lnSpc>
+              <a:spcBef>
+                <a:spcPts val="0"/>
+              </a:spcBef>
+              <a:spcAft>
+                <a:spcPts val="0"/>
+              </a:spcAft>
+              <a:buSzPts val="2200"/>
+              <a:buNone/>
+            </a:pPr>
+            <a:r>
+              <a:rPr lang="en-US">
+                <a:solidFill>
+                  <a:schemeClr val="lt2"/>
+                </a:solidFill>
+                <a:latin typeface="Century Gothic"/>
+                <a:ea typeface="Century Gothic"/>
+                <a:cs typeface="Century Gothic"/>
+                <a:sym typeface="Century Gothic"/>
+              </a:rPr>
+              <a:t>Contents / Agenda</a:t>
+            </a:r>
+            <a:endParaRPr>
+              <a:solidFill>
+                <a:schemeClr val="lt2"/>
+              </a:solidFill>
+              <a:latin typeface="Century Gothic"/>
+              <a:ea typeface="Century Gothic"/>
+              <a:cs typeface="Century Gothic"/>
+              <a:sym typeface="Century Gothic"/>
+            </a:endParaRPr>
+          </a:p>
+        </p:txBody>
+      </p:sp>
+      <p:sp>
+        <p:nvSpPr>
+          <p:cNvPr id="159" name="Google Shape;159;p35"/>
+          <p:cNvSpPr txBox="1">
+            <a:spLocks noGrp="1"/>
+          </p:cNvSpPr>
+          <p:nvPr>
+            <p:ph type="body" idx="1"/>
+          </p:nvPr>
+        </p:nvSpPr>
+        <p:spPr>
+          <a:xfrm>
+            <a:off x="202550" y="861975"/>
+            <a:ext cx="8629800" cy="3706800"/>
+          </a:xfrm>
+          <a:prstGeom prst="rect">
+            <a:avLst/>
+          </a:prstGeom>
+          <a:noFill/>
+          <a:ln>
+            <a:noFill/>
+          </a:ln>
+        </p:spPr>
+        <p:txBody>
+          <a:bodyPr spcFirstLastPara="1" wrap="square" lIns="91425" tIns="91425" rIns="91425" bIns="91425" anchor="t" anchorCtr="0">
+            <a:noAutofit/>
+          </a:bodyPr>
+          <a:lstStyle/>
+          <a:p>
+            <a:pPr marL="457200" lvl="0" indent="-317500" algn="l" rtl="0">
+              <a:lnSpc>
+                <a:spcPct val="115000"/>
+              </a:lnSpc>
+              <a:spcBef>
+                <a:spcPts val="1000"/>
+              </a:spcBef>
+              <a:spcAft>
+                <a:spcPts val="0"/>
+              </a:spcAft>
+              <a:buClr>
+                <a:schemeClr val="dk1"/>
+              </a:buClr>
+              <a:buSzPts val="1400"/>
+              <a:buFont typeface="Century Gothic"/>
+              <a:buChar char="●"/>
+            </a:pPr>
+            <a:r>
+              <a:rPr lang="en-US" sz="1400" dirty="0">
+                <a:solidFill>
+                  <a:schemeClr val="dk1"/>
+                </a:solidFill>
+                <a:latin typeface="Century Gothic"/>
+                <a:ea typeface="Century Gothic"/>
+                <a:cs typeface="Century Gothic"/>
+                <a:sym typeface="Century Gothic"/>
+              </a:rPr>
+              <a:t>Business Problem Overview &amp; Solution Approach</a:t>
+            </a:r>
+            <a:endParaRPr dirty="0"/>
+          </a:p>
+          <a:p>
+            <a:pPr marL="457200" lvl="0" indent="-317500" algn="l" rtl="0">
+              <a:lnSpc>
+                <a:spcPct val="115000"/>
+              </a:lnSpc>
+              <a:spcBef>
+                <a:spcPts val="1000"/>
+              </a:spcBef>
+              <a:spcAft>
+                <a:spcPts val="0"/>
+              </a:spcAft>
+              <a:buClr>
+                <a:schemeClr val="dk1"/>
+              </a:buClr>
+              <a:buSzPts val="1400"/>
+              <a:buFont typeface="Century Gothic"/>
+              <a:buChar char="●"/>
+            </a:pPr>
+            <a:r>
+              <a:rPr lang="en-US" sz="1400" dirty="0">
+                <a:solidFill>
+                  <a:schemeClr val="dk1"/>
+                </a:solidFill>
+                <a:latin typeface="Century Gothic"/>
+                <a:ea typeface="Century Gothic"/>
+                <a:cs typeface="Century Gothic"/>
+                <a:sym typeface="Century Gothic"/>
+              </a:rPr>
+              <a:t>Data Dictionary</a:t>
+            </a:r>
+            <a:endParaRPr dirty="0"/>
+          </a:p>
+          <a:p>
+            <a:pPr marL="457200" lvl="0" indent="-317500" algn="l" rtl="0">
+              <a:lnSpc>
+                <a:spcPct val="115000"/>
+              </a:lnSpc>
+              <a:spcBef>
+                <a:spcPts val="1000"/>
+              </a:spcBef>
+              <a:spcAft>
+                <a:spcPts val="0"/>
+              </a:spcAft>
+              <a:buClr>
+                <a:schemeClr val="dk1"/>
+              </a:buClr>
+              <a:buSzPts val="1400"/>
+              <a:buFont typeface="Century Gothic"/>
+              <a:buChar char="●"/>
+            </a:pPr>
+            <a:r>
+              <a:rPr lang="en-US" sz="1400" dirty="0">
+                <a:solidFill>
+                  <a:schemeClr val="dk1"/>
+                </a:solidFill>
+                <a:latin typeface="Century Gothic"/>
+                <a:ea typeface="Century Gothic"/>
+                <a:cs typeface="Century Gothic"/>
+                <a:sym typeface="Century Gothic"/>
+              </a:rPr>
+              <a:t>Exploratory Data Analysis (EDA) Results</a:t>
+            </a:r>
+            <a:endParaRPr dirty="0"/>
+          </a:p>
+          <a:p>
+            <a:pPr marL="457200" lvl="0" indent="-317500" algn="l" rtl="0">
+              <a:lnSpc>
+                <a:spcPct val="115000"/>
+              </a:lnSpc>
+              <a:spcBef>
+                <a:spcPts val="1000"/>
+              </a:spcBef>
+              <a:spcAft>
+                <a:spcPts val="0"/>
+              </a:spcAft>
+              <a:buClr>
+                <a:schemeClr val="dk1"/>
+              </a:buClr>
+              <a:buSzPts val="1400"/>
+              <a:buFont typeface="Century Gothic"/>
+              <a:buChar char="●"/>
+            </a:pPr>
+            <a:r>
+              <a:rPr lang="en-US" sz="1400" dirty="0">
+                <a:solidFill>
+                  <a:schemeClr val="dk1"/>
+                </a:solidFill>
+                <a:latin typeface="Century Gothic"/>
+                <a:ea typeface="Century Gothic"/>
+                <a:cs typeface="Century Gothic"/>
+                <a:sym typeface="Century Gothic"/>
+              </a:rPr>
+              <a:t>Data Preprocessing</a:t>
+            </a:r>
+            <a:endParaRPr dirty="0"/>
+          </a:p>
+          <a:p>
+            <a:pPr marL="457200" lvl="0" indent="-317500" algn="l" rtl="0">
+              <a:lnSpc>
+                <a:spcPct val="115000"/>
+              </a:lnSpc>
+              <a:spcBef>
+                <a:spcPts val="1000"/>
+              </a:spcBef>
+              <a:spcAft>
+                <a:spcPts val="0"/>
+              </a:spcAft>
+              <a:buClr>
+                <a:schemeClr val="dk1"/>
+              </a:buClr>
+              <a:buSzPts val="1400"/>
+              <a:buFont typeface="Century Gothic"/>
+              <a:buChar char="●"/>
+            </a:pPr>
+            <a:r>
+              <a:rPr lang="en-US" sz="1400" dirty="0">
+                <a:solidFill>
+                  <a:schemeClr val="dk1"/>
+                </a:solidFill>
+                <a:latin typeface="Century Gothic"/>
+                <a:ea typeface="Century Gothic"/>
+                <a:cs typeface="Century Gothic"/>
+                <a:sym typeface="Century Gothic"/>
+              </a:rPr>
+              <a:t>Model Performance Summary</a:t>
+            </a:r>
+            <a:endParaRPr dirty="0"/>
+          </a:p>
+          <a:p>
+            <a:pPr marL="457200" lvl="0" indent="-317500" algn="l" rtl="0">
+              <a:lnSpc>
+                <a:spcPct val="115000"/>
+              </a:lnSpc>
+              <a:spcBef>
+                <a:spcPts val="1000"/>
+              </a:spcBef>
+              <a:spcAft>
+                <a:spcPts val="0"/>
+              </a:spcAft>
+              <a:buClr>
+                <a:schemeClr val="dk1"/>
+              </a:buClr>
+              <a:buSzPts val="1400"/>
+              <a:buFont typeface="Century Gothic"/>
+              <a:buChar char="●"/>
+            </a:pPr>
+            <a:r>
+              <a:rPr lang="en-US" sz="1400" dirty="0">
+                <a:solidFill>
+                  <a:schemeClr val="dk1"/>
+                </a:solidFill>
+                <a:latin typeface="Century Gothic"/>
+                <a:ea typeface="Century Gothic"/>
+                <a:cs typeface="Century Gothic"/>
+                <a:sym typeface="Century Gothic"/>
+              </a:rPr>
+              <a:t>Best Model Selection</a:t>
+            </a:r>
+            <a:endParaRPr dirty="0"/>
+          </a:p>
+          <a:p>
+            <a:pPr marL="457200" lvl="0" indent="-317500" algn="l" rtl="0">
+              <a:lnSpc>
+                <a:spcPct val="115000"/>
+              </a:lnSpc>
+              <a:spcBef>
+                <a:spcPts val="1000"/>
+              </a:spcBef>
+              <a:spcAft>
+                <a:spcPts val="0"/>
+              </a:spcAft>
+              <a:buClr>
+                <a:schemeClr val="dk1"/>
+              </a:buClr>
+              <a:buSzPts val="1400"/>
+              <a:buFont typeface="Century Gothic"/>
+              <a:buChar char="●"/>
+            </a:pPr>
+            <a:r>
+              <a:rPr lang="en-US" sz="1400" dirty="0">
+                <a:solidFill>
+                  <a:schemeClr val="dk1"/>
+                </a:solidFill>
+                <a:latin typeface="Century Gothic"/>
+                <a:ea typeface="Century Gothic"/>
+                <a:cs typeface="Century Gothic"/>
+                <a:sym typeface="Century Gothic"/>
+              </a:rPr>
+              <a:t>Conclusions &amp; Recommendations</a:t>
+            </a:r>
+            <a:endParaRPr dirty="0"/>
+          </a:p>
+          <a:p>
+            <a:pPr marL="457200" lvl="0" indent="-317500" algn="l" rtl="0">
+              <a:lnSpc>
+                <a:spcPct val="115000"/>
+              </a:lnSpc>
+              <a:spcBef>
+                <a:spcPts val="1000"/>
+              </a:spcBef>
+              <a:spcAft>
+                <a:spcPts val="0"/>
+              </a:spcAft>
+              <a:buClr>
+                <a:schemeClr val="dk1"/>
+              </a:buClr>
+              <a:buSzPts val="1400"/>
+              <a:buFont typeface="Century Gothic"/>
+              <a:buChar char="●"/>
+            </a:pPr>
+            <a:r>
+              <a:rPr lang="en-US" sz="1400" dirty="0">
+                <a:solidFill>
+                  <a:schemeClr val="dk1"/>
+                </a:solidFill>
+                <a:latin typeface="Century Gothic"/>
+                <a:ea typeface="Century Gothic"/>
+                <a:cs typeface="Century Gothic"/>
+                <a:sym typeface="Century Gothic"/>
+              </a:rPr>
+              <a:t>Appendix / Screenshots</a:t>
+            </a:r>
+            <a:endParaRPr dirty="0"/>
+          </a:p>
+        </p:txBody>
+      </p:sp>
+      <p:sp>
+        <p:nvSpPr>
+          <p:cNvPr id="2" name="Slide Number Placeholder 1">
+            <a:extLst>
+              <a:ext uri="{FF2B5EF4-FFF2-40B4-BE49-F238E27FC236}">
+                <a16:creationId xmlns:a16="http://schemas.microsoft.com/office/drawing/2014/main" id="{E415734C-7719-3903-04B0-D52F93F53B09}"/>
+              </a:ext>
+            </a:extLst>
+          </p:cNvPr>
+          <p:cNvSpPr>
+            <a:spLocks noGrp="1"/>
+          </p:cNvSpPr>
+          <p:nvPr>
+            <p:ph type="sldNum" idx="12"/>
+          </p:nvPr>
+        </p:nvSpPr>
+        <p:spPr/>
+        <p:txBody>
+          <a:bodyPr/>
+          <a:lstStyle/>
+          <a:p>
+            <a:pPr marL="0" lvl="0" indent="0" algn="ctr" rtl="0">
+              <a:spcBef>
+                <a:spcPts val="0"/>
+              </a:spcBef>
+              <a:spcAft>
+                <a:spcPts val="0"/>
+              </a:spcAft>
+              <a:buNone/>
+            </a:pPr>
+            <a:fld id="{00000000-1234-1234-1234-123412341234}" type="slidenum">
+              <a:rPr lang="en-US" smtClean="0"/>
+              <a:t>2</a:t>
+            </a:fld>
+            <a:endParaRPr lang="en-US"/>
+          </a:p>
+        </p:txBody>
+      </p:sp>
+    </p:spTree>
+  </p:cSld>
+  <p:clrMapOvr>
+    <a:masterClrMapping/>
+  </p:clrMapOvr>
+</p:sld>
+</file>
+
+<file path=ppt/slides/slide20.xml><?xml version="1.0" encoding="utf-8"?>
+<p:sld xmlns:a="http://schemas.openxmlformats.org/drawingml/2006/main" xmlns:r="http://schemas.openxmlformats.org/officeDocument/2006/relationships" xmlns:p="http://schemas.openxmlformats.org/presentationml/2006/main">
+  <p:cSld>
+    <p:spTree>
+      <p:nvGrpSpPr>
+        <p:cNvPr id="1" name="Shape 194"/>
+        <p:cNvGrpSpPr/>
+        <p:nvPr/>
+      </p:nvGrpSpPr>
+      <p:grpSpPr>
+        <a:xfrm>
+          <a:off x="0" y="0"/>
+          <a:ext cx="0" cy="0"/>
+          <a:chOff x="0" y="0"/>
+          <a:chExt cx="0" cy="0"/>
+        </a:xfrm>
+      </p:grpSpPr>
+      <p:pic>
+        <p:nvPicPr>
+          <p:cNvPr id="195" name="Google Shape;195;p41"/>
+          <p:cNvPicPr preferRelativeResize="0"/>
+          <p:nvPr/>
+        </p:nvPicPr>
+        <p:blipFill rotWithShape="1">
+          <a:blip r:embed="rId3">
+            <a:alphaModFix/>
+          </a:blip>
+          <a:srcRect/>
+          <a:stretch/>
+        </p:blipFill>
+        <p:spPr>
+          <a:xfrm>
+            <a:off x="816712" y="810697"/>
+            <a:ext cx="7291386" cy="2839816"/>
+          </a:xfrm>
+          <a:prstGeom prst="rect">
+            <a:avLst/>
+          </a:prstGeom>
+          <a:noFill/>
+          <a:ln>
+            <a:noFill/>
+          </a:ln>
+        </p:spPr>
+      </p:pic>
+      <p:sp>
+        <p:nvSpPr>
+          <p:cNvPr id="2" name="Slide Number Placeholder 1">
+            <a:extLst>
+              <a:ext uri="{FF2B5EF4-FFF2-40B4-BE49-F238E27FC236}">
+                <a16:creationId xmlns:a16="http://schemas.microsoft.com/office/drawing/2014/main" id="{F7466FDC-186A-78F3-D750-AF153C480853}"/>
+              </a:ext>
+            </a:extLst>
+          </p:cNvPr>
+          <p:cNvSpPr>
+            <a:spLocks noGrp="1"/>
+          </p:cNvSpPr>
+          <p:nvPr>
+            <p:ph type="sldNum" idx="12"/>
+          </p:nvPr>
+        </p:nvSpPr>
+        <p:spPr/>
+        <p:txBody>
+          <a:bodyPr/>
+          <a:lstStyle/>
+          <a:p>
+            <a:pPr marL="0" lvl="0" indent="0" algn="ctr" rtl="0">
+              <a:spcBef>
+                <a:spcPts val="0"/>
+              </a:spcBef>
+              <a:spcAft>
+                <a:spcPts val="0"/>
+              </a:spcAft>
+              <a:buNone/>
+            </a:pPr>
+            <a:fld id="{00000000-1234-1234-1234-123412341234}" type="slidenum">
+              <a:rPr lang="en-US" smtClean="0"/>
+              <a:t>20</a:t>
+            </a:fld>
+            <a:endParaRPr lang="en-US"/>
+          </a:p>
+        </p:txBody>
+      </p:sp>
+      <p:sp>
+        <p:nvSpPr>
+          <p:cNvPr id="3" name="Google Shape;190;p40">
+            <a:extLst>
+              <a:ext uri="{FF2B5EF4-FFF2-40B4-BE49-F238E27FC236}">
+                <a16:creationId xmlns:a16="http://schemas.microsoft.com/office/drawing/2014/main" id="{F1D31464-77F5-ACAB-56B5-9940236D6B40}"/>
+              </a:ext>
+            </a:extLst>
+          </p:cNvPr>
+          <p:cNvSpPr txBox="1">
+            <a:spLocks/>
+          </p:cNvSpPr>
+          <p:nvPr/>
+        </p:nvSpPr>
+        <p:spPr>
+          <a:xfrm>
+            <a:off x="257100" y="3650513"/>
+            <a:ext cx="8629800" cy="1136691"/>
+          </a:xfrm>
+          <a:prstGeom prst="rect">
+            <a:avLst/>
+          </a:prstGeom>
+          <a:noFill/>
+          <a:ln>
+            <a:noFill/>
+          </a:ln>
+        </p:spPr>
+        <p:txBody>
+          <a:bodyPr spcFirstLastPara="1" wrap="square" lIns="91425" tIns="91425" rIns="91425" bIns="91425" anchor="t" anchorCtr="0">
+            <a:spAutoFit/>
+          </a:bodyPr>
+          <a:lstStyle>
+            <a:defPPr marR="0" lvl="0" algn="l" rtl="0">
+              <a:lnSpc>
+                <a:spcPct val="100000"/>
+              </a:lnSpc>
+              <a:spcBef>
+                <a:spcPts val="0"/>
+              </a:spcBef>
+              <a:spcAft>
+                <a:spcPts val="0"/>
+              </a:spcAft>
+            </a:defPPr>
+            <a:lvl1pPr marL="457200" marR="0" lvl="0" indent="-323850" algn="l" rtl="0">
+              <a:lnSpc>
+                <a:spcPct val="115000"/>
+              </a:lnSpc>
+              <a:spcBef>
+                <a:spcPts val="0"/>
+              </a:spcBef>
+              <a:spcAft>
+                <a:spcPts val="0"/>
+              </a:spcAft>
+              <a:buClr>
+                <a:schemeClr val="dk2"/>
+              </a:buClr>
+              <a:buSzPts val="1500"/>
+              <a:buFont typeface="Nunito"/>
+              <a:buChar char="●"/>
+              <a:defRPr sz="1500" b="0" i="0" u="none" strike="noStrike" cap="none">
+                <a:solidFill>
+                  <a:schemeClr val="dk2"/>
+                </a:solidFill>
+                <a:latin typeface="Nunito"/>
+                <a:ea typeface="Nunito"/>
+                <a:cs typeface="Nunito"/>
+                <a:sym typeface="Nunito"/>
+              </a:defRPr>
+            </a:lvl1pPr>
+            <a:lvl2pPr marL="914400" marR="0" lvl="1" indent="-311150" algn="l" rtl="0">
+              <a:lnSpc>
+                <a:spcPct val="115000"/>
+              </a:lnSpc>
+              <a:spcBef>
+                <a:spcPts val="1600"/>
+              </a:spcBef>
+              <a:spcAft>
+                <a:spcPts val="0"/>
+              </a:spcAft>
+              <a:buClr>
+                <a:schemeClr val="dk2"/>
+              </a:buClr>
+              <a:buSzPts val="1300"/>
+              <a:buFont typeface="Nunito"/>
+              <a:buChar char="○"/>
+              <a:defRPr sz="1300" b="0" i="0" u="none" strike="noStrike" cap="none">
+                <a:solidFill>
+                  <a:schemeClr val="dk2"/>
+                </a:solidFill>
+                <a:latin typeface="Nunito"/>
+                <a:ea typeface="Nunito"/>
+                <a:cs typeface="Nunito"/>
+                <a:sym typeface="Nunito"/>
+              </a:defRPr>
+            </a:lvl2pPr>
+            <a:lvl3pPr marL="1371600" marR="0" lvl="2" indent="-304800" algn="l" rtl="0">
+              <a:lnSpc>
+                <a:spcPct val="115000"/>
+              </a:lnSpc>
+              <a:spcBef>
+                <a:spcPts val="1600"/>
+              </a:spcBef>
+              <a:spcAft>
+                <a:spcPts val="0"/>
+              </a:spcAft>
+              <a:buClr>
+                <a:schemeClr val="dk2"/>
+              </a:buClr>
+              <a:buSzPts val="1200"/>
+              <a:buFont typeface="Nunito"/>
+              <a:buChar char="■"/>
+              <a:defRPr sz="1200" b="0" i="0" u="none" strike="noStrike" cap="none">
+                <a:solidFill>
+                  <a:schemeClr val="dk2"/>
+                </a:solidFill>
+                <a:latin typeface="Nunito"/>
+                <a:ea typeface="Nunito"/>
+                <a:cs typeface="Nunito"/>
+                <a:sym typeface="Nunito"/>
+              </a:defRPr>
+            </a:lvl3pPr>
+            <a:lvl4pPr marL="1828800" marR="0" lvl="3" indent="-298450" algn="l" rtl="0">
+              <a:lnSpc>
+                <a:spcPct val="115000"/>
+              </a:lnSpc>
+              <a:spcBef>
+                <a:spcPts val="1600"/>
+              </a:spcBef>
+              <a:spcAft>
+                <a:spcPts val="0"/>
+              </a:spcAft>
+              <a:buClr>
+                <a:schemeClr val="dk2"/>
+              </a:buClr>
+              <a:buSzPts val="1100"/>
+              <a:buFont typeface="Nunito"/>
+              <a:buChar char="●"/>
+              <a:defRPr sz="1100" b="0" i="0" u="none" strike="noStrike" cap="none">
+                <a:solidFill>
+                  <a:schemeClr val="dk2"/>
+                </a:solidFill>
+                <a:latin typeface="Nunito"/>
+                <a:ea typeface="Nunito"/>
+                <a:cs typeface="Nunito"/>
+                <a:sym typeface="Nunito"/>
+              </a:defRPr>
+            </a:lvl4pPr>
+            <a:lvl5pPr marL="2286000" marR="0" lvl="4" indent="-292100" algn="l" rtl="0">
+              <a:lnSpc>
+                <a:spcPct val="115000"/>
+              </a:lnSpc>
+              <a:spcBef>
+                <a:spcPts val="1600"/>
+              </a:spcBef>
+              <a:spcAft>
+                <a:spcPts val="0"/>
+              </a:spcAft>
+              <a:buClr>
+                <a:schemeClr val="dk2"/>
+              </a:buClr>
+              <a:buSzPts val="1000"/>
+              <a:buFont typeface="Nunito"/>
+              <a:buChar char="○"/>
+              <a:defRPr sz="1000" b="0" i="0" u="none" strike="noStrike" cap="none">
+                <a:solidFill>
+                  <a:schemeClr val="dk2"/>
+                </a:solidFill>
+                <a:latin typeface="Nunito"/>
+                <a:ea typeface="Nunito"/>
+                <a:cs typeface="Nunito"/>
+                <a:sym typeface="Nunito"/>
+              </a:defRPr>
+            </a:lvl5pPr>
+            <a:lvl6pPr marL="2743200" marR="0" lvl="5" indent="-285750" algn="l" rtl="0">
+              <a:lnSpc>
+                <a:spcPct val="115000"/>
+              </a:lnSpc>
+              <a:spcBef>
+                <a:spcPts val="1600"/>
+              </a:spcBef>
+              <a:spcAft>
+                <a:spcPts val="0"/>
+              </a:spcAft>
+              <a:buClr>
+                <a:schemeClr val="dk2"/>
+              </a:buClr>
+              <a:buSzPts val="900"/>
+              <a:buFont typeface="Nunito"/>
+              <a:buChar char="■"/>
+              <a:defRPr sz="900" b="0" i="0" u="none" strike="noStrike" cap="none">
+                <a:solidFill>
+                  <a:schemeClr val="dk2"/>
+                </a:solidFill>
+                <a:latin typeface="Nunito"/>
+                <a:ea typeface="Nunito"/>
+                <a:cs typeface="Nunito"/>
+                <a:sym typeface="Nunito"/>
+              </a:defRPr>
+            </a:lvl6pPr>
+            <a:lvl7pPr marL="3200400" marR="0" lvl="6" indent="-279400" algn="l" rtl="0">
+              <a:lnSpc>
+                <a:spcPct val="115000"/>
+              </a:lnSpc>
+              <a:spcBef>
+                <a:spcPts val="1600"/>
+              </a:spcBef>
+              <a:spcAft>
+                <a:spcPts val="0"/>
+              </a:spcAft>
+              <a:buClr>
+                <a:schemeClr val="dk2"/>
+              </a:buClr>
+              <a:buSzPts val="800"/>
+              <a:buFont typeface="Nunito"/>
+              <a:buChar char="●"/>
+              <a:defRPr sz="800" b="0" i="0" u="none" strike="noStrike" cap="none">
+                <a:solidFill>
+                  <a:schemeClr val="dk2"/>
+                </a:solidFill>
+                <a:latin typeface="Nunito"/>
+                <a:ea typeface="Nunito"/>
+                <a:cs typeface="Nunito"/>
+                <a:sym typeface="Nunito"/>
+              </a:defRPr>
+            </a:lvl7pPr>
+            <a:lvl8pPr marL="3657600" marR="0" lvl="7" indent="-273050" algn="l" rtl="0">
+              <a:lnSpc>
+                <a:spcPct val="115000"/>
+              </a:lnSpc>
+              <a:spcBef>
+                <a:spcPts val="1600"/>
+              </a:spcBef>
+              <a:spcAft>
+                <a:spcPts val="0"/>
+              </a:spcAft>
+              <a:buClr>
+                <a:schemeClr val="dk2"/>
+              </a:buClr>
+              <a:buSzPts val="700"/>
+              <a:buFont typeface="Nunito"/>
+              <a:buChar char="○"/>
+              <a:defRPr sz="700" b="0" i="0" u="none" strike="noStrike" cap="none">
+                <a:solidFill>
+                  <a:schemeClr val="dk2"/>
+                </a:solidFill>
+                <a:latin typeface="Nunito"/>
+                <a:ea typeface="Nunito"/>
+                <a:cs typeface="Nunito"/>
+                <a:sym typeface="Nunito"/>
+              </a:defRPr>
+            </a:lvl8pPr>
+            <a:lvl9pPr marL="4114800" marR="0" lvl="8" indent="-266700" algn="l" rtl="0">
+              <a:lnSpc>
+                <a:spcPct val="115000"/>
+              </a:lnSpc>
+              <a:spcBef>
+                <a:spcPts val="1600"/>
+              </a:spcBef>
+              <a:spcAft>
+                <a:spcPts val="1600"/>
+              </a:spcAft>
+              <a:buClr>
+                <a:schemeClr val="dk2"/>
+              </a:buClr>
+              <a:buSzPts val="600"/>
+              <a:buFont typeface="Nunito"/>
+              <a:buChar char="■"/>
+              <a:defRPr sz="600" b="0" i="0" u="none" strike="noStrike" cap="none">
+                <a:solidFill>
+                  <a:schemeClr val="dk2"/>
+                </a:solidFill>
+                <a:latin typeface="Nunito"/>
+                <a:ea typeface="Nunito"/>
+                <a:cs typeface="Nunito"/>
+                <a:sym typeface="Nunito"/>
+              </a:defRPr>
+            </a:lvl9pPr>
+          </a:lstStyle>
+          <a:p>
+            <a:pPr marL="139700" indent="0" algn="just">
+              <a:spcBef>
+                <a:spcPts val="200"/>
+              </a:spcBef>
+              <a:buClr>
+                <a:schemeClr val="dk1"/>
+              </a:buClr>
+              <a:buSzPts val="1400"/>
+              <a:buNone/>
+            </a:pPr>
+            <a:r>
+              <a:rPr lang="en-US" sz="1200" b="1" dirty="0">
+                <a:solidFill>
+                  <a:schemeClr val="dk1"/>
+                </a:solidFill>
+                <a:latin typeface="Century Gothic"/>
+                <a:ea typeface="Century Gothic"/>
+                <a:cs typeface="Century Gothic"/>
+                <a:sym typeface="Century Gothic"/>
+              </a:rPr>
+              <a:t>CLAGE</a:t>
+            </a:r>
+            <a:r>
+              <a:rPr lang="en-US" sz="1200" dirty="0">
+                <a:solidFill>
+                  <a:schemeClr val="dk1"/>
+                </a:solidFill>
+                <a:latin typeface="Century Gothic"/>
+                <a:ea typeface="Century Gothic"/>
+                <a:cs typeface="Century Gothic"/>
+                <a:sym typeface="Century Gothic"/>
+              </a:rPr>
+              <a:t> – age of oldest credit line (months).</a:t>
+            </a:r>
+          </a:p>
+          <a:p>
+            <a:pPr marL="139700" indent="0" algn="just">
+              <a:spcBef>
+                <a:spcPts val="200"/>
+              </a:spcBef>
+              <a:buClr>
+                <a:schemeClr val="dk1"/>
+              </a:buClr>
+              <a:buSzPts val="1400"/>
+              <a:buNone/>
+            </a:pPr>
+            <a:r>
+              <a:rPr lang="en-US" sz="1200" b="1" dirty="0">
+                <a:solidFill>
+                  <a:schemeClr val="dk1"/>
+                </a:solidFill>
+                <a:latin typeface="Century Gothic"/>
+                <a:ea typeface="Century Gothic"/>
+                <a:cs typeface="Century Gothic"/>
+                <a:sym typeface="Century Gothic"/>
+              </a:rPr>
+              <a:t>Issues</a:t>
+            </a:r>
+            <a:r>
+              <a:rPr lang="en-US" sz="1200" dirty="0">
+                <a:solidFill>
+                  <a:schemeClr val="dk1"/>
+                </a:solidFill>
+                <a:latin typeface="Century Gothic"/>
+                <a:ea typeface="Century Gothic"/>
+                <a:cs typeface="Century Gothic"/>
+                <a:sym typeface="Century Gothic"/>
+              </a:rPr>
+              <a:t>:</a:t>
+            </a:r>
+          </a:p>
+          <a:p>
+            <a:pPr marL="311150" indent="-171450" algn="just">
+              <a:spcBef>
+                <a:spcPts val="200"/>
+              </a:spcBef>
+              <a:buClr>
+                <a:schemeClr val="dk1"/>
+              </a:buClr>
+              <a:buSzPts val="1400"/>
+            </a:pPr>
+            <a:r>
+              <a:rPr lang="en-US" sz="1200" dirty="0">
+                <a:solidFill>
+                  <a:schemeClr val="dk1"/>
+                </a:solidFill>
+                <a:latin typeface="Century Gothic"/>
+                <a:ea typeface="Century Gothic"/>
+                <a:cs typeface="Century Gothic"/>
+                <a:sym typeface="Century Gothic"/>
+              </a:rPr>
+              <a:t>Right-skewed with outliers – apply normalization.</a:t>
+            </a:r>
+          </a:p>
+          <a:p>
+            <a:pPr marL="311150" indent="-171450" algn="just">
+              <a:spcBef>
+                <a:spcPts val="200"/>
+              </a:spcBef>
+              <a:buClr>
+                <a:schemeClr val="dk1"/>
+              </a:buClr>
+              <a:buSzPts val="1400"/>
+            </a:pPr>
+            <a:r>
+              <a:rPr lang="en-US" sz="1200" dirty="0">
+                <a:solidFill>
+                  <a:schemeClr val="dk1"/>
+                </a:solidFill>
+                <a:latin typeface="Century Gothic"/>
+                <a:ea typeface="Century Gothic"/>
+                <a:cs typeface="Century Gothic"/>
+                <a:sym typeface="Century Gothic"/>
+              </a:rPr>
+              <a:t>Data errors – (Min 0 years?) (Max 97 years?) – Cap/Clip</a:t>
+            </a:r>
+          </a:p>
+        </p:txBody>
+      </p:sp>
+      <p:sp>
+        <p:nvSpPr>
+          <p:cNvPr id="4" name="Google Shape;188;p40">
+            <a:extLst>
+              <a:ext uri="{FF2B5EF4-FFF2-40B4-BE49-F238E27FC236}">
+                <a16:creationId xmlns:a16="http://schemas.microsoft.com/office/drawing/2014/main" id="{C6C526D8-0D16-4ACE-AE4C-47A9984542AB}"/>
+              </a:ext>
+            </a:extLst>
+          </p:cNvPr>
+          <p:cNvSpPr txBox="1"/>
+          <p:nvPr/>
+        </p:nvSpPr>
+        <p:spPr>
+          <a:xfrm>
+            <a:off x="202105" y="55363"/>
+            <a:ext cx="8520600" cy="572700"/>
+          </a:xfrm>
+          <a:prstGeom prst="rect">
+            <a:avLst/>
+          </a:prstGeom>
+          <a:noFill/>
+          <a:ln>
+            <a:noFill/>
+          </a:ln>
+        </p:spPr>
+        <p:txBody>
+          <a:bodyPr spcFirstLastPara="1" wrap="square" lIns="91425" tIns="91425" rIns="91425" bIns="91425" anchor="t" anchorCtr="0">
+            <a:noAutofit/>
+          </a:bodyPr>
+          <a:lstStyle/>
+          <a:p>
+            <a:pPr marL="0" marR="0" lvl="0" indent="0" algn="l" rtl="0">
+              <a:lnSpc>
+                <a:spcPct val="100000"/>
+              </a:lnSpc>
+              <a:spcBef>
+                <a:spcPts val="0"/>
+              </a:spcBef>
+              <a:spcAft>
+                <a:spcPts val="0"/>
+              </a:spcAft>
+              <a:buClr>
+                <a:srgbClr val="000000"/>
+              </a:buClr>
+              <a:buSzPts val="2200"/>
+              <a:buFont typeface="Arial"/>
+              <a:buNone/>
+            </a:pPr>
+            <a:r>
+              <a:rPr lang="en-US" sz="2200" b="1" i="0" u="none" strike="noStrike" cap="none" dirty="0">
+                <a:solidFill>
+                  <a:schemeClr val="lt2"/>
+                </a:solidFill>
+                <a:latin typeface="Century Gothic"/>
+                <a:ea typeface="Century Gothic"/>
+                <a:cs typeface="Century Gothic"/>
+                <a:sym typeface="Century Gothic"/>
+              </a:rPr>
+              <a:t>Statistics after Retrieve (Initial EDA):</a:t>
+            </a:r>
+            <a:endParaRPr sz="2200" b="1" i="0" u="none" strike="noStrike" cap="none" dirty="0">
+              <a:solidFill>
+                <a:schemeClr val="lt2"/>
+              </a:solidFill>
+              <a:latin typeface="Century Gothic"/>
+              <a:ea typeface="Century Gothic"/>
+              <a:cs typeface="Century Gothic"/>
+              <a:sym typeface="Century Gothic"/>
+            </a:endParaRPr>
+          </a:p>
+        </p:txBody>
+      </p:sp>
+    </p:spTree>
+  </p:cSld>
+  <p:clrMapOvr>
+    <a:masterClrMapping/>
+  </p:clrMapOvr>
+</p:sld>
+</file>
+
+<file path=ppt/slides/slide21.xml><?xml version="1.0" encoding="utf-8"?>
+<p:sld xmlns:a="http://schemas.openxmlformats.org/drawingml/2006/main" xmlns:r="http://schemas.openxmlformats.org/officeDocument/2006/relationships" xmlns:p="http://schemas.openxmlformats.org/presentationml/2006/main">
+  <p:cSld>
+    <p:spTree>
+      <p:nvGrpSpPr>
+        <p:cNvPr id="1" name="Shape 187">
+          <a:extLst>
+            <a:ext uri="{FF2B5EF4-FFF2-40B4-BE49-F238E27FC236}">
               <a16:creationId xmlns:a16="http://schemas.microsoft.com/office/drawing/2014/main" id="{6508A608-C709-672D-76E5-08A2BA2FEDF8}"/>
             </a:ext>
           </a:extLst>
@@ -34562,25 +36596,11 @@
           </a:bodyPr>
           <a:lstStyle/>
           <a:p>
-            <a:pPr marL="0" marR="0" lvl="0" indent="0" algn="l" rtl="0">
-              <a:lnSpc>
-                <a:spcPct val="100000"/>
-              </a:lnSpc>
-              <a:spcBef>
-                <a:spcPts val="0"/>
-              </a:spcBef>
-              <a:spcAft>
-                <a:spcPts val="0"/>
-              </a:spcAft>
-              <a:buClr>
-                <a:srgbClr val="000000"/>
-              </a:buClr>
+            <a:pPr lvl="0">
               <a:buSzPts val="2200"/>
-              <a:buFont typeface="Arial"/>
-              <a:buNone/>
             </a:pPr>
             <a:r>
-              <a:rPr lang="en-US" sz="2200" b="1" i="0" u="none" strike="noStrike" cap="none" dirty="0">
+              <a:rPr lang="en-US" sz="2200" b="1" dirty="0">
                 <a:solidFill>
                   <a:schemeClr val="lt2"/>
                 </a:solidFill>
@@ -34589,17 +36609,8 @@
                 <a:cs typeface="Century Gothic"/>
                 <a:sym typeface="Century Gothic"/>
               </a:rPr>
-              <a:t>Initial Exploratory Data Analysis (EDA)</a:t>
+              <a:t>(EDA) – Complete Statistical Analysis</a:t>
             </a:r>
-            <a:endParaRPr sz="2200" b="1" i="0" u="none" strike="noStrike" cap="none" dirty="0">
-              <a:solidFill>
-                <a:schemeClr val="lt2"/>
-              </a:solidFill>
-              <a:latin typeface="Century Gothic"/>
-              <a:ea typeface="Century Gothic"/>
-              <a:cs typeface="Century Gothic"/>
-              <a:sym typeface="Century Gothic"/>
-            </a:endParaRPr>
           </a:p>
         </p:txBody>
       </p:sp>
@@ -34635,7 +36646,7 @@
             </a:pPr>
             <a:fld id="{00000000-1234-1234-1234-123412341234}" type="slidenum">
               <a:rPr lang="en-US" smtClean="0"/>
-              <a:t>18</a:t>
+              <a:t>21</a:t>
             </a:fld>
             <a:endParaRPr lang="en-US"/>
           </a:p>
@@ -34684,7 +36695,7 @@
 </p:sld>
 </file>
 
-<file path=ppt/slides/slide19.xml><?xml version="1.0" encoding="utf-8"?>
+<file path=ppt/slides/slide22.xml><?xml version="1.0" encoding="utf-8"?>
 <p:sld xmlns:a="http://schemas.openxmlformats.org/drawingml/2006/main" xmlns:r="http://schemas.openxmlformats.org/officeDocument/2006/relationships" xmlns:p="http://schemas.openxmlformats.org/presentationml/2006/main">
   <p:cSld>
     <p:spTree>
@@ -34738,25 +36749,11 @@
           </a:bodyPr>
           <a:lstStyle/>
           <a:p>
-            <a:pPr marL="0" marR="0" lvl="0" indent="0" algn="l" rtl="0">
-              <a:lnSpc>
-                <a:spcPct val="100000"/>
-              </a:lnSpc>
-              <a:spcBef>
-                <a:spcPts val="0"/>
-              </a:spcBef>
-              <a:spcAft>
-                <a:spcPts val="0"/>
-              </a:spcAft>
-              <a:buClr>
-                <a:srgbClr val="000000"/>
-              </a:buClr>
+            <a:pPr lvl="0">
               <a:buSzPts val="2200"/>
-              <a:buFont typeface="Arial"/>
-              <a:buNone/>
             </a:pPr>
             <a:r>
-              <a:rPr lang="en-US" sz="2200" b="1" i="0" u="none" strike="noStrike" cap="none" dirty="0">
+              <a:rPr lang="en-US" sz="2200" b="1" dirty="0">
                 <a:solidFill>
                   <a:schemeClr val="lt2"/>
                 </a:solidFill>
@@ -34765,17 +36762,8 @@
                 <a:cs typeface="Century Gothic"/>
                 <a:sym typeface="Century Gothic"/>
               </a:rPr>
-              <a:t>Initial Exploratory Data Analysis (EDA)</a:t>
+              <a:t>(EDA) – Complete Statistical Analysis</a:t>
             </a:r>
-            <a:endParaRPr sz="2200" b="1" i="0" u="none" strike="noStrike" cap="none" dirty="0">
-              <a:solidFill>
-                <a:schemeClr val="lt2"/>
-              </a:solidFill>
-              <a:latin typeface="Century Gothic"/>
-              <a:ea typeface="Century Gothic"/>
-              <a:cs typeface="Century Gothic"/>
-              <a:sym typeface="Century Gothic"/>
-            </a:endParaRPr>
           </a:p>
         </p:txBody>
       </p:sp>
@@ -35056,7 +37044,7 @@
             </a:pPr>
             <a:fld id="{00000000-1234-1234-1234-123412341234}" type="slidenum">
               <a:rPr lang="en-US" smtClean="0"/>
-              <a:t>19</a:t>
+              <a:t>22</a:t>
             </a:fld>
             <a:endParaRPr lang="en-US"/>
           </a:p>
@@ -35595,422 +37583,7 @@
 </p:sld>
 </file>
 
-<file path=ppt/slides/slide2.xml><?xml version="1.0" encoding="utf-8"?>
-<p:sld xmlns:a="http://schemas.openxmlformats.org/drawingml/2006/main" xmlns:r="http://schemas.openxmlformats.org/officeDocument/2006/relationships" xmlns:p="http://schemas.openxmlformats.org/presentationml/2006/main">
-  <p:cSld>
-    <p:spTree>
-      <p:nvGrpSpPr>
-        <p:cNvPr id="1" name="Shape 157"/>
-        <p:cNvGrpSpPr/>
-        <p:nvPr/>
-      </p:nvGrpSpPr>
-      <p:grpSpPr>
-        <a:xfrm>
-          <a:off x="0" y="0"/>
-          <a:ext cx="0" cy="0"/>
-          <a:chOff x="0" y="0"/>
-          <a:chExt cx="0" cy="0"/>
-        </a:xfrm>
-      </p:grpSpPr>
-      <p:sp>
-        <p:nvSpPr>
-          <p:cNvPr id="158" name="Google Shape;158;p35"/>
-          <p:cNvSpPr txBox="1">
-            <a:spLocks noGrp="1"/>
-          </p:cNvSpPr>
-          <p:nvPr>
-            <p:ph type="title"/>
-          </p:nvPr>
-        </p:nvSpPr>
-        <p:spPr>
-          <a:xfrm>
-            <a:off x="202550" y="289279"/>
-            <a:ext cx="8520600" cy="572700"/>
-          </a:xfrm>
-          <a:prstGeom prst="rect">
-            <a:avLst/>
-          </a:prstGeom>
-          <a:noFill/>
-          <a:ln>
-            <a:noFill/>
-          </a:ln>
-        </p:spPr>
-        <p:txBody>
-          <a:bodyPr spcFirstLastPara="1" wrap="square" lIns="91425" tIns="91425" rIns="91425" bIns="91425" anchor="t" anchorCtr="0">
-            <a:noAutofit/>
-          </a:bodyPr>
-          <a:lstStyle/>
-          <a:p>
-            <a:pPr marL="0" lvl="0" indent="0" algn="l" rtl="0">
-              <a:lnSpc>
-                <a:spcPct val="100000"/>
-              </a:lnSpc>
-              <a:spcBef>
-                <a:spcPts val="0"/>
-              </a:spcBef>
-              <a:spcAft>
-                <a:spcPts val="0"/>
-              </a:spcAft>
-              <a:buSzPts val="2200"/>
-              <a:buNone/>
-            </a:pPr>
-            <a:r>
-              <a:rPr lang="en-US">
-                <a:solidFill>
-                  <a:schemeClr val="lt2"/>
-                </a:solidFill>
-                <a:latin typeface="Century Gothic"/>
-                <a:ea typeface="Century Gothic"/>
-                <a:cs typeface="Century Gothic"/>
-                <a:sym typeface="Century Gothic"/>
-              </a:rPr>
-              <a:t>Contents / Agenda</a:t>
-            </a:r>
-            <a:endParaRPr>
-              <a:solidFill>
-                <a:schemeClr val="lt2"/>
-              </a:solidFill>
-              <a:latin typeface="Century Gothic"/>
-              <a:ea typeface="Century Gothic"/>
-              <a:cs typeface="Century Gothic"/>
-              <a:sym typeface="Century Gothic"/>
-            </a:endParaRPr>
-          </a:p>
-        </p:txBody>
-      </p:sp>
-      <p:sp>
-        <p:nvSpPr>
-          <p:cNvPr id="159" name="Google Shape;159;p35"/>
-          <p:cNvSpPr txBox="1">
-            <a:spLocks noGrp="1"/>
-          </p:cNvSpPr>
-          <p:nvPr>
-            <p:ph type="body" idx="1"/>
-          </p:nvPr>
-        </p:nvSpPr>
-        <p:spPr>
-          <a:xfrm>
-            <a:off x="202550" y="861975"/>
-            <a:ext cx="8629800" cy="3706800"/>
-          </a:xfrm>
-          <a:prstGeom prst="rect">
-            <a:avLst/>
-          </a:prstGeom>
-          <a:noFill/>
-          <a:ln>
-            <a:noFill/>
-          </a:ln>
-        </p:spPr>
-        <p:txBody>
-          <a:bodyPr spcFirstLastPara="1" wrap="square" lIns="91425" tIns="91425" rIns="91425" bIns="91425" anchor="t" anchorCtr="0">
-            <a:noAutofit/>
-          </a:bodyPr>
-          <a:lstStyle/>
-          <a:p>
-            <a:pPr marL="457200" lvl="0" indent="-317500" algn="l" rtl="0">
-              <a:lnSpc>
-                <a:spcPct val="115000"/>
-              </a:lnSpc>
-              <a:spcBef>
-                <a:spcPts val="1000"/>
-              </a:spcBef>
-              <a:spcAft>
-                <a:spcPts val="0"/>
-              </a:spcAft>
-              <a:buClr>
-                <a:schemeClr val="dk1"/>
-              </a:buClr>
-              <a:buSzPts val="1400"/>
-              <a:buFont typeface="Century Gothic"/>
-              <a:buChar char="●"/>
-            </a:pPr>
-            <a:r>
-              <a:rPr lang="en-US" sz="1400" dirty="0">
-                <a:solidFill>
-                  <a:schemeClr val="dk1"/>
-                </a:solidFill>
-                <a:latin typeface="Century Gothic"/>
-                <a:ea typeface="Century Gothic"/>
-                <a:cs typeface="Century Gothic"/>
-                <a:sym typeface="Century Gothic"/>
-              </a:rPr>
-              <a:t>Business Problem Overview &amp; Solution Approach</a:t>
-            </a:r>
-            <a:endParaRPr dirty="0"/>
-          </a:p>
-          <a:p>
-            <a:pPr marL="457200" lvl="0" indent="-317500" algn="l" rtl="0">
-              <a:lnSpc>
-                <a:spcPct val="115000"/>
-              </a:lnSpc>
-              <a:spcBef>
-                <a:spcPts val="1000"/>
-              </a:spcBef>
-              <a:spcAft>
-                <a:spcPts val="0"/>
-              </a:spcAft>
-              <a:buClr>
-                <a:schemeClr val="dk1"/>
-              </a:buClr>
-              <a:buSzPts val="1400"/>
-              <a:buFont typeface="Century Gothic"/>
-              <a:buChar char="●"/>
-            </a:pPr>
-            <a:r>
-              <a:rPr lang="en-US" sz="1400" dirty="0">
-                <a:solidFill>
-                  <a:schemeClr val="dk1"/>
-                </a:solidFill>
-                <a:latin typeface="Century Gothic"/>
-                <a:ea typeface="Century Gothic"/>
-                <a:cs typeface="Century Gothic"/>
-                <a:sym typeface="Century Gothic"/>
-              </a:rPr>
-              <a:t>Data Dictionary</a:t>
-            </a:r>
-            <a:endParaRPr dirty="0"/>
-          </a:p>
-          <a:p>
-            <a:pPr marL="457200" lvl="0" indent="-317500" algn="l" rtl="0">
-              <a:lnSpc>
-                <a:spcPct val="115000"/>
-              </a:lnSpc>
-              <a:spcBef>
-                <a:spcPts val="1000"/>
-              </a:spcBef>
-              <a:spcAft>
-                <a:spcPts val="0"/>
-              </a:spcAft>
-              <a:buClr>
-                <a:schemeClr val="dk1"/>
-              </a:buClr>
-              <a:buSzPts val="1400"/>
-              <a:buFont typeface="Century Gothic"/>
-              <a:buChar char="●"/>
-            </a:pPr>
-            <a:r>
-              <a:rPr lang="en-US" sz="1400" dirty="0">
-                <a:solidFill>
-                  <a:schemeClr val="dk1"/>
-                </a:solidFill>
-                <a:latin typeface="Century Gothic"/>
-                <a:ea typeface="Century Gothic"/>
-                <a:cs typeface="Century Gothic"/>
-                <a:sym typeface="Century Gothic"/>
-              </a:rPr>
-              <a:t>Exploratory Data Analysis (EDA) Results</a:t>
-            </a:r>
-            <a:endParaRPr dirty="0"/>
-          </a:p>
-          <a:p>
-            <a:pPr marL="457200" lvl="0" indent="-317500" algn="l" rtl="0">
-              <a:lnSpc>
-                <a:spcPct val="115000"/>
-              </a:lnSpc>
-              <a:spcBef>
-                <a:spcPts val="1000"/>
-              </a:spcBef>
-              <a:spcAft>
-                <a:spcPts val="0"/>
-              </a:spcAft>
-              <a:buClr>
-                <a:schemeClr val="dk1"/>
-              </a:buClr>
-              <a:buSzPts val="1400"/>
-              <a:buFont typeface="Century Gothic"/>
-              <a:buChar char="●"/>
-            </a:pPr>
-            <a:r>
-              <a:rPr lang="en-US" sz="1400" dirty="0">
-                <a:solidFill>
-                  <a:schemeClr val="dk1"/>
-                </a:solidFill>
-                <a:latin typeface="Century Gothic"/>
-                <a:ea typeface="Century Gothic"/>
-                <a:cs typeface="Century Gothic"/>
-                <a:sym typeface="Century Gothic"/>
-              </a:rPr>
-              <a:t>Data Preprocessing</a:t>
-            </a:r>
-            <a:endParaRPr dirty="0"/>
-          </a:p>
-          <a:p>
-            <a:pPr marL="457200" lvl="0" indent="-317500" algn="l" rtl="0">
-              <a:lnSpc>
-                <a:spcPct val="115000"/>
-              </a:lnSpc>
-              <a:spcBef>
-                <a:spcPts val="1000"/>
-              </a:spcBef>
-              <a:spcAft>
-                <a:spcPts val="0"/>
-              </a:spcAft>
-              <a:buClr>
-                <a:schemeClr val="dk1"/>
-              </a:buClr>
-              <a:buSzPts val="1400"/>
-              <a:buFont typeface="Century Gothic"/>
-              <a:buChar char="●"/>
-            </a:pPr>
-            <a:r>
-              <a:rPr lang="en-US" sz="1400" dirty="0">
-                <a:solidFill>
-                  <a:schemeClr val="dk1"/>
-                </a:solidFill>
-                <a:latin typeface="Century Gothic"/>
-                <a:ea typeface="Century Gothic"/>
-                <a:cs typeface="Century Gothic"/>
-                <a:sym typeface="Century Gothic"/>
-              </a:rPr>
-              <a:t>Model Performance Summary</a:t>
-            </a:r>
-            <a:endParaRPr dirty="0"/>
-          </a:p>
-          <a:p>
-            <a:pPr marL="457200" lvl="0" indent="-317500" algn="l" rtl="0">
-              <a:lnSpc>
-                <a:spcPct val="115000"/>
-              </a:lnSpc>
-              <a:spcBef>
-                <a:spcPts val="1000"/>
-              </a:spcBef>
-              <a:spcAft>
-                <a:spcPts val="0"/>
-              </a:spcAft>
-              <a:buClr>
-                <a:schemeClr val="dk1"/>
-              </a:buClr>
-              <a:buSzPts val="1400"/>
-              <a:buFont typeface="Century Gothic"/>
-              <a:buChar char="●"/>
-            </a:pPr>
-            <a:r>
-              <a:rPr lang="en-US" sz="1400" dirty="0">
-                <a:solidFill>
-                  <a:schemeClr val="dk1"/>
-                </a:solidFill>
-                <a:latin typeface="Century Gothic"/>
-                <a:ea typeface="Century Gothic"/>
-                <a:cs typeface="Century Gothic"/>
-                <a:sym typeface="Century Gothic"/>
-              </a:rPr>
-              <a:t>Best Model Selection</a:t>
-            </a:r>
-            <a:endParaRPr dirty="0"/>
-          </a:p>
-          <a:p>
-            <a:pPr marL="457200" lvl="0" indent="-317500" algn="l" rtl="0">
-              <a:lnSpc>
-                <a:spcPct val="115000"/>
-              </a:lnSpc>
-              <a:spcBef>
-                <a:spcPts val="1000"/>
-              </a:spcBef>
-              <a:spcAft>
-                <a:spcPts val="0"/>
-              </a:spcAft>
-              <a:buClr>
-                <a:schemeClr val="dk1"/>
-              </a:buClr>
-              <a:buSzPts val="1400"/>
-              <a:buFont typeface="Century Gothic"/>
-              <a:buChar char="●"/>
-            </a:pPr>
-            <a:r>
-              <a:rPr lang="en-US" sz="1400" dirty="0">
-                <a:solidFill>
-                  <a:schemeClr val="dk1"/>
-                </a:solidFill>
-                <a:latin typeface="Century Gothic"/>
-                <a:ea typeface="Century Gothic"/>
-                <a:cs typeface="Century Gothic"/>
-                <a:sym typeface="Century Gothic"/>
-              </a:rPr>
-              <a:t>Conclusions &amp; Recommendations</a:t>
-            </a:r>
-            <a:endParaRPr dirty="0"/>
-          </a:p>
-          <a:p>
-            <a:pPr marL="457200" lvl="0" indent="-317500" algn="l" rtl="0">
-              <a:lnSpc>
-                <a:spcPct val="115000"/>
-              </a:lnSpc>
-              <a:spcBef>
-                <a:spcPts val="1000"/>
-              </a:spcBef>
-              <a:spcAft>
-                <a:spcPts val="0"/>
-              </a:spcAft>
-              <a:buClr>
-                <a:schemeClr val="dk1"/>
-              </a:buClr>
-              <a:buSzPts val="1400"/>
-              <a:buFont typeface="Century Gothic"/>
-              <a:buChar char="●"/>
-            </a:pPr>
-            <a:r>
-              <a:rPr lang="en-US" sz="1400" dirty="0">
-                <a:solidFill>
-                  <a:schemeClr val="dk1"/>
-                </a:solidFill>
-                <a:latin typeface="Century Gothic"/>
-                <a:ea typeface="Century Gothic"/>
-                <a:cs typeface="Century Gothic"/>
-                <a:sym typeface="Century Gothic"/>
-              </a:rPr>
-              <a:t>Appendix / Screenshots</a:t>
-            </a:r>
-            <a:endParaRPr dirty="0"/>
-          </a:p>
-        </p:txBody>
-      </p:sp>
-      <p:sp>
-        <p:nvSpPr>
-          <p:cNvPr id="2" name="Slide Number Placeholder 1">
-            <a:extLst>
-              <a:ext uri="{FF2B5EF4-FFF2-40B4-BE49-F238E27FC236}">
-                <a16:creationId xmlns:a16="http://schemas.microsoft.com/office/drawing/2014/main" id="{E415734C-7719-3903-04B0-D52F93F53B09}"/>
-              </a:ext>
-            </a:extLst>
-          </p:cNvPr>
-          <p:cNvSpPr>
-            <a:spLocks noGrp="1"/>
-          </p:cNvSpPr>
-          <p:nvPr>
-            <p:ph type="sldNum" idx="12"/>
-          </p:nvPr>
-        </p:nvSpPr>
-        <p:spPr/>
-        <p:txBody>
-          <a:bodyPr/>
-          <a:lstStyle/>
-          <a:p>
-            <a:pPr marL="0" lvl="0" indent="0" algn="ctr" rtl="0">
-              <a:spcBef>
-                <a:spcPts val="0"/>
-              </a:spcBef>
-              <a:spcAft>
-                <a:spcPts val="0"/>
-              </a:spcAft>
-              <a:buNone/>
-            </a:pPr>
-            <a:fld id="{00000000-1234-1234-1234-123412341234}" type="slidenum">
-              <a:rPr lang="en-US" smtClean="0"/>
-              <a:t>2</a:t>
-            </a:fld>
-            <a:endParaRPr lang="en-US"/>
-          </a:p>
-        </p:txBody>
-      </p:sp>
-    </p:spTree>
-  </p:cSld>
-  <p:clrMapOvr>
-    <a:masterClrMapping/>
-  </p:clrMapOvr>
-</p:sld>
-</file>
-
-<file path=ppt/slides/slide20.xml><?xml version="1.0" encoding="utf-8"?>
+<file path=ppt/slides/slide23.xml><?xml version="1.0" encoding="utf-8"?>
 <p:sld xmlns:a="http://schemas.openxmlformats.org/drawingml/2006/main" xmlns:r="http://schemas.openxmlformats.org/officeDocument/2006/relationships" xmlns:p="http://schemas.openxmlformats.org/presentationml/2006/main">
   <p:cSld>
     <p:spTree>
@@ -36064,25 +37637,11 @@
           </a:bodyPr>
           <a:lstStyle/>
           <a:p>
-            <a:pPr marL="0" marR="0" lvl="0" indent="0" algn="l" rtl="0">
-              <a:lnSpc>
-                <a:spcPct val="100000"/>
-              </a:lnSpc>
-              <a:spcBef>
-                <a:spcPts val="0"/>
-              </a:spcBef>
-              <a:spcAft>
-                <a:spcPts val="0"/>
-              </a:spcAft>
-              <a:buClr>
-                <a:srgbClr val="000000"/>
-              </a:buClr>
+            <a:pPr lvl="0">
               <a:buSzPts val="2200"/>
-              <a:buFont typeface="Arial"/>
-              <a:buNone/>
             </a:pPr>
             <a:r>
-              <a:rPr lang="en-US" sz="2200" b="1" i="0" u="none" strike="noStrike" cap="none" dirty="0">
+              <a:rPr lang="en-US" sz="2200" b="1" dirty="0">
                 <a:solidFill>
                   <a:schemeClr val="lt2"/>
                 </a:solidFill>
@@ -36091,17 +37650,8 @@
                 <a:cs typeface="Century Gothic"/>
                 <a:sym typeface="Century Gothic"/>
               </a:rPr>
-              <a:t>Initial Exploratory Data Analysis (EDA)</a:t>
+              <a:t>(EDA) – Complete Statistical Analysis</a:t>
             </a:r>
-            <a:endParaRPr sz="2200" b="1" i="0" u="none" strike="noStrike" cap="none" dirty="0">
-              <a:solidFill>
-                <a:schemeClr val="lt2"/>
-              </a:solidFill>
-              <a:latin typeface="Century Gothic"/>
-              <a:ea typeface="Century Gothic"/>
-              <a:cs typeface="Century Gothic"/>
-              <a:sym typeface="Century Gothic"/>
-            </a:endParaRPr>
           </a:p>
         </p:txBody>
       </p:sp>
@@ -36137,7 +37687,7 @@
             </a:pPr>
             <a:fld id="{00000000-1234-1234-1234-123412341234}" type="slidenum">
               <a:rPr lang="en-US" smtClean="0"/>
-              <a:t>20</a:t>
+              <a:t>23</a:t>
             </a:fld>
             <a:endParaRPr lang="en-US"/>
           </a:p>
@@ -37093,7 +38643,7 @@
 </p:sld>
 </file>
 
-<file path=ppt/slides/slide21.xml><?xml version="1.0" encoding="utf-8"?>
+<file path=ppt/slides/slide24.xml><?xml version="1.0" encoding="utf-8"?>
 <p:sld xmlns:a="http://schemas.openxmlformats.org/drawingml/2006/main" xmlns:r="http://schemas.openxmlformats.org/officeDocument/2006/relationships" xmlns:p="http://schemas.openxmlformats.org/presentationml/2006/main">
   <p:cSld>
     <p:spTree>
@@ -37147,25 +38697,11 @@
           </a:bodyPr>
           <a:lstStyle/>
           <a:p>
-            <a:pPr marL="0" marR="0" lvl="0" indent="0" algn="l" rtl="0">
-              <a:lnSpc>
-                <a:spcPct val="100000"/>
-              </a:lnSpc>
-              <a:spcBef>
-                <a:spcPts val="0"/>
-              </a:spcBef>
-              <a:spcAft>
-                <a:spcPts val="0"/>
-              </a:spcAft>
-              <a:buClr>
-                <a:srgbClr val="000000"/>
-              </a:buClr>
+            <a:pPr lvl="0">
               <a:buSzPts val="2200"/>
-              <a:buFont typeface="Arial"/>
-              <a:buNone/>
             </a:pPr>
             <a:r>
-              <a:rPr lang="en-US" sz="2200" b="1" i="0" u="none" strike="noStrike" cap="none" dirty="0">
+              <a:rPr lang="en-US" sz="2200" b="1" dirty="0">
                 <a:solidFill>
                   <a:schemeClr val="lt2"/>
                 </a:solidFill>
@@ -37174,17 +38710,8 @@
                 <a:cs typeface="Century Gothic"/>
                 <a:sym typeface="Century Gothic"/>
               </a:rPr>
-              <a:t>Initial Exploratory Data Analysis (EDA)</a:t>
+              <a:t>(EDA) – Complete Statistical Analysis</a:t>
             </a:r>
-            <a:endParaRPr sz="2200" b="1" i="0" u="none" strike="noStrike" cap="none" dirty="0">
-              <a:solidFill>
-                <a:schemeClr val="lt2"/>
-              </a:solidFill>
-              <a:latin typeface="Century Gothic"/>
-              <a:ea typeface="Century Gothic"/>
-              <a:cs typeface="Century Gothic"/>
-              <a:sym typeface="Century Gothic"/>
-            </a:endParaRPr>
           </a:p>
         </p:txBody>
       </p:sp>
@@ -37220,7 +38747,7 @@
             </a:pPr>
             <a:fld id="{00000000-1234-1234-1234-123412341234}" type="slidenum">
               <a:rPr lang="en-US" smtClean="0"/>
-              <a:t>21</a:t>
+              <a:t>24</a:t>
             </a:fld>
             <a:endParaRPr lang="en-US"/>
           </a:p>
@@ -37511,7 +39038,7 @@
 </p:sld>
 </file>
 
-<file path=ppt/slides/slide22.xml><?xml version="1.0" encoding="utf-8"?>
+<file path=ppt/slides/slide25.xml><?xml version="1.0" encoding="utf-8"?>
 <p:sld xmlns:a="http://schemas.openxmlformats.org/drawingml/2006/main" xmlns:r="http://schemas.openxmlformats.org/officeDocument/2006/relationships" xmlns:p="http://schemas.openxmlformats.org/presentationml/2006/main">
   <p:cSld>
     <p:spTree>
@@ -37565,25 +39092,11 @@
           </a:bodyPr>
           <a:lstStyle/>
           <a:p>
-            <a:pPr marL="0" marR="0" lvl="0" indent="0" algn="l" rtl="0">
-              <a:lnSpc>
-                <a:spcPct val="100000"/>
-              </a:lnSpc>
-              <a:spcBef>
-                <a:spcPts val="0"/>
-              </a:spcBef>
-              <a:spcAft>
-                <a:spcPts val="0"/>
-              </a:spcAft>
-              <a:buClr>
-                <a:srgbClr val="000000"/>
-              </a:buClr>
+            <a:pPr lvl="0">
               <a:buSzPts val="2200"/>
-              <a:buFont typeface="Arial"/>
-              <a:buNone/>
             </a:pPr>
             <a:r>
-              <a:rPr lang="en-US" sz="2200" b="1" i="0" u="none" strike="noStrike" cap="none" dirty="0">
+              <a:rPr lang="en-US" sz="2200" b="1" dirty="0">
                 <a:solidFill>
                   <a:schemeClr val="lt2"/>
                 </a:solidFill>
@@ -37592,17 +39105,8 @@
                 <a:cs typeface="Century Gothic"/>
                 <a:sym typeface="Century Gothic"/>
               </a:rPr>
-              <a:t>Initial Exploratory Data Analysis (EDA)</a:t>
+              <a:t>(EDA) – Complete Statistical Analysis</a:t>
             </a:r>
-            <a:endParaRPr sz="2200" b="1" i="0" u="none" strike="noStrike" cap="none" dirty="0">
-              <a:solidFill>
-                <a:schemeClr val="lt2"/>
-              </a:solidFill>
-              <a:latin typeface="Century Gothic"/>
-              <a:ea typeface="Century Gothic"/>
-              <a:cs typeface="Century Gothic"/>
-              <a:sym typeface="Century Gothic"/>
-            </a:endParaRPr>
           </a:p>
         </p:txBody>
       </p:sp>
@@ -37638,7 +39142,7 @@
             </a:pPr>
             <a:fld id="{00000000-1234-1234-1234-123412341234}" type="slidenum">
               <a:rPr lang="en-US" smtClean="0"/>
-              <a:t>22</a:t>
+              <a:t>25</a:t>
             </a:fld>
             <a:endParaRPr lang="en-US"/>
           </a:p>
@@ -37859,7 +39363,7 @@
 </p:sld>
 </file>
 
-<file path=ppt/slides/slide23.xml><?xml version="1.0" encoding="utf-8"?>
+<file path=ppt/slides/slide26.xml><?xml version="1.0" encoding="utf-8"?>
 <p:sld xmlns:a="http://schemas.openxmlformats.org/drawingml/2006/main" xmlns:r="http://schemas.openxmlformats.org/officeDocument/2006/relationships" xmlns:p="http://schemas.openxmlformats.org/presentationml/2006/main">
   <p:cSld>
     <p:spTree>
@@ -37913,25 +39417,11 @@
           </a:bodyPr>
           <a:lstStyle/>
           <a:p>
-            <a:pPr marL="0" marR="0" lvl="0" indent="0" algn="l" rtl="0">
-              <a:lnSpc>
-                <a:spcPct val="100000"/>
-              </a:lnSpc>
-              <a:spcBef>
-                <a:spcPts val="0"/>
-              </a:spcBef>
-              <a:spcAft>
-                <a:spcPts val="0"/>
-              </a:spcAft>
-              <a:buClr>
-                <a:srgbClr val="000000"/>
-              </a:buClr>
+            <a:pPr lvl="0">
               <a:buSzPts val="2200"/>
-              <a:buFont typeface="Arial"/>
-              <a:buNone/>
             </a:pPr>
             <a:r>
-              <a:rPr lang="en-US" sz="2200" b="1" i="0" u="none" strike="noStrike" cap="none" dirty="0">
+              <a:rPr lang="en-US" sz="2200" b="1" dirty="0">
                 <a:solidFill>
                   <a:schemeClr val="lt2"/>
                 </a:solidFill>
@@ -37940,17 +39430,8 @@
                 <a:cs typeface="Century Gothic"/>
                 <a:sym typeface="Century Gothic"/>
               </a:rPr>
-              <a:t>Initial Exploratory Data Analysis (EDA)</a:t>
+              <a:t>(EDA) – Complete Statistical Analysis</a:t>
             </a:r>
-            <a:endParaRPr sz="2200" b="1" i="0" u="none" strike="noStrike" cap="none" dirty="0">
-              <a:solidFill>
-                <a:schemeClr val="lt2"/>
-              </a:solidFill>
-              <a:latin typeface="Century Gothic"/>
-              <a:ea typeface="Century Gothic"/>
-              <a:cs typeface="Century Gothic"/>
-              <a:sym typeface="Century Gothic"/>
-            </a:endParaRPr>
           </a:p>
         </p:txBody>
       </p:sp>
@@ -37986,7 +39467,7 @@
             </a:pPr>
             <a:fld id="{00000000-1234-1234-1234-123412341234}" type="slidenum">
               <a:rPr lang="en-US" smtClean="0"/>
-              <a:t>23</a:t>
+              <a:t>26</a:t>
             </a:fld>
             <a:endParaRPr lang="en-US"/>
           </a:p>
@@ -38207,7 +39688,7 @@
 </p:sld>
 </file>
 
-<file path=ppt/slides/slide24.xml><?xml version="1.0" encoding="utf-8"?>
+<file path=ppt/slides/slide27.xml><?xml version="1.0" encoding="utf-8"?>
 <p:sld xmlns:a="http://schemas.openxmlformats.org/drawingml/2006/main" xmlns:r="http://schemas.openxmlformats.org/officeDocument/2006/relationships" xmlns:p="http://schemas.openxmlformats.org/presentationml/2006/main">
   <p:cSld>
     <p:spTree>
@@ -38261,25 +39742,11 @@
           </a:bodyPr>
           <a:lstStyle/>
           <a:p>
-            <a:pPr marL="0" marR="0" lvl="0" indent="0" algn="l" rtl="0">
-              <a:lnSpc>
-                <a:spcPct val="100000"/>
-              </a:lnSpc>
-              <a:spcBef>
-                <a:spcPts val="0"/>
-              </a:spcBef>
-              <a:spcAft>
-                <a:spcPts val="0"/>
-              </a:spcAft>
-              <a:buClr>
-                <a:srgbClr val="000000"/>
-              </a:buClr>
+            <a:pPr lvl="0">
               <a:buSzPts val="2200"/>
-              <a:buFont typeface="Arial"/>
-              <a:buNone/>
             </a:pPr>
             <a:r>
-              <a:rPr lang="en-US" sz="2200" b="1" i="0" u="none" strike="noStrike" cap="none" dirty="0">
+              <a:rPr lang="en-US" sz="2200" b="1" dirty="0">
                 <a:solidFill>
                   <a:schemeClr val="lt2"/>
                 </a:solidFill>
@@ -38288,17 +39755,8 @@
                 <a:cs typeface="Century Gothic"/>
                 <a:sym typeface="Century Gothic"/>
               </a:rPr>
-              <a:t>Initial Exploratory Data Analysis (EDA)</a:t>
+              <a:t>(EDA) – Complete Statistical Analysis</a:t>
             </a:r>
-            <a:endParaRPr sz="2200" b="1" i="0" u="none" strike="noStrike" cap="none" dirty="0">
-              <a:solidFill>
-                <a:schemeClr val="lt2"/>
-              </a:solidFill>
-              <a:latin typeface="Century Gothic"/>
-              <a:ea typeface="Century Gothic"/>
-              <a:cs typeface="Century Gothic"/>
-              <a:sym typeface="Century Gothic"/>
-            </a:endParaRPr>
           </a:p>
         </p:txBody>
       </p:sp>
@@ -38334,7 +39792,7 @@
             </a:pPr>
             <a:fld id="{00000000-1234-1234-1234-123412341234}" type="slidenum">
               <a:rPr lang="en-US" smtClean="0"/>
-              <a:t>24</a:t>
+              <a:t>27</a:t>
             </a:fld>
             <a:endParaRPr lang="en-US"/>
           </a:p>
@@ -38567,7 +40025,7 @@
 </p:sld>
 </file>
 
-<file path=ppt/slides/slide25.xml><?xml version="1.0" encoding="utf-8"?>
+<file path=ppt/slides/slide28.xml><?xml version="1.0" encoding="utf-8"?>
 <p:sld xmlns:a="http://schemas.openxmlformats.org/drawingml/2006/main" xmlns:r="http://schemas.openxmlformats.org/officeDocument/2006/relationships" xmlns:p="http://schemas.openxmlformats.org/presentationml/2006/main">
   <p:cSld>
     <p:spTree>
@@ -38621,25 +40079,11 @@
           </a:bodyPr>
           <a:lstStyle/>
           <a:p>
-            <a:pPr marL="0" marR="0" lvl="0" indent="0" algn="l" rtl="0">
-              <a:lnSpc>
-                <a:spcPct val="100000"/>
-              </a:lnSpc>
-              <a:spcBef>
-                <a:spcPts val="0"/>
-              </a:spcBef>
-              <a:spcAft>
-                <a:spcPts val="0"/>
-              </a:spcAft>
-              <a:buClr>
-                <a:srgbClr val="000000"/>
-              </a:buClr>
+            <a:pPr lvl="0">
               <a:buSzPts val="2200"/>
-              <a:buFont typeface="Arial"/>
-              <a:buNone/>
             </a:pPr>
             <a:r>
-              <a:rPr lang="en-US" sz="2200" b="1" i="0" u="none" strike="noStrike" cap="none" dirty="0">
+              <a:rPr lang="en-US" sz="2200" b="1" dirty="0">
                 <a:solidFill>
                   <a:schemeClr val="lt2"/>
                 </a:solidFill>
@@ -38648,17 +40092,8 @@
                 <a:cs typeface="Century Gothic"/>
                 <a:sym typeface="Century Gothic"/>
               </a:rPr>
-              <a:t>Initial Exploratory Data Analysis (EDA)</a:t>
+              <a:t>(EDA) – Complete Statistical Analysis</a:t>
             </a:r>
-            <a:endParaRPr sz="2200" b="1" i="0" u="none" strike="noStrike" cap="none" dirty="0">
-              <a:solidFill>
-                <a:schemeClr val="lt2"/>
-              </a:solidFill>
-              <a:latin typeface="Century Gothic"/>
-              <a:ea typeface="Century Gothic"/>
-              <a:cs typeface="Century Gothic"/>
-              <a:sym typeface="Century Gothic"/>
-            </a:endParaRPr>
           </a:p>
         </p:txBody>
       </p:sp>
@@ -38694,7 +40129,7 @@
             </a:pPr>
             <a:fld id="{00000000-1234-1234-1234-123412341234}" type="slidenum">
               <a:rPr lang="en-US" smtClean="0"/>
-              <a:t>25</a:t>
+              <a:t>28</a:t>
             </a:fld>
             <a:endParaRPr lang="en-US"/>
           </a:p>
@@ -38880,7 +40315,7 @@
 </p:sld>
 </file>
 
-<file path=ppt/slides/slide26.xml><?xml version="1.0" encoding="utf-8"?>
+<file path=ppt/slides/slide29.xml><?xml version="1.0" encoding="utf-8"?>
 <p:sld xmlns:a="http://schemas.openxmlformats.org/drawingml/2006/main" xmlns:r="http://schemas.openxmlformats.org/officeDocument/2006/relationships" xmlns:p="http://schemas.openxmlformats.org/presentationml/2006/main">
   <p:cSld>
     <p:spTree>
@@ -38934,25 +40369,11 @@
           </a:bodyPr>
           <a:lstStyle/>
           <a:p>
-            <a:pPr marL="0" marR="0" lvl="0" indent="0" algn="l" rtl="0">
-              <a:lnSpc>
-                <a:spcPct val="100000"/>
-              </a:lnSpc>
-              <a:spcBef>
-                <a:spcPts val="0"/>
-              </a:spcBef>
-              <a:spcAft>
-                <a:spcPts val="0"/>
-              </a:spcAft>
-              <a:buClr>
-                <a:srgbClr val="000000"/>
-              </a:buClr>
+            <a:pPr lvl="0">
               <a:buSzPts val="2200"/>
-              <a:buFont typeface="Arial"/>
-              <a:buNone/>
             </a:pPr>
             <a:r>
-              <a:rPr lang="en-US" sz="2200" b="1" i="0" u="none" strike="noStrike" cap="none" dirty="0">
+              <a:rPr lang="en-US" sz="2200" b="1" dirty="0">
                 <a:solidFill>
                   <a:schemeClr val="lt2"/>
                 </a:solidFill>
@@ -38961,17 +40382,8 @@
                 <a:cs typeface="Century Gothic"/>
                 <a:sym typeface="Century Gothic"/>
               </a:rPr>
-              <a:t>Initial Exploratory Data Analysis (EDA)</a:t>
+              <a:t>(EDA) – Complete Statistical Analysis</a:t>
             </a:r>
-            <a:endParaRPr sz="2200" b="1" i="0" u="none" strike="noStrike" cap="none" dirty="0">
-              <a:solidFill>
-                <a:schemeClr val="lt2"/>
-              </a:solidFill>
-              <a:latin typeface="Century Gothic"/>
-              <a:ea typeface="Century Gothic"/>
-              <a:cs typeface="Century Gothic"/>
-              <a:sym typeface="Century Gothic"/>
-            </a:endParaRPr>
           </a:p>
         </p:txBody>
       </p:sp>
@@ -39007,7 +40419,7 @@
             </a:pPr>
             <a:fld id="{00000000-1234-1234-1234-123412341234}" type="slidenum">
               <a:rPr lang="en-US" smtClean="0"/>
-              <a:t>26</a:t>
+              <a:t>29</a:t>
             </a:fld>
             <a:endParaRPr lang="en-US"/>
           </a:p>
@@ -39193,7 +40605,538 @@
 </p:sld>
 </file>
 
-<file path=ppt/slides/slide27.xml><?xml version="1.0" encoding="utf-8"?>
+<file path=ppt/slides/slide3.xml><?xml version="1.0" encoding="utf-8"?>
+<p:sld xmlns:a="http://schemas.openxmlformats.org/drawingml/2006/main" xmlns:r="http://schemas.openxmlformats.org/officeDocument/2006/relationships" xmlns:p="http://schemas.openxmlformats.org/presentationml/2006/main">
+  <p:cSld>
+    <p:spTree>
+      <p:nvGrpSpPr>
+        <p:cNvPr id="1" name="Shape 163"/>
+        <p:cNvGrpSpPr/>
+        <p:nvPr/>
+      </p:nvGrpSpPr>
+      <p:grpSpPr>
+        <a:xfrm>
+          <a:off x="0" y="0"/>
+          <a:ext cx="0" cy="0"/>
+          <a:chOff x="0" y="0"/>
+          <a:chExt cx="0" cy="0"/>
+        </a:xfrm>
+      </p:grpSpPr>
+      <p:sp>
+        <p:nvSpPr>
+          <p:cNvPr id="164" name="Google Shape;164;p36"/>
+          <p:cNvSpPr txBox="1">
+            <a:spLocks noGrp="1"/>
+          </p:cNvSpPr>
+          <p:nvPr>
+            <p:ph type="title"/>
+          </p:nvPr>
+        </p:nvSpPr>
+        <p:spPr>
+          <a:xfrm>
+            <a:off x="202550" y="289279"/>
+            <a:ext cx="8520600" cy="572700"/>
+          </a:xfrm>
+          <a:prstGeom prst="rect">
+            <a:avLst/>
+          </a:prstGeom>
+          <a:noFill/>
+          <a:ln>
+            <a:noFill/>
+          </a:ln>
+        </p:spPr>
+        <p:txBody>
+          <a:bodyPr spcFirstLastPara="1" wrap="square" lIns="91425" tIns="91425" rIns="91425" bIns="91425" anchor="t" anchorCtr="0">
+            <a:noAutofit/>
+          </a:bodyPr>
+          <a:lstStyle/>
+          <a:p>
+            <a:pPr marL="0" lvl="0" indent="0" algn="l" rtl="0">
+              <a:lnSpc>
+                <a:spcPct val="100000"/>
+              </a:lnSpc>
+              <a:spcBef>
+                <a:spcPts val="0"/>
+              </a:spcBef>
+              <a:spcAft>
+                <a:spcPts val="0"/>
+              </a:spcAft>
+              <a:buSzPts val="2200"/>
+              <a:buNone/>
+            </a:pPr>
+            <a:r>
+              <a:rPr lang="en-US">
+                <a:solidFill>
+                  <a:schemeClr val="lt2"/>
+                </a:solidFill>
+                <a:latin typeface="Century Gothic"/>
+                <a:ea typeface="Century Gothic"/>
+                <a:cs typeface="Century Gothic"/>
+                <a:sym typeface="Century Gothic"/>
+              </a:rPr>
+              <a:t>Data Dictionary</a:t>
+            </a:r>
+            <a:endParaRPr>
+              <a:solidFill>
+                <a:schemeClr val="lt2"/>
+              </a:solidFill>
+              <a:latin typeface="Century Gothic"/>
+              <a:ea typeface="Century Gothic"/>
+              <a:cs typeface="Century Gothic"/>
+              <a:sym typeface="Century Gothic"/>
+            </a:endParaRPr>
+          </a:p>
+        </p:txBody>
+      </p:sp>
+      <p:sp>
+        <p:nvSpPr>
+          <p:cNvPr id="165" name="Google Shape;165;p36"/>
+          <p:cNvSpPr txBox="1">
+            <a:spLocks noGrp="1"/>
+          </p:cNvSpPr>
+          <p:nvPr>
+            <p:ph type="body" idx="1"/>
+          </p:nvPr>
+        </p:nvSpPr>
+        <p:spPr>
+          <a:xfrm>
+            <a:off x="311750" y="861975"/>
+            <a:ext cx="8520600" cy="3706800"/>
+          </a:xfrm>
+          <a:prstGeom prst="rect">
+            <a:avLst/>
+          </a:prstGeom>
+          <a:noFill/>
+          <a:ln>
+            <a:noFill/>
+          </a:ln>
+        </p:spPr>
+        <p:txBody>
+          <a:bodyPr spcFirstLastPara="1" wrap="square" lIns="91425" tIns="91425" rIns="91425" bIns="91425" anchor="t" anchorCtr="0">
+            <a:noAutofit/>
+          </a:bodyPr>
+          <a:lstStyle/>
+          <a:p>
+            <a:pPr marL="0" lvl="0" indent="0" algn="l" rtl="0">
+              <a:lnSpc>
+                <a:spcPct val="150000"/>
+              </a:lnSpc>
+              <a:spcBef>
+                <a:spcPts val="1000"/>
+              </a:spcBef>
+              <a:spcAft>
+                <a:spcPts val="0"/>
+              </a:spcAft>
+              <a:buSzPts val="1500"/>
+              <a:buNone/>
+            </a:pPr>
+            <a:r>
+              <a:rPr lang="en-US" sz="1200" dirty="0">
+                <a:solidFill>
+                  <a:schemeClr val="dk1"/>
+                </a:solidFill>
+                <a:latin typeface="Century Gothic"/>
+                <a:ea typeface="Century Gothic"/>
+                <a:cs typeface="Century Gothic"/>
+                <a:sym typeface="Century Gothic"/>
+              </a:rPr>
+              <a:t>The data contains different attributes of customers’ loan and credit details. The detailed data dictionary is given below:</a:t>
+            </a:r>
+            <a:endParaRPr dirty="0"/>
+          </a:p>
+          <a:p>
+            <a:pPr marL="457200" lvl="0" indent="-304800" algn="l" rtl="0">
+              <a:lnSpc>
+                <a:spcPct val="150000"/>
+              </a:lnSpc>
+              <a:spcBef>
+                <a:spcPts val="1000"/>
+              </a:spcBef>
+              <a:spcAft>
+                <a:spcPts val="0"/>
+              </a:spcAft>
+              <a:buClr>
+                <a:schemeClr val="dk1"/>
+              </a:buClr>
+              <a:buSzPts val="1200"/>
+              <a:buFont typeface="Century Gothic"/>
+              <a:buChar char="●"/>
+            </a:pPr>
+            <a:r>
+              <a:rPr lang="en-US" sz="1200" dirty="0">
+                <a:solidFill>
+                  <a:schemeClr val="dk1"/>
+                </a:solidFill>
+                <a:latin typeface="Century Gothic"/>
+                <a:ea typeface="Century Gothic"/>
+                <a:cs typeface="Century Gothic"/>
+                <a:sym typeface="Century Gothic"/>
+              </a:rPr>
+              <a:t>BAD: Whether the client defaulted on the loan (0 = No, 1 = Yes)</a:t>
+            </a:r>
+            <a:endParaRPr dirty="0"/>
+          </a:p>
+          <a:p>
+            <a:pPr marL="457200" lvl="0" indent="-304800" algn="l" rtl="0">
+              <a:lnSpc>
+                <a:spcPct val="150000"/>
+              </a:lnSpc>
+              <a:spcBef>
+                <a:spcPts val="1000"/>
+              </a:spcBef>
+              <a:spcAft>
+                <a:spcPts val="0"/>
+              </a:spcAft>
+              <a:buClr>
+                <a:schemeClr val="dk1"/>
+              </a:buClr>
+              <a:buSzPts val="1200"/>
+              <a:buFont typeface="Century Gothic"/>
+              <a:buChar char="●"/>
+            </a:pPr>
+            <a:r>
+              <a:rPr lang="en-US" sz="1200" dirty="0">
+                <a:solidFill>
+                  <a:schemeClr val="dk1"/>
+                </a:solidFill>
+                <a:latin typeface="Century Gothic"/>
+                <a:ea typeface="Century Gothic"/>
+                <a:cs typeface="Century Gothic"/>
+                <a:sym typeface="Century Gothic"/>
+              </a:rPr>
+              <a:t>LOAN: Amount of loan approved</a:t>
+            </a:r>
+            <a:endParaRPr dirty="0"/>
+          </a:p>
+          <a:p>
+            <a:pPr marL="457200" lvl="0" indent="-304800" algn="l" rtl="0">
+              <a:lnSpc>
+                <a:spcPct val="150000"/>
+              </a:lnSpc>
+              <a:spcBef>
+                <a:spcPts val="1000"/>
+              </a:spcBef>
+              <a:spcAft>
+                <a:spcPts val="0"/>
+              </a:spcAft>
+              <a:buClr>
+                <a:schemeClr val="dk1"/>
+              </a:buClr>
+              <a:buSzPts val="1200"/>
+              <a:buFont typeface="Century Gothic"/>
+              <a:buChar char="●"/>
+            </a:pPr>
+            <a:r>
+              <a:rPr lang="en-US" sz="1200" dirty="0">
+                <a:solidFill>
+                  <a:schemeClr val="dk1"/>
+                </a:solidFill>
+                <a:latin typeface="Century Gothic"/>
+                <a:ea typeface="Century Gothic"/>
+                <a:cs typeface="Century Gothic"/>
+                <a:sym typeface="Century Gothic"/>
+              </a:rPr>
+              <a:t>MORTDUE: Amount due on the existing mortgage</a:t>
+            </a:r>
+            <a:endParaRPr dirty="0"/>
+          </a:p>
+          <a:p>
+            <a:pPr marL="457200" lvl="0" indent="-304800" algn="l" rtl="0">
+              <a:lnSpc>
+                <a:spcPct val="150000"/>
+              </a:lnSpc>
+              <a:spcBef>
+                <a:spcPts val="1000"/>
+              </a:spcBef>
+              <a:spcAft>
+                <a:spcPts val="0"/>
+              </a:spcAft>
+              <a:buClr>
+                <a:schemeClr val="dk1"/>
+              </a:buClr>
+              <a:buSzPts val="1200"/>
+              <a:buFont typeface="Century Gothic"/>
+              <a:buChar char="●"/>
+            </a:pPr>
+            <a:r>
+              <a:rPr lang="en-US" sz="1200" dirty="0">
+                <a:solidFill>
+                  <a:schemeClr val="dk1"/>
+                </a:solidFill>
+                <a:latin typeface="Century Gothic"/>
+                <a:ea typeface="Century Gothic"/>
+                <a:cs typeface="Century Gothic"/>
+                <a:sym typeface="Century Gothic"/>
+              </a:rPr>
+              <a:t>VALUE: Current value of the property</a:t>
+            </a:r>
+            <a:endParaRPr dirty="0"/>
+          </a:p>
+          <a:p>
+            <a:pPr marL="457200" lvl="0" indent="-304800" algn="l" rtl="0">
+              <a:lnSpc>
+                <a:spcPct val="150000"/>
+              </a:lnSpc>
+              <a:spcBef>
+                <a:spcPts val="1000"/>
+              </a:spcBef>
+              <a:spcAft>
+                <a:spcPts val="0"/>
+              </a:spcAft>
+              <a:buClr>
+                <a:schemeClr val="dk1"/>
+              </a:buClr>
+              <a:buSzPts val="1200"/>
+              <a:buFont typeface="Century Gothic"/>
+              <a:buChar char="●"/>
+            </a:pPr>
+            <a:r>
+              <a:rPr lang="en-US" sz="1200" dirty="0">
+                <a:solidFill>
+                  <a:schemeClr val="dk1"/>
+                </a:solidFill>
+                <a:latin typeface="Century Gothic"/>
+                <a:ea typeface="Century Gothic"/>
+                <a:cs typeface="Century Gothic"/>
+                <a:sym typeface="Century Gothic"/>
+              </a:rPr>
+              <a:t>REASON: Reason for the loan request (</a:t>
+            </a:r>
+            <a:r>
+              <a:rPr lang="en-US" sz="1200" dirty="0" err="1">
+                <a:solidFill>
+                  <a:schemeClr val="dk1"/>
+                </a:solidFill>
+                <a:latin typeface="Century Gothic"/>
+                <a:ea typeface="Century Gothic"/>
+                <a:cs typeface="Century Gothic"/>
+                <a:sym typeface="Century Gothic"/>
+              </a:rPr>
+              <a:t>HomeImp</a:t>
+            </a:r>
+            <a:r>
+              <a:rPr lang="en-US" sz="1200" dirty="0">
+                <a:solidFill>
+                  <a:schemeClr val="dk1"/>
+                </a:solidFill>
+                <a:latin typeface="Century Gothic"/>
+                <a:ea typeface="Century Gothic"/>
+                <a:cs typeface="Century Gothic"/>
+                <a:sym typeface="Century Gothic"/>
+              </a:rPr>
+              <a:t> = Home Improvement, </a:t>
+            </a:r>
+            <a:r>
+              <a:rPr lang="en-US" sz="1200" dirty="0" err="1">
+                <a:solidFill>
+                  <a:schemeClr val="dk1"/>
+                </a:solidFill>
+                <a:latin typeface="Century Gothic"/>
+                <a:ea typeface="Century Gothic"/>
+                <a:cs typeface="Century Gothic"/>
+                <a:sym typeface="Century Gothic"/>
+              </a:rPr>
+              <a:t>DebtCon</a:t>
+            </a:r>
+            <a:r>
+              <a:rPr lang="en-US" sz="1200" dirty="0">
+                <a:solidFill>
+                  <a:schemeClr val="dk1"/>
+                </a:solidFill>
+                <a:latin typeface="Century Gothic"/>
+                <a:ea typeface="Century Gothic"/>
+                <a:cs typeface="Century Gothic"/>
+                <a:sym typeface="Century Gothic"/>
+              </a:rPr>
+              <a:t> = Debt Consolidation)</a:t>
+            </a:r>
+            <a:endParaRPr dirty="0"/>
+          </a:p>
+          <a:p>
+            <a:pPr marL="457200" lvl="0" indent="-304800" algn="l" rtl="0">
+              <a:lnSpc>
+                <a:spcPct val="150000"/>
+              </a:lnSpc>
+              <a:spcBef>
+                <a:spcPts val="1000"/>
+              </a:spcBef>
+              <a:spcAft>
+                <a:spcPts val="0"/>
+              </a:spcAft>
+              <a:buClr>
+                <a:schemeClr val="dk1"/>
+              </a:buClr>
+              <a:buSzPts val="1200"/>
+              <a:buFont typeface="Century Gothic"/>
+              <a:buChar char="●"/>
+            </a:pPr>
+            <a:r>
+              <a:rPr lang="en-US" sz="1200" dirty="0">
+                <a:solidFill>
+                  <a:schemeClr val="dk1"/>
+                </a:solidFill>
+                <a:latin typeface="Century Gothic"/>
+                <a:ea typeface="Century Gothic"/>
+                <a:cs typeface="Century Gothic"/>
+                <a:sym typeface="Century Gothic"/>
+              </a:rPr>
+              <a:t>JOB: Type of job the applicant has (e.g., Manager, Self-employed)</a:t>
+            </a:r>
+            <a:endParaRPr dirty="0"/>
+          </a:p>
+          <a:p>
+            <a:pPr marL="457200" lvl="0" indent="-304800" algn="l" rtl="0">
+              <a:lnSpc>
+                <a:spcPct val="150000"/>
+              </a:lnSpc>
+              <a:spcBef>
+                <a:spcPts val="1000"/>
+              </a:spcBef>
+              <a:spcAft>
+                <a:spcPts val="0"/>
+              </a:spcAft>
+              <a:buClr>
+                <a:schemeClr val="dk1"/>
+              </a:buClr>
+              <a:buSzPts val="1200"/>
+              <a:buFont typeface="Century Gothic"/>
+              <a:buChar char="●"/>
+            </a:pPr>
+            <a:r>
+              <a:rPr lang="en-US" sz="1200" dirty="0">
+                <a:solidFill>
+                  <a:schemeClr val="dk1"/>
+                </a:solidFill>
+                <a:latin typeface="Century Gothic"/>
+                <a:ea typeface="Century Gothic"/>
+                <a:cs typeface="Century Gothic"/>
+                <a:sym typeface="Century Gothic"/>
+              </a:rPr>
+              <a:t>YOJ: Years at present job</a:t>
+            </a:r>
+            <a:endParaRPr dirty="0"/>
+          </a:p>
+          <a:p>
+            <a:pPr marL="457200" lvl="0" indent="0" algn="l" rtl="0">
+              <a:lnSpc>
+                <a:spcPct val="150000"/>
+              </a:lnSpc>
+              <a:spcBef>
+                <a:spcPts val="1000"/>
+              </a:spcBef>
+              <a:spcAft>
+                <a:spcPts val="0"/>
+              </a:spcAft>
+              <a:buSzPts val="1500"/>
+              <a:buNone/>
+            </a:pPr>
+            <a:endParaRPr sz="1400" dirty="0">
+              <a:solidFill>
+                <a:schemeClr val="dk1"/>
+              </a:solidFill>
+              <a:latin typeface="Century Gothic"/>
+              <a:ea typeface="Century Gothic"/>
+              <a:cs typeface="Century Gothic"/>
+              <a:sym typeface="Century Gothic"/>
+            </a:endParaRPr>
+          </a:p>
+          <a:p>
+            <a:pPr marL="0" lvl="0" indent="0" algn="l" rtl="0">
+              <a:lnSpc>
+                <a:spcPct val="150000"/>
+              </a:lnSpc>
+              <a:spcBef>
+                <a:spcPts val="1000"/>
+              </a:spcBef>
+              <a:spcAft>
+                <a:spcPts val="0"/>
+              </a:spcAft>
+              <a:buSzPts val="1500"/>
+              <a:buNone/>
+            </a:pPr>
+            <a:endParaRPr sz="1200" dirty="0">
+              <a:solidFill>
+                <a:schemeClr val="dk1"/>
+              </a:solidFill>
+              <a:latin typeface="Century Gothic"/>
+              <a:ea typeface="Century Gothic"/>
+              <a:cs typeface="Century Gothic"/>
+              <a:sym typeface="Century Gothic"/>
+            </a:endParaRPr>
+          </a:p>
+          <a:p>
+            <a:pPr marL="457200" lvl="0" indent="0" algn="l" rtl="0">
+              <a:lnSpc>
+                <a:spcPct val="150000"/>
+              </a:lnSpc>
+              <a:spcBef>
+                <a:spcPts val="1000"/>
+              </a:spcBef>
+              <a:spcAft>
+                <a:spcPts val="1000"/>
+              </a:spcAft>
+              <a:buSzPts val="1500"/>
+              <a:buNone/>
+            </a:pPr>
+            <a:endParaRPr sz="1200" dirty="0">
+              <a:solidFill>
+                <a:schemeClr val="dk1"/>
+              </a:solidFill>
+              <a:latin typeface="Century Gothic"/>
+              <a:ea typeface="Century Gothic"/>
+              <a:cs typeface="Century Gothic"/>
+              <a:sym typeface="Century Gothic"/>
+            </a:endParaRPr>
+          </a:p>
+        </p:txBody>
+      </p:sp>
+      <p:sp>
+        <p:nvSpPr>
+          <p:cNvPr id="2" name="Slide Number Placeholder 1">
+            <a:extLst>
+              <a:ext uri="{FF2B5EF4-FFF2-40B4-BE49-F238E27FC236}">
+                <a16:creationId xmlns:a16="http://schemas.microsoft.com/office/drawing/2014/main" id="{80F3270F-F59E-CE2A-6CB2-BFABCD8F2545}"/>
+              </a:ext>
+            </a:extLst>
+          </p:cNvPr>
+          <p:cNvSpPr>
+            <a:spLocks noGrp="1"/>
+          </p:cNvSpPr>
+          <p:nvPr>
+            <p:ph type="sldNum" idx="12"/>
+          </p:nvPr>
+        </p:nvSpPr>
+        <p:spPr/>
+        <p:txBody>
+          <a:bodyPr/>
+          <a:lstStyle/>
+          <a:p>
+            <a:pPr marL="0" lvl="0" indent="0" algn="ctr" rtl="0">
+              <a:spcBef>
+                <a:spcPts val="0"/>
+              </a:spcBef>
+              <a:spcAft>
+                <a:spcPts val="0"/>
+              </a:spcAft>
+              <a:buNone/>
+            </a:pPr>
+            <a:fld id="{00000000-1234-1234-1234-123412341234}" type="slidenum">
+              <a:rPr lang="en-US" smtClean="0"/>
+              <a:t>3</a:t>
+            </a:fld>
+            <a:endParaRPr lang="en-US"/>
+          </a:p>
+        </p:txBody>
+      </p:sp>
+    </p:spTree>
+  </p:cSld>
+  <p:clrMapOvr>
+    <a:masterClrMapping/>
+  </p:clrMapOvr>
+</p:sld>
+</file>
+
+<file path=ppt/slides/slide30.xml><?xml version="1.0" encoding="utf-8"?>
 <p:sld xmlns:a="http://schemas.openxmlformats.org/drawingml/2006/main" xmlns:r="http://schemas.openxmlformats.org/officeDocument/2006/relationships" xmlns:p="http://schemas.openxmlformats.org/presentationml/2006/main">
   <p:cSld>
     <p:spTree>
@@ -39247,25 +41190,11 @@
           </a:bodyPr>
           <a:lstStyle/>
           <a:p>
-            <a:pPr marL="0" marR="0" lvl="0" indent="0" algn="l" rtl="0">
-              <a:lnSpc>
-                <a:spcPct val="100000"/>
-              </a:lnSpc>
-              <a:spcBef>
-                <a:spcPts val="0"/>
-              </a:spcBef>
-              <a:spcAft>
-                <a:spcPts val="0"/>
-              </a:spcAft>
-              <a:buClr>
-                <a:srgbClr val="000000"/>
-              </a:buClr>
+            <a:pPr lvl="0">
               <a:buSzPts val="2200"/>
-              <a:buFont typeface="Arial"/>
-              <a:buNone/>
             </a:pPr>
             <a:r>
-              <a:rPr lang="en-US" sz="2200" b="1" i="0" u="none" strike="noStrike" cap="none" dirty="0">
+              <a:rPr lang="en-US" sz="2200" b="1" dirty="0">
                 <a:solidFill>
                   <a:schemeClr val="lt2"/>
                 </a:solidFill>
@@ -39274,17 +41203,8 @@
                 <a:cs typeface="Century Gothic"/>
                 <a:sym typeface="Century Gothic"/>
               </a:rPr>
-              <a:t>Initial Exploratory Data Analysis (EDA)</a:t>
+              <a:t>(EDA) – Complete Statistical Analysis</a:t>
             </a:r>
-            <a:endParaRPr sz="2200" b="1" i="0" u="none" strike="noStrike" cap="none" dirty="0">
-              <a:solidFill>
-                <a:schemeClr val="lt2"/>
-              </a:solidFill>
-              <a:latin typeface="Century Gothic"/>
-              <a:ea typeface="Century Gothic"/>
-              <a:cs typeface="Century Gothic"/>
-              <a:sym typeface="Century Gothic"/>
-            </a:endParaRPr>
           </a:p>
         </p:txBody>
       </p:sp>
@@ -39320,7 +41240,7 @@
             </a:pPr>
             <a:fld id="{00000000-1234-1234-1234-123412341234}" type="slidenum">
               <a:rPr lang="en-US" smtClean="0"/>
-              <a:t>27</a:t>
+              <a:t>30</a:t>
             </a:fld>
             <a:endParaRPr lang="en-US"/>
           </a:p>
@@ -39506,7 +41426,7 @@
 </p:sld>
 </file>
 
-<file path=ppt/slides/slide28.xml><?xml version="1.0" encoding="utf-8"?>
+<file path=ppt/slides/slide31.xml><?xml version="1.0" encoding="utf-8"?>
 <p:sld xmlns:a="http://schemas.openxmlformats.org/drawingml/2006/main" xmlns:r="http://schemas.openxmlformats.org/officeDocument/2006/relationships" xmlns:p="http://schemas.openxmlformats.org/presentationml/2006/main">
   <p:cSld>
     <p:spTree>
@@ -39560,25 +41480,11 @@
           </a:bodyPr>
           <a:lstStyle/>
           <a:p>
-            <a:pPr marL="0" marR="0" lvl="0" indent="0" algn="l" rtl="0">
-              <a:lnSpc>
-                <a:spcPct val="100000"/>
-              </a:lnSpc>
-              <a:spcBef>
-                <a:spcPts val="0"/>
-              </a:spcBef>
-              <a:spcAft>
-                <a:spcPts val="0"/>
-              </a:spcAft>
-              <a:buClr>
-                <a:srgbClr val="000000"/>
-              </a:buClr>
+            <a:pPr lvl="0">
               <a:buSzPts val="2200"/>
-              <a:buFont typeface="Arial"/>
-              <a:buNone/>
             </a:pPr>
             <a:r>
-              <a:rPr lang="en-US" sz="2200" b="1" i="0" u="none" strike="noStrike" cap="none" dirty="0">
+              <a:rPr lang="en-US" sz="2200" b="1" dirty="0">
                 <a:solidFill>
                   <a:schemeClr val="lt2"/>
                 </a:solidFill>
@@ -39587,17 +41493,8 @@
                 <a:cs typeface="Century Gothic"/>
                 <a:sym typeface="Century Gothic"/>
               </a:rPr>
-              <a:t>Initial Exploratory Data Analysis (EDA)</a:t>
+              <a:t>(EDA) – Complete Statistical Analysis</a:t>
             </a:r>
-            <a:endParaRPr sz="2200" b="1" i="0" u="none" strike="noStrike" cap="none" dirty="0">
-              <a:solidFill>
-                <a:schemeClr val="lt2"/>
-              </a:solidFill>
-              <a:latin typeface="Century Gothic"/>
-              <a:ea typeface="Century Gothic"/>
-              <a:cs typeface="Century Gothic"/>
-              <a:sym typeface="Century Gothic"/>
-            </a:endParaRPr>
           </a:p>
         </p:txBody>
       </p:sp>
@@ -39633,7 +41530,7 @@
             </a:pPr>
             <a:fld id="{00000000-1234-1234-1234-123412341234}" type="slidenum">
               <a:rPr lang="en-US" smtClean="0"/>
-              <a:t>28</a:t>
+              <a:t>31</a:t>
             </a:fld>
             <a:endParaRPr lang="en-US"/>
           </a:p>
@@ -39819,7 +41716,7 @@
 </p:sld>
 </file>
 
-<file path=ppt/slides/slide29.xml><?xml version="1.0" encoding="utf-8"?>
+<file path=ppt/slides/slide32.xml><?xml version="1.0" encoding="utf-8"?>
 <p:sld xmlns:a="http://schemas.openxmlformats.org/drawingml/2006/main" xmlns:r="http://schemas.openxmlformats.org/officeDocument/2006/relationships" xmlns:p="http://schemas.openxmlformats.org/presentationml/2006/main">
   <p:cSld>
     <p:spTree>
@@ -39873,25 +41770,11 @@
           </a:bodyPr>
           <a:lstStyle/>
           <a:p>
-            <a:pPr marL="0" marR="0" lvl="0" indent="0" algn="l" rtl="0">
-              <a:lnSpc>
-                <a:spcPct val="100000"/>
-              </a:lnSpc>
-              <a:spcBef>
-                <a:spcPts val="0"/>
-              </a:spcBef>
-              <a:spcAft>
-                <a:spcPts val="0"/>
-              </a:spcAft>
-              <a:buClr>
-                <a:srgbClr val="000000"/>
-              </a:buClr>
+            <a:pPr lvl="0">
               <a:buSzPts val="2200"/>
-              <a:buFont typeface="Arial"/>
-              <a:buNone/>
             </a:pPr>
             <a:r>
-              <a:rPr lang="en-US" sz="2200" b="1" i="0" u="none" strike="noStrike" cap="none" dirty="0">
+              <a:rPr lang="en-US" sz="2200" b="1" dirty="0">
                 <a:solidFill>
                   <a:schemeClr val="lt2"/>
                 </a:solidFill>
@@ -39900,17 +41783,8 @@
                 <a:cs typeface="Century Gothic"/>
                 <a:sym typeface="Century Gothic"/>
               </a:rPr>
-              <a:t>Initial Exploratory Data Analysis (EDA)</a:t>
+              <a:t>(EDA) – Complete Statistical Analysis</a:t>
             </a:r>
-            <a:endParaRPr sz="2200" b="1" i="0" u="none" strike="noStrike" cap="none" dirty="0">
-              <a:solidFill>
-                <a:schemeClr val="lt2"/>
-              </a:solidFill>
-              <a:latin typeface="Century Gothic"/>
-              <a:ea typeface="Century Gothic"/>
-              <a:cs typeface="Century Gothic"/>
-              <a:sym typeface="Century Gothic"/>
-            </a:endParaRPr>
           </a:p>
         </p:txBody>
       </p:sp>
@@ -39946,7 +41820,7 @@
             </a:pPr>
             <a:fld id="{00000000-1234-1234-1234-123412341234}" type="slidenum">
               <a:rPr lang="en-US" smtClean="0"/>
-              <a:t>29</a:t>
+              <a:t>32</a:t>
             </a:fld>
             <a:endParaRPr lang="en-US"/>
           </a:p>
@@ -40132,490 +42006,7 @@
 </p:sld>
 </file>
 
-<file path=ppt/slides/slide3.xml><?xml version="1.0" encoding="utf-8"?>
-<p:sld xmlns:a="http://schemas.openxmlformats.org/drawingml/2006/main" xmlns:r="http://schemas.openxmlformats.org/officeDocument/2006/relationships" xmlns:p="http://schemas.openxmlformats.org/presentationml/2006/main">
-  <p:cSld>
-    <p:spTree>
-      <p:nvGrpSpPr>
-        <p:cNvPr id="1" name="Shape 163"/>
-        <p:cNvGrpSpPr/>
-        <p:nvPr/>
-      </p:nvGrpSpPr>
-      <p:grpSpPr>
-        <a:xfrm>
-          <a:off x="0" y="0"/>
-          <a:ext cx="0" cy="0"/>
-          <a:chOff x="0" y="0"/>
-          <a:chExt cx="0" cy="0"/>
-        </a:xfrm>
-      </p:grpSpPr>
-      <p:sp>
-        <p:nvSpPr>
-          <p:cNvPr id="164" name="Google Shape;164;p36"/>
-          <p:cNvSpPr txBox="1">
-            <a:spLocks noGrp="1"/>
-          </p:cNvSpPr>
-          <p:nvPr>
-            <p:ph type="title"/>
-          </p:nvPr>
-        </p:nvSpPr>
-        <p:spPr>
-          <a:xfrm>
-            <a:off x="202550" y="289279"/>
-            <a:ext cx="8520600" cy="572700"/>
-          </a:xfrm>
-          <a:prstGeom prst="rect">
-            <a:avLst/>
-          </a:prstGeom>
-          <a:noFill/>
-          <a:ln>
-            <a:noFill/>
-          </a:ln>
-        </p:spPr>
-        <p:txBody>
-          <a:bodyPr spcFirstLastPara="1" wrap="square" lIns="91425" tIns="91425" rIns="91425" bIns="91425" anchor="t" anchorCtr="0">
-            <a:noAutofit/>
-          </a:bodyPr>
-          <a:lstStyle/>
-          <a:p>
-            <a:pPr marL="0" lvl="0" indent="0" algn="l" rtl="0">
-              <a:lnSpc>
-                <a:spcPct val="100000"/>
-              </a:lnSpc>
-              <a:spcBef>
-                <a:spcPts val="0"/>
-              </a:spcBef>
-              <a:spcAft>
-                <a:spcPts val="0"/>
-              </a:spcAft>
-              <a:buSzPts val="2200"/>
-              <a:buNone/>
-            </a:pPr>
-            <a:r>
-              <a:rPr lang="en-US">
-                <a:solidFill>
-                  <a:schemeClr val="lt2"/>
-                </a:solidFill>
-                <a:latin typeface="Century Gothic"/>
-                <a:ea typeface="Century Gothic"/>
-                <a:cs typeface="Century Gothic"/>
-                <a:sym typeface="Century Gothic"/>
-              </a:rPr>
-              <a:t>Data Dictionary</a:t>
-            </a:r>
-            <a:endParaRPr>
-              <a:solidFill>
-                <a:schemeClr val="lt2"/>
-              </a:solidFill>
-              <a:latin typeface="Century Gothic"/>
-              <a:ea typeface="Century Gothic"/>
-              <a:cs typeface="Century Gothic"/>
-              <a:sym typeface="Century Gothic"/>
-            </a:endParaRPr>
-          </a:p>
-        </p:txBody>
-      </p:sp>
-      <p:sp>
-        <p:nvSpPr>
-          <p:cNvPr id="165" name="Google Shape;165;p36"/>
-          <p:cNvSpPr txBox="1">
-            <a:spLocks noGrp="1"/>
-          </p:cNvSpPr>
-          <p:nvPr>
-            <p:ph type="body" idx="1"/>
-          </p:nvPr>
-        </p:nvSpPr>
-        <p:spPr>
-          <a:xfrm>
-            <a:off x="311750" y="861975"/>
-            <a:ext cx="8520600" cy="3706800"/>
-          </a:xfrm>
-          <a:prstGeom prst="rect">
-            <a:avLst/>
-          </a:prstGeom>
-          <a:noFill/>
-          <a:ln>
-            <a:noFill/>
-          </a:ln>
-        </p:spPr>
-        <p:txBody>
-          <a:bodyPr spcFirstLastPara="1" wrap="square" lIns="91425" tIns="91425" rIns="91425" bIns="91425" anchor="t" anchorCtr="0">
-            <a:noAutofit/>
-          </a:bodyPr>
-          <a:lstStyle/>
-          <a:p>
-            <a:pPr marL="0" lvl="0" indent="0" algn="l" rtl="0">
-              <a:lnSpc>
-                <a:spcPct val="150000"/>
-              </a:lnSpc>
-              <a:spcBef>
-                <a:spcPts val="1000"/>
-              </a:spcBef>
-              <a:spcAft>
-                <a:spcPts val="0"/>
-              </a:spcAft>
-              <a:buSzPts val="1500"/>
-              <a:buNone/>
-            </a:pPr>
-            <a:r>
-              <a:rPr lang="en-US" sz="1200">
-                <a:solidFill>
-                  <a:schemeClr val="dk1"/>
-                </a:solidFill>
-                <a:latin typeface="Century Gothic"/>
-                <a:ea typeface="Century Gothic"/>
-                <a:cs typeface="Century Gothic"/>
-                <a:sym typeface="Century Gothic"/>
-              </a:rPr>
-              <a:t>The data contains different attributes of customers’ loan and credit details. The detailed data dictionary is given below:</a:t>
-            </a:r>
-            <a:endParaRPr/>
-          </a:p>
-          <a:p>
-            <a:pPr marL="457200" lvl="0" indent="-304800" algn="l" rtl="0">
-              <a:lnSpc>
-                <a:spcPct val="150000"/>
-              </a:lnSpc>
-              <a:spcBef>
-                <a:spcPts val="1000"/>
-              </a:spcBef>
-              <a:spcAft>
-                <a:spcPts val="0"/>
-              </a:spcAft>
-              <a:buClr>
-                <a:schemeClr val="dk1"/>
-              </a:buClr>
-              <a:buSzPts val="1200"/>
-              <a:buFont typeface="Century Gothic"/>
-              <a:buChar char="●"/>
-            </a:pPr>
-            <a:r>
-              <a:rPr lang="en-US" sz="1200">
-                <a:solidFill>
-                  <a:schemeClr val="dk1"/>
-                </a:solidFill>
-                <a:latin typeface="Century Gothic"/>
-                <a:ea typeface="Century Gothic"/>
-                <a:cs typeface="Century Gothic"/>
-                <a:sym typeface="Century Gothic"/>
-              </a:rPr>
-              <a:t>BAD: Whether the client defaulted on the loan (0 = No, 1 = Yes)</a:t>
-            </a:r>
-            <a:endParaRPr/>
-          </a:p>
-          <a:p>
-            <a:pPr marL="457200" lvl="0" indent="-304800" algn="l" rtl="0">
-              <a:lnSpc>
-                <a:spcPct val="150000"/>
-              </a:lnSpc>
-              <a:spcBef>
-                <a:spcPts val="1000"/>
-              </a:spcBef>
-              <a:spcAft>
-                <a:spcPts val="0"/>
-              </a:spcAft>
-              <a:buClr>
-                <a:schemeClr val="dk1"/>
-              </a:buClr>
-              <a:buSzPts val="1200"/>
-              <a:buFont typeface="Century Gothic"/>
-              <a:buChar char="●"/>
-            </a:pPr>
-            <a:r>
-              <a:rPr lang="en-US" sz="1200">
-                <a:solidFill>
-                  <a:schemeClr val="dk1"/>
-                </a:solidFill>
-                <a:latin typeface="Century Gothic"/>
-                <a:ea typeface="Century Gothic"/>
-                <a:cs typeface="Century Gothic"/>
-                <a:sym typeface="Century Gothic"/>
-              </a:rPr>
-              <a:t>LOAN: Amount of loan approved</a:t>
-            </a:r>
-            <a:endParaRPr/>
-          </a:p>
-          <a:p>
-            <a:pPr marL="457200" lvl="0" indent="-304800" algn="l" rtl="0">
-              <a:lnSpc>
-                <a:spcPct val="150000"/>
-              </a:lnSpc>
-              <a:spcBef>
-                <a:spcPts val="1000"/>
-              </a:spcBef>
-              <a:spcAft>
-                <a:spcPts val="0"/>
-              </a:spcAft>
-              <a:buClr>
-                <a:schemeClr val="dk1"/>
-              </a:buClr>
-              <a:buSzPts val="1200"/>
-              <a:buFont typeface="Century Gothic"/>
-              <a:buChar char="●"/>
-            </a:pPr>
-            <a:r>
-              <a:rPr lang="en-US" sz="1200">
-                <a:solidFill>
-                  <a:schemeClr val="dk1"/>
-                </a:solidFill>
-                <a:latin typeface="Century Gothic"/>
-                <a:ea typeface="Century Gothic"/>
-                <a:cs typeface="Century Gothic"/>
-                <a:sym typeface="Century Gothic"/>
-              </a:rPr>
-              <a:t>MORTDUE: Amount due on the existing mortgage</a:t>
-            </a:r>
-            <a:endParaRPr/>
-          </a:p>
-          <a:p>
-            <a:pPr marL="457200" lvl="0" indent="-304800" algn="l" rtl="0">
-              <a:lnSpc>
-                <a:spcPct val="150000"/>
-              </a:lnSpc>
-              <a:spcBef>
-                <a:spcPts val="1000"/>
-              </a:spcBef>
-              <a:spcAft>
-                <a:spcPts val="0"/>
-              </a:spcAft>
-              <a:buClr>
-                <a:schemeClr val="dk1"/>
-              </a:buClr>
-              <a:buSzPts val="1200"/>
-              <a:buFont typeface="Century Gothic"/>
-              <a:buChar char="●"/>
-            </a:pPr>
-            <a:r>
-              <a:rPr lang="en-US" sz="1200">
-                <a:solidFill>
-                  <a:schemeClr val="dk1"/>
-                </a:solidFill>
-                <a:latin typeface="Century Gothic"/>
-                <a:ea typeface="Century Gothic"/>
-                <a:cs typeface="Century Gothic"/>
-                <a:sym typeface="Century Gothic"/>
-              </a:rPr>
-              <a:t>VALUE: Current value of the property</a:t>
-            </a:r>
-            <a:endParaRPr/>
-          </a:p>
-          <a:p>
-            <a:pPr marL="457200" lvl="0" indent="-304800" algn="l" rtl="0">
-              <a:lnSpc>
-                <a:spcPct val="150000"/>
-              </a:lnSpc>
-              <a:spcBef>
-                <a:spcPts val="1000"/>
-              </a:spcBef>
-              <a:spcAft>
-                <a:spcPts val="0"/>
-              </a:spcAft>
-              <a:buClr>
-                <a:schemeClr val="dk1"/>
-              </a:buClr>
-              <a:buSzPts val="1200"/>
-              <a:buFont typeface="Century Gothic"/>
-              <a:buChar char="●"/>
-            </a:pPr>
-            <a:r>
-              <a:rPr lang="en-US" sz="1200">
-                <a:solidFill>
-                  <a:schemeClr val="dk1"/>
-                </a:solidFill>
-                <a:latin typeface="Century Gothic"/>
-                <a:ea typeface="Century Gothic"/>
-                <a:cs typeface="Century Gothic"/>
-                <a:sym typeface="Century Gothic"/>
-              </a:rPr>
-              <a:t>REASON: Reason for the loan request (HomeImp = Home Improvement, DebtCon = Debt Consolidation)</a:t>
-            </a:r>
-            <a:endParaRPr/>
-          </a:p>
-          <a:p>
-            <a:pPr marL="457200" lvl="0" indent="-304800" algn="l" rtl="0">
-              <a:lnSpc>
-                <a:spcPct val="150000"/>
-              </a:lnSpc>
-              <a:spcBef>
-                <a:spcPts val="1000"/>
-              </a:spcBef>
-              <a:spcAft>
-                <a:spcPts val="0"/>
-              </a:spcAft>
-              <a:buClr>
-                <a:schemeClr val="dk1"/>
-              </a:buClr>
-              <a:buSzPts val="1200"/>
-              <a:buFont typeface="Century Gothic"/>
-              <a:buChar char="●"/>
-            </a:pPr>
-            <a:r>
-              <a:rPr lang="en-US" sz="1200">
-                <a:solidFill>
-                  <a:schemeClr val="dk1"/>
-                </a:solidFill>
-                <a:latin typeface="Century Gothic"/>
-                <a:ea typeface="Century Gothic"/>
-                <a:cs typeface="Century Gothic"/>
-                <a:sym typeface="Century Gothic"/>
-              </a:rPr>
-              <a:t>JOB: Type of job the applicant has (e.g., Manager, Self-employed)</a:t>
-            </a:r>
-            <a:endParaRPr/>
-          </a:p>
-          <a:p>
-            <a:pPr marL="457200" lvl="0" indent="-304800" algn="l" rtl="0">
-              <a:lnSpc>
-                <a:spcPct val="150000"/>
-              </a:lnSpc>
-              <a:spcBef>
-                <a:spcPts val="1000"/>
-              </a:spcBef>
-              <a:spcAft>
-                <a:spcPts val="0"/>
-              </a:spcAft>
-              <a:buClr>
-                <a:schemeClr val="dk1"/>
-              </a:buClr>
-              <a:buSzPts val="1200"/>
-              <a:buFont typeface="Century Gothic"/>
-              <a:buChar char="●"/>
-            </a:pPr>
-            <a:r>
-              <a:rPr lang="en-US" sz="1200">
-                <a:solidFill>
-                  <a:schemeClr val="dk1"/>
-                </a:solidFill>
-                <a:latin typeface="Century Gothic"/>
-                <a:ea typeface="Century Gothic"/>
-                <a:cs typeface="Century Gothic"/>
-                <a:sym typeface="Century Gothic"/>
-              </a:rPr>
-              <a:t>YOJ: Years at present job</a:t>
-            </a:r>
-            <a:endParaRPr/>
-          </a:p>
-          <a:p>
-            <a:pPr marL="457200" lvl="0" indent="0" algn="l" rtl="0">
-              <a:lnSpc>
-                <a:spcPct val="150000"/>
-              </a:lnSpc>
-              <a:spcBef>
-                <a:spcPts val="1000"/>
-              </a:spcBef>
-              <a:spcAft>
-                <a:spcPts val="0"/>
-              </a:spcAft>
-              <a:buSzPts val="1500"/>
-              <a:buNone/>
-            </a:pPr>
-            <a:endParaRPr sz="1400">
-              <a:solidFill>
-                <a:schemeClr val="dk1"/>
-              </a:solidFill>
-              <a:latin typeface="Century Gothic"/>
-              <a:ea typeface="Century Gothic"/>
-              <a:cs typeface="Century Gothic"/>
-              <a:sym typeface="Century Gothic"/>
-            </a:endParaRPr>
-          </a:p>
-          <a:p>
-            <a:pPr marL="0" lvl="0" indent="0" algn="l" rtl="0">
-              <a:lnSpc>
-                <a:spcPct val="150000"/>
-              </a:lnSpc>
-              <a:spcBef>
-                <a:spcPts val="1000"/>
-              </a:spcBef>
-              <a:spcAft>
-                <a:spcPts val="0"/>
-              </a:spcAft>
-              <a:buSzPts val="1500"/>
-              <a:buNone/>
-            </a:pPr>
-            <a:endParaRPr sz="1200">
-              <a:solidFill>
-                <a:schemeClr val="dk1"/>
-              </a:solidFill>
-              <a:latin typeface="Century Gothic"/>
-              <a:ea typeface="Century Gothic"/>
-              <a:cs typeface="Century Gothic"/>
-              <a:sym typeface="Century Gothic"/>
-            </a:endParaRPr>
-          </a:p>
-          <a:p>
-            <a:pPr marL="457200" lvl="0" indent="0" algn="l" rtl="0">
-              <a:lnSpc>
-                <a:spcPct val="150000"/>
-              </a:lnSpc>
-              <a:spcBef>
-                <a:spcPts val="1000"/>
-              </a:spcBef>
-              <a:spcAft>
-                <a:spcPts val="1000"/>
-              </a:spcAft>
-              <a:buSzPts val="1500"/>
-              <a:buNone/>
-            </a:pPr>
-            <a:endParaRPr sz="1200">
-              <a:solidFill>
-                <a:schemeClr val="dk1"/>
-              </a:solidFill>
-              <a:latin typeface="Century Gothic"/>
-              <a:ea typeface="Century Gothic"/>
-              <a:cs typeface="Century Gothic"/>
-              <a:sym typeface="Century Gothic"/>
-            </a:endParaRPr>
-          </a:p>
-        </p:txBody>
-      </p:sp>
-      <p:sp>
-        <p:nvSpPr>
-          <p:cNvPr id="2" name="Slide Number Placeholder 1">
-            <a:extLst>
-              <a:ext uri="{FF2B5EF4-FFF2-40B4-BE49-F238E27FC236}">
-                <a16:creationId xmlns:a16="http://schemas.microsoft.com/office/drawing/2014/main" id="{80F3270F-F59E-CE2A-6CB2-BFABCD8F2545}"/>
-              </a:ext>
-            </a:extLst>
-          </p:cNvPr>
-          <p:cNvSpPr>
-            <a:spLocks noGrp="1"/>
-          </p:cNvSpPr>
-          <p:nvPr>
-            <p:ph type="sldNum" idx="12"/>
-          </p:nvPr>
-        </p:nvSpPr>
-        <p:spPr/>
-        <p:txBody>
-          <a:bodyPr/>
-          <a:lstStyle/>
-          <a:p>
-            <a:pPr marL="0" lvl="0" indent="0" algn="ctr" rtl="0">
-              <a:spcBef>
-                <a:spcPts val="0"/>
-              </a:spcBef>
-              <a:spcAft>
-                <a:spcPts val="0"/>
-              </a:spcAft>
-              <a:buNone/>
-            </a:pPr>
-            <a:fld id="{00000000-1234-1234-1234-123412341234}" type="slidenum">
-              <a:rPr lang="en-US" smtClean="0"/>
-              <a:t>3</a:t>
-            </a:fld>
-            <a:endParaRPr lang="en-US"/>
-          </a:p>
-        </p:txBody>
-      </p:sp>
-    </p:spTree>
-  </p:cSld>
-  <p:clrMapOvr>
-    <a:masterClrMapping/>
-  </p:clrMapOvr>
-</p:sld>
-</file>
-
-<file path=ppt/slides/slide30.xml><?xml version="1.0" encoding="utf-8"?>
+<file path=ppt/slides/slide33.xml><?xml version="1.0" encoding="utf-8"?>
 <p:sld xmlns:a="http://schemas.openxmlformats.org/drawingml/2006/main" xmlns:r="http://schemas.openxmlformats.org/officeDocument/2006/relationships" xmlns:p="http://schemas.openxmlformats.org/presentationml/2006/main">
   <p:cSld>
     <p:spTree>
@@ -40669,25 +42060,11 @@
           </a:bodyPr>
           <a:lstStyle/>
           <a:p>
-            <a:pPr marL="0" marR="0" lvl="0" indent="0" algn="l" rtl="0">
-              <a:lnSpc>
-                <a:spcPct val="100000"/>
-              </a:lnSpc>
-              <a:spcBef>
-                <a:spcPts val="0"/>
-              </a:spcBef>
-              <a:spcAft>
-                <a:spcPts val="0"/>
-              </a:spcAft>
-              <a:buClr>
-                <a:srgbClr val="000000"/>
-              </a:buClr>
+            <a:pPr lvl="0">
               <a:buSzPts val="2200"/>
-              <a:buFont typeface="Arial"/>
-              <a:buNone/>
             </a:pPr>
             <a:r>
-              <a:rPr lang="en-US" sz="2200" b="1" i="0" u="none" strike="noStrike" cap="none" dirty="0">
+              <a:rPr lang="en-US" sz="2200" b="1" dirty="0">
                 <a:solidFill>
                   <a:schemeClr val="lt2"/>
                 </a:solidFill>
@@ -40696,17 +42073,8 @@
                 <a:cs typeface="Century Gothic"/>
                 <a:sym typeface="Century Gothic"/>
               </a:rPr>
-              <a:t>Initial Exploratory Data Analysis (EDA)</a:t>
+              <a:t>(EDA) – Complete Statistical Analysis</a:t>
             </a:r>
-            <a:endParaRPr sz="2200" b="1" i="0" u="none" strike="noStrike" cap="none" dirty="0">
-              <a:solidFill>
-                <a:schemeClr val="lt2"/>
-              </a:solidFill>
-              <a:latin typeface="Century Gothic"/>
-              <a:ea typeface="Century Gothic"/>
-              <a:cs typeface="Century Gothic"/>
-              <a:sym typeface="Century Gothic"/>
-            </a:endParaRPr>
           </a:p>
         </p:txBody>
       </p:sp>
@@ -40742,7 +42110,7 @@
             </a:pPr>
             <a:fld id="{00000000-1234-1234-1234-123412341234}" type="slidenum">
               <a:rPr lang="en-US" smtClean="0"/>
-              <a:t>30</a:t>
+              <a:t>33</a:t>
             </a:fld>
             <a:endParaRPr lang="en-US"/>
           </a:p>
@@ -40928,7 +42296,7 @@
 </p:sld>
 </file>
 
-<file path=ppt/slides/slide31.xml><?xml version="1.0" encoding="utf-8"?>
+<file path=ppt/slides/slide34.xml><?xml version="1.0" encoding="utf-8"?>
 <p:sld xmlns:a="http://schemas.openxmlformats.org/drawingml/2006/main" xmlns:r="http://schemas.openxmlformats.org/officeDocument/2006/relationships" xmlns:p="http://schemas.openxmlformats.org/presentationml/2006/main">
   <p:cSld>
     <p:spTree>
@@ -40982,25 +42350,11 @@
           </a:bodyPr>
           <a:lstStyle/>
           <a:p>
-            <a:pPr marL="0" marR="0" lvl="0" indent="0" algn="l" rtl="0">
-              <a:lnSpc>
-                <a:spcPct val="100000"/>
-              </a:lnSpc>
-              <a:spcBef>
-                <a:spcPts val="0"/>
-              </a:spcBef>
-              <a:spcAft>
-                <a:spcPts val="0"/>
-              </a:spcAft>
-              <a:buClr>
-                <a:srgbClr val="000000"/>
-              </a:buClr>
+            <a:pPr lvl="0">
               <a:buSzPts val="2200"/>
-              <a:buFont typeface="Arial"/>
-              <a:buNone/>
             </a:pPr>
             <a:r>
-              <a:rPr lang="en-US" sz="2200" b="1" i="0" u="none" strike="noStrike" cap="none" dirty="0">
+              <a:rPr lang="en-US" sz="2200" b="1" dirty="0">
                 <a:solidFill>
                   <a:schemeClr val="lt2"/>
                 </a:solidFill>
@@ -41009,17 +42363,8 @@
                 <a:cs typeface="Century Gothic"/>
                 <a:sym typeface="Century Gothic"/>
               </a:rPr>
-              <a:t>Initial Exploratory Data Analysis (EDA)</a:t>
+              <a:t>(EDA) – Complete Statistical Analysis</a:t>
             </a:r>
-            <a:endParaRPr sz="2200" b="1" i="0" u="none" strike="noStrike" cap="none" dirty="0">
-              <a:solidFill>
-                <a:schemeClr val="lt2"/>
-              </a:solidFill>
-              <a:latin typeface="Century Gothic"/>
-              <a:ea typeface="Century Gothic"/>
-              <a:cs typeface="Century Gothic"/>
-              <a:sym typeface="Century Gothic"/>
-            </a:endParaRPr>
           </a:p>
         </p:txBody>
       </p:sp>
@@ -41055,7 +42400,7 @@
             </a:pPr>
             <a:fld id="{00000000-1234-1234-1234-123412341234}" type="slidenum">
               <a:rPr lang="en-US" smtClean="0"/>
-              <a:t>31</a:t>
+              <a:t>34</a:t>
             </a:fld>
             <a:endParaRPr lang="en-US"/>
           </a:p>
@@ -41241,7 +42586,567 @@
 </p:sld>
 </file>
 
-<file path=ppt/slides/slide32.xml><?xml version="1.0" encoding="utf-8"?>
+<file path=ppt/slides/slide35.xml><?xml version="1.0" encoding="utf-8"?>
+<p:sld xmlns:a="http://schemas.openxmlformats.org/drawingml/2006/main" xmlns:r="http://schemas.openxmlformats.org/officeDocument/2006/relationships" xmlns:p="http://schemas.openxmlformats.org/presentationml/2006/main">
+  <p:cSld>
+    <p:spTree>
+      <p:nvGrpSpPr>
+        <p:cNvPr id="1" name="Shape 199"/>
+        <p:cNvGrpSpPr/>
+        <p:nvPr/>
+      </p:nvGrpSpPr>
+      <p:grpSpPr>
+        <a:xfrm>
+          <a:off x="0" y="0"/>
+          <a:ext cx="0" cy="0"/>
+          <a:chOff x="0" y="0"/>
+          <a:chExt cx="0" cy="0"/>
+        </a:xfrm>
+      </p:grpSpPr>
+      <p:pic>
+        <p:nvPicPr>
+          <p:cNvPr id="200" name="Google Shape;200;p42"/>
+          <p:cNvPicPr preferRelativeResize="0"/>
+          <p:nvPr/>
+        </p:nvPicPr>
+        <p:blipFill rotWithShape="1">
+          <a:blip r:embed="rId3">
+            <a:alphaModFix/>
+          </a:blip>
+          <a:srcRect/>
+          <a:stretch/>
+        </p:blipFill>
+        <p:spPr>
+          <a:xfrm>
+            <a:off x="368595" y="656708"/>
+            <a:ext cx="8534400" cy="3434362"/>
+          </a:xfrm>
+          <a:prstGeom prst="rect">
+            <a:avLst/>
+          </a:prstGeom>
+          <a:noFill/>
+          <a:ln>
+            <a:noFill/>
+          </a:ln>
+        </p:spPr>
+      </p:pic>
+      <p:sp>
+        <p:nvSpPr>
+          <p:cNvPr id="2" name="Slide Number Placeholder 1">
+            <a:extLst>
+              <a:ext uri="{FF2B5EF4-FFF2-40B4-BE49-F238E27FC236}">
+                <a16:creationId xmlns:a16="http://schemas.microsoft.com/office/drawing/2014/main" id="{F07EBFC5-0255-CCEB-6BEC-9CC993CE4C88}"/>
+              </a:ext>
+            </a:extLst>
+          </p:cNvPr>
+          <p:cNvSpPr>
+            <a:spLocks noGrp="1"/>
+          </p:cNvSpPr>
+          <p:nvPr>
+            <p:ph type="sldNum" idx="12"/>
+          </p:nvPr>
+        </p:nvSpPr>
+        <p:spPr/>
+        <p:txBody>
+          <a:bodyPr/>
+          <a:lstStyle/>
+          <a:p>
+            <a:pPr marL="0" lvl="0" indent="0" algn="ctr" rtl="0">
+              <a:spcBef>
+                <a:spcPts val="0"/>
+              </a:spcBef>
+              <a:spcAft>
+                <a:spcPts val="0"/>
+              </a:spcAft>
+              <a:buNone/>
+            </a:pPr>
+            <a:fld id="{00000000-1234-1234-1234-123412341234}" type="slidenum">
+              <a:rPr lang="en-US" smtClean="0"/>
+              <a:t>35</a:t>
+            </a:fld>
+            <a:endParaRPr lang="en-US"/>
+          </a:p>
+        </p:txBody>
+      </p:sp>
+      <p:sp>
+        <p:nvSpPr>
+          <p:cNvPr id="4" name="Google Shape;188;p40">
+            <a:extLst>
+              <a:ext uri="{FF2B5EF4-FFF2-40B4-BE49-F238E27FC236}">
+                <a16:creationId xmlns:a16="http://schemas.microsoft.com/office/drawing/2014/main" id="{BE6503BC-C299-D7DE-6494-6C2B503EA5DD}"/>
+              </a:ext>
+            </a:extLst>
+          </p:cNvPr>
+          <p:cNvSpPr txBox="1"/>
+          <p:nvPr/>
+        </p:nvSpPr>
+        <p:spPr>
+          <a:xfrm>
+            <a:off x="241005" y="84008"/>
+            <a:ext cx="8520600" cy="572700"/>
+          </a:xfrm>
+          <a:prstGeom prst="rect">
+            <a:avLst/>
+          </a:prstGeom>
+          <a:noFill/>
+          <a:ln>
+            <a:noFill/>
+          </a:ln>
+        </p:spPr>
+        <p:txBody>
+          <a:bodyPr spcFirstLastPara="1" wrap="square" lIns="91425" tIns="91425" rIns="91425" bIns="91425" anchor="t" anchorCtr="0">
+            <a:noAutofit/>
+          </a:bodyPr>
+          <a:lstStyle/>
+          <a:p>
+            <a:pPr marL="0" marR="0" lvl="0" indent="0" algn="l" rtl="0">
+              <a:lnSpc>
+                <a:spcPct val="100000"/>
+              </a:lnSpc>
+              <a:spcBef>
+                <a:spcPts val="0"/>
+              </a:spcBef>
+              <a:spcAft>
+                <a:spcPts val="0"/>
+              </a:spcAft>
+              <a:buClr>
+                <a:srgbClr val="000000"/>
+              </a:buClr>
+              <a:buSzPts val="2200"/>
+              <a:buFont typeface="Arial"/>
+              <a:buNone/>
+            </a:pPr>
+            <a:r>
+              <a:rPr lang="en-US" sz="2200" b="1" i="0" u="none" strike="noStrike" cap="none" dirty="0">
+                <a:solidFill>
+                  <a:schemeClr val="lt2"/>
+                </a:solidFill>
+                <a:latin typeface="Century Gothic"/>
+                <a:ea typeface="Century Gothic"/>
+                <a:cs typeface="Century Gothic"/>
+                <a:sym typeface="Century Gothic"/>
+              </a:rPr>
+              <a:t>Statistics after Retrieve (Initial EDA):</a:t>
+            </a:r>
+            <a:endParaRPr sz="2200" b="1" i="0" u="none" strike="noStrike" cap="none" dirty="0">
+              <a:solidFill>
+                <a:schemeClr val="lt2"/>
+              </a:solidFill>
+              <a:latin typeface="Century Gothic"/>
+              <a:ea typeface="Century Gothic"/>
+              <a:cs typeface="Century Gothic"/>
+              <a:sym typeface="Century Gothic"/>
+            </a:endParaRPr>
+          </a:p>
+        </p:txBody>
+      </p:sp>
+      <p:sp>
+        <p:nvSpPr>
+          <p:cNvPr id="5" name="Google Shape;190;p40">
+            <a:extLst>
+              <a:ext uri="{FF2B5EF4-FFF2-40B4-BE49-F238E27FC236}">
+                <a16:creationId xmlns:a16="http://schemas.microsoft.com/office/drawing/2014/main" id="{4A6FD933-5073-BFF8-DC02-D0755C7A37EE}"/>
+              </a:ext>
+            </a:extLst>
+          </p:cNvPr>
+          <p:cNvSpPr txBox="1">
+            <a:spLocks/>
+          </p:cNvSpPr>
+          <p:nvPr/>
+        </p:nvSpPr>
+        <p:spPr>
+          <a:xfrm>
+            <a:off x="202499" y="3810216"/>
+            <a:ext cx="8629800" cy="1136691"/>
+          </a:xfrm>
+          <a:prstGeom prst="rect">
+            <a:avLst/>
+          </a:prstGeom>
+          <a:noFill/>
+          <a:ln>
+            <a:noFill/>
+          </a:ln>
+        </p:spPr>
+        <p:txBody>
+          <a:bodyPr spcFirstLastPara="1" wrap="square" lIns="91425" tIns="91425" rIns="91425" bIns="91425" anchor="t" anchorCtr="0">
+            <a:spAutoFit/>
+          </a:bodyPr>
+          <a:lstStyle>
+            <a:defPPr marR="0" lvl="0" algn="l" rtl="0">
+              <a:lnSpc>
+                <a:spcPct val="100000"/>
+              </a:lnSpc>
+              <a:spcBef>
+                <a:spcPts val="0"/>
+              </a:spcBef>
+              <a:spcAft>
+                <a:spcPts val="0"/>
+              </a:spcAft>
+            </a:defPPr>
+            <a:lvl1pPr marL="457200" marR="0" lvl="0" indent="-323850" algn="l" rtl="0">
+              <a:lnSpc>
+                <a:spcPct val="115000"/>
+              </a:lnSpc>
+              <a:spcBef>
+                <a:spcPts val="0"/>
+              </a:spcBef>
+              <a:spcAft>
+                <a:spcPts val="0"/>
+              </a:spcAft>
+              <a:buClr>
+                <a:schemeClr val="dk2"/>
+              </a:buClr>
+              <a:buSzPts val="1500"/>
+              <a:buFont typeface="Nunito"/>
+              <a:buChar char="●"/>
+              <a:defRPr sz="1500" b="0" i="0" u="none" strike="noStrike" cap="none">
+                <a:solidFill>
+                  <a:schemeClr val="dk2"/>
+                </a:solidFill>
+                <a:latin typeface="Nunito"/>
+                <a:ea typeface="Nunito"/>
+                <a:cs typeface="Nunito"/>
+                <a:sym typeface="Nunito"/>
+              </a:defRPr>
+            </a:lvl1pPr>
+            <a:lvl2pPr marL="914400" marR="0" lvl="1" indent="-311150" algn="l" rtl="0">
+              <a:lnSpc>
+                <a:spcPct val="115000"/>
+              </a:lnSpc>
+              <a:spcBef>
+                <a:spcPts val="1600"/>
+              </a:spcBef>
+              <a:spcAft>
+                <a:spcPts val="0"/>
+              </a:spcAft>
+              <a:buClr>
+                <a:schemeClr val="dk2"/>
+              </a:buClr>
+              <a:buSzPts val="1300"/>
+              <a:buFont typeface="Nunito"/>
+              <a:buChar char="○"/>
+              <a:defRPr sz="1300" b="0" i="0" u="none" strike="noStrike" cap="none">
+                <a:solidFill>
+                  <a:schemeClr val="dk2"/>
+                </a:solidFill>
+                <a:latin typeface="Nunito"/>
+                <a:ea typeface="Nunito"/>
+                <a:cs typeface="Nunito"/>
+                <a:sym typeface="Nunito"/>
+              </a:defRPr>
+            </a:lvl2pPr>
+            <a:lvl3pPr marL="1371600" marR="0" lvl="2" indent="-304800" algn="l" rtl="0">
+              <a:lnSpc>
+                <a:spcPct val="115000"/>
+              </a:lnSpc>
+              <a:spcBef>
+                <a:spcPts val="1600"/>
+              </a:spcBef>
+              <a:spcAft>
+                <a:spcPts val="0"/>
+              </a:spcAft>
+              <a:buClr>
+                <a:schemeClr val="dk2"/>
+              </a:buClr>
+              <a:buSzPts val="1200"/>
+              <a:buFont typeface="Nunito"/>
+              <a:buChar char="■"/>
+              <a:defRPr sz="1200" b="0" i="0" u="none" strike="noStrike" cap="none">
+                <a:solidFill>
+                  <a:schemeClr val="dk2"/>
+                </a:solidFill>
+                <a:latin typeface="Nunito"/>
+                <a:ea typeface="Nunito"/>
+                <a:cs typeface="Nunito"/>
+                <a:sym typeface="Nunito"/>
+              </a:defRPr>
+            </a:lvl3pPr>
+            <a:lvl4pPr marL="1828800" marR="0" lvl="3" indent="-298450" algn="l" rtl="0">
+              <a:lnSpc>
+                <a:spcPct val="115000"/>
+              </a:lnSpc>
+              <a:spcBef>
+                <a:spcPts val="1600"/>
+              </a:spcBef>
+              <a:spcAft>
+                <a:spcPts val="0"/>
+              </a:spcAft>
+              <a:buClr>
+                <a:schemeClr val="dk2"/>
+              </a:buClr>
+              <a:buSzPts val="1100"/>
+              <a:buFont typeface="Nunito"/>
+              <a:buChar char="●"/>
+              <a:defRPr sz="1100" b="0" i="0" u="none" strike="noStrike" cap="none">
+                <a:solidFill>
+                  <a:schemeClr val="dk2"/>
+                </a:solidFill>
+                <a:latin typeface="Nunito"/>
+                <a:ea typeface="Nunito"/>
+                <a:cs typeface="Nunito"/>
+                <a:sym typeface="Nunito"/>
+              </a:defRPr>
+            </a:lvl4pPr>
+            <a:lvl5pPr marL="2286000" marR="0" lvl="4" indent="-292100" algn="l" rtl="0">
+              <a:lnSpc>
+                <a:spcPct val="115000"/>
+              </a:lnSpc>
+              <a:spcBef>
+                <a:spcPts val="1600"/>
+              </a:spcBef>
+              <a:spcAft>
+                <a:spcPts val="0"/>
+              </a:spcAft>
+              <a:buClr>
+                <a:schemeClr val="dk2"/>
+              </a:buClr>
+              <a:buSzPts val="1000"/>
+              <a:buFont typeface="Nunito"/>
+              <a:buChar char="○"/>
+              <a:defRPr sz="1000" b="0" i="0" u="none" strike="noStrike" cap="none">
+                <a:solidFill>
+                  <a:schemeClr val="dk2"/>
+                </a:solidFill>
+                <a:latin typeface="Nunito"/>
+                <a:ea typeface="Nunito"/>
+                <a:cs typeface="Nunito"/>
+                <a:sym typeface="Nunito"/>
+              </a:defRPr>
+            </a:lvl5pPr>
+            <a:lvl6pPr marL="2743200" marR="0" lvl="5" indent="-285750" algn="l" rtl="0">
+              <a:lnSpc>
+                <a:spcPct val="115000"/>
+              </a:lnSpc>
+              <a:spcBef>
+                <a:spcPts val="1600"/>
+              </a:spcBef>
+              <a:spcAft>
+                <a:spcPts val="0"/>
+              </a:spcAft>
+              <a:buClr>
+                <a:schemeClr val="dk2"/>
+              </a:buClr>
+              <a:buSzPts val="900"/>
+              <a:buFont typeface="Nunito"/>
+              <a:buChar char="■"/>
+              <a:defRPr sz="900" b="0" i="0" u="none" strike="noStrike" cap="none">
+                <a:solidFill>
+                  <a:schemeClr val="dk2"/>
+                </a:solidFill>
+                <a:latin typeface="Nunito"/>
+                <a:ea typeface="Nunito"/>
+                <a:cs typeface="Nunito"/>
+                <a:sym typeface="Nunito"/>
+              </a:defRPr>
+            </a:lvl6pPr>
+            <a:lvl7pPr marL="3200400" marR="0" lvl="6" indent="-279400" algn="l" rtl="0">
+              <a:lnSpc>
+                <a:spcPct val="115000"/>
+              </a:lnSpc>
+              <a:spcBef>
+                <a:spcPts val="1600"/>
+              </a:spcBef>
+              <a:spcAft>
+                <a:spcPts val="0"/>
+              </a:spcAft>
+              <a:buClr>
+                <a:schemeClr val="dk2"/>
+              </a:buClr>
+              <a:buSzPts val="800"/>
+              <a:buFont typeface="Nunito"/>
+              <a:buChar char="●"/>
+              <a:defRPr sz="800" b="0" i="0" u="none" strike="noStrike" cap="none">
+                <a:solidFill>
+                  <a:schemeClr val="dk2"/>
+                </a:solidFill>
+                <a:latin typeface="Nunito"/>
+                <a:ea typeface="Nunito"/>
+                <a:cs typeface="Nunito"/>
+                <a:sym typeface="Nunito"/>
+              </a:defRPr>
+            </a:lvl7pPr>
+            <a:lvl8pPr marL="3657600" marR="0" lvl="7" indent="-273050" algn="l" rtl="0">
+              <a:lnSpc>
+                <a:spcPct val="115000"/>
+              </a:lnSpc>
+              <a:spcBef>
+                <a:spcPts val="1600"/>
+              </a:spcBef>
+              <a:spcAft>
+                <a:spcPts val="0"/>
+              </a:spcAft>
+              <a:buClr>
+                <a:schemeClr val="dk2"/>
+              </a:buClr>
+              <a:buSzPts val="700"/>
+              <a:buFont typeface="Nunito"/>
+              <a:buChar char="○"/>
+              <a:defRPr sz="700" b="0" i="0" u="none" strike="noStrike" cap="none">
+                <a:solidFill>
+                  <a:schemeClr val="dk2"/>
+                </a:solidFill>
+                <a:latin typeface="Nunito"/>
+                <a:ea typeface="Nunito"/>
+                <a:cs typeface="Nunito"/>
+                <a:sym typeface="Nunito"/>
+              </a:defRPr>
+            </a:lvl8pPr>
+            <a:lvl9pPr marL="4114800" marR="0" lvl="8" indent="-266700" algn="l" rtl="0">
+              <a:lnSpc>
+                <a:spcPct val="115000"/>
+              </a:lnSpc>
+              <a:spcBef>
+                <a:spcPts val="1600"/>
+              </a:spcBef>
+              <a:spcAft>
+                <a:spcPts val="1600"/>
+              </a:spcAft>
+              <a:buClr>
+                <a:schemeClr val="dk2"/>
+              </a:buClr>
+              <a:buSzPts val="600"/>
+              <a:buFont typeface="Nunito"/>
+              <a:buChar char="■"/>
+              <a:defRPr sz="600" b="0" i="0" u="none" strike="noStrike" cap="none">
+                <a:solidFill>
+                  <a:schemeClr val="dk2"/>
+                </a:solidFill>
+                <a:latin typeface="Nunito"/>
+                <a:ea typeface="Nunito"/>
+                <a:cs typeface="Nunito"/>
+                <a:sym typeface="Nunito"/>
+              </a:defRPr>
+            </a:lvl9pPr>
+          </a:lstStyle>
+          <a:p>
+            <a:pPr marL="139700" indent="0" algn="just">
+              <a:spcBef>
+                <a:spcPts val="200"/>
+              </a:spcBef>
+              <a:buClr>
+                <a:schemeClr val="dk1"/>
+              </a:buClr>
+              <a:buSzPts val="1400"/>
+              <a:buNone/>
+            </a:pPr>
+            <a:r>
+              <a:rPr lang="en-US" sz="1200" b="1" dirty="0">
+                <a:solidFill>
+                  <a:schemeClr val="dk1"/>
+                </a:solidFill>
+                <a:latin typeface="Century Gothic"/>
+                <a:ea typeface="Century Gothic"/>
+                <a:cs typeface="Century Gothic"/>
+                <a:sym typeface="Century Gothic"/>
+              </a:rPr>
+              <a:t>CLNO</a:t>
+            </a:r>
+            <a:r>
+              <a:rPr lang="en-US" sz="1200" dirty="0">
+                <a:solidFill>
+                  <a:schemeClr val="dk1"/>
+                </a:solidFill>
+                <a:latin typeface="Century Gothic"/>
+                <a:ea typeface="Century Gothic"/>
+                <a:cs typeface="Century Gothic"/>
+                <a:sym typeface="Century Gothic"/>
+              </a:rPr>
+              <a:t> – number of existing credit lines</a:t>
+            </a:r>
+          </a:p>
+          <a:p>
+            <a:pPr marL="139700" indent="0" algn="just">
+              <a:spcBef>
+                <a:spcPts val="200"/>
+              </a:spcBef>
+              <a:buClr>
+                <a:schemeClr val="dk1"/>
+              </a:buClr>
+              <a:buSzPts val="1400"/>
+              <a:buNone/>
+            </a:pPr>
+            <a:r>
+              <a:rPr lang="en-US" sz="1200" b="1" dirty="0">
+                <a:solidFill>
+                  <a:schemeClr val="dk1"/>
+                </a:solidFill>
+                <a:latin typeface="Century Gothic"/>
+                <a:ea typeface="Century Gothic"/>
+                <a:cs typeface="Century Gothic"/>
+                <a:sym typeface="Century Gothic"/>
+              </a:rPr>
+              <a:t>Issues</a:t>
+            </a:r>
+            <a:r>
+              <a:rPr lang="en-US" sz="1200" dirty="0">
+                <a:solidFill>
+                  <a:schemeClr val="dk1"/>
+                </a:solidFill>
+                <a:latin typeface="Century Gothic"/>
+                <a:ea typeface="Century Gothic"/>
+                <a:cs typeface="Century Gothic"/>
+                <a:sym typeface="Century Gothic"/>
+              </a:rPr>
+              <a:t>:</a:t>
+            </a:r>
+          </a:p>
+          <a:p>
+            <a:pPr marL="311150" indent="-171450" algn="just">
+              <a:spcBef>
+                <a:spcPts val="200"/>
+              </a:spcBef>
+              <a:buClr>
+                <a:schemeClr val="dk1"/>
+              </a:buClr>
+              <a:buSzPts val="1400"/>
+            </a:pPr>
+            <a:r>
+              <a:rPr lang="en-US" sz="1200" dirty="0">
+                <a:solidFill>
+                  <a:schemeClr val="dk1"/>
+                </a:solidFill>
+                <a:latin typeface="Century Gothic"/>
+                <a:ea typeface="Century Gothic"/>
+                <a:cs typeface="Century Gothic"/>
+                <a:sym typeface="Century Gothic"/>
+              </a:rPr>
+              <a:t>Near normal distribution with right-skewed with outliers – apply normalization.</a:t>
+            </a:r>
+          </a:p>
+          <a:p>
+            <a:pPr marL="311150" indent="-171450" algn="just">
+              <a:spcBef>
+                <a:spcPts val="200"/>
+              </a:spcBef>
+              <a:buClr>
+                <a:schemeClr val="dk1"/>
+              </a:buClr>
+              <a:buSzPts val="1400"/>
+            </a:pPr>
+            <a:r>
+              <a:rPr lang="en-US" sz="1200" dirty="0">
+                <a:solidFill>
+                  <a:schemeClr val="dk1"/>
+                </a:solidFill>
+                <a:latin typeface="Century Gothic"/>
+                <a:ea typeface="Century Gothic"/>
+                <a:cs typeface="Century Gothic"/>
+                <a:sym typeface="Century Gothic"/>
+              </a:rPr>
+              <a:t>Data errors – (Min 0 credit lines?) (Max 71 credit lines?) – Cap/Clip</a:t>
+            </a:r>
+          </a:p>
+        </p:txBody>
+      </p:sp>
+    </p:spTree>
+  </p:cSld>
+  <p:clrMapOvr>
+    <a:masterClrMapping/>
+  </p:clrMapOvr>
+</p:sld>
+</file>
+
+<file path=ppt/slides/slide36.xml><?xml version="1.0" encoding="utf-8"?>
 <p:sld xmlns:a="http://schemas.openxmlformats.org/drawingml/2006/main" xmlns:r="http://schemas.openxmlformats.org/officeDocument/2006/relationships" xmlns:p="http://schemas.openxmlformats.org/presentationml/2006/main">
   <p:cSld>
     <p:spTree>
@@ -41295,25 +43200,11 @@
           </a:bodyPr>
           <a:lstStyle/>
           <a:p>
-            <a:pPr marL="0" marR="0" lvl="0" indent="0" algn="l" rtl="0">
-              <a:lnSpc>
-                <a:spcPct val="100000"/>
-              </a:lnSpc>
-              <a:spcBef>
-                <a:spcPts val="0"/>
-              </a:spcBef>
-              <a:spcAft>
-                <a:spcPts val="0"/>
-              </a:spcAft>
-              <a:buClr>
-                <a:srgbClr val="000000"/>
-              </a:buClr>
+            <a:pPr lvl="0">
               <a:buSzPts val="2200"/>
-              <a:buFont typeface="Arial"/>
-              <a:buNone/>
             </a:pPr>
             <a:r>
-              <a:rPr lang="en-US" sz="2200" b="1" i="0" u="none" strike="noStrike" cap="none" dirty="0">
+              <a:rPr lang="en-US" sz="2200" b="1" dirty="0">
                 <a:solidFill>
                   <a:schemeClr val="lt2"/>
                 </a:solidFill>
@@ -41322,17 +43213,8 @@
                 <a:cs typeface="Century Gothic"/>
                 <a:sym typeface="Century Gothic"/>
               </a:rPr>
-              <a:t>Initial Exploratory Data Analysis (EDA)</a:t>
+              <a:t>(EDA) – Statistical Analysis – Normalized Features</a:t>
             </a:r>
-            <a:endParaRPr sz="2200" b="1" i="0" u="none" strike="noStrike" cap="none" dirty="0">
-              <a:solidFill>
-                <a:schemeClr val="lt2"/>
-              </a:solidFill>
-              <a:latin typeface="Century Gothic"/>
-              <a:ea typeface="Century Gothic"/>
-              <a:cs typeface="Century Gothic"/>
-              <a:sym typeface="Century Gothic"/>
-            </a:endParaRPr>
           </a:p>
         </p:txBody>
       </p:sp>
@@ -41368,7 +43250,7 @@
             </a:pPr>
             <a:fld id="{00000000-1234-1234-1234-123412341234}" type="slidenum">
               <a:rPr lang="en-US" smtClean="0"/>
-              <a:t>32</a:t>
+              <a:t>36</a:t>
             </a:fld>
             <a:endParaRPr lang="en-US"/>
           </a:p>
@@ -41417,7 +43299,7 @@
 </p:sld>
 </file>
 
-<file path=ppt/slides/slide33.xml><?xml version="1.0" encoding="utf-8"?>
+<file path=ppt/slides/slide37.xml><?xml version="1.0" encoding="utf-8"?>
 <p:sld xmlns:a="http://schemas.openxmlformats.org/drawingml/2006/main" xmlns:r="http://schemas.openxmlformats.org/officeDocument/2006/relationships" xmlns:p="http://schemas.openxmlformats.org/presentationml/2006/main">
   <p:cSld>
     <p:spTree>
@@ -41471,25 +43353,11 @@
           </a:bodyPr>
           <a:lstStyle/>
           <a:p>
-            <a:pPr marL="0" marR="0" lvl="0" indent="0" algn="l" rtl="0">
-              <a:lnSpc>
-                <a:spcPct val="100000"/>
-              </a:lnSpc>
-              <a:spcBef>
-                <a:spcPts val="0"/>
-              </a:spcBef>
-              <a:spcAft>
-                <a:spcPts val="0"/>
-              </a:spcAft>
-              <a:buClr>
-                <a:srgbClr val="000000"/>
-              </a:buClr>
+            <a:pPr lvl="0">
               <a:buSzPts val="2200"/>
-              <a:buFont typeface="Arial"/>
-              <a:buNone/>
             </a:pPr>
             <a:r>
-              <a:rPr lang="en-US" sz="2200" b="1" i="0" u="none" strike="noStrike" cap="none" dirty="0">
+              <a:rPr lang="en-US" sz="2200" b="1" dirty="0">
                 <a:solidFill>
                   <a:schemeClr val="lt2"/>
                 </a:solidFill>
@@ -41498,17 +43366,8 @@
                 <a:cs typeface="Century Gothic"/>
                 <a:sym typeface="Century Gothic"/>
               </a:rPr>
-              <a:t>Initial Exploratory Data Analysis (EDA)</a:t>
+              <a:t>(EDA) – Statistical Analysis – Normalized Features</a:t>
             </a:r>
-            <a:endParaRPr sz="2200" b="1" i="0" u="none" strike="noStrike" cap="none" dirty="0">
-              <a:solidFill>
-                <a:schemeClr val="lt2"/>
-              </a:solidFill>
-              <a:latin typeface="Century Gothic"/>
-              <a:ea typeface="Century Gothic"/>
-              <a:cs typeface="Century Gothic"/>
-              <a:sym typeface="Century Gothic"/>
-            </a:endParaRPr>
           </a:p>
         </p:txBody>
       </p:sp>
@@ -41789,7 +43648,7 @@
             </a:pPr>
             <a:fld id="{00000000-1234-1234-1234-123412341234}" type="slidenum">
               <a:rPr lang="en-US" smtClean="0"/>
-              <a:t>33</a:t>
+              <a:t>37</a:t>
             </a:fld>
             <a:endParaRPr lang="en-US"/>
           </a:p>
@@ -42352,575 +44211,6 @@
 </p:sld>
 </file>
 
-<file path=ppt/slides/slide34.xml><?xml version="1.0" encoding="utf-8"?>
-<p:sld xmlns:a="http://schemas.openxmlformats.org/drawingml/2006/main" xmlns:r="http://schemas.openxmlformats.org/officeDocument/2006/relationships" xmlns:p="http://schemas.openxmlformats.org/presentationml/2006/main">
-  <p:cSld>
-    <p:spTree>
-      <p:nvGrpSpPr>
-        <p:cNvPr id="1" name="Shape 187">
-          <a:extLst>
-            <a:ext uri="{FF2B5EF4-FFF2-40B4-BE49-F238E27FC236}">
-              <a16:creationId xmlns:a16="http://schemas.microsoft.com/office/drawing/2014/main" id="{9809A8D0-DF4F-253B-8839-5B81753736DD}"/>
-            </a:ext>
-          </a:extLst>
-        </p:cNvPr>
-        <p:cNvGrpSpPr/>
-        <p:nvPr/>
-      </p:nvGrpSpPr>
-      <p:grpSpPr>
-        <a:xfrm>
-          <a:off x="0" y="0"/>
-          <a:ext cx="0" cy="0"/>
-          <a:chOff x="0" y="0"/>
-          <a:chExt cx="0" cy="0"/>
-        </a:xfrm>
-      </p:grpSpPr>
-      <p:sp>
-        <p:nvSpPr>
-          <p:cNvPr id="188" name="Google Shape;188;p40">
-            <a:extLst>
-              <a:ext uri="{FF2B5EF4-FFF2-40B4-BE49-F238E27FC236}">
-                <a16:creationId xmlns:a16="http://schemas.microsoft.com/office/drawing/2014/main" id="{C9757D56-04BD-69E4-D66B-2B42396DBD3B}"/>
-              </a:ext>
-            </a:extLst>
-          </p:cNvPr>
-          <p:cNvSpPr txBox="1"/>
-          <p:nvPr/>
-        </p:nvSpPr>
-        <p:spPr>
-          <a:xfrm>
-            <a:off x="202550" y="289279"/>
-            <a:ext cx="8520600" cy="572700"/>
-          </a:xfrm>
-          <a:prstGeom prst="rect">
-            <a:avLst/>
-          </a:prstGeom>
-          <a:noFill/>
-          <a:ln>
-            <a:noFill/>
-          </a:ln>
-        </p:spPr>
-        <p:txBody>
-          <a:bodyPr spcFirstLastPara="1" wrap="square" lIns="91425" tIns="91425" rIns="91425" bIns="91425" anchor="t" anchorCtr="0">
-            <a:noAutofit/>
-          </a:bodyPr>
-          <a:lstStyle/>
-          <a:p>
-            <a:pPr marL="0" marR="0" lvl="0" indent="0" algn="l" rtl="0">
-              <a:lnSpc>
-                <a:spcPct val="100000"/>
-              </a:lnSpc>
-              <a:spcBef>
-                <a:spcPts val="0"/>
-              </a:spcBef>
-              <a:spcAft>
-                <a:spcPts val="0"/>
-              </a:spcAft>
-              <a:buClr>
-                <a:srgbClr val="000000"/>
-              </a:buClr>
-              <a:buSzPts val="2200"/>
-              <a:buFont typeface="Arial"/>
-              <a:buNone/>
-            </a:pPr>
-            <a:r>
-              <a:rPr lang="en-US" sz="2200" b="1" i="0" u="none" strike="noStrike" cap="none" dirty="0">
-                <a:solidFill>
-                  <a:schemeClr val="lt2"/>
-                </a:solidFill>
-                <a:latin typeface="Century Gothic"/>
-                <a:ea typeface="Century Gothic"/>
-                <a:cs typeface="Century Gothic"/>
-                <a:sym typeface="Century Gothic"/>
-              </a:rPr>
-              <a:t>Statistics after Retrieve (Initial EDA):</a:t>
-            </a:r>
-            <a:endParaRPr sz="2200" b="1" i="0" u="none" strike="noStrike" cap="none" dirty="0">
-              <a:solidFill>
-                <a:schemeClr val="lt2"/>
-              </a:solidFill>
-              <a:latin typeface="Century Gothic"/>
-              <a:ea typeface="Century Gothic"/>
-              <a:cs typeface="Century Gothic"/>
-              <a:sym typeface="Century Gothic"/>
-            </a:endParaRPr>
-          </a:p>
-        </p:txBody>
-      </p:sp>
-      <p:pic>
-        <p:nvPicPr>
-          <p:cNvPr id="189" name="Google Shape;189;p40">
-            <a:extLst>
-              <a:ext uri="{FF2B5EF4-FFF2-40B4-BE49-F238E27FC236}">
-                <a16:creationId xmlns:a16="http://schemas.microsoft.com/office/drawing/2014/main" id="{087C0B74-563F-916A-D9A1-1FD3C9B7CB49}"/>
-              </a:ext>
-            </a:extLst>
-          </p:cNvPr>
-          <p:cNvPicPr preferRelativeResize="0"/>
-          <p:nvPr/>
-        </p:nvPicPr>
-        <p:blipFill rotWithShape="1">
-          <a:blip r:embed="rId3">
-            <a:alphaModFix/>
-          </a:blip>
-          <a:srcRect/>
-          <a:stretch/>
-        </p:blipFill>
-        <p:spPr>
-          <a:xfrm>
-            <a:off x="710763" y="1808801"/>
-            <a:ext cx="7613375" cy="3381765"/>
-          </a:xfrm>
-          <a:prstGeom prst="rect">
-            <a:avLst/>
-          </a:prstGeom>
-          <a:noFill/>
-          <a:ln>
-            <a:noFill/>
-          </a:ln>
-        </p:spPr>
-      </p:pic>
-      <p:sp>
-        <p:nvSpPr>
-          <p:cNvPr id="190" name="Google Shape;190;p40">
-            <a:extLst>
-              <a:ext uri="{FF2B5EF4-FFF2-40B4-BE49-F238E27FC236}">
-                <a16:creationId xmlns:a16="http://schemas.microsoft.com/office/drawing/2014/main" id="{B67FA253-C77F-6653-7DD8-B70A12ED42A8}"/>
-              </a:ext>
-            </a:extLst>
-          </p:cNvPr>
-          <p:cNvSpPr txBox="1">
-            <a:spLocks noGrp="1"/>
-          </p:cNvSpPr>
-          <p:nvPr>
-            <p:ph type="body" idx="1"/>
-          </p:nvPr>
-        </p:nvSpPr>
-        <p:spPr>
-          <a:xfrm>
-            <a:off x="202550" y="752645"/>
-            <a:ext cx="8629800" cy="895800"/>
-          </a:xfrm>
-          <a:prstGeom prst="rect">
-            <a:avLst/>
-          </a:prstGeom>
-          <a:noFill/>
-          <a:ln>
-            <a:noFill/>
-          </a:ln>
-        </p:spPr>
-        <p:txBody>
-          <a:bodyPr spcFirstLastPara="1" wrap="square" lIns="91425" tIns="91425" rIns="91425" bIns="91425" anchor="t" anchorCtr="0">
-            <a:spAutoFit/>
-          </a:bodyPr>
-          <a:lstStyle/>
-          <a:p>
-            <a:pPr marL="457200" lvl="0" indent="-317500" algn="just" rtl="0">
-              <a:lnSpc>
-                <a:spcPct val="115000"/>
-              </a:lnSpc>
-              <a:spcBef>
-                <a:spcPts val="1000"/>
-              </a:spcBef>
-              <a:spcAft>
-                <a:spcPts val="0"/>
-              </a:spcAft>
-              <a:buClr>
-                <a:schemeClr val="dk1"/>
-              </a:buClr>
-              <a:buSzPts val="1400"/>
-              <a:buFont typeface="Century Gothic"/>
-              <a:buChar char="●"/>
-            </a:pPr>
-            <a:r>
-              <a:rPr lang="en-US" sz="1400">
-                <a:solidFill>
-                  <a:schemeClr val="dk1"/>
-                </a:solidFill>
-                <a:latin typeface="Century Gothic"/>
-                <a:ea typeface="Century Gothic"/>
-                <a:cs typeface="Century Gothic"/>
-                <a:sym typeface="Century Gothic"/>
-              </a:rPr>
-              <a:t>At this stage, the statistics were used to understand the raw data before any modifications. This helped in identifying missing values, data types, and the overall distribution of features. It represents the initial univariate exploratory data analysis (EDA).</a:t>
-            </a:r>
-            <a:endParaRPr sz="1400">
-              <a:solidFill>
-                <a:schemeClr val="dk1"/>
-              </a:solidFill>
-              <a:latin typeface="Century Gothic"/>
-              <a:ea typeface="Century Gothic"/>
-              <a:cs typeface="Century Gothic"/>
-              <a:sym typeface="Century Gothic"/>
-            </a:endParaRPr>
-          </a:p>
-        </p:txBody>
-      </p:sp>
-      <p:sp>
-        <p:nvSpPr>
-          <p:cNvPr id="2" name="Slide Number Placeholder 1">
-            <a:extLst>
-              <a:ext uri="{FF2B5EF4-FFF2-40B4-BE49-F238E27FC236}">
-                <a16:creationId xmlns:a16="http://schemas.microsoft.com/office/drawing/2014/main" id="{C89F91EC-3D76-E4D8-442B-6AA8FBA67744}"/>
-              </a:ext>
-            </a:extLst>
-          </p:cNvPr>
-          <p:cNvSpPr>
-            <a:spLocks noGrp="1"/>
-          </p:cNvSpPr>
-          <p:nvPr>
-            <p:ph type="sldNum" idx="12"/>
-          </p:nvPr>
-        </p:nvSpPr>
-        <p:spPr/>
-        <p:txBody>
-          <a:bodyPr/>
-          <a:lstStyle/>
-          <a:p>
-            <a:pPr marL="0" lvl="0" indent="0" algn="ctr" rtl="0">
-              <a:spcBef>
-                <a:spcPts val="0"/>
-              </a:spcBef>
-              <a:spcAft>
-                <a:spcPts val="0"/>
-              </a:spcAft>
-              <a:buNone/>
-            </a:pPr>
-            <a:fld id="{00000000-1234-1234-1234-123412341234}" type="slidenum">
-              <a:rPr lang="en-US" smtClean="0"/>
-              <a:t>34</a:t>
-            </a:fld>
-            <a:endParaRPr lang="en-US"/>
-          </a:p>
-        </p:txBody>
-      </p:sp>
-    </p:spTree>
-    <p:extLst>
-      <p:ext uri="{BB962C8B-B14F-4D97-AF65-F5344CB8AC3E}">
-        <p14:creationId xmlns:p14="http://schemas.microsoft.com/office/powerpoint/2010/main" val="1777190522"/>
-      </p:ext>
-    </p:extLst>
-  </p:cSld>
-  <p:clrMapOvr>
-    <a:masterClrMapping/>
-  </p:clrMapOvr>
-</p:sld>
-</file>
-
-<file path=ppt/slides/slide35.xml><?xml version="1.0" encoding="utf-8"?>
-<p:sld xmlns:a="http://schemas.openxmlformats.org/drawingml/2006/main" xmlns:r="http://schemas.openxmlformats.org/officeDocument/2006/relationships" xmlns:p="http://schemas.openxmlformats.org/presentationml/2006/main">
-  <p:cSld>
-    <p:spTree>
-      <p:nvGrpSpPr>
-        <p:cNvPr id="1" name="Shape 194"/>
-        <p:cNvGrpSpPr/>
-        <p:nvPr/>
-      </p:nvGrpSpPr>
-      <p:grpSpPr>
-        <a:xfrm>
-          <a:off x="0" y="0"/>
-          <a:ext cx="0" cy="0"/>
-          <a:chOff x="0" y="0"/>
-          <a:chExt cx="0" cy="0"/>
-        </a:xfrm>
-      </p:grpSpPr>
-      <p:pic>
-        <p:nvPicPr>
-          <p:cNvPr id="195" name="Google Shape;195;p41"/>
-          <p:cNvPicPr preferRelativeResize="0"/>
-          <p:nvPr/>
-        </p:nvPicPr>
-        <p:blipFill rotWithShape="1">
-          <a:blip r:embed="rId3">
-            <a:alphaModFix/>
-          </a:blip>
-          <a:srcRect/>
-          <a:stretch/>
-        </p:blipFill>
-        <p:spPr>
-          <a:xfrm>
-            <a:off x="725562" y="775254"/>
-            <a:ext cx="7954612" cy="3616977"/>
-          </a:xfrm>
-          <a:prstGeom prst="rect">
-            <a:avLst/>
-          </a:prstGeom>
-          <a:noFill/>
-          <a:ln>
-            <a:noFill/>
-          </a:ln>
-        </p:spPr>
-      </p:pic>
-      <p:sp>
-        <p:nvSpPr>
-          <p:cNvPr id="2" name="Slide Number Placeholder 1">
-            <a:extLst>
-              <a:ext uri="{FF2B5EF4-FFF2-40B4-BE49-F238E27FC236}">
-                <a16:creationId xmlns:a16="http://schemas.microsoft.com/office/drawing/2014/main" id="{F7466FDC-186A-78F3-D750-AF153C480853}"/>
-              </a:ext>
-            </a:extLst>
-          </p:cNvPr>
-          <p:cNvSpPr>
-            <a:spLocks noGrp="1"/>
-          </p:cNvSpPr>
-          <p:nvPr>
-            <p:ph type="sldNum" idx="12"/>
-          </p:nvPr>
-        </p:nvSpPr>
-        <p:spPr/>
-        <p:txBody>
-          <a:bodyPr/>
-          <a:lstStyle/>
-          <a:p>
-            <a:pPr marL="0" lvl="0" indent="0" algn="ctr" rtl="0">
-              <a:spcBef>
-                <a:spcPts val="0"/>
-              </a:spcBef>
-              <a:spcAft>
-                <a:spcPts val="0"/>
-              </a:spcAft>
-              <a:buNone/>
-            </a:pPr>
-            <a:fld id="{00000000-1234-1234-1234-123412341234}" type="slidenum">
-              <a:rPr lang="en-US" smtClean="0"/>
-              <a:t>35</a:t>
-            </a:fld>
-            <a:endParaRPr lang="en-US"/>
-          </a:p>
-        </p:txBody>
-      </p:sp>
-    </p:spTree>
-  </p:cSld>
-  <p:clrMapOvr>
-    <a:masterClrMapping/>
-  </p:clrMapOvr>
-</p:sld>
-</file>
-
-<file path=ppt/slides/slide36.xml><?xml version="1.0" encoding="utf-8"?>
-<p:sld xmlns:a="http://schemas.openxmlformats.org/drawingml/2006/main" xmlns:r="http://schemas.openxmlformats.org/officeDocument/2006/relationships" xmlns:p="http://schemas.openxmlformats.org/presentationml/2006/main">
-  <p:cSld>
-    <p:spTree>
-      <p:nvGrpSpPr>
-        <p:cNvPr id="1" name="Shape 199"/>
-        <p:cNvGrpSpPr/>
-        <p:nvPr/>
-      </p:nvGrpSpPr>
-      <p:grpSpPr>
-        <a:xfrm>
-          <a:off x="0" y="0"/>
-          <a:ext cx="0" cy="0"/>
-          <a:chOff x="0" y="0"/>
-          <a:chExt cx="0" cy="0"/>
-        </a:xfrm>
-      </p:grpSpPr>
-      <p:pic>
-        <p:nvPicPr>
-          <p:cNvPr id="200" name="Google Shape;200;p42"/>
-          <p:cNvPicPr preferRelativeResize="0"/>
-          <p:nvPr/>
-        </p:nvPicPr>
-        <p:blipFill rotWithShape="1">
-          <a:blip r:embed="rId3">
-            <a:alphaModFix/>
-          </a:blip>
-          <a:srcRect/>
-          <a:stretch/>
-        </p:blipFill>
-        <p:spPr>
-          <a:xfrm>
-            <a:off x="304800" y="918978"/>
-            <a:ext cx="8534400" cy="3434362"/>
-          </a:xfrm>
-          <a:prstGeom prst="rect">
-            <a:avLst/>
-          </a:prstGeom>
-          <a:noFill/>
-          <a:ln>
-            <a:noFill/>
-          </a:ln>
-        </p:spPr>
-      </p:pic>
-      <p:sp>
-        <p:nvSpPr>
-          <p:cNvPr id="2" name="Slide Number Placeholder 1">
-            <a:extLst>
-              <a:ext uri="{FF2B5EF4-FFF2-40B4-BE49-F238E27FC236}">
-                <a16:creationId xmlns:a16="http://schemas.microsoft.com/office/drawing/2014/main" id="{F07EBFC5-0255-CCEB-6BEC-9CC993CE4C88}"/>
-              </a:ext>
-            </a:extLst>
-          </p:cNvPr>
-          <p:cNvSpPr>
-            <a:spLocks noGrp="1"/>
-          </p:cNvSpPr>
-          <p:nvPr>
-            <p:ph type="sldNum" idx="12"/>
-          </p:nvPr>
-        </p:nvSpPr>
-        <p:spPr/>
-        <p:txBody>
-          <a:bodyPr/>
-          <a:lstStyle/>
-          <a:p>
-            <a:pPr marL="0" lvl="0" indent="0" algn="ctr" rtl="0">
-              <a:spcBef>
-                <a:spcPts val="0"/>
-              </a:spcBef>
-              <a:spcAft>
-                <a:spcPts val="0"/>
-              </a:spcAft>
-              <a:buNone/>
-            </a:pPr>
-            <a:fld id="{00000000-1234-1234-1234-123412341234}" type="slidenum">
-              <a:rPr lang="en-US" smtClean="0"/>
-              <a:t>36</a:t>
-            </a:fld>
-            <a:endParaRPr lang="en-US"/>
-          </a:p>
-        </p:txBody>
-      </p:sp>
-    </p:spTree>
-  </p:cSld>
-  <p:clrMapOvr>
-    <a:masterClrMapping/>
-  </p:clrMapOvr>
-</p:sld>
-</file>
-
-<file path=ppt/slides/slide37.xml><?xml version="1.0" encoding="utf-8"?>
-<p:sld xmlns:a="http://schemas.openxmlformats.org/drawingml/2006/main" xmlns:r="http://schemas.openxmlformats.org/officeDocument/2006/relationships" xmlns:p="http://schemas.openxmlformats.org/presentationml/2006/main">
-  <p:cSld>
-    <p:spTree>
-      <p:nvGrpSpPr>
-        <p:cNvPr id="1" name="Shape 204"/>
-        <p:cNvGrpSpPr/>
-        <p:nvPr/>
-      </p:nvGrpSpPr>
-      <p:grpSpPr>
-        <a:xfrm>
-          <a:off x="0" y="0"/>
-          <a:ext cx="0" cy="0"/>
-          <a:chOff x="0" y="0"/>
-          <a:chExt cx="0" cy="0"/>
-        </a:xfrm>
-      </p:grpSpPr>
-      <p:sp>
-        <p:nvSpPr>
-          <p:cNvPr id="205" name="Google Shape;205;p43"/>
-          <p:cNvSpPr txBox="1">
-            <a:spLocks noGrp="1"/>
-          </p:cNvSpPr>
-          <p:nvPr>
-            <p:ph type="body" idx="1"/>
-          </p:nvPr>
-        </p:nvSpPr>
-        <p:spPr>
-          <a:xfrm>
-            <a:off x="202550" y="861975"/>
-            <a:ext cx="8629800" cy="3706800"/>
-          </a:xfrm>
-          <a:prstGeom prst="rect">
-            <a:avLst/>
-          </a:prstGeom>
-          <a:noFill/>
-          <a:ln>
-            <a:noFill/>
-          </a:ln>
-        </p:spPr>
-        <p:txBody>
-          <a:bodyPr spcFirstLastPara="1" wrap="square" lIns="91425" tIns="91425" rIns="91425" bIns="91425" anchor="t" anchorCtr="0">
-            <a:noAutofit/>
-          </a:bodyPr>
-          <a:lstStyle/>
-          <a:p>
-            <a:pPr marL="457200" lvl="0" indent="-317500" algn="just" rtl="0">
-              <a:lnSpc>
-                <a:spcPct val="115000"/>
-              </a:lnSpc>
-              <a:spcBef>
-                <a:spcPts val="0"/>
-              </a:spcBef>
-              <a:spcAft>
-                <a:spcPts val="0"/>
-              </a:spcAft>
-              <a:buSzPts val="1400"/>
-              <a:buFont typeface="Nunito"/>
-              <a:buChar char="●"/>
-            </a:pPr>
-            <a:r>
-              <a:rPr lang="en-US" sz="1400"/>
-              <a:t>The Statistics give insights into different attributes of the dataset. We have shown the results for BAD, CLAGE, and CLNO to understand how these variables behave at each stage. Other attributes like DEBTINC, DELINQ, DEROG, JOB, LOAN, MORTDUE, NINQ, REASON, VALUE, and YOJ are also available in the dataset you can explore them in the same way using the Statistics operator to understand their patterns and values.</a:t>
-            </a:r>
-            <a:endParaRPr sz="1400"/>
-          </a:p>
-          <a:p>
-            <a:pPr marL="457200" lvl="0" indent="-317500" algn="just" rtl="0">
-              <a:lnSpc>
-                <a:spcPct val="115000"/>
-              </a:lnSpc>
-              <a:spcBef>
-                <a:spcPts val="0"/>
-              </a:spcBef>
-              <a:spcAft>
-                <a:spcPts val="0"/>
-              </a:spcAft>
-              <a:buSzPts val="1400"/>
-              <a:buChar char="●"/>
-            </a:pPr>
-            <a:r>
-              <a:rPr lang="en-US" sz="1400"/>
-              <a:t>Add your insights and observations regarding the attributes you analyze in order to gain a deeper understanding of the data.</a:t>
-            </a:r>
-            <a:endParaRPr sz="1400"/>
-          </a:p>
-        </p:txBody>
-      </p:sp>
-      <p:sp>
-        <p:nvSpPr>
-          <p:cNvPr id="2" name="Slide Number Placeholder 1">
-            <a:extLst>
-              <a:ext uri="{FF2B5EF4-FFF2-40B4-BE49-F238E27FC236}">
-                <a16:creationId xmlns:a16="http://schemas.microsoft.com/office/drawing/2014/main" id="{30F6E42A-2E01-2313-B9AF-A4E33B79B4F3}"/>
-              </a:ext>
-            </a:extLst>
-          </p:cNvPr>
-          <p:cNvSpPr>
-            <a:spLocks noGrp="1"/>
-          </p:cNvSpPr>
-          <p:nvPr>
-            <p:ph type="sldNum" idx="12"/>
-          </p:nvPr>
-        </p:nvSpPr>
-        <p:spPr/>
-        <p:txBody>
-          <a:bodyPr/>
-          <a:lstStyle/>
-          <a:p>
-            <a:pPr marL="0" lvl="0" indent="0" algn="ctr" rtl="0">
-              <a:spcBef>
-                <a:spcPts val="0"/>
-              </a:spcBef>
-              <a:spcAft>
-                <a:spcPts val="0"/>
-              </a:spcAft>
-              <a:buNone/>
-            </a:pPr>
-            <a:fld id="{00000000-1234-1234-1234-123412341234}" type="slidenum">
-              <a:rPr lang="en-US" smtClean="0"/>
-              <a:t>37</a:t>
-            </a:fld>
-            <a:endParaRPr lang="en-US"/>
-          </a:p>
-        </p:txBody>
-      </p:sp>
-    </p:spTree>
-  </p:cSld>
-  <p:clrMapOvr>
-    <a:masterClrMapping/>
-  </p:clrMapOvr>
-</p:sld>
-</file>
-
 <file path=ppt/slides/slide38.xml><?xml version="1.0" encoding="utf-8"?>
 <p:sld xmlns:a="http://schemas.openxmlformats.org/drawingml/2006/main" xmlns:r="http://schemas.openxmlformats.org/officeDocument/2006/relationships" xmlns:p="http://schemas.openxmlformats.org/presentationml/2006/main">
   <p:cSld>
@@ -42981,7 +44271,7 @@
               <a:buNone/>
             </a:pPr>
             <a:r>
-              <a:rPr lang="en-US" sz="2200" b="1" i="0" u="none" strike="noStrike" cap="none">
+              <a:rPr lang="en-US" sz="2200" b="1" i="0" u="none" strike="noStrike" cap="none" dirty="0">
                 <a:solidFill>
                   <a:schemeClr val="lt2"/>
                 </a:solidFill>
@@ -42992,7 +44282,7 @@
               </a:rPr>
               <a:t>Statistics after Preprocessing:</a:t>
             </a:r>
-            <a:endParaRPr sz="2200" b="1" i="0" u="none" strike="noStrike" cap="none">
+            <a:endParaRPr sz="2200" b="1" i="0" u="none" strike="noStrike" cap="none" dirty="0">
               <a:solidFill>
                 <a:schemeClr val="lt2"/>
               </a:solidFill>
@@ -43016,8 +44306,8 @@
         </p:nvSpPr>
         <p:spPr>
           <a:xfrm>
-            <a:off x="202550" y="728051"/>
-            <a:ext cx="8629800" cy="1143600"/>
+            <a:off x="147950" y="919437"/>
+            <a:ext cx="8629800" cy="2569135"/>
           </a:xfrm>
           <a:prstGeom prst="rect">
             <a:avLst/>
@@ -43051,7 +44341,7 @@
               <a:buChar char="●"/>
             </a:pPr>
             <a:r>
-              <a:rPr lang="en-US" sz="1400">
+              <a:rPr lang="en-US" sz="1400" dirty="0">
                 <a:solidFill>
                   <a:schemeClr val="dk1"/>
                 </a:solidFill>
@@ -43062,37 +44352,97 @@
               </a:rPr>
               <a:t>After performing preprocessing steps such as missing value replacement, nominal-to-numerical conversion, and normalization, the statistics were again used to verify the changes and improvements. This helped confirm that data cleaning and transformations were applied correctly and that the dataset was now ready for modeling.</a:t>
             </a:r>
-            <a:endParaRPr/>
+          </a:p>
+          <a:p>
+            <a:pPr marL="457200" lvl="0" indent="-317500" algn="just" rtl="0">
+              <a:lnSpc>
+                <a:spcPct val="115000"/>
+              </a:lnSpc>
+              <a:spcBef>
+                <a:spcPts val="1000"/>
+              </a:spcBef>
+              <a:spcAft>
+                <a:spcPts val="0"/>
+              </a:spcAft>
+              <a:buClr>
+                <a:schemeClr val="dk1"/>
+              </a:buClr>
+              <a:buSzPts val="1400"/>
+              <a:buFont typeface="Century Gothic"/>
+              <a:buChar char="●"/>
+            </a:pPr>
+            <a:r>
+              <a:rPr lang="en-US" sz="1400" dirty="0">
+                <a:solidFill>
+                  <a:schemeClr val="dk1"/>
+                </a:solidFill>
+                <a:latin typeface="Century Gothic"/>
+                <a:sym typeface="Century Gothic"/>
+              </a:rPr>
+              <a:t>Based on the information available in this slide deck, it is impossible to verify what normalization techniques were used in feature engineering.</a:t>
+            </a:r>
+          </a:p>
+          <a:p>
+            <a:pPr marL="457200" lvl="0" indent="-317500" algn="just" rtl="0">
+              <a:lnSpc>
+                <a:spcPct val="115000"/>
+              </a:lnSpc>
+              <a:spcBef>
+                <a:spcPts val="1000"/>
+              </a:spcBef>
+              <a:spcAft>
+                <a:spcPts val="0"/>
+              </a:spcAft>
+              <a:buClr>
+                <a:schemeClr val="dk1"/>
+              </a:buClr>
+              <a:buSzPts val="1400"/>
+              <a:buFont typeface="Century Gothic"/>
+              <a:buChar char="●"/>
+            </a:pPr>
+            <a:r>
+              <a:rPr lang="en-US" sz="1400" dirty="0">
+                <a:solidFill>
+                  <a:schemeClr val="dk1"/>
+                </a:solidFill>
+                <a:latin typeface="Century Gothic"/>
+                <a:sym typeface="Century Gothic"/>
+              </a:rPr>
+              <a:t>Analysis here is best guess. For more detailed insights, review to the subsections entitled:</a:t>
+            </a:r>
+            <a:br>
+              <a:rPr lang="en-US" sz="1400" dirty="0">
+                <a:solidFill>
+                  <a:schemeClr val="dk1"/>
+                </a:solidFill>
+                <a:latin typeface="Century Gothic"/>
+                <a:sym typeface="Century Gothic"/>
+              </a:rPr>
+            </a:br>
+            <a:r>
+              <a:rPr lang="en-US" sz="1400" b="1" u="sng" dirty="0">
+                <a:solidFill>
+                  <a:schemeClr val="dk1"/>
+                </a:solidFill>
+                <a:latin typeface="Century Gothic"/>
+                <a:sym typeface="Century Gothic"/>
+              </a:rPr>
+              <a:t>Statistical Analysis – Normalized Features</a:t>
+            </a:r>
+            <a:r>
+              <a:rPr lang="en-US" sz="1400" dirty="0">
+                <a:solidFill>
+                  <a:schemeClr val="dk1"/>
+                </a:solidFill>
+                <a:latin typeface="Century Gothic"/>
+                <a:sym typeface="Century Gothic"/>
+              </a:rPr>
+              <a:t> </a:t>
+            </a:r>
+            <a:endParaRPr dirty="0"/>
           </a:p>
         </p:txBody>
       </p:sp>
-      <p:pic>
-        <p:nvPicPr>
-          <p:cNvPr id="212" name="Google Shape;212;p44"/>
-          <p:cNvPicPr preferRelativeResize="0"/>
-          <p:nvPr/>
-        </p:nvPicPr>
-        <p:blipFill rotWithShape="1">
-          <a:blip r:embed="rId3">
-            <a:alphaModFix/>
-          </a:blip>
-          <a:srcRect/>
-          <a:stretch/>
-        </p:blipFill>
-        <p:spPr>
-          <a:xfrm>
-            <a:off x="514293" y="1934950"/>
-            <a:ext cx="7721936" cy="3302461"/>
-          </a:xfrm>
-          <a:prstGeom prst="rect">
-            <a:avLst/>
-          </a:prstGeom>
-          <a:noFill/>
-          <a:ln>
-            <a:noFill/>
-          </a:ln>
-        </p:spPr>
-      </p:pic>
       <p:sp>
         <p:nvSpPr>
           <p:cNvPr id="2" name="Slide Number Placeholder 1">
@@ -43171,8 +44521,8 @@
         </p:blipFill>
         <p:spPr>
           <a:xfrm>
-            <a:off x="219711" y="614922"/>
-            <a:ext cx="8321315" cy="3913656"/>
+            <a:off x="403689" y="644674"/>
+            <a:ext cx="7832680" cy="3157128"/>
           </a:xfrm>
           <a:prstGeom prst="rect">
             <a:avLst/>
@@ -43218,6 +44568,463 @@
               <a:t>39</a:t>
             </a:fld>
             <a:endParaRPr lang="en-US"/>
+          </a:p>
+        </p:txBody>
+      </p:sp>
+      <p:sp>
+        <p:nvSpPr>
+          <p:cNvPr id="3" name="Google Shape;210;p44">
+            <a:extLst>
+              <a:ext uri="{FF2B5EF4-FFF2-40B4-BE49-F238E27FC236}">
+                <a16:creationId xmlns:a16="http://schemas.microsoft.com/office/drawing/2014/main" id="{F992FD17-2D1A-07B6-57FC-162C45F6A7C2}"/>
+              </a:ext>
+            </a:extLst>
+          </p:cNvPr>
+          <p:cNvSpPr txBox="1"/>
+          <p:nvPr/>
+        </p:nvSpPr>
+        <p:spPr>
+          <a:xfrm>
+            <a:off x="219711" y="104981"/>
+            <a:ext cx="8520600" cy="572700"/>
+          </a:xfrm>
+          <a:prstGeom prst="rect">
+            <a:avLst/>
+          </a:prstGeom>
+          <a:noFill/>
+          <a:ln>
+            <a:noFill/>
+          </a:ln>
+        </p:spPr>
+        <p:txBody>
+          <a:bodyPr spcFirstLastPara="1" wrap="square" lIns="91425" tIns="91425" rIns="91425" bIns="91425" anchor="t" anchorCtr="0">
+            <a:noAutofit/>
+          </a:bodyPr>
+          <a:lstStyle/>
+          <a:p>
+            <a:pPr marL="0" marR="0" lvl="0" indent="0" algn="l" rtl="0">
+              <a:lnSpc>
+                <a:spcPct val="100000"/>
+              </a:lnSpc>
+              <a:spcBef>
+                <a:spcPts val="0"/>
+              </a:spcBef>
+              <a:spcAft>
+                <a:spcPts val="0"/>
+              </a:spcAft>
+              <a:buClr>
+                <a:srgbClr val="000000"/>
+              </a:buClr>
+              <a:buSzPts val="2200"/>
+              <a:buFont typeface="Arial"/>
+              <a:buNone/>
+            </a:pPr>
+            <a:r>
+              <a:rPr lang="en-US" sz="2200" b="1" i="0" u="none" strike="noStrike" cap="none" dirty="0">
+                <a:solidFill>
+                  <a:schemeClr val="lt2"/>
+                </a:solidFill>
+                <a:latin typeface="Century Gothic"/>
+                <a:ea typeface="Century Gothic"/>
+                <a:cs typeface="Century Gothic"/>
+                <a:sym typeface="Century Gothic"/>
+              </a:rPr>
+              <a:t>Statistics after Preprocessing:</a:t>
+            </a:r>
+            <a:endParaRPr sz="2200" b="1" i="0" u="none" strike="noStrike" cap="none" dirty="0">
+              <a:solidFill>
+                <a:schemeClr val="lt2"/>
+              </a:solidFill>
+              <a:latin typeface="Century Gothic"/>
+              <a:ea typeface="Century Gothic"/>
+              <a:cs typeface="Century Gothic"/>
+              <a:sym typeface="Century Gothic"/>
+            </a:endParaRPr>
+          </a:p>
+        </p:txBody>
+      </p:sp>
+      <p:sp>
+        <p:nvSpPr>
+          <p:cNvPr id="4" name="Google Shape;190;p40">
+            <a:extLst>
+              <a:ext uri="{FF2B5EF4-FFF2-40B4-BE49-F238E27FC236}">
+                <a16:creationId xmlns:a16="http://schemas.microsoft.com/office/drawing/2014/main" id="{FB354637-9BDA-8B3D-2C1F-5F7935E67390}"/>
+              </a:ext>
+            </a:extLst>
+          </p:cNvPr>
+          <p:cNvSpPr txBox="1">
+            <a:spLocks/>
+          </p:cNvSpPr>
+          <p:nvPr/>
+        </p:nvSpPr>
+        <p:spPr>
+          <a:xfrm>
+            <a:off x="257100" y="3652609"/>
+            <a:ext cx="8629800" cy="1136691"/>
+          </a:xfrm>
+          <a:prstGeom prst="rect">
+            <a:avLst/>
+          </a:prstGeom>
+          <a:noFill/>
+          <a:ln>
+            <a:noFill/>
+          </a:ln>
+        </p:spPr>
+        <p:txBody>
+          <a:bodyPr spcFirstLastPara="1" wrap="square" lIns="91425" tIns="91425" rIns="91425" bIns="91425" anchor="t" anchorCtr="0">
+            <a:spAutoFit/>
+          </a:bodyPr>
+          <a:lstStyle>
+            <a:defPPr marR="0" lvl="0" algn="l" rtl="0">
+              <a:lnSpc>
+                <a:spcPct val="100000"/>
+              </a:lnSpc>
+              <a:spcBef>
+                <a:spcPts val="0"/>
+              </a:spcBef>
+              <a:spcAft>
+                <a:spcPts val="0"/>
+              </a:spcAft>
+            </a:defPPr>
+            <a:lvl1pPr marL="457200" marR="0" lvl="0" indent="-323850" algn="l" rtl="0">
+              <a:lnSpc>
+                <a:spcPct val="115000"/>
+              </a:lnSpc>
+              <a:spcBef>
+                <a:spcPts val="0"/>
+              </a:spcBef>
+              <a:spcAft>
+                <a:spcPts val="0"/>
+              </a:spcAft>
+              <a:buClr>
+                <a:schemeClr val="dk2"/>
+              </a:buClr>
+              <a:buSzPts val="1500"/>
+              <a:buFont typeface="Nunito"/>
+              <a:buChar char="●"/>
+              <a:defRPr sz="1500" b="0" i="0" u="none" strike="noStrike" cap="none">
+                <a:solidFill>
+                  <a:schemeClr val="dk2"/>
+                </a:solidFill>
+                <a:latin typeface="Nunito"/>
+                <a:ea typeface="Nunito"/>
+                <a:cs typeface="Nunito"/>
+                <a:sym typeface="Nunito"/>
+              </a:defRPr>
+            </a:lvl1pPr>
+            <a:lvl2pPr marL="914400" marR="0" lvl="1" indent="-311150" algn="l" rtl="0">
+              <a:lnSpc>
+                <a:spcPct val="115000"/>
+              </a:lnSpc>
+              <a:spcBef>
+                <a:spcPts val="1600"/>
+              </a:spcBef>
+              <a:spcAft>
+                <a:spcPts val="0"/>
+              </a:spcAft>
+              <a:buClr>
+                <a:schemeClr val="dk2"/>
+              </a:buClr>
+              <a:buSzPts val="1300"/>
+              <a:buFont typeface="Nunito"/>
+              <a:buChar char="○"/>
+              <a:defRPr sz="1300" b="0" i="0" u="none" strike="noStrike" cap="none">
+                <a:solidFill>
+                  <a:schemeClr val="dk2"/>
+                </a:solidFill>
+                <a:latin typeface="Nunito"/>
+                <a:ea typeface="Nunito"/>
+                <a:cs typeface="Nunito"/>
+                <a:sym typeface="Nunito"/>
+              </a:defRPr>
+            </a:lvl2pPr>
+            <a:lvl3pPr marL="1371600" marR="0" lvl="2" indent="-304800" algn="l" rtl="0">
+              <a:lnSpc>
+                <a:spcPct val="115000"/>
+              </a:lnSpc>
+              <a:spcBef>
+                <a:spcPts val="1600"/>
+              </a:spcBef>
+              <a:spcAft>
+                <a:spcPts val="0"/>
+              </a:spcAft>
+              <a:buClr>
+                <a:schemeClr val="dk2"/>
+              </a:buClr>
+              <a:buSzPts val="1200"/>
+              <a:buFont typeface="Nunito"/>
+              <a:buChar char="■"/>
+              <a:defRPr sz="1200" b="0" i="0" u="none" strike="noStrike" cap="none">
+                <a:solidFill>
+                  <a:schemeClr val="dk2"/>
+                </a:solidFill>
+                <a:latin typeface="Nunito"/>
+                <a:ea typeface="Nunito"/>
+                <a:cs typeface="Nunito"/>
+                <a:sym typeface="Nunito"/>
+              </a:defRPr>
+            </a:lvl3pPr>
+            <a:lvl4pPr marL="1828800" marR="0" lvl="3" indent="-298450" algn="l" rtl="0">
+              <a:lnSpc>
+                <a:spcPct val="115000"/>
+              </a:lnSpc>
+              <a:spcBef>
+                <a:spcPts val="1600"/>
+              </a:spcBef>
+              <a:spcAft>
+                <a:spcPts val="0"/>
+              </a:spcAft>
+              <a:buClr>
+                <a:schemeClr val="dk2"/>
+              </a:buClr>
+              <a:buSzPts val="1100"/>
+              <a:buFont typeface="Nunito"/>
+              <a:buChar char="●"/>
+              <a:defRPr sz="1100" b="0" i="0" u="none" strike="noStrike" cap="none">
+                <a:solidFill>
+                  <a:schemeClr val="dk2"/>
+                </a:solidFill>
+                <a:latin typeface="Nunito"/>
+                <a:ea typeface="Nunito"/>
+                <a:cs typeface="Nunito"/>
+                <a:sym typeface="Nunito"/>
+              </a:defRPr>
+            </a:lvl4pPr>
+            <a:lvl5pPr marL="2286000" marR="0" lvl="4" indent="-292100" algn="l" rtl="0">
+              <a:lnSpc>
+                <a:spcPct val="115000"/>
+              </a:lnSpc>
+              <a:spcBef>
+                <a:spcPts val="1600"/>
+              </a:spcBef>
+              <a:spcAft>
+                <a:spcPts val="0"/>
+              </a:spcAft>
+              <a:buClr>
+                <a:schemeClr val="dk2"/>
+              </a:buClr>
+              <a:buSzPts val="1000"/>
+              <a:buFont typeface="Nunito"/>
+              <a:buChar char="○"/>
+              <a:defRPr sz="1000" b="0" i="0" u="none" strike="noStrike" cap="none">
+                <a:solidFill>
+                  <a:schemeClr val="dk2"/>
+                </a:solidFill>
+                <a:latin typeface="Nunito"/>
+                <a:ea typeface="Nunito"/>
+                <a:cs typeface="Nunito"/>
+                <a:sym typeface="Nunito"/>
+              </a:defRPr>
+            </a:lvl5pPr>
+            <a:lvl6pPr marL="2743200" marR="0" lvl="5" indent="-285750" algn="l" rtl="0">
+              <a:lnSpc>
+                <a:spcPct val="115000"/>
+              </a:lnSpc>
+              <a:spcBef>
+                <a:spcPts val="1600"/>
+              </a:spcBef>
+              <a:spcAft>
+                <a:spcPts val="0"/>
+              </a:spcAft>
+              <a:buClr>
+                <a:schemeClr val="dk2"/>
+              </a:buClr>
+              <a:buSzPts val="900"/>
+              <a:buFont typeface="Nunito"/>
+              <a:buChar char="■"/>
+              <a:defRPr sz="900" b="0" i="0" u="none" strike="noStrike" cap="none">
+                <a:solidFill>
+                  <a:schemeClr val="dk2"/>
+                </a:solidFill>
+                <a:latin typeface="Nunito"/>
+                <a:ea typeface="Nunito"/>
+                <a:cs typeface="Nunito"/>
+                <a:sym typeface="Nunito"/>
+              </a:defRPr>
+            </a:lvl6pPr>
+            <a:lvl7pPr marL="3200400" marR="0" lvl="6" indent="-279400" algn="l" rtl="0">
+              <a:lnSpc>
+                <a:spcPct val="115000"/>
+              </a:lnSpc>
+              <a:spcBef>
+                <a:spcPts val="1600"/>
+              </a:spcBef>
+              <a:spcAft>
+                <a:spcPts val="0"/>
+              </a:spcAft>
+              <a:buClr>
+                <a:schemeClr val="dk2"/>
+              </a:buClr>
+              <a:buSzPts val="800"/>
+              <a:buFont typeface="Nunito"/>
+              <a:buChar char="●"/>
+              <a:defRPr sz="800" b="0" i="0" u="none" strike="noStrike" cap="none">
+                <a:solidFill>
+                  <a:schemeClr val="dk2"/>
+                </a:solidFill>
+                <a:latin typeface="Nunito"/>
+                <a:ea typeface="Nunito"/>
+                <a:cs typeface="Nunito"/>
+                <a:sym typeface="Nunito"/>
+              </a:defRPr>
+            </a:lvl7pPr>
+            <a:lvl8pPr marL="3657600" marR="0" lvl="7" indent="-273050" algn="l" rtl="0">
+              <a:lnSpc>
+                <a:spcPct val="115000"/>
+              </a:lnSpc>
+              <a:spcBef>
+                <a:spcPts val="1600"/>
+              </a:spcBef>
+              <a:spcAft>
+                <a:spcPts val="0"/>
+              </a:spcAft>
+              <a:buClr>
+                <a:schemeClr val="dk2"/>
+              </a:buClr>
+              <a:buSzPts val="700"/>
+              <a:buFont typeface="Nunito"/>
+              <a:buChar char="○"/>
+              <a:defRPr sz="700" b="0" i="0" u="none" strike="noStrike" cap="none">
+                <a:solidFill>
+                  <a:schemeClr val="dk2"/>
+                </a:solidFill>
+                <a:latin typeface="Nunito"/>
+                <a:ea typeface="Nunito"/>
+                <a:cs typeface="Nunito"/>
+                <a:sym typeface="Nunito"/>
+              </a:defRPr>
+            </a:lvl8pPr>
+            <a:lvl9pPr marL="4114800" marR="0" lvl="8" indent="-266700" algn="l" rtl="0">
+              <a:lnSpc>
+                <a:spcPct val="115000"/>
+              </a:lnSpc>
+              <a:spcBef>
+                <a:spcPts val="1600"/>
+              </a:spcBef>
+              <a:spcAft>
+                <a:spcPts val="1600"/>
+              </a:spcAft>
+              <a:buClr>
+                <a:schemeClr val="dk2"/>
+              </a:buClr>
+              <a:buSzPts val="600"/>
+              <a:buFont typeface="Nunito"/>
+              <a:buChar char="■"/>
+              <a:defRPr sz="600" b="0" i="0" u="none" strike="noStrike" cap="none">
+                <a:solidFill>
+                  <a:schemeClr val="dk2"/>
+                </a:solidFill>
+                <a:latin typeface="Nunito"/>
+                <a:ea typeface="Nunito"/>
+                <a:cs typeface="Nunito"/>
+                <a:sym typeface="Nunito"/>
+              </a:defRPr>
+            </a:lvl9pPr>
+          </a:lstStyle>
+          <a:p>
+            <a:pPr marL="139700" indent="0" algn="just">
+              <a:spcBef>
+                <a:spcPts val="200"/>
+              </a:spcBef>
+              <a:buClr>
+                <a:schemeClr val="dk1"/>
+              </a:buClr>
+              <a:buSzPts val="1400"/>
+              <a:buNone/>
+            </a:pPr>
+            <a:r>
+              <a:rPr lang="en-US" sz="1200" b="1" dirty="0">
+                <a:solidFill>
+                  <a:schemeClr val="dk1"/>
+                </a:solidFill>
+                <a:latin typeface="Century Gothic"/>
+                <a:ea typeface="Century Gothic"/>
+                <a:cs typeface="Century Gothic"/>
+                <a:sym typeface="Century Gothic"/>
+              </a:rPr>
+              <a:t>Observations</a:t>
+            </a:r>
+            <a:r>
+              <a:rPr lang="en-US" sz="1200" dirty="0">
+                <a:solidFill>
+                  <a:schemeClr val="dk1"/>
+                </a:solidFill>
+                <a:latin typeface="Century Gothic"/>
+                <a:ea typeface="Century Gothic"/>
+                <a:cs typeface="Century Gothic"/>
+                <a:sym typeface="Century Gothic"/>
+              </a:rPr>
+              <a:t>:</a:t>
+            </a:r>
+          </a:p>
+          <a:p>
+            <a:pPr marL="311150" indent="-171450" algn="just">
+              <a:spcBef>
+                <a:spcPts val="200"/>
+              </a:spcBef>
+              <a:buClr>
+                <a:schemeClr val="dk1"/>
+              </a:buClr>
+              <a:buSzPts val="1400"/>
+            </a:pPr>
+            <a:r>
+              <a:rPr lang="en-US" sz="1200" dirty="0">
+                <a:solidFill>
+                  <a:schemeClr val="dk1"/>
+                </a:solidFill>
+                <a:latin typeface="Century Gothic"/>
+                <a:ea typeface="Century Gothic"/>
+                <a:cs typeface="Century Gothic"/>
+                <a:sym typeface="Century Gothic"/>
+              </a:rPr>
+              <a:t>Missing values imputed.</a:t>
+            </a:r>
+          </a:p>
+          <a:p>
+            <a:pPr marL="311150" indent="-171450" algn="just">
+              <a:spcBef>
+                <a:spcPts val="200"/>
+              </a:spcBef>
+              <a:buClr>
+                <a:schemeClr val="dk1"/>
+              </a:buClr>
+              <a:buSzPts val="1400"/>
+            </a:pPr>
+            <a:r>
+              <a:rPr lang="en-US" sz="1200" dirty="0">
+                <a:solidFill>
+                  <a:schemeClr val="dk1"/>
+                </a:solidFill>
+                <a:latin typeface="Century Gothic"/>
+                <a:ea typeface="Century Gothic"/>
+                <a:cs typeface="Century Gothic"/>
+                <a:sym typeface="Century Gothic"/>
+              </a:rPr>
+              <a:t>Distribution more normalized</a:t>
+            </a:r>
+          </a:p>
+          <a:p>
+            <a:pPr marL="311150" indent="-171450" algn="just">
+              <a:spcBef>
+                <a:spcPts val="200"/>
+              </a:spcBef>
+              <a:buClr>
+                <a:schemeClr val="dk1"/>
+              </a:buClr>
+              <a:buSzPts val="1400"/>
+            </a:pPr>
+            <a:r>
+              <a:rPr lang="en-US" sz="1200" dirty="0">
+                <a:solidFill>
+                  <a:schemeClr val="dk1"/>
+                </a:solidFill>
+                <a:latin typeface="Century Gothic"/>
+                <a:ea typeface="Century Gothic"/>
+                <a:cs typeface="Century Gothic"/>
+                <a:sym typeface="Century Gothic"/>
+              </a:rPr>
+              <a:t>Outliers compressed</a:t>
+            </a:r>
           </a:p>
         </p:txBody>
       </p:sp>
@@ -43358,7 +45165,7 @@
               <a:buFont typeface="Century Gothic"/>
               <a:buNone/>
             </a:pPr>
-            <a:endParaRPr sz="1200">
+            <a:endParaRPr sz="1200" dirty="0">
               <a:solidFill>
                 <a:schemeClr val="dk1"/>
               </a:solidFill>
@@ -43387,7 +45194,7 @@
               <a:buChar char="●"/>
             </a:pPr>
             <a:r>
-              <a:rPr lang="en-US" sz="1200">
+              <a:rPr lang="en-US" sz="1200" dirty="0">
                 <a:solidFill>
                   <a:schemeClr val="dk1"/>
                 </a:solidFill>
@@ -43398,7 +45205,7 @@
               </a:rPr>
               <a:t>DEROG: Number of major derogatory reports (serious delinquency/late payments)</a:t>
             </a:r>
-            <a:endParaRPr/>
+            <a:endParaRPr dirty="0"/>
           </a:p>
           <a:p>
             <a:pPr marL="457200" lvl="0" indent="-304800" algn="l" rtl="0">
@@ -43419,7 +45226,7 @@
               <a:buChar char="●"/>
             </a:pPr>
             <a:r>
-              <a:rPr lang="en-US" sz="1200">
+              <a:rPr lang="en-US" sz="1200" dirty="0">
                 <a:solidFill>
                   <a:schemeClr val="dk1"/>
                 </a:solidFill>
@@ -43430,7 +45237,7 @@
               </a:rPr>
               <a:t>DELINQ: Number of delinquent credit lines (past due payments)</a:t>
             </a:r>
-            <a:endParaRPr/>
+            <a:endParaRPr dirty="0"/>
           </a:p>
           <a:p>
             <a:pPr marL="457200" lvl="0" indent="-304800" algn="l" rtl="0">
@@ -43451,7 +45258,7 @@
               <a:buChar char="●"/>
             </a:pPr>
             <a:r>
-              <a:rPr lang="en-US" sz="1200">
+              <a:rPr lang="en-US" sz="1200" dirty="0">
                 <a:solidFill>
                   <a:schemeClr val="dk1"/>
                 </a:solidFill>
@@ -43462,7 +45269,7 @@
               </a:rPr>
               <a:t>CLAGE: Age of the oldest credit line in months</a:t>
             </a:r>
-            <a:endParaRPr/>
+            <a:endParaRPr dirty="0"/>
           </a:p>
           <a:p>
             <a:pPr marL="457200" lvl="0" indent="-304800" algn="l" rtl="0">
@@ -43483,7 +45290,7 @@
               <a:buChar char="●"/>
             </a:pPr>
             <a:r>
-              <a:rPr lang="en-US" sz="1200">
+              <a:rPr lang="en-US" sz="1200" dirty="0">
                 <a:solidFill>
                   <a:schemeClr val="dk1"/>
                 </a:solidFill>
@@ -43494,7 +45301,7 @@
               </a:rPr>
               <a:t>NINQ: Number of recent credit inquiries</a:t>
             </a:r>
-            <a:endParaRPr/>
+            <a:endParaRPr dirty="0"/>
           </a:p>
           <a:p>
             <a:pPr marL="457200" lvl="0" indent="-304800" algn="l" rtl="0">
@@ -43515,7 +45322,7 @@
               <a:buChar char="●"/>
             </a:pPr>
             <a:r>
-              <a:rPr lang="en-US" sz="1200">
+              <a:rPr lang="en-US" sz="1200" dirty="0">
                 <a:solidFill>
                   <a:schemeClr val="dk1"/>
                 </a:solidFill>
@@ -43526,7 +45333,7 @@
               </a:rPr>
               <a:t>CLNO: Number of existing credit lines</a:t>
             </a:r>
-            <a:endParaRPr/>
+            <a:endParaRPr dirty="0"/>
           </a:p>
           <a:p>
             <a:pPr marL="457200" lvl="0" indent="-304800" algn="l" rtl="0">
@@ -43547,7 +45354,7 @@
               <a:buChar char="●"/>
             </a:pPr>
             <a:r>
-              <a:rPr lang="en-US" sz="1200">
+              <a:rPr lang="en-US" sz="1200" dirty="0">
                 <a:solidFill>
                   <a:schemeClr val="dk1"/>
                 </a:solidFill>
@@ -43558,7 +45365,7 @@
               </a:rPr>
               <a:t>DEBTINC: Debt-to-income ratio (all monthly debt payments divided by gross monthly income)</a:t>
             </a:r>
-            <a:endParaRPr/>
+            <a:endParaRPr dirty="0"/>
           </a:p>
           <a:p>
             <a:pPr marL="914400" lvl="0" indent="-228600" algn="l" rtl="0">
@@ -43578,7 +45385,7 @@
               <a:buFont typeface="Century Gothic"/>
               <a:buNone/>
             </a:pPr>
-            <a:endParaRPr sz="1200">
+            <a:endParaRPr sz="1200" dirty="0">
               <a:solidFill>
                 <a:schemeClr val="dk1"/>
               </a:solidFill>
@@ -43641,140 +45448,6 @@
   <p:cSld>
     <p:spTree>
       <p:nvGrpSpPr>
-        <p:cNvPr id="1" name="Shape 221"/>
-        <p:cNvGrpSpPr/>
-        <p:nvPr/>
-      </p:nvGrpSpPr>
-      <p:grpSpPr>
-        <a:xfrm>
-          <a:off x="0" y="0"/>
-          <a:ext cx="0" cy="0"/>
-          <a:chOff x="0" y="0"/>
-          <a:chExt cx="0" cy="0"/>
-        </a:xfrm>
-      </p:grpSpPr>
-      <p:sp>
-        <p:nvSpPr>
-          <p:cNvPr id="222" name="Google Shape;222;p46"/>
-          <p:cNvSpPr txBox="1">
-            <a:spLocks noGrp="1"/>
-          </p:cNvSpPr>
-          <p:nvPr>
-            <p:ph type="body" idx="1"/>
-          </p:nvPr>
-        </p:nvSpPr>
-        <p:spPr>
-          <a:xfrm>
-            <a:off x="202550" y="861975"/>
-            <a:ext cx="8629800" cy="3706800"/>
-          </a:xfrm>
-          <a:prstGeom prst="rect">
-            <a:avLst/>
-          </a:prstGeom>
-          <a:noFill/>
-          <a:ln>
-            <a:noFill/>
-          </a:ln>
-        </p:spPr>
-        <p:txBody>
-          <a:bodyPr spcFirstLastPara="1" wrap="square" lIns="91425" tIns="91425" rIns="91425" bIns="91425" anchor="t" anchorCtr="0">
-            <a:noAutofit/>
-          </a:bodyPr>
-          <a:lstStyle/>
-          <a:p>
-            <a:pPr marL="457200" lvl="0" indent="-317500" algn="just" rtl="0">
-              <a:lnSpc>
-                <a:spcPct val="115000"/>
-              </a:lnSpc>
-              <a:spcBef>
-                <a:spcPts val="0"/>
-              </a:spcBef>
-              <a:spcAft>
-                <a:spcPts val="0"/>
-              </a:spcAft>
-              <a:buSzPts val="1400"/>
-              <a:buFont typeface="Nunito"/>
-              <a:buChar char="●"/>
-            </a:pPr>
-            <a:r>
-              <a:rPr lang="en-US" sz="1400"/>
-              <a:t>The Statistics give insights into different attributes of the dataset. We have shown the results for BAD_nom, CLAGE, and CLNO to understand how these variables behave after preprocessing. Other attributes like DEBTINC, DELINQ, DEROG, JOB_Mgr, JOB_Office, JOB_Other, JOB_ProfExe, JOB_Sales, JOB_Self, LOAN, MORTDUE, NINQ, REASON_DebtCon, REASON_HomeImp, VALUE, and YOJ are also available in the dataset - you can explore them in the same way using the Statistics operator to understand their patterns and values.</a:t>
-            </a:r>
-            <a:endParaRPr sz="1400"/>
-          </a:p>
-          <a:p>
-            <a:pPr marL="457200" lvl="0" indent="-317500" algn="just" rtl="0">
-              <a:lnSpc>
-                <a:spcPct val="115000"/>
-              </a:lnSpc>
-              <a:spcBef>
-                <a:spcPts val="0"/>
-              </a:spcBef>
-              <a:spcAft>
-                <a:spcPts val="0"/>
-              </a:spcAft>
-              <a:buSzPts val="1400"/>
-              <a:buChar char="●"/>
-            </a:pPr>
-            <a:r>
-              <a:rPr lang="en-US" sz="1400"/>
-              <a:t>Add your insights and observations regarding the attributes you analyze in order to gain a deeper understanding of the data.</a:t>
-            </a:r>
-            <a:endParaRPr sz="1400"/>
-          </a:p>
-        </p:txBody>
-      </p:sp>
-      <p:sp>
-        <p:nvSpPr>
-          <p:cNvPr id="2" name="Slide Number Placeholder 1">
-            <a:extLst>
-              <a:ext uri="{FF2B5EF4-FFF2-40B4-BE49-F238E27FC236}">
-                <a16:creationId xmlns:a16="http://schemas.microsoft.com/office/drawing/2014/main" id="{C9E600A8-210F-81BB-8254-6DC42E39967F}"/>
-              </a:ext>
-            </a:extLst>
-          </p:cNvPr>
-          <p:cNvSpPr>
-            <a:spLocks noGrp="1"/>
-          </p:cNvSpPr>
-          <p:nvPr>
-            <p:ph type="sldNum" idx="12"/>
-          </p:nvPr>
-        </p:nvSpPr>
-        <p:spPr/>
-        <p:txBody>
-          <a:bodyPr/>
-          <a:lstStyle/>
-          <a:p>
-            <a:pPr marL="0" lvl="0" indent="0" algn="ctr" rtl="0">
-              <a:spcBef>
-                <a:spcPts val="0"/>
-              </a:spcBef>
-              <a:spcAft>
-                <a:spcPts val="0"/>
-              </a:spcAft>
-              <a:buNone/>
-            </a:pPr>
-            <a:fld id="{00000000-1234-1234-1234-123412341234}" type="slidenum">
-              <a:rPr lang="en-US" smtClean="0"/>
-              <a:t>40</a:t>
-            </a:fld>
-            <a:endParaRPr lang="en-US"/>
-          </a:p>
-        </p:txBody>
-      </p:sp>
-    </p:spTree>
-  </p:cSld>
-  <p:clrMapOvr>
-    <a:masterClrMapping/>
-  </p:clrMapOvr>
-</p:sld>
-</file>
-
-<file path=ppt/slides/slide41.xml><?xml version="1.0" encoding="utf-8"?>
-<p:sld xmlns:a="http://schemas.openxmlformats.org/drawingml/2006/main" xmlns:r="http://schemas.openxmlformats.org/officeDocument/2006/relationships" xmlns:p="http://schemas.openxmlformats.org/presentationml/2006/main">
-  <p:cSld>
-    <p:spTree>
-      <p:nvGrpSpPr>
         <p:cNvPr id="1" name="Shape 226"/>
         <p:cNvGrpSpPr/>
         <p:nvPr/>
@@ -43802,8 +45475,8 @@
         </p:blipFill>
         <p:spPr>
           <a:xfrm>
-            <a:off x="546852" y="801756"/>
-            <a:ext cx="8411618" cy="3950181"/>
+            <a:off x="561028" y="619753"/>
+            <a:ext cx="7377948" cy="3125202"/>
           </a:xfrm>
           <a:prstGeom prst="rect">
             <a:avLst/>
@@ -43846,9 +45519,466 @@
             </a:pPr>
             <a:fld id="{00000000-1234-1234-1234-123412341234}" type="slidenum">
               <a:rPr lang="en-US" smtClean="0"/>
-              <a:t>41</a:t>
+              <a:t>40</a:t>
             </a:fld>
             <a:endParaRPr lang="en-US"/>
+          </a:p>
+        </p:txBody>
+      </p:sp>
+      <p:sp>
+        <p:nvSpPr>
+          <p:cNvPr id="3" name="Google Shape;210;p44">
+            <a:extLst>
+              <a:ext uri="{FF2B5EF4-FFF2-40B4-BE49-F238E27FC236}">
+                <a16:creationId xmlns:a16="http://schemas.microsoft.com/office/drawing/2014/main" id="{F2C8C0BF-21DC-5693-C2D0-E8DA08DEA2E5}"/>
+              </a:ext>
+            </a:extLst>
+          </p:cNvPr>
+          <p:cNvSpPr txBox="1"/>
+          <p:nvPr/>
+        </p:nvSpPr>
+        <p:spPr>
+          <a:xfrm>
+            <a:off x="252169" y="105213"/>
+            <a:ext cx="8520600" cy="572700"/>
+          </a:xfrm>
+          <a:prstGeom prst="rect">
+            <a:avLst/>
+          </a:prstGeom>
+          <a:noFill/>
+          <a:ln>
+            <a:noFill/>
+          </a:ln>
+        </p:spPr>
+        <p:txBody>
+          <a:bodyPr spcFirstLastPara="1" wrap="square" lIns="91425" tIns="91425" rIns="91425" bIns="91425" anchor="t" anchorCtr="0">
+            <a:noAutofit/>
+          </a:bodyPr>
+          <a:lstStyle/>
+          <a:p>
+            <a:pPr marL="0" marR="0" lvl="0" indent="0" algn="l" rtl="0">
+              <a:lnSpc>
+                <a:spcPct val="100000"/>
+              </a:lnSpc>
+              <a:spcBef>
+                <a:spcPts val="0"/>
+              </a:spcBef>
+              <a:spcAft>
+                <a:spcPts val="0"/>
+              </a:spcAft>
+              <a:buClr>
+                <a:srgbClr val="000000"/>
+              </a:buClr>
+              <a:buSzPts val="2200"/>
+              <a:buFont typeface="Arial"/>
+              <a:buNone/>
+            </a:pPr>
+            <a:r>
+              <a:rPr lang="en-US" sz="2200" b="1" i="0" u="none" strike="noStrike" cap="none" dirty="0">
+                <a:solidFill>
+                  <a:schemeClr val="lt2"/>
+                </a:solidFill>
+                <a:latin typeface="Century Gothic"/>
+                <a:ea typeface="Century Gothic"/>
+                <a:cs typeface="Century Gothic"/>
+                <a:sym typeface="Century Gothic"/>
+              </a:rPr>
+              <a:t>Statistics after Preprocessing:</a:t>
+            </a:r>
+            <a:endParaRPr sz="2200" b="1" i="0" u="none" strike="noStrike" cap="none" dirty="0">
+              <a:solidFill>
+                <a:schemeClr val="lt2"/>
+              </a:solidFill>
+              <a:latin typeface="Century Gothic"/>
+              <a:ea typeface="Century Gothic"/>
+              <a:cs typeface="Century Gothic"/>
+              <a:sym typeface="Century Gothic"/>
+            </a:endParaRPr>
+          </a:p>
+        </p:txBody>
+      </p:sp>
+      <p:sp>
+        <p:nvSpPr>
+          <p:cNvPr id="4" name="Google Shape;190;p40">
+            <a:extLst>
+              <a:ext uri="{FF2B5EF4-FFF2-40B4-BE49-F238E27FC236}">
+                <a16:creationId xmlns:a16="http://schemas.microsoft.com/office/drawing/2014/main" id="{045311B1-DDDB-CF48-FD04-CA65C118F5B8}"/>
+              </a:ext>
+            </a:extLst>
+          </p:cNvPr>
+          <p:cNvSpPr txBox="1">
+            <a:spLocks/>
+          </p:cNvSpPr>
+          <p:nvPr/>
+        </p:nvSpPr>
+        <p:spPr>
+          <a:xfrm>
+            <a:off x="385199" y="3578522"/>
+            <a:ext cx="8629800" cy="1136691"/>
+          </a:xfrm>
+          <a:prstGeom prst="rect">
+            <a:avLst/>
+          </a:prstGeom>
+          <a:noFill/>
+          <a:ln>
+            <a:noFill/>
+          </a:ln>
+        </p:spPr>
+        <p:txBody>
+          <a:bodyPr spcFirstLastPara="1" wrap="square" lIns="91425" tIns="91425" rIns="91425" bIns="91425" anchor="t" anchorCtr="0">
+            <a:spAutoFit/>
+          </a:bodyPr>
+          <a:lstStyle>
+            <a:defPPr marR="0" lvl="0" algn="l" rtl="0">
+              <a:lnSpc>
+                <a:spcPct val="100000"/>
+              </a:lnSpc>
+              <a:spcBef>
+                <a:spcPts val="0"/>
+              </a:spcBef>
+              <a:spcAft>
+                <a:spcPts val="0"/>
+              </a:spcAft>
+            </a:defPPr>
+            <a:lvl1pPr marL="457200" marR="0" lvl="0" indent="-323850" algn="l" rtl="0">
+              <a:lnSpc>
+                <a:spcPct val="115000"/>
+              </a:lnSpc>
+              <a:spcBef>
+                <a:spcPts val="0"/>
+              </a:spcBef>
+              <a:spcAft>
+                <a:spcPts val="0"/>
+              </a:spcAft>
+              <a:buClr>
+                <a:schemeClr val="dk2"/>
+              </a:buClr>
+              <a:buSzPts val="1500"/>
+              <a:buFont typeface="Nunito"/>
+              <a:buChar char="●"/>
+              <a:defRPr sz="1500" b="0" i="0" u="none" strike="noStrike" cap="none">
+                <a:solidFill>
+                  <a:schemeClr val="dk2"/>
+                </a:solidFill>
+                <a:latin typeface="Nunito"/>
+                <a:ea typeface="Nunito"/>
+                <a:cs typeface="Nunito"/>
+                <a:sym typeface="Nunito"/>
+              </a:defRPr>
+            </a:lvl1pPr>
+            <a:lvl2pPr marL="914400" marR="0" lvl="1" indent="-311150" algn="l" rtl="0">
+              <a:lnSpc>
+                <a:spcPct val="115000"/>
+              </a:lnSpc>
+              <a:spcBef>
+                <a:spcPts val="1600"/>
+              </a:spcBef>
+              <a:spcAft>
+                <a:spcPts val="0"/>
+              </a:spcAft>
+              <a:buClr>
+                <a:schemeClr val="dk2"/>
+              </a:buClr>
+              <a:buSzPts val="1300"/>
+              <a:buFont typeface="Nunito"/>
+              <a:buChar char="○"/>
+              <a:defRPr sz="1300" b="0" i="0" u="none" strike="noStrike" cap="none">
+                <a:solidFill>
+                  <a:schemeClr val="dk2"/>
+                </a:solidFill>
+                <a:latin typeface="Nunito"/>
+                <a:ea typeface="Nunito"/>
+                <a:cs typeface="Nunito"/>
+                <a:sym typeface="Nunito"/>
+              </a:defRPr>
+            </a:lvl2pPr>
+            <a:lvl3pPr marL="1371600" marR="0" lvl="2" indent="-304800" algn="l" rtl="0">
+              <a:lnSpc>
+                <a:spcPct val="115000"/>
+              </a:lnSpc>
+              <a:spcBef>
+                <a:spcPts val="1600"/>
+              </a:spcBef>
+              <a:spcAft>
+                <a:spcPts val="0"/>
+              </a:spcAft>
+              <a:buClr>
+                <a:schemeClr val="dk2"/>
+              </a:buClr>
+              <a:buSzPts val="1200"/>
+              <a:buFont typeface="Nunito"/>
+              <a:buChar char="■"/>
+              <a:defRPr sz="1200" b="0" i="0" u="none" strike="noStrike" cap="none">
+                <a:solidFill>
+                  <a:schemeClr val="dk2"/>
+                </a:solidFill>
+                <a:latin typeface="Nunito"/>
+                <a:ea typeface="Nunito"/>
+                <a:cs typeface="Nunito"/>
+                <a:sym typeface="Nunito"/>
+              </a:defRPr>
+            </a:lvl3pPr>
+            <a:lvl4pPr marL="1828800" marR="0" lvl="3" indent="-298450" algn="l" rtl="0">
+              <a:lnSpc>
+                <a:spcPct val="115000"/>
+              </a:lnSpc>
+              <a:spcBef>
+                <a:spcPts val="1600"/>
+              </a:spcBef>
+              <a:spcAft>
+                <a:spcPts val="0"/>
+              </a:spcAft>
+              <a:buClr>
+                <a:schemeClr val="dk2"/>
+              </a:buClr>
+              <a:buSzPts val="1100"/>
+              <a:buFont typeface="Nunito"/>
+              <a:buChar char="●"/>
+              <a:defRPr sz="1100" b="0" i="0" u="none" strike="noStrike" cap="none">
+                <a:solidFill>
+                  <a:schemeClr val="dk2"/>
+                </a:solidFill>
+                <a:latin typeface="Nunito"/>
+                <a:ea typeface="Nunito"/>
+                <a:cs typeface="Nunito"/>
+                <a:sym typeface="Nunito"/>
+              </a:defRPr>
+            </a:lvl4pPr>
+            <a:lvl5pPr marL="2286000" marR="0" lvl="4" indent="-292100" algn="l" rtl="0">
+              <a:lnSpc>
+                <a:spcPct val="115000"/>
+              </a:lnSpc>
+              <a:spcBef>
+                <a:spcPts val="1600"/>
+              </a:spcBef>
+              <a:spcAft>
+                <a:spcPts val="0"/>
+              </a:spcAft>
+              <a:buClr>
+                <a:schemeClr val="dk2"/>
+              </a:buClr>
+              <a:buSzPts val="1000"/>
+              <a:buFont typeface="Nunito"/>
+              <a:buChar char="○"/>
+              <a:defRPr sz="1000" b="0" i="0" u="none" strike="noStrike" cap="none">
+                <a:solidFill>
+                  <a:schemeClr val="dk2"/>
+                </a:solidFill>
+                <a:latin typeface="Nunito"/>
+                <a:ea typeface="Nunito"/>
+                <a:cs typeface="Nunito"/>
+                <a:sym typeface="Nunito"/>
+              </a:defRPr>
+            </a:lvl5pPr>
+            <a:lvl6pPr marL="2743200" marR="0" lvl="5" indent="-285750" algn="l" rtl="0">
+              <a:lnSpc>
+                <a:spcPct val="115000"/>
+              </a:lnSpc>
+              <a:spcBef>
+                <a:spcPts val="1600"/>
+              </a:spcBef>
+              <a:spcAft>
+                <a:spcPts val="0"/>
+              </a:spcAft>
+              <a:buClr>
+                <a:schemeClr val="dk2"/>
+              </a:buClr>
+              <a:buSzPts val="900"/>
+              <a:buFont typeface="Nunito"/>
+              <a:buChar char="■"/>
+              <a:defRPr sz="900" b="0" i="0" u="none" strike="noStrike" cap="none">
+                <a:solidFill>
+                  <a:schemeClr val="dk2"/>
+                </a:solidFill>
+                <a:latin typeface="Nunito"/>
+                <a:ea typeface="Nunito"/>
+                <a:cs typeface="Nunito"/>
+                <a:sym typeface="Nunito"/>
+              </a:defRPr>
+            </a:lvl6pPr>
+            <a:lvl7pPr marL="3200400" marR="0" lvl="6" indent="-279400" algn="l" rtl="0">
+              <a:lnSpc>
+                <a:spcPct val="115000"/>
+              </a:lnSpc>
+              <a:spcBef>
+                <a:spcPts val="1600"/>
+              </a:spcBef>
+              <a:spcAft>
+                <a:spcPts val="0"/>
+              </a:spcAft>
+              <a:buClr>
+                <a:schemeClr val="dk2"/>
+              </a:buClr>
+              <a:buSzPts val="800"/>
+              <a:buFont typeface="Nunito"/>
+              <a:buChar char="●"/>
+              <a:defRPr sz="800" b="0" i="0" u="none" strike="noStrike" cap="none">
+                <a:solidFill>
+                  <a:schemeClr val="dk2"/>
+                </a:solidFill>
+                <a:latin typeface="Nunito"/>
+                <a:ea typeface="Nunito"/>
+                <a:cs typeface="Nunito"/>
+                <a:sym typeface="Nunito"/>
+              </a:defRPr>
+            </a:lvl7pPr>
+            <a:lvl8pPr marL="3657600" marR="0" lvl="7" indent="-273050" algn="l" rtl="0">
+              <a:lnSpc>
+                <a:spcPct val="115000"/>
+              </a:lnSpc>
+              <a:spcBef>
+                <a:spcPts val="1600"/>
+              </a:spcBef>
+              <a:spcAft>
+                <a:spcPts val="0"/>
+              </a:spcAft>
+              <a:buClr>
+                <a:schemeClr val="dk2"/>
+              </a:buClr>
+              <a:buSzPts val="700"/>
+              <a:buFont typeface="Nunito"/>
+              <a:buChar char="○"/>
+              <a:defRPr sz="700" b="0" i="0" u="none" strike="noStrike" cap="none">
+                <a:solidFill>
+                  <a:schemeClr val="dk2"/>
+                </a:solidFill>
+                <a:latin typeface="Nunito"/>
+                <a:ea typeface="Nunito"/>
+                <a:cs typeface="Nunito"/>
+                <a:sym typeface="Nunito"/>
+              </a:defRPr>
+            </a:lvl8pPr>
+            <a:lvl9pPr marL="4114800" marR="0" lvl="8" indent="-266700" algn="l" rtl="0">
+              <a:lnSpc>
+                <a:spcPct val="115000"/>
+              </a:lnSpc>
+              <a:spcBef>
+                <a:spcPts val="1600"/>
+              </a:spcBef>
+              <a:spcAft>
+                <a:spcPts val="1600"/>
+              </a:spcAft>
+              <a:buClr>
+                <a:schemeClr val="dk2"/>
+              </a:buClr>
+              <a:buSzPts val="600"/>
+              <a:buFont typeface="Nunito"/>
+              <a:buChar char="■"/>
+              <a:defRPr sz="600" b="0" i="0" u="none" strike="noStrike" cap="none">
+                <a:solidFill>
+                  <a:schemeClr val="dk2"/>
+                </a:solidFill>
+                <a:latin typeface="Nunito"/>
+                <a:ea typeface="Nunito"/>
+                <a:cs typeface="Nunito"/>
+                <a:sym typeface="Nunito"/>
+              </a:defRPr>
+            </a:lvl9pPr>
+          </a:lstStyle>
+          <a:p>
+            <a:pPr marL="139700" indent="0" algn="just">
+              <a:spcBef>
+                <a:spcPts val="200"/>
+              </a:spcBef>
+              <a:buClr>
+                <a:schemeClr val="dk1"/>
+              </a:buClr>
+              <a:buSzPts val="1400"/>
+              <a:buNone/>
+            </a:pPr>
+            <a:r>
+              <a:rPr lang="en-US" sz="1200" b="1" dirty="0">
+                <a:solidFill>
+                  <a:schemeClr val="dk1"/>
+                </a:solidFill>
+                <a:latin typeface="Century Gothic"/>
+                <a:ea typeface="Century Gothic"/>
+                <a:cs typeface="Century Gothic"/>
+                <a:sym typeface="Century Gothic"/>
+              </a:rPr>
+              <a:t>Observations</a:t>
+            </a:r>
+            <a:r>
+              <a:rPr lang="en-US" sz="1200" dirty="0">
+                <a:solidFill>
+                  <a:schemeClr val="dk1"/>
+                </a:solidFill>
+                <a:latin typeface="Century Gothic"/>
+                <a:ea typeface="Century Gothic"/>
+                <a:cs typeface="Century Gothic"/>
+                <a:sym typeface="Century Gothic"/>
+              </a:rPr>
+              <a:t>:</a:t>
+            </a:r>
+          </a:p>
+          <a:p>
+            <a:pPr marL="311150" indent="-171450" algn="just">
+              <a:spcBef>
+                <a:spcPts val="200"/>
+              </a:spcBef>
+              <a:buClr>
+                <a:schemeClr val="dk1"/>
+              </a:buClr>
+              <a:buSzPts val="1400"/>
+            </a:pPr>
+            <a:r>
+              <a:rPr lang="en-US" sz="1200" dirty="0">
+                <a:solidFill>
+                  <a:schemeClr val="dk1"/>
+                </a:solidFill>
+                <a:latin typeface="Century Gothic"/>
+                <a:ea typeface="Century Gothic"/>
+                <a:cs typeface="Century Gothic"/>
+                <a:sym typeface="Century Gothic"/>
+              </a:rPr>
+              <a:t>Missing values imputed.</a:t>
+            </a:r>
+          </a:p>
+          <a:p>
+            <a:pPr marL="311150" indent="-171450" algn="just">
+              <a:spcBef>
+                <a:spcPts val="200"/>
+              </a:spcBef>
+              <a:buClr>
+                <a:schemeClr val="dk1"/>
+              </a:buClr>
+              <a:buSzPts val="1400"/>
+            </a:pPr>
+            <a:r>
+              <a:rPr lang="en-US" sz="1200" dirty="0">
+                <a:solidFill>
+                  <a:schemeClr val="dk1"/>
+                </a:solidFill>
+                <a:latin typeface="Century Gothic"/>
+                <a:ea typeface="Century Gothic"/>
+                <a:cs typeface="Century Gothic"/>
+                <a:sym typeface="Century Gothic"/>
+              </a:rPr>
+              <a:t>Distribution more normalized</a:t>
+            </a:r>
+          </a:p>
+          <a:p>
+            <a:pPr marL="311150" indent="-171450" algn="just">
+              <a:spcBef>
+                <a:spcPts val="200"/>
+              </a:spcBef>
+              <a:buClr>
+                <a:schemeClr val="dk1"/>
+              </a:buClr>
+              <a:buSzPts val="1400"/>
+            </a:pPr>
+            <a:r>
+              <a:rPr lang="en-US" sz="1200" dirty="0">
+                <a:solidFill>
+                  <a:schemeClr val="dk1"/>
+                </a:solidFill>
+                <a:latin typeface="Century Gothic"/>
+                <a:ea typeface="Century Gothic"/>
+                <a:cs typeface="Century Gothic"/>
+                <a:sym typeface="Century Gothic"/>
+              </a:rPr>
+              <a:t>Some outliers still exist</a:t>
+            </a:r>
           </a:p>
         </p:txBody>
       </p:sp>
@@ -43860,7 +45990,7 @@
 </p:sld>
 </file>
 
-<file path=ppt/slides/slide42.xml><?xml version="1.0" encoding="utf-8"?>
+<file path=ppt/slides/slide41.xml><?xml version="1.0" encoding="utf-8"?>
 <p:sld xmlns:a="http://schemas.openxmlformats.org/drawingml/2006/main" xmlns:r="http://schemas.openxmlformats.org/officeDocument/2006/relationships" xmlns:p="http://schemas.openxmlformats.org/presentationml/2006/main">
   <p:cSld>
     <p:spTree>
@@ -44539,7 +46669,7 @@
             </a:pPr>
             <a:fld id="{00000000-1234-1234-1234-123412341234}" type="slidenum">
               <a:rPr lang="en-US" smtClean="0"/>
-              <a:t>42</a:t>
+              <a:t>41</a:t>
             </a:fld>
             <a:endParaRPr lang="en-US"/>
           </a:p>
@@ -44553,7 +46683,7 @@
 </p:sld>
 </file>
 
-<file path=ppt/slides/slide43.xml><?xml version="1.0" encoding="utf-8"?>
+<file path=ppt/slides/slide42.xml><?xml version="1.0" encoding="utf-8"?>
 <p:sld xmlns:a="http://schemas.openxmlformats.org/drawingml/2006/main" xmlns:r="http://schemas.openxmlformats.org/officeDocument/2006/relationships" xmlns:p="http://schemas.openxmlformats.org/presentationml/2006/main">
   <p:cSld>
     <p:spTree>
@@ -45232,7 +47362,7 @@
             </a:pPr>
             <a:fld id="{00000000-1234-1234-1234-123412341234}" type="slidenum">
               <a:rPr lang="en-US" smtClean="0"/>
-              <a:t>43</a:t>
+              <a:t>42</a:t>
             </a:fld>
             <a:endParaRPr lang="en-US"/>
           </a:p>
@@ -45246,7 +47376,7 @@
 </p:sld>
 </file>
 
-<file path=ppt/slides/slide44.xml><?xml version="1.0" encoding="utf-8"?>
+<file path=ppt/slides/slide43.xml><?xml version="1.0" encoding="utf-8"?>
 <p:sld xmlns:a="http://schemas.openxmlformats.org/drawingml/2006/main" xmlns:r="http://schemas.openxmlformats.org/officeDocument/2006/relationships" xmlns:p="http://schemas.openxmlformats.org/presentationml/2006/main">
   <p:cSld>
     <p:spTree>
@@ -46015,7 +48145,7 @@
             </a:pPr>
             <a:fld id="{00000000-1234-1234-1234-123412341234}" type="slidenum">
               <a:rPr lang="en-US" smtClean="0"/>
-              <a:t>44</a:t>
+              <a:t>43</a:t>
             </a:fld>
             <a:endParaRPr lang="en-US"/>
           </a:p>
@@ -46029,7 +48159,7 @@
 </p:sld>
 </file>
 
-<file path=ppt/slides/slide45.xml><?xml version="1.0" encoding="utf-8"?>
+<file path=ppt/slides/slide44.xml><?xml version="1.0" encoding="utf-8"?>
 <p:sld xmlns:a="http://schemas.openxmlformats.org/drawingml/2006/main" xmlns:r="http://schemas.openxmlformats.org/officeDocument/2006/relationships" xmlns:p="http://schemas.openxmlformats.org/presentationml/2006/main">
   <p:cSld>
     <p:spTree>
@@ -47502,7 +49632,7 @@
             </a:pPr>
             <a:fld id="{00000000-1234-1234-1234-123412341234}" type="slidenum">
               <a:rPr lang="en-US" smtClean="0"/>
-              <a:t>45</a:t>
+              <a:t>44</a:t>
             </a:fld>
             <a:endParaRPr lang="en-US"/>
           </a:p>
@@ -47516,7 +49646,7 @@
 </p:sld>
 </file>
 
-<file path=ppt/slides/slide46.xml><?xml version="1.0" encoding="utf-8"?>
+<file path=ppt/slides/slide45.xml><?xml version="1.0" encoding="utf-8"?>
 <p:sld xmlns:a="http://schemas.openxmlformats.org/drawingml/2006/main" xmlns:r="http://schemas.openxmlformats.org/officeDocument/2006/relationships" xmlns:p="http://schemas.openxmlformats.org/presentationml/2006/main">
   <p:cSld>
     <p:spTree>
@@ -47701,7 +49831,7 @@
             </a:pPr>
             <a:fld id="{00000000-1234-1234-1234-123412341234}" type="slidenum">
               <a:rPr lang="en-US" smtClean="0"/>
-              <a:t>46</a:t>
+              <a:t>45</a:t>
             </a:fld>
             <a:endParaRPr lang="en-US"/>
           </a:p>
@@ -47715,7 +49845,7 @@
 </p:sld>
 </file>
 
-<file path=ppt/slides/slide47.xml><?xml version="1.0" encoding="utf-8"?>
+<file path=ppt/slides/slide46.xml><?xml version="1.0" encoding="utf-8"?>
 <p:sld xmlns:a="http://schemas.openxmlformats.org/drawingml/2006/main" xmlns:r="http://schemas.openxmlformats.org/officeDocument/2006/relationships" xmlns:p="http://schemas.openxmlformats.org/presentationml/2006/main">
   <p:cSld>
     <p:spTree>
@@ -47808,7 +49938,7 @@
 </p:sld>
 </file>
 
-<file path=ppt/slides/slide48.xml><?xml version="1.0" encoding="utf-8"?>
+<file path=ppt/slides/slide47.xml><?xml version="1.0" encoding="utf-8"?>
 <p:sld xmlns:a="http://schemas.openxmlformats.org/drawingml/2006/main" xmlns:r="http://schemas.openxmlformats.org/officeDocument/2006/relationships" xmlns:p="http://schemas.openxmlformats.org/presentationml/2006/main">
   <p:cSld>
     <p:spTree>
@@ -47993,7 +50123,7 @@
             </a:pPr>
             <a:fld id="{00000000-1234-1234-1234-123412341234}" type="slidenum">
               <a:rPr lang="en-US" smtClean="0"/>
-              <a:t>48</a:t>
+              <a:t>47</a:t>
             </a:fld>
             <a:endParaRPr lang="en-US"/>
           </a:p>
@@ -48007,7 +50137,7 @@
 </p:sld>
 </file>
 
-<file path=ppt/slides/slide49.xml><?xml version="1.0" encoding="utf-8"?>
+<file path=ppt/slides/slide48.xml><?xml version="1.0" encoding="utf-8"?>
 <p:sld xmlns:a="http://schemas.openxmlformats.org/drawingml/2006/main" xmlns:r="http://schemas.openxmlformats.org/officeDocument/2006/relationships" xmlns:p="http://schemas.openxmlformats.org/presentationml/2006/main">
   <p:cSld>
     <p:spTree>
@@ -48114,7 +50244,7 @@
             </a:pPr>
             <a:fld id="{00000000-1234-1234-1234-123412341234}" type="slidenum">
               <a:rPr lang="en-US"/>
-              <a:t>49</a:t>
+              <a:t>48</a:t>
             </a:fld>
             <a:endParaRPr/>
           </a:p>

--- a/Neural Networks - Loan Default/Loan Default Prediction Presentation - Business Interpretation - John Buczkowski.pptx
+++ b/Neural Networks - Loan Default/Loan Default Prediction Presentation - Business Interpretation - John Buczkowski.pptx
@@ -7,7 +7,7 @@
     <p:sldMasterId id="2147483680" r:id="rId3"/>
   </p:sldMasterIdLst>
   <p:notesMasterIdLst>
-    <p:notesMasterId r:id="rId58"/>
+    <p:notesMasterId r:id="rId61"/>
   </p:notesMasterIdLst>
   <p:sldIdLst>
     <p:sldId id="256" r:id="rId4"/>
@@ -57,42 +57,45 @@
     <p:sldId id="314" r:id="rId48"/>
     <p:sldId id="315" r:id="rId49"/>
     <p:sldId id="270" r:id="rId50"/>
-    <p:sldId id="271" r:id="rId51"/>
-    <p:sldId id="272" r:id="rId52"/>
-    <p:sldId id="273" r:id="rId53"/>
-    <p:sldId id="274" r:id="rId54"/>
-    <p:sldId id="275" r:id="rId55"/>
-    <p:sldId id="276" r:id="rId56"/>
-    <p:sldId id="277" r:id="rId57"/>
+    <p:sldId id="323" r:id="rId51"/>
+    <p:sldId id="325" r:id="rId52"/>
+    <p:sldId id="324" r:id="rId53"/>
+    <p:sldId id="272" r:id="rId54"/>
+    <p:sldId id="326" r:id="rId55"/>
+    <p:sldId id="273" r:id="rId56"/>
+    <p:sldId id="274" r:id="rId57"/>
+    <p:sldId id="275" r:id="rId58"/>
+    <p:sldId id="276" r:id="rId59"/>
+    <p:sldId id="277" r:id="rId60"/>
   </p:sldIdLst>
   <p:sldSz cx="9144000" cy="5143500" type="screen16x9"/>
   <p:notesSz cx="6858000" cy="9144000"/>
   <p:embeddedFontLst>
     <p:embeddedFont>
       <p:font typeface="Century Gothic" panose="020B0502020202020204" pitchFamily="34" charset="0"/>
-      <p:regular r:id="rId59"/>
-      <p:bold r:id="rId60"/>
-      <p:italic r:id="rId61"/>
-      <p:boldItalic r:id="rId62"/>
+      <p:regular r:id="rId62"/>
+      <p:bold r:id="rId63"/>
+      <p:italic r:id="rId64"/>
+      <p:boldItalic r:id="rId65"/>
     </p:embeddedFont>
     <p:embeddedFont>
       <p:font typeface="Nunito" pitchFamily="2" charset="0"/>
-      <p:regular r:id="rId63"/>
-      <p:bold r:id="rId64"/>
-      <p:italic r:id="rId65"/>
-      <p:boldItalic r:id="rId66"/>
+      <p:regular r:id="rId66"/>
+      <p:bold r:id="rId67"/>
+      <p:italic r:id="rId68"/>
+      <p:boldItalic r:id="rId69"/>
     </p:embeddedFont>
     <p:embeddedFont>
       <p:font typeface="Nunito ExtraBold" pitchFamily="2" charset="0"/>
-      <p:bold r:id="rId67"/>
-      <p:boldItalic r:id="rId68"/>
+      <p:bold r:id="rId70"/>
+      <p:boldItalic r:id="rId71"/>
     </p:embeddedFont>
     <p:embeddedFont>
       <p:font typeface="Nunito SemiBold" pitchFamily="2" charset="0"/>
-      <p:regular r:id="rId69"/>
-      <p:bold r:id="rId70"/>
-      <p:italic r:id="rId71"/>
-      <p:boldItalic r:id="rId72"/>
+      <p:regular r:id="rId72"/>
+      <p:bold r:id="rId73"/>
+      <p:italic r:id="rId74"/>
+      <p:boldItalic r:id="rId75"/>
     </p:embeddedFont>
   </p:embeddedFontLst>
   <p:defaultTextStyle>
@@ -6298,7 +6301,13 @@
   <p:cSld>
     <p:spTree>
       <p:nvGrpSpPr>
-        <p:cNvPr id="1" name="Shape 235"/>
+        <p:cNvPr id="1" name="Shape 228">
+          <a:extLst>
+            <a:ext uri="{FF2B5EF4-FFF2-40B4-BE49-F238E27FC236}">
+              <a16:creationId xmlns:a16="http://schemas.microsoft.com/office/drawing/2014/main" id="{7B613A09-EC7E-2515-F060-4A4A9224C623}"/>
+            </a:ext>
+          </a:extLst>
+        </p:cNvPr>
         <p:cNvGrpSpPr/>
         <p:nvPr/>
       </p:nvGrpSpPr>
@@ -6312,7 +6321,13 @@
       </p:grpSpPr>
       <p:sp>
         <p:nvSpPr>
-          <p:cNvPr id="236" name="Google Shape;236;p20:notes"/>
+          <p:cNvPr id="229" name="Google Shape;229;p19:notes">
+            <a:extLst>
+              <a:ext uri="{FF2B5EF4-FFF2-40B4-BE49-F238E27FC236}">
+                <a16:creationId xmlns:a16="http://schemas.microsoft.com/office/drawing/2014/main" id="{C6784DA3-CC2D-64CC-C738-0968549AEB92}"/>
+              </a:ext>
+            </a:extLst>
+          </p:cNvPr>
           <p:cNvSpPr>
             <a:spLocks noGrp="1" noRot="1" noChangeAspect="1"/>
           </p:cNvSpPr>
@@ -6363,7 +6378,13 @@
       </p:sp>
       <p:sp>
         <p:nvSpPr>
-          <p:cNvPr id="237" name="Google Shape;237;p20:notes"/>
+          <p:cNvPr id="230" name="Google Shape;230;p19:notes">
+            <a:extLst>
+              <a:ext uri="{FF2B5EF4-FFF2-40B4-BE49-F238E27FC236}">
+                <a16:creationId xmlns:a16="http://schemas.microsoft.com/office/drawing/2014/main" id="{B872F565-EA25-0FC1-6CC9-0B992F2EAF7B}"/>
+              </a:ext>
+            </a:extLst>
+          </p:cNvPr>
           <p:cNvSpPr txBox="1">
             <a:spLocks noGrp="1"/>
           </p:cNvSpPr>
@@ -6408,6 +6429,11 @@
         </p:txBody>
       </p:sp>
     </p:spTree>
+    <p:extLst>
+      <p:ext uri="{BB962C8B-B14F-4D97-AF65-F5344CB8AC3E}">
+        <p14:creationId xmlns:p14="http://schemas.microsoft.com/office/powerpoint/2010/main" val="4237445687"/>
+      </p:ext>
+    </p:extLst>
   </p:cSld>
   <p:clrMapOvr>
     <a:masterClrMapping/>
@@ -6416,6 +6442,296 @@
 </file>
 
 <file path=ppt/notesSlides/notesSlide46.xml><?xml version="1.0" encoding="utf-8"?>
+<p:notes xmlns:a="http://schemas.openxmlformats.org/drawingml/2006/main" xmlns:r="http://schemas.openxmlformats.org/officeDocument/2006/relationships" xmlns:p="http://schemas.openxmlformats.org/presentationml/2006/main" showMasterSp="0" showMasterPhAnim="0">
+  <p:cSld>
+    <p:spTree>
+      <p:nvGrpSpPr>
+        <p:cNvPr id="1" name="Shape 235">
+          <a:extLst>
+            <a:ext uri="{FF2B5EF4-FFF2-40B4-BE49-F238E27FC236}">
+              <a16:creationId xmlns:a16="http://schemas.microsoft.com/office/drawing/2014/main" id="{31A8A89B-B53C-E031-E17D-3D2A39A36375}"/>
+            </a:ext>
+          </a:extLst>
+        </p:cNvPr>
+        <p:cNvGrpSpPr/>
+        <p:nvPr/>
+      </p:nvGrpSpPr>
+      <p:grpSpPr>
+        <a:xfrm>
+          <a:off x="0" y="0"/>
+          <a:ext cx="0" cy="0"/>
+          <a:chOff x="0" y="0"/>
+          <a:chExt cx="0" cy="0"/>
+        </a:xfrm>
+      </p:grpSpPr>
+      <p:sp>
+        <p:nvSpPr>
+          <p:cNvPr id="236" name="Google Shape;236;p20:notes">
+            <a:extLst>
+              <a:ext uri="{FF2B5EF4-FFF2-40B4-BE49-F238E27FC236}">
+                <a16:creationId xmlns:a16="http://schemas.microsoft.com/office/drawing/2014/main" id="{8099516A-B5B5-0488-DD5C-3F684DA84387}"/>
+              </a:ext>
+            </a:extLst>
+          </p:cNvPr>
+          <p:cNvSpPr>
+            <a:spLocks noGrp="1" noRot="1" noChangeAspect="1"/>
+          </p:cNvSpPr>
+          <p:nvPr>
+            <p:ph type="sldImg" idx="2"/>
+          </p:nvPr>
+        </p:nvSpPr>
+        <p:spPr>
+          <a:xfrm>
+            <a:off x="381000" y="685800"/>
+            <a:ext cx="6096000" cy="3429000"/>
+          </a:xfrm>
+          <a:custGeom>
+            <a:avLst/>
+            <a:gdLst/>
+            <a:ahLst/>
+            <a:cxnLst/>
+            <a:rect l="l" t="t" r="r" b="b"/>
+            <a:pathLst>
+              <a:path w="120000" h="120000" extrusionOk="0">
+                <a:moveTo>
+                  <a:pt x="0" y="0"/>
+                </a:moveTo>
+                <a:lnTo>
+                  <a:pt x="120000" y="0"/>
+                </a:lnTo>
+                <a:lnTo>
+                  <a:pt x="120000" y="120000"/>
+                </a:lnTo>
+                <a:lnTo>
+                  <a:pt x="0" y="120000"/>
+                </a:lnTo>
+                <a:close/>
+              </a:path>
+            </a:pathLst>
+          </a:custGeom>
+          <a:noFill/>
+          <a:ln w="9525" cap="flat" cmpd="sng">
+            <a:solidFill>
+              <a:srgbClr val="000000"/>
+            </a:solidFill>
+            <a:prstDash val="solid"/>
+            <a:round/>
+            <a:headEnd type="none" w="sm" len="sm"/>
+            <a:tailEnd type="none" w="sm" len="sm"/>
+          </a:ln>
+        </p:spPr>
+      </p:sp>
+      <p:sp>
+        <p:nvSpPr>
+          <p:cNvPr id="237" name="Google Shape;237;p20:notes">
+            <a:extLst>
+              <a:ext uri="{FF2B5EF4-FFF2-40B4-BE49-F238E27FC236}">
+                <a16:creationId xmlns:a16="http://schemas.microsoft.com/office/drawing/2014/main" id="{A97F4D66-6423-FA8B-9215-2FE5C2045AF7}"/>
+              </a:ext>
+            </a:extLst>
+          </p:cNvPr>
+          <p:cNvSpPr txBox="1">
+            <a:spLocks noGrp="1"/>
+          </p:cNvSpPr>
+          <p:nvPr>
+            <p:ph type="body" idx="1"/>
+          </p:nvPr>
+        </p:nvSpPr>
+        <p:spPr>
+          <a:xfrm>
+            <a:off x="685800" y="4343400"/>
+            <a:ext cx="5486400" cy="4114800"/>
+          </a:xfrm>
+          <a:prstGeom prst="rect">
+            <a:avLst/>
+          </a:prstGeom>
+          <a:noFill/>
+          <a:ln>
+            <a:noFill/>
+          </a:ln>
+        </p:spPr>
+        <p:txBody>
+          <a:bodyPr spcFirstLastPara="1" wrap="square" lIns="91425" tIns="91425" rIns="91425" bIns="91425" anchor="t" anchorCtr="0">
+            <a:noAutofit/>
+          </a:bodyPr>
+          <a:lstStyle/>
+          <a:p>
+            <a:pPr marL="0" lvl="0" indent="0" algn="l" rtl="0">
+              <a:lnSpc>
+                <a:spcPct val="100000"/>
+              </a:lnSpc>
+              <a:spcBef>
+                <a:spcPts val="0"/>
+              </a:spcBef>
+              <a:spcAft>
+                <a:spcPts val="0"/>
+              </a:spcAft>
+              <a:buSzPts val="1100"/>
+              <a:buNone/>
+            </a:pPr>
+            <a:endParaRPr/>
+          </a:p>
+        </p:txBody>
+      </p:sp>
+    </p:spTree>
+    <p:extLst>
+      <p:ext uri="{BB962C8B-B14F-4D97-AF65-F5344CB8AC3E}">
+        <p14:creationId xmlns:p14="http://schemas.microsoft.com/office/powerpoint/2010/main" val="542641880"/>
+      </p:ext>
+    </p:extLst>
+  </p:cSld>
+  <p:clrMapOvr>
+    <a:masterClrMapping/>
+  </p:clrMapOvr>
+</p:notes>
+</file>
+
+<file path=ppt/notesSlides/notesSlide47.xml><?xml version="1.0" encoding="utf-8"?>
+<p:notes xmlns:a="http://schemas.openxmlformats.org/drawingml/2006/main" xmlns:r="http://schemas.openxmlformats.org/officeDocument/2006/relationships" xmlns:p="http://schemas.openxmlformats.org/presentationml/2006/main" showMasterSp="0" showMasterPhAnim="0">
+  <p:cSld>
+    <p:spTree>
+      <p:nvGrpSpPr>
+        <p:cNvPr id="1" name="Shape 235">
+          <a:extLst>
+            <a:ext uri="{FF2B5EF4-FFF2-40B4-BE49-F238E27FC236}">
+              <a16:creationId xmlns:a16="http://schemas.microsoft.com/office/drawing/2014/main" id="{9C133F4A-6D78-706A-3A4D-EC2F65E7287D}"/>
+            </a:ext>
+          </a:extLst>
+        </p:cNvPr>
+        <p:cNvGrpSpPr/>
+        <p:nvPr/>
+      </p:nvGrpSpPr>
+      <p:grpSpPr>
+        <a:xfrm>
+          <a:off x="0" y="0"/>
+          <a:ext cx="0" cy="0"/>
+          <a:chOff x="0" y="0"/>
+          <a:chExt cx="0" cy="0"/>
+        </a:xfrm>
+      </p:grpSpPr>
+      <p:sp>
+        <p:nvSpPr>
+          <p:cNvPr id="236" name="Google Shape;236;p20:notes">
+            <a:extLst>
+              <a:ext uri="{FF2B5EF4-FFF2-40B4-BE49-F238E27FC236}">
+                <a16:creationId xmlns:a16="http://schemas.microsoft.com/office/drawing/2014/main" id="{C21957E3-7FE3-4B21-51FF-89B0B268A280}"/>
+              </a:ext>
+            </a:extLst>
+          </p:cNvPr>
+          <p:cNvSpPr>
+            <a:spLocks noGrp="1" noRot="1" noChangeAspect="1"/>
+          </p:cNvSpPr>
+          <p:nvPr>
+            <p:ph type="sldImg" idx="2"/>
+          </p:nvPr>
+        </p:nvSpPr>
+        <p:spPr>
+          <a:xfrm>
+            <a:off x="381000" y="685800"/>
+            <a:ext cx="6096000" cy="3429000"/>
+          </a:xfrm>
+          <a:custGeom>
+            <a:avLst/>
+            <a:gdLst/>
+            <a:ahLst/>
+            <a:cxnLst/>
+            <a:rect l="l" t="t" r="r" b="b"/>
+            <a:pathLst>
+              <a:path w="120000" h="120000" extrusionOk="0">
+                <a:moveTo>
+                  <a:pt x="0" y="0"/>
+                </a:moveTo>
+                <a:lnTo>
+                  <a:pt x="120000" y="0"/>
+                </a:lnTo>
+                <a:lnTo>
+                  <a:pt x="120000" y="120000"/>
+                </a:lnTo>
+                <a:lnTo>
+                  <a:pt x="0" y="120000"/>
+                </a:lnTo>
+                <a:close/>
+              </a:path>
+            </a:pathLst>
+          </a:custGeom>
+          <a:noFill/>
+          <a:ln w="9525" cap="flat" cmpd="sng">
+            <a:solidFill>
+              <a:srgbClr val="000000"/>
+            </a:solidFill>
+            <a:prstDash val="solid"/>
+            <a:round/>
+            <a:headEnd type="none" w="sm" len="sm"/>
+            <a:tailEnd type="none" w="sm" len="sm"/>
+          </a:ln>
+        </p:spPr>
+      </p:sp>
+      <p:sp>
+        <p:nvSpPr>
+          <p:cNvPr id="237" name="Google Shape;237;p20:notes">
+            <a:extLst>
+              <a:ext uri="{FF2B5EF4-FFF2-40B4-BE49-F238E27FC236}">
+                <a16:creationId xmlns:a16="http://schemas.microsoft.com/office/drawing/2014/main" id="{1DA55C91-504F-F983-EAE7-725B47CA4E3C}"/>
+              </a:ext>
+            </a:extLst>
+          </p:cNvPr>
+          <p:cNvSpPr txBox="1">
+            <a:spLocks noGrp="1"/>
+          </p:cNvSpPr>
+          <p:nvPr>
+            <p:ph type="body" idx="1"/>
+          </p:nvPr>
+        </p:nvSpPr>
+        <p:spPr>
+          <a:xfrm>
+            <a:off x="685800" y="4343400"/>
+            <a:ext cx="5486400" cy="4114800"/>
+          </a:xfrm>
+          <a:prstGeom prst="rect">
+            <a:avLst/>
+          </a:prstGeom>
+          <a:noFill/>
+          <a:ln>
+            <a:noFill/>
+          </a:ln>
+        </p:spPr>
+        <p:txBody>
+          <a:bodyPr spcFirstLastPara="1" wrap="square" lIns="91425" tIns="91425" rIns="91425" bIns="91425" anchor="t" anchorCtr="0">
+            <a:noAutofit/>
+          </a:bodyPr>
+          <a:lstStyle/>
+          <a:p>
+            <a:pPr marL="0" lvl="0" indent="0" algn="l" rtl="0">
+              <a:lnSpc>
+                <a:spcPct val="100000"/>
+              </a:lnSpc>
+              <a:spcBef>
+                <a:spcPts val="0"/>
+              </a:spcBef>
+              <a:spcAft>
+                <a:spcPts val="0"/>
+              </a:spcAft>
+              <a:buSzPts val="1100"/>
+              <a:buNone/>
+            </a:pPr>
+            <a:endParaRPr/>
+          </a:p>
+        </p:txBody>
+      </p:sp>
+    </p:spTree>
+    <p:extLst>
+      <p:ext uri="{BB962C8B-B14F-4D97-AF65-F5344CB8AC3E}">
+        <p14:creationId xmlns:p14="http://schemas.microsoft.com/office/powerpoint/2010/main" val="399866242"/>
+      </p:ext>
+    </p:extLst>
+  </p:cSld>
+  <p:clrMapOvr>
+    <a:masterClrMapping/>
+  </p:clrMapOvr>
+</p:notes>
+</file>
+
+<file path=ppt/notesSlides/notesSlide48.xml><?xml version="1.0" encoding="utf-8"?>
 <p:notes xmlns:a="http://schemas.openxmlformats.org/drawingml/2006/main" xmlns:r="http://schemas.openxmlformats.org/officeDocument/2006/relationships" xmlns:p="http://schemas.openxmlformats.org/presentationml/2006/main" showMasterSp="0" showMasterPhAnim="0">
   <p:cSld>
     <p:spTree>
@@ -6537,12 +6853,18 @@
 </p:notes>
 </file>
 
-<file path=ppt/notesSlides/notesSlide47.xml><?xml version="1.0" encoding="utf-8"?>
+<file path=ppt/notesSlides/notesSlide49.xml><?xml version="1.0" encoding="utf-8"?>
 <p:notes xmlns:a="http://schemas.openxmlformats.org/drawingml/2006/main" xmlns:r="http://schemas.openxmlformats.org/officeDocument/2006/relationships" xmlns:p="http://schemas.openxmlformats.org/presentationml/2006/main" showMasterSp="0" showMasterPhAnim="0">
   <p:cSld>
     <p:spTree>
       <p:nvGrpSpPr>
-        <p:cNvPr id="1" name="Shape 249"/>
+        <p:cNvPr id="1" name="Shape 242">
+          <a:extLst>
+            <a:ext uri="{FF2B5EF4-FFF2-40B4-BE49-F238E27FC236}">
+              <a16:creationId xmlns:a16="http://schemas.microsoft.com/office/drawing/2014/main" id="{4B951BB4-CF7F-EDC5-9F82-7D4EDECC2B92}"/>
+            </a:ext>
+          </a:extLst>
+        </p:cNvPr>
         <p:cNvGrpSpPr/>
         <p:nvPr/>
       </p:nvGrpSpPr>
@@ -6556,7 +6878,13 @@
       </p:grpSpPr>
       <p:sp>
         <p:nvSpPr>
-          <p:cNvPr id="250" name="Google Shape;250;p23:notes"/>
+          <p:cNvPr id="243" name="Google Shape;243;g385ad5efec9_0_2:notes">
+            <a:extLst>
+              <a:ext uri="{FF2B5EF4-FFF2-40B4-BE49-F238E27FC236}">
+                <a16:creationId xmlns:a16="http://schemas.microsoft.com/office/drawing/2014/main" id="{CC64A296-6EAC-8348-C2A1-168BB56297F1}"/>
+              </a:ext>
+            </a:extLst>
+          </p:cNvPr>
           <p:cNvSpPr>
             <a:spLocks noGrp="1" noRot="1" noChangeAspect="1"/>
           </p:cNvSpPr>
@@ -6607,7 +6935,13 @@
       </p:sp>
       <p:sp>
         <p:nvSpPr>
-          <p:cNvPr id="251" name="Google Shape;251;p23:notes"/>
+          <p:cNvPr id="244" name="Google Shape;244;g385ad5efec9_0_2:notes">
+            <a:extLst>
+              <a:ext uri="{FF2B5EF4-FFF2-40B4-BE49-F238E27FC236}">
+                <a16:creationId xmlns:a16="http://schemas.microsoft.com/office/drawing/2014/main" id="{0BC47AC9-F351-C05B-D3A1-0E9FE9456216}"/>
+              </a:ext>
+            </a:extLst>
+          </p:cNvPr>
           <p:cNvSpPr txBox="1">
             <a:spLocks noGrp="1"/>
           </p:cNvSpPr>
@@ -6652,250 +6986,11 @@
         </p:txBody>
       </p:sp>
     </p:spTree>
-  </p:cSld>
-  <p:clrMapOvr>
-    <a:masterClrMapping/>
-  </p:clrMapOvr>
-</p:notes>
-</file>
-
-<file path=ppt/notesSlides/notesSlide48.xml><?xml version="1.0" encoding="utf-8"?>
-<p:notes xmlns:a="http://schemas.openxmlformats.org/drawingml/2006/main" xmlns:r="http://schemas.openxmlformats.org/officeDocument/2006/relationships" xmlns:p="http://schemas.openxmlformats.org/presentationml/2006/main" showMasterSp="0" showMasterPhAnim="0">
-  <p:cSld>
-    <p:spTree>
-      <p:nvGrpSpPr>
-        <p:cNvPr id="1" name="Shape 256"/>
-        <p:cNvGrpSpPr/>
-        <p:nvPr/>
-      </p:nvGrpSpPr>
-      <p:grpSpPr>
-        <a:xfrm>
-          <a:off x="0" y="0"/>
-          <a:ext cx="0" cy="0"/>
-          <a:chOff x="0" y="0"/>
-          <a:chExt cx="0" cy="0"/>
-        </a:xfrm>
-      </p:grpSpPr>
-      <p:sp>
-        <p:nvSpPr>
-          <p:cNvPr id="257" name="Google Shape;257;p24:notes"/>
-          <p:cNvSpPr>
-            <a:spLocks noGrp="1" noRot="1" noChangeAspect="1"/>
-          </p:cNvSpPr>
-          <p:nvPr>
-            <p:ph type="sldImg" idx="2"/>
-          </p:nvPr>
-        </p:nvSpPr>
-        <p:spPr>
-          <a:xfrm>
-            <a:off x="381000" y="685800"/>
-            <a:ext cx="6096000" cy="3429000"/>
-          </a:xfrm>
-          <a:custGeom>
-            <a:avLst/>
-            <a:gdLst/>
-            <a:ahLst/>
-            <a:cxnLst/>
-            <a:rect l="l" t="t" r="r" b="b"/>
-            <a:pathLst>
-              <a:path w="120000" h="120000" extrusionOk="0">
-                <a:moveTo>
-                  <a:pt x="0" y="0"/>
-                </a:moveTo>
-                <a:lnTo>
-                  <a:pt x="120000" y="0"/>
-                </a:lnTo>
-                <a:lnTo>
-                  <a:pt x="120000" y="120000"/>
-                </a:lnTo>
-                <a:lnTo>
-                  <a:pt x="0" y="120000"/>
-                </a:lnTo>
-                <a:close/>
-              </a:path>
-            </a:pathLst>
-          </a:custGeom>
-          <a:noFill/>
-          <a:ln w="9525" cap="flat" cmpd="sng">
-            <a:solidFill>
-              <a:srgbClr val="000000"/>
-            </a:solidFill>
-            <a:prstDash val="solid"/>
-            <a:round/>
-            <a:headEnd type="none" w="sm" len="sm"/>
-            <a:tailEnd type="none" w="sm" len="sm"/>
-          </a:ln>
-        </p:spPr>
-      </p:sp>
-      <p:sp>
-        <p:nvSpPr>
-          <p:cNvPr id="258" name="Google Shape;258;p24:notes"/>
-          <p:cNvSpPr txBox="1">
-            <a:spLocks noGrp="1"/>
-          </p:cNvSpPr>
-          <p:nvPr>
-            <p:ph type="body" idx="1"/>
-          </p:nvPr>
-        </p:nvSpPr>
-        <p:spPr>
-          <a:xfrm>
-            <a:off x="685800" y="4343400"/>
-            <a:ext cx="5486400" cy="4114800"/>
-          </a:xfrm>
-          <a:prstGeom prst="rect">
-            <a:avLst/>
-          </a:prstGeom>
-          <a:noFill/>
-          <a:ln>
-            <a:noFill/>
-          </a:ln>
-        </p:spPr>
-        <p:txBody>
-          <a:bodyPr spcFirstLastPara="1" wrap="square" lIns="91425" tIns="91425" rIns="91425" bIns="91425" anchor="t" anchorCtr="0">
-            <a:noAutofit/>
-          </a:bodyPr>
-          <a:lstStyle/>
-          <a:p>
-            <a:pPr marL="0" lvl="0" indent="0" algn="l" rtl="0">
-              <a:lnSpc>
-                <a:spcPct val="100000"/>
-              </a:lnSpc>
-              <a:spcBef>
-                <a:spcPts val="0"/>
-              </a:spcBef>
-              <a:spcAft>
-                <a:spcPts val="0"/>
-              </a:spcAft>
-              <a:buSzPts val="1100"/>
-              <a:buNone/>
-            </a:pPr>
-            <a:endParaRPr/>
-          </a:p>
-        </p:txBody>
-      </p:sp>
-    </p:spTree>
-  </p:cSld>
-  <p:clrMapOvr>
-    <a:masterClrMapping/>
-  </p:clrMapOvr>
-</p:notes>
-</file>
-
-<file path=ppt/notesSlides/notesSlide49.xml><?xml version="1.0" encoding="utf-8"?>
-<p:notes xmlns:a="http://schemas.openxmlformats.org/drawingml/2006/main" xmlns:r="http://schemas.openxmlformats.org/officeDocument/2006/relationships" xmlns:p="http://schemas.openxmlformats.org/presentationml/2006/main" showMasterSp="0" showMasterPhAnim="0">
-  <p:cSld>
-    <p:spTree>
-      <p:nvGrpSpPr>
-        <p:cNvPr id="1" name="Shape 262"/>
-        <p:cNvGrpSpPr/>
-        <p:nvPr/>
-      </p:nvGrpSpPr>
-      <p:grpSpPr>
-        <a:xfrm>
-          <a:off x="0" y="0"/>
-          <a:ext cx="0" cy="0"/>
-          <a:chOff x="0" y="0"/>
-          <a:chExt cx="0" cy="0"/>
-        </a:xfrm>
-      </p:grpSpPr>
-      <p:sp>
-        <p:nvSpPr>
-          <p:cNvPr id="263" name="Google Shape;263;p25:notes"/>
-          <p:cNvSpPr>
-            <a:spLocks noGrp="1" noRot="1" noChangeAspect="1"/>
-          </p:cNvSpPr>
-          <p:nvPr>
-            <p:ph type="sldImg" idx="2"/>
-          </p:nvPr>
-        </p:nvSpPr>
-        <p:spPr>
-          <a:xfrm>
-            <a:off x="381000" y="685800"/>
-            <a:ext cx="6096000" cy="3429000"/>
-          </a:xfrm>
-          <a:custGeom>
-            <a:avLst/>
-            <a:gdLst/>
-            <a:ahLst/>
-            <a:cxnLst/>
-            <a:rect l="l" t="t" r="r" b="b"/>
-            <a:pathLst>
-              <a:path w="120000" h="120000" extrusionOk="0">
-                <a:moveTo>
-                  <a:pt x="0" y="0"/>
-                </a:moveTo>
-                <a:lnTo>
-                  <a:pt x="120000" y="0"/>
-                </a:lnTo>
-                <a:lnTo>
-                  <a:pt x="120000" y="120000"/>
-                </a:lnTo>
-                <a:lnTo>
-                  <a:pt x="0" y="120000"/>
-                </a:lnTo>
-                <a:close/>
-              </a:path>
-            </a:pathLst>
-          </a:custGeom>
-          <a:noFill/>
-          <a:ln w="9525" cap="flat" cmpd="sng">
-            <a:solidFill>
-              <a:srgbClr val="000000"/>
-            </a:solidFill>
-            <a:prstDash val="solid"/>
-            <a:round/>
-            <a:headEnd type="none" w="sm" len="sm"/>
-            <a:tailEnd type="none" w="sm" len="sm"/>
-          </a:ln>
-        </p:spPr>
-      </p:sp>
-      <p:sp>
-        <p:nvSpPr>
-          <p:cNvPr id="264" name="Google Shape;264;p25:notes"/>
-          <p:cNvSpPr txBox="1">
-            <a:spLocks noGrp="1"/>
-          </p:cNvSpPr>
-          <p:nvPr>
-            <p:ph type="body" idx="1"/>
-          </p:nvPr>
-        </p:nvSpPr>
-        <p:spPr>
-          <a:xfrm>
-            <a:off x="685800" y="4343400"/>
-            <a:ext cx="5486400" cy="4114800"/>
-          </a:xfrm>
-          <a:prstGeom prst="rect">
-            <a:avLst/>
-          </a:prstGeom>
-          <a:noFill/>
-          <a:ln>
-            <a:noFill/>
-          </a:ln>
-        </p:spPr>
-        <p:txBody>
-          <a:bodyPr spcFirstLastPara="1" wrap="square" lIns="91425" tIns="91425" rIns="91425" bIns="91425" anchor="t" anchorCtr="0">
-            <a:noAutofit/>
-          </a:bodyPr>
-          <a:lstStyle/>
-          <a:p>
-            <a:pPr marL="0" lvl="0" indent="0" algn="l" rtl="0">
-              <a:lnSpc>
-                <a:spcPct val="100000"/>
-              </a:lnSpc>
-              <a:spcBef>
-                <a:spcPts val="0"/>
-              </a:spcBef>
-              <a:spcAft>
-                <a:spcPts val="0"/>
-              </a:spcAft>
-              <a:buSzPts val="1100"/>
-              <a:buNone/>
-            </a:pPr>
-            <a:endParaRPr/>
-          </a:p>
-        </p:txBody>
-      </p:sp>
-    </p:spTree>
+    <p:extLst>
+      <p:ext uri="{BB962C8B-B14F-4D97-AF65-F5344CB8AC3E}">
+        <p14:creationId xmlns:p14="http://schemas.microsoft.com/office/powerpoint/2010/main" val="1672397030"/>
+      </p:ext>
+    </p:extLst>
   </p:cSld>
   <p:clrMapOvr>
     <a:masterClrMapping/>
@@ -7020,6 +7115,372 @@
   <p:cSld>
     <p:spTree>
       <p:nvGrpSpPr>
+        <p:cNvPr id="1" name="Shape 249"/>
+        <p:cNvGrpSpPr/>
+        <p:nvPr/>
+      </p:nvGrpSpPr>
+      <p:grpSpPr>
+        <a:xfrm>
+          <a:off x="0" y="0"/>
+          <a:ext cx="0" cy="0"/>
+          <a:chOff x="0" y="0"/>
+          <a:chExt cx="0" cy="0"/>
+        </a:xfrm>
+      </p:grpSpPr>
+      <p:sp>
+        <p:nvSpPr>
+          <p:cNvPr id="250" name="Google Shape;250;p23:notes"/>
+          <p:cNvSpPr>
+            <a:spLocks noGrp="1" noRot="1" noChangeAspect="1"/>
+          </p:cNvSpPr>
+          <p:nvPr>
+            <p:ph type="sldImg" idx="2"/>
+          </p:nvPr>
+        </p:nvSpPr>
+        <p:spPr>
+          <a:xfrm>
+            <a:off x="381000" y="685800"/>
+            <a:ext cx="6096000" cy="3429000"/>
+          </a:xfrm>
+          <a:custGeom>
+            <a:avLst/>
+            <a:gdLst/>
+            <a:ahLst/>
+            <a:cxnLst/>
+            <a:rect l="l" t="t" r="r" b="b"/>
+            <a:pathLst>
+              <a:path w="120000" h="120000" extrusionOk="0">
+                <a:moveTo>
+                  <a:pt x="0" y="0"/>
+                </a:moveTo>
+                <a:lnTo>
+                  <a:pt x="120000" y="0"/>
+                </a:lnTo>
+                <a:lnTo>
+                  <a:pt x="120000" y="120000"/>
+                </a:lnTo>
+                <a:lnTo>
+                  <a:pt x="0" y="120000"/>
+                </a:lnTo>
+                <a:close/>
+              </a:path>
+            </a:pathLst>
+          </a:custGeom>
+          <a:noFill/>
+          <a:ln w="9525" cap="flat" cmpd="sng">
+            <a:solidFill>
+              <a:srgbClr val="000000"/>
+            </a:solidFill>
+            <a:prstDash val="solid"/>
+            <a:round/>
+            <a:headEnd type="none" w="sm" len="sm"/>
+            <a:tailEnd type="none" w="sm" len="sm"/>
+          </a:ln>
+        </p:spPr>
+      </p:sp>
+      <p:sp>
+        <p:nvSpPr>
+          <p:cNvPr id="251" name="Google Shape;251;p23:notes"/>
+          <p:cNvSpPr txBox="1">
+            <a:spLocks noGrp="1"/>
+          </p:cNvSpPr>
+          <p:nvPr>
+            <p:ph type="body" idx="1"/>
+          </p:nvPr>
+        </p:nvSpPr>
+        <p:spPr>
+          <a:xfrm>
+            <a:off x="685800" y="4343400"/>
+            <a:ext cx="5486400" cy="4114800"/>
+          </a:xfrm>
+          <a:prstGeom prst="rect">
+            <a:avLst/>
+          </a:prstGeom>
+          <a:noFill/>
+          <a:ln>
+            <a:noFill/>
+          </a:ln>
+        </p:spPr>
+        <p:txBody>
+          <a:bodyPr spcFirstLastPara="1" wrap="square" lIns="91425" tIns="91425" rIns="91425" bIns="91425" anchor="t" anchorCtr="0">
+            <a:noAutofit/>
+          </a:bodyPr>
+          <a:lstStyle/>
+          <a:p>
+            <a:pPr marL="0" lvl="0" indent="0" algn="l" rtl="0">
+              <a:lnSpc>
+                <a:spcPct val="100000"/>
+              </a:lnSpc>
+              <a:spcBef>
+                <a:spcPts val="0"/>
+              </a:spcBef>
+              <a:spcAft>
+                <a:spcPts val="0"/>
+              </a:spcAft>
+              <a:buSzPts val="1100"/>
+              <a:buNone/>
+            </a:pPr>
+            <a:endParaRPr/>
+          </a:p>
+        </p:txBody>
+      </p:sp>
+    </p:spTree>
+  </p:cSld>
+  <p:clrMapOvr>
+    <a:masterClrMapping/>
+  </p:clrMapOvr>
+</p:notes>
+</file>
+
+<file path=ppt/notesSlides/notesSlide51.xml><?xml version="1.0" encoding="utf-8"?>
+<p:notes xmlns:a="http://schemas.openxmlformats.org/drawingml/2006/main" xmlns:r="http://schemas.openxmlformats.org/officeDocument/2006/relationships" xmlns:p="http://schemas.openxmlformats.org/presentationml/2006/main" showMasterSp="0" showMasterPhAnim="0">
+  <p:cSld>
+    <p:spTree>
+      <p:nvGrpSpPr>
+        <p:cNvPr id="1" name="Shape 256"/>
+        <p:cNvGrpSpPr/>
+        <p:nvPr/>
+      </p:nvGrpSpPr>
+      <p:grpSpPr>
+        <a:xfrm>
+          <a:off x="0" y="0"/>
+          <a:ext cx="0" cy="0"/>
+          <a:chOff x="0" y="0"/>
+          <a:chExt cx="0" cy="0"/>
+        </a:xfrm>
+      </p:grpSpPr>
+      <p:sp>
+        <p:nvSpPr>
+          <p:cNvPr id="257" name="Google Shape;257;p24:notes"/>
+          <p:cNvSpPr>
+            <a:spLocks noGrp="1" noRot="1" noChangeAspect="1"/>
+          </p:cNvSpPr>
+          <p:nvPr>
+            <p:ph type="sldImg" idx="2"/>
+          </p:nvPr>
+        </p:nvSpPr>
+        <p:spPr>
+          <a:xfrm>
+            <a:off x="381000" y="685800"/>
+            <a:ext cx="6096000" cy="3429000"/>
+          </a:xfrm>
+          <a:custGeom>
+            <a:avLst/>
+            <a:gdLst/>
+            <a:ahLst/>
+            <a:cxnLst/>
+            <a:rect l="l" t="t" r="r" b="b"/>
+            <a:pathLst>
+              <a:path w="120000" h="120000" extrusionOk="0">
+                <a:moveTo>
+                  <a:pt x="0" y="0"/>
+                </a:moveTo>
+                <a:lnTo>
+                  <a:pt x="120000" y="0"/>
+                </a:lnTo>
+                <a:lnTo>
+                  <a:pt x="120000" y="120000"/>
+                </a:lnTo>
+                <a:lnTo>
+                  <a:pt x="0" y="120000"/>
+                </a:lnTo>
+                <a:close/>
+              </a:path>
+            </a:pathLst>
+          </a:custGeom>
+          <a:noFill/>
+          <a:ln w="9525" cap="flat" cmpd="sng">
+            <a:solidFill>
+              <a:srgbClr val="000000"/>
+            </a:solidFill>
+            <a:prstDash val="solid"/>
+            <a:round/>
+            <a:headEnd type="none" w="sm" len="sm"/>
+            <a:tailEnd type="none" w="sm" len="sm"/>
+          </a:ln>
+        </p:spPr>
+      </p:sp>
+      <p:sp>
+        <p:nvSpPr>
+          <p:cNvPr id="258" name="Google Shape;258;p24:notes"/>
+          <p:cNvSpPr txBox="1">
+            <a:spLocks noGrp="1"/>
+          </p:cNvSpPr>
+          <p:nvPr>
+            <p:ph type="body" idx="1"/>
+          </p:nvPr>
+        </p:nvSpPr>
+        <p:spPr>
+          <a:xfrm>
+            <a:off x="685800" y="4343400"/>
+            <a:ext cx="5486400" cy="4114800"/>
+          </a:xfrm>
+          <a:prstGeom prst="rect">
+            <a:avLst/>
+          </a:prstGeom>
+          <a:noFill/>
+          <a:ln>
+            <a:noFill/>
+          </a:ln>
+        </p:spPr>
+        <p:txBody>
+          <a:bodyPr spcFirstLastPara="1" wrap="square" lIns="91425" tIns="91425" rIns="91425" bIns="91425" anchor="t" anchorCtr="0">
+            <a:noAutofit/>
+          </a:bodyPr>
+          <a:lstStyle/>
+          <a:p>
+            <a:pPr marL="0" lvl="0" indent="0" algn="l" rtl="0">
+              <a:lnSpc>
+                <a:spcPct val="100000"/>
+              </a:lnSpc>
+              <a:spcBef>
+                <a:spcPts val="0"/>
+              </a:spcBef>
+              <a:spcAft>
+                <a:spcPts val="0"/>
+              </a:spcAft>
+              <a:buSzPts val="1100"/>
+              <a:buNone/>
+            </a:pPr>
+            <a:endParaRPr/>
+          </a:p>
+        </p:txBody>
+      </p:sp>
+    </p:spTree>
+  </p:cSld>
+  <p:clrMapOvr>
+    <a:masterClrMapping/>
+  </p:clrMapOvr>
+</p:notes>
+</file>
+
+<file path=ppt/notesSlides/notesSlide52.xml><?xml version="1.0" encoding="utf-8"?>
+<p:notes xmlns:a="http://schemas.openxmlformats.org/drawingml/2006/main" xmlns:r="http://schemas.openxmlformats.org/officeDocument/2006/relationships" xmlns:p="http://schemas.openxmlformats.org/presentationml/2006/main" showMasterSp="0" showMasterPhAnim="0">
+  <p:cSld>
+    <p:spTree>
+      <p:nvGrpSpPr>
+        <p:cNvPr id="1" name="Shape 262"/>
+        <p:cNvGrpSpPr/>
+        <p:nvPr/>
+      </p:nvGrpSpPr>
+      <p:grpSpPr>
+        <a:xfrm>
+          <a:off x="0" y="0"/>
+          <a:ext cx="0" cy="0"/>
+          <a:chOff x="0" y="0"/>
+          <a:chExt cx="0" cy="0"/>
+        </a:xfrm>
+      </p:grpSpPr>
+      <p:sp>
+        <p:nvSpPr>
+          <p:cNvPr id="263" name="Google Shape;263;p25:notes"/>
+          <p:cNvSpPr>
+            <a:spLocks noGrp="1" noRot="1" noChangeAspect="1"/>
+          </p:cNvSpPr>
+          <p:nvPr>
+            <p:ph type="sldImg" idx="2"/>
+          </p:nvPr>
+        </p:nvSpPr>
+        <p:spPr>
+          <a:xfrm>
+            <a:off x="381000" y="685800"/>
+            <a:ext cx="6096000" cy="3429000"/>
+          </a:xfrm>
+          <a:custGeom>
+            <a:avLst/>
+            <a:gdLst/>
+            <a:ahLst/>
+            <a:cxnLst/>
+            <a:rect l="l" t="t" r="r" b="b"/>
+            <a:pathLst>
+              <a:path w="120000" h="120000" extrusionOk="0">
+                <a:moveTo>
+                  <a:pt x="0" y="0"/>
+                </a:moveTo>
+                <a:lnTo>
+                  <a:pt x="120000" y="0"/>
+                </a:lnTo>
+                <a:lnTo>
+                  <a:pt x="120000" y="120000"/>
+                </a:lnTo>
+                <a:lnTo>
+                  <a:pt x="0" y="120000"/>
+                </a:lnTo>
+                <a:close/>
+              </a:path>
+            </a:pathLst>
+          </a:custGeom>
+          <a:noFill/>
+          <a:ln w="9525" cap="flat" cmpd="sng">
+            <a:solidFill>
+              <a:srgbClr val="000000"/>
+            </a:solidFill>
+            <a:prstDash val="solid"/>
+            <a:round/>
+            <a:headEnd type="none" w="sm" len="sm"/>
+            <a:tailEnd type="none" w="sm" len="sm"/>
+          </a:ln>
+        </p:spPr>
+      </p:sp>
+      <p:sp>
+        <p:nvSpPr>
+          <p:cNvPr id="264" name="Google Shape;264;p25:notes"/>
+          <p:cNvSpPr txBox="1">
+            <a:spLocks noGrp="1"/>
+          </p:cNvSpPr>
+          <p:nvPr>
+            <p:ph type="body" idx="1"/>
+          </p:nvPr>
+        </p:nvSpPr>
+        <p:spPr>
+          <a:xfrm>
+            <a:off x="685800" y="4343400"/>
+            <a:ext cx="5486400" cy="4114800"/>
+          </a:xfrm>
+          <a:prstGeom prst="rect">
+            <a:avLst/>
+          </a:prstGeom>
+          <a:noFill/>
+          <a:ln>
+            <a:noFill/>
+          </a:ln>
+        </p:spPr>
+        <p:txBody>
+          <a:bodyPr spcFirstLastPara="1" wrap="square" lIns="91425" tIns="91425" rIns="91425" bIns="91425" anchor="t" anchorCtr="0">
+            <a:noAutofit/>
+          </a:bodyPr>
+          <a:lstStyle/>
+          <a:p>
+            <a:pPr marL="0" lvl="0" indent="0" algn="l" rtl="0">
+              <a:lnSpc>
+                <a:spcPct val="100000"/>
+              </a:lnSpc>
+              <a:spcBef>
+                <a:spcPts val="0"/>
+              </a:spcBef>
+              <a:spcAft>
+                <a:spcPts val="0"/>
+              </a:spcAft>
+              <a:buSzPts val="1100"/>
+              <a:buNone/>
+            </a:pPr>
+            <a:endParaRPr/>
+          </a:p>
+        </p:txBody>
+      </p:sp>
+    </p:spTree>
+  </p:cSld>
+  <p:clrMapOvr>
+    <a:masterClrMapping/>
+  </p:clrMapOvr>
+</p:notes>
+</file>
+
+<file path=ppt/notesSlides/notesSlide53.xml><?xml version="1.0" encoding="utf-8"?>
+<p:notes xmlns:a="http://schemas.openxmlformats.org/drawingml/2006/main" xmlns:r="http://schemas.openxmlformats.org/officeDocument/2006/relationships" xmlns:p="http://schemas.openxmlformats.org/presentationml/2006/main" showMasterSp="0" showMasterPhAnim="0">
+  <p:cSld>
+    <p:spTree>
+      <p:nvGrpSpPr>
         <p:cNvPr id="1" name="Shape 267"/>
         <p:cNvGrpSpPr/>
         <p:nvPr/>
@@ -7137,7 +7598,7 @@
 </p:notes>
 </file>
 
-<file path=ppt/notesSlides/notesSlide51.xml><?xml version="1.0" encoding="utf-8"?>
+<file path=ppt/notesSlides/notesSlide54.xml><?xml version="1.0" encoding="utf-8"?>
 <p:notes xmlns:a="http://schemas.openxmlformats.org/drawingml/2006/main" xmlns:r="http://schemas.openxmlformats.org/officeDocument/2006/relationships" xmlns:p="http://schemas.openxmlformats.org/presentationml/2006/main" showMasterSp="0" showMasterPhAnim="0">
   <p:cSld>
     <p:spTree>
@@ -7307,7 +7768,7 @@
                 <a:cs typeface="Calibri"/>
                 <a:sym typeface="Calibri"/>
               </a:rPr>
-              <a:t>54</a:t>
+              <a:t>57</a:t>
             </a:fld>
             <a:endParaRPr sz="1200" b="0" i="0" u="none" strike="noStrike" cap="none">
               <a:solidFill>
@@ -35845,7 +36306,7 @@
         </p:nvSpPr>
         <p:spPr>
           <a:xfrm>
-            <a:off x="202550" y="289279"/>
+            <a:off x="257100" y="19129"/>
             <a:ext cx="8520600" cy="572700"/>
           </a:xfrm>
           <a:prstGeom prst="rect">
@@ -35924,8 +36385,8 @@
         </p:blipFill>
         <p:spPr>
           <a:xfrm>
-            <a:off x="1438940" y="1779182"/>
-            <a:ext cx="6438822" cy="2502196"/>
+            <a:off x="1240466" y="1609865"/>
+            <a:ext cx="5302102" cy="1778377"/>
           </a:xfrm>
           <a:prstGeom prst="rect">
             <a:avLst/>
@@ -35954,7 +36415,7 @@
         </p:nvSpPr>
         <p:spPr>
           <a:xfrm>
-            <a:off x="202550" y="752645"/>
+            <a:off x="147900" y="532305"/>
             <a:ext cx="8629800" cy="895800"/>
           </a:xfrm>
           <a:prstGeom prst="rect">
@@ -36066,8 +36527,8 @@
         </p:nvSpPr>
         <p:spPr>
           <a:xfrm>
-            <a:off x="385199" y="4286244"/>
-            <a:ext cx="8629800" cy="660663"/>
+            <a:off x="257100" y="3440508"/>
+            <a:ext cx="8629800" cy="1612719"/>
           </a:xfrm>
           <a:prstGeom prst="rect">
             <a:avLst/>
@@ -36361,7 +36822,7 @@
                 <a:cs typeface="Century Gothic"/>
                 <a:sym typeface="Century Gothic"/>
               </a:rPr>
-              <a:t> – represents whether a loan was defaulted or not. It is the feature label which we are training the</a:t>
+              <a:t> – represents whether a loan was defaulted or not. </a:t>
             </a:r>
           </a:p>
           <a:p>
@@ -36376,7 +36837,7 @@
               <a:buNone/>
             </a:pPr>
             <a:r>
-              <a:rPr lang="en-US" sz="1200" dirty="0">
+              <a:rPr lang="en-US" sz="1200" b="1" dirty="0">
                 <a:solidFill>
                   <a:schemeClr val="dk1"/>
                 </a:solidFill>
@@ -36385,8 +36846,54 @@
                 <a:cs typeface="Century Gothic"/>
                 <a:sym typeface="Century Gothic"/>
               </a:rPr>
-              <a:t>model to predict. No normalization or modifications should be done here. </a:t>
-            </a:r>
+              <a:t>Observations</a:t>
+            </a:r>
+            <a:r>
+              <a:rPr lang="en-US" sz="1200" dirty="0">
+                <a:solidFill>
+                  <a:schemeClr val="dk1"/>
+                </a:solidFill>
+                <a:latin typeface="Century Gothic"/>
+                <a:ea typeface="Century Gothic"/>
+                <a:cs typeface="Century Gothic"/>
+                <a:sym typeface="Century Gothic"/>
+              </a:rPr>
+              <a:t>:</a:t>
+            </a:r>
+          </a:p>
+          <a:p>
+            <a:pPr marL="311150" indent="-171450" algn="just">
+              <a:spcBef>
+                <a:spcPts val="200"/>
+              </a:spcBef>
+              <a:buClr>
+                <a:schemeClr val="dk1"/>
+              </a:buClr>
+              <a:buSzPts val="1400"/>
+            </a:pPr>
+            <a:r>
+              <a:rPr lang="en-US" sz="1200" dirty="0">
+                <a:solidFill>
+                  <a:schemeClr val="dk1"/>
+                </a:solidFill>
+                <a:latin typeface="Century Gothic"/>
+                <a:ea typeface="Century Gothic"/>
+                <a:cs typeface="Century Gothic"/>
+                <a:sym typeface="Century Gothic"/>
+              </a:rPr>
+              <a:t>Feature Label we are training model to predict. No normalization or modifications to be done.</a:t>
+            </a:r>
+          </a:p>
+          <a:p>
+            <a:pPr marL="311150" indent="-171450" algn="just">
+              <a:spcBef>
+                <a:spcPts val="200"/>
+              </a:spcBef>
+              <a:buClr>
+                <a:schemeClr val="dk1"/>
+              </a:buClr>
+              <a:buSzPts val="1400"/>
+            </a:pPr>
             <a:r>
               <a:rPr lang="en-US" sz="1200" b="1" dirty="0">
                 <a:solidFill>
@@ -36409,7 +36916,77 @@
                 <a:cs typeface="Century Gothic"/>
                 <a:sym typeface="Century Gothic"/>
               </a:rPr>
-              <a:t>of loans were defaulted on.</a:t>
+              <a:t>of loans were defaulted / </a:t>
+            </a:r>
+            <a:r>
+              <a:rPr lang="en-US" sz="1200" b="1" dirty="0">
+                <a:solidFill>
+                  <a:schemeClr val="dk1"/>
+                </a:solidFill>
+                <a:latin typeface="Century Gothic"/>
+                <a:ea typeface="Century Gothic"/>
+                <a:cs typeface="Century Gothic"/>
+                <a:sym typeface="Century Gothic"/>
+              </a:rPr>
+              <a:t>80% </a:t>
+            </a:r>
+            <a:r>
+              <a:rPr lang="en-US" sz="1200" dirty="0">
+                <a:solidFill>
+                  <a:schemeClr val="dk1"/>
+                </a:solidFill>
+                <a:latin typeface="Century Gothic"/>
+                <a:ea typeface="Century Gothic"/>
+                <a:cs typeface="Century Gothic"/>
+                <a:sym typeface="Century Gothic"/>
+              </a:rPr>
+              <a:t>of loans were not</a:t>
+            </a:r>
+          </a:p>
+          <a:p>
+            <a:pPr marL="311150" indent="-171450" algn="just">
+              <a:spcBef>
+                <a:spcPts val="200"/>
+              </a:spcBef>
+              <a:buClr>
+                <a:schemeClr val="dk1"/>
+              </a:buClr>
+              <a:buSzPts val="1400"/>
+            </a:pPr>
+            <a:r>
+              <a:rPr lang="en-US" sz="1200" dirty="0">
+                <a:solidFill>
+                  <a:schemeClr val="dk1"/>
+                </a:solidFill>
+                <a:latin typeface="Century Gothic"/>
+                <a:ea typeface="Century Gothic"/>
+                <a:cs typeface="Century Gothic"/>
+                <a:sym typeface="Century Gothic"/>
+              </a:rPr>
+              <a:t>Class imbalance exists (for non-defaulting results)</a:t>
+            </a:r>
+          </a:p>
+          <a:p>
+            <a:pPr marL="311150" indent="-171450" algn="just">
+              <a:spcBef>
+                <a:spcPts val="200"/>
+              </a:spcBef>
+              <a:buClr>
+                <a:schemeClr val="dk1"/>
+              </a:buClr>
+              <a:buSzPts val="1400"/>
+            </a:pPr>
+            <a:r>
+              <a:rPr lang="en-US" sz="1200" dirty="0">
+                <a:solidFill>
+                  <a:schemeClr val="dk1"/>
+                </a:solidFill>
+                <a:latin typeface="Century Gothic"/>
+                <a:ea typeface="Century Gothic"/>
+                <a:cs typeface="Century Gothic"/>
+                <a:sym typeface="Century Gothic"/>
+              </a:rPr>
+              <a:t>Class weighting will have to be calculated and applied during model training</a:t>
             </a:r>
           </a:p>
         </p:txBody>
@@ -48908,7 +49485,7 @@
         </p:nvSpPr>
         <p:spPr>
           <a:xfrm>
-            <a:off x="202550" y="289279"/>
+            <a:off x="202550" y="88857"/>
             <a:ext cx="8520600" cy="572700"/>
           </a:xfrm>
           <a:prstGeom prst="rect">
@@ -48939,7 +49516,7 @@
               <a:buNone/>
             </a:pPr>
             <a:r>
-              <a:rPr lang="en-US">
+              <a:rPr lang="en-US" dirty="0">
                 <a:solidFill>
                   <a:schemeClr val="lt2"/>
                 </a:solidFill>
@@ -48950,7 +49527,7 @@
               </a:rPr>
               <a:t>Scenario 1: Basic Neural Network </a:t>
             </a:r>
-            <a:endParaRPr/>
+            <a:endParaRPr dirty="0"/>
           </a:p>
         </p:txBody>
       </p:sp>
@@ -48966,8 +49543,8 @@
         </p:nvSpPr>
         <p:spPr>
           <a:xfrm>
-            <a:off x="202550" y="861975"/>
-            <a:ext cx="8307900" cy="488400"/>
+            <a:off x="415250" y="1935381"/>
+            <a:ext cx="8307900" cy="3011525"/>
           </a:xfrm>
           <a:prstGeom prst="rect">
             <a:avLst/>
@@ -48983,44 +49560,311 @@
           </a:bodyPr>
           <a:lstStyle/>
           <a:p>
-            <a:pPr marL="457200" lvl="0" indent="-317500" algn="l" rtl="0">
-              <a:lnSpc>
-                <a:spcPct val="115000"/>
-              </a:lnSpc>
-              <a:spcBef>
-                <a:spcPts val="1000"/>
-              </a:spcBef>
-              <a:spcAft>
-                <a:spcPts val="0"/>
-              </a:spcAft>
+            <a:pPr marL="171450" indent="-171450" algn="just">
+              <a:spcBef>
+                <a:spcPts val="400"/>
+              </a:spcBef>
               <a:buClr>
                 <a:schemeClr val="dk1"/>
               </a:buClr>
               <a:buSzPts val="1400"/>
-              <a:buFont typeface="Century Gothic"/>
-              <a:buChar char="●"/>
             </a:pPr>
             <a:r>
-              <a:rPr lang="en-US" sz="1400">
+              <a:rPr lang="en-US" sz="1200" b="1" dirty="0">
                 <a:solidFill>
                   <a:schemeClr val="dk1"/>
                 </a:solidFill>
-                <a:latin typeface="Century Gothic"/>
+                <a:latin typeface="Nunito" pitchFamily="2" charset="0"/>
                 <a:ea typeface="Century Gothic"/>
                 <a:cs typeface="Century Gothic"/>
                 <a:sym typeface="Century Gothic"/>
               </a:rPr>
-              <a:t>Please comment on the model performance </a:t>
-            </a:r>
-            <a:endParaRPr sz="1400">
+              <a:t>Definitions</a:t>
+            </a:r>
+          </a:p>
+          <a:p>
+            <a:pPr marL="628650" lvl="1" indent="-171450" algn="just">
+              <a:spcBef>
+                <a:spcPts val="400"/>
+              </a:spcBef>
+              <a:buClr>
+                <a:schemeClr val="dk1"/>
+              </a:buClr>
+              <a:buSzPts val="1400"/>
+            </a:pPr>
+            <a:r>
+              <a:rPr lang="en-US" sz="1000" b="1" dirty="0">
+                <a:solidFill>
+                  <a:schemeClr val="dk1"/>
+                </a:solidFill>
+                <a:latin typeface="Nunito" pitchFamily="2" charset="0"/>
+                <a:ea typeface="Century Gothic"/>
+                <a:cs typeface="Century Gothic"/>
+                <a:sym typeface="Century Gothic"/>
+              </a:rPr>
+              <a:t>Accuracy – </a:t>
+            </a:r>
+            <a:r>
+              <a:rPr lang="en-US" sz="1000" dirty="0">
+                <a:solidFill>
+                  <a:schemeClr val="dk1"/>
+                </a:solidFill>
+                <a:latin typeface="Nunito" pitchFamily="2" charset="0"/>
+                <a:ea typeface="Century Gothic"/>
+                <a:cs typeface="Century Gothic"/>
+                <a:sym typeface="Century Gothic"/>
+              </a:rPr>
+              <a:t>percentage of model predictions that are correct</a:t>
+            </a:r>
+          </a:p>
+          <a:p>
+            <a:pPr marL="628650" lvl="1" indent="-171450" algn="just">
+              <a:spcBef>
+                <a:spcPts val="400"/>
+              </a:spcBef>
+              <a:buClr>
+                <a:schemeClr val="dk1"/>
+              </a:buClr>
+              <a:buSzPts val="1400"/>
+            </a:pPr>
+            <a:r>
+              <a:rPr lang="en-US" sz="1000" b="1" dirty="0">
+                <a:solidFill>
+                  <a:schemeClr val="dk1"/>
+                </a:solidFill>
+                <a:latin typeface="Nunito" pitchFamily="2" charset="0"/>
+                <a:ea typeface="Century Gothic"/>
+                <a:cs typeface="Century Gothic"/>
+                <a:sym typeface="Century Gothic"/>
+              </a:rPr>
+              <a:t>Kappa – (0&lt;-&gt;1.0) </a:t>
+            </a:r>
+            <a:r>
+              <a:rPr lang="en-US" sz="1000" dirty="0">
+                <a:solidFill>
+                  <a:schemeClr val="dk1"/>
+                </a:solidFill>
+                <a:latin typeface="Nunito" pitchFamily="2" charset="0"/>
+                <a:ea typeface="Century Gothic"/>
+                <a:cs typeface="Century Gothic"/>
+                <a:sym typeface="Century Gothic"/>
+              </a:rPr>
+              <a:t>how much model is better than random guessing</a:t>
+            </a:r>
+          </a:p>
+          <a:p>
+            <a:pPr marL="628650" lvl="1" indent="-171450" algn="just">
+              <a:spcBef>
+                <a:spcPts val="400"/>
+              </a:spcBef>
+              <a:buClr>
+                <a:schemeClr val="dk1"/>
+              </a:buClr>
+              <a:buSzPts val="1400"/>
+            </a:pPr>
+            <a:r>
+              <a:rPr lang="en-US" sz="1000" b="1" dirty="0">
+                <a:solidFill>
+                  <a:schemeClr val="dk1"/>
+                </a:solidFill>
+                <a:latin typeface="Nunito" pitchFamily="2" charset="0"/>
+                <a:ea typeface="Century Gothic"/>
+                <a:cs typeface="Century Gothic"/>
+                <a:sym typeface="Century Gothic"/>
+              </a:rPr>
+              <a:t>Weighted Recall</a:t>
+            </a:r>
+          </a:p>
+          <a:p>
+            <a:pPr marL="1085850" lvl="2" indent="-171450" algn="just">
+              <a:spcBef>
+                <a:spcPts val="400"/>
+              </a:spcBef>
+              <a:buClr>
+                <a:schemeClr val="dk1"/>
+              </a:buClr>
+              <a:buSzPts val="1400"/>
+            </a:pPr>
+            <a:r>
+              <a:rPr lang="en-US" sz="900" b="1" dirty="0">
+                <a:solidFill>
+                  <a:schemeClr val="dk1"/>
+                </a:solidFill>
+                <a:latin typeface="Nunito" pitchFamily="2" charset="0"/>
+                <a:ea typeface="Century Gothic"/>
+                <a:cs typeface="Century Gothic"/>
+                <a:sym typeface="Century Gothic"/>
+              </a:rPr>
+              <a:t>Recall – </a:t>
+            </a:r>
+            <a:r>
+              <a:rPr lang="en-US" sz="900" dirty="0"/>
+              <a:t>percentage of defaults actually caught by model</a:t>
+            </a:r>
+          </a:p>
+          <a:p>
+            <a:pPr marL="1085850" lvl="2" indent="-171450" algn="just">
+              <a:spcBef>
+                <a:spcPts val="400"/>
+              </a:spcBef>
+              <a:buClr>
+                <a:schemeClr val="dk1"/>
+              </a:buClr>
+              <a:buSzPts val="1400"/>
+            </a:pPr>
+            <a:r>
+              <a:rPr lang="en-US" sz="900" b="1" dirty="0">
+                <a:solidFill>
+                  <a:schemeClr val="dk1"/>
+                </a:solidFill>
+                <a:latin typeface="Nunito" pitchFamily="2" charset="0"/>
+                <a:ea typeface="Century Gothic"/>
+                <a:cs typeface="Century Gothic"/>
+                <a:sym typeface="Century Gothic"/>
+              </a:rPr>
+              <a:t>Weighted Recall – </a:t>
+            </a:r>
+            <a:r>
+              <a:rPr lang="en-US" sz="900" dirty="0"/>
+              <a:t>average recall across both classes, weighted by class size</a:t>
+            </a:r>
+            <a:endParaRPr lang="en-US" sz="900" b="1" dirty="0">
               <a:solidFill>
                 <a:schemeClr val="dk1"/>
               </a:solidFill>
-              <a:latin typeface="Century Gothic"/>
+              <a:latin typeface="Nunito" pitchFamily="2" charset="0"/>
               <a:ea typeface="Century Gothic"/>
               <a:cs typeface="Century Gothic"/>
               <a:sym typeface="Century Gothic"/>
             </a:endParaRPr>
+          </a:p>
+          <a:p>
+            <a:pPr marL="628650" lvl="1" indent="-171450" algn="just">
+              <a:spcBef>
+                <a:spcPts val="400"/>
+              </a:spcBef>
+              <a:buClr>
+                <a:schemeClr val="dk1"/>
+              </a:buClr>
+              <a:buSzPts val="1400"/>
+            </a:pPr>
+            <a:r>
+              <a:rPr lang="en-US" sz="1000" b="1" dirty="0">
+                <a:solidFill>
+                  <a:schemeClr val="dk1"/>
+                </a:solidFill>
+                <a:latin typeface="Nunito" pitchFamily="2" charset="0"/>
+                <a:ea typeface="Century Gothic"/>
+                <a:cs typeface="Century Gothic"/>
+                <a:sym typeface="Century Gothic"/>
+              </a:rPr>
+              <a:t>Weighted Precision </a:t>
+            </a:r>
+          </a:p>
+          <a:p>
+            <a:pPr marL="1085850" lvl="2" indent="-171450" algn="just">
+              <a:spcBef>
+                <a:spcPts val="400"/>
+              </a:spcBef>
+              <a:buClr>
+                <a:schemeClr val="dk1"/>
+              </a:buClr>
+              <a:buSzPts val="1400"/>
+            </a:pPr>
+            <a:r>
+              <a:rPr lang="en-US" sz="900" b="1" dirty="0">
+                <a:solidFill>
+                  <a:schemeClr val="dk1"/>
+                </a:solidFill>
+                <a:latin typeface="Nunito" pitchFamily="2" charset="0"/>
+                <a:ea typeface="Century Gothic"/>
+                <a:cs typeface="Century Gothic"/>
+                <a:sym typeface="Century Gothic"/>
+              </a:rPr>
+              <a:t>Precision – </a:t>
+            </a:r>
+            <a:r>
+              <a:rPr lang="en-US" sz="900" dirty="0"/>
+              <a:t>of all predicted defaults, what percentage were actually correct?</a:t>
+            </a:r>
+          </a:p>
+          <a:p>
+            <a:pPr marL="1085850" lvl="2" indent="-171450" algn="just">
+              <a:spcBef>
+                <a:spcPts val="400"/>
+              </a:spcBef>
+              <a:buClr>
+                <a:schemeClr val="dk1"/>
+              </a:buClr>
+              <a:buSzPts val="1400"/>
+            </a:pPr>
+            <a:r>
+              <a:rPr lang="en-US" sz="900" b="1" dirty="0">
+                <a:solidFill>
+                  <a:schemeClr val="dk1"/>
+                </a:solidFill>
+                <a:latin typeface="Nunito" pitchFamily="2" charset="0"/>
+                <a:ea typeface="Century Gothic"/>
+                <a:cs typeface="Century Gothic"/>
+                <a:sym typeface="Century Gothic"/>
+              </a:rPr>
+              <a:t>Weighted Precision – </a:t>
+            </a:r>
+            <a:r>
+              <a:rPr lang="en-US" sz="900" dirty="0"/>
+              <a:t>average precision across both classes, weighted by class size.</a:t>
+            </a:r>
+            <a:endParaRPr lang="en-US" sz="1000" dirty="0">
+              <a:solidFill>
+                <a:schemeClr val="dk1"/>
+              </a:solidFill>
+              <a:latin typeface="Nunito" pitchFamily="2" charset="0"/>
+              <a:sym typeface="Century Gothic"/>
+            </a:endParaRPr>
+          </a:p>
+          <a:p>
+            <a:pPr marL="171450" indent="-171450" algn="just">
+              <a:spcBef>
+                <a:spcPts val="400"/>
+              </a:spcBef>
+              <a:buClr>
+                <a:schemeClr val="dk1"/>
+              </a:buClr>
+              <a:buSzPts val="1400"/>
+            </a:pPr>
+            <a:r>
+              <a:rPr lang="en-US" sz="1200" b="1" dirty="0">
+                <a:solidFill>
+                  <a:schemeClr val="dk1"/>
+                </a:solidFill>
+                <a:latin typeface="Nunito" pitchFamily="2" charset="0"/>
+                <a:ea typeface="Century Gothic"/>
+                <a:cs typeface="Century Gothic"/>
+                <a:sym typeface="Century Gothic"/>
+              </a:rPr>
+              <a:t>Why Weight?</a:t>
+            </a:r>
+          </a:p>
+          <a:p>
+            <a:pPr marL="628650" lvl="1" indent="-171450" algn="just">
+              <a:spcBef>
+                <a:spcPts val="400"/>
+              </a:spcBef>
+              <a:buClr>
+                <a:schemeClr val="dk1"/>
+              </a:buClr>
+              <a:buSzPts val="1400"/>
+            </a:pPr>
+            <a:r>
+              <a:rPr lang="en-US" sz="1000" dirty="0">
+                <a:solidFill>
+                  <a:schemeClr val="dk1"/>
+                </a:solidFill>
+                <a:latin typeface="Nunito" pitchFamily="2" charset="0"/>
+                <a:sym typeface="Century Gothic"/>
+              </a:rPr>
+              <a:t>To account for class imbalance, weighting gives more importance to majority (non-default) so scores are reflection of population proportions</a:t>
+            </a:r>
           </a:p>
         </p:txBody>
       </p:sp>
@@ -49028,10 +49872,16 @@
         <p:nvGraphicFramePr>
           <p:cNvPr id="234" name="Google Shape;234;p48"/>
           <p:cNvGraphicFramePr/>
-          <p:nvPr/>
+          <p:nvPr>
+            <p:extLst>
+              <p:ext uri="{D42A27DB-BD31-4B8C-83A1-F6EECF244321}">
+                <p14:modId xmlns:p14="http://schemas.microsoft.com/office/powerpoint/2010/main" val="2017363557"/>
+              </p:ext>
+            </p:extLst>
+          </p:nvPr>
         </p:nvGraphicFramePr>
         <p:xfrm>
-          <a:off x="1364816" y="1751211"/>
+          <a:off x="1251404" y="661557"/>
           <a:ext cx="5983350" cy="1273825"/>
         </p:xfrm>
         <a:graphic>
@@ -49192,7 +50042,7 @@
                         <a:buNone/>
                       </a:pPr>
                       <a:r>
-                        <a:rPr lang="en-US" sz="1200" u="none" strike="noStrike" cap="none">
+                        <a:rPr lang="en-US" sz="1200" u="none" strike="noStrike" cap="none" dirty="0">
                           <a:latin typeface="Nunito"/>
                           <a:ea typeface="Nunito"/>
                           <a:cs typeface="Nunito"/>
@@ -49200,7 +50050,7 @@
                         </a:rPr>
                         <a:t>Kappa</a:t>
                       </a:r>
-                      <a:endParaRPr sz="1200" u="none" strike="noStrike" cap="none">
+                      <a:endParaRPr sz="1200" u="none" strike="noStrike" cap="none" dirty="0">
                         <a:latin typeface="Nunito"/>
                         <a:ea typeface="Nunito"/>
                         <a:cs typeface="Nunito"/>
@@ -49498,7 +50348,7 @@
                         <a:buNone/>
                       </a:pPr>
                       <a:r>
-                        <a:rPr lang="en-US" sz="1200" u="none" strike="noStrike" cap="none">
+                        <a:rPr lang="en-US" sz="1200" u="none" strike="noStrike" cap="none" dirty="0">
                           <a:latin typeface="Nunito"/>
                           <a:ea typeface="Nunito"/>
                           <a:cs typeface="Nunito"/>
@@ -49506,7 +50356,7 @@
                         </a:rPr>
                         <a:t>76.71</a:t>
                       </a:r>
-                      <a:endParaRPr sz="1200" u="none" strike="noStrike" cap="none">
+                      <a:endParaRPr sz="1200" u="none" strike="noStrike" cap="none" dirty="0">
                         <a:latin typeface="Nunito"/>
                         <a:ea typeface="Nunito"/>
                         <a:cs typeface="Nunito"/>
@@ -49577,7 +50427,13 @@
   <p:cSld>
     <p:spTree>
       <p:nvGrpSpPr>
-        <p:cNvPr id="1" name="Shape 238"/>
+        <p:cNvPr id="1" name="Shape 231">
+          <a:extLst>
+            <a:ext uri="{FF2B5EF4-FFF2-40B4-BE49-F238E27FC236}">
+              <a16:creationId xmlns:a16="http://schemas.microsoft.com/office/drawing/2014/main" id="{5DB4A477-0DBF-DA9C-0021-9CE4AAE81086}"/>
+            </a:ext>
+          </a:extLst>
+        </p:cNvPr>
         <p:cNvGrpSpPr/>
         <p:nvPr/>
       </p:nvGrpSpPr>
@@ -49591,7 +50447,13 @@
       </p:grpSpPr>
       <p:sp>
         <p:nvSpPr>
-          <p:cNvPr id="239" name="Google Shape;239;p49"/>
+          <p:cNvPr id="232" name="Google Shape;232;p48">
+            <a:extLst>
+              <a:ext uri="{FF2B5EF4-FFF2-40B4-BE49-F238E27FC236}">
+                <a16:creationId xmlns:a16="http://schemas.microsoft.com/office/drawing/2014/main" id="{5CAFED05-77FB-EE72-881C-7D7C31E416E4}"/>
+              </a:ext>
+            </a:extLst>
+          </p:cNvPr>
           <p:cNvSpPr txBox="1">
             <a:spLocks noGrp="1"/>
           </p:cNvSpPr>
@@ -49601,7 +50463,7 @@
         </p:nvSpPr>
         <p:spPr>
           <a:xfrm>
-            <a:off x="202550" y="289279"/>
+            <a:off x="202550" y="88857"/>
             <a:ext cx="8520600" cy="572700"/>
           </a:xfrm>
           <a:prstGeom prst="rect">
@@ -49632,7 +50494,7 @@
               <a:buNone/>
             </a:pPr>
             <a:r>
-              <a:rPr lang="en-US">
+              <a:rPr lang="en-US" dirty="0">
                 <a:solidFill>
                   <a:schemeClr val="lt2"/>
                 </a:solidFill>
@@ -49641,15 +50503,21 @@
                 <a:cs typeface="Century Gothic"/>
                 <a:sym typeface="Century Gothic"/>
               </a:rPr>
-              <a:t>Scenario 2: Neural Network With Parameter Tuning</a:t>
-            </a:r>
-            <a:endParaRPr/>
+              <a:t>Scenario 1: Basic Neural Network </a:t>
+            </a:r>
+            <a:endParaRPr dirty="0"/>
           </a:p>
         </p:txBody>
       </p:sp>
       <p:sp>
         <p:nvSpPr>
-          <p:cNvPr id="240" name="Google Shape;240;p49"/>
+          <p:cNvPr id="233" name="Google Shape;233;p48">
+            <a:extLst>
+              <a:ext uri="{FF2B5EF4-FFF2-40B4-BE49-F238E27FC236}">
+                <a16:creationId xmlns:a16="http://schemas.microsoft.com/office/drawing/2014/main" id="{140E8793-5A0B-BA3B-41CC-CFE952BAFF76}"/>
+              </a:ext>
+            </a:extLst>
+          </p:cNvPr>
           <p:cNvSpPr txBox="1">
             <a:spLocks noGrp="1"/>
           </p:cNvSpPr>
@@ -49659,8 +50527,8 @@
         </p:nvSpPr>
         <p:spPr>
           <a:xfrm>
-            <a:off x="202550" y="861975"/>
-            <a:ext cx="8307900" cy="572700"/>
+            <a:off x="415250" y="873167"/>
+            <a:ext cx="8307900" cy="3883131"/>
           </a:xfrm>
           <a:prstGeom prst="rect">
             <a:avLst/>
@@ -49676,56 +50544,537 @@
           </a:bodyPr>
           <a:lstStyle/>
           <a:p>
-            <a:pPr marL="457200" lvl="0" indent="-317500" algn="l" rtl="0">
-              <a:lnSpc>
-                <a:spcPct val="115000"/>
-              </a:lnSpc>
-              <a:spcBef>
-                <a:spcPts val="1000"/>
-              </a:spcBef>
-              <a:spcAft>
-                <a:spcPts val="0"/>
-              </a:spcAft>
+            <a:pPr marL="171450" indent="-171450" algn="just">
+              <a:spcBef>
+                <a:spcPts val="400"/>
+              </a:spcBef>
               <a:buClr>
                 <a:schemeClr val="dk1"/>
               </a:buClr>
               <a:buSzPts val="1400"/>
-              <a:buFont typeface="Century Gothic"/>
-              <a:buChar char="●"/>
             </a:pPr>
             <a:r>
-              <a:rPr lang="en-US" sz="1400">
+              <a:rPr lang="en-US" sz="1200" b="1" dirty="0">
                 <a:solidFill>
                   <a:schemeClr val="dk1"/>
+                </a:solidFill>
+                <a:latin typeface="Nunito" pitchFamily="2" charset="0"/>
+                <a:ea typeface="Century Gothic"/>
+                <a:cs typeface="Century Gothic"/>
+                <a:sym typeface="Century Gothic"/>
+              </a:rPr>
+              <a:t>Analysis</a:t>
+            </a:r>
+          </a:p>
+          <a:p>
+            <a:pPr marL="628650" lvl="1" indent="-171450" algn="just">
+              <a:spcBef>
+                <a:spcPts val="400"/>
+              </a:spcBef>
+              <a:buClr>
+                <a:schemeClr val="dk1"/>
+              </a:buClr>
+              <a:buSzPts val="1400"/>
+            </a:pPr>
+            <a:r>
+              <a:rPr lang="en-US" sz="1000" b="1" dirty="0">
+                <a:solidFill>
+                  <a:schemeClr val="dk1"/>
+                </a:solidFill>
+                <a:latin typeface="Nunito" pitchFamily="2" charset="0"/>
+                <a:ea typeface="Century Gothic"/>
+                <a:cs typeface="Century Gothic"/>
+                <a:sym typeface="Century Gothic"/>
+              </a:rPr>
+              <a:t>Accuracy</a:t>
+            </a:r>
+          </a:p>
+          <a:p>
+            <a:pPr marL="1085850" lvl="2" indent="-171450" algn="just">
+              <a:spcBef>
+                <a:spcPts val="400"/>
+              </a:spcBef>
+              <a:buClr>
+                <a:schemeClr val="dk1"/>
+              </a:buClr>
+              <a:buSzPts val="1400"/>
+            </a:pPr>
+            <a:r>
+              <a:rPr lang="en-US" sz="900" b="1" dirty="0"/>
+              <a:t>≈85% </a:t>
+            </a:r>
+            <a:r>
+              <a:rPr lang="en-US" sz="900" dirty="0"/>
+              <a:t>is roughly </a:t>
+            </a:r>
+            <a:r>
+              <a:rPr lang="en-US" sz="900" b="1" dirty="0"/>
+              <a:t>5%</a:t>
+            </a:r>
+            <a:r>
+              <a:rPr lang="en-US" sz="900" dirty="0"/>
+              <a:t> better than </a:t>
+            </a:r>
+            <a:r>
+              <a:rPr lang="en-US" sz="900" b="1" dirty="0"/>
+              <a:t>80%</a:t>
+            </a:r>
+            <a:r>
+              <a:rPr lang="en-US" sz="900" dirty="0"/>
+              <a:t> baseline (if model predicted non-default for every row)</a:t>
+            </a:r>
+          </a:p>
+          <a:p>
+            <a:pPr marL="1085850" lvl="2" indent="-171450" algn="just">
+              <a:spcBef>
+                <a:spcPts val="400"/>
+              </a:spcBef>
+              <a:buClr>
+                <a:schemeClr val="dk1"/>
+              </a:buClr>
+              <a:buSzPts val="1400"/>
+            </a:pPr>
+            <a:r>
+              <a:rPr lang="en-US" sz="900" dirty="0"/>
+              <a:t>Model is learning</a:t>
+            </a:r>
+          </a:p>
+          <a:p>
+            <a:pPr marL="1085850" lvl="2" indent="-171450" algn="just">
+              <a:spcBef>
+                <a:spcPts val="400"/>
+              </a:spcBef>
+              <a:buClr>
+                <a:schemeClr val="dk1"/>
+              </a:buClr>
+              <a:buSzPts val="1400"/>
+            </a:pPr>
+            <a:r>
+              <a:rPr lang="en-US" sz="900" dirty="0"/>
+              <a:t>Not overfitting</a:t>
+            </a:r>
+            <a:endParaRPr lang="en-US" sz="900" b="1" dirty="0">
+              <a:solidFill>
+                <a:schemeClr val="dk1"/>
+              </a:solidFill>
+              <a:latin typeface="Nunito" pitchFamily="2" charset="0"/>
+              <a:ea typeface="Century Gothic"/>
+              <a:cs typeface="Century Gothic"/>
+              <a:sym typeface="Century Gothic"/>
+            </a:endParaRPr>
+          </a:p>
+          <a:p>
+            <a:pPr marL="628650" lvl="1" indent="-171450" algn="just">
+              <a:spcBef>
+                <a:spcPts val="400"/>
+              </a:spcBef>
+              <a:buClr>
+                <a:schemeClr val="dk1"/>
+              </a:buClr>
+              <a:buSzPts val="1400"/>
+            </a:pPr>
+            <a:r>
+              <a:rPr lang="en-US" sz="1000" b="1" dirty="0">
+                <a:solidFill>
+                  <a:schemeClr val="dk1"/>
+                </a:solidFill>
+                <a:latin typeface="Nunito" pitchFamily="2" charset="0"/>
+                <a:ea typeface="Century Gothic"/>
+                <a:cs typeface="Century Gothic"/>
+                <a:sym typeface="Century Gothic"/>
+              </a:rPr>
+              <a:t>Kappa</a:t>
+            </a:r>
+          </a:p>
+          <a:p>
+            <a:pPr marL="1085850" lvl="2" indent="-171450" algn="just">
+              <a:spcBef>
+                <a:spcPts val="400"/>
+              </a:spcBef>
+              <a:buClr>
+                <a:schemeClr val="dk1"/>
+              </a:buClr>
+              <a:buSzPts val="1400"/>
+            </a:pPr>
+            <a:r>
+              <a:rPr lang="en-US" sz="900" dirty="0"/>
+              <a:t>Moderate agreement, better than random guessing (</a:t>
+            </a:r>
+            <a:r>
+              <a:rPr lang="en-US" sz="900" b="1" dirty="0"/>
+              <a:t>≈0.5</a:t>
+            </a:r>
+            <a:r>
+              <a:rPr lang="en-US" sz="900" dirty="0"/>
+              <a:t>)</a:t>
+            </a:r>
+          </a:p>
+          <a:p>
+            <a:pPr marL="1085850" lvl="2" indent="-171450" algn="just">
+              <a:spcBef>
+                <a:spcPts val="400"/>
+              </a:spcBef>
+              <a:buClr>
+                <a:schemeClr val="dk1"/>
+              </a:buClr>
+              <a:buSzPts val="1400"/>
+            </a:pPr>
+            <a:r>
+              <a:rPr lang="en-US" sz="900" dirty="0"/>
+              <a:t>Room for improvement through tuning</a:t>
+            </a:r>
+          </a:p>
+          <a:p>
+            <a:pPr marL="1085850" lvl="2" indent="-171450" algn="just">
+              <a:spcBef>
+                <a:spcPts val="400"/>
+              </a:spcBef>
+              <a:buClr>
+                <a:schemeClr val="dk1"/>
+              </a:buClr>
+              <a:buSzPts val="1400"/>
+            </a:pPr>
+            <a:r>
+              <a:rPr lang="en-US" sz="900" dirty="0">
+                <a:solidFill>
+                  <a:schemeClr val="dk1"/>
+                </a:solidFill>
+                <a:latin typeface="Nunito" pitchFamily="2" charset="0"/>
+                <a:ea typeface="Century Gothic"/>
+                <a:cs typeface="Century Gothic"/>
+                <a:sym typeface="Century Gothic"/>
+              </a:rPr>
+              <a:t>Confirms weighting offsets class imbalances</a:t>
+            </a:r>
+          </a:p>
+          <a:p>
+            <a:pPr marL="628650" lvl="1" indent="-171450" algn="just">
+              <a:spcBef>
+                <a:spcPts val="400"/>
+              </a:spcBef>
+              <a:buClr>
+                <a:schemeClr val="dk1"/>
+              </a:buClr>
+              <a:buSzPts val="1400"/>
+            </a:pPr>
+            <a:r>
+              <a:rPr lang="en-US" sz="1000" b="1" dirty="0">
+                <a:solidFill>
+                  <a:schemeClr val="dk1"/>
+                </a:solidFill>
+                <a:latin typeface="Nunito" pitchFamily="2" charset="0"/>
+                <a:ea typeface="Century Gothic"/>
+                <a:cs typeface="Century Gothic"/>
+                <a:sym typeface="Century Gothic"/>
+              </a:rPr>
+              <a:t>Weighted Recall</a:t>
+            </a:r>
+          </a:p>
+          <a:p>
+            <a:pPr marL="1085850" lvl="2" indent="-171450" algn="just">
+              <a:spcBef>
+                <a:spcPts val="400"/>
+              </a:spcBef>
+              <a:buClr>
+                <a:schemeClr val="dk1"/>
+              </a:buClr>
+              <a:buSzPts val="1400"/>
+            </a:pPr>
+            <a:r>
+              <a:rPr lang="en-US" sz="900" dirty="0"/>
+              <a:t>Model catches </a:t>
+            </a:r>
+            <a:r>
+              <a:rPr lang="en-US" sz="900" b="1" dirty="0"/>
+              <a:t>≈74% </a:t>
+            </a:r>
+            <a:r>
+              <a:rPr lang="en-US" sz="900" dirty="0"/>
+              <a:t>of actual cases</a:t>
+            </a:r>
+          </a:p>
+          <a:p>
+            <a:pPr marL="1085850" lvl="2" indent="-171450" algn="just">
+              <a:spcBef>
+                <a:spcPts val="400"/>
+              </a:spcBef>
+              <a:buClr>
+                <a:schemeClr val="dk1"/>
+              </a:buClr>
+              <a:buSzPts val="1400"/>
+            </a:pPr>
+            <a:r>
+              <a:rPr lang="en-US" sz="900" dirty="0"/>
+              <a:t>Lower than </a:t>
+            </a:r>
+            <a:r>
+              <a:rPr lang="en-US" sz="900" b="1" dirty="0"/>
+              <a:t>Accuracy</a:t>
+            </a:r>
+            <a:r>
+              <a:rPr lang="en-US" sz="900" dirty="0"/>
+              <a:t>, missing some defaults</a:t>
+            </a:r>
+            <a:endParaRPr lang="en-US" sz="900" b="1" dirty="0">
+              <a:solidFill>
+                <a:schemeClr val="dk1"/>
+              </a:solidFill>
+              <a:latin typeface="Nunito" pitchFamily="2" charset="0"/>
+              <a:ea typeface="Century Gothic"/>
+              <a:cs typeface="Century Gothic"/>
+              <a:sym typeface="Century Gothic"/>
+            </a:endParaRPr>
+          </a:p>
+          <a:p>
+            <a:pPr marL="628650" lvl="1" indent="-171450" algn="just">
+              <a:spcBef>
+                <a:spcPts val="400"/>
+              </a:spcBef>
+              <a:buClr>
+                <a:schemeClr val="dk1"/>
+              </a:buClr>
+              <a:buSzPts val="1400"/>
+            </a:pPr>
+            <a:r>
+              <a:rPr lang="en-US" sz="1000" b="1" dirty="0">
+                <a:solidFill>
+                  <a:schemeClr val="dk1"/>
+                </a:solidFill>
+                <a:latin typeface="Nunito" pitchFamily="2" charset="0"/>
+                <a:ea typeface="Century Gothic"/>
+                <a:cs typeface="Century Gothic"/>
+                <a:sym typeface="Century Gothic"/>
+              </a:rPr>
+              <a:t>Weighted Precision </a:t>
+            </a:r>
+          </a:p>
+          <a:p>
+            <a:pPr marL="1085850" lvl="2" indent="-171450" algn="just">
+              <a:spcBef>
+                <a:spcPts val="400"/>
+              </a:spcBef>
+              <a:buClr>
+                <a:schemeClr val="dk1"/>
+              </a:buClr>
+              <a:buSzPts val="1400"/>
+            </a:pPr>
+            <a:r>
+              <a:rPr lang="en-US" sz="900" dirty="0"/>
+              <a:t>Model is </a:t>
+            </a:r>
+            <a:r>
+              <a:rPr lang="en-US" sz="900" b="1" dirty="0"/>
+              <a:t>≈77% </a:t>
+            </a:r>
+            <a:r>
+              <a:rPr lang="en-US" sz="900" dirty="0"/>
+              <a:t>correct when it makes a prediction (weighted)</a:t>
+            </a:r>
+          </a:p>
+          <a:p>
+            <a:pPr marL="1085850" lvl="2" indent="-171450" algn="just">
+              <a:spcBef>
+                <a:spcPts val="400"/>
+              </a:spcBef>
+              <a:buClr>
+                <a:schemeClr val="dk1"/>
+              </a:buClr>
+              <a:buSzPts val="1400"/>
+            </a:pPr>
+            <a:r>
+              <a:rPr lang="en-US" sz="900" dirty="0"/>
+              <a:t>Average precision across both classes, weighted by class size.</a:t>
+            </a:r>
+          </a:p>
+          <a:p>
+            <a:pPr marL="1085850" lvl="2" indent="-171450" algn="just">
+              <a:spcBef>
+                <a:spcPts val="400"/>
+              </a:spcBef>
+              <a:buClr>
+                <a:schemeClr val="dk1"/>
+              </a:buClr>
+              <a:buSzPts val="1400"/>
+            </a:pPr>
+            <a:r>
+              <a:rPr lang="en-US" sz="900" dirty="0">
+                <a:solidFill>
+                  <a:schemeClr val="dk1"/>
+                </a:solidFill>
+                <a:latin typeface="Nunito" pitchFamily="2" charset="0"/>
+                <a:sym typeface="Century Gothic"/>
+              </a:rPr>
+              <a:t>Room for improvement via parameter tuning (or additional derived features/polynomial features)</a:t>
+            </a:r>
+            <a:endParaRPr lang="en-US" sz="1000" dirty="0">
+              <a:solidFill>
+                <a:schemeClr val="dk1"/>
+              </a:solidFill>
+              <a:latin typeface="Nunito" pitchFamily="2" charset="0"/>
+              <a:sym typeface="Century Gothic"/>
+            </a:endParaRPr>
+          </a:p>
+        </p:txBody>
+      </p:sp>
+      <p:sp>
+        <p:nvSpPr>
+          <p:cNvPr id="2" name="Slide Number Placeholder 1">
+            <a:extLst>
+              <a:ext uri="{FF2B5EF4-FFF2-40B4-BE49-F238E27FC236}">
+                <a16:creationId xmlns:a16="http://schemas.microsoft.com/office/drawing/2014/main" id="{01A09E3F-3A6F-B7CE-6449-9634F7CCEDAB}"/>
+              </a:ext>
+            </a:extLst>
+          </p:cNvPr>
+          <p:cNvSpPr>
+            <a:spLocks noGrp="1"/>
+          </p:cNvSpPr>
+          <p:nvPr>
+            <p:ph type="sldNum" idx="12"/>
+          </p:nvPr>
+        </p:nvSpPr>
+        <p:spPr/>
+        <p:txBody>
+          <a:bodyPr/>
+          <a:lstStyle/>
+          <a:p>
+            <a:pPr marL="0" lvl="0" indent="0" algn="ctr" rtl="0">
+              <a:spcBef>
+                <a:spcPts val="0"/>
+              </a:spcBef>
+              <a:spcAft>
+                <a:spcPts val="0"/>
+              </a:spcAft>
+              <a:buNone/>
+            </a:pPr>
+            <a:fld id="{00000000-1234-1234-1234-123412341234}" type="slidenum">
+              <a:rPr lang="en-US" smtClean="0"/>
+              <a:t>48</a:t>
+            </a:fld>
+            <a:endParaRPr lang="en-US"/>
+          </a:p>
+        </p:txBody>
+      </p:sp>
+    </p:spTree>
+    <p:extLst>
+      <p:ext uri="{BB962C8B-B14F-4D97-AF65-F5344CB8AC3E}">
+        <p14:creationId xmlns:p14="http://schemas.microsoft.com/office/powerpoint/2010/main" val="375354957"/>
+      </p:ext>
+    </p:extLst>
+  </p:cSld>
+  <p:clrMapOvr>
+    <a:masterClrMapping/>
+  </p:clrMapOvr>
+</p:sld>
+</file>
+
+<file path=ppt/slides/slide49.xml><?xml version="1.0" encoding="utf-8"?>
+<p:sld xmlns:a="http://schemas.openxmlformats.org/drawingml/2006/main" xmlns:r="http://schemas.openxmlformats.org/officeDocument/2006/relationships" xmlns:p="http://schemas.openxmlformats.org/presentationml/2006/main">
+  <p:cSld>
+    <p:spTree>
+      <p:nvGrpSpPr>
+        <p:cNvPr id="1" name="Shape 238">
+          <a:extLst>
+            <a:ext uri="{FF2B5EF4-FFF2-40B4-BE49-F238E27FC236}">
+              <a16:creationId xmlns:a16="http://schemas.microsoft.com/office/drawing/2014/main" id="{E4201AB8-FD3D-4164-6E90-83F7619B0B4F}"/>
+            </a:ext>
+          </a:extLst>
+        </p:cNvPr>
+        <p:cNvGrpSpPr/>
+        <p:nvPr/>
+      </p:nvGrpSpPr>
+      <p:grpSpPr>
+        <a:xfrm>
+          <a:off x="0" y="0"/>
+          <a:ext cx="0" cy="0"/>
+          <a:chOff x="0" y="0"/>
+          <a:chExt cx="0" cy="0"/>
+        </a:xfrm>
+      </p:grpSpPr>
+      <p:sp>
+        <p:nvSpPr>
+          <p:cNvPr id="239" name="Google Shape;239;p49">
+            <a:extLst>
+              <a:ext uri="{FF2B5EF4-FFF2-40B4-BE49-F238E27FC236}">
+                <a16:creationId xmlns:a16="http://schemas.microsoft.com/office/drawing/2014/main" id="{4ACC343A-BB13-AF9E-239F-40322B9ABDA8}"/>
+              </a:ext>
+            </a:extLst>
+          </p:cNvPr>
+          <p:cNvSpPr txBox="1">
+            <a:spLocks noGrp="1"/>
+          </p:cNvSpPr>
+          <p:nvPr>
+            <p:ph type="title"/>
+          </p:nvPr>
+        </p:nvSpPr>
+        <p:spPr>
+          <a:xfrm>
+            <a:off x="230895" y="211307"/>
+            <a:ext cx="8520600" cy="572700"/>
+          </a:xfrm>
+          <a:prstGeom prst="rect">
+            <a:avLst/>
+          </a:prstGeom>
+          <a:noFill/>
+          <a:ln>
+            <a:noFill/>
+          </a:ln>
+        </p:spPr>
+        <p:txBody>
+          <a:bodyPr spcFirstLastPara="1" wrap="square" lIns="91425" tIns="91425" rIns="91425" bIns="91425" anchor="t" anchorCtr="0">
+            <a:noAutofit/>
+          </a:bodyPr>
+          <a:lstStyle/>
+          <a:p>
+            <a:pPr marL="0" lvl="0" indent="0" algn="l" rtl="0">
+              <a:lnSpc>
+                <a:spcPct val="100000"/>
+              </a:lnSpc>
+              <a:spcBef>
+                <a:spcPts val="0"/>
+              </a:spcBef>
+              <a:spcAft>
+                <a:spcPts val="0"/>
+              </a:spcAft>
+              <a:buSzPts val="2200"/>
+              <a:buNone/>
+            </a:pPr>
+            <a:r>
+              <a:rPr lang="en-US" dirty="0">
+                <a:solidFill>
+                  <a:schemeClr val="lt2"/>
                 </a:solidFill>
                 <a:latin typeface="Century Gothic"/>
                 <a:ea typeface="Century Gothic"/>
                 <a:cs typeface="Century Gothic"/>
                 <a:sym typeface="Century Gothic"/>
               </a:rPr>
-              <a:t>Please comment on the model performance of the </a:t>
-            </a:r>
-            <a:endParaRPr sz="1400">
-              <a:solidFill>
-                <a:schemeClr val="dk1"/>
-              </a:solidFill>
-              <a:latin typeface="Century Gothic"/>
-              <a:ea typeface="Century Gothic"/>
-              <a:cs typeface="Century Gothic"/>
-              <a:sym typeface="Century Gothic"/>
-            </a:endParaRPr>
+              <a:t>Scenario 2: Neural Network With Parameter Tuning</a:t>
+            </a:r>
+            <a:endParaRPr dirty="0"/>
           </a:p>
         </p:txBody>
       </p:sp>
       <p:graphicFrame>
         <p:nvGraphicFramePr>
-          <p:cNvPr id="241" name="Google Shape;241;p49"/>
+          <p:cNvPr id="241" name="Google Shape;241;p49">
+            <a:extLst>
+              <a:ext uri="{FF2B5EF4-FFF2-40B4-BE49-F238E27FC236}">
+                <a16:creationId xmlns:a16="http://schemas.microsoft.com/office/drawing/2014/main" id="{722EBEE2-FDE2-5236-6728-50323A46FB1D}"/>
+              </a:ext>
+            </a:extLst>
+          </p:cNvPr>
           <p:cNvGraphicFramePr/>
-          <p:nvPr/>
+          <p:nvPr>
+            <p:extLst>
+              <p:ext uri="{D42A27DB-BD31-4B8C-83A1-F6EECF244321}">
+                <p14:modId xmlns:p14="http://schemas.microsoft.com/office/powerpoint/2010/main" val="916334685"/>
+              </p:ext>
+            </p:extLst>
+          </p:nvPr>
         </p:nvGraphicFramePr>
         <p:xfrm>
-          <a:off x="1364816" y="1765092"/>
-          <a:ext cx="5983350" cy="1273825"/>
+          <a:off x="1081281" y="1199123"/>
+          <a:ext cx="5983350" cy="1235090"/>
         </p:xfrm>
         <a:graphic>
           <a:graphicData uri="http://schemas.openxmlformats.org/drawingml/2006/table">
@@ -49795,7 +51144,7 @@
                         <a:buNone/>
                       </a:pPr>
                       <a:r>
-                        <a:rPr lang="en-US" sz="1200" u="none" strike="noStrike" cap="none">
+                        <a:rPr lang="en-US" sz="1200" u="none" strike="noStrike" cap="none" dirty="0">
                           <a:latin typeface="Nunito"/>
                           <a:ea typeface="Nunito"/>
                           <a:cs typeface="Nunito"/>
@@ -49803,7 +51152,7 @@
                         </a:rPr>
                         <a:t>Metric</a:t>
                       </a:r>
-                      <a:endParaRPr sz="1200" u="none" strike="noStrike" cap="none">
+                      <a:endParaRPr sz="1200" u="none" strike="noStrike" cap="none" dirty="0">
                         <a:latin typeface="Nunito"/>
                         <a:ea typeface="Nunito"/>
                         <a:cs typeface="Nunito"/>
@@ -50003,7 +51352,7 @@
                   </a:ext>
                 </a:extLst>
               </a:tr>
-              <a:tr h="678825">
+              <a:tr h="594659">
                 <a:tc>
                   <a:txBody>
                     <a:bodyPr/>
@@ -50027,7 +51376,7 @@
                         <a:buNone/>
                       </a:pPr>
                       <a:r>
-                        <a:rPr lang="en-US" sz="1200">
+                        <a:rPr lang="en-US" sz="1200" dirty="0">
                           <a:latin typeface="Nunito"/>
                           <a:ea typeface="Nunito"/>
                           <a:cs typeface="Nunito"/>
@@ -50035,7 +51384,7 @@
                         </a:rPr>
                         <a:t>Neural Network with Parameter Tuning</a:t>
                       </a:r>
-                      <a:endParaRPr sz="1200" u="none" strike="noStrike" cap="none">
+                      <a:endParaRPr sz="1200" u="none" strike="noStrike" cap="none" dirty="0">
                         <a:latin typeface="Nunito"/>
                         <a:ea typeface="Nunito"/>
                         <a:cs typeface="Nunito"/>
@@ -50191,7 +51540,7 @@
                         <a:buNone/>
                       </a:pPr>
                       <a:r>
-                        <a:rPr lang="en-US" sz="1200" u="none" strike="noStrike" cap="none">
+                        <a:rPr lang="en-US" sz="1200" u="none" strike="noStrike" cap="none" dirty="0">
                           <a:latin typeface="Nunito"/>
                           <a:ea typeface="Nunito"/>
                           <a:cs typeface="Nunito"/>
@@ -50199,7 +51548,7 @@
                         </a:rPr>
                         <a:t>83.17</a:t>
                       </a:r>
-                      <a:endParaRPr sz="1200" u="none" strike="noStrike" cap="none">
+                      <a:endParaRPr sz="1200" u="none" strike="noStrike" cap="none" dirty="0">
                         <a:latin typeface="Nunito"/>
                         <a:ea typeface="Nunito"/>
                         <a:cs typeface="Nunito"/>
@@ -50224,7 +51573,7 @@
           <p:cNvPr id="2" name="Slide Number Placeholder 1">
             <a:extLst>
               <a:ext uri="{FF2B5EF4-FFF2-40B4-BE49-F238E27FC236}">
-                <a16:creationId xmlns:a16="http://schemas.microsoft.com/office/drawing/2014/main" id="{3CFD6D71-10EA-96E3-B3D8-D6D2984694B3}"/>
+                <a16:creationId xmlns:a16="http://schemas.microsoft.com/office/drawing/2014/main" id="{B0E80BC3-68AA-592E-E4D2-86FF88CD7EB6}"/>
               </a:ext>
             </a:extLst>
           </p:cNvPr>
@@ -50251,9 +51600,311 @@
             </a:pPr>
             <a:fld id="{00000000-1234-1234-1234-123412341234}" type="slidenum">
               <a:rPr lang="en-US" smtClean="0"/>
-              <a:t>48</a:t>
+              <a:t>49</a:t>
             </a:fld>
             <a:endParaRPr lang="en-US"/>
+          </a:p>
+        </p:txBody>
+      </p:sp>
+    </p:spTree>
+    <p:extLst>
+      <p:ext uri="{BB962C8B-B14F-4D97-AF65-F5344CB8AC3E}">
+        <p14:creationId xmlns:p14="http://schemas.microsoft.com/office/powerpoint/2010/main" val="3089146727"/>
+      </p:ext>
+    </p:extLst>
+  </p:cSld>
+  <p:clrMapOvr>
+    <a:masterClrMapping/>
+  </p:clrMapOvr>
+</p:sld>
+</file>
+
+<file path=ppt/slides/slide5.xml><?xml version="1.0" encoding="utf-8"?>
+<p:sld xmlns:a="http://schemas.openxmlformats.org/drawingml/2006/main" xmlns:r="http://schemas.openxmlformats.org/officeDocument/2006/relationships" xmlns:p="http://schemas.openxmlformats.org/presentationml/2006/main">
+  <p:cSld>
+    <p:spTree>
+      <p:nvGrpSpPr>
+        <p:cNvPr id="1" name="Shape 230"/>
+        <p:cNvGrpSpPr/>
+        <p:nvPr/>
+      </p:nvGrpSpPr>
+      <p:grpSpPr>
+        <a:xfrm>
+          <a:off x="0" y="0"/>
+          <a:ext cx="0" cy="0"/>
+          <a:chOff x="0" y="0"/>
+          <a:chExt cx="0" cy="0"/>
+        </a:xfrm>
+      </p:grpSpPr>
+      <p:sp>
+        <p:nvSpPr>
+          <p:cNvPr id="231" name="Google Shape;231;p3"/>
+          <p:cNvSpPr txBox="1">
+            <a:spLocks noGrp="1"/>
+          </p:cNvSpPr>
+          <p:nvPr>
+            <p:ph type="title"/>
+          </p:nvPr>
+        </p:nvSpPr>
+        <p:spPr>
+          <a:xfrm>
+            <a:off x="254702" y="101531"/>
+            <a:ext cx="4735210" cy="572700"/>
+          </a:xfrm>
+          <a:prstGeom prst="rect">
+            <a:avLst/>
+          </a:prstGeom>
+          <a:noFill/>
+          <a:ln>
+            <a:noFill/>
+          </a:ln>
+        </p:spPr>
+        <p:txBody>
+          <a:bodyPr spcFirstLastPara="1" wrap="square" lIns="91425" tIns="91425" rIns="91425" bIns="91425" anchor="t" anchorCtr="0">
+            <a:noAutofit/>
+          </a:bodyPr>
+          <a:lstStyle/>
+          <a:p>
+            <a:pPr marL="0" lvl="0" indent="0" algn="l" rtl="0">
+              <a:lnSpc>
+                <a:spcPct val="100000"/>
+              </a:lnSpc>
+              <a:spcBef>
+                <a:spcPts val="0"/>
+              </a:spcBef>
+              <a:spcAft>
+                <a:spcPts val="0"/>
+              </a:spcAft>
+              <a:buSzPts val="2200"/>
+              <a:buNone/>
+            </a:pPr>
+            <a:r>
+              <a:rPr lang="en" dirty="0">
+                <a:solidFill>
+                  <a:schemeClr val="lt2"/>
+                </a:solidFill>
+                <a:latin typeface="Century Gothic"/>
+                <a:ea typeface="Century Gothic"/>
+                <a:cs typeface="Century Gothic"/>
+                <a:sym typeface="Century Gothic"/>
+              </a:rPr>
+              <a:t>Business Problem Overview</a:t>
+            </a:r>
+            <a:endParaRPr dirty="0">
+              <a:solidFill>
+                <a:schemeClr val="lt2"/>
+              </a:solidFill>
+              <a:latin typeface="Century Gothic"/>
+              <a:ea typeface="Century Gothic"/>
+              <a:cs typeface="Century Gothic"/>
+              <a:sym typeface="Century Gothic"/>
+            </a:endParaRPr>
+          </a:p>
+        </p:txBody>
+      </p:sp>
+      <p:sp>
+        <p:nvSpPr>
+          <p:cNvPr id="232" name="Google Shape;232;p3"/>
+          <p:cNvSpPr txBox="1">
+            <a:spLocks noGrp="1"/>
+          </p:cNvSpPr>
+          <p:nvPr>
+            <p:ph type="body" idx="1"/>
+          </p:nvPr>
+        </p:nvSpPr>
+        <p:spPr>
+          <a:xfrm>
+            <a:off x="202550" y="861975"/>
+            <a:ext cx="8629800" cy="3493747"/>
+          </a:xfrm>
+          <a:prstGeom prst="rect">
+            <a:avLst/>
+          </a:prstGeom>
+          <a:noFill/>
+          <a:ln>
+            <a:noFill/>
+          </a:ln>
+        </p:spPr>
+        <p:txBody>
+          <a:bodyPr spcFirstLastPara="1" wrap="square" lIns="91425" tIns="91425" rIns="91425" bIns="91425" anchor="t" anchorCtr="0">
+            <a:spAutoFit/>
+          </a:bodyPr>
+          <a:lstStyle/>
+          <a:p>
+            <a:pPr marL="139700" indent="0">
+              <a:spcBef>
+                <a:spcPts val="1000"/>
+              </a:spcBef>
+              <a:buClr>
+                <a:schemeClr val="dk1"/>
+              </a:buClr>
+              <a:buSzPts val="1400"/>
+              <a:buNone/>
+            </a:pPr>
+            <a:r>
+              <a:rPr lang="en-US" b="1" dirty="0"/>
+              <a:t>Consumer Home Loans </a:t>
+            </a:r>
+            <a:r>
+              <a:rPr lang="en-US" dirty="0"/>
+              <a:t>represent a substantial percentage of retail bank profits. Loan defaults (NPA – bad loans) can put those profits at risk. It is in a banks best interest to thoroughly vet perspective loan applicants to minimize loan default occurrences.</a:t>
+            </a:r>
+          </a:p>
+          <a:p>
+            <a:pPr marL="139700" indent="0">
+              <a:spcBef>
+                <a:spcPts val="1000"/>
+              </a:spcBef>
+              <a:buClr>
+                <a:schemeClr val="dk1"/>
+              </a:buClr>
+              <a:buSzPts val="1400"/>
+              <a:buNone/>
+            </a:pPr>
+            <a:endParaRPr lang="en-US" dirty="0"/>
+          </a:p>
+          <a:p>
+            <a:pPr marL="139700" indent="0">
+              <a:spcBef>
+                <a:spcPts val="1000"/>
+              </a:spcBef>
+              <a:buClr>
+                <a:schemeClr val="dk1"/>
+              </a:buClr>
+              <a:buSzPts val="1400"/>
+              <a:buNone/>
+            </a:pPr>
+            <a:r>
+              <a:rPr lang="en-US" b="1" dirty="0"/>
+              <a:t>Loan Underwriting</a:t>
+            </a:r>
+            <a:r>
+              <a:rPr lang="en-US" dirty="0"/>
+              <a:t> is a multi-phase process involving:</a:t>
+            </a:r>
+          </a:p>
+          <a:p>
+            <a:pPr marL="139700" indent="0">
+              <a:spcBef>
+                <a:spcPts val="1000"/>
+              </a:spcBef>
+              <a:buClr>
+                <a:schemeClr val="dk1"/>
+              </a:buClr>
+              <a:buSzPts val="1400"/>
+              <a:buNone/>
+            </a:pPr>
+            <a:endParaRPr lang="en-US" sz="800" dirty="0"/>
+          </a:p>
+          <a:p>
+            <a:pPr lvl="0"/>
+            <a:r>
+              <a:rPr lang="en-US" b="1" dirty="0"/>
+              <a:t>Credit Analysis/Assessment </a:t>
+            </a:r>
+            <a:r>
+              <a:rPr lang="en-US" dirty="0"/>
+              <a:t>– credit scores, history, existing debt, </a:t>
+            </a:r>
+            <a:r>
+              <a:rPr lang="en-US" b="1" dirty="0"/>
+              <a:t>DTI</a:t>
+            </a:r>
+            <a:r>
+              <a:rPr lang="en-US" dirty="0"/>
+              <a:t> ratio</a:t>
+            </a:r>
+          </a:p>
+          <a:p>
+            <a:pPr lvl="0"/>
+            <a:r>
+              <a:rPr lang="en-US" b="1" dirty="0"/>
+              <a:t>Employment/Income Verification </a:t>
+            </a:r>
+            <a:r>
+              <a:rPr lang="en-US" dirty="0"/>
+              <a:t> employment status/history, income confirmation</a:t>
+            </a:r>
+          </a:p>
+          <a:p>
+            <a:pPr lvl="0"/>
+            <a:r>
+              <a:rPr lang="en-US" b="1" dirty="0"/>
+              <a:t>Asset Assessment </a:t>
+            </a:r>
+            <a:r>
+              <a:rPr lang="en-US" dirty="0"/>
+              <a:t>– verification of down payment, investments, properties, liquid assets</a:t>
+            </a:r>
+          </a:p>
+          <a:p>
+            <a:pPr lvl="0"/>
+            <a:r>
+              <a:rPr lang="en-US" b="1" dirty="0"/>
+              <a:t>Collateral Evaluation </a:t>
+            </a:r>
+            <a:r>
+              <a:rPr lang="en-US" dirty="0"/>
+              <a:t>– property appraisal, loan-to-value (</a:t>
+            </a:r>
+            <a:r>
+              <a:rPr lang="en-US" b="1" dirty="0"/>
+              <a:t>LTV</a:t>
+            </a:r>
+            <a:r>
+              <a:rPr lang="en-US" dirty="0"/>
+              <a:t>) ratio, title search</a:t>
+            </a:r>
+          </a:p>
+          <a:p>
+            <a:pPr lvl="0"/>
+            <a:r>
+              <a:rPr lang="en-US" b="1" dirty="0"/>
+              <a:t>Risk Assessment </a:t>
+            </a:r>
+            <a:r>
+              <a:rPr lang="en-US" dirty="0"/>
+              <a:t>– borrower profile, red flags, risk rating</a:t>
+            </a:r>
+            <a:endParaRPr lang="en-US" b="1" dirty="0"/>
+          </a:p>
+        </p:txBody>
+      </p:sp>
+      <p:sp>
+        <p:nvSpPr>
+          <p:cNvPr id="2" name="Slide Number Placeholder 1">
+            <a:extLst>
+              <a:ext uri="{FF2B5EF4-FFF2-40B4-BE49-F238E27FC236}">
+                <a16:creationId xmlns:a16="http://schemas.microsoft.com/office/drawing/2014/main" id="{0DF09D0F-AACB-5458-AB21-712F38BFE071}"/>
+              </a:ext>
+            </a:extLst>
+          </p:cNvPr>
+          <p:cNvSpPr>
+            <a:spLocks noGrp="1"/>
+          </p:cNvSpPr>
+          <p:nvPr>
+            <p:ph type="sldNum" idx="12"/>
+          </p:nvPr>
+        </p:nvSpPr>
+        <p:spPr/>
+        <p:txBody>
+          <a:bodyPr/>
+          <a:lstStyle/>
+          <a:p>
+            <a:pPr marL="0" lvl="0" indent="0" algn="ctr" rtl="0">
+              <a:spcBef>
+                <a:spcPts val="0"/>
+              </a:spcBef>
+              <a:spcAft>
+                <a:spcPts val="0"/>
+              </a:spcAft>
+              <a:buNone/>
+            </a:pPr>
+            <a:fld id="{00000000-1234-1234-1234-123412341234}" type="slidenum">
+              <a:rPr lang="en" smtClean="0"/>
+              <a:t>5</a:t>
+            </a:fld>
+            <a:endParaRPr lang="en"/>
           </a:p>
         </p:txBody>
       </p:sp>
@@ -50265,7 +51916,839 @@
 </p:sld>
 </file>
 
-<file path=ppt/slides/slide49.xml><?xml version="1.0" encoding="utf-8"?>
+<file path=ppt/slides/slide50.xml><?xml version="1.0" encoding="utf-8"?>
+<p:sld xmlns:a="http://schemas.openxmlformats.org/drawingml/2006/main" xmlns:r="http://schemas.openxmlformats.org/officeDocument/2006/relationships" xmlns:p="http://schemas.openxmlformats.org/presentationml/2006/main">
+  <p:cSld>
+    <p:spTree>
+      <p:nvGrpSpPr>
+        <p:cNvPr id="1" name="Shape 238">
+          <a:extLst>
+            <a:ext uri="{FF2B5EF4-FFF2-40B4-BE49-F238E27FC236}">
+              <a16:creationId xmlns:a16="http://schemas.microsoft.com/office/drawing/2014/main" id="{9BA8AC34-A268-0FFF-C949-DF474C56F8D1}"/>
+            </a:ext>
+          </a:extLst>
+        </p:cNvPr>
+        <p:cNvGrpSpPr/>
+        <p:nvPr/>
+      </p:nvGrpSpPr>
+      <p:grpSpPr>
+        <a:xfrm>
+          <a:off x="0" y="0"/>
+          <a:ext cx="0" cy="0"/>
+          <a:chOff x="0" y="0"/>
+          <a:chExt cx="0" cy="0"/>
+        </a:xfrm>
+      </p:grpSpPr>
+      <p:sp>
+        <p:nvSpPr>
+          <p:cNvPr id="239" name="Google Shape;239;p49">
+            <a:extLst>
+              <a:ext uri="{FF2B5EF4-FFF2-40B4-BE49-F238E27FC236}">
+                <a16:creationId xmlns:a16="http://schemas.microsoft.com/office/drawing/2014/main" id="{351A1495-AFA8-C8E4-C4AB-A76F2BE942F8}"/>
+              </a:ext>
+            </a:extLst>
+          </p:cNvPr>
+          <p:cNvSpPr txBox="1">
+            <a:spLocks noGrp="1"/>
+          </p:cNvSpPr>
+          <p:nvPr>
+            <p:ph type="title"/>
+          </p:nvPr>
+        </p:nvSpPr>
+        <p:spPr>
+          <a:xfrm>
+            <a:off x="202541" y="161689"/>
+            <a:ext cx="8520600" cy="572700"/>
+          </a:xfrm>
+          <a:prstGeom prst="rect">
+            <a:avLst/>
+          </a:prstGeom>
+          <a:noFill/>
+          <a:ln>
+            <a:noFill/>
+          </a:ln>
+        </p:spPr>
+        <p:txBody>
+          <a:bodyPr spcFirstLastPara="1" wrap="square" lIns="91425" tIns="91425" rIns="91425" bIns="91425" anchor="t" anchorCtr="0">
+            <a:noAutofit/>
+          </a:bodyPr>
+          <a:lstStyle/>
+          <a:p>
+            <a:pPr marL="0" lvl="0" indent="0" algn="l" rtl="0">
+              <a:lnSpc>
+                <a:spcPct val="100000"/>
+              </a:lnSpc>
+              <a:spcBef>
+                <a:spcPts val="0"/>
+              </a:spcBef>
+              <a:spcAft>
+                <a:spcPts val="0"/>
+              </a:spcAft>
+              <a:buSzPts val="2200"/>
+              <a:buNone/>
+            </a:pPr>
+            <a:r>
+              <a:rPr lang="en-US" dirty="0">
+                <a:solidFill>
+                  <a:schemeClr val="lt2"/>
+                </a:solidFill>
+                <a:latin typeface="Century Gothic"/>
+                <a:ea typeface="Century Gothic"/>
+                <a:cs typeface="Century Gothic"/>
+                <a:sym typeface="Century Gothic"/>
+              </a:rPr>
+              <a:t>Scenario 2: Neural Network With Parameter Tuning</a:t>
+            </a:r>
+            <a:endParaRPr dirty="0"/>
+          </a:p>
+        </p:txBody>
+      </p:sp>
+      <p:sp>
+        <p:nvSpPr>
+          <p:cNvPr id="2" name="Slide Number Placeholder 1">
+            <a:extLst>
+              <a:ext uri="{FF2B5EF4-FFF2-40B4-BE49-F238E27FC236}">
+                <a16:creationId xmlns:a16="http://schemas.microsoft.com/office/drawing/2014/main" id="{FAD02AB6-BE6F-4948-0196-C474176FBC36}"/>
+              </a:ext>
+            </a:extLst>
+          </p:cNvPr>
+          <p:cNvSpPr>
+            <a:spLocks noGrp="1"/>
+          </p:cNvSpPr>
+          <p:nvPr>
+            <p:ph type="sldNum" idx="12"/>
+          </p:nvPr>
+        </p:nvSpPr>
+        <p:spPr/>
+        <p:txBody>
+          <a:bodyPr/>
+          <a:lstStyle/>
+          <a:p>
+            <a:pPr marL="0" lvl="0" indent="0" algn="ctr" rtl="0">
+              <a:spcBef>
+                <a:spcPts val="0"/>
+              </a:spcBef>
+              <a:spcAft>
+                <a:spcPts val="0"/>
+              </a:spcAft>
+              <a:buNone/>
+            </a:pPr>
+            <a:fld id="{00000000-1234-1234-1234-123412341234}" type="slidenum">
+              <a:rPr lang="en-US" smtClean="0"/>
+              <a:t>50</a:t>
+            </a:fld>
+            <a:endParaRPr lang="en-US"/>
+          </a:p>
+        </p:txBody>
+      </p:sp>
+      <p:sp>
+        <p:nvSpPr>
+          <p:cNvPr id="5" name="Google Shape;233;p48">
+            <a:extLst>
+              <a:ext uri="{FF2B5EF4-FFF2-40B4-BE49-F238E27FC236}">
+                <a16:creationId xmlns:a16="http://schemas.microsoft.com/office/drawing/2014/main" id="{85E87858-410F-697C-D534-00497C89AE6D}"/>
+              </a:ext>
+            </a:extLst>
+          </p:cNvPr>
+          <p:cNvSpPr txBox="1">
+            <a:spLocks/>
+          </p:cNvSpPr>
+          <p:nvPr/>
+        </p:nvSpPr>
+        <p:spPr>
+          <a:xfrm>
+            <a:off x="308891" y="808871"/>
+            <a:ext cx="8307900" cy="3883131"/>
+          </a:xfrm>
+          <a:prstGeom prst="rect">
+            <a:avLst/>
+          </a:prstGeom>
+          <a:noFill/>
+          <a:ln>
+            <a:noFill/>
+          </a:ln>
+        </p:spPr>
+        <p:txBody>
+          <a:bodyPr spcFirstLastPara="1" wrap="square" lIns="91425" tIns="91425" rIns="91425" bIns="91425" anchor="t" anchorCtr="0">
+            <a:noAutofit/>
+          </a:bodyPr>
+          <a:lstStyle>
+            <a:defPPr marR="0" lvl="0" algn="l" rtl="0">
+              <a:lnSpc>
+                <a:spcPct val="100000"/>
+              </a:lnSpc>
+              <a:spcBef>
+                <a:spcPts val="0"/>
+              </a:spcBef>
+              <a:spcAft>
+                <a:spcPts val="0"/>
+              </a:spcAft>
+            </a:defPPr>
+            <a:lvl1pPr marL="457200" marR="0" lvl="0" indent="-323850" algn="l" rtl="0">
+              <a:lnSpc>
+                <a:spcPct val="115000"/>
+              </a:lnSpc>
+              <a:spcBef>
+                <a:spcPts val="0"/>
+              </a:spcBef>
+              <a:spcAft>
+                <a:spcPts val="0"/>
+              </a:spcAft>
+              <a:buClr>
+                <a:schemeClr val="dk2"/>
+              </a:buClr>
+              <a:buSzPts val="1500"/>
+              <a:buFont typeface="Nunito"/>
+              <a:buChar char="●"/>
+              <a:defRPr sz="1500" b="0" i="0" u="none" strike="noStrike" cap="none">
+                <a:solidFill>
+                  <a:schemeClr val="dk2"/>
+                </a:solidFill>
+                <a:latin typeface="Nunito"/>
+                <a:ea typeface="Nunito"/>
+                <a:cs typeface="Nunito"/>
+                <a:sym typeface="Nunito"/>
+              </a:defRPr>
+            </a:lvl1pPr>
+            <a:lvl2pPr marL="914400" marR="0" lvl="1" indent="-311150" algn="l" rtl="0">
+              <a:lnSpc>
+                <a:spcPct val="115000"/>
+              </a:lnSpc>
+              <a:spcBef>
+                <a:spcPts val="1600"/>
+              </a:spcBef>
+              <a:spcAft>
+                <a:spcPts val="0"/>
+              </a:spcAft>
+              <a:buClr>
+                <a:schemeClr val="dk2"/>
+              </a:buClr>
+              <a:buSzPts val="1300"/>
+              <a:buFont typeface="Nunito"/>
+              <a:buChar char="○"/>
+              <a:defRPr sz="1300" b="0" i="0" u="none" strike="noStrike" cap="none">
+                <a:solidFill>
+                  <a:schemeClr val="dk2"/>
+                </a:solidFill>
+                <a:latin typeface="Nunito"/>
+                <a:ea typeface="Nunito"/>
+                <a:cs typeface="Nunito"/>
+                <a:sym typeface="Nunito"/>
+              </a:defRPr>
+            </a:lvl2pPr>
+            <a:lvl3pPr marL="1371600" marR="0" lvl="2" indent="-304800" algn="l" rtl="0">
+              <a:lnSpc>
+                <a:spcPct val="115000"/>
+              </a:lnSpc>
+              <a:spcBef>
+                <a:spcPts val="1600"/>
+              </a:spcBef>
+              <a:spcAft>
+                <a:spcPts val="0"/>
+              </a:spcAft>
+              <a:buClr>
+                <a:schemeClr val="dk2"/>
+              </a:buClr>
+              <a:buSzPts val="1200"/>
+              <a:buFont typeface="Nunito"/>
+              <a:buChar char="■"/>
+              <a:defRPr sz="1200" b="0" i="0" u="none" strike="noStrike" cap="none">
+                <a:solidFill>
+                  <a:schemeClr val="dk2"/>
+                </a:solidFill>
+                <a:latin typeface="Nunito"/>
+                <a:ea typeface="Nunito"/>
+                <a:cs typeface="Nunito"/>
+                <a:sym typeface="Nunito"/>
+              </a:defRPr>
+            </a:lvl3pPr>
+            <a:lvl4pPr marL="1828800" marR="0" lvl="3" indent="-298450" algn="l" rtl="0">
+              <a:lnSpc>
+                <a:spcPct val="115000"/>
+              </a:lnSpc>
+              <a:spcBef>
+                <a:spcPts val="1600"/>
+              </a:spcBef>
+              <a:spcAft>
+                <a:spcPts val="0"/>
+              </a:spcAft>
+              <a:buClr>
+                <a:schemeClr val="dk2"/>
+              </a:buClr>
+              <a:buSzPts val="1100"/>
+              <a:buFont typeface="Nunito"/>
+              <a:buChar char="●"/>
+              <a:defRPr sz="1100" b="0" i="0" u="none" strike="noStrike" cap="none">
+                <a:solidFill>
+                  <a:schemeClr val="dk2"/>
+                </a:solidFill>
+                <a:latin typeface="Nunito"/>
+                <a:ea typeface="Nunito"/>
+                <a:cs typeface="Nunito"/>
+                <a:sym typeface="Nunito"/>
+              </a:defRPr>
+            </a:lvl4pPr>
+            <a:lvl5pPr marL="2286000" marR="0" lvl="4" indent="-292100" algn="l" rtl="0">
+              <a:lnSpc>
+                <a:spcPct val="115000"/>
+              </a:lnSpc>
+              <a:spcBef>
+                <a:spcPts val="1600"/>
+              </a:spcBef>
+              <a:spcAft>
+                <a:spcPts val="0"/>
+              </a:spcAft>
+              <a:buClr>
+                <a:schemeClr val="dk2"/>
+              </a:buClr>
+              <a:buSzPts val="1000"/>
+              <a:buFont typeface="Nunito"/>
+              <a:buChar char="○"/>
+              <a:defRPr sz="1000" b="0" i="0" u="none" strike="noStrike" cap="none">
+                <a:solidFill>
+                  <a:schemeClr val="dk2"/>
+                </a:solidFill>
+                <a:latin typeface="Nunito"/>
+                <a:ea typeface="Nunito"/>
+                <a:cs typeface="Nunito"/>
+                <a:sym typeface="Nunito"/>
+              </a:defRPr>
+            </a:lvl5pPr>
+            <a:lvl6pPr marL="2743200" marR="0" lvl="5" indent="-285750" algn="l" rtl="0">
+              <a:lnSpc>
+                <a:spcPct val="115000"/>
+              </a:lnSpc>
+              <a:spcBef>
+                <a:spcPts val="1600"/>
+              </a:spcBef>
+              <a:spcAft>
+                <a:spcPts val="0"/>
+              </a:spcAft>
+              <a:buClr>
+                <a:schemeClr val="dk2"/>
+              </a:buClr>
+              <a:buSzPts val="900"/>
+              <a:buFont typeface="Nunito"/>
+              <a:buChar char="■"/>
+              <a:defRPr sz="900" b="0" i="0" u="none" strike="noStrike" cap="none">
+                <a:solidFill>
+                  <a:schemeClr val="dk2"/>
+                </a:solidFill>
+                <a:latin typeface="Nunito"/>
+                <a:ea typeface="Nunito"/>
+                <a:cs typeface="Nunito"/>
+                <a:sym typeface="Nunito"/>
+              </a:defRPr>
+            </a:lvl6pPr>
+            <a:lvl7pPr marL="3200400" marR="0" lvl="6" indent="-279400" algn="l" rtl="0">
+              <a:lnSpc>
+                <a:spcPct val="115000"/>
+              </a:lnSpc>
+              <a:spcBef>
+                <a:spcPts val="1600"/>
+              </a:spcBef>
+              <a:spcAft>
+                <a:spcPts val="0"/>
+              </a:spcAft>
+              <a:buClr>
+                <a:schemeClr val="dk2"/>
+              </a:buClr>
+              <a:buSzPts val="800"/>
+              <a:buFont typeface="Nunito"/>
+              <a:buChar char="●"/>
+              <a:defRPr sz="800" b="0" i="0" u="none" strike="noStrike" cap="none">
+                <a:solidFill>
+                  <a:schemeClr val="dk2"/>
+                </a:solidFill>
+                <a:latin typeface="Nunito"/>
+                <a:ea typeface="Nunito"/>
+                <a:cs typeface="Nunito"/>
+                <a:sym typeface="Nunito"/>
+              </a:defRPr>
+            </a:lvl7pPr>
+            <a:lvl8pPr marL="3657600" marR="0" lvl="7" indent="-273050" algn="l" rtl="0">
+              <a:lnSpc>
+                <a:spcPct val="115000"/>
+              </a:lnSpc>
+              <a:spcBef>
+                <a:spcPts val="1600"/>
+              </a:spcBef>
+              <a:spcAft>
+                <a:spcPts val="0"/>
+              </a:spcAft>
+              <a:buClr>
+                <a:schemeClr val="dk2"/>
+              </a:buClr>
+              <a:buSzPts val="700"/>
+              <a:buFont typeface="Nunito"/>
+              <a:buChar char="○"/>
+              <a:defRPr sz="700" b="0" i="0" u="none" strike="noStrike" cap="none">
+                <a:solidFill>
+                  <a:schemeClr val="dk2"/>
+                </a:solidFill>
+                <a:latin typeface="Nunito"/>
+                <a:ea typeface="Nunito"/>
+                <a:cs typeface="Nunito"/>
+                <a:sym typeface="Nunito"/>
+              </a:defRPr>
+            </a:lvl8pPr>
+            <a:lvl9pPr marL="4114800" marR="0" lvl="8" indent="-266700" algn="l" rtl="0">
+              <a:lnSpc>
+                <a:spcPct val="115000"/>
+              </a:lnSpc>
+              <a:spcBef>
+                <a:spcPts val="1600"/>
+              </a:spcBef>
+              <a:spcAft>
+                <a:spcPts val="1600"/>
+              </a:spcAft>
+              <a:buClr>
+                <a:schemeClr val="dk2"/>
+              </a:buClr>
+              <a:buSzPts val="600"/>
+              <a:buFont typeface="Nunito"/>
+              <a:buChar char="■"/>
+              <a:defRPr sz="600" b="0" i="0" u="none" strike="noStrike" cap="none">
+                <a:solidFill>
+                  <a:schemeClr val="dk2"/>
+                </a:solidFill>
+                <a:latin typeface="Nunito"/>
+                <a:ea typeface="Nunito"/>
+                <a:cs typeface="Nunito"/>
+                <a:sym typeface="Nunito"/>
+              </a:defRPr>
+            </a:lvl9pPr>
+          </a:lstStyle>
+          <a:p>
+            <a:pPr marL="171450" indent="-171450" algn="just">
+              <a:spcBef>
+                <a:spcPts val="400"/>
+              </a:spcBef>
+              <a:buClr>
+                <a:schemeClr val="dk1"/>
+              </a:buClr>
+              <a:buSzPts val="1400"/>
+            </a:pPr>
+            <a:r>
+              <a:rPr lang="en-US" sz="1200" b="1" dirty="0">
+                <a:solidFill>
+                  <a:schemeClr val="dk1"/>
+                </a:solidFill>
+                <a:latin typeface="Nunito" pitchFamily="2" charset="0"/>
+                <a:ea typeface="Century Gothic"/>
+                <a:cs typeface="Century Gothic"/>
+                <a:sym typeface="Century Gothic"/>
+              </a:rPr>
+              <a:t>Analysis</a:t>
+            </a:r>
+          </a:p>
+          <a:p>
+            <a:pPr marL="628650" lvl="1" indent="-171450" algn="just">
+              <a:spcBef>
+                <a:spcPts val="400"/>
+              </a:spcBef>
+              <a:buClr>
+                <a:schemeClr val="dk1"/>
+              </a:buClr>
+              <a:buSzPts val="1400"/>
+            </a:pPr>
+            <a:r>
+              <a:rPr lang="en-US" sz="1000" b="1" dirty="0">
+                <a:solidFill>
+                  <a:schemeClr val="dk1"/>
+                </a:solidFill>
+                <a:latin typeface="Nunito" pitchFamily="2" charset="0"/>
+                <a:ea typeface="Century Gothic"/>
+                <a:cs typeface="Century Gothic"/>
+                <a:sym typeface="Century Gothic"/>
+              </a:rPr>
+              <a:t>Accuracy</a:t>
+            </a:r>
+          </a:p>
+          <a:p>
+            <a:pPr marL="1085850" lvl="2" indent="-171450" algn="just">
+              <a:spcBef>
+                <a:spcPts val="400"/>
+              </a:spcBef>
+              <a:buClr>
+                <a:schemeClr val="dk1"/>
+              </a:buClr>
+              <a:buSzPts val="1400"/>
+            </a:pPr>
+            <a:r>
+              <a:rPr lang="en-US" sz="900" b="1" dirty="0"/>
+              <a:t>≈88%</a:t>
+            </a:r>
+            <a:r>
+              <a:rPr lang="en-US" sz="900" dirty="0"/>
+              <a:t> is roughly </a:t>
+            </a:r>
+            <a:r>
+              <a:rPr lang="en-US" sz="900" b="1" dirty="0"/>
+              <a:t>8%</a:t>
+            </a:r>
+            <a:r>
+              <a:rPr lang="en-US" sz="900" dirty="0"/>
+              <a:t> better than </a:t>
+            </a:r>
+            <a:r>
+              <a:rPr lang="en-US" sz="900" b="1" dirty="0"/>
+              <a:t>80% </a:t>
+            </a:r>
+            <a:r>
+              <a:rPr lang="en-US" sz="900" dirty="0"/>
+              <a:t>baseline (if model predicted non-default for every row)</a:t>
+            </a:r>
+          </a:p>
+          <a:p>
+            <a:pPr marL="1085850" lvl="2" indent="-171450" algn="just">
+              <a:spcBef>
+                <a:spcPts val="400"/>
+              </a:spcBef>
+              <a:buClr>
+                <a:schemeClr val="dk1"/>
+              </a:buClr>
+              <a:buSzPts val="1400"/>
+            </a:pPr>
+            <a:r>
+              <a:rPr lang="en-US" sz="900" dirty="0"/>
+              <a:t>Model is learning better (</a:t>
+            </a:r>
+            <a:r>
+              <a:rPr lang="en-US" sz="900" b="1" dirty="0"/>
+              <a:t>≈3%</a:t>
+            </a:r>
+            <a:r>
+              <a:rPr lang="en-US" sz="900" dirty="0"/>
+              <a:t> improvement over </a:t>
+            </a:r>
+            <a:r>
+              <a:rPr lang="en-US" sz="900" b="1" dirty="0"/>
+              <a:t>Basic NN</a:t>
+            </a:r>
+            <a:r>
+              <a:rPr lang="en-US" sz="900" dirty="0"/>
+              <a:t>)</a:t>
+            </a:r>
+          </a:p>
+          <a:p>
+            <a:pPr marL="1085850" lvl="2" indent="-171450" algn="just">
+              <a:spcBef>
+                <a:spcPts val="400"/>
+              </a:spcBef>
+              <a:buClr>
+                <a:schemeClr val="dk1"/>
+              </a:buClr>
+              <a:buSzPts val="1400"/>
+            </a:pPr>
+            <a:r>
+              <a:rPr lang="en-US" sz="900" dirty="0"/>
+              <a:t>Tuning improved performance</a:t>
+            </a:r>
+          </a:p>
+          <a:p>
+            <a:pPr marL="1085850" lvl="2" indent="-171450" algn="just">
+              <a:spcBef>
+                <a:spcPts val="400"/>
+              </a:spcBef>
+              <a:buClr>
+                <a:schemeClr val="dk1"/>
+              </a:buClr>
+              <a:buSzPts val="1400"/>
+            </a:pPr>
+            <a:r>
+              <a:rPr lang="en-US" sz="900" dirty="0"/>
+              <a:t>Not overfitting</a:t>
+            </a:r>
+            <a:endParaRPr lang="en-US" sz="900" b="1" dirty="0">
+              <a:solidFill>
+                <a:schemeClr val="dk1"/>
+              </a:solidFill>
+              <a:latin typeface="Nunito" pitchFamily="2" charset="0"/>
+              <a:ea typeface="Century Gothic"/>
+              <a:cs typeface="Century Gothic"/>
+              <a:sym typeface="Century Gothic"/>
+            </a:endParaRPr>
+          </a:p>
+          <a:p>
+            <a:pPr marL="628650" lvl="1" indent="-171450" algn="just">
+              <a:spcBef>
+                <a:spcPts val="400"/>
+              </a:spcBef>
+              <a:buClr>
+                <a:schemeClr val="dk1"/>
+              </a:buClr>
+              <a:buSzPts val="1400"/>
+            </a:pPr>
+            <a:r>
+              <a:rPr lang="en-US" sz="1000" b="1" dirty="0">
+                <a:solidFill>
+                  <a:schemeClr val="dk1"/>
+                </a:solidFill>
+                <a:latin typeface="Nunito" pitchFamily="2" charset="0"/>
+                <a:ea typeface="Century Gothic"/>
+                <a:cs typeface="Century Gothic"/>
+                <a:sym typeface="Century Gothic"/>
+              </a:rPr>
+              <a:t>Kappa</a:t>
+            </a:r>
+          </a:p>
+          <a:p>
+            <a:pPr marL="1085850" lvl="2" indent="-171450" algn="just">
+              <a:spcBef>
+                <a:spcPts val="400"/>
+              </a:spcBef>
+              <a:buClr>
+                <a:schemeClr val="dk1"/>
+              </a:buClr>
+              <a:buSzPts val="1400"/>
+            </a:pPr>
+            <a:r>
+              <a:rPr lang="en-US" sz="900" dirty="0"/>
+              <a:t>Better agreement, approaching good range (</a:t>
+            </a:r>
+            <a:r>
+              <a:rPr lang="en-US" sz="900" b="1" dirty="0"/>
+              <a:t>&gt;0.6</a:t>
+            </a:r>
+            <a:r>
+              <a:rPr lang="en-US" sz="900" dirty="0"/>
+              <a:t>)</a:t>
+            </a:r>
+          </a:p>
+          <a:p>
+            <a:pPr marL="1085850" lvl="2" indent="-171450" algn="just">
+              <a:spcBef>
+                <a:spcPts val="400"/>
+              </a:spcBef>
+              <a:buClr>
+                <a:schemeClr val="dk1"/>
+              </a:buClr>
+              <a:buSzPts val="1400"/>
+            </a:pPr>
+            <a:r>
+              <a:rPr lang="en-US" sz="900" b="1" dirty="0"/>
+              <a:t>≈15% </a:t>
+            </a:r>
+            <a:r>
+              <a:rPr lang="en-US" sz="900" dirty="0"/>
+              <a:t>improvement over </a:t>
+            </a:r>
+            <a:r>
+              <a:rPr lang="en-US" sz="900" b="1" dirty="0"/>
+              <a:t>Basic NN</a:t>
+            </a:r>
+            <a:endParaRPr lang="en-US" sz="900" dirty="0">
+              <a:solidFill>
+                <a:schemeClr val="dk1"/>
+              </a:solidFill>
+              <a:latin typeface="Nunito" pitchFamily="2" charset="0"/>
+              <a:ea typeface="Century Gothic"/>
+              <a:cs typeface="Century Gothic"/>
+              <a:sym typeface="Century Gothic"/>
+            </a:endParaRPr>
+          </a:p>
+          <a:p>
+            <a:pPr marL="628650" lvl="1" indent="-171450" algn="just">
+              <a:spcBef>
+                <a:spcPts val="400"/>
+              </a:spcBef>
+              <a:buClr>
+                <a:schemeClr val="dk1"/>
+              </a:buClr>
+              <a:buSzPts val="1400"/>
+            </a:pPr>
+            <a:r>
+              <a:rPr lang="en-US" sz="1000" b="1" dirty="0">
+                <a:solidFill>
+                  <a:schemeClr val="dk1"/>
+                </a:solidFill>
+                <a:latin typeface="Nunito" pitchFamily="2" charset="0"/>
+                <a:ea typeface="Century Gothic"/>
+                <a:cs typeface="Century Gothic"/>
+                <a:sym typeface="Century Gothic"/>
+              </a:rPr>
+              <a:t>Weighted Recall</a:t>
+            </a:r>
+          </a:p>
+          <a:p>
+            <a:pPr marL="1085850" lvl="2" indent="-171450" algn="just">
+              <a:spcBef>
+                <a:spcPts val="400"/>
+              </a:spcBef>
+              <a:buClr>
+                <a:schemeClr val="dk1"/>
+              </a:buClr>
+              <a:buSzPts val="1400"/>
+            </a:pPr>
+            <a:r>
+              <a:rPr lang="en-US" sz="900" dirty="0"/>
+              <a:t>Model catches </a:t>
+            </a:r>
+            <a:r>
+              <a:rPr lang="en-US" sz="900" b="1" dirty="0"/>
+              <a:t>≈76% </a:t>
+            </a:r>
+            <a:r>
+              <a:rPr lang="en-US" sz="900" dirty="0"/>
+              <a:t>of actual cases – more cases overall</a:t>
+            </a:r>
+          </a:p>
+          <a:p>
+            <a:pPr marL="1085850" lvl="2" indent="-171450" algn="just">
+              <a:spcBef>
+                <a:spcPts val="400"/>
+              </a:spcBef>
+              <a:buClr>
+                <a:schemeClr val="dk1"/>
+              </a:buClr>
+              <a:buSzPts val="1400"/>
+            </a:pPr>
+            <a:r>
+              <a:rPr lang="en-US" sz="900" b="1" dirty="0"/>
+              <a:t>≈2% </a:t>
+            </a:r>
+            <a:r>
+              <a:rPr lang="en-US" sz="900" dirty="0"/>
+              <a:t>improvement over </a:t>
+            </a:r>
+            <a:r>
+              <a:rPr lang="en-US" sz="900" b="1" dirty="0"/>
+              <a:t>Basic NN</a:t>
+            </a:r>
+          </a:p>
+          <a:p>
+            <a:pPr marL="1085850" lvl="2" indent="-171450" algn="just">
+              <a:spcBef>
+                <a:spcPts val="400"/>
+              </a:spcBef>
+              <a:buClr>
+                <a:schemeClr val="dk1"/>
+              </a:buClr>
+              <a:buSzPts val="1400"/>
+            </a:pPr>
+            <a:r>
+              <a:rPr lang="en-US" sz="900" dirty="0">
+                <a:solidFill>
+                  <a:schemeClr val="dk1"/>
+                </a:solidFill>
+                <a:latin typeface="Nunito" pitchFamily="2" charset="0"/>
+                <a:ea typeface="Century Gothic"/>
+                <a:cs typeface="Century Gothic"/>
+                <a:sym typeface="Century Gothic"/>
+              </a:rPr>
+              <a:t>Tuning responsible for slight improvement</a:t>
+            </a:r>
+          </a:p>
+          <a:p>
+            <a:pPr marL="628650" lvl="1" indent="-171450" algn="just">
+              <a:spcBef>
+                <a:spcPts val="400"/>
+              </a:spcBef>
+              <a:buClr>
+                <a:schemeClr val="dk1"/>
+              </a:buClr>
+              <a:buSzPts val="1400"/>
+            </a:pPr>
+            <a:r>
+              <a:rPr lang="en-US" sz="1000" b="1" dirty="0">
+                <a:solidFill>
+                  <a:schemeClr val="dk1"/>
+                </a:solidFill>
+                <a:latin typeface="Nunito" pitchFamily="2" charset="0"/>
+                <a:ea typeface="Century Gothic"/>
+                <a:cs typeface="Century Gothic"/>
+                <a:sym typeface="Century Gothic"/>
+              </a:rPr>
+              <a:t>Weighted Precision </a:t>
+            </a:r>
+          </a:p>
+          <a:p>
+            <a:pPr marL="1085850" lvl="2" indent="-171450" algn="just">
+              <a:spcBef>
+                <a:spcPts val="400"/>
+              </a:spcBef>
+              <a:buClr>
+                <a:schemeClr val="dk1"/>
+              </a:buClr>
+              <a:buSzPts val="1400"/>
+            </a:pPr>
+            <a:r>
+              <a:rPr lang="en-US" sz="900" dirty="0"/>
+              <a:t>Model is </a:t>
+            </a:r>
+            <a:r>
+              <a:rPr lang="en-US" sz="900" b="1" dirty="0"/>
+              <a:t>≈83% </a:t>
+            </a:r>
+            <a:r>
+              <a:rPr lang="en-US" sz="900" dirty="0"/>
+              <a:t>correct when it makes a prediction (weighted)</a:t>
+            </a:r>
+          </a:p>
+          <a:p>
+            <a:pPr marL="1085850" lvl="2" indent="-171450" algn="just">
+              <a:spcBef>
+                <a:spcPts val="400"/>
+              </a:spcBef>
+              <a:buClr>
+                <a:schemeClr val="dk1"/>
+              </a:buClr>
+              <a:buSzPts val="1400"/>
+            </a:pPr>
+            <a:r>
+              <a:rPr lang="en-US" sz="900" dirty="0"/>
+              <a:t>Significant improvement over </a:t>
+            </a:r>
+            <a:r>
+              <a:rPr lang="en-US" sz="900" b="1" dirty="0"/>
+              <a:t>Basic NN</a:t>
+            </a:r>
+          </a:p>
+          <a:p>
+            <a:pPr marL="1085850" lvl="2" indent="-171450" algn="just">
+              <a:spcBef>
+                <a:spcPts val="400"/>
+              </a:spcBef>
+              <a:buClr>
+                <a:schemeClr val="dk1"/>
+              </a:buClr>
+              <a:buSzPts val="1400"/>
+            </a:pPr>
+            <a:r>
+              <a:rPr lang="en-US" sz="900" dirty="0">
+                <a:solidFill>
+                  <a:schemeClr val="dk1"/>
+                </a:solidFill>
+                <a:latin typeface="Nunito" pitchFamily="2" charset="0"/>
+                <a:sym typeface="Century Gothic"/>
+              </a:rPr>
+              <a:t>Tuning most benefited this metric</a:t>
+            </a:r>
+            <a:endParaRPr lang="en-US" sz="1000" dirty="0">
+              <a:solidFill>
+                <a:schemeClr val="dk1"/>
+              </a:solidFill>
+              <a:latin typeface="Nunito" pitchFamily="2" charset="0"/>
+              <a:sym typeface="Century Gothic"/>
+            </a:endParaRPr>
+          </a:p>
+        </p:txBody>
+      </p:sp>
+    </p:spTree>
+    <p:extLst>
+      <p:ext uri="{BB962C8B-B14F-4D97-AF65-F5344CB8AC3E}">
+        <p14:creationId xmlns:p14="http://schemas.microsoft.com/office/powerpoint/2010/main" val="2338379219"/>
+      </p:ext>
+    </p:extLst>
+  </p:cSld>
+  <p:clrMapOvr>
+    <a:masterClrMapping/>
+  </p:clrMapOvr>
+</p:sld>
+</file>
+
+<file path=ppt/slides/slide51.xml><?xml version="1.0" encoding="utf-8"?>
 <p:sld xmlns:a="http://schemas.openxmlformats.org/drawingml/2006/main" xmlns:r="http://schemas.openxmlformats.org/officeDocument/2006/relationships" xmlns:p="http://schemas.openxmlformats.org/presentationml/2006/main">
   <p:cSld>
     <p:spTree>
@@ -50294,7 +52777,7 @@
         </p:nvSpPr>
         <p:spPr>
           <a:xfrm>
-            <a:off x="202550" y="289279"/>
+            <a:off x="230903" y="197130"/>
             <a:ext cx="8520600" cy="572700"/>
           </a:xfrm>
           <a:prstGeom prst="rect">
@@ -50325,7 +52808,7 @@
               <a:buNone/>
             </a:pPr>
             <a:r>
-              <a:rPr lang="en-US">
+              <a:rPr lang="en-US" dirty="0">
                 <a:solidFill>
                   <a:schemeClr val="lt2"/>
                 </a:solidFill>
@@ -50336,77 +52819,7 @@
               </a:rPr>
               <a:t>Scenario 3: Neural Network Using Grid Search </a:t>
             </a:r>
-            <a:endParaRPr/>
-          </a:p>
-        </p:txBody>
-      </p:sp>
-      <p:sp>
-        <p:nvSpPr>
-          <p:cNvPr id="247" name="Google Shape;247;p50"/>
-          <p:cNvSpPr txBox="1">
-            <a:spLocks noGrp="1"/>
-          </p:cNvSpPr>
-          <p:nvPr>
-            <p:ph type="body" idx="1"/>
-          </p:nvPr>
-        </p:nvSpPr>
-        <p:spPr>
-          <a:xfrm>
-            <a:off x="202550" y="861975"/>
-            <a:ext cx="8307900" cy="572700"/>
-          </a:xfrm>
-          <a:prstGeom prst="rect">
-            <a:avLst/>
-          </a:prstGeom>
-          <a:noFill/>
-          <a:ln>
-            <a:noFill/>
-          </a:ln>
-        </p:spPr>
-        <p:txBody>
-          <a:bodyPr spcFirstLastPara="1" wrap="square" lIns="91425" tIns="91425" rIns="91425" bIns="91425" anchor="t" anchorCtr="0">
-            <a:noAutofit/>
-          </a:bodyPr>
-          <a:lstStyle/>
-          <a:p>
-            <a:pPr marL="457200" lvl="0" indent="-317500" algn="l" rtl="0">
-              <a:lnSpc>
-                <a:spcPct val="115000"/>
-              </a:lnSpc>
-              <a:spcBef>
-                <a:spcPts val="1000"/>
-              </a:spcBef>
-              <a:spcAft>
-                <a:spcPts val="0"/>
-              </a:spcAft>
-              <a:buClr>
-                <a:schemeClr val="dk1"/>
-              </a:buClr>
-              <a:buSzPts val="1400"/>
-              <a:buFont typeface="Century Gothic"/>
-              <a:buChar char="●"/>
-            </a:pPr>
-            <a:r>
-              <a:rPr lang="en-US" sz="1400">
-                <a:solidFill>
-                  <a:schemeClr val="dk1"/>
-                </a:solidFill>
-                <a:latin typeface="Century Gothic"/>
-                <a:ea typeface="Century Gothic"/>
-                <a:cs typeface="Century Gothic"/>
-                <a:sym typeface="Century Gothic"/>
-              </a:rPr>
-              <a:t>Please comment on the model performance</a:t>
-            </a:r>
-            <a:endParaRPr sz="1400">
-              <a:solidFill>
-                <a:schemeClr val="dk1"/>
-              </a:solidFill>
-              <a:latin typeface="Century Gothic"/>
-              <a:ea typeface="Century Gothic"/>
-              <a:cs typeface="Century Gothic"/>
-              <a:sym typeface="Century Gothic"/>
-            </a:endParaRPr>
+            <a:endParaRPr dirty="0"/>
           </a:p>
         </p:txBody>
       </p:sp>
@@ -50414,10 +52827,16 @@
         <p:nvGraphicFramePr>
           <p:cNvPr id="248" name="Google Shape;248;p50"/>
           <p:cNvGraphicFramePr/>
-          <p:nvPr/>
+          <p:nvPr>
+            <p:extLst>
+              <p:ext uri="{D42A27DB-BD31-4B8C-83A1-F6EECF244321}">
+                <p14:modId xmlns:p14="http://schemas.microsoft.com/office/powerpoint/2010/main" val="1855741574"/>
+              </p:ext>
+            </p:extLst>
+          </p:nvPr>
         </p:nvGraphicFramePr>
         <p:xfrm>
-          <a:off x="1364816" y="1765092"/>
+          <a:off x="1208880" y="1159691"/>
           <a:ext cx="5983350" cy="1273825"/>
         </p:xfrm>
         <a:graphic>
@@ -50488,7 +52907,7 @@
                         <a:buNone/>
                       </a:pPr>
                       <a:r>
-                        <a:rPr lang="en-US" sz="1200" u="none" strike="noStrike" cap="none">
+                        <a:rPr lang="en-US" sz="1200" u="none" strike="noStrike" cap="none" dirty="0">
                           <a:latin typeface="Nunito"/>
                           <a:ea typeface="Nunito"/>
                           <a:cs typeface="Nunito"/>
@@ -50496,7 +52915,7 @@
                         </a:rPr>
                         <a:t>Metric</a:t>
                       </a:r>
-                      <a:endParaRPr sz="1200" u="none" strike="noStrike" cap="none">
+                      <a:endParaRPr sz="1200" u="none" strike="noStrike" cap="none" dirty="0">
                         <a:latin typeface="Nunito"/>
                         <a:ea typeface="Nunito"/>
                         <a:cs typeface="Nunito"/>
@@ -50533,7 +52952,7 @@
                         <a:buNone/>
                       </a:pPr>
                       <a:r>
-                        <a:rPr lang="en-US" sz="1200" u="none" strike="noStrike" cap="none">
+                        <a:rPr lang="en-US" sz="1200" u="none" strike="noStrike" cap="none" dirty="0">
                           <a:latin typeface="Nunito"/>
                           <a:ea typeface="Nunito"/>
                           <a:cs typeface="Nunito"/>
@@ -50541,7 +52960,7 @@
                         </a:rPr>
                         <a:t>Accuracy</a:t>
                       </a:r>
-                      <a:endParaRPr sz="1200" u="none" strike="noStrike" cap="none">
+                      <a:endParaRPr sz="1200" u="none" strike="noStrike" cap="none" dirty="0">
                         <a:latin typeface="Nunito"/>
                         <a:ea typeface="Nunito"/>
                         <a:cs typeface="Nunito"/>
@@ -50578,7 +52997,7 @@
                         <a:buNone/>
                       </a:pPr>
                       <a:r>
-                        <a:rPr lang="en-US" sz="1200" u="none" strike="noStrike" cap="none">
+                        <a:rPr lang="en-US" sz="1200" u="none" strike="noStrike" cap="none" dirty="0">
                           <a:latin typeface="Nunito"/>
                           <a:ea typeface="Nunito"/>
                           <a:cs typeface="Nunito"/>
@@ -50586,7 +53005,7 @@
                         </a:rPr>
                         <a:t>Kappa</a:t>
                       </a:r>
-                      <a:endParaRPr sz="1200" u="none" strike="noStrike" cap="none">
+                      <a:endParaRPr sz="1200" u="none" strike="noStrike" cap="none" dirty="0">
                         <a:latin typeface="Nunito"/>
                         <a:ea typeface="Nunito"/>
                         <a:cs typeface="Nunito"/>
@@ -50829,7 +53248,7 @@
                         <a:buNone/>
                       </a:pPr>
                       <a:r>
-                        <a:rPr lang="en-US" sz="1200" u="none" strike="noStrike" cap="none">
+                        <a:rPr lang="en-US" sz="1200" u="none" strike="noStrike" cap="none" dirty="0">
                           <a:latin typeface="Nunito"/>
                           <a:ea typeface="Nunito"/>
                           <a:cs typeface="Nunito"/>
@@ -50838,7 +53257,7 @@
                         <a:t>0.5</a:t>
                       </a:r>
                       <a:r>
-                        <a:rPr lang="en-US" sz="1200">
+                        <a:rPr lang="en-US" sz="1200" dirty="0">
                           <a:latin typeface="Nunito"/>
                           <a:ea typeface="Nunito"/>
                           <a:cs typeface="Nunito"/>
@@ -50846,7 +53265,7 @@
                         </a:rPr>
                         <a:t>46</a:t>
                       </a:r>
-                      <a:endParaRPr sz="1200" u="none" strike="noStrike" cap="none">
+                      <a:endParaRPr sz="1200" u="none" strike="noStrike" cap="none" dirty="0">
                         <a:latin typeface="Nunito"/>
                         <a:ea typeface="Nunito"/>
                         <a:cs typeface="Nunito"/>
@@ -50947,7 +53366,7 @@
                         <a:buNone/>
                       </a:pPr>
                       <a:r>
-                        <a:rPr lang="en-US" sz="1200" u="none" strike="noStrike" cap="none">
+                        <a:rPr lang="en-US" sz="1200" u="none" strike="noStrike" cap="none" dirty="0">
                           <a:latin typeface="Nunito"/>
                           <a:ea typeface="Nunito"/>
                           <a:cs typeface="Nunito"/>
@@ -50956,7 +53375,7 @@
                         <a:t>8</a:t>
                       </a:r>
                       <a:r>
-                        <a:rPr lang="en-US" sz="1200">
+                        <a:rPr lang="en-US" sz="1200" dirty="0">
                           <a:latin typeface="Nunito"/>
                           <a:ea typeface="Nunito"/>
                           <a:cs typeface="Nunito"/>
@@ -50965,7 +53384,7 @@
                         <a:t>9</a:t>
                       </a:r>
                       <a:r>
-                        <a:rPr lang="en-US" sz="1200" u="none" strike="noStrike" cap="none">
+                        <a:rPr lang="en-US" sz="1200" u="none" strike="noStrike" cap="none" dirty="0">
                           <a:latin typeface="Nunito"/>
                           <a:ea typeface="Nunito"/>
                           <a:cs typeface="Nunito"/>
@@ -50974,7 +53393,7 @@
                         <a:t>.</a:t>
                       </a:r>
                       <a:r>
-                        <a:rPr lang="en-US" sz="1200">
+                        <a:rPr lang="en-US" sz="1200" dirty="0">
                           <a:latin typeface="Nunito"/>
                           <a:ea typeface="Nunito"/>
                           <a:cs typeface="Nunito"/>
@@ -50982,7 +53401,7 @@
                         </a:rPr>
                         <a:t>25</a:t>
                       </a:r>
-                      <a:endParaRPr sz="1200" u="none" strike="noStrike" cap="none">
+                      <a:endParaRPr sz="1200" u="none" strike="noStrike" cap="none" dirty="0">
                         <a:latin typeface="Nunito"/>
                         <a:ea typeface="Nunito"/>
                         <a:cs typeface="Nunito"/>
@@ -51034,7 +53453,7 @@
             </a:pPr>
             <a:fld id="{00000000-1234-1234-1234-123412341234}" type="slidenum">
               <a:rPr lang="en-US" smtClean="0"/>
-              <a:t>49</a:t>
+              <a:t>51</a:t>
             </a:fld>
             <a:endParaRPr lang="en-US"/>
           </a:p>
@@ -51048,12 +53467,18 @@
 </p:sld>
 </file>
 
-<file path=ppt/slides/slide5.xml><?xml version="1.0" encoding="utf-8"?>
+<file path=ppt/slides/slide52.xml><?xml version="1.0" encoding="utf-8"?>
 <p:sld xmlns:a="http://schemas.openxmlformats.org/drawingml/2006/main" xmlns:r="http://schemas.openxmlformats.org/officeDocument/2006/relationships" xmlns:p="http://schemas.openxmlformats.org/presentationml/2006/main">
   <p:cSld>
     <p:spTree>
       <p:nvGrpSpPr>
-        <p:cNvPr id="1" name="Shape 230"/>
+        <p:cNvPr id="1" name="Shape 245">
+          <a:extLst>
+            <a:ext uri="{FF2B5EF4-FFF2-40B4-BE49-F238E27FC236}">
+              <a16:creationId xmlns:a16="http://schemas.microsoft.com/office/drawing/2014/main" id="{6C1C70BE-589A-37D9-7620-E6936326C185}"/>
+            </a:ext>
+          </a:extLst>
+        </p:cNvPr>
         <p:cNvGrpSpPr/>
         <p:nvPr/>
       </p:nvGrpSpPr>
@@ -51067,7 +53492,13 @@
       </p:grpSpPr>
       <p:sp>
         <p:nvSpPr>
-          <p:cNvPr id="231" name="Google Shape;231;p3"/>
+          <p:cNvPr id="246" name="Google Shape;246;p50">
+            <a:extLst>
+              <a:ext uri="{FF2B5EF4-FFF2-40B4-BE49-F238E27FC236}">
+                <a16:creationId xmlns:a16="http://schemas.microsoft.com/office/drawing/2014/main" id="{9C21FE2F-D791-7CDF-AA80-B8D8617636D6}"/>
+              </a:ext>
+            </a:extLst>
+          </p:cNvPr>
           <p:cNvSpPr txBox="1">
             <a:spLocks noGrp="1"/>
           </p:cNvSpPr>
@@ -51077,8 +53508,8 @@
         </p:nvSpPr>
         <p:spPr>
           <a:xfrm>
-            <a:off x="254702" y="101531"/>
-            <a:ext cx="4735210" cy="572700"/>
+            <a:off x="230903" y="197130"/>
+            <a:ext cx="8520600" cy="572700"/>
           </a:xfrm>
           <a:prstGeom prst="rect">
             <a:avLst/>
@@ -51108,7 +53539,7 @@
               <a:buNone/>
             </a:pPr>
             <a:r>
-              <a:rPr lang="en" dirty="0">
+              <a:rPr lang="en-US" dirty="0">
                 <a:solidFill>
                   <a:schemeClr val="lt2"/>
                 </a:solidFill>
@@ -51117,185 +53548,9 @@
                 <a:cs typeface="Century Gothic"/>
                 <a:sym typeface="Century Gothic"/>
               </a:rPr>
-              <a:t>Business Problem Overview</a:t>
-            </a:r>
-            <a:endParaRPr dirty="0">
-              <a:solidFill>
-                <a:schemeClr val="lt2"/>
-              </a:solidFill>
-              <a:latin typeface="Century Gothic"/>
-              <a:ea typeface="Century Gothic"/>
-              <a:cs typeface="Century Gothic"/>
-              <a:sym typeface="Century Gothic"/>
-            </a:endParaRPr>
-          </a:p>
-        </p:txBody>
-      </p:sp>
-      <p:sp>
-        <p:nvSpPr>
-          <p:cNvPr id="232" name="Google Shape;232;p3"/>
-          <p:cNvSpPr txBox="1">
-            <a:spLocks noGrp="1"/>
-          </p:cNvSpPr>
-          <p:nvPr>
-            <p:ph type="body" idx="1"/>
-          </p:nvPr>
-        </p:nvSpPr>
-        <p:spPr>
-          <a:xfrm>
-            <a:off x="202550" y="861975"/>
-            <a:ext cx="8629800" cy="3493747"/>
-          </a:xfrm>
-          <a:prstGeom prst="rect">
-            <a:avLst/>
-          </a:prstGeom>
-          <a:noFill/>
-          <a:ln>
-            <a:noFill/>
-          </a:ln>
-        </p:spPr>
-        <p:txBody>
-          <a:bodyPr spcFirstLastPara="1" wrap="square" lIns="91425" tIns="91425" rIns="91425" bIns="91425" anchor="t" anchorCtr="0">
-            <a:spAutoFit/>
-          </a:bodyPr>
-          <a:lstStyle/>
-          <a:p>
-            <a:pPr marL="139700" indent="0">
-              <a:spcBef>
-                <a:spcPts val="1000"/>
-              </a:spcBef>
-              <a:buClr>
-                <a:schemeClr val="dk1"/>
-              </a:buClr>
-              <a:buSzPts val="1400"/>
-              <a:buNone/>
-            </a:pPr>
-            <a:r>
-              <a:rPr lang="en-US" b="1" dirty="0"/>
-              <a:t>Consumer Home Loans </a:t>
-            </a:r>
-            <a:r>
-              <a:rPr lang="en-US" dirty="0"/>
-              <a:t>represent a substantial percentage of retail bank profits. Loan defaults (NPA – bad loans) can put those profits at risk. It is in a banks best interest to thoroughly vet perspective loan applicants to minimize loan default occurrences.</a:t>
-            </a:r>
-          </a:p>
-          <a:p>
-            <a:pPr marL="139700" indent="0">
-              <a:spcBef>
-                <a:spcPts val="1000"/>
-              </a:spcBef>
-              <a:buClr>
-                <a:schemeClr val="dk1"/>
-              </a:buClr>
-              <a:buSzPts val="1400"/>
-              <a:buNone/>
-            </a:pPr>
-            <a:endParaRPr lang="en-US" dirty="0"/>
-          </a:p>
-          <a:p>
-            <a:pPr marL="139700" indent="0">
-              <a:spcBef>
-                <a:spcPts val="1000"/>
-              </a:spcBef>
-              <a:buClr>
-                <a:schemeClr val="dk1"/>
-              </a:buClr>
-              <a:buSzPts val="1400"/>
-              <a:buNone/>
-            </a:pPr>
-            <a:r>
-              <a:rPr lang="en-US" b="1" dirty="0"/>
-              <a:t>Loan Underwriting</a:t>
-            </a:r>
-            <a:r>
-              <a:rPr lang="en-US" dirty="0"/>
-              <a:t> is a multi-phase process involving:</a:t>
-            </a:r>
-          </a:p>
-          <a:p>
-            <a:pPr marL="139700" indent="0">
-              <a:spcBef>
-                <a:spcPts val="1000"/>
-              </a:spcBef>
-              <a:buClr>
-                <a:schemeClr val="dk1"/>
-              </a:buClr>
-              <a:buSzPts val="1400"/>
-              <a:buNone/>
-            </a:pPr>
-            <a:endParaRPr lang="en-US" sz="800" dirty="0"/>
-          </a:p>
-          <a:p>
-            <a:pPr lvl="0"/>
-            <a:r>
-              <a:rPr lang="en-US" b="1" dirty="0"/>
-              <a:t>Credit Analysis/Assessment </a:t>
-            </a:r>
-            <a:r>
-              <a:rPr lang="en-US" dirty="0"/>
-              <a:t>– credit scores, history, existing debt, </a:t>
-            </a:r>
-            <a:r>
-              <a:rPr lang="en-US" b="1" dirty="0"/>
-              <a:t>DTI</a:t>
-            </a:r>
-            <a:r>
-              <a:rPr lang="en-US" dirty="0"/>
-              <a:t> ratio</a:t>
-            </a:r>
-          </a:p>
-          <a:p>
-            <a:pPr lvl="0"/>
-            <a:r>
-              <a:rPr lang="en-US" b="1" dirty="0"/>
-              <a:t>Employment/Income Verification </a:t>
-            </a:r>
-            <a:r>
-              <a:rPr lang="en-US" dirty="0"/>
-              <a:t> employment status/history, income confirmation</a:t>
-            </a:r>
-          </a:p>
-          <a:p>
-            <a:pPr lvl="0"/>
-            <a:r>
-              <a:rPr lang="en-US" b="1" dirty="0"/>
-              <a:t>Asset Assessment </a:t>
-            </a:r>
-            <a:r>
-              <a:rPr lang="en-US" dirty="0"/>
-              <a:t>– verification of down payment, investments, properties, liquid assets</a:t>
-            </a:r>
-          </a:p>
-          <a:p>
-            <a:pPr lvl="0"/>
-            <a:r>
-              <a:rPr lang="en-US" b="1" dirty="0"/>
-              <a:t>Collateral Evaluation </a:t>
-            </a:r>
-            <a:r>
-              <a:rPr lang="en-US" dirty="0"/>
-              <a:t>– property appraisal, loan-to-value (</a:t>
-            </a:r>
-            <a:r>
-              <a:rPr lang="en-US" b="1" dirty="0"/>
-              <a:t>LTV</a:t>
-            </a:r>
-            <a:r>
-              <a:rPr lang="en-US" dirty="0"/>
-              <a:t>) ratio, title search</a:t>
-            </a:r>
-          </a:p>
-          <a:p>
-            <a:pPr lvl="0"/>
-            <a:r>
-              <a:rPr lang="en-US" b="1" dirty="0"/>
-              <a:t>Risk Assessment </a:t>
-            </a:r>
-            <a:r>
-              <a:rPr lang="en-US" dirty="0"/>
-              <a:t>– borrower profile, red flags, risk rating</a:t>
-            </a:r>
-            <a:endParaRPr lang="en-US" b="1" dirty="0"/>
+              <a:t>Scenario 3: Neural Network Using Grid Search </a:t>
+            </a:r>
+            <a:endParaRPr dirty="0"/>
           </a:p>
         </p:txBody>
       </p:sp>
@@ -51304,7 +53559,7 @@
           <p:cNvPr id="2" name="Slide Number Placeholder 1">
             <a:extLst>
               <a:ext uri="{FF2B5EF4-FFF2-40B4-BE49-F238E27FC236}">
-                <a16:creationId xmlns:a16="http://schemas.microsoft.com/office/drawing/2014/main" id="{0DF09D0F-AACB-5458-AB21-712F38BFE071}"/>
+                <a16:creationId xmlns:a16="http://schemas.microsoft.com/office/drawing/2014/main" id="{D5666580-CCBA-220C-87EE-4CBE7C5C6007}"/>
               </a:ext>
             </a:extLst>
           </p:cNvPr>
@@ -51330,14 +53585,680 @@
               <a:buNone/>
             </a:pPr>
             <a:fld id="{00000000-1234-1234-1234-123412341234}" type="slidenum">
-              <a:rPr lang="en" smtClean="0"/>
-              <a:t>5</a:t>
+              <a:rPr lang="en-US" smtClean="0"/>
+              <a:t>52</a:t>
             </a:fld>
-            <a:endParaRPr lang="en"/>
+            <a:endParaRPr lang="en-US"/>
+          </a:p>
+        </p:txBody>
+      </p:sp>
+      <p:sp>
+        <p:nvSpPr>
+          <p:cNvPr id="3" name="Google Shape;233;p48">
+            <a:extLst>
+              <a:ext uri="{FF2B5EF4-FFF2-40B4-BE49-F238E27FC236}">
+                <a16:creationId xmlns:a16="http://schemas.microsoft.com/office/drawing/2014/main" id="{3F78552E-211B-84AD-1493-56DC748EDDF6}"/>
+              </a:ext>
+            </a:extLst>
+          </p:cNvPr>
+          <p:cNvSpPr txBox="1">
+            <a:spLocks/>
+          </p:cNvSpPr>
+          <p:nvPr/>
+        </p:nvSpPr>
+        <p:spPr>
+          <a:xfrm>
+            <a:off x="524399" y="769830"/>
+            <a:ext cx="8307900" cy="3883131"/>
+          </a:xfrm>
+          <a:prstGeom prst="rect">
+            <a:avLst/>
+          </a:prstGeom>
+          <a:noFill/>
+          <a:ln>
+            <a:noFill/>
+          </a:ln>
+        </p:spPr>
+        <p:txBody>
+          <a:bodyPr spcFirstLastPara="1" wrap="square" lIns="91425" tIns="91425" rIns="91425" bIns="91425" anchor="t" anchorCtr="0">
+            <a:noAutofit/>
+          </a:bodyPr>
+          <a:lstStyle>
+            <a:defPPr marR="0" lvl="0" algn="l" rtl="0">
+              <a:lnSpc>
+                <a:spcPct val="100000"/>
+              </a:lnSpc>
+              <a:spcBef>
+                <a:spcPts val="0"/>
+              </a:spcBef>
+              <a:spcAft>
+                <a:spcPts val="0"/>
+              </a:spcAft>
+            </a:defPPr>
+            <a:lvl1pPr marL="457200" marR="0" lvl="0" indent="-323850" algn="l" rtl="0">
+              <a:lnSpc>
+                <a:spcPct val="115000"/>
+              </a:lnSpc>
+              <a:spcBef>
+                <a:spcPts val="0"/>
+              </a:spcBef>
+              <a:spcAft>
+                <a:spcPts val="0"/>
+              </a:spcAft>
+              <a:buClr>
+                <a:schemeClr val="dk2"/>
+              </a:buClr>
+              <a:buSzPts val="1500"/>
+              <a:buFont typeface="Nunito"/>
+              <a:buChar char="●"/>
+              <a:defRPr sz="1500" b="0" i="0" u="none" strike="noStrike" cap="none">
+                <a:solidFill>
+                  <a:schemeClr val="dk2"/>
+                </a:solidFill>
+                <a:latin typeface="Nunito"/>
+                <a:ea typeface="Nunito"/>
+                <a:cs typeface="Nunito"/>
+                <a:sym typeface="Nunito"/>
+              </a:defRPr>
+            </a:lvl1pPr>
+            <a:lvl2pPr marL="914400" marR="0" lvl="1" indent="-311150" algn="l" rtl="0">
+              <a:lnSpc>
+                <a:spcPct val="115000"/>
+              </a:lnSpc>
+              <a:spcBef>
+                <a:spcPts val="1600"/>
+              </a:spcBef>
+              <a:spcAft>
+                <a:spcPts val="0"/>
+              </a:spcAft>
+              <a:buClr>
+                <a:schemeClr val="dk2"/>
+              </a:buClr>
+              <a:buSzPts val="1300"/>
+              <a:buFont typeface="Nunito"/>
+              <a:buChar char="○"/>
+              <a:defRPr sz="1300" b="0" i="0" u="none" strike="noStrike" cap="none">
+                <a:solidFill>
+                  <a:schemeClr val="dk2"/>
+                </a:solidFill>
+                <a:latin typeface="Nunito"/>
+                <a:ea typeface="Nunito"/>
+                <a:cs typeface="Nunito"/>
+                <a:sym typeface="Nunito"/>
+              </a:defRPr>
+            </a:lvl2pPr>
+            <a:lvl3pPr marL="1371600" marR="0" lvl="2" indent="-304800" algn="l" rtl="0">
+              <a:lnSpc>
+                <a:spcPct val="115000"/>
+              </a:lnSpc>
+              <a:spcBef>
+                <a:spcPts val="1600"/>
+              </a:spcBef>
+              <a:spcAft>
+                <a:spcPts val="0"/>
+              </a:spcAft>
+              <a:buClr>
+                <a:schemeClr val="dk2"/>
+              </a:buClr>
+              <a:buSzPts val="1200"/>
+              <a:buFont typeface="Nunito"/>
+              <a:buChar char="■"/>
+              <a:defRPr sz="1200" b="0" i="0" u="none" strike="noStrike" cap="none">
+                <a:solidFill>
+                  <a:schemeClr val="dk2"/>
+                </a:solidFill>
+                <a:latin typeface="Nunito"/>
+                <a:ea typeface="Nunito"/>
+                <a:cs typeface="Nunito"/>
+                <a:sym typeface="Nunito"/>
+              </a:defRPr>
+            </a:lvl3pPr>
+            <a:lvl4pPr marL="1828800" marR="0" lvl="3" indent="-298450" algn="l" rtl="0">
+              <a:lnSpc>
+                <a:spcPct val="115000"/>
+              </a:lnSpc>
+              <a:spcBef>
+                <a:spcPts val="1600"/>
+              </a:spcBef>
+              <a:spcAft>
+                <a:spcPts val="0"/>
+              </a:spcAft>
+              <a:buClr>
+                <a:schemeClr val="dk2"/>
+              </a:buClr>
+              <a:buSzPts val="1100"/>
+              <a:buFont typeface="Nunito"/>
+              <a:buChar char="●"/>
+              <a:defRPr sz="1100" b="0" i="0" u="none" strike="noStrike" cap="none">
+                <a:solidFill>
+                  <a:schemeClr val="dk2"/>
+                </a:solidFill>
+                <a:latin typeface="Nunito"/>
+                <a:ea typeface="Nunito"/>
+                <a:cs typeface="Nunito"/>
+                <a:sym typeface="Nunito"/>
+              </a:defRPr>
+            </a:lvl4pPr>
+            <a:lvl5pPr marL="2286000" marR="0" lvl="4" indent="-292100" algn="l" rtl="0">
+              <a:lnSpc>
+                <a:spcPct val="115000"/>
+              </a:lnSpc>
+              <a:spcBef>
+                <a:spcPts val="1600"/>
+              </a:spcBef>
+              <a:spcAft>
+                <a:spcPts val="0"/>
+              </a:spcAft>
+              <a:buClr>
+                <a:schemeClr val="dk2"/>
+              </a:buClr>
+              <a:buSzPts val="1000"/>
+              <a:buFont typeface="Nunito"/>
+              <a:buChar char="○"/>
+              <a:defRPr sz="1000" b="0" i="0" u="none" strike="noStrike" cap="none">
+                <a:solidFill>
+                  <a:schemeClr val="dk2"/>
+                </a:solidFill>
+                <a:latin typeface="Nunito"/>
+                <a:ea typeface="Nunito"/>
+                <a:cs typeface="Nunito"/>
+                <a:sym typeface="Nunito"/>
+              </a:defRPr>
+            </a:lvl5pPr>
+            <a:lvl6pPr marL="2743200" marR="0" lvl="5" indent="-285750" algn="l" rtl="0">
+              <a:lnSpc>
+                <a:spcPct val="115000"/>
+              </a:lnSpc>
+              <a:spcBef>
+                <a:spcPts val="1600"/>
+              </a:spcBef>
+              <a:spcAft>
+                <a:spcPts val="0"/>
+              </a:spcAft>
+              <a:buClr>
+                <a:schemeClr val="dk2"/>
+              </a:buClr>
+              <a:buSzPts val="900"/>
+              <a:buFont typeface="Nunito"/>
+              <a:buChar char="■"/>
+              <a:defRPr sz="900" b="0" i="0" u="none" strike="noStrike" cap="none">
+                <a:solidFill>
+                  <a:schemeClr val="dk2"/>
+                </a:solidFill>
+                <a:latin typeface="Nunito"/>
+                <a:ea typeface="Nunito"/>
+                <a:cs typeface="Nunito"/>
+                <a:sym typeface="Nunito"/>
+              </a:defRPr>
+            </a:lvl6pPr>
+            <a:lvl7pPr marL="3200400" marR="0" lvl="6" indent="-279400" algn="l" rtl="0">
+              <a:lnSpc>
+                <a:spcPct val="115000"/>
+              </a:lnSpc>
+              <a:spcBef>
+                <a:spcPts val="1600"/>
+              </a:spcBef>
+              <a:spcAft>
+                <a:spcPts val="0"/>
+              </a:spcAft>
+              <a:buClr>
+                <a:schemeClr val="dk2"/>
+              </a:buClr>
+              <a:buSzPts val="800"/>
+              <a:buFont typeface="Nunito"/>
+              <a:buChar char="●"/>
+              <a:defRPr sz="800" b="0" i="0" u="none" strike="noStrike" cap="none">
+                <a:solidFill>
+                  <a:schemeClr val="dk2"/>
+                </a:solidFill>
+                <a:latin typeface="Nunito"/>
+                <a:ea typeface="Nunito"/>
+                <a:cs typeface="Nunito"/>
+                <a:sym typeface="Nunito"/>
+              </a:defRPr>
+            </a:lvl7pPr>
+            <a:lvl8pPr marL="3657600" marR="0" lvl="7" indent="-273050" algn="l" rtl="0">
+              <a:lnSpc>
+                <a:spcPct val="115000"/>
+              </a:lnSpc>
+              <a:spcBef>
+                <a:spcPts val="1600"/>
+              </a:spcBef>
+              <a:spcAft>
+                <a:spcPts val="0"/>
+              </a:spcAft>
+              <a:buClr>
+                <a:schemeClr val="dk2"/>
+              </a:buClr>
+              <a:buSzPts val="700"/>
+              <a:buFont typeface="Nunito"/>
+              <a:buChar char="○"/>
+              <a:defRPr sz="700" b="0" i="0" u="none" strike="noStrike" cap="none">
+                <a:solidFill>
+                  <a:schemeClr val="dk2"/>
+                </a:solidFill>
+                <a:latin typeface="Nunito"/>
+                <a:ea typeface="Nunito"/>
+                <a:cs typeface="Nunito"/>
+                <a:sym typeface="Nunito"/>
+              </a:defRPr>
+            </a:lvl8pPr>
+            <a:lvl9pPr marL="4114800" marR="0" lvl="8" indent="-266700" algn="l" rtl="0">
+              <a:lnSpc>
+                <a:spcPct val="115000"/>
+              </a:lnSpc>
+              <a:spcBef>
+                <a:spcPts val="1600"/>
+              </a:spcBef>
+              <a:spcAft>
+                <a:spcPts val="1600"/>
+              </a:spcAft>
+              <a:buClr>
+                <a:schemeClr val="dk2"/>
+              </a:buClr>
+              <a:buSzPts val="600"/>
+              <a:buFont typeface="Nunito"/>
+              <a:buChar char="■"/>
+              <a:defRPr sz="600" b="0" i="0" u="none" strike="noStrike" cap="none">
+                <a:solidFill>
+                  <a:schemeClr val="dk2"/>
+                </a:solidFill>
+                <a:latin typeface="Nunito"/>
+                <a:ea typeface="Nunito"/>
+                <a:cs typeface="Nunito"/>
+                <a:sym typeface="Nunito"/>
+              </a:defRPr>
+            </a:lvl9pPr>
+          </a:lstStyle>
+          <a:p>
+            <a:pPr marL="171450" indent="-171450" algn="just">
+              <a:spcBef>
+                <a:spcPts val="400"/>
+              </a:spcBef>
+              <a:buClr>
+                <a:schemeClr val="dk1"/>
+              </a:buClr>
+              <a:buSzPts val="1400"/>
+            </a:pPr>
+            <a:r>
+              <a:rPr lang="en-US" sz="1200" b="1" dirty="0">
+                <a:solidFill>
+                  <a:schemeClr val="dk1"/>
+                </a:solidFill>
+                <a:latin typeface="Nunito" pitchFamily="2" charset="0"/>
+                <a:ea typeface="Century Gothic"/>
+                <a:cs typeface="Century Gothic"/>
+                <a:sym typeface="Century Gothic"/>
+              </a:rPr>
+              <a:t>Analysis</a:t>
+            </a:r>
+          </a:p>
+          <a:p>
+            <a:pPr marL="628650" lvl="1" indent="-171450" algn="just">
+              <a:spcBef>
+                <a:spcPts val="400"/>
+              </a:spcBef>
+              <a:buClr>
+                <a:schemeClr val="dk1"/>
+              </a:buClr>
+              <a:buSzPts val="1400"/>
+            </a:pPr>
+            <a:r>
+              <a:rPr lang="en-US" sz="1000" b="1" dirty="0">
+                <a:solidFill>
+                  <a:schemeClr val="dk1"/>
+                </a:solidFill>
+                <a:latin typeface="Nunito" pitchFamily="2" charset="0"/>
+                <a:ea typeface="Century Gothic"/>
+                <a:cs typeface="Century Gothic"/>
+                <a:sym typeface="Century Gothic"/>
+              </a:rPr>
+              <a:t>Accuracy</a:t>
+            </a:r>
+          </a:p>
+          <a:p>
+            <a:pPr marL="1085850" lvl="2" indent="-171450" algn="just">
+              <a:spcBef>
+                <a:spcPts val="400"/>
+              </a:spcBef>
+              <a:buClr>
+                <a:schemeClr val="dk1"/>
+              </a:buClr>
+              <a:buSzPts val="1400"/>
+            </a:pPr>
+            <a:r>
+              <a:rPr lang="en-US" sz="900" b="1" dirty="0"/>
+              <a:t>≈88%</a:t>
+            </a:r>
+            <a:r>
+              <a:rPr lang="en-US" sz="900" dirty="0"/>
+              <a:t> is roughly </a:t>
+            </a:r>
+            <a:r>
+              <a:rPr lang="en-US" sz="900" b="1" dirty="0"/>
+              <a:t>8%</a:t>
+            </a:r>
+            <a:r>
+              <a:rPr lang="en-US" sz="900" dirty="0"/>
+              <a:t> better than </a:t>
+            </a:r>
+            <a:r>
+              <a:rPr lang="en-US" sz="900" b="1" dirty="0"/>
+              <a:t>80% </a:t>
+            </a:r>
+            <a:r>
+              <a:rPr lang="en-US" sz="900" dirty="0"/>
+              <a:t>baseline</a:t>
+            </a:r>
+          </a:p>
+          <a:p>
+            <a:pPr marL="1085850" lvl="2" indent="-171450" algn="just">
+              <a:spcBef>
+                <a:spcPts val="400"/>
+              </a:spcBef>
+              <a:buClr>
+                <a:schemeClr val="dk1"/>
+              </a:buClr>
+              <a:buSzPts val="1400"/>
+            </a:pPr>
+            <a:r>
+              <a:rPr lang="en-US" sz="900" dirty="0"/>
+              <a:t>Model is learning slightly better over tuned </a:t>
+            </a:r>
+            <a:r>
+              <a:rPr lang="en-US" sz="900" b="1" dirty="0"/>
+              <a:t>Basic NN</a:t>
+            </a:r>
+            <a:endParaRPr lang="en-US" sz="900" dirty="0"/>
+          </a:p>
+          <a:p>
+            <a:pPr marL="1085850" lvl="2" indent="-171450" algn="just">
+              <a:spcBef>
+                <a:spcPts val="400"/>
+              </a:spcBef>
+              <a:buClr>
+                <a:schemeClr val="dk1"/>
+              </a:buClr>
+              <a:buSzPts val="1400"/>
+            </a:pPr>
+            <a:r>
+              <a:rPr lang="en-US" sz="900" dirty="0"/>
+              <a:t>Best overall accuracy</a:t>
+            </a:r>
+          </a:p>
+          <a:p>
+            <a:pPr marL="1085850" lvl="2" indent="-171450" algn="just">
+              <a:spcBef>
+                <a:spcPts val="400"/>
+              </a:spcBef>
+              <a:buClr>
+                <a:schemeClr val="dk1"/>
+              </a:buClr>
+              <a:buSzPts val="1400"/>
+            </a:pPr>
+            <a:r>
+              <a:rPr lang="en-US" sz="900" dirty="0"/>
+              <a:t>Not overfitting</a:t>
+            </a:r>
+            <a:endParaRPr lang="en-US" sz="900" b="1" dirty="0">
+              <a:solidFill>
+                <a:schemeClr val="dk1"/>
+              </a:solidFill>
+              <a:latin typeface="Nunito" pitchFamily="2" charset="0"/>
+              <a:ea typeface="Century Gothic"/>
+              <a:cs typeface="Century Gothic"/>
+              <a:sym typeface="Century Gothic"/>
+            </a:endParaRPr>
+          </a:p>
+          <a:p>
+            <a:pPr marL="628650" lvl="1" indent="-171450" algn="just">
+              <a:spcBef>
+                <a:spcPts val="400"/>
+              </a:spcBef>
+              <a:buClr>
+                <a:schemeClr val="dk1"/>
+              </a:buClr>
+              <a:buSzPts val="1400"/>
+            </a:pPr>
+            <a:r>
+              <a:rPr lang="en-US" sz="1000" b="1" dirty="0">
+                <a:solidFill>
+                  <a:schemeClr val="dk1"/>
+                </a:solidFill>
+                <a:latin typeface="Nunito" pitchFamily="2" charset="0"/>
+                <a:ea typeface="Century Gothic"/>
+                <a:cs typeface="Century Gothic"/>
+                <a:sym typeface="Century Gothic"/>
+              </a:rPr>
+              <a:t>Kappa</a:t>
+            </a:r>
+          </a:p>
+          <a:p>
+            <a:pPr marL="1085850" lvl="2" indent="-171450" algn="just">
+              <a:spcBef>
+                <a:spcPts val="400"/>
+              </a:spcBef>
+              <a:buClr>
+                <a:schemeClr val="dk1"/>
+              </a:buClr>
+              <a:buSzPts val="1400"/>
+            </a:pPr>
+            <a:r>
+              <a:rPr lang="en-US" sz="900" dirty="0"/>
+              <a:t>Decreased from hand tuned parameters</a:t>
+            </a:r>
+          </a:p>
+          <a:p>
+            <a:pPr marL="1085850" lvl="2" indent="-171450" algn="just">
+              <a:spcBef>
+                <a:spcPts val="400"/>
+              </a:spcBef>
+              <a:buClr>
+                <a:schemeClr val="dk1"/>
+              </a:buClr>
+              <a:buSzPts val="1400"/>
+            </a:pPr>
+            <a:r>
+              <a:rPr lang="en-US" sz="900" dirty="0"/>
+              <a:t>Less balanced (weighted) prediction</a:t>
+            </a:r>
+            <a:endParaRPr lang="en-US" sz="900" dirty="0">
+              <a:solidFill>
+                <a:schemeClr val="dk1"/>
+              </a:solidFill>
+              <a:latin typeface="Nunito" pitchFamily="2" charset="0"/>
+              <a:ea typeface="Century Gothic"/>
+              <a:cs typeface="Century Gothic"/>
+              <a:sym typeface="Century Gothic"/>
+            </a:endParaRPr>
+          </a:p>
+          <a:p>
+            <a:pPr marL="628650" lvl="1" indent="-171450" algn="just">
+              <a:spcBef>
+                <a:spcPts val="400"/>
+              </a:spcBef>
+              <a:buClr>
+                <a:schemeClr val="dk1"/>
+              </a:buClr>
+              <a:buSzPts val="1400"/>
+            </a:pPr>
+            <a:r>
+              <a:rPr lang="en-US" sz="1000" b="1" dirty="0">
+                <a:solidFill>
+                  <a:schemeClr val="dk1"/>
+                </a:solidFill>
+                <a:latin typeface="Nunito" pitchFamily="2" charset="0"/>
+                <a:ea typeface="Century Gothic"/>
+                <a:cs typeface="Century Gothic"/>
+                <a:sym typeface="Century Gothic"/>
+              </a:rPr>
+              <a:t>Weighted Recall</a:t>
+            </a:r>
+          </a:p>
+          <a:p>
+            <a:pPr marL="1085850" lvl="2" indent="-171450" algn="just">
+              <a:spcBef>
+                <a:spcPts val="400"/>
+              </a:spcBef>
+              <a:buClr>
+                <a:schemeClr val="dk1"/>
+              </a:buClr>
+              <a:buSzPts val="1400"/>
+            </a:pPr>
+            <a:r>
+              <a:rPr lang="en-US" sz="900" dirty="0"/>
+              <a:t>Lowest overall</a:t>
+            </a:r>
+          </a:p>
+          <a:p>
+            <a:pPr marL="1085850" lvl="2" indent="-171450" algn="just">
+              <a:spcBef>
+                <a:spcPts val="400"/>
+              </a:spcBef>
+              <a:buClr>
+                <a:schemeClr val="dk1"/>
+              </a:buClr>
+              <a:buSzPts val="1400"/>
+            </a:pPr>
+            <a:r>
+              <a:rPr lang="en-US" sz="900" dirty="0"/>
+              <a:t>Catching fewer cases overall</a:t>
+            </a:r>
+          </a:p>
+          <a:p>
+            <a:pPr marL="1085850" lvl="2" indent="-171450" algn="just">
+              <a:spcBef>
+                <a:spcPts val="400"/>
+              </a:spcBef>
+              <a:buClr>
+                <a:schemeClr val="dk1"/>
+              </a:buClr>
+              <a:buSzPts val="1400"/>
+            </a:pPr>
+            <a:r>
+              <a:rPr lang="en-US" sz="900" dirty="0">
+                <a:solidFill>
+                  <a:schemeClr val="dk1"/>
+                </a:solidFill>
+                <a:latin typeface="Nunito" pitchFamily="2" charset="0"/>
+                <a:ea typeface="Century Gothic"/>
+                <a:cs typeface="Century Gothic"/>
+                <a:sym typeface="Century Gothic"/>
+              </a:rPr>
+              <a:t>Trade-off for higher precision</a:t>
+            </a:r>
+          </a:p>
+          <a:p>
+            <a:pPr marL="628650" lvl="1" indent="-171450" algn="just">
+              <a:spcBef>
+                <a:spcPts val="400"/>
+              </a:spcBef>
+              <a:buClr>
+                <a:schemeClr val="dk1"/>
+              </a:buClr>
+              <a:buSzPts val="1400"/>
+            </a:pPr>
+            <a:r>
+              <a:rPr lang="en-US" sz="1000" b="1" dirty="0">
+                <a:solidFill>
+                  <a:schemeClr val="dk1"/>
+                </a:solidFill>
+                <a:latin typeface="Nunito" pitchFamily="2" charset="0"/>
+                <a:ea typeface="Century Gothic"/>
+                <a:cs typeface="Century Gothic"/>
+                <a:sym typeface="Century Gothic"/>
+              </a:rPr>
+              <a:t>Weighted Precision </a:t>
+            </a:r>
+          </a:p>
+          <a:p>
+            <a:pPr marL="1085850" lvl="2" indent="-171450" algn="just">
+              <a:spcBef>
+                <a:spcPts val="400"/>
+              </a:spcBef>
+              <a:buClr>
+                <a:schemeClr val="dk1"/>
+              </a:buClr>
+              <a:buSzPts val="1400"/>
+            </a:pPr>
+            <a:r>
+              <a:rPr lang="en-US" sz="900" dirty="0"/>
+              <a:t>Model is </a:t>
+            </a:r>
+            <a:r>
+              <a:rPr lang="en-US" sz="900" b="1" dirty="0"/>
+              <a:t>≈89% </a:t>
+            </a:r>
+            <a:r>
+              <a:rPr lang="en-US" sz="900" dirty="0"/>
+              <a:t>correct when it makes a prediction (weighted)</a:t>
+            </a:r>
+          </a:p>
+          <a:p>
+            <a:pPr marL="1085850" lvl="2" indent="-171450" algn="just">
+              <a:spcBef>
+                <a:spcPts val="400"/>
+              </a:spcBef>
+              <a:buClr>
+                <a:schemeClr val="dk1"/>
+              </a:buClr>
+              <a:buSzPts val="1400"/>
+            </a:pPr>
+            <a:r>
+              <a:rPr lang="en-US" sz="900" dirty="0"/>
+              <a:t>Significant improvement over tuned </a:t>
+            </a:r>
+            <a:r>
+              <a:rPr lang="en-US" sz="900" b="1" dirty="0"/>
+              <a:t>Basic NN</a:t>
+            </a:r>
+          </a:p>
+          <a:p>
+            <a:pPr marL="1085850" lvl="2" indent="-171450" algn="just">
+              <a:spcBef>
+                <a:spcPts val="400"/>
+              </a:spcBef>
+              <a:buClr>
+                <a:schemeClr val="dk1"/>
+              </a:buClr>
+              <a:buSzPts val="1400"/>
+            </a:pPr>
+            <a:r>
+              <a:rPr lang="en-US" sz="900" b="1" dirty="0" err="1">
+                <a:solidFill>
+                  <a:schemeClr val="dk1"/>
+                </a:solidFill>
+                <a:latin typeface="Nunito" pitchFamily="2" charset="0"/>
+                <a:sym typeface="Century Gothic"/>
+              </a:rPr>
+              <a:t>GricSearchCV</a:t>
+            </a:r>
+            <a:r>
+              <a:rPr lang="en-US" sz="900" dirty="0">
+                <a:solidFill>
+                  <a:schemeClr val="dk1"/>
+                </a:solidFill>
+                <a:latin typeface="Nunito" pitchFamily="2" charset="0"/>
+                <a:sym typeface="Century Gothic"/>
+              </a:rPr>
+              <a:t> most benefited this metric</a:t>
+            </a:r>
+            <a:endParaRPr lang="en-US" sz="1000" dirty="0">
+              <a:solidFill>
+                <a:schemeClr val="dk1"/>
+              </a:solidFill>
+              <a:latin typeface="Nunito" pitchFamily="2" charset="0"/>
+              <a:sym typeface="Century Gothic"/>
+            </a:endParaRPr>
           </a:p>
         </p:txBody>
       </p:sp>
     </p:spTree>
+    <p:extLst>
+      <p:ext uri="{BB962C8B-B14F-4D97-AF65-F5344CB8AC3E}">
+        <p14:creationId xmlns:p14="http://schemas.microsoft.com/office/powerpoint/2010/main" val="2697495039"/>
+      </p:ext>
+    </p:extLst>
   </p:cSld>
   <p:clrMapOvr>
     <a:masterClrMapping/>
@@ -51345,7 +54266,7 @@
 </p:sld>
 </file>
 
-<file path=ppt/slides/slide50.xml><?xml version="1.0" encoding="utf-8"?>
+<file path=ppt/slides/slide53.xml><?xml version="1.0" encoding="utf-8"?>
 <p:sld xmlns:a="http://schemas.openxmlformats.org/drawingml/2006/main" xmlns:r="http://schemas.openxmlformats.org/officeDocument/2006/relationships" xmlns:p="http://schemas.openxmlformats.org/presentationml/2006/main">
   <p:cSld>
     <p:spTree>
@@ -51374,7 +54295,7 @@
         </p:nvSpPr>
         <p:spPr>
           <a:xfrm>
-            <a:off x="202550" y="861975"/>
+            <a:off x="257100" y="2768747"/>
             <a:ext cx="8629800" cy="1241100"/>
           </a:xfrm>
           <a:prstGeom prst="rect">
@@ -51406,7 +54327,7 @@
               <a:buChar char="●"/>
             </a:pPr>
             <a:r>
-              <a:rPr lang="en-US" sz="1400">
+              <a:rPr lang="en-US" sz="1400" dirty="0">
                 <a:latin typeface="Century Gothic"/>
                 <a:ea typeface="Century Gothic"/>
                 <a:cs typeface="Century Gothic"/>
@@ -51414,7 +54335,7 @@
               </a:rPr>
               <a:t>Which model is best for predicting loan defaults, and which metric is most important to check? Why?</a:t>
             </a:r>
-            <a:endParaRPr/>
+            <a:endParaRPr dirty="0"/>
           </a:p>
           <a:p>
             <a:pPr marL="457200" lvl="0" indent="-317500" algn="l" rtl="0">
@@ -51432,7 +54353,7 @@
               <a:buChar char="●"/>
             </a:pPr>
             <a:r>
-              <a:rPr lang="en-US" sz="1400">
+              <a:rPr lang="en-US" sz="1400" dirty="0">
                 <a:latin typeface="Century Gothic"/>
                 <a:ea typeface="Century Gothic"/>
                 <a:cs typeface="Century Gothic"/>
@@ -51440,7 +54361,7 @@
               </a:rPr>
               <a:t>Which metric is most important, and why?</a:t>
             </a:r>
-            <a:endParaRPr/>
+            <a:endParaRPr dirty="0"/>
           </a:p>
           <a:p>
             <a:pPr marL="457200" lvl="0" indent="-317500" algn="l" rtl="0">
@@ -51458,7 +54379,7 @@
               <a:buChar char="●"/>
             </a:pPr>
             <a:r>
-              <a:rPr lang="en-US" sz="1400">
+              <a:rPr lang="en-US" sz="1400" dirty="0">
                 <a:latin typeface="Century Gothic"/>
                 <a:ea typeface="Century Gothic"/>
                 <a:cs typeface="Century Gothic"/>
@@ -51466,7 +54387,7 @@
               </a:rPr>
               <a:t>What advice would you give the business from this model?</a:t>
             </a:r>
-            <a:endParaRPr sz="1400">
+            <a:endParaRPr sz="1400" dirty="0">
               <a:latin typeface="Century Gothic"/>
               <a:ea typeface="Century Gothic"/>
               <a:cs typeface="Century Gothic"/>
@@ -51483,7 +54404,7 @@
         </p:nvSpPr>
         <p:spPr>
           <a:xfrm>
-            <a:off x="202550" y="289279"/>
+            <a:off x="257100" y="36414"/>
             <a:ext cx="8520600" cy="572700"/>
           </a:xfrm>
           <a:prstGeom prst="rect">
@@ -51518,7 +54439,7 @@
               <a:buNone/>
             </a:pPr>
             <a:r>
-              <a:rPr lang="en-US" sz="2200" b="1" i="0" u="none" strike="noStrike" cap="none">
+              <a:rPr lang="en-US" sz="2200" b="1" i="0" u="none" strike="noStrike" cap="none" dirty="0">
                 <a:solidFill>
                   <a:schemeClr val="lt2"/>
                 </a:solidFill>
@@ -51529,7 +54450,7 @@
               </a:rPr>
               <a:t>Model Performance Summary</a:t>
             </a:r>
-            <a:endParaRPr sz="2200" b="1" i="0" u="none" strike="noStrike" cap="none">
+            <a:endParaRPr sz="2200" b="1" i="0" u="none" strike="noStrike" cap="none" dirty="0">
               <a:solidFill>
                 <a:schemeClr val="lt2"/>
               </a:solidFill>
@@ -51545,10 +54466,16 @@
         <p:nvGraphicFramePr>
           <p:cNvPr id="255" name="Google Shape;255;p51"/>
           <p:cNvGraphicFramePr/>
-          <p:nvPr/>
+          <p:nvPr>
+            <p:extLst>
+              <p:ext uri="{D42A27DB-BD31-4B8C-83A1-F6EECF244321}">
+                <p14:modId xmlns:p14="http://schemas.microsoft.com/office/powerpoint/2010/main" val="2698225295"/>
+              </p:ext>
+            </p:extLst>
+          </p:nvPr>
         </p:nvGraphicFramePr>
         <p:xfrm>
-          <a:off x="1916213" y="2367750"/>
+          <a:off x="1753180" y="742910"/>
           <a:ext cx="5311575" cy="1828840"/>
         </p:xfrm>
         <a:graphic>
@@ -51619,7 +54546,7 @@
                         <a:buNone/>
                       </a:pPr>
                       <a:r>
-                        <a:rPr lang="en-US" sz="1200" u="none" strike="noStrike" cap="none">
+                        <a:rPr lang="en-US" sz="1200" u="none" strike="noStrike" cap="none" dirty="0">
                           <a:latin typeface="Nunito"/>
                           <a:ea typeface="Nunito"/>
                           <a:cs typeface="Nunito"/>
@@ -51627,7 +54554,7 @@
                         </a:rPr>
                         <a:t>Metric</a:t>
                       </a:r>
-                      <a:endParaRPr sz="1200" u="none" strike="noStrike" cap="none">
+                      <a:endParaRPr sz="1200" u="none" strike="noStrike" cap="none" dirty="0">
                         <a:latin typeface="Nunito"/>
                         <a:ea typeface="Nunito"/>
                         <a:cs typeface="Nunito"/>
@@ -52694,7 +55621,7 @@
                         <a:buNone/>
                       </a:pPr>
                       <a:r>
-                        <a:rPr lang="en-US" sz="1200" u="none" strike="noStrike" cap="none">
+                        <a:rPr lang="en-US" sz="1200" u="none" strike="noStrike" cap="none" dirty="0">
                           <a:latin typeface="Nunito"/>
                           <a:ea typeface="Nunito"/>
                           <a:cs typeface="Nunito"/>
@@ -52703,7 +55630,7 @@
                         <a:t>8</a:t>
                       </a:r>
                       <a:r>
-                        <a:rPr lang="en-US" sz="1200">
+                        <a:rPr lang="en-US" sz="1200" dirty="0">
                           <a:latin typeface="Nunito"/>
                           <a:ea typeface="Nunito"/>
                           <a:cs typeface="Nunito"/>
@@ -52712,7 +55639,7 @@
                         <a:t>9</a:t>
                       </a:r>
                       <a:r>
-                        <a:rPr lang="en-US" sz="1200" u="none" strike="noStrike" cap="none">
+                        <a:rPr lang="en-US" sz="1200" u="none" strike="noStrike" cap="none" dirty="0">
                           <a:latin typeface="Nunito"/>
                           <a:ea typeface="Nunito"/>
                           <a:cs typeface="Nunito"/>
@@ -52721,7 +55648,7 @@
                         <a:t>.</a:t>
                       </a:r>
                       <a:r>
-                        <a:rPr lang="en-US" sz="1200">
+                        <a:rPr lang="en-US" sz="1200" dirty="0">
                           <a:latin typeface="Nunito"/>
                           <a:ea typeface="Nunito"/>
                           <a:cs typeface="Nunito"/>
@@ -52729,7 +55656,7 @@
                         </a:rPr>
                         <a:t>25</a:t>
                       </a:r>
-                      <a:endParaRPr sz="1200" u="none" strike="noStrike" cap="none">
+                      <a:endParaRPr sz="1200" u="none" strike="noStrike" cap="none" dirty="0">
                         <a:latin typeface="Nunito"/>
                         <a:ea typeface="Nunito"/>
                         <a:cs typeface="Nunito"/>
@@ -52818,7 +55745,7 @@
             </a:pPr>
             <a:fld id="{00000000-1234-1234-1234-123412341234}" type="slidenum">
               <a:rPr lang="en-US" smtClean="0"/>
-              <a:t>50</a:t>
+              <a:t>53</a:t>
             </a:fld>
             <a:endParaRPr lang="en-US"/>
           </a:p>
@@ -52832,7 +55759,7 @@
 </p:sld>
 </file>
 
-<file path=ppt/slides/slide51.xml><?xml version="1.0" encoding="utf-8"?>
+<file path=ppt/slides/slide54.xml><?xml version="1.0" encoding="utf-8"?>
 <p:sld xmlns:a="http://schemas.openxmlformats.org/drawingml/2006/main" xmlns:r="http://schemas.openxmlformats.org/officeDocument/2006/relationships" xmlns:p="http://schemas.openxmlformats.org/presentationml/2006/main">
   <p:cSld>
     <p:spTree>
@@ -53017,7 +55944,7 @@
             </a:pPr>
             <a:fld id="{00000000-1234-1234-1234-123412341234}" type="slidenum">
               <a:rPr lang="en-US" smtClean="0"/>
-              <a:t>51</a:t>
+              <a:t>54</a:t>
             </a:fld>
             <a:endParaRPr lang="en-US"/>
           </a:p>
@@ -53031,7 +55958,7 @@
 </p:sld>
 </file>
 
-<file path=ppt/slides/slide52.xml><?xml version="1.0" encoding="utf-8"?>
+<file path=ppt/slides/slide55.xml><?xml version="1.0" encoding="utf-8"?>
 <p:sld xmlns:a="http://schemas.openxmlformats.org/drawingml/2006/main" xmlns:r="http://schemas.openxmlformats.org/officeDocument/2006/relationships" xmlns:p="http://schemas.openxmlformats.org/presentationml/2006/main">
   <p:cSld>
     <p:spTree>
@@ -53124,7 +56051,7 @@
 </p:sld>
 </file>
 
-<file path=ppt/slides/slide53.xml><?xml version="1.0" encoding="utf-8"?>
+<file path=ppt/slides/slide56.xml><?xml version="1.0" encoding="utf-8"?>
 <p:sld xmlns:a="http://schemas.openxmlformats.org/drawingml/2006/main" xmlns:r="http://schemas.openxmlformats.org/officeDocument/2006/relationships" xmlns:p="http://schemas.openxmlformats.org/presentationml/2006/main">
   <p:cSld>
     <p:spTree>
@@ -53309,7 +56236,7 @@
             </a:pPr>
             <a:fld id="{00000000-1234-1234-1234-123412341234}" type="slidenum">
               <a:rPr lang="en-US" smtClean="0"/>
-              <a:t>53</a:t>
+              <a:t>56</a:t>
             </a:fld>
             <a:endParaRPr lang="en-US"/>
           </a:p>
@@ -53323,7 +56250,7 @@
 </p:sld>
 </file>
 
-<file path=ppt/slides/slide54.xml><?xml version="1.0" encoding="utf-8"?>
+<file path=ppt/slides/slide57.xml><?xml version="1.0" encoding="utf-8"?>
 <p:sld xmlns:a="http://schemas.openxmlformats.org/drawingml/2006/main" xmlns:r="http://schemas.openxmlformats.org/officeDocument/2006/relationships" xmlns:p="http://schemas.openxmlformats.org/presentationml/2006/main">
   <p:cSld>
     <p:spTree>
@@ -53430,7 +56357,7 @@
             </a:pPr>
             <a:fld id="{00000000-1234-1234-1234-123412341234}" type="slidenum">
               <a:rPr lang="en-US"/>
-              <a:t>54</a:t>
+              <a:t>57</a:t>
             </a:fld>
             <a:endParaRPr/>
           </a:p>
